--- a/Javascript.pptx
+++ b/Javascript.pptx
@@ -40,11 +40,11 @@
     <p:sldId id="281" r:id="rId34"/>
     <p:sldId id="289" r:id="rId35"/>
     <p:sldId id="290" r:id="rId36"/>
-    <p:sldId id="295" r:id="rId37"/>
-    <p:sldId id="291" r:id="rId38"/>
-    <p:sldId id="292" r:id="rId39"/>
-    <p:sldId id="294" r:id="rId40"/>
-    <p:sldId id="293" r:id="rId41"/>
+    <p:sldId id="291" r:id="rId37"/>
+    <p:sldId id="292" r:id="rId38"/>
+    <p:sldId id="299" r:id="rId39"/>
+    <p:sldId id="293" r:id="rId40"/>
+    <p:sldId id="295" r:id="rId41"/>
   </p:sldIdLst>
   <p:sldSz cx="9144000" cy="6858000" type="screen4x3"/>
   <p:notesSz cx="6858000" cy="9144000"/>
@@ -154,12 +154,15 @@
 <file path=ppt/revisionInfo.xml><?xml version="1.0" encoding="utf-8"?>
 <p1510:revInfo xmlns:a="http://schemas.openxmlformats.org/drawingml/2006/main" xmlns:r="http://schemas.openxmlformats.org/officeDocument/2006/relationships" xmlns:p1510="http://schemas.microsoft.com/office/powerpoint/2015/10/main">
   <p1510:revLst>
+    <p1510:client id="{36D0BE91-E8E9-7A67-4D45-35D6594435A8}" v="552" dt="2019-11-12T12:10:34.725"/>
     <p1510:client id="{38B46382-DAC1-EC02-9741-7C1E2C1EE79E}" v="1" dt="2019-11-10T20:32:54.948"/>
     <p1510:client id="{632A1651-6036-33FD-C8E2-F95E4F72265A}" v="2251" dt="2019-11-11T22:23:38.050"/>
     <p1510:client id="{6B517C38-4A99-C407-302D-7F28E1679330}" v="1" dt="2019-11-10T23:24:49.594"/>
     <p1510:client id="{9707EE11-FCA1-9A63-8B12-714FF43E195A}" v="1367" dt="2019-11-11T23:05:14.130"/>
     <p1510:client id="{A185AFBD-6D70-9B21-C6E4-B8197EDBAA04}" v="228" dt="2019-11-11T21:17:59.840"/>
     <p1510:client id="{A1E48580-2538-4842-A822-E2C906783EEC}" v="300" dt="2019-11-12T00:22:52.784"/>
+    <p1510:client id="{BDC9E7D7-BE52-EBB8-B1DF-4380543D8069}" v="259" dt="2019-11-12T11:51:32.029"/>
+    <p1510:client id="{C28D8D99-F6B3-6415-4723-3C5E5FD8FE6B}" v="38" dt="2019-11-12T11:13:13.623"/>
   </p1510:revLst>
 </p1510:revInfo>
 </file>
@@ -223,7 +226,7 @@
           </a:lstStyle>
           <a:p>
             <a:r>
-              <a:rPr lang="en-US" dirty="0"/>
+              <a:rPr lang="en-US"/>
               <a:t>Click to edit Master title style</a:t>
             </a:r>
           </a:p>
@@ -341,7 +344,7 @@
           </a:lstStyle>
           <a:p>
             <a:r>
-              <a:rPr lang="en-US" dirty="0"/>
+              <a:rPr lang="en-US"/>
               <a:t>Click to edit Master subtitle style</a:t>
             </a:r>
           </a:p>
@@ -365,9 +368,9 @@
             <a:fld id="{B61BEF0D-F0BB-DE4B-95CE-6DB70DBA9567}" type="datetimeFigureOut">
               <a:rPr lang="en-US" dirty="0"/>
               <a:pPr/>
-              <a:t>11/11/2019</a:t>
+              <a:t>11/12/2019</a:t>
             </a:fld>
-            <a:endParaRPr lang="en-US" dirty="0"/>
+            <a:endParaRPr lang="en-US"/>
           </a:p>
         </p:txBody>
       </p:sp>
@@ -386,7 +389,7 @@
           <a:bodyPr/>
           <a:lstStyle/>
           <a:p>
-            <a:endParaRPr lang="en-US" dirty="0"/>
+            <a:endParaRPr lang="en-US"/>
           </a:p>
         </p:txBody>
       </p:sp>
@@ -410,7 +413,7 @@
               <a:pPr/>
               <a:t>‹#›</a:t>
             </a:fld>
-            <a:endParaRPr lang="en-US" dirty="0"/>
+            <a:endParaRPr lang="en-US"/>
           </a:p>
         </p:txBody>
       </p:sp>
@@ -471,7 +474,7 @@
           </a:lstStyle>
           <a:p>
             <a:r>
-              <a:rPr lang="en-US" dirty="0"/>
+              <a:rPr lang="en-US"/>
               <a:t>Click to edit Master title style</a:t>
             </a:r>
           </a:p>
@@ -564,7 +567,7 @@
             </a:lvl9pPr>
           </a:lstStyle>
           <a:p>
-            <a:endParaRPr lang="en-US" dirty="0"/>
+            <a:endParaRPr lang="en-US"/>
           </a:p>
         </p:txBody>
       </p:sp>
@@ -629,7 +632,7 @@
           <a:p>
             <a:pPr lvl="0"/>
             <a:r>
-              <a:rPr lang="en-US" dirty="0"/>
+              <a:rPr lang="en-US"/>
               <a:t>Click to edit Master text styles</a:t>
             </a:r>
           </a:p>
@@ -653,9 +656,9 @@
             <a:fld id="{B61BEF0D-F0BB-DE4B-95CE-6DB70DBA9567}" type="datetimeFigureOut">
               <a:rPr lang="en-US" dirty="0"/>
               <a:pPr/>
-              <a:t>11/11/2019</a:t>
+              <a:t>11/12/2019</a:t>
             </a:fld>
-            <a:endParaRPr lang="en-US" dirty="0"/>
+            <a:endParaRPr lang="en-US"/>
           </a:p>
         </p:txBody>
       </p:sp>
@@ -679,7 +682,7 @@
           <a:bodyPr/>
           <a:lstStyle/>
           <a:p>
-            <a:endParaRPr lang="en-US" dirty="0"/>
+            <a:endParaRPr lang="en-US"/>
           </a:p>
         </p:txBody>
       </p:sp>
@@ -703,7 +706,7 @@
               <a:pPr/>
               <a:t>‹#›</a:t>
             </a:fld>
-            <a:endParaRPr lang="en-US" dirty="0"/>
+            <a:endParaRPr lang="en-US"/>
           </a:p>
         </p:txBody>
       </p:sp>
@@ -764,7 +767,7 @@
           </a:lstStyle>
           <a:p>
             <a:r>
-              <a:rPr lang="en-US" dirty="0"/>
+              <a:rPr lang="en-US"/>
               <a:t>Click to edit Master title style</a:t>
             </a:r>
           </a:p>
@@ -883,7 +886,7 @@
           <a:p>
             <a:pPr lvl="0"/>
             <a:r>
-              <a:rPr lang="en-US" dirty="0"/>
+              <a:rPr lang="en-US"/>
               <a:t>Click to edit Master text styles</a:t>
             </a:r>
           </a:p>
@@ -907,9 +910,9 @@
             <a:fld id="{B61BEF0D-F0BB-DE4B-95CE-6DB70DBA9567}" type="datetimeFigureOut">
               <a:rPr lang="en-US" dirty="0"/>
               <a:pPr/>
-              <a:t>11/11/2019</a:t>
+              <a:t>11/12/2019</a:t>
             </a:fld>
-            <a:endParaRPr lang="en-US" dirty="0"/>
+            <a:endParaRPr lang="en-US"/>
           </a:p>
         </p:txBody>
       </p:sp>
@@ -928,7 +931,7 @@
           <a:bodyPr/>
           <a:lstStyle/>
           <a:p>
-            <a:endParaRPr lang="en-US" dirty="0"/>
+            <a:endParaRPr lang="en-US"/>
           </a:p>
         </p:txBody>
       </p:sp>
@@ -952,7 +955,7 @@
               <a:pPr/>
               <a:t>‹#›</a:t>
             </a:fld>
-            <a:endParaRPr lang="en-US" dirty="0"/>
+            <a:endParaRPr lang="en-US"/>
           </a:p>
         </p:txBody>
       </p:sp>
@@ -1091,7 +1094,7 @@
           <a:p>
             <a:pPr lvl="0"/>
             <a:r>
-              <a:rPr lang="en-US" sz="8000" dirty="0">
+              <a:rPr lang="en-US" sz="8000">
                 <a:solidFill>
                   <a:schemeClr val="accent1"/>
                 </a:solidFill>
@@ -1206,7 +1209,7 @@
           <a:p>
             <a:pPr lvl="0" algn="r"/>
             <a:r>
-              <a:rPr lang="en-US" sz="8000" dirty="0">
+              <a:rPr lang="en-US" sz="8000">
                 <a:solidFill>
                   <a:schemeClr val="accent1"/>
                 </a:solidFill>
@@ -1247,7 +1250,7 @@
           </a:lstStyle>
           <a:p>
             <a:r>
-              <a:rPr lang="en-US" dirty="0"/>
+              <a:rPr lang="en-US"/>
               <a:t>Click to edit Master title style</a:t>
             </a:r>
           </a:p>
@@ -1303,7 +1306,7 @@
           <a:p>
             <a:pPr lvl="0"/>
             <a:r>
-              <a:rPr lang="en-US" dirty="0"/>
+              <a:rPr lang="en-US"/>
               <a:t>Click to edit Master text styles</a:t>
             </a:r>
           </a:p>
@@ -1422,7 +1425,7 @@
           <a:p>
             <a:pPr lvl="0"/>
             <a:r>
-              <a:rPr lang="en-US" dirty="0"/>
+              <a:rPr lang="en-US"/>
               <a:t>Click to edit Master text styles</a:t>
             </a:r>
           </a:p>
@@ -1446,9 +1449,9 @@
             <a:fld id="{B61BEF0D-F0BB-DE4B-95CE-6DB70DBA9567}" type="datetimeFigureOut">
               <a:rPr lang="en-US" dirty="0"/>
               <a:pPr/>
-              <a:t>11/11/2019</a:t>
+              <a:t>11/12/2019</a:t>
             </a:fld>
-            <a:endParaRPr lang="en-US" dirty="0"/>
+            <a:endParaRPr lang="en-US"/>
           </a:p>
         </p:txBody>
       </p:sp>
@@ -1467,7 +1470,7 @@
           <a:bodyPr/>
           <a:lstStyle/>
           <a:p>
-            <a:endParaRPr lang="en-US" dirty="0"/>
+            <a:endParaRPr lang="en-US"/>
           </a:p>
         </p:txBody>
       </p:sp>
@@ -1491,7 +1494,7 @@
               <a:pPr/>
               <a:t>‹#›</a:t>
             </a:fld>
-            <a:endParaRPr lang="en-US" dirty="0"/>
+            <a:endParaRPr lang="en-US"/>
           </a:p>
         </p:txBody>
       </p:sp>
@@ -1552,7 +1555,7 @@
           </a:lstStyle>
           <a:p>
             <a:r>
-              <a:rPr lang="en-US" dirty="0"/>
+              <a:rPr lang="en-US"/>
               <a:t>Click to edit Master title style</a:t>
             </a:r>
           </a:p>
@@ -1671,7 +1674,7 @@
           <a:p>
             <a:pPr lvl="0"/>
             <a:r>
-              <a:rPr lang="en-US" dirty="0"/>
+              <a:rPr lang="en-US"/>
               <a:t>Click to edit Master text styles</a:t>
             </a:r>
           </a:p>
@@ -1695,9 +1698,9 @@
             <a:fld id="{B61BEF0D-F0BB-DE4B-95CE-6DB70DBA9567}" type="datetimeFigureOut">
               <a:rPr lang="en-US" dirty="0"/>
               <a:pPr/>
-              <a:t>11/11/2019</a:t>
+              <a:t>11/12/2019</a:t>
             </a:fld>
-            <a:endParaRPr lang="en-US" dirty="0"/>
+            <a:endParaRPr lang="en-US"/>
           </a:p>
         </p:txBody>
       </p:sp>
@@ -1716,7 +1719,7 @@
           <a:bodyPr/>
           <a:lstStyle/>
           <a:p>
-            <a:endParaRPr lang="en-US" dirty="0"/>
+            <a:endParaRPr lang="en-US"/>
           </a:p>
         </p:txBody>
       </p:sp>
@@ -1740,7 +1743,7 @@
               <a:pPr/>
               <a:t>‹#›</a:t>
             </a:fld>
-            <a:endParaRPr lang="en-US" dirty="0"/>
+            <a:endParaRPr lang="en-US"/>
           </a:p>
         </p:txBody>
       </p:sp>
@@ -1879,7 +1882,7 @@
           <a:p>
             <a:pPr lvl="0"/>
             <a:r>
-              <a:rPr lang="en-US" sz="8000" dirty="0">
+              <a:rPr lang="en-US" sz="8000">
                 <a:solidFill>
                   <a:schemeClr val="accent1"/>
                 </a:solidFill>
@@ -1994,7 +1997,7 @@
           <a:p>
             <a:pPr lvl="0" algn="r"/>
             <a:r>
-              <a:rPr lang="en-US" sz="8000" dirty="0">
+              <a:rPr lang="en-US" sz="8000">
                 <a:solidFill>
                   <a:schemeClr val="accent1"/>
                 </a:solidFill>
@@ -2035,7 +2038,7 @@
           </a:lstStyle>
           <a:p>
             <a:r>
-              <a:rPr lang="en-US" dirty="0"/>
+              <a:rPr lang="en-US"/>
               <a:t>Click to edit Master title style</a:t>
             </a:r>
           </a:p>
@@ -2096,7 +2099,7 @@
               <a:buNone/>
             </a:pPr>
             <a:r>
-              <a:rPr lang="en-US" dirty="0"/>
+              <a:rPr lang="en-US"/>
               <a:t>Click to edit Master text styles</a:t>
             </a:r>
           </a:p>
@@ -2215,7 +2218,7 @@
           <a:p>
             <a:pPr lvl="0"/>
             <a:r>
-              <a:rPr lang="en-US" dirty="0"/>
+              <a:rPr lang="en-US"/>
               <a:t>Click to edit Master text styles</a:t>
             </a:r>
           </a:p>
@@ -2239,9 +2242,9 @@
             <a:fld id="{B61BEF0D-F0BB-DE4B-95CE-6DB70DBA9567}" type="datetimeFigureOut">
               <a:rPr lang="en-US" dirty="0"/>
               <a:pPr/>
-              <a:t>11/11/2019</a:t>
+              <a:t>11/12/2019</a:t>
             </a:fld>
-            <a:endParaRPr lang="en-US" dirty="0"/>
+            <a:endParaRPr lang="en-US"/>
           </a:p>
         </p:txBody>
       </p:sp>
@@ -2260,7 +2263,7 @@
           <a:bodyPr/>
           <a:lstStyle/>
           <a:p>
-            <a:endParaRPr lang="en-US" dirty="0"/>
+            <a:endParaRPr lang="en-US"/>
           </a:p>
         </p:txBody>
       </p:sp>
@@ -2284,7 +2287,7 @@
               <a:pPr/>
               <a:t>‹#›</a:t>
             </a:fld>
-            <a:endParaRPr lang="en-US" dirty="0"/>
+            <a:endParaRPr lang="en-US"/>
           </a:p>
         </p:txBody>
       </p:sp>
@@ -2346,7 +2349,7 @@
           <a:p>
             <a:pPr marL="0" lvl="0"/>
             <a:r>
-              <a:rPr lang="en-US" dirty="0"/>
+              <a:rPr lang="en-US"/>
               <a:t>Click to edit Master title style</a:t>
             </a:r>
           </a:p>
@@ -2407,7 +2410,7 @@
               <a:buNone/>
             </a:pPr>
             <a:r>
-              <a:rPr lang="en-US" dirty="0"/>
+              <a:rPr lang="en-US"/>
               <a:t>Click to edit Master text styles</a:t>
             </a:r>
           </a:p>
@@ -2526,7 +2529,7 @@
           <a:p>
             <a:pPr lvl="0"/>
             <a:r>
-              <a:rPr lang="en-US" dirty="0"/>
+              <a:rPr lang="en-US"/>
               <a:t>Click to edit Master text styles</a:t>
             </a:r>
           </a:p>
@@ -2550,9 +2553,9 @@
             <a:fld id="{B61BEF0D-F0BB-DE4B-95CE-6DB70DBA9567}" type="datetimeFigureOut">
               <a:rPr lang="en-US" dirty="0"/>
               <a:pPr/>
-              <a:t>11/11/2019</a:t>
+              <a:t>11/12/2019</a:t>
             </a:fld>
-            <a:endParaRPr lang="en-US" dirty="0"/>
+            <a:endParaRPr lang="en-US"/>
           </a:p>
         </p:txBody>
       </p:sp>
@@ -2571,7 +2574,7 @@
           <a:bodyPr/>
           <a:lstStyle/>
           <a:p>
-            <a:endParaRPr lang="en-US" dirty="0"/>
+            <a:endParaRPr lang="en-US"/>
           </a:p>
         </p:txBody>
       </p:sp>
@@ -2595,7 +2598,7 @@
               <a:pPr/>
               <a:t>‹#›</a:t>
             </a:fld>
-            <a:endParaRPr lang="en-US" dirty="0"/>
+            <a:endParaRPr lang="en-US"/>
           </a:p>
         </p:txBody>
       </p:sp>
@@ -2650,7 +2653,7 @@
           <a:lstStyle/>
           <a:p>
             <a:r>
-              <a:rPr lang="en-US" dirty="0"/>
+              <a:rPr lang="en-US"/>
               <a:t>Click to edit Master title style</a:t>
             </a:r>
           </a:p>
@@ -2673,35 +2676,35 @@
           <a:p>
             <a:pPr lvl="0"/>
             <a:r>
-              <a:rPr lang="en-US" dirty="0"/>
+              <a:rPr lang="en-US"/>
               <a:t>Click to edit Master text styles</a:t>
             </a:r>
           </a:p>
           <a:p>
             <a:pPr lvl="1"/>
             <a:r>
-              <a:rPr lang="en-US" dirty="0"/>
+              <a:rPr lang="en-US"/>
               <a:t>Second level</a:t>
             </a:r>
           </a:p>
           <a:p>
             <a:pPr lvl="2"/>
             <a:r>
-              <a:rPr lang="en-US" dirty="0"/>
+              <a:rPr lang="en-US"/>
               <a:t>Third level</a:t>
             </a:r>
           </a:p>
           <a:p>
             <a:pPr lvl="3"/>
             <a:r>
-              <a:rPr lang="en-US" dirty="0"/>
+              <a:rPr lang="en-US"/>
               <a:t>Fourth level</a:t>
             </a:r>
           </a:p>
           <a:p>
             <a:pPr lvl="4"/>
             <a:r>
-              <a:rPr lang="en-US" dirty="0"/>
+              <a:rPr lang="en-US"/>
               <a:t>Fifth level</a:t>
             </a:r>
           </a:p>
@@ -2725,9 +2728,9 @@
             <a:fld id="{B61BEF0D-F0BB-DE4B-95CE-6DB70DBA9567}" type="datetimeFigureOut">
               <a:rPr lang="en-US" dirty="0"/>
               <a:pPr/>
-              <a:t>11/11/2019</a:t>
+              <a:t>11/12/2019</a:t>
             </a:fld>
-            <a:endParaRPr lang="en-US" dirty="0"/>
+            <a:endParaRPr lang="en-US"/>
           </a:p>
         </p:txBody>
       </p:sp>
@@ -2746,7 +2749,7 @@
           <a:bodyPr/>
           <a:lstStyle/>
           <a:p>
-            <a:endParaRPr lang="en-US" dirty="0"/>
+            <a:endParaRPr lang="en-US"/>
           </a:p>
         </p:txBody>
       </p:sp>
@@ -2770,7 +2773,7 @@
               <a:pPr/>
               <a:t>‹#›</a:t>
             </a:fld>
-            <a:endParaRPr lang="en-US" dirty="0"/>
+            <a:endParaRPr lang="en-US"/>
           </a:p>
         </p:txBody>
       </p:sp>
@@ -2825,7 +2828,7 @@
           <a:lstStyle/>
           <a:p>
             <a:r>
-              <a:rPr lang="en-US" dirty="0"/>
+              <a:rPr lang="en-US"/>
               <a:t>Click to edit Master title style</a:t>
             </a:r>
           </a:p>
@@ -2853,35 +2856,35 @@
           <a:p>
             <a:pPr lvl="0"/>
             <a:r>
-              <a:rPr lang="en-US" dirty="0"/>
+              <a:rPr lang="en-US"/>
               <a:t>Click to edit Master text styles</a:t>
             </a:r>
           </a:p>
           <a:p>
             <a:pPr lvl="1"/>
             <a:r>
-              <a:rPr lang="en-US" dirty="0"/>
+              <a:rPr lang="en-US"/>
               <a:t>Second level</a:t>
             </a:r>
           </a:p>
           <a:p>
             <a:pPr lvl="2"/>
             <a:r>
-              <a:rPr lang="en-US" dirty="0"/>
+              <a:rPr lang="en-US"/>
               <a:t>Third level</a:t>
             </a:r>
           </a:p>
           <a:p>
             <a:pPr lvl="3"/>
             <a:r>
-              <a:rPr lang="en-US" dirty="0"/>
+              <a:rPr lang="en-US"/>
               <a:t>Fourth level</a:t>
             </a:r>
           </a:p>
           <a:p>
             <a:pPr lvl="4"/>
             <a:r>
-              <a:rPr lang="en-US" dirty="0"/>
+              <a:rPr lang="en-US"/>
               <a:t>Fifth level</a:t>
             </a:r>
           </a:p>
@@ -2905,9 +2908,9 @@
             <a:fld id="{B61BEF0D-F0BB-DE4B-95CE-6DB70DBA9567}" type="datetimeFigureOut">
               <a:rPr lang="en-US" dirty="0"/>
               <a:pPr/>
-              <a:t>11/11/2019</a:t>
+              <a:t>11/12/2019</a:t>
             </a:fld>
-            <a:endParaRPr lang="en-US" dirty="0"/>
+            <a:endParaRPr lang="en-US"/>
           </a:p>
         </p:txBody>
       </p:sp>
@@ -2926,7 +2929,7 @@
           <a:bodyPr/>
           <a:lstStyle/>
           <a:p>
-            <a:endParaRPr lang="en-US" dirty="0"/>
+            <a:endParaRPr lang="en-US"/>
           </a:p>
         </p:txBody>
       </p:sp>
@@ -2950,7 +2953,7 @@
               <a:pPr/>
               <a:t>‹#›</a:t>
             </a:fld>
-            <a:endParaRPr lang="en-US" dirty="0"/>
+            <a:endParaRPr lang="en-US"/>
           </a:p>
         </p:txBody>
       </p:sp>
@@ -3000,7 +3003,7 @@
           <a:lstStyle/>
           <a:p>
             <a:r>
-              <a:rPr lang="en-US" dirty="0"/>
+              <a:rPr lang="en-US"/>
               <a:t>Click to edit Master title style</a:t>
             </a:r>
           </a:p>
@@ -3023,35 +3026,35 @@
           <a:p>
             <a:pPr lvl="0"/>
             <a:r>
-              <a:rPr lang="en-US" dirty="0"/>
+              <a:rPr lang="en-US"/>
               <a:t>Click to edit Master text styles</a:t>
             </a:r>
           </a:p>
           <a:p>
             <a:pPr lvl="1"/>
             <a:r>
-              <a:rPr lang="en-US" dirty="0"/>
+              <a:rPr lang="en-US"/>
               <a:t>Second level</a:t>
             </a:r>
           </a:p>
           <a:p>
             <a:pPr lvl="2"/>
             <a:r>
-              <a:rPr lang="en-US" dirty="0"/>
+              <a:rPr lang="en-US"/>
               <a:t>Third level</a:t>
             </a:r>
           </a:p>
           <a:p>
             <a:pPr lvl="3"/>
             <a:r>
-              <a:rPr lang="en-US" dirty="0"/>
+              <a:rPr lang="en-US"/>
               <a:t>Fourth level</a:t>
             </a:r>
           </a:p>
           <a:p>
             <a:pPr lvl="4"/>
             <a:r>
-              <a:rPr lang="en-US" dirty="0"/>
+              <a:rPr lang="en-US"/>
               <a:t>Fifth level</a:t>
             </a:r>
           </a:p>
@@ -3075,9 +3078,9 @@
             <a:fld id="{B61BEF0D-F0BB-DE4B-95CE-6DB70DBA9567}" type="datetimeFigureOut">
               <a:rPr lang="en-US" dirty="0"/>
               <a:pPr/>
-              <a:t>11/11/2019</a:t>
+              <a:t>11/12/2019</a:t>
             </a:fld>
-            <a:endParaRPr lang="en-US" dirty="0"/>
+            <a:endParaRPr lang="en-US"/>
           </a:p>
         </p:txBody>
       </p:sp>
@@ -3096,7 +3099,7 @@
           <a:bodyPr/>
           <a:lstStyle/>
           <a:p>
-            <a:endParaRPr lang="en-US" dirty="0"/>
+            <a:endParaRPr lang="en-US"/>
           </a:p>
         </p:txBody>
       </p:sp>
@@ -3120,7 +3123,7 @@
               <a:pPr/>
               <a:t>‹#›</a:t>
             </a:fld>
-            <a:endParaRPr lang="en-US" dirty="0"/>
+            <a:endParaRPr lang="en-US"/>
           </a:p>
         </p:txBody>
       </p:sp>
@@ -3181,7 +3184,7 @@
           </a:lstStyle>
           <a:p>
             <a:r>
-              <a:rPr lang="en-US" dirty="0"/>
+              <a:rPr lang="en-US"/>
               <a:t>Click to edit Master title style</a:t>
             </a:r>
           </a:p>
@@ -3300,7 +3303,7 @@
           <a:p>
             <a:pPr lvl="0"/>
             <a:r>
-              <a:rPr lang="en-US" dirty="0"/>
+              <a:rPr lang="en-US"/>
               <a:t>Click to edit Master text styles</a:t>
             </a:r>
           </a:p>
@@ -3324,9 +3327,9 @@
             <a:fld id="{B61BEF0D-F0BB-DE4B-95CE-6DB70DBA9567}" type="datetimeFigureOut">
               <a:rPr lang="en-US" dirty="0"/>
               <a:pPr/>
-              <a:t>11/11/2019</a:t>
+              <a:t>11/12/2019</a:t>
             </a:fld>
-            <a:endParaRPr lang="en-US" dirty="0"/>
+            <a:endParaRPr lang="en-US"/>
           </a:p>
         </p:txBody>
       </p:sp>
@@ -3345,7 +3348,7 @@
           <a:bodyPr/>
           <a:lstStyle/>
           <a:p>
-            <a:endParaRPr lang="en-US" dirty="0"/>
+            <a:endParaRPr lang="en-US"/>
           </a:p>
         </p:txBody>
       </p:sp>
@@ -3369,7 +3372,7 @@
               <a:pPr/>
               <a:t>‹#›</a:t>
             </a:fld>
-            <a:endParaRPr lang="en-US" dirty="0"/>
+            <a:endParaRPr lang="en-US"/>
           </a:p>
         </p:txBody>
       </p:sp>
@@ -3419,7 +3422,7 @@
           <a:lstStyle/>
           <a:p>
             <a:r>
-              <a:rPr lang="en-US" dirty="0"/>
+              <a:rPr lang="en-US"/>
               <a:t>Click to edit Master title style</a:t>
             </a:r>
           </a:p>
@@ -3477,35 +3480,35 @@
           <a:p>
             <a:pPr lvl="0"/>
             <a:r>
-              <a:rPr lang="en-US" dirty="0"/>
+              <a:rPr lang="en-US"/>
               <a:t>Click to edit Master text styles</a:t>
             </a:r>
           </a:p>
           <a:p>
             <a:pPr lvl="1"/>
             <a:r>
-              <a:rPr lang="en-US" dirty="0"/>
+              <a:rPr lang="en-US"/>
               <a:t>Second level</a:t>
             </a:r>
           </a:p>
           <a:p>
             <a:pPr lvl="2"/>
             <a:r>
-              <a:rPr lang="en-US" dirty="0"/>
+              <a:rPr lang="en-US"/>
               <a:t>Third level</a:t>
             </a:r>
           </a:p>
           <a:p>
             <a:pPr lvl="3"/>
             <a:r>
-              <a:rPr lang="en-US" dirty="0"/>
+              <a:rPr lang="en-US"/>
               <a:t>Fourth level</a:t>
             </a:r>
           </a:p>
           <a:p>
             <a:pPr lvl="4"/>
             <a:r>
-              <a:rPr lang="en-US" dirty="0"/>
+              <a:rPr lang="en-US"/>
               <a:t>Fifth level</a:t>
             </a:r>
           </a:p>
@@ -3563,35 +3566,35 @@
           <a:p>
             <a:pPr lvl="0"/>
             <a:r>
-              <a:rPr lang="en-US" dirty="0"/>
+              <a:rPr lang="en-US"/>
               <a:t>Click to edit Master text styles</a:t>
             </a:r>
           </a:p>
           <a:p>
             <a:pPr lvl="1"/>
             <a:r>
-              <a:rPr lang="en-US" dirty="0"/>
+              <a:rPr lang="en-US"/>
               <a:t>Second level</a:t>
             </a:r>
           </a:p>
           <a:p>
             <a:pPr lvl="2"/>
             <a:r>
-              <a:rPr lang="en-US" dirty="0"/>
+              <a:rPr lang="en-US"/>
               <a:t>Third level</a:t>
             </a:r>
           </a:p>
           <a:p>
             <a:pPr lvl="3"/>
             <a:r>
-              <a:rPr lang="en-US" dirty="0"/>
+              <a:rPr lang="en-US"/>
               <a:t>Fourth level</a:t>
             </a:r>
           </a:p>
           <a:p>
             <a:pPr lvl="4"/>
             <a:r>
-              <a:rPr lang="en-US" dirty="0"/>
+              <a:rPr lang="en-US"/>
               <a:t>Fifth level</a:t>
             </a:r>
           </a:p>
@@ -3615,9 +3618,9 @@
             <a:fld id="{B61BEF0D-F0BB-DE4B-95CE-6DB70DBA9567}" type="datetimeFigureOut">
               <a:rPr lang="en-US" dirty="0"/>
               <a:pPr/>
-              <a:t>11/11/2019</a:t>
+              <a:t>11/12/2019</a:t>
             </a:fld>
-            <a:endParaRPr lang="en-US" dirty="0"/>
+            <a:endParaRPr lang="en-US"/>
           </a:p>
         </p:txBody>
       </p:sp>
@@ -3636,7 +3639,7 @@
           <a:bodyPr/>
           <a:lstStyle/>
           <a:p>
-            <a:endParaRPr lang="en-US" dirty="0"/>
+            <a:endParaRPr lang="en-US"/>
           </a:p>
         </p:txBody>
       </p:sp>
@@ -3660,7 +3663,7 @@
               <a:pPr/>
               <a:t>‹#›</a:t>
             </a:fld>
-            <a:endParaRPr lang="en-US" dirty="0"/>
+            <a:endParaRPr lang="en-US"/>
           </a:p>
         </p:txBody>
       </p:sp>
@@ -3714,7 +3717,7 @@
           </a:lstStyle>
           <a:p>
             <a:r>
-              <a:rPr lang="en-US" dirty="0"/>
+              <a:rPr lang="en-US"/>
               <a:t>Click to edit Master title style</a:t>
             </a:r>
           </a:p>
@@ -3781,7 +3784,7 @@
           <a:p>
             <a:pPr lvl="0"/>
             <a:r>
-              <a:rPr lang="en-US" dirty="0"/>
+              <a:rPr lang="en-US"/>
               <a:t>Click to edit Master text styles</a:t>
             </a:r>
           </a:p>
@@ -3839,35 +3842,35 @@
           <a:p>
             <a:pPr lvl="0"/>
             <a:r>
-              <a:rPr lang="en-US" dirty="0"/>
+              <a:rPr lang="en-US"/>
               <a:t>Click to edit Master text styles</a:t>
             </a:r>
           </a:p>
           <a:p>
             <a:pPr lvl="1"/>
             <a:r>
-              <a:rPr lang="en-US" dirty="0"/>
+              <a:rPr lang="en-US"/>
               <a:t>Second level</a:t>
             </a:r>
           </a:p>
           <a:p>
             <a:pPr lvl="2"/>
             <a:r>
-              <a:rPr lang="en-US" dirty="0"/>
+              <a:rPr lang="en-US"/>
               <a:t>Third level</a:t>
             </a:r>
           </a:p>
           <a:p>
             <a:pPr lvl="3"/>
             <a:r>
-              <a:rPr lang="en-US" dirty="0"/>
+              <a:rPr lang="en-US"/>
               <a:t>Fourth level</a:t>
             </a:r>
           </a:p>
           <a:p>
             <a:pPr lvl="4"/>
             <a:r>
-              <a:rPr lang="en-US" dirty="0"/>
+              <a:rPr lang="en-US"/>
               <a:t>Fifth level</a:t>
             </a:r>
           </a:p>
@@ -3934,7 +3937,7 @@
           <a:p>
             <a:pPr lvl="0"/>
             <a:r>
-              <a:rPr lang="en-US" dirty="0"/>
+              <a:rPr lang="en-US"/>
               <a:t>Click to edit Master text styles</a:t>
             </a:r>
           </a:p>
@@ -3992,35 +3995,35 @@
           <a:p>
             <a:pPr lvl="0"/>
             <a:r>
-              <a:rPr lang="en-US" dirty="0"/>
+              <a:rPr lang="en-US"/>
               <a:t>Click to edit Master text styles</a:t>
             </a:r>
           </a:p>
           <a:p>
             <a:pPr lvl="1"/>
             <a:r>
-              <a:rPr lang="en-US" dirty="0"/>
+              <a:rPr lang="en-US"/>
               <a:t>Second level</a:t>
             </a:r>
           </a:p>
           <a:p>
             <a:pPr lvl="2"/>
             <a:r>
-              <a:rPr lang="en-US" dirty="0"/>
+              <a:rPr lang="en-US"/>
               <a:t>Third level</a:t>
             </a:r>
           </a:p>
           <a:p>
             <a:pPr lvl="3"/>
             <a:r>
-              <a:rPr lang="en-US" dirty="0"/>
+              <a:rPr lang="en-US"/>
               <a:t>Fourth level</a:t>
             </a:r>
           </a:p>
           <a:p>
             <a:pPr lvl="4"/>
             <a:r>
-              <a:rPr lang="en-US" dirty="0"/>
+              <a:rPr lang="en-US"/>
               <a:t>Fifth level</a:t>
             </a:r>
           </a:p>
@@ -4044,9 +4047,9 @@
             <a:fld id="{B61BEF0D-F0BB-DE4B-95CE-6DB70DBA9567}" type="datetimeFigureOut">
               <a:rPr lang="en-US" dirty="0"/>
               <a:pPr/>
-              <a:t>11/11/2019</a:t>
+              <a:t>11/12/2019</a:t>
             </a:fld>
-            <a:endParaRPr lang="en-US" dirty="0"/>
+            <a:endParaRPr lang="en-US"/>
           </a:p>
         </p:txBody>
       </p:sp>
@@ -4065,7 +4068,7 @@
           <a:bodyPr/>
           <a:lstStyle/>
           <a:p>
-            <a:endParaRPr lang="en-US" dirty="0"/>
+            <a:endParaRPr lang="en-US"/>
           </a:p>
         </p:txBody>
       </p:sp>
@@ -4089,7 +4092,7 @@
               <a:pPr/>
               <a:t>‹#›</a:t>
             </a:fld>
-            <a:endParaRPr lang="en-US" dirty="0"/>
+            <a:endParaRPr lang="en-US"/>
           </a:p>
         </p:txBody>
       </p:sp>
@@ -4145,7 +4148,7 @@
           </a:lstStyle>
           <a:p>
             <a:r>
-              <a:rPr lang="en-US" dirty="0"/>
+              <a:rPr lang="en-US"/>
               <a:t>Click to edit Master title style</a:t>
             </a:r>
           </a:p>
@@ -4169,9 +4172,9 @@
             <a:fld id="{B61BEF0D-F0BB-DE4B-95CE-6DB70DBA9567}" type="datetimeFigureOut">
               <a:rPr lang="en-US" dirty="0"/>
               <a:pPr/>
-              <a:t>11/11/2019</a:t>
+              <a:t>11/12/2019</a:t>
             </a:fld>
-            <a:endParaRPr lang="en-US" dirty="0"/>
+            <a:endParaRPr lang="en-US"/>
           </a:p>
         </p:txBody>
       </p:sp>
@@ -4190,7 +4193,7 @@
           <a:bodyPr/>
           <a:lstStyle/>
           <a:p>
-            <a:endParaRPr lang="en-US" dirty="0"/>
+            <a:endParaRPr lang="en-US"/>
           </a:p>
         </p:txBody>
       </p:sp>
@@ -4214,7 +4217,7 @@
               <a:pPr/>
               <a:t>‹#›</a:t>
             </a:fld>
-            <a:endParaRPr lang="en-US" dirty="0"/>
+            <a:endParaRPr lang="en-US"/>
           </a:p>
         </p:txBody>
       </p:sp>
@@ -4266,9 +4269,9 @@
             <a:fld id="{B61BEF0D-F0BB-DE4B-95CE-6DB70DBA9567}" type="datetimeFigureOut">
               <a:rPr lang="en-US" dirty="0"/>
               <a:pPr/>
-              <a:t>11/11/2019</a:t>
+              <a:t>11/12/2019</a:t>
             </a:fld>
-            <a:endParaRPr lang="en-US" dirty="0"/>
+            <a:endParaRPr lang="en-US"/>
           </a:p>
         </p:txBody>
       </p:sp>
@@ -4287,7 +4290,7 @@
           <a:bodyPr/>
           <a:lstStyle/>
           <a:p>
-            <a:endParaRPr lang="en-US" dirty="0"/>
+            <a:endParaRPr lang="en-US"/>
           </a:p>
         </p:txBody>
       </p:sp>
@@ -4311,7 +4314,7 @@
               <a:pPr/>
               <a:t>‹#›</a:t>
             </a:fld>
-            <a:endParaRPr lang="en-US" dirty="0"/>
+            <a:endParaRPr lang="en-US"/>
           </a:p>
         </p:txBody>
       </p:sp>
@@ -4372,7 +4375,7 @@
           </a:lstStyle>
           <a:p>
             <a:r>
-              <a:rPr lang="en-US" dirty="0"/>
+              <a:rPr lang="en-US"/>
               <a:t>Click to edit Master title style</a:t>
             </a:r>
           </a:p>
@@ -4430,35 +4433,35 @@
           <a:p>
             <a:pPr lvl="0"/>
             <a:r>
-              <a:rPr lang="en-US" dirty="0"/>
+              <a:rPr lang="en-US"/>
               <a:t>Click to edit Master text styles</a:t>
             </a:r>
           </a:p>
           <a:p>
             <a:pPr lvl="1"/>
             <a:r>
-              <a:rPr lang="en-US" dirty="0"/>
+              <a:rPr lang="en-US"/>
               <a:t>Second level</a:t>
             </a:r>
           </a:p>
           <a:p>
             <a:pPr lvl="2"/>
             <a:r>
-              <a:rPr lang="en-US" dirty="0"/>
+              <a:rPr lang="en-US"/>
               <a:t>Third level</a:t>
             </a:r>
           </a:p>
           <a:p>
             <a:pPr lvl="3"/>
             <a:r>
-              <a:rPr lang="en-US" dirty="0"/>
+              <a:rPr lang="en-US"/>
               <a:t>Fourth level</a:t>
             </a:r>
           </a:p>
           <a:p>
             <a:pPr lvl="4"/>
             <a:r>
-              <a:rPr lang="en-US" dirty="0"/>
+              <a:rPr lang="en-US"/>
               <a:t>Fifth level</a:t>
             </a:r>
           </a:p>
@@ -4525,7 +4528,7 @@
           <a:p>
             <a:pPr lvl="0"/>
             <a:r>
-              <a:rPr lang="en-US" dirty="0"/>
+              <a:rPr lang="en-US"/>
               <a:t>Click to edit Master text styles</a:t>
             </a:r>
           </a:p>
@@ -4549,9 +4552,9 @@
             <a:fld id="{B61BEF0D-F0BB-DE4B-95CE-6DB70DBA9567}" type="datetimeFigureOut">
               <a:rPr lang="en-US" dirty="0"/>
               <a:pPr/>
-              <a:t>11/11/2019</a:t>
+              <a:t>11/12/2019</a:t>
             </a:fld>
-            <a:endParaRPr lang="en-US" dirty="0"/>
+            <a:endParaRPr lang="en-US"/>
           </a:p>
         </p:txBody>
       </p:sp>
@@ -4570,7 +4573,7 @@
           <a:bodyPr/>
           <a:lstStyle/>
           <a:p>
-            <a:endParaRPr lang="en-US" dirty="0"/>
+            <a:endParaRPr lang="en-US"/>
           </a:p>
         </p:txBody>
       </p:sp>
@@ -4594,7 +4597,7 @@
               <a:pPr/>
               <a:t>‹#›</a:t>
             </a:fld>
-            <a:endParaRPr lang="en-US" dirty="0"/>
+            <a:endParaRPr lang="en-US"/>
           </a:p>
         </p:txBody>
       </p:sp>
@@ -4655,7 +4658,7 @@
           </a:lstStyle>
           <a:p>
             <a:r>
-              <a:rPr lang="en-US" dirty="0"/>
+              <a:rPr lang="en-US"/>
               <a:t>Click to edit Master title style</a:t>
             </a:r>
           </a:p>
@@ -4743,7 +4746,7 @@
             </a:lvl9pPr>
           </a:lstStyle>
           <a:p>
-            <a:endParaRPr lang="en-US" dirty="0"/>
+            <a:endParaRPr lang="en-US"/>
           </a:p>
         </p:txBody>
       </p:sp>
@@ -4808,7 +4811,7 @@
           <a:p>
             <a:pPr lvl="0"/>
             <a:r>
-              <a:rPr lang="en-US" dirty="0"/>
+              <a:rPr lang="en-US"/>
               <a:t>Click to edit Master text styles</a:t>
             </a:r>
           </a:p>
@@ -4837,9 +4840,9 @@
             <a:fld id="{B61BEF0D-F0BB-DE4B-95CE-6DB70DBA9567}" type="datetimeFigureOut">
               <a:rPr lang="en-US" dirty="0"/>
               <a:pPr/>
-              <a:t>11/11/2019</a:t>
+              <a:t>11/12/2019</a:t>
             </a:fld>
-            <a:endParaRPr lang="en-US" dirty="0"/>
+            <a:endParaRPr lang="en-US"/>
           </a:p>
         </p:txBody>
       </p:sp>
@@ -4863,7 +4866,7 @@
           <a:bodyPr/>
           <a:lstStyle/>
           <a:p>
-            <a:endParaRPr lang="en-US" dirty="0"/>
+            <a:endParaRPr lang="en-US"/>
           </a:p>
         </p:txBody>
       </p:sp>
@@ -4892,7 +4895,7 @@
               <a:pPr/>
               <a:t>‹#›</a:t>
             </a:fld>
-            <a:endParaRPr lang="en-US" dirty="0"/>
+            <a:endParaRPr lang="en-US"/>
           </a:p>
         </p:txBody>
       </p:sp>
@@ -4957,7 +4960,7 @@
           <a:lstStyle/>
           <a:p>
             <a:r>
-              <a:rPr lang="en-US" dirty="0"/>
+              <a:rPr lang="en-US"/>
               <a:t>Click to edit Master title style</a:t>
             </a:r>
           </a:p>
@@ -4990,63 +4993,63 @@
           <a:p>
             <a:pPr lvl="0"/>
             <a:r>
-              <a:rPr lang="en-US" dirty="0"/>
+              <a:rPr lang="en-US"/>
               <a:t>Click to edit Master text styles</a:t>
             </a:r>
           </a:p>
           <a:p>
             <a:pPr lvl="1"/>
             <a:r>
-              <a:rPr lang="en-US" dirty="0"/>
+              <a:rPr lang="en-US"/>
               <a:t>Second level</a:t>
             </a:r>
           </a:p>
           <a:p>
             <a:pPr lvl="2"/>
             <a:r>
-              <a:rPr lang="en-US" dirty="0"/>
+              <a:rPr lang="en-US"/>
               <a:t>Third level</a:t>
             </a:r>
           </a:p>
           <a:p>
             <a:pPr lvl="3"/>
             <a:r>
-              <a:rPr lang="en-US" dirty="0"/>
+              <a:rPr lang="en-US"/>
               <a:t>Fourth level</a:t>
             </a:r>
           </a:p>
           <a:p>
             <a:pPr lvl="4"/>
             <a:r>
-              <a:rPr lang="en-US" dirty="0"/>
+              <a:rPr lang="en-US"/>
               <a:t>Fifth level</a:t>
             </a:r>
           </a:p>
           <a:p>
             <a:pPr lvl="5"/>
             <a:r>
-              <a:rPr lang="en-US" dirty="0"/>
+              <a:rPr lang="en-US"/>
               <a:t>Six</a:t>
             </a:r>
           </a:p>
           <a:p>
             <a:pPr lvl="6"/>
             <a:r>
-              <a:rPr lang="en-US" dirty="0"/>
+              <a:rPr lang="en-US"/>
               <a:t>Seven</a:t>
             </a:r>
           </a:p>
           <a:p>
             <a:pPr lvl="7"/>
             <a:r>
-              <a:rPr lang="en-US" dirty="0"/>
+              <a:rPr lang="en-US"/>
               <a:t>Eight</a:t>
             </a:r>
           </a:p>
           <a:p>
             <a:pPr lvl="8"/>
             <a:r>
-              <a:rPr lang="en-US" dirty="0"/>
+              <a:rPr lang="en-US"/>
               <a:t>nine</a:t>
             </a:r>
           </a:p>
@@ -5096,9 +5099,9 @@
             <a:fld id="{B61BEF0D-F0BB-DE4B-95CE-6DB70DBA9567}" type="datetimeFigureOut">
               <a:rPr lang="en-US" dirty="0"/>
               <a:pPr/>
-              <a:t>11/11/2019</a:t>
+              <a:t>11/12/2019</a:t>
             </a:fld>
-            <a:endParaRPr lang="en-US" dirty="0"/>
+            <a:endParaRPr lang="en-US"/>
           </a:p>
         </p:txBody>
       </p:sp>
@@ -5143,7 +5146,7 @@
             </a:lvl1pPr>
           </a:lstStyle>
           <a:p>
-            <a:endParaRPr lang="en-US" dirty="0"/>
+            <a:endParaRPr lang="en-US"/>
           </a:p>
         </p:txBody>
       </p:sp>
@@ -5193,7 +5196,7 @@
               <a:pPr/>
               <a:t>‹#›</a:t>
             </a:fld>
-            <a:endParaRPr lang="en-US" dirty="0"/>
+            <a:endParaRPr lang="en-US"/>
           </a:p>
         </p:txBody>
       </p:sp>
@@ -5819,10 +5822,10 @@
           <a:p>
             <a:pPr algn="ctr"/>
             <a:r>
-              <a:rPr lang="en-US" sz="7200" dirty="0"/>
+              <a:rPr lang="en-US" sz="7200"/>
               <a:t>JavaScript</a:t>
             </a:r>
-            <a:endParaRPr lang="en-US" sz="7200" dirty="0">
+            <a:endParaRPr lang="en-US" sz="7200">
               <a:effectLst>
                 <a:glow rad="38100">
                   <a:prstClr val="black">
@@ -5869,10 +5872,10 @@
               </a:spcAft>
             </a:pPr>
             <a:r>
-              <a:rPr lang="en-US" sz="2800" dirty="0"/>
+              <a:rPr lang="en-US" sz="2800"/>
               <a:t>Fundamentals</a:t>
             </a:r>
-            <a:endParaRPr lang="en-US" sz="2800" dirty="0">
+            <a:endParaRPr lang="en-US" sz="2800">
               <a:effectLst>
                 <a:glow rad="38100">
                   <a:prstClr val="black">
@@ -5925,7 +5928,7 @@
             <a:pPr algn="ctr"/>
             <a:r>
               <a:rPr lang="en-US" sz="2400" dirty="0"/>
-              <a:t>We'll be using Visual Studio and Chrome on Windows today.</a:t>
+              <a:t>We'll be using Windows today.</a:t>
             </a:r>
           </a:p>
         </p:txBody>
@@ -5990,7 +5993,7 @@
           <a:p>
             <a:pPr algn="ctr"/>
             <a:r>
-              <a:rPr lang="en-US" sz="3200" b="1" dirty="0"/>
+              <a:rPr lang="en-US" sz="3200" b="1"/>
               <a:t>Language Basics</a:t>
             </a:r>
             <a:endParaRPr lang="en-US" sz="3200">
@@ -6369,13 +6372,13 @@
               <a:buChar char="•"/>
             </a:pPr>
             <a:r>
-              <a:rPr lang="en-US" sz="2800" dirty="0">
+              <a:rPr lang="en-US" sz="2800">
                 <a:ea typeface="+mn-lt"/>
                 <a:cs typeface="+mn-lt"/>
               </a:rPr>
               <a:t>Follows most Java expression syntax, naming conventions and basic control-flow constructs</a:t>
             </a:r>
-            <a:endParaRPr lang="en-US" sz="2800" dirty="0"/>
+            <a:endParaRPr lang="en-US" sz="2800"/>
           </a:p>
         </p:txBody>
       </p:sp>
@@ -6415,13 +6418,13 @@
               <a:buChar char="•"/>
             </a:pPr>
             <a:r>
-              <a:rPr lang="en-US" sz="2800" dirty="0">
+              <a:rPr lang="en-US" sz="2800">
                 <a:ea typeface="+mn-lt"/>
                 <a:cs typeface="+mn-lt"/>
               </a:rPr>
               <a:t>JavaScript is dynamically typed, lacks Java's static types and strong type checking</a:t>
             </a:r>
-            <a:endParaRPr lang="en-US" sz="2800" dirty="0"/>
+            <a:endParaRPr lang="en-US" sz="2800"/>
           </a:p>
         </p:txBody>
       </p:sp>
@@ -6625,10 +6628,10 @@
           <a:p>
             <a:pPr algn="ctr"/>
             <a:r>
-              <a:rPr lang="en-US" sz="3200" b="1" dirty="0"/>
+              <a:rPr lang="en-US" sz="3200" b="1"/>
               <a:t>Hello JS: The developer console</a:t>
             </a:r>
-            <a:endParaRPr lang="en-US" sz="3200" dirty="0">
+            <a:endParaRPr lang="en-US" sz="3200">
               <a:effectLst>
                 <a:glow rad="38100">
                   <a:prstClr val="black">
@@ -6683,13 +6686,13 @@
               <a:buChar char="•"/>
             </a:pPr>
             <a:r>
-              <a:rPr lang="en-US" sz="2800" dirty="0">
+              <a:rPr lang="en-US" sz="2800">
                 <a:ea typeface="+mn-lt"/>
                 <a:cs typeface="+mn-lt"/>
               </a:rPr>
               <a:t>Open Google Chrome and press F12</a:t>
             </a:r>
-            <a:endParaRPr lang="en-US" sz="2800" dirty="0"/>
+            <a:endParaRPr lang="en-US" sz="2800"/>
           </a:p>
         </p:txBody>
       </p:sp>
@@ -6759,13 +6762,13 @@
               <a:buChar char="•"/>
             </a:pPr>
             <a:r>
-              <a:rPr lang="en-US" sz="2800" dirty="0">
+              <a:rPr lang="en-US" sz="2800">
                 <a:ea typeface="+mn-lt"/>
                 <a:cs typeface="+mn-lt"/>
               </a:rPr>
               <a:t>Click on the Console tab</a:t>
             </a:r>
-            <a:endParaRPr lang="en-US" sz="2800" dirty="0"/>
+            <a:endParaRPr lang="en-US" sz="2800"/>
           </a:p>
         </p:txBody>
       </p:sp>
@@ -6805,7 +6808,7 @@
               <a:buChar char="•"/>
             </a:pPr>
             <a:r>
-              <a:rPr lang="en-US" sz="2800" dirty="0">
+              <a:rPr lang="en-US" sz="2800">
                 <a:ea typeface="+mn-lt"/>
                 <a:cs typeface="+mn-lt"/>
               </a:rPr>
@@ -6814,11 +6817,11 @@
           </a:p>
           <a:p>
             <a:r>
-              <a:rPr lang="en-US" sz="2800" dirty="0"/>
+              <a:rPr lang="en-US" sz="2800"/>
               <a:t>   </a:t>
             </a:r>
             <a:r>
-              <a:rPr lang="en-US" sz="2800" dirty="0">
+              <a:rPr lang="en-US" sz="2800">
                 <a:latin typeface="Consolas"/>
               </a:rPr>
               <a:t>Console.log("Hello, JS!")</a:t>
@@ -7217,10 +7220,10 @@
           <a:p>
             <a:pPr algn="ctr"/>
             <a:r>
-              <a:rPr lang="en-US" sz="3200" b="1" dirty="0"/>
+              <a:rPr lang="en-US" sz="3200" b="1"/>
               <a:t>Hello JS: The developer console</a:t>
             </a:r>
-            <a:endParaRPr lang="en-US" sz="3200" dirty="0">
+            <a:endParaRPr lang="en-US" sz="3200">
               <a:effectLst>
                 <a:glow rad="38100">
                   <a:prstClr val="black">
@@ -7275,18 +7278,11 @@
               <a:buChar char="•"/>
             </a:pPr>
             <a:r>
-              <a:rPr lang="en-US" sz="2800" dirty="0">
-                <a:ea typeface="+mn-lt"/>
-                <a:cs typeface="+mn-lt"/>
-              </a:rPr>
-              <a:t>The developer console will allow us to </a:t>
-            </a:r>
-            <a:r>
               <a:rPr lang="en-US" sz="2800">
                 <a:ea typeface="+mn-lt"/>
                 <a:cs typeface="+mn-lt"/>
               </a:rPr>
-              <a:t>debug our JavaScript</a:t>
+              <a:t>The developer console will allow us to debug our JavaScript</a:t>
             </a:r>
             <a:endParaRPr lang="en-US" sz="2800"/>
           </a:p>
@@ -7306,7 +7302,7 @@
         </p:nvSpPr>
         <p:spPr>
           <a:xfrm>
-            <a:off x="655677" y="3733428"/>
+            <a:off x="628783" y="3760322"/>
             <a:ext cx="7884204" cy="954107"/>
           </a:xfrm>
           <a:prstGeom prst="rect">
@@ -7328,12 +7324,8 @@
               <a:buChar char="•"/>
             </a:pPr>
             <a:r>
-              <a:rPr lang="en-US" sz="2800" dirty="0"/>
-              <a:t>We can also run arbitrary JavaScript in </a:t>
-            </a:r>
-            <a:r>
               <a:rPr lang="en-US" sz="2800"/>
-              <a:t>Chrome's interpreter</a:t>
+              <a:t>We can also run arbitrary JavaScript in Chrome's interpreter</a:t>
             </a:r>
             <a:endParaRPr lang="en-US"/>
           </a:p>
@@ -7488,7 +7480,7 @@
           <a:p>
             <a:pPr algn="l"/>
             <a:r>
-              <a:rPr lang="en-US" dirty="0">
+              <a:rPr lang="en-US">
                 <a:ea typeface="+mn-lt"/>
                 <a:cs typeface="+mn-lt"/>
                 <a:hlinkClick r:id="rId3"/>
@@ -8125,7 +8117,7 @@
           <a:lstStyle/>
           <a:p>
             <a:r>
-              <a:rPr lang="en-US" sz="2800" dirty="0"/>
+              <a:rPr lang="en-US" sz="2800"/>
               <a:t>The JavaScript is contained in the string assigned to the 'onclick' attribute of the button element:</a:t>
             </a:r>
           </a:p>
@@ -8135,19 +8127,19 @@
             </a:endParaRPr>
           </a:p>
           <a:p>
-            <a:endParaRPr lang="en-US" sz="3200" dirty="0">
+            <a:endParaRPr lang="en-US" sz="3200">
               <a:latin typeface="Century Gothic"/>
             </a:endParaRPr>
           </a:p>
           <a:p>
             <a:r>
-              <a:rPr lang="en-US" sz="2800" dirty="0">
+              <a:rPr lang="en-US" sz="2800">
                 <a:latin typeface="Consolas"/>
               </a:rPr>
               <a:t>"</a:t>
             </a:r>
             <a:r>
-              <a:rPr lang="en-US" sz="2800" dirty="0" err="1">
+              <a:rPr lang="en-US" sz="2800" err="1">
                 <a:latin typeface="Consolas"/>
                 <a:ea typeface="+mn-lt"/>
                 <a:cs typeface="+mn-lt"/>
@@ -8155,7 +8147,7 @@
               <a:t>document.getElementById</a:t>
             </a:r>
             <a:r>
-              <a:rPr lang="en-US" sz="2800" dirty="0">
+              <a:rPr lang="en-US" sz="2800">
                 <a:latin typeface="Consolas"/>
                 <a:ea typeface="+mn-lt"/>
                 <a:cs typeface="+mn-lt"/>
@@ -8163,7 +8155,7 @@
               <a:t>('demo').</a:t>
             </a:r>
             <a:r>
-              <a:rPr lang="en-US" sz="2800" dirty="0" err="1">
+              <a:rPr lang="en-US" sz="2800" err="1">
                 <a:latin typeface="Consolas"/>
                 <a:ea typeface="+mn-lt"/>
                 <a:cs typeface="+mn-lt"/>
@@ -8171,7 +8163,7 @@
               <a:t>innerHTML</a:t>
             </a:r>
             <a:r>
-              <a:rPr lang="en-US" sz="2800" dirty="0">
+              <a:rPr lang="en-US" sz="2800">
                 <a:latin typeface="Consolas"/>
                 <a:ea typeface="+mn-lt"/>
                 <a:cs typeface="+mn-lt"/>
@@ -8185,7 +8177,7 @@
             </a:endParaRPr>
           </a:p>
           <a:p>
-            <a:endParaRPr lang="en-US" sz="2800" dirty="0"/>
+            <a:endParaRPr lang="en-US" sz="2800"/>
           </a:p>
         </p:txBody>
       </p:sp>
@@ -8222,10 +8214,9 @@
           <a:p>
             <a:pPr algn="ctr"/>
             <a:r>
-              <a:rPr lang="en-US" sz="2800" dirty="0"/>
+              <a:rPr lang="en-US" sz="2800"/>
               <a:t>When the button is clicked, a click event triggers and the JavaScript runs.</a:t>
             </a:r>
-            <a:endParaRPr lang="en-US" sz="2800"/>
           </a:p>
         </p:txBody>
       </p:sp>
@@ -8432,7 +8423,7 @@
           <a:lstStyle/>
           <a:p>
             <a:r>
-              <a:rPr lang="en-US" sz="2800" b="1" dirty="0" err="1">
+              <a:rPr lang="en-US" sz="2800" b="1" err="1">
                 <a:latin typeface="Consolas"/>
                 <a:ea typeface="+mn-lt"/>
                 <a:cs typeface="+mn-lt"/>
@@ -8440,7 +8431,7 @@
               <a:t>document.getElementById</a:t>
             </a:r>
             <a:r>
-              <a:rPr lang="en-US" sz="2800" b="1" dirty="0">
+              <a:rPr lang="en-US" sz="2800" b="1">
                 <a:latin typeface="Consolas"/>
                 <a:ea typeface="+mn-lt"/>
                 <a:cs typeface="+mn-lt"/>
@@ -8448,7 +8439,7 @@
               <a:t>('demo').</a:t>
             </a:r>
             <a:r>
-              <a:rPr lang="en-US" sz="2800" b="1" dirty="0" err="1">
+              <a:rPr lang="en-US" sz="2800" b="1" err="1">
                 <a:latin typeface="Consolas"/>
                 <a:ea typeface="+mn-lt"/>
                 <a:cs typeface="+mn-lt"/>
@@ -8456,23 +8447,23 @@
               <a:t>innerHTML</a:t>
             </a:r>
             <a:r>
-              <a:rPr lang="en-US" sz="2800" b="1" dirty="0">
+              <a:rPr lang="en-US" sz="2800" b="1">
                 <a:latin typeface="Consolas"/>
                 <a:ea typeface="+mn-lt"/>
                 <a:cs typeface="+mn-lt"/>
               </a:rPr>
               <a:t> = Date()</a:t>
             </a:r>
-            <a:endParaRPr lang="en-US" dirty="0"/>
-          </a:p>
-          <a:p>
-            <a:endParaRPr lang="en-US" sz="2800" b="1" dirty="0">
+            <a:endParaRPr lang="en-US"/>
+          </a:p>
+          <a:p>
+            <a:endParaRPr lang="en-US" sz="2800" b="1">
               <a:latin typeface="Consolas"/>
             </a:endParaRPr>
           </a:p>
           <a:p>
             <a:r>
-              <a:rPr lang="en-US" sz="2800" dirty="0">
+              <a:rPr lang="en-US" sz="2800">
                 <a:ea typeface="+mn-lt"/>
                 <a:cs typeface="+mn-lt"/>
               </a:rPr>
@@ -8513,7 +8504,7 @@
           <a:lstStyle/>
           <a:p>
             <a:r>
-              <a:rPr lang="en-US" sz="2400" b="1" dirty="0">
+              <a:rPr lang="en-US" sz="2400" b="1">
                 <a:latin typeface="Consolas"/>
               </a:rPr>
               <a:t>document</a:t>
@@ -8529,7 +8520,7 @@
               <a:buChar char="•"/>
             </a:pPr>
             <a:r>
-              <a:rPr lang="en-US" sz="2400" dirty="0">
+              <a:rPr lang="en-US" sz="2400">
                 <a:latin typeface="Consolas"/>
               </a:rPr>
               <a:t>an object representing the HTML document being displayed</a:t>
@@ -8545,12 +8536,12 @@
               <a:buChar char="•"/>
             </a:pPr>
             <a:r>
-              <a:rPr lang="en-US" sz="2400" dirty="0">
+              <a:rPr lang="en-US" sz="2400">
                 <a:latin typeface="Consolas"/>
               </a:rPr>
               <a:t>Part of the DOM (document object model), a hierarchy of objects comprising a Web document.</a:t>
             </a:r>
-            <a:endParaRPr lang="en-US" sz="2000" dirty="0"/>
+            <a:endParaRPr lang="en-US" sz="2000"/>
           </a:p>
         </p:txBody>
       </p:sp>
@@ -8750,10 +8741,10 @@
           <a:p>
             <a:pPr algn="ctr"/>
             <a:r>
-              <a:rPr lang="en-US" sz="3200" b="1" dirty="0"/>
+              <a:rPr lang="en-US" sz="3200" b="1"/>
               <a:t>History</a:t>
             </a:r>
-            <a:endParaRPr lang="en-US" sz="3200" b="1" dirty="0">
+            <a:endParaRPr lang="en-US" sz="3200" b="1">
               <a:effectLst>
                 <a:glow rad="38100">
                   <a:prstClr val="black">
@@ -8869,7 +8860,7 @@
               <a:buChar char="•"/>
             </a:pPr>
             <a:r>
-              <a:rPr lang="en-US" sz="2800" dirty="0">
+              <a:rPr lang="en-US" sz="2800">
                 <a:ea typeface="+mn-lt"/>
                 <a:cs typeface="+mn-lt"/>
               </a:rPr>
@@ -8915,7 +8906,7 @@
               <a:buChar char="•"/>
             </a:pPr>
             <a:r>
-              <a:rPr lang="en-US" sz="2800" dirty="0">
+              <a:rPr lang="en-US" sz="2800">
                 <a:ea typeface="+mn-lt"/>
                 <a:cs typeface="+mn-lt"/>
               </a:rPr>
@@ -8961,13 +8952,13 @@
               <a:buChar char="•"/>
             </a:pPr>
             <a:r>
-              <a:rPr lang="en-US" sz="2800" dirty="0">
+              <a:rPr lang="en-US" sz="2800">
                 <a:ea typeface="+mn-lt"/>
                 <a:cs typeface="+mn-lt"/>
               </a:rPr>
               <a:t>Original purpose was to bring dynamic content to the Web.</a:t>
             </a:r>
-            <a:endParaRPr lang="en-US" sz="2800" dirty="0"/>
+            <a:endParaRPr lang="en-US" sz="2800"/>
           </a:p>
         </p:txBody>
       </p:sp>
@@ -9228,13 +9219,13 @@
           <a:lstStyle/>
           <a:p>
             <a:r>
-              <a:rPr lang="en-US" sz="2400" b="1" dirty="0" err="1">
+              <a:rPr lang="en-US" sz="2400" b="1" err="1">
                 <a:latin typeface="Consolas"/>
               </a:rPr>
               <a:t>getElementById</a:t>
             </a:r>
             <a:r>
-              <a:rPr lang="en-US" sz="2400" b="1" dirty="0">
+              <a:rPr lang="en-US" sz="2400" b="1">
                 <a:latin typeface="Consolas"/>
               </a:rPr>
               <a:t>('demo') </a:t>
@@ -9249,7 +9240,7 @@
               <a:buChar char="•"/>
             </a:pPr>
             <a:r>
-              <a:rPr lang="en-US" sz="2400" dirty="0">
+              <a:rPr lang="en-US" sz="2400">
                 <a:latin typeface="Consolas"/>
               </a:rPr>
               <a:t>will return an object representing the paragraph element</a:t>
@@ -9265,7 +9256,7 @@
               <a:buChar char="•"/>
             </a:pPr>
             <a:r>
-              <a:rPr lang="en-US" sz="2400" dirty="0">
+              <a:rPr lang="en-US" sz="2400">
                 <a:ea typeface="+mn-lt"/>
                 <a:cs typeface="+mn-lt"/>
               </a:rPr>
@@ -9306,20 +9297,20 @@
           <a:lstStyle/>
           <a:p>
             <a:r>
-              <a:rPr lang="en-US" sz="2400" b="1" dirty="0" err="1">
+              <a:rPr lang="en-US" sz="2400" b="1" err="1">
                 <a:ea typeface="+mn-lt"/>
                 <a:cs typeface="+mn-lt"/>
               </a:rPr>
               <a:t>innerHTML</a:t>
             </a:r>
             <a:r>
-              <a:rPr lang="en-US" sz="2400" b="1" dirty="0">
+              <a:rPr lang="en-US" sz="2400" b="1">
                 <a:ea typeface="+mn-lt"/>
                 <a:cs typeface="+mn-lt"/>
               </a:rPr>
               <a:t> </a:t>
             </a:r>
-            <a:endParaRPr lang="en-US" sz="2400" dirty="0">
+            <a:endParaRPr lang="en-US" sz="2400">
               <a:ea typeface="+mn-lt"/>
               <a:cs typeface="+mn-lt"/>
             </a:endParaRPr>
@@ -9330,7 +9321,7 @@
               <a:buChar char="•"/>
             </a:pPr>
             <a:r>
-              <a:rPr lang="en-US" sz="2400" dirty="0">
+              <a:rPr lang="en-US" sz="2400">
                 <a:ea typeface="+mn-lt"/>
                 <a:cs typeface="+mn-lt"/>
               </a:rPr>
@@ -9343,21 +9334,21 @@
               <a:buChar char="•"/>
             </a:pPr>
             <a:r>
-              <a:rPr lang="en-US" sz="2400" dirty="0">
+              <a:rPr lang="en-US" sz="2400">
                 <a:ea typeface="+mn-lt"/>
                 <a:cs typeface="+mn-lt"/>
               </a:rPr>
               <a:t>&lt;p&gt;</a:t>
             </a:r>
             <a:r>
-              <a:rPr lang="en-US" sz="2400" dirty="0" err="1">
+              <a:rPr lang="en-US" sz="2400" err="1">
                 <a:ea typeface="+mn-lt"/>
                 <a:cs typeface="+mn-lt"/>
               </a:rPr>
               <a:t>innerHTML</a:t>
             </a:r>
             <a:r>
-              <a:rPr lang="en-US" sz="2400" dirty="0">
+              <a:rPr lang="en-US" sz="2400">
                 <a:ea typeface="+mn-lt"/>
                 <a:cs typeface="+mn-lt"/>
               </a:rPr>
@@ -9398,13 +9389,13 @@
           <a:lstStyle/>
           <a:p>
             <a:r>
-              <a:rPr lang="en-US" sz="2400" b="1" dirty="0">
+              <a:rPr lang="en-US" sz="2400" b="1">
                 <a:ea typeface="+mn-lt"/>
                 <a:cs typeface="+mn-lt"/>
               </a:rPr>
               <a:t>Date()</a:t>
             </a:r>
-            <a:endParaRPr lang="en-US" sz="2400" dirty="0">
+            <a:endParaRPr lang="en-US" sz="2400">
               <a:ea typeface="+mn-lt"/>
               <a:cs typeface="+mn-lt"/>
             </a:endParaRPr>
@@ -9415,26 +9406,26 @@
               <a:buChar char="•"/>
             </a:pPr>
             <a:r>
-              <a:rPr lang="en-US" sz="2400" dirty="0">
+              <a:rPr lang="en-US" sz="2400">
                 <a:ea typeface="+mn-lt"/>
                 <a:cs typeface="+mn-lt"/>
               </a:rPr>
               <a:t>Creates JavaScript </a:t>
             </a:r>
             <a:r>
-              <a:rPr lang="en-US" sz="2400" b="1" dirty="0">
+              <a:rPr lang="en-US" sz="2400" b="1">
                 <a:latin typeface="Consolas"/>
               </a:rPr>
               <a:t>Date</a:t>
             </a:r>
             <a:r>
-              <a:rPr lang="en-US" sz="2400" dirty="0">
+              <a:rPr lang="en-US" sz="2400">
                 <a:ea typeface="+mn-lt"/>
                 <a:cs typeface="+mn-lt"/>
               </a:rPr>
               <a:t> instance that represents a single moment in time in a platform-independent format</a:t>
             </a:r>
-            <a:endParaRPr lang="en-US" sz="2400" dirty="0"/>
+            <a:endParaRPr lang="en-US" sz="2400"/>
           </a:p>
         </p:txBody>
       </p:sp>
@@ -9695,14 +9686,14 @@
           <a:lstStyle/>
           <a:p>
             <a:r>
-              <a:rPr lang="en-US" sz="2800" b="1" u="sng" dirty="0">
+              <a:rPr lang="en-US" sz="2800" b="1" u="sng">
                 <a:latin typeface="Century Gothic"/>
                 <a:ea typeface="+mn-lt"/>
                 <a:cs typeface="+mn-lt"/>
               </a:rPr>
               <a:t>Putting it all together:</a:t>
             </a:r>
-            <a:endParaRPr lang="en-US" sz="2800" b="1" u="sng" dirty="0"/>
+            <a:endParaRPr lang="en-US" sz="2800" b="1" u="sng"/>
           </a:p>
           <a:p>
             <a:endParaRPr lang="en-US" sz="2800">
@@ -9712,25 +9703,25 @@
           </a:p>
           <a:p>
             <a:r>
-              <a:rPr lang="en-US" sz="2800" b="1" dirty="0" err="1">
+              <a:rPr lang="en-US" sz="2800" b="1" err="1">
                 <a:latin typeface="Consolas"/>
               </a:rPr>
               <a:t>document.getElementById</a:t>
             </a:r>
             <a:r>
-              <a:rPr lang="en-US" sz="2800" b="1" dirty="0">
+              <a:rPr lang="en-US" sz="2800" b="1">
                 <a:latin typeface="Consolas"/>
               </a:rPr>
               <a:t>('demo').</a:t>
             </a:r>
             <a:r>
-              <a:rPr lang="en-US" sz="2800" b="1" dirty="0" err="1">
+              <a:rPr lang="en-US" sz="2800" b="1" err="1">
                 <a:latin typeface="Consolas"/>
               </a:rPr>
               <a:t>innerHTML</a:t>
             </a:r>
             <a:r>
-              <a:rPr lang="en-US" sz="2800" b="1" dirty="0">
+              <a:rPr lang="en-US" sz="2800" b="1">
                 <a:latin typeface="Consolas"/>
               </a:rPr>
               <a:t> = Date()</a:t>
@@ -9740,20 +9731,20 @@
             </a:endParaRPr>
           </a:p>
           <a:p>
-            <a:endParaRPr lang="en-US" sz="2800" dirty="0">
+            <a:endParaRPr lang="en-US" sz="2800">
               <a:ea typeface="+mn-lt"/>
               <a:cs typeface="+mn-lt"/>
             </a:endParaRPr>
           </a:p>
           <a:p>
-            <a:endParaRPr lang="en-US" sz="2800" dirty="0">
+            <a:endParaRPr lang="en-US" sz="2800">
               <a:ea typeface="+mn-lt"/>
               <a:cs typeface="+mn-lt"/>
             </a:endParaRPr>
           </a:p>
           <a:p>
             <a:r>
-              <a:rPr lang="en-US" sz="2800" b="1" dirty="0">
+              <a:rPr lang="en-US" sz="2800" b="1">
                 <a:ea typeface="+mn-lt"/>
                 <a:cs typeface="+mn-lt"/>
               </a:rPr>
@@ -9948,10 +9939,10 @@
           <a:p>
             <a:pPr algn="ctr"/>
             <a:r>
-              <a:rPr lang="en-US" sz="3200" dirty="0"/>
+              <a:rPr lang="en-US" sz="3200"/>
               <a:t>Hands-on: Syntax</a:t>
             </a:r>
-            <a:endParaRPr lang="en-US" sz="3200" dirty="0">
+            <a:endParaRPr lang="en-US" sz="3200">
               <a:effectLst>
                 <a:glow rad="38100">
                   <a:prstClr val="black">
@@ -10156,10 +10147,10 @@
           <a:p>
             <a:pPr algn="ctr"/>
             <a:r>
-              <a:rPr lang="en-US" sz="3600" dirty="0"/>
+              <a:rPr lang="en-US" sz="3600"/>
               <a:t>Hands-on: syntax and variables</a:t>
             </a:r>
-            <a:endParaRPr lang="en-US" dirty="0"/>
+            <a:endParaRPr lang="en-US"/>
           </a:p>
         </p:txBody>
       </p:sp>
@@ -10290,10 +10281,10 @@
           <a:p>
             <a:pPr algn="ctr"/>
             <a:r>
-              <a:rPr lang="en-US" sz="3200" dirty="0"/>
+              <a:rPr lang="en-US" sz="3200"/>
               <a:t>Variables </a:t>
             </a:r>
-            <a:endParaRPr lang="en-US" sz="3200" dirty="0">
+            <a:endParaRPr lang="en-US" sz="3200">
               <a:effectLst>
                 <a:glow rad="38100">
                   <a:prstClr val="black">
@@ -10345,7 +10336,7 @@
               <a:buChar char="•"/>
             </a:pPr>
             <a:r>
-              <a:rPr lang="en-US" dirty="0">
+              <a:rPr lang="en-US">
                 <a:ea typeface="+mj-lt"/>
                 <a:cs typeface="+mj-lt"/>
                 <a:hlinkClick r:id="rId2"/>
@@ -10363,7 +10354,6 @@
               <a:rPr lang="en-US"/>
               <a:t>In order to create variables in JS you must declare them like so: </a:t>
             </a:r>
-            <a:endParaRPr lang="en-US" dirty="0"/>
           </a:p>
           <a:p>
             <a:pPr lvl="1">
@@ -10429,7 +10419,7 @@
             <a:pPr marL="57150">
               <a:buNone/>
             </a:pPr>
-            <a:endParaRPr lang="en-US" sz="1800" dirty="0"/>
+            <a:endParaRPr lang="en-US" sz="1800"/>
           </a:p>
         </p:txBody>
       </p:sp>
@@ -10493,10 +10483,10 @@
           <a:p>
             <a:pPr algn="ctr"/>
             <a:r>
-              <a:rPr lang="en-US" sz="3200" dirty="0"/>
+              <a:rPr lang="en-US" sz="3200"/>
               <a:t>Operators</a:t>
             </a:r>
-            <a:endParaRPr lang="en-US" sz="3200" dirty="0">
+            <a:endParaRPr lang="en-US" sz="3200">
               <a:effectLst>
                 <a:glow rad="38100">
                   <a:prstClr val="black">
@@ -10548,7 +10538,7 @@
               <a:buChar char="v"/>
             </a:pPr>
             <a:r>
-              <a:rPr lang="en-US" dirty="0">
+              <a:rPr lang="en-US">
                 <a:ea typeface="+mj-lt"/>
                 <a:cs typeface="+mj-lt"/>
                 <a:hlinkClick r:id="rId2"/>
@@ -10694,7 +10684,7 @@
               <a:t>typeof</a:t>
             </a:r>
             <a:r>
-              <a:rPr lang="en-US" dirty="0"/>
+              <a:rPr lang="en-US"/>
               <a:t> </a:t>
             </a:r>
           </a:p>
@@ -10720,26 +10710,13 @@
               <a:t>typeof</a:t>
             </a:r>
             <a:r>
-              <a:rPr lang="en-US" sz="1800" dirty="0">
+              <a:rPr lang="en-US" sz="1800">
                 <a:solidFill>
                   <a:srgbClr val="FFC000"/>
                 </a:solidFill>
               </a:rPr>
-              <a:t> </a:t>
-            </a:r>
-            <a:r>
-              <a:rPr lang="en-US" sz="1800">
-                <a:solidFill>
-                  <a:srgbClr val="FFC000"/>
-                </a:solidFill>
-              </a:rPr>
-              <a:t>42);   //outputs: "number"</a:t>
-            </a:r>
-            <a:endParaRPr lang="en-US" sz="1800" dirty="0">
-              <a:solidFill>
-                <a:srgbClr val="FFC000"/>
-              </a:solidFill>
-            </a:endParaRPr>
+              <a:t> 42);   //outputs: "number"</a:t>
+            </a:r>
           </a:p>
           <a:p>
             <a:pPr>
@@ -10754,7 +10731,7 @@
               <a:rPr lang="en-US" err="1"/>
               <a:t>instanceof</a:t>
             </a:r>
-            <a:endParaRPr lang="en-US" dirty="0"/>
+            <a:endParaRPr lang="en-US"/>
           </a:p>
           <a:p>
             <a:pPr lvl="1">
@@ -10765,7 +10742,6 @@
               <a:rPr lang="en-US" sz="1800"/>
               <a:t>Assume we have a car object and auto is an instance of car:</a:t>
             </a:r>
-            <a:endParaRPr lang="en-US" sz="1800" dirty="0"/>
           </a:p>
           <a:p>
             <a:pPr lvl="1">
@@ -10789,46 +10765,33 @@
               <a:t>instanceof</a:t>
             </a:r>
             <a:r>
-              <a:rPr lang="en-US" sz="1800" dirty="0">
+              <a:rPr lang="en-US" sz="1800">
                 <a:solidFill>
                   <a:srgbClr val="FFC000"/>
                 </a:solidFill>
               </a:rPr>
-              <a:t> </a:t>
-            </a:r>
-            <a:r>
-              <a:rPr lang="en-US" sz="1800">
-                <a:solidFill>
-                  <a:srgbClr val="FFC000"/>
-                </a:solidFill>
-              </a:rPr>
-              <a:t>car);  //true</a:t>
-            </a:r>
-            <a:endParaRPr lang="en-US" sz="1800" dirty="0">
-              <a:solidFill>
-                <a:srgbClr val="FFC000"/>
-              </a:solidFill>
-            </a:endParaRPr>
+              <a:t> car);  //true</a:t>
+            </a:r>
           </a:p>
           <a:p>
             <a:pPr lvl="1">
               <a:buFont typeface="Wingdings" charset="2"/>
               <a:buChar char="v"/>
             </a:pPr>
-            <a:endParaRPr lang="en-US" sz="1400" dirty="0"/>
+            <a:endParaRPr lang="en-US" sz="1400"/>
           </a:p>
           <a:p>
             <a:pPr marL="57150" indent="0">
               <a:buNone/>
             </a:pPr>
-            <a:endParaRPr lang="en-US" sz="1600" dirty="0"/>
+            <a:endParaRPr lang="en-US" sz="1600"/>
           </a:p>
           <a:p>
             <a:pPr>
               <a:buFont typeface="Arial" charset="2"/>
               <a:buChar char="•"/>
             </a:pPr>
-            <a:endParaRPr lang="en-US" sz="1600" dirty="0"/>
+            <a:endParaRPr lang="en-US" sz="1600"/>
           </a:p>
         </p:txBody>
       </p:sp>
@@ -10890,7 +10853,7 @@
           <a:p>
             <a:pPr algn="ctr"/>
             <a:r>
-              <a:rPr lang="en-US" sz="3200" dirty="0"/>
+              <a:rPr lang="en-US" sz="3200"/>
               <a:t>Data Types</a:t>
             </a:r>
           </a:p>
@@ -10929,7 +10892,7 @@
               <a:buChar char="•"/>
             </a:pPr>
             <a:r>
-              <a:rPr lang="en-US" dirty="0">
+              <a:rPr lang="en-US">
                 <a:ea typeface="+mj-lt"/>
                 <a:cs typeface="+mj-lt"/>
                 <a:hlinkClick r:id="rId2"/>
@@ -10953,7 +10916,7 @@
               <a:buNone/>
             </a:pPr>
             <a:r>
-              <a:rPr lang="en-US" sz="2000" dirty="0">
+              <a:rPr lang="en-US" sz="2000">
                 <a:ea typeface="+mj-lt"/>
                 <a:cs typeface="+mj-lt"/>
               </a:rPr>
@@ -10970,7 +10933,7 @@
               <a:t>var x;           // Now x is undefined</a:t>
             </a:r>
             <a:br>
-              <a:rPr lang="en-US" sz="2000" dirty="0">
+              <a:rPr lang="en-US" sz="2000">
                 <a:ea typeface="+mj-lt"/>
                 <a:cs typeface="+mj-lt"/>
               </a:rPr>
@@ -10986,7 +10949,7 @@
               <a:t>     x = 5;           // Now x is a Number</a:t>
             </a:r>
             <a:br>
-              <a:rPr lang="en-US" sz="2000" dirty="0">
+              <a:rPr lang="en-US" sz="2000">
                 <a:ea typeface="+mj-lt"/>
                 <a:cs typeface="+mj-lt"/>
               </a:rPr>
@@ -11001,13 +10964,6 @@
               </a:rPr>
               <a:t>     x = "John";      // Now x is a String</a:t>
             </a:r>
-            <a:endParaRPr lang="en-US" sz="2000" dirty="0">
-              <a:solidFill>
-                <a:srgbClr val="FFC000"/>
-              </a:solidFill>
-              <a:ea typeface="+mj-lt"/>
-              <a:cs typeface="+mj-lt"/>
-            </a:endParaRPr>
           </a:p>
           <a:p>
             <a:pPr>
@@ -11072,20 +11028,13 @@
               </a:rPr>
               <a:t>:"John", </a:t>
             </a:r>
-            <a:endParaRPr lang="en-US" sz="2000" dirty="0">
-              <a:solidFill>
-                <a:srgbClr val="FFC000"/>
-              </a:solidFill>
-              <a:ea typeface="+mj-lt"/>
-              <a:cs typeface="+mj-lt"/>
-            </a:endParaRPr>
           </a:p>
           <a:p>
             <a:pPr marL="400050" lvl="1" indent="0">
               <a:buNone/>
             </a:pPr>
             <a:r>
-              <a:rPr lang="en-US" sz="2000" dirty="0">
+              <a:rPr lang="en-US" sz="2000">
                 <a:solidFill>
                   <a:srgbClr val="FFC000"/>
                 </a:solidFill>
@@ -11114,13 +11063,6 @@
               </a:rPr>
               <a:t>:"Doe",      </a:t>
             </a:r>
-            <a:endParaRPr lang="en-US" sz="2000" dirty="0">
-              <a:solidFill>
-                <a:srgbClr val="FFC000"/>
-              </a:solidFill>
-              <a:ea typeface="+mj-lt"/>
-              <a:cs typeface="+mj-lt"/>
-            </a:endParaRPr>
           </a:p>
           <a:p>
             <a:pPr marL="400050" lvl="1" indent="0">
@@ -11136,20 +11078,13 @@
               </a:rPr>
               <a:t>                        age:50, </a:t>
             </a:r>
-            <a:endParaRPr lang="en-US" sz="2000" dirty="0">
-              <a:solidFill>
-                <a:srgbClr val="FFC000"/>
-              </a:solidFill>
-              <a:ea typeface="+mj-lt"/>
-              <a:cs typeface="+mj-lt"/>
-            </a:endParaRPr>
           </a:p>
           <a:p>
             <a:pPr marL="400050" lvl="1" indent="0">
               <a:buNone/>
             </a:pPr>
             <a:r>
-              <a:rPr lang="en-US" sz="2000" dirty="0">
+              <a:rPr lang="en-US" sz="2000">
                 <a:solidFill>
                   <a:srgbClr val="FFC000"/>
                 </a:solidFill>
@@ -11246,7 +11181,7 @@
           <a:p>
             <a:pPr algn="ctr"/>
             <a:r>
-              <a:rPr lang="en-US" sz="3200" dirty="0"/>
+              <a:rPr lang="en-US" sz="3200"/>
               <a:t>Functions</a:t>
             </a:r>
           </a:p>
@@ -11281,14 +11216,14 @@
           <a:lstStyle/>
           <a:p>
             <a:r>
-              <a:rPr lang="en-US" dirty="0">
+              <a:rPr lang="en-US">
                 <a:ea typeface="+mj-lt"/>
                 <a:cs typeface="+mj-lt"/>
                 <a:hlinkClick r:id="rId2"/>
               </a:rPr>
               <a:t>https://www.w3schools.com/js/js_functions.asp</a:t>
             </a:r>
-            <a:endParaRPr lang="en-US" dirty="0"/>
+            <a:endParaRPr lang="en-US"/>
           </a:p>
           <a:p>
             <a:r>
@@ -11423,7 +11358,7 @@
           <a:p>
             <a:pPr algn="ctr"/>
             <a:r>
-              <a:rPr lang="en-US" dirty="0"/>
+              <a:rPr lang="en-US"/>
               <a:t>Hands-on: functions</a:t>
             </a:r>
           </a:p>
@@ -11519,10 +11454,10 @@
           <a:p>
             <a:pPr algn="ctr"/>
             <a:r>
-              <a:rPr lang="en-US" sz="3200" dirty="0"/>
+              <a:rPr lang="en-US" sz="3200"/>
               <a:t>Objects</a:t>
             </a:r>
-            <a:endParaRPr lang="en-US" sz="3200" dirty="0">
+            <a:endParaRPr lang="en-US" sz="3200">
               <a:effectLst>
                 <a:glow rad="38100">
                   <a:prstClr val="black">
@@ -11574,7 +11509,7 @@
               <a:buChar char="•"/>
             </a:pPr>
             <a:r>
-              <a:rPr lang="en-US" dirty="0">
+              <a:rPr lang="en-US">
                 <a:ea typeface="+mj-lt"/>
                 <a:cs typeface="+mj-lt"/>
                 <a:hlinkClick r:id="rId2"/>
@@ -11655,13 +11590,6 @@
               </a:rPr>
               <a:t>"};</a:t>
             </a:r>
-            <a:endParaRPr lang="en-US" sz="2000" dirty="0">
-              <a:solidFill>
-                <a:srgbClr val="FFC000"/>
-              </a:solidFill>
-              <a:ea typeface="+mj-lt"/>
-              <a:cs typeface="+mj-lt"/>
-            </a:endParaRPr>
           </a:p>
           <a:p>
             <a:pPr>
@@ -11691,7 +11619,7 @@
               </a:rPr>
               <a:t>ObjectName.propertyName</a:t>
             </a:r>
-            <a:endParaRPr lang="en-US" sz="2000" dirty="0">
+            <a:endParaRPr lang="en-US" sz="2000">
               <a:solidFill>
                 <a:srgbClr val="FFC000"/>
               </a:solidFill>
@@ -11781,13 +11709,13 @@
               <a:t>var person = {</a:t>
             </a:r>
             <a:br>
-              <a:rPr lang="en-US" sz="2000" dirty="0">
+              <a:rPr lang="en-US" sz="2000">
                 <a:ea typeface="+mj-lt"/>
                 <a:cs typeface="+mj-lt"/>
               </a:rPr>
             </a:br>
             <a:r>
-              <a:rPr lang="en-US" sz="2000" dirty="0">
+              <a:rPr lang="en-US" sz="2000">
                 <a:solidFill>
                   <a:srgbClr val="FFC000"/>
                 </a:solidFill>
@@ -11817,13 +11745,13 @@
               <a:t>: "John",</a:t>
             </a:r>
             <a:br>
-              <a:rPr lang="en-US" sz="2000" dirty="0">
+              <a:rPr lang="en-US" sz="2000">
                 <a:ea typeface="+mj-lt"/>
                 <a:cs typeface="+mj-lt"/>
               </a:rPr>
             </a:br>
             <a:r>
-              <a:rPr lang="en-US" sz="2000" dirty="0">
+              <a:rPr lang="en-US" sz="2000">
                 <a:solidFill>
                   <a:srgbClr val="FFC000"/>
                 </a:solidFill>
@@ -11853,7 +11781,7 @@
               <a:t> : "Doe",</a:t>
             </a:r>
             <a:br>
-              <a:rPr lang="en-US" sz="2000" dirty="0">
+              <a:rPr lang="en-US" sz="2000">
                 <a:ea typeface="+mj-lt"/>
                 <a:cs typeface="+mj-lt"/>
               </a:rPr>
@@ -11869,13 +11797,13 @@
               <a:t>   id       : 5566,</a:t>
             </a:r>
             <a:br>
-              <a:rPr lang="en-US" sz="2000" dirty="0">
+              <a:rPr lang="en-US" sz="2000">
                 <a:ea typeface="+mj-lt"/>
                 <a:cs typeface="+mj-lt"/>
               </a:rPr>
             </a:br>
             <a:r>
-              <a:rPr lang="en-US" sz="2000" dirty="0">
+              <a:rPr lang="en-US" sz="2000">
                 <a:solidFill>
                   <a:srgbClr val="FFC000"/>
                 </a:solidFill>
@@ -11905,7 +11833,7 @@
               <a:t> : function() {</a:t>
             </a:r>
             <a:br>
-              <a:rPr lang="en-US" sz="2000" dirty="0">
+              <a:rPr lang="en-US" sz="2000">
                 <a:ea typeface="+mj-lt"/>
                 <a:cs typeface="+mj-lt"/>
               </a:rPr>
@@ -11961,7 +11889,7 @@
               <a:t>;</a:t>
             </a:r>
             <a:br>
-              <a:rPr lang="en-US" sz="2000" dirty="0">
+              <a:rPr lang="en-US" sz="2000">
                 <a:ea typeface="+mj-lt"/>
                 <a:cs typeface="+mj-lt"/>
               </a:rPr>
@@ -11977,7 +11905,7 @@
               <a:t>  }</a:t>
             </a:r>
             <a:br>
-              <a:rPr lang="en-US" sz="2000" dirty="0">
+              <a:rPr lang="en-US" sz="2000">
                 <a:ea typeface="+mj-lt"/>
                 <a:cs typeface="+mj-lt"/>
               </a:rPr>
@@ -11992,13 +11920,6 @@
               </a:rPr>
               <a:t> };</a:t>
             </a:r>
-            <a:endParaRPr lang="en-US" sz="2000" dirty="0">
-              <a:solidFill>
-                <a:srgbClr val="FFC000"/>
-              </a:solidFill>
-              <a:ea typeface="+mj-lt"/>
-              <a:cs typeface="+mj-lt"/>
-            </a:endParaRPr>
           </a:p>
         </p:txBody>
       </p:sp>
@@ -12062,10 +11983,10 @@
           <a:p>
             <a:pPr algn="ctr"/>
             <a:r>
-              <a:rPr lang="en-US" sz="3200" b="1" dirty="0"/>
+              <a:rPr lang="en-US" sz="3200" b="1"/>
               <a:t>Where is it used today?</a:t>
             </a:r>
-            <a:endParaRPr lang="en-US" sz="3200" b="1" dirty="0">
+            <a:endParaRPr lang="en-US" sz="3200" b="1">
               <a:effectLst>
                 <a:glow rad="38100">
                   <a:prstClr val="black">
@@ -12422,10 +12343,10 @@
           <a:p>
             <a:pPr algn="ctr"/>
             <a:r>
-              <a:rPr lang="en-US" sz="3200" dirty="0"/>
+              <a:rPr lang="en-US" sz="3200"/>
               <a:t>Objects (cont.)</a:t>
             </a:r>
-            <a:endParaRPr lang="en-US" sz="3200" dirty="0">
+            <a:endParaRPr lang="en-US" sz="3200">
               <a:effectLst>
                 <a:glow rad="38100">
                   <a:prstClr val="black">
@@ -12761,10 +12682,10 @@
           <a:p>
             <a:pPr algn="ctr"/>
             <a:r>
-              <a:rPr lang="en-US" sz="3200" dirty="0"/>
+              <a:rPr lang="en-US" sz="3200"/>
               <a:t>Scope</a:t>
             </a:r>
-            <a:endParaRPr lang="en-US" sz="3200" dirty="0">
+            <a:endParaRPr lang="en-US" sz="3200">
               <a:effectLst>
                 <a:glow rad="38100">
                   <a:prstClr val="black">
@@ -12816,7 +12737,7 @@
               <a:buChar char="v"/>
             </a:pPr>
             <a:r>
-              <a:rPr lang="en-US" sz="2400" dirty="0">
+              <a:rPr lang="en-US" sz="2400">
                 <a:ea typeface="+mj-lt"/>
                 <a:cs typeface="+mj-lt"/>
                 <a:hlinkClick r:id="rId2"/>
@@ -12900,18 +12821,11 @@
               <a:t>GLOBAL</a:t>
             </a:r>
             <a:r>
-              <a:rPr lang="en-US" sz="2000" dirty="0">
-                <a:ea typeface="+mj-lt"/>
-                <a:cs typeface="+mj-lt"/>
-              </a:rPr>
-              <a:t> </a:t>
-            </a:r>
-            <a:r>
               <a:rPr lang="en-US" sz="2000">
                 <a:ea typeface="+mj-lt"/>
                 <a:cs typeface="+mj-lt"/>
               </a:rPr>
-              <a:t>variable. This is an example of hoisting in JS.</a:t>
+              <a:t> variable. This is an example of hoisting in JS.</a:t>
             </a:r>
             <a:endParaRPr lang="en-US" sz="2000"/>
           </a:p>
@@ -13097,10 +13011,10 @@
           <a:p>
             <a:pPr algn="ctr"/>
             <a:r>
-              <a:rPr lang="en-US" sz="3200" dirty="0"/>
+              <a:rPr lang="en-US" sz="3200"/>
               <a:t>Scope (cont.)</a:t>
             </a:r>
-            <a:endParaRPr lang="en-US" sz="3200" dirty="0">
+            <a:endParaRPr lang="en-US" sz="3200">
               <a:effectLst>
                 <a:glow rad="38100">
                   <a:prstClr val="black">
@@ -13332,7 +13246,7 @@
             <a:pPr algn="ctr"/>
             <a:r>
               <a:rPr lang="en-US" sz="3200" dirty="0"/>
-              <a:t>Example 01: The Colors</a:t>
+              <a:t>Example: The Basics</a:t>
             </a:r>
             <a:endParaRPr lang="en-US" sz="3200" dirty="0">
               <a:effectLst>
@@ -13385,19 +13299,19 @@
           <a:lstStyle/>
           <a:p>
             <a:r>
-              <a:rPr lang="en-US" sz="2000" dirty="0"/>
+              <a:rPr lang="en-US" sz="2000"/>
               <a:t>Download our example code by holding CTRL and clicking:</a:t>
             </a:r>
           </a:p>
           <a:p>
             <a:r>
-              <a:rPr lang="en-US" sz="2000" dirty="0">
+              <a:rPr lang="en-US" sz="2000">
                 <a:hlinkClick r:id="rId2"/>
               </a:rPr>
               <a:t>https</a:t>
             </a:r>
             <a:r>
-              <a:rPr lang="en-US" sz="2000" dirty="0">
+              <a:rPr lang="en-US" sz="2000">
                 <a:ea typeface="+mn-lt"/>
                 <a:cs typeface="+mn-lt"/>
                 <a:hlinkClick r:id="rId2"/>
@@ -13444,10 +13358,10 @@
           <a:p>
             <a:pPr algn="just"/>
             <a:r>
-              <a:rPr lang="en-US" sz="2000" dirty="0"/>
+              <a:rPr lang="en-US" sz="2000"/>
               <a:t>Once downloaded, navigate to the file in Windows Explorer and extract the contents by right clicking and selecting "Extract all..."</a:t>
             </a:r>
-            <a:endParaRPr lang="en-US" dirty="0"/>
+            <a:endParaRPr lang="en-US"/>
           </a:p>
         </p:txBody>
       </p:sp>
@@ -13542,7 +13456,7 @@
             <a:pPr algn="ctr"/>
             <a:r>
               <a:rPr lang="en-US" sz="3200" dirty="0"/>
-              <a:t>Example 01: The Colors</a:t>
+              <a:t>Example: The Basics</a:t>
             </a:r>
             <a:endParaRPr lang="en-US" sz="3200" dirty="0">
               <a:effectLst>
@@ -13577,7 +13491,7 @@
         </p:nvSpPr>
         <p:spPr>
           <a:xfrm>
-            <a:off x="591670" y="1411939"/>
+            <a:off x="860611" y="1142998"/>
             <a:ext cx="4046283" cy="400110"/>
           </a:xfrm>
           <a:prstGeom prst="rect">
@@ -13596,7 +13510,7 @@
           <a:p>
             <a:pPr algn="just"/>
             <a:r>
-              <a:rPr lang="en-US" sz="2000" dirty="0"/>
+              <a:rPr lang="en-US" sz="2000"/>
               <a:t>Open Visual Studio and click: </a:t>
             </a:r>
           </a:p>
@@ -13624,7 +13538,7 @@
         </p:blipFill>
         <p:spPr>
           <a:xfrm>
-            <a:off x="4487475" y="1248404"/>
+            <a:off x="4837098" y="979462"/>
             <a:ext cx="2743200" cy="730484"/>
           </a:xfrm>
           <a:prstGeom prst="rect">
@@ -13632,12 +13546,91 @@
           </a:prstGeom>
         </p:spPr>
       </p:pic>
+      <p:sp>
+        <p:nvSpPr>
+          <p:cNvPr id="12" name="TextBox 11">
+            <a:extLst>
+              <a:ext uri="{FF2B5EF4-FFF2-40B4-BE49-F238E27FC236}">
+                <a16:creationId xmlns:a16="http://schemas.microsoft.com/office/drawing/2014/main" id="{14BBF6F3-7667-4D14-A49C-D4E511C7D1C2}"/>
+              </a:ext>
+            </a:extLst>
+          </p:cNvPr>
+          <p:cNvSpPr txBox="1"/>
+          <p:nvPr/>
+        </p:nvSpPr>
+        <p:spPr>
+          <a:xfrm>
+            <a:off x="1692408" y="2055477"/>
+            <a:ext cx="4913937" cy="707886"/>
+          </a:xfrm>
+          <a:prstGeom prst="rect">
+            <a:avLst/>
+          </a:prstGeom>
+          <a:noFill/>
+        </p:spPr>
+        <p:txBody>
+          <a:bodyPr rot="0" spcFirstLastPara="0" vertOverflow="overflow" horzOverflow="overflow" vert="horz" wrap="square" lIns="91440" tIns="45720" rIns="91440" bIns="45720" numCol="1" spcCol="0" rtlCol="0" fromWordArt="0" anchor="t" anchorCtr="0" forceAA="0" compatLnSpc="1">
+            <a:prstTxWarp prst="textNoShape">
+              <a:avLst/>
+            </a:prstTxWarp>
+            <a:spAutoFit/>
+          </a:bodyPr>
+          <a:lstStyle/>
+          <a:p>
+            <a:pPr algn="just"/>
+            <a:r>
+              <a:rPr lang="en-US" sz="2000" dirty="0"/>
+              <a:t>Then browse to the extracted files. We'll look at the_basics.html first:</a:t>
+            </a:r>
+            <a:endParaRPr lang="en-US" dirty="0"/>
+          </a:p>
+        </p:txBody>
+      </p:sp>
+      <p:sp>
+        <p:nvSpPr>
+          <p:cNvPr id="13" name="TextBox 12">
+            <a:extLst>
+              <a:ext uri="{FF2B5EF4-FFF2-40B4-BE49-F238E27FC236}">
+                <a16:creationId xmlns:a16="http://schemas.microsoft.com/office/drawing/2014/main" id="{57DF9970-142E-4DAE-8196-F2B4D3D9B08E}"/>
+              </a:ext>
+            </a:extLst>
+          </p:cNvPr>
+          <p:cNvSpPr txBox="1"/>
+          <p:nvPr/>
+        </p:nvSpPr>
+        <p:spPr>
+          <a:xfrm>
+            <a:off x="519953" y="6411044"/>
+            <a:ext cx="8766199" cy="400110"/>
+          </a:xfrm>
+          <a:prstGeom prst="rect">
+            <a:avLst/>
+          </a:prstGeom>
+          <a:noFill/>
+        </p:spPr>
+        <p:txBody>
+          <a:bodyPr rot="0" spcFirstLastPara="0" vertOverflow="overflow" horzOverflow="overflow" vert="horz" wrap="square" lIns="91440" tIns="45720" rIns="91440" bIns="45720" numCol="1" spcCol="0" rtlCol="0" fromWordArt="0" anchor="t" anchorCtr="0" forceAA="0" compatLnSpc="1">
+            <a:prstTxWarp prst="textNoShape">
+              <a:avLst/>
+            </a:prstTxWarp>
+            <a:spAutoFit/>
+          </a:bodyPr>
+          <a:lstStyle/>
+          <a:p>
+            <a:pPr algn="just"/>
+            <a:r>
+              <a:rPr lang="en-US" sz="2000"/>
+              <a:t>If Solution Explorer isn't open, hold CTRL+ALT and tap the L key.</a:t>
+            </a:r>
+          </a:p>
+        </p:txBody>
+      </p:sp>
       <p:pic>
         <p:nvPicPr>
-          <p:cNvPr id="10" name="Picture 10" descr="A screenshot of a computer screen&#10;&#10;Description generated with very high confidence">
+          <p:cNvPr id="3" name="Picture 4" descr="A screenshot of a computer screen&#10;&#10;Description generated with very high confidence">
             <a:extLst>
               <a:ext uri="{FF2B5EF4-FFF2-40B4-BE49-F238E27FC236}">
-                <a16:creationId xmlns:a16="http://schemas.microsoft.com/office/drawing/2014/main" id="{BCE40C61-3AF7-4845-A402-13399D077DA2}"/>
+                <a16:creationId xmlns:a16="http://schemas.microsoft.com/office/drawing/2014/main" id="{C5FE8487-859F-4C3D-973C-4707EE24DDA9}"/>
               </a:ext>
             </a:extLst>
           </p:cNvPr>
@@ -13654,100 +13647,14 @@
         </p:blipFill>
         <p:spPr>
           <a:xfrm>
-            <a:off x="587828" y="3498194"/>
-            <a:ext cx="3742124" cy="2829570"/>
+            <a:off x="2097741" y="2759321"/>
+            <a:ext cx="4186517" cy="3607427"/>
           </a:xfrm>
           <a:prstGeom prst="rect">
             <a:avLst/>
           </a:prstGeom>
         </p:spPr>
       </p:pic>
-      <p:sp>
-        <p:nvSpPr>
-          <p:cNvPr id="12" name="TextBox 11">
-            <a:extLst>
-              <a:ext uri="{FF2B5EF4-FFF2-40B4-BE49-F238E27FC236}">
-                <a16:creationId xmlns:a16="http://schemas.microsoft.com/office/drawing/2014/main" id="{14BBF6F3-7667-4D14-A49C-D4E511C7D1C2}"/>
-              </a:ext>
-            </a:extLst>
-          </p:cNvPr>
-          <p:cNvSpPr txBox="1"/>
-          <p:nvPr/>
-        </p:nvSpPr>
-        <p:spPr>
-          <a:xfrm>
-            <a:off x="697326" y="2458888"/>
-            <a:ext cx="7110290" cy="707886"/>
-          </a:xfrm>
-          <a:prstGeom prst="rect">
-            <a:avLst/>
-          </a:prstGeom>
-          <a:noFill/>
-        </p:spPr>
-        <p:txBody>
-          <a:bodyPr rot="0" spcFirstLastPara="0" vertOverflow="overflow" horzOverflow="overflow" vert="horz" wrap="square" lIns="91440" tIns="45720" rIns="91440" bIns="45720" numCol="1" spcCol="0" rtlCol="0" fromWordArt="0" anchor="t" anchorCtr="0" forceAA="0" compatLnSpc="1">
-            <a:prstTxWarp prst="textNoShape">
-              <a:avLst/>
-            </a:prstTxWarp>
-            <a:spAutoFit/>
-          </a:bodyPr>
-          <a:lstStyle/>
-          <a:p>
-            <a:pPr algn="just"/>
-            <a:r>
-              <a:rPr lang="en-US" sz="2000" dirty="0"/>
-              <a:t>Then browse to the extracted files in Solution Explorer.</a:t>
-            </a:r>
-          </a:p>
-          <a:p>
-            <a:pPr algn="just"/>
-            <a:r>
-              <a:rPr lang="en-US" sz="2000" dirty="0"/>
-              <a:t>We'll look at example01.html first.</a:t>
-            </a:r>
-            <a:endParaRPr lang="en-US" dirty="0"/>
-          </a:p>
-        </p:txBody>
-      </p:sp>
-      <p:sp>
-        <p:nvSpPr>
-          <p:cNvPr id="13" name="TextBox 12">
-            <a:extLst>
-              <a:ext uri="{FF2B5EF4-FFF2-40B4-BE49-F238E27FC236}">
-                <a16:creationId xmlns:a16="http://schemas.microsoft.com/office/drawing/2014/main" id="{57DF9970-142E-4DAE-8196-F2B4D3D9B08E}"/>
-              </a:ext>
-            </a:extLst>
-          </p:cNvPr>
-          <p:cNvSpPr txBox="1"/>
-          <p:nvPr/>
-        </p:nvSpPr>
-        <p:spPr>
-          <a:xfrm>
-            <a:off x="4491317" y="4456738"/>
-            <a:ext cx="4382459" cy="707886"/>
-          </a:xfrm>
-          <a:prstGeom prst="rect">
-            <a:avLst/>
-          </a:prstGeom>
-          <a:noFill/>
-        </p:spPr>
-        <p:txBody>
-          <a:bodyPr rot="0" spcFirstLastPara="0" vertOverflow="overflow" horzOverflow="overflow" vert="horz" wrap="square" lIns="91440" tIns="45720" rIns="91440" bIns="45720" numCol="1" spcCol="0" rtlCol="0" fromWordArt="0" anchor="t" anchorCtr="0" forceAA="0" compatLnSpc="1">
-            <a:prstTxWarp prst="textNoShape">
-              <a:avLst/>
-            </a:prstTxWarp>
-            <a:spAutoFit/>
-          </a:bodyPr>
-          <a:lstStyle/>
-          <a:p>
-            <a:pPr algn="just"/>
-            <a:r>
-              <a:rPr lang="en-US" sz="2000" dirty="0"/>
-              <a:t>If Solution Explorer isn't open, hold CTRL+ALT and tap the L key.</a:t>
-            </a:r>
-          </a:p>
-        </p:txBody>
-      </p:sp>
     </p:spTree>
     <p:extLst>
       <p:ext uri="{BB962C8B-B14F-4D97-AF65-F5344CB8AC3E}">
@@ -13804,10 +13711,15 @@
           <a:bodyPr/>
           <a:lstStyle/>
           <a:p>
-            <a:r>
-              <a:rPr lang="en-US"/>
-              <a:t>Example 01: The Colors</a:t>
-            </a:r>
+            <a:pPr algn="ctr"/>
+            <a:r>
+              <a:rPr lang="en-US" dirty="0">
+                <a:ea typeface="+mj-lt"/>
+                <a:cs typeface="+mj-lt"/>
+              </a:rPr>
+              <a:t>Example: The Basics</a:t>
+            </a:r>
+            <a:endParaRPr lang="en-US" dirty="0"/>
           </a:p>
         </p:txBody>
       </p:sp>
@@ -13845,13 +13757,13 @@
             <a:pPr algn="just"/>
             <a:r>
               <a:rPr lang="en-US" sz="2000" dirty="0"/>
-              <a:t>To view the HTML in a web browser, right click example01.html in the Solution Explorer, and click Open with...</a:t>
+              <a:t>To view the HTML in a web browser, right click the_basics.html in the Solution Explorer, and click Open with...</a:t>
             </a:r>
             <a:endParaRPr lang="en-US"/>
           </a:p>
           <a:p>
             <a:pPr algn="just"/>
-            <a:endParaRPr lang="en-US" sz="2000" dirty="0"/>
+            <a:endParaRPr lang="en-US" sz="2000"/>
           </a:p>
           <a:p>
             <a:pPr algn="just"/>
@@ -13940,7 +13852,7 @@
         </p:nvSpPr>
         <p:spPr>
           <a:xfrm>
-            <a:off x="1039857" y="160759"/>
+            <a:off x="1039856" y="210671"/>
             <a:ext cx="7055380" cy="710249"/>
           </a:xfrm>
         </p:spPr>
@@ -13952,10 +13864,10 @@
           <a:p>
             <a:pPr algn="ctr"/>
             <a:r>
-              <a:rPr lang="en-US" sz="3200" dirty="0"/>
-              <a:t>Example 01: The Colors</a:t>
-            </a:r>
-            <a:endParaRPr lang="en-US" sz="3200" dirty="0">
+              <a:rPr lang="en-US" sz="3200"/>
+              <a:t>The Debugger</a:t>
+            </a:r>
+            <a:endParaRPr lang="en-US" sz="3200">
               <a:effectLst>
                 <a:glow rad="38100">
                   <a:prstClr val="black">
@@ -13988,8 +13900,8 @@
         </p:nvSpPr>
         <p:spPr>
           <a:xfrm>
-            <a:off x="650217" y="1002597"/>
-            <a:ext cx="7849879" cy="707886"/>
+            <a:off x="486015" y="867013"/>
+            <a:ext cx="8512626" cy="1015663"/>
           </a:xfrm>
           <a:prstGeom prst="rect">
             <a:avLst/>
@@ -14005,28 +13917,41 @@
           </a:bodyPr>
           <a:lstStyle/>
           <a:p>
-            <a:pPr algn="ctr"/>
+            <a:pPr algn="just"/>
             <a:r>
               <a:rPr lang="en-US" sz="2000" dirty="0"/>
-              <a:t>You'll notice some features of the page don't work</a:t>
+              <a:t>In Chrome, hit the F12 key.</a:t>
             </a:r>
             <a:endParaRPr lang="en-US" dirty="0"/>
           </a:p>
           <a:p>
-            <a:pPr algn="ctr"/>
+            <a:pPr algn="just"/>
             <a:r>
               <a:rPr lang="en-US" sz="2000" dirty="0"/>
-              <a:t>Don't worry, you'll be fixing that soon.</a:t>
-            </a:r>
+              <a:t>Click on the</a:t>
+            </a:r>
+            <a:r>
+              <a:rPr lang="en-US" sz="2000" b="1" dirty="0"/>
+              <a:t> Sources</a:t>
+            </a:r>
+            <a:r>
+              <a:rPr lang="en-US" sz="2000" dirty="0"/>
+              <a:t> tab to see our code loaded in the browser.</a:t>
+            </a:r>
+            <a:endParaRPr lang="en-US"/>
+          </a:p>
+          <a:p>
+            <a:pPr algn="just"/>
+            <a:endParaRPr lang="en-US" sz="2000"/>
           </a:p>
         </p:txBody>
       </p:sp>
       <p:pic>
         <p:nvPicPr>
-          <p:cNvPr id="7" name="Picture 7" descr="A screenshot of a cell phone&#10;&#10;Description generated with very high confidence">
+          <p:cNvPr id="3" name="Picture 4" descr="A screenshot of a cell phone&#10;&#10;Description generated with very high confidence">
             <a:extLst>
               <a:ext uri="{FF2B5EF4-FFF2-40B4-BE49-F238E27FC236}">
-                <a16:creationId xmlns:a16="http://schemas.microsoft.com/office/drawing/2014/main" id="{263072F9-B7FA-45AC-B8B3-A56DB7A5D297}"/>
+                <a16:creationId xmlns:a16="http://schemas.microsoft.com/office/drawing/2014/main" id="{A34D15D2-6385-458D-9E20-85A14A1BABFC}"/>
               </a:ext>
             </a:extLst>
           </p:cNvPr>
@@ -14043,58 +13968,18 @@
         </p:blipFill>
         <p:spPr>
           <a:xfrm>
-            <a:off x="2201598" y="1968115"/>
-            <a:ext cx="4746071" cy="3992373"/>
+            <a:off x="71717" y="1819344"/>
+            <a:ext cx="9072281" cy="4357829"/>
           </a:xfrm>
           <a:prstGeom prst="rect">
             <a:avLst/>
           </a:prstGeom>
         </p:spPr>
       </p:pic>
-      <p:sp>
-        <p:nvSpPr>
-          <p:cNvPr id="9" name="TextBox 8">
-            <a:extLst>
-              <a:ext uri="{FF2B5EF4-FFF2-40B4-BE49-F238E27FC236}">
-                <a16:creationId xmlns:a16="http://schemas.microsoft.com/office/drawing/2014/main" id="{01D039B4-A8D6-4B09-A379-6D3B1CD7C595}"/>
-              </a:ext>
-            </a:extLst>
-          </p:cNvPr>
-          <p:cNvSpPr txBox="1"/>
-          <p:nvPr/>
-        </p:nvSpPr>
-        <p:spPr>
-          <a:xfrm>
-            <a:off x="544438" y="6213754"/>
-            <a:ext cx="7849879" cy="400110"/>
-          </a:xfrm>
-          <a:prstGeom prst="rect">
-            <a:avLst/>
-          </a:prstGeom>
-          <a:noFill/>
-        </p:spPr>
-        <p:txBody>
-          <a:bodyPr rot="0" spcFirstLastPara="0" vertOverflow="overflow" horzOverflow="overflow" vert="horz" wrap="square" lIns="91440" tIns="45720" rIns="91440" bIns="45720" numCol="1" spcCol="0" rtlCol="0" fromWordArt="0" anchor="t" anchorCtr="0" forceAA="0" compatLnSpc="1">
-            <a:prstTxWarp prst="textNoShape">
-              <a:avLst/>
-            </a:prstTxWarp>
-            <a:spAutoFit/>
-          </a:bodyPr>
-          <a:lstStyle/>
-          <a:p>
-            <a:pPr algn="ctr"/>
-            <a:r>
-              <a:rPr lang="en-US" sz="2000" dirty="0"/>
-              <a:t>First, let's take a moment to revisit the debugger</a:t>
-            </a:r>
-            <a:endParaRPr lang="en-US" dirty="0"/>
-          </a:p>
-        </p:txBody>
-      </p:sp>
     </p:spTree>
     <p:extLst>
       <p:ext uri="{BB962C8B-B14F-4D97-AF65-F5344CB8AC3E}">
-        <p14:creationId xmlns:p14="http://schemas.microsoft.com/office/powerpoint/2010/main" val="653725357"/>
+        <p14:creationId xmlns:p14="http://schemas.microsoft.com/office/powerpoint/2010/main" val="4227264421"/>
       </p:ext>
     </p:extLst>
   </p:cSld>
@@ -14139,22 +14024,23 @@
         </p:nvSpPr>
         <p:spPr>
           <a:xfrm>
-            <a:off x="1039856" y="210671"/>
+            <a:off x="910084" y="170741"/>
             <a:ext cx="7055380" cy="710249"/>
           </a:xfrm>
         </p:spPr>
         <p:txBody>
-          <a:bodyPr>
-            <a:normAutofit/>
-          </a:bodyPr>
+          <a:bodyPr/>
           <a:lstStyle/>
           <a:p>
             <a:pPr algn="ctr"/>
             <a:r>
-              <a:rPr lang="en-US" sz="3200" dirty="0"/>
+              <a:rPr lang="en-US" sz="3200">
+                <a:ea typeface="+mj-lt"/>
+                <a:cs typeface="+mj-lt"/>
+              </a:rPr>
               <a:t>The Debugger</a:t>
             </a:r>
-            <a:endParaRPr lang="en-US" sz="3200" dirty="0">
+            <a:endParaRPr lang="en-US" sz="3200">
               <a:effectLst>
                 <a:glow rad="38100">
                   <a:prstClr val="black">
@@ -14169,6 +14055,8 @@
                   </a:srgbClr>
                 </a:outerShdw>
               </a:effectLst>
+              <a:ea typeface="+mj-lt"/>
+              <a:cs typeface="+mj-lt"/>
             </a:endParaRPr>
           </a:p>
         </p:txBody>
@@ -14187,8 +14075,8 @@
         </p:nvSpPr>
         <p:spPr>
           <a:xfrm>
-            <a:off x="486015" y="1037342"/>
-            <a:ext cx="8512626" cy="1015663"/>
+            <a:off x="466805" y="835636"/>
+            <a:ext cx="7849879" cy="707886"/>
           </a:xfrm>
           <a:prstGeom prst="rect">
             <a:avLst/>
@@ -14207,38 +14095,18 @@
             <a:pPr algn="just"/>
             <a:r>
               <a:rPr lang="en-US" sz="2000" dirty="0"/>
-              <a:t>In Chrome, hit the F12 key to open the debugger. </a:t>
-            </a:r>
-            <a:endParaRPr lang="en-US"/>
-          </a:p>
-          <a:p>
-            <a:pPr algn="just"/>
-            <a:r>
-              <a:rPr lang="en-US" sz="2000" dirty="0"/>
-              <a:t>Click on the</a:t>
-            </a:r>
-            <a:r>
-              <a:rPr lang="en-US" sz="2000" b="1" dirty="0"/>
-              <a:t> Sources</a:t>
-            </a:r>
-            <a:r>
-              <a:rPr lang="en-US" sz="2000" dirty="0"/>
-              <a:t> tab to see our code loaded in the browser.</a:t>
+              <a:t>Try setting a breakpoint on Line 5 of the_basics.js by clicking on the '5'. Add watches for a, b, and c. Press F5 to reload.</a:t>
             </a:r>
             <a:endParaRPr lang="en-US" dirty="0"/>
-          </a:p>
-          <a:p>
-            <a:pPr algn="just"/>
-            <a:endParaRPr lang="en-US" sz="2000" dirty="0"/>
           </a:p>
         </p:txBody>
       </p:sp>
       <p:pic>
         <p:nvPicPr>
-          <p:cNvPr id="6" name="Picture 6" descr="A screenshot of a cell phone&#10;&#10;Description generated with very high confidence">
+          <p:cNvPr id="5" name="Picture 5">
             <a:extLst>
               <a:ext uri="{FF2B5EF4-FFF2-40B4-BE49-F238E27FC236}">
-                <a16:creationId xmlns:a16="http://schemas.microsoft.com/office/drawing/2014/main" id="{D55CDF0F-E6F2-4C40-93C2-A29B3BAE1013}"/>
+                <a16:creationId xmlns:a16="http://schemas.microsoft.com/office/drawing/2014/main" id="{A3DEA2A2-E8CB-41F8-B7B9-FB9C40AF12FC}"/>
               </a:ext>
             </a:extLst>
           </p:cNvPr>
@@ -14255,8 +14123,77 @@
         </p:blipFill>
         <p:spPr>
           <a:xfrm>
-            <a:off x="584545" y="1767357"/>
-            <a:ext cx="7969623" cy="4980542"/>
+            <a:off x="4334395" y="1715460"/>
+            <a:ext cx="2838049" cy="496900"/>
+          </a:xfrm>
+          <a:prstGeom prst="rect">
+            <a:avLst/>
+          </a:prstGeom>
+        </p:spPr>
+      </p:pic>
+      <p:sp>
+        <p:nvSpPr>
+          <p:cNvPr id="7" name="TextBox 6">
+            <a:extLst>
+              <a:ext uri="{FF2B5EF4-FFF2-40B4-BE49-F238E27FC236}">
+                <a16:creationId xmlns:a16="http://schemas.microsoft.com/office/drawing/2014/main" id="{B259B8A0-E848-4BE7-B78D-BA72C4202978}"/>
+              </a:ext>
+            </a:extLst>
+          </p:cNvPr>
+          <p:cNvSpPr txBox="1"/>
+          <p:nvPr/>
+        </p:nvSpPr>
+        <p:spPr>
+          <a:xfrm>
+            <a:off x="457839" y="1747474"/>
+            <a:ext cx="3979048" cy="400110"/>
+          </a:xfrm>
+          <a:prstGeom prst="rect">
+            <a:avLst/>
+          </a:prstGeom>
+          <a:noFill/>
+        </p:spPr>
+        <p:txBody>
+          <a:bodyPr rot="0" spcFirstLastPara="0" vertOverflow="overflow" horzOverflow="overflow" vert="horz" wrap="square" lIns="91440" tIns="45720" rIns="91440" bIns="45720" numCol="1" spcCol="0" rtlCol="0" fromWordArt="0" anchor="t" anchorCtr="0" forceAA="0" compatLnSpc="1">
+            <a:prstTxWarp prst="textNoShape">
+              <a:avLst/>
+            </a:prstTxWarp>
+            <a:spAutoFit/>
+          </a:bodyPr>
+          <a:lstStyle/>
+          <a:p>
+            <a:pPr algn="just"/>
+            <a:r>
+              <a:rPr lang="en-US" sz="2000"/>
+              <a:t>You'll notice the page shows:</a:t>
+            </a:r>
+          </a:p>
+        </p:txBody>
+      </p:sp>
+      <p:pic>
+        <p:nvPicPr>
+          <p:cNvPr id="3" name="Picture 5" descr="A screenshot of a cell phone&#10;&#10;Description generated with very high confidence">
+            <a:extLst>
+              <a:ext uri="{FF2B5EF4-FFF2-40B4-BE49-F238E27FC236}">
+                <a16:creationId xmlns:a16="http://schemas.microsoft.com/office/drawing/2014/main" id="{1237F6BE-7133-4281-AFD3-8D42D2380087}"/>
+              </a:ext>
+            </a:extLst>
+          </p:cNvPr>
+          <p:cNvPicPr>
+            <a:picLocks noChangeAspect="1"/>
+          </p:cNvPicPr>
+          <p:nvPr/>
+        </p:nvPicPr>
+        <p:blipFill>
+          <a:blip r:embed="rId3"/>
+          <a:stretch>
+            <a:fillRect/>
+          </a:stretch>
+        </p:blipFill>
+        <p:spPr>
+          <a:xfrm>
+            <a:off x="1138518" y="2275383"/>
+            <a:ext cx="6723528" cy="4548409"/>
           </a:xfrm>
           <a:prstGeom prst="rect">
             <a:avLst/>
@@ -14266,7 +14203,7 @@
     </p:spTree>
     <p:extLst>
       <p:ext uri="{BB962C8B-B14F-4D97-AF65-F5344CB8AC3E}">
-        <p14:creationId xmlns:p14="http://schemas.microsoft.com/office/powerpoint/2010/main" val="4227264421"/>
+        <p14:creationId xmlns:p14="http://schemas.microsoft.com/office/powerpoint/2010/main" val="3056313575"/>
       </p:ext>
     </p:extLst>
   </p:cSld>
@@ -14321,13 +14258,13 @@
           <a:p>
             <a:pPr algn="ctr"/>
             <a:r>
-              <a:rPr lang="en-US" sz="3200" dirty="0">
+              <a:rPr lang="en-US" sz="3200">
                 <a:ea typeface="+mj-lt"/>
                 <a:cs typeface="+mj-lt"/>
               </a:rPr>
               <a:t>The Debugger</a:t>
             </a:r>
-            <a:endParaRPr lang="en-US" sz="3200" dirty="0">
+            <a:endParaRPr lang="en-US" sz="3200">
               <a:effectLst>
                 <a:glow rad="38100">
                   <a:prstClr val="black">
@@ -14350,10 +14287,10 @@
       </p:sp>
       <p:sp>
         <p:nvSpPr>
-          <p:cNvPr id="4" name="TextBox 3">
+          <p:cNvPr id="11" name="TextBox 10">
             <a:extLst>
               <a:ext uri="{FF2B5EF4-FFF2-40B4-BE49-F238E27FC236}">
-                <a16:creationId xmlns:a16="http://schemas.microsoft.com/office/drawing/2014/main" id="{D3841CC4-5C87-49CE-88C0-8A98AA1A8147}"/>
+                <a16:creationId xmlns:a16="http://schemas.microsoft.com/office/drawing/2014/main" id="{B203A47B-8F17-4F9B-BDE4-50181CA34F31}"/>
               </a:ext>
             </a:extLst>
           </p:cNvPr>
@@ -14362,8 +14299,8 @@
         </p:nvSpPr>
         <p:spPr>
           <a:xfrm>
-            <a:off x="466805" y="1104577"/>
-            <a:ext cx="7849879" cy="1631216"/>
+            <a:off x="672353" y="1255059"/>
+            <a:ext cx="3541058" cy="523220"/>
           </a:xfrm>
           <a:prstGeom prst="rect">
             <a:avLst/>
@@ -14379,29 +14316,108 @@
           </a:bodyPr>
           <a:lstStyle/>
           <a:p>
-            <a:pPr algn="just"/>
-            <a:r>
-              <a:rPr lang="en-US" sz="2000" dirty="0"/>
-              <a:t>Double click example01.js, and try setting a breakpoint on Line 5 by clicking on the '5'. Hit F5 to reload the page and it should trigger</a:t>
-            </a:r>
-            <a:endParaRPr lang="en-US" dirty="0"/>
-          </a:p>
-          <a:p>
-            <a:pPr algn="just"/>
-            <a:endParaRPr lang="en-US" sz="2000" dirty="0"/>
-          </a:p>
-          <a:p>
-            <a:pPr algn="just"/>
-            <a:endParaRPr lang="en-US" sz="2000" dirty="0"/>
+            <a:r>
+              <a:rPr lang="en-US" sz="2800" dirty="0"/>
+              <a:t>Debugger controls:</a:t>
+            </a:r>
+            <a:endParaRPr lang="en-US" sz="2800"/>
+          </a:p>
+        </p:txBody>
+      </p:sp>
+      <p:sp>
+        <p:nvSpPr>
+          <p:cNvPr id="12" name="TextBox 11">
+            <a:extLst>
+              <a:ext uri="{FF2B5EF4-FFF2-40B4-BE49-F238E27FC236}">
+                <a16:creationId xmlns:a16="http://schemas.microsoft.com/office/drawing/2014/main" id="{A8197E31-A3D9-4700-9AE1-A4854704D2C5}"/>
+              </a:ext>
+            </a:extLst>
+          </p:cNvPr>
+          <p:cNvSpPr txBox="1"/>
+          <p:nvPr/>
+        </p:nvSpPr>
+        <p:spPr>
+          <a:xfrm>
+            <a:off x="672354" y="2286000"/>
+            <a:ext cx="7736538" cy="2677656"/>
+          </a:xfrm>
+          <a:prstGeom prst="rect">
+            <a:avLst/>
+          </a:prstGeom>
+          <a:noFill/>
+        </p:spPr>
+        <p:txBody>
+          <a:bodyPr rot="0" spcFirstLastPara="0" vertOverflow="overflow" horzOverflow="overflow" vert="horz" wrap="square" lIns="91440" tIns="45720" rIns="91440" bIns="45720" numCol="1" spcCol="0" rtlCol="0" fromWordArt="0" anchor="t" anchorCtr="0" forceAA="0" compatLnSpc="1">
+            <a:prstTxWarp prst="textNoShape">
+              <a:avLst/>
+            </a:prstTxWarp>
+            <a:spAutoFit/>
+          </a:bodyPr>
+          <a:lstStyle/>
+          <a:p>
+            <a:r>
+              <a:rPr lang="en-US" sz="2800" dirty="0"/>
+              <a:t>From left to right:</a:t>
+            </a:r>
+          </a:p>
+          <a:p>
+            <a:pPr marL="342900" indent="-342900">
+              <a:buFont typeface="Arial"/>
+              <a:buChar char="•"/>
+            </a:pPr>
+            <a:r>
+              <a:rPr lang="en-US" sz="2800" dirty="0"/>
+              <a:t>Resume execution (F8)</a:t>
+            </a:r>
+          </a:p>
+          <a:p>
+            <a:pPr marL="342900" indent="-342900">
+              <a:buFont typeface="Arial"/>
+              <a:buChar char="•"/>
+            </a:pPr>
+            <a:r>
+              <a:rPr lang="en-US" sz="2800" dirty="0"/>
+              <a:t>Step over next function call (F10)</a:t>
+            </a:r>
+          </a:p>
+          <a:p>
+            <a:pPr marL="342900" indent="-342900">
+              <a:buFont typeface="Arial"/>
+              <a:buChar char="•"/>
+            </a:pPr>
+            <a:r>
+              <a:rPr lang="en-US" sz="2800" dirty="0"/>
+              <a:t>Step into next function call (F11)</a:t>
+            </a:r>
+          </a:p>
+          <a:p>
+            <a:pPr marL="342900" indent="-342900">
+              <a:buFont typeface="Arial"/>
+              <a:buChar char="•"/>
+            </a:pPr>
+            <a:r>
+              <a:rPr lang="en-US" sz="2800" dirty="0"/>
+              <a:t>Step out of current function (Shift+F11)</a:t>
+            </a:r>
+          </a:p>
+          <a:p>
+            <a:pPr marL="342900" indent="-342900">
+              <a:buFont typeface="Arial"/>
+              <a:buChar char="•"/>
+            </a:pPr>
+            <a:r>
+              <a:rPr lang="en-US" sz="2800" dirty="0"/>
+              <a:t>Step (F9)</a:t>
+            </a:r>
           </a:p>
         </p:txBody>
       </p:sp>
       <p:pic>
         <p:nvPicPr>
-          <p:cNvPr id="5" name="Picture 5">
+          <p:cNvPr id="13" name="Picture 13">
             <a:extLst>
               <a:ext uri="{FF2B5EF4-FFF2-40B4-BE49-F238E27FC236}">
-                <a16:creationId xmlns:a16="http://schemas.microsoft.com/office/drawing/2014/main" id="{A3DEA2A2-E8CB-41F8-B7B9-FB9C40AF12FC}"/>
+                <a16:creationId xmlns:a16="http://schemas.microsoft.com/office/drawing/2014/main" id="{9E77AC59-1F70-492E-9704-F8EB9D133534}"/>
               </a:ext>
             </a:extLst>
           </p:cNvPr>
@@ -14418,8 +14434,8 @@
         </p:blipFill>
         <p:spPr>
           <a:xfrm>
-            <a:off x="4334395" y="2316095"/>
-            <a:ext cx="2838049" cy="496900"/>
+            <a:off x="4438650" y="1209394"/>
+            <a:ext cx="3341594" cy="620245"/>
           </a:xfrm>
           <a:prstGeom prst="rect">
             <a:avLst/>
@@ -14428,10 +14444,10 @@
       </p:pic>
       <p:sp>
         <p:nvSpPr>
-          <p:cNvPr id="7" name="TextBox 6">
+          <p:cNvPr id="15" name="TextBox 14">
             <a:extLst>
               <a:ext uri="{FF2B5EF4-FFF2-40B4-BE49-F238E27FC236}">
-                <a16:creationId xmlns:a16="http://schemas.microsoft.com/office/drawing/2014/main" id="{B259B8A0-E848-4BE7-B78D-BA72C4202978}"/>
+                <a16:creationId xmlns:a16="http://schemas.microsoft.com/office/drawing/2014/main" id="{3A3C1022-E852-4E33-9600-EFCA3045BE33}"/>
               </a:ext>
             </a:extLst>
           </p:cNvPr>
@@ -14440,8 +14456,8 @@
         </p:nvSpPr>
         <p:spPr>
           <a:xfrm>
-            <a:off x="466804" y="2410862"/>
-            <a:ext cx="3979048" cy="400110"/>
+            <a:off x="439271" y="6087035"/>
+            <a:ext cx="8390963" cy="523220"/>
           </a:xfrm>
           <a:prstGeom prst="rect">
             <a:avLst/>
@@ -14457,48 +14473,18 @@
           </a:bodyPr>
           <a:lstStyle/>
           <a:p>
-            <a:pPr algn="just"/>
-            <a:r>
-              <a:rPr lang="en-US" sz="2000" dirty="0"/>
-              <a:t>You'll notice the page shows:</a:t>
-            </a:r>
-          </a:p>
-        </p:txBody>
-      </p:sp>
-      <p:pic>
-        <p:nvPicPr>
-          <p:cNvPr id="8" name="Picture 8" descr="A screenshot of a cell phone&#10;&#10;Description generated with very high confidence">
-            <a:extLst>
-              <a:ext uri="{FF2B5EF4-FFF2-40B4-BE49-F238E27FC236}">
-                <a16:creationId xmlns:a16="http://schemas.microsoft.com/office/drawing/2014/main" id="{2D85F888-B99F-4E0E-8FC3-28DD22A8782B}"/>
-              </a:ext>
-            </a:extLst>
-          </p:cNvPr>
-          <p:cNvPicPr>
-            <a:picLocks noChangeAspect="1"/>
-          </p:cNvPicPr>
-          <p:nvPr/>
-        </p:nvPicPr>
-        <p:blipFill>
-          <a:blip r:embed="rId3"/>
-          <a:stretch>
-            <a:fillRect/>
-          </a:stretch>
-        </p:blipFill>
-        <p:spPr>
-          <a:xfrm>
-            <a:off x="30736" y="3352010"/>
-            <a:ext cx="9111342" cy="2987465"/>
-          </a:xfrm>
-          <a:prstGeom prst="rect">
-            <a:avLst/>
-          </a:prstGeom>
-        </p:spPr>
-      </p:pic>
+            <a:r>
+              <a:rPr lang="en-US" sz="2800" b="1" dirty="0"/>
+              <a:t>Press F9 a few times to step through the code.</a:t>
+            </a:r>
+            <a:endParaRPr lang="en-US" b="1"/>
+          </a:p>
+        </p:txBody>
+      </p:sp>
     </p:spTree>
     <p:extLst>
       <p:ext uri="{BB962C8B-B14F-4D97-AF65-F5344CB8AC3E}">
-        <p14:creationId xmlns:p14="http://schemas.microsoft.com/office/powerpoint/2010/main" val="3056313575"/>
+        <p14:creationId xmlns:p14="http://schemas.microsoft.com/office/powerpoint/2010/main" val="1680363142"/>
       </p:ext>
     </p:extLst>
   </p:cSld>
@@ -14543,7 +14529,7 @@
         </p:nvSpPr>
         <p:spPr>
           <a:xfrm>
-            <a:off x="847135" y="116130"/>
+            <a:off x="861228" y="121024"/>
             <a:ext cx="7055380" cy="710249"/>
           </a:xfrm>
         </p:spPr>
@@ -14555,22 +14541,34 @@
           <a:p>
             <a:pPr algn="ctr"/>
             <a:r>
-              <a:rPr lang="en-US" sz="3200" dirty="0">
-                <a:ea typeface="+mj-lt"/>
-                <a:cs typeface="+mj-lt"/>
-              </a:rPr>
-              <a:t>The Debugger</a:t>
-            </a:r>
-            <a:endParaRPr lang="en-US" sz="3200" dirty="0"/>
-          </a:p>
-        </p:txBody>
-      </p:sp>
-      <p:sp>
-        <p:nvSpPr>
-          <p:cNvPr id="9" name="TextBox 1">
+              <a:rPr lang="en-US" sz="3200" dirty="0"/>
+              <a:t>Example: The Basics</a:t>
+            </a:r>
+            <a:endParaRPr lang="en-US" sz="3200" dirty="0">
+              <a:effectLst>
+                <a:glow rad="38100">
+                  <a:prstClr val="black">
+                    <a:lumMod val="65000"/>
+                    <a:lumOff val="35000"/>
+                    <a:alpha val="40000"/>
+                  </a:prstClr>
+                </a:glow>
+                <a:outerShdw blurRad="28575" dist="38100" dir="14040000" algn="tl" rotWithShape="0">
+                  <a:srgbClr val="000000">
+                    <a:alpha val="25000"/>
+                  </a:srgbClr>
+                </a:outerShdw>
+              </a:effectLst>
+            </a:endParaRPr>
+          </a:p>
+        </p:txBody>
+      </p:sp>
+      <p:sp>
+        <p:nvSpPr>
+          <p:cNvPr id="3" name="TextBox 2">
             <a:extLst>
               <a:ext uri="{FF2B5EF4-FFF2-40B4-BE49-F238E27FC236}">
-                <a16:creationId xmlns:a16="http://schemas.microsoft.com/office/drawing/2014/main" id="{E9FECBE0-AE70-45E0-8FFD-F76BD9DBC999}"/>
+                <a16:creationId xmlns:a16="http://schemas.microsoft.com/office/drawing/2014/main" id="{E61DBC47-78EB-4073-8B62-19078A06C703}"/>
               </a:ext>
             </a:extLst>
           </p:cNvPr>
@@ -14579,8 +14577,8 @@
         </p:nvSpPr>
         <p:spPr>
           <a:xfrm>
-            <a:off x="428385" y="1104576"/>
-            <a:ext cx="7849879" cy="4708981"/>
+            <a:off x="430306" y="1299882"/>
+            <a:ext cx="8462682" cy="830997"/>
           </a:xfrm>
           <a:prstGeom prst="rect">
             <a:avLst/>
@@ -14588,247 +14586,359 @@
           <a:noFill/>
         </p:spPr>
         <p:txBody>
-          <a:bodyPr rot="0" spcFirstLastPara="0" vert="horz" wrap="square" lIns="91440" tIns="45720" rIns="91440" bIns="45720" numCol="1" spcCol="0" rtlCol="0" fromWordArt="0" anchor="t" anchorCtr="0" forceAA="0" compatLnSpc="1">
+          <a:bodyPr rot="0" spcFirstLastPara="0" vertOverflow="overflow" horzOverflow="overflow" vert="horz" wrap="square" lIns="91440" tIns="45720" rIns="91440" bIns="45720" numCol="1" spcCol="0" rtlCol="0" fromWordArt="0" anchor="t" anchorCtr="0" forceAA="0" compatLnSpc="1">
             <a:prstTxWarp prst="textNoShape">
               <a:avLst/>
             </a:prstTxWarp>
             <a:spAutoFit/>
           </a:bodyPr>
-          <a:lstStyle>
-            <a:defPPr>
-              <a:defRPr lang="en-US"/>
-            </a:defPPr>
-            <a:lvl1pPr marL="0" algn="l" defTabSz="914400" rtl="0" eaLnBrk="1" latinLnBrk="0" hangingPunct="1">
-              <a:defRPr sz="1800" kern="1200">
-                <a:solidFill>
-                  <a:schemeClr val="tx1"/>
-                </a:solidFill>
-                <a:latin typeface="+mn-lt"/>
-                <a:ea typeface="+mn-ea"/>
-                <a:cs typeface="+mn-cs"/>
-              </a:defRPr>
-            </a:lvl1pPr>
-            <a:lvl2pPr marL="457200" algn="l" defTabSz="914400" rtl="0" eaLnBrk="1" latinLnBrk="0" hangingPunct="1">
-              <a:defRPr sz="1800" kern="1200">
-                <a:solidFill>
-                  <a:schemeClr val="tx1"/>
-                </a:solidFill>
-                <a:latin typeface="+mn-lt"/>
-                <a:ea typeface="+mn-ea"/>
-                <a:cs typeface="+mn-cs"/>
-              </a:defRPr>
-            </a:lvl2pPr>
-            <a:lvl3pPr marL="914400" algn="l" defTabSz="914400" rtl="0" eaLnBrk="1" latinLnBrk="0" hangingPunct="1">
-              <a:defRPr sz="1800" kern="1200">
-                <a:solidFill>
-                  <a:schemeClr val="tx1"/>
-                </a:solidFill>
-                <a:latin typeface="+mn-lt"/>
-                <a:ea typeface="+mn-ea"/>
-                <a:cs typeface="+mn-cs"/>
-              </a:defRPr>
-            </a:lvl3pPr>
-            <a:lvl4pPr marL="1371600" algn="l" defTabSz="914400" rtl="0" eaLnBrk="1" latinLnBrk="0" hangingPunct="1">
-              <a:defRPr sz="1800" kern="1200">
-                <a:solidFill>
-                  <a:schemeClr val="tx1"/>
-                </a:solidFill>
-                <a:latin typeface="+mn-lt"/>
-                <a:ea typeface="+mn-ea"/>
-                <a:cs typeface="+mn-cs"/>
-              </a:defRPr>
-            </a:lvl4pPr>
-            <a:lvl5pPr marL="1828800" algn="l" defTabSz="914400" rtl="0" eaLnBrk="1" latinLnBrk="0" hangingPunct="1">
-              <a:defRPr sz="1800" kern="1200">
-                <a:solidFill>
-                  <a:schemeClr val="tx1"/>
-                </a:solidFill>
-                <a:latin typeface="+mn-lt"/>
-                <a:ea typeface="+mn-ea"/>
-                <a:cs typeface="+mn-cs"/>
-              </a:defRPr>
-            </a:lvl5pPr>
-            <a:lvl6pPr marL="2286000" algn="l" defTabSz="914400" rtl="0" eaLnBrk="1" latinLnBrk="0" hangingPunct="1">
-              <a:defRPr sz="1800" kern="1200">
-                <a:solidFill>
-                  <a:schemeClr val="tx1"/>
-                </a:solidFill>
-                <a:latin typeface="+mn-lt"/>
-                <a:ea typeface="+mn-ea"/>
-                <a:cs typeface="+mn-cs"/>
-              </a:defRPr>
-            </a:lvl6pPr>
-            <a:lvl7pPr marL="2743200" algn="l" defTabSz="914400" rtl="0" eaLnBrk="1" latinLnBrk="0" hangingPunct="1">
-              <a:defRPr sz="1800" kern="1200">
-                <a:solidFill>
-                  <a:schemeClr val="tx1"/>
-                </a:solidFill>
-                <a:latin typeface="+mn-lt"/>
-                <a:ea typeface="+mn-ea"/>
-                <a:cs typeface="+mn-cs"/>
-              </a:defRPr>
-            </a:lvl7pPr>
-            <a:lvl8pPr marL="3200400" algn="l" defTabSz="914400" rtl="0" eaLnBrk="1" latinLnBrk="0" hangingPunct="1">
-              <a:defRPr sz="1800" kern="1200">
-                <a:solidFill>
-                  <a:schemeClr val="tx1"/>
-                </a:solidFill>
-                <a:latin typeface="+mn-lt"/>
-                <a:ea typeface="+mn-ea"/>
-                <a:cs typeface="+mn-cs"/>
-              </a:defRPr>
-            </a:lvl8pPr>
-            <a:lvl9pPr marL="3657600" algn="l" defTabSz="914400" rtl="0" eaLnBrk="1" latinLnBrk="0" hangingPunct="1">
-              <a:defRPr sz="1800" kern="1200">
-                <a:solidFill>
-                  <a:schemeClr val="tx1"/>
-                </a:solidFill>
-                <a:latin typeface="+mn-lt"/>
-                <a:ea typeface="+mn-ea"/>
-                <a:cs typeface="+mn-cs"/>
-              </a:defRPr>
-            </a:lvl9pPr>
-          </a:lstStyle>
+          <a:lstStyle/>
           <a:p>
             <a:pPr marL="342900" indent="-342900" algn="just">
+              <a:buFont typeface="Arial,Sans-Serif"/>
+              <a:buChar char="•"/>
+            </a:pPr>
+            <a:r>
+              <a:rPr lang="en-US" sz="2400" dirty="0">
+                <a:ea typeface="+mn-lt"/>
+                <a:cs typeface="+mn-lt"/>
+              </a:rPr>
+              <a:t>Code changes in the debugger won't persist upon page reload, so we'll be working in Visual Studio</a:t>
+            </a:r>
+          </a:p>
+        </p:txBody>
+      </p:sp>
+      <p:sp>
+        <p:nvSpPr>
+          <p:cNvPr id="7" name="TextBox 6">
+            <a:extLst>
+              <a:ext uri="{FF2B5EF4-FFF2-40B4-BE49-F238E27FC236}">
+                <a16:creationId xmlns:a16="http://schemas.microsoft.com/office/drawing/2014/main" id="{DD11F90E-CBD9-49B2-973F-F71F218380B3}"/>
+              </a:ext>
+            </a:extLst>
+          </p:cNvPr>
+          <p:cNvSpPr txBox="1"/>
+          <p:nvPr/>
+        </p:nvSpPr>
+        <p:spPr>
+          <a:xfrm>
+            <a:off x="428624" y="4373095"/>
+            <a:ext cx="8014447" cy="461665"/>
+          </a:xfrm>
+          <a:prstGeom prst="rect">
+            <a:avLst/>
+          </a:prstGeom>
+          <a:noFill/>
+        </p:spPr>
+        <p:txBody>
+          <a:bodyPr rot="0" spcFirstLastPara="0" vertOverflow="overflow" horzOverflow="overflow" vert="horz" wrap="square" lIns="91440" tIns="45720" rIns="91440" bIns="45720" numCol="1" spcCol="0" rtlCol="0" fromWordArt="0" anchor="t" anchorCtr="0" forceAA="0" compatLnSpc="1">
+            <a:prstTxWarp prst="textNoShape">
+              <a:avLst/>
+            </a:prstTxWarp>
+            <a:spAutoFit/>
+          </a:bodyPr>
+          <a:lstStyle/>
+          <a:p>
+            <a:pPr marL="285750" indent="-285750">
               <a:buFont typeface="Arial"/>
               <a:buChar char="•"/>
             </a:pPr>
             <a:r>
-              <a:rPr lang="en-US" sz="2000" dirty="0"/>
-              <a:t>You can step line by line using the F10 key or continue running by pressing F8</a:t>
-            </a:r>
-            <a:endParaRPr lang="en-US"/>
-          </a:p>
-          <a:p>
-            <a:pPr marL="342900" indent="-342900" algn="just">
+              <a:rPr lang="en-US" sz="2400" b="1" dirty="0"/>
+              <a:t>Try the exercises in the_basics.js now</a:t>
+            </a:r>
+          </a:p>
+        </p:txBody>
+      </p:sp>
+      <p:sp>
+        <p:nvSpPr>
+          <p:cNvPr id="5" name="TextBox 4">
+            <a:extLst>
+              <a:ext uri="{FF2B5EF4-FFF2-40B4-BE49-F238E27FC236}">
+                <a16:creationId xmlns:a16="http://schemas.microsoft.com/office/drawing/2014/main" id="{B2432976-82BB-437F-B119-134DD09CB02D}"/>
+              </a:ext>
+            </a:extLst>
+          </p:cNvPr>
+          <p:cNvSpPr txBox="1"/>
+          <p:nvPr/>
+        </p:nvSpPr>
+        <p:spPr>
+          <a:xfrm>
+            <a:off x="430306" y="2608729"/>
+            <a:ext cx="8462682" cy="1200329"/>
+          </a:xfrm>
+          <a:prstGeom prst="rect">
+            <a:avLst/>
+          </a:prstGeom>
+          <a:noFill/>
+        </p:spPr>
+        <p:txBody>
+          <a:bodyPr rot="0" spcFirstLastPara="0" vertOverflow="overflow" horzOverflow="overflow" vert="horz" wrap="square" lIns="91440" tIns="45720" rIns="91440" bIns="45720" numCol="1" spcCol="0" rtlCol="0" fromWordArt="0" anchor="t" anchorCtr="0" forceAA="0" compatLnSpc="1">
+            <a:prstTxWarp prst="textNoShape">
+              <a:avLst/>
+            </a:prstTxWarp>
+            <a:spAutoFit/>
+          </a:bodyPr>
+          <a:lstStyle/>
+          <a:p>
+            <a:pPr marL="285750" indent="-285750">
               <a:buFont typeface="Arial"/>
               <a:buChar char="•"/>
             </a:pPr>
-            <a:endParaRPr lang="en-US" sz="2000" dirty="0"/>
-          </a:p>
-          <a:p>
-            <a:pPr marL="342900" indent="-342900" algn="just">
+            <a:r>
+              <a:rPr lang="en-US" sz="2400" dirty="0"/>
+              <a:t>Remember to save your changes in Visual Studio, then reload the HTML in Chrome (hit F5) to see them applied </a:t>
+            </a:r>
+            <a:endParaRPr lang="en-US"/>
+          </a:p>
+        </p:txBody>
+      </p:sp>
+      <p:sp>
+        <p:nvSpPr>
+          <p:cNvPr id="9" name="TextBox 8">
+            <a:extLst>
+              <a:ext uri="{FF2B5EF4-FFF2-40B4-BE49-F238E27FC236}">
+                <a16:creationId xmlns:a16="http://schemas.microsoft.com/office/drawing/2014/main" id="{3961B07A-D810-4BDD-AB40-D462755973AB}"/>
+              </a:ext>
+            </a:extLst>
+          </p:cNvPr>
+          <p:cNvSpPr txBox="1"/>
+          <p:nvPr/>
+        </p:nvSpPr>
+        <p:spPr>
+          <a:xfrm>
+            <a:off x="428625" y="5421966"/>
+            <a:ext cx="8014447" cy="830997"/>
+          </a:xfrm>
+          <a:prstGeom prst="rect">
+            <a:avLst/>
+          </a:prstGeom>
+          <a:noFill/>
+        </p:spPr>
+        <p:txBody>
+          <a:bodyPr rot="0" spcFirstLastPara="0" vertOverflow="overflow" horzOverflow="overflow" vert="horz" wrap="square" lIns="91440" tIns="45720" rIns="91440" bIns="45720" numCol="1" spcCol="0" rtlCol="0" fromWordArt="0" anchor="t" anchorCtr="0" forceAA="0" compatLnSpc="1">
+            <a:prstTxWarp prst="textNoShape">
+              <a:avLst/>
+            </a:prstTxWarp>
+            <a:spAutoFit/>
+          </a:bodyPr>
+          <a:lstStyle/>
+          <a:p>
+            <a:pPr marL="285750" indent="-285750">
               <a:buFont typeface="Arial"/>
               <a:buChar char="•"/>
             </a:pPr>
             <a:r>
-              <a:rPr lang="en-US" sz="2000" dirty="0"/>
-              <a:t>There are also button controls in the top right of the debugger. Hover the mouse over them for details</a:t>
-            </a:r>
-          </a:p>
-          <a:p>
-            <a:pPr algn="just"/>
-            <a:endParaRPr lang="en-US" sz="2000" dirty="0"/>
-          </a:p>
-          <a:p>
-            <a:pPr marL="342900" indent="-342900" algn="just">
-              <a:buFont typeface="Arial"/>
-              <a:buChar char="•"/>
-            </a:pPr>
-            <a:endParaRPr lang="en-US" sz="2000" dirty="0"/>
-          </a:p>
-          <a:p>
-            <a:pPr marL="342900" indent="-342900" algn="just">
-              <a:buFont typeface="Arial"/>
-              <a:buChar char="•"/>
-            </a:pPr>
-            <a:endParaRPr lang="en-US" sz="2000" dirty="0"/>
-          </a:p>
-          <a:p>
-            <a:pPr marL="342900" indent="-342900" algn="just">
-              <a:buFont typeface="Arial"/>
-              <a:buChar char="•"/>
-            </a:pPr>
-            <a:endParaRPr lang="en-US" sz="2000" dirty="0"/>
-          </a:p>
-          <a:p>
-            <a:pPr marL="342900" indent="-342900" algn="just">
-              <a:buFont typeface="Arial"/>
-              <a:buChar char="•"/>
-            </a:pPr>
-            <a:endParaRPr lang="en-US" sz="2000" dirty="0"/>
-          </a:p>
-          <a:p>
-            <a:pPr marL="342900" indent="-342900" algn="just">
-              <a:buFont typeface="Arial"/>
-              <a:buChar char="•"/>
-            </a:pPr>
-            <a:r>
-              <a:rPr lang="en-US" sz="2000" dirty="0"/>
-              <a:t>Try setting a watch on a variable:</a:t>
-            </a:r>
-          </a:p>
-          <a:p>
-            <a:pPr marL="342900" indent="-342900" algn="just">
-              <a:buFont typeface="Arial"/>
-              <a:buChar char="•"/>
-            </a:pPr>
-            <a:endParaRPr lang="en-US" sz="2000" dirty="0"/>
-          </a:p>
-          <a:p>
-            <a:pPr marL="342900" indent="-342900" algn="just">
-              <a:buFont typeface="Arial"/>
-              <a:buChar char="•"/>
-            </a:pPr>
-            <a:endParaRPr lang="en-US" sz="2000" dirty="0"/>
-          </a:p>
-          <a:p>
-            <a:pPr marL="342900" indent="-342900" algn="just">
-              <a:buFont typeface="Arial"/>
-              <a:buChar char="•"/>
-            </a:pPr>
-            <a:r>
-              <a:rPr lang="en-US" sz="2000" dirty="0"/>
-              <a:t>Then hit F8 to see the assignment</a:t>
-            </a:r>
-          </a:p>
-          <a:p>
-            <a:pPr algn="just"/>
-            <a:endParaRPr lang="en-US" sz="2000" dirty="0"/>
-          </a:p>
-        </p:txBody>
-      </p:sp>
-      <p:pic>
-        <p:nvPicPr>
-          <p:cNvPr id="10" name="Picture 10" descr="A screenshot of a computer screen&#10;&#10;Description generated with very high confidence">
-            <a:extLst>
-              <a:ext uri="{FF2B5EF4-FFF2-40B4-BE49-F238E27FC236}">
-                <a16:creationId xmlns:a16="http://schemas.microsoft.com/office/drawing/2014/main" id="{B68483D3-B19B-49D7-A772-A20A5B04EFCB}"/>
-              </a:ext>
-            </a:extLst>
-          </p:cNvPr>
-          <p:cNvPicPr>
-            <a:picLocks noChangeAspect="1"/>
-          </p:cNvPicPr>
-          <p:nvPr/>
-        </p:nvPicPr>
-        <p:blipFill>
-          <a:blip r:embed="rId2"/>
-          <a:stretch>
-            <a:fillRect/>
-          </a:stretch>
-        </p:blipFill>
-        <p:spPr>
-          <a:xfrm>
-            <a:off x="5720884" y="2779540"/>
-            <a:ext cx="3273158" cy="4074778"/>
-          </a:xfrm>
-          <a:prstGeom prst="rect">
-            <a:avLst/>
-          </a:prstGeom>
-        </p:spPr>
-      </p:pic>
+              <a:rPr lang="en-US" sz="2400" dirty="0"/>
+              <a:t>There are solutions in the_basics_solution.js, but try the problems on your own first</a:t>
+            </a:r>
+          </a:p>
+        </p:txBody>
+      </p:sp>
     </p:spTree>
     <p:extLst>
       <p:ext uri="{BB962C8B-B14F-4D97-AF65-F5344CB8AC3E}">
-        <p14:creationId xmlns:p14="http://schemas.microsoft.com/office/powerpoint/2010/main" val="3996183693"/>
+        <p14:creationId xmlns:p14="http://schemas.microsoft.com/office/powerpoint/2010/main" val="3774311452"/>
       </p:ext>
     </p:extLst>
   </p:cSld>
   <p:clrMapOvr>
     <a:masterClrMapping/>
   </p:clrMapOvr>
+  <p:timing>
+    <p:tnLst>
+      <p:par>
+        <p:cTn id="1" dur="indefinite" restart="never" nodeType="tmRoot">
+          <p:childTnLst>
+            <p:seq concurrent="1" nextAc="seek">
+              <p:cTn id="2" dur="indefinite" nodeType="mainSeq">
+                <p:childTnLst>
+                  <p:par>
+                    <p:cTn id="3" fill="hold">
+                      <p:stCondLst>
+                        <p:cond delay="indefinite"/>
+                      </p:stCondLst>
+                      <p:childTnLst>
+                        <p:par>
+                          <p:cTn id="4" fill="hold">
+                            <p:stCondLst>
+                              <p:cond delay="0"/>
+                            </p:stCondLst>
+                            <p:childTnLst>
+                              <p:par>
+                                <p:cTn id="5" presetID="10" presetClass="entr" presetSubtype="0" fill="hold" grpId="0" nodeType="clickEffect">
+                                  <p:stCondLst>
+                                    <p:cond delay="0"/>
+                                  </p:stCondLst>
+                                  <p:childTnLst>
+                                    <p:set>
+                                      <p:cBhvr>
+                                        <p:cTn id="6" dur="1" fill="hold">
+                                          <p:stCondLst>
+                                            <p:cond delay="0"/>
+                                          </p:stCondLst>
+                                        </p:cTn>
+                                        <p:tgtEl>
+                                          <p:spTgt spid="5"/>
+                                        </p:tgtEl>
+                                        <p:attrNameLst>
+                                          <p:attrName>style.visibility</p:attrName>
+                                        </p:attrNameLst>
+                                      </p:cBhvr>
+                                      <p:to>
+                                        <p:strVal val="visible"/>
+                                      </p:to>
+                                    </p:set>
+                                    <p:animEffect transition="in" filter="fade">
+                                      <p:cBhvr>
+                                        <p:cTn id="7" dur="500"/>
+                                        <p:tgtEl>
+                                          <p:spTgt spid="5"/>
+                                        </p:tgtEl>
+                                      </p:cBhvr>
+                                    </p:animEffect>
+                                  </p:childTnLst>
+                                </p:cTn>
+                              </p:par>
+                            </p:childTnLst>
+                          </p:cTn>
+                        </p:par>
+                      </p:childTnLst>
+                    </p:cTn>
+                  </p:par>
+                  <p:par>
+                    <p:cTn id="8" fill="hold">
+                      <p:stCondLst>
+                        <p:cond delay="indefinite"/>
+                      </p:stCondLst>
+                      <p:childTnLst>
+                        <p:par>
+                          <p:cTn id="9" fill="hold">
+                            <p:stCondLst>
+                              <p:cond delay="0"/>
+                            </p:stCondLst>
+                            <p:childTnLst>
+                              <p:par>
+                                <p:cTn id="10" presetID="10" presetClass="entr" presetSubtype="0" fill="hold" grpId="0" nodeType="clickEffect">
+                                  <p:stCondLst>
+                                    <p:cond delay="0"/>
+                                  </p:stCondLst>
+                                  <p:childTnLst>
+                                    <p:set>
+                                      <p:cBhvr>
+                                        <p:cTn id="11" dur="1" fill="hold">
+                                          <p:stCondLst>
+                                            <p:cond delay="0"/>
+                                          </p:stCondLst>
+                                        </p:cTn>
+                                        <p:tgtEl>
+                                          <p:spTgt spid="7"/>
+                                        </p:tgtEl>
+                                        <p:attrNameLst>
+                                          <p:attrName>style.visibility</p:attrName>
+                                        </p:attrNameLst>
+                                      </p:cBhvr>
+                                      <p:to>
+                                        <p:strVal val="visible"/>
+                                      </p:to>
+                                    </p:set>
+                                    <p:animEffect transition="in" filter="fade">
+                                      <p:cBhvr>
+                                        <p:cTn id="12" dur="500"/>
+                                        <p:tgtEl>
+                                          <p:spTgt spid="7"/>
+                                        </p:tgtEl>
+                                      </p:cBhvr>
+                                    </p:animEffect>
+                                  </p:childTnLst>
+                                </p:cTn>
+                              </p:par>
+                            </p:childTnLst>
+                          </p:cTn>
+                        </p:par>
+                      </p:childTnLst>
+                    </p:cTn>
+                  </p:par>
+                  <p:par>
+                    <p:cTn id="13" fill="hold">
+                      <p:stCondLst>
+                        <p:cond delay="indefinite"/>
+                      </p:stCondLst>
+                      <p:childTnLst>
+                        <p:par>
+                          <p:cTn id="14" fill="hold">
+                            <p:stCondLst>
+                              <p:cond delay="0"/>
+                            </p:stCondLst>
+                            <p:childTnLst>
+                              <p:par>
+                                <p:cTn id="15" presetID="10" presetClass="entr" presetSubtype="0" fill="hold" grpId="0" nodeType="clickEffect">
+                                  <p:stCondLst>
+                                    <p:cond delay="0"/>
+                                  </p:stCondLst>
+                                  <p:childTnLst>
+                                    <p:set>
+                                      <p:cBhvr>
+                                        <p:cTn id="16" dur="1" fill="hold">
+                                          <p:stCondLst>
+                                            <p:cond delay="0"/>
+                                          </p:stCondLst>
+                                        </p:cTn>
+                                        <p:tgtEl>
+                                          <p:spTgt spid="9"/>
+                                        </p:tgtEl>
+                                        <p:attrNameLst>
+                                          <p:attrName>style.visibility</p:attrName>
+                                        </p:attrNameLst>
+                                      </p:cBhvr>
+                                      <p:to>
+                                        <p:strVal val="visible"/>
+                                      </p:to>
+                                    </p:set>
+                                    <p:animEffect transition="in" filter="fade">
+                                      <p:cBhvr>
+                                        <p:cTn id="17" dur="500"/>
+                                        <p:tgtEl>
+                                          <p:spTgt spid="9"/>
+                                        </p:tgtEl>
+                                      </p:cBhvr>
+                                    </p:animEffect>
+                                  </p:childTnLst>
+                                </p:cTn>
+                              </p:par>
+                            </p:childTnLst>
+                          </p:cTn>
+                        </p:par>
+                      </p:childTnLst>
+                    </p:cTn>
+                  </p:par>
+                </p:childTnLst>
+              </p:cTn>
+              <p:prevCondLst>
+                <p:cond evt="onPrev" delay="0">
+                  <p:tgtEl>
+                    <p:sldTgt/>
+                  </p:tgtEl>
+                </p:cond>
+              </p:prevCondLst>
+              <p:nextCondLst>
+                <p:cond evt="onNext" delay="0">
+                  <p:tgtEl>
+                    <p:sldTgt/>
+                  </p:tgtEl>
+                </p:cond>
+              </p:nextCondLst>
+            </p:seq>
+          </p:childTnLst>
+        </p:cTn>
+      </p:par>
+    </p:tnLst>
+    <p:bldLst>
+      <p:bldP spid="7" grpId="0"/>
+      <p:bldP spid="5" grpId="0"/>
+      <p:bldP spid="9" grpId="0"/>
+    </p:bldLst>
+  </p:timing>
 </p:sld>
 </file>
 
@@ -14879,10 +14989,10 @@
           <a:p>
             <a:pPr algn="ctr"/>
             <a:r>
-              <a:rPr lang="en-US" sz="3200" b="1" dirty="0"/>
+              <a:rPr lang="en-US" sz="3200" b="1"/>
               <a:t>Strengths</a:t>
             </a:r>
-            <a:endParaRPr lang="en-US" sz="3200" b="1" dirty="0">
+            <a:endParaRPr lang="en-US" sz="3200" b="1">
               <a:effectLst>
                 <a:glow rad="38100">
                   <a:prstClr val="black">
@@ -14937,20 +15047,20 @@
               <a:buChar char="•"/>
             </a:pPr>
             <a:r>
-              <a:rPr lang="en-US" sz="2800" b="1" dirty="0">
+              <a:rPr lang="en-US" sz="2800" b="1">
                 <a:ea typeface="+mn-lt"/>
                 <a:cs typeface="+mn-lt"/>
               </a:rPr>
               <a:t>Simplicity</a:t>
             </a:r>
             <a:r>
-              <a:rPr lang="en-US" sz="2800" dirty="0">
+              <a:rPr lang="en-US" sz="2800">
                 <a:ea typeface="+mn-lt"/>
                 <a:cs typeface="+mn-lt"/>
               </a:rPr>
               <a:t>. JavaScript is relatively simple to learn and implement</a:t>
             </a:r>
-            <a:endParaRPr lang="en-US" sz="2800" dirty="0"/>
+            <a:endParaRPr lang="en-US" sz="2800"/>
           </a:p>
         </p:txBody>
       </p:sp>
@@ -14990,20 +15100,20 @@
               <a:buChar char="•"/>
             </a:pPr>
             <a:r>
-              <a:rPr lang="en-US" sz="2800" b="1" dirty="0">
+              <a:rPr lang="en-US" sz="2800" b="1">
                 <a:ea typeface="+mn-lt"/>
                 <a:cs typeface="+mn-lt"/>
               </a:rPr>
               <a:t>Runs on anything.</a:t>
             </a:r>
             <a:r>
-              <a:rPr lang="en-US" sz="2800" dirty="0">
+              <a:rPr lang="en-US" sz="2800">
                 <a:ea typeface="+mn-lt"/>
                 <a:cs typeface="+mn-lt"/>
               </a:rPr>
               <a:t> Modern JavaScript engines are available for virtually every platform</a:t>
             </a:r>
-            <a:endParaRPr lang="en-US" sz="2800" dirty="0"/>
+            <a:endParaRPr lang="en-US" sz="2800"/>
           </a:p>
         </p:txBody>
       </p:sp>
@@ -15217,24 +15327,24 @@
               <a:buChar char="•"/>
             </a:pPr>
             <a:r>
-              <a:rPr lang="en-US" sz="2800" b="1" dirty="0">
+              <a:rPr lang="en-US" sz="2800" b="1">
                 <a:ea typeface="+mn-lt"/>
                 <a:cs typeface="+mn-lt"/>
               </a:rPr>
               <a:t>Versatility. </a:t>
             </a:r>
             <a:r>
-              <a:rPr lang="en-US" sz="2800" dirty="0">
+              <a:rPr lang="en-US" sz="2800">
                 <a:ea typeface="+mn-lt"/>
                 <a:cs typeface="+mn-lt"/>
               </a:rPr>
               <a:t>It's</a:t>
             </a:r>
             <a:r>
-              <a:rPr lang="en-US" sz="2800" dirty="0"/>
+              <a:rPr lang="en-US" sz="2800"/>
               <a:t> possible to develop an entire app from front to back using only JavaScript</a:t>
             </a:r>
-            <a:endParaRPr lang="en-US" dirty="0"/>
+            <a:endParaRPr lang="en-US"/>
           </a:p>
         </p:txBody>
       </p:sp>
@@ -15480,7 +15590,7 @@
         </p:nvSpPr>
         <p:spPr>
           <a:xfrm>
-            <a:off x="861228" y="121024"/>
+            <a:off x="1039857" y="160759"/>
             <a:ext cx="7055380" cy="710249"/>
           </a:xfrm>
         </p:spPr>
@@ -15492,10 +15602,10 @@
           <a:p>
             <a:pPr algn="ctr"/>
             <a:r>
-              <a:rPr lang="en-US" sz="3200" dirty="0"/>
-              <a:t>Example 01: The Colors</a:t>
-            </a:r>
-            <a:endParaRPr lang="en-US" sz="3200" dirty="0">
+              <a:rPr lang="en-US" sz="3200"/>
+              <a:t>Example: The Colors</a:t>
+            </a:r>
+            <a:endParaRPr lang="en-US" sz="3200">
               <a:effectLst>
                 <a:glow rad="38100">
                   <a:prstClr val="black">
@@ -15528,8 +15638,8 @@
         </p:nvSpPr>
         <p:spPr>
           <a:xfrm>
-            <a:off x="466805" y="1104577"/>
-            <a:ext cx="7849879" cy="400110"/>
+            <a:off x="605393" y="868126"/>
+            <a:ext cx="7849879" cy="707886"/>
           </a:xfrm>
           <a:prstGeom prst="rect">
             <a:avLst/>
@@ -15545,23 +15655,58 @@
           </a:bodyPr>
           <a:lstStyle/>
           <a:p>
-            <a:pPr marL="342900" indent="-342900" algn="just">
-              <a:buFont typeface="Arial"/>
-              <a:buChar char="•"/>
-            </a:pPr>
+            <a:pPr algn="ctr"/>
             <a:r>
               <a:rPr lang="en-US" sz="2000" dirty="0"/>
-              <a:t>The debugger is an invaluable tool</a:t>
-            </a:r>
-          </a:p>
-        </p:txBody>
-      </p:sp>
+              <a:t>Open colorful_events.html in Chrome.</a:t>
+            </a:r>
+          </a:p>
+          <a:p>
+            <a:pPr algn="ctr"/>
+            <a:r>
+              <a:rPr lang="en-US" sz="2000" dirty="0"/>
+              <a:t>Some features of the page don't work.</a:t>
+            </a:r>
+            <a:endParaRPr lang="en-US" sz="2000" b="1" dirty="0"/>
+          </a:p>
+        </p:txBody>
+      </p:sp>
+      <p:pic>
+        <p:nvPicPr>
+          <p:cNvPr id="7" name="Picture 7" descr="A screenshot of a cell phone&#10;&#10;Description generated with very high confidence">
+            <a:extLst>
+              <a:ext uri="{FF2B5EF4-FFF2-40B4-BE49-F238E27FC236}">
+                <a16:creationId xmlns:a16="http://schemas.microsoft.com/office/drawing/2014/main" id="{263072F9-B7FA-45AC-B8B3-A56DB7A5D297}"/>
+              </a:ext>
+            </a:extLst>
+          </p:cNvPr>
+          <p:cNvPicPr>
+            <a:picLocks noChangeAspect="1"/>
+          </p:cNvPicPr>
+          <p:nvPr/>
+        </p:nvPicPr>
+        <p:blipFill>
+          <a:blip r:embed="rId2"/>
+          <a:stretch>
+            <a:fillRect/>
+          </a:stretch>
+        </p:blipFill>
+        <p:spPr>
+          <a:xfrm>
+            <a:off x="2120915" y="1627457"/>
+            <a:ext cx="5167412" cy="4350961"/>
+          </a:xfrm>
+          <a:prstGeom prst="rect">
+            <a:avLst/>
+          </a:prstGeom>
+        </p:spPr>
+      </p:pic>
       <p:sp>
         <p:nvSpPr>
           <p:cNvPr id="3" name="TextBox 2">
             <a:extLst>
               <a:ext uri="{FF2B5EF4-FFF2-40B4-BE49-F238E27FC236}">
-                <a16:creationId xmlns:a16="http://schemas.microsoft.com/office/drawing/2014/main" id="{E61DBC47-78EB-4073-8B62-19078A06C703}"/>
+                <a16:creationId xmlns:a16="http://schemas.microsoft.com/office/drawing/2014/main" id="{0C756E51-9D41-4CDE-B267-154C1ACE9901}"/>
               </a:ext>
             </a:extLst>
           </p:cNvPr>
@@ -15570,8 +15715,8 @@
         </p:nvSpPr>
         <p:spPr>
           <a:xfrm>
-            <a:off x="430306" y="1981200"/>
-            <a:ext cx="8462682" cy="646331"/>
+            <a:off x="663389" y="6248400"/>
+            <a:ext cx="7790328" cy="800219"/>
           </a:xfrm>
           <a:prstGeom prst="rect">
             <a:avLst/>
@@ -15587,415 +15732,35 @@
           </a:bodyPr>
           <a:lstStyle/>
           <a:p>
-            <a:pPr marL="342900" indent="-342900" algn="just">
-              <a:buFont typeface="Arial,Sans-Serif"/>
-              <a:buChar char="•"/>
-            </a:pPr>
-            <a:r>
-              <a:rPr lang="en-US" dirty="0">
+            <a:pPr algn="ctr"/>
+            <a:r>
+              <a:rPr lang="en-US" sz="2800" b="1" dirty="0">
                 <a:ea typeface="+mn-lt"/>
                 <a:cs typeface="+mn-lt"/>
               </a:rPr>
-              <a:t>However, changes made to the files in the editor don't persist through page reload, so we'll be working in Visual Studio</a:t>
-            </a:r>
-          </a:p>
-        </p:txBody>
-      </p:sp>
-      <p:sp>
-        <p:nvSpPr>
-          <p:cNvPr id="5" name="TextBox 4">
-            <a:extLst>
-              <a:ext uri="{FF2B5EF4-FFF2-40B4-BE49-F238E27FC236}">
-                <a16:creationId xmlns:a16="http://schemas.microsoft.com/office/drawing/2014/main" id="{351ED184-45DA-433C-87A6-EE6B50B864B3}"/>
-              </a:ext>
-            </a:extLst>
-          </p:cNvPr>
-          <p:cNvSpPr txBox="1"/>
-          <p:nvPr/>
-        </p:nvSpPr>
-        <p:spPr>
-          <a:xfrm>
-            <a:off x="429745" y="3155015"/>
-            <a:ext cx="8462682" cy="369332"/>
-          </a:xfrm>
-          <a:prstGeom prst="rect">
-            <a:avLst/>
-          </a:prstGeom>
-          <a:noFill/>
-        </p:spPr>
-        <p:txBody>
-          <a:bodyPr rot="0" spcFirstLastPara="0" vertOverflow="overflow" horzOverflow="overflow" vert="horz" wrap="square" lIns="91440" tIns="45720" rIns="91440" bIns="45720" numCol="1" spcCol="0" rtlCol="0" fromWordArt="0" anchor="t" anchorCtr="0" forceAA="0" compatLnSpc="1">
-            <a:prstTxWarp prst="textNoShape">
-              <a:avLst/>
-            </a:prstTxWarp>
-            <a:spAutoFit/>
-          </a:bodyPr>
-          <a:lstStyle/>
-          <a:p>
-            <a:pPr marL="342900" indent="-342900" algn="just">
-              <a:buFont typeface="Arial,Sans-Serif"/>
-              <a:buChar char="•"/>
-            </a:pPr>
-            <a:r>
-              <a:rPr lang="en-US" dirty="0"/>
-              <a:t>There are 5 problems for you to solve in example01.js</a:t>
-            </a:r>
-            <a:endParaRPr lang="en-US" dirty="0">
+              <a:t>Let's fix this page by editing the_colors.js</a:t>
+            </a:r>
+            <a:endParaRPr lang="en-US" sz="2800">
               <a:ea typeface="+mn-lt"/>
               <a:cs typeface="+mn-lt"/>
             </a:endParaRPr>
           </a:p>
-        </p:txBody>
-      </p:sp>
-      <p:sp>
-        <p:nvSpPr>
-          <p:cNvPr id="6" name="TextBox 5">
-            <a:extLst>
-              <a:ext uri="{FF2B5EF4-FFF2-40B4-BE49-F238E27FC236}">
-                <a16:creationId xmlns:a16="http://schemas.microsoft.com/office/drawing/2014/main" id="{F533ABD9-436F-43A2-9947-A40D137FA589}"/>
-              </a:ext>
-            </a:extLst>
-          </p:cNvPr>
-          <p:cNvSpPr txBox="1"/>
-          <p:nvPr/>
-        </p:nvSpPr>
-        <p:spPr>
-          <a:xfrm>
-            <a:off x="429186" y="4104715"/>
-            <a:ext cx="8220634" cy="646331"/>
-          </a:xfrm>
-          <a:prstGeom prst="rect">
-            <a:avLst/>
-          </a:prstGeom>
-          <a:noFill/>
-        </p:spPr>
-        <p:txBody>
-          <a:bodyPr rot="0" spcFirstLastPara="0" vertOverflow="overflow" horzOverflow="overflow" vert="horz" wrap="square" lIns="91440" tIns="45720" rIns="91440" bIns="45720" numCol="1" spcCol="0" rtlCol="0" fromWordArt="0" anchor="t" anchorCtr="0" forceAA="0" compatLnSpc="1">
-            <a:prstTxWarp prst="textNoShape">
-              <a:avLst/>
-            </a:prstTxWarp>
-            <a:spAutoFit/>
-          </a:bodyPr>
-          <a:lstStyle/>
-          <a:p>
-            <a:pPr algn="just">
-              <a:buChar char="•"/>
-            </a:pPr>
-            <a:r>
-              <a:rPr lang="en-US" dirty="0">
-                <a:solidFill>
-                  <a:srgbClr val="FFFFFF"/>
-                </a:solidFill>
-                <a:latin typeface="Century Gothic"/>
-                <a:ea typeface="Arial"/>
-                <a:cs typeface="Arial"/>
-              </a:rPr>
-              <a:t> Remember to save your changes in Visual Studio, then reload the HTML in Chrome (hit F5) to see them applied​</a:t>
-            </a:r>
-          </a:p>
-        </p:txBody>
-      </p:sp>
-      <p:sp>
-        <p:nvSpPr>
-          <p:cNvPr id="7" name="TextBox 6">
-            <a:extLst>
-              <a:ext uri="{FF2B5EF4-FFF2-40B4-BE49-F238E27FC236}">
-                <a16:creationId xmlns:a16="http://schemas.microsoft.com/office/drawing/2014/main" id="{DD11F90E-CBD9-49B2-973F-F71F218380B3}"/>
-              </a:ext>
-            </a:extLst>
-          </p:cNvPr>
-          <p:cNvSpPr txBox="1"/>
-          <p:nvPr/>
-        </p:nvSpPr>
-        <p:spPr>
-          <a:xfrm>
-            <a:off x="383800" y="5421966"/>
-            <a:ext cx="8014447" cy="646331"/>
-          </a:xfrm>
-          <a:prstGeom prst="rect">
-            <a:avLst/>
-          </a:prstGeom>
-          <a:noFill/>
-        </p:spPr>
-        <p:txBody>
-          <a:bodyPr rot="0" spcFirstLastPara="0" vertOverflow="overflow" horzOverflow="overflow" vert="horz" wrap="square" lIns="91440" tIns="45720" rIns="91440" bIns="45720" numCol="1" spcCol="0" rtlCol="0" fromWordArt="0" anchor="t" anchorCtr="0" forceAA="0" compatLnSpc="1">
-            <a:prstTxWarp prst="textNoShape">
-              <a:avLst/>
-            </a:prstTxWarp>
-            <a:spAutoFit/>
-          </a:bodyPr>
-          <a:lstStyle/>
-          <a:p>
-            <a:pPr marL="285750" indent="-285750">
-              <a:buFont typeface="Arial"/>
-              <a:buChar char="•"/>
-            </a:pPr>
-            <a:r>
-              <a:rPr lang="en-US" dirty="0"/>
-              <a:t>There are solutions in example01_solutions.js, but we encourage you to try the problems on your own first</a:t>
-            </a:r>
-            <a:endParaRPr lang="en-US"/>
+          <a:p>
+            <a:pPr algn="l"/>
+            <a:endParaRPr lang="en-US" dirty="0"/>
           </a:p>
         </p:txBody>
       </p:sp>
     </p:spTree>
     <p:extLst>
       <p:ext uri="{BB962C8B-B14F-4D97-AF65-F5344CB8AC3E}">
-        <p14:creationId xmlns:p14="http://schemas.microsoft.com/office/powerpoint/2010/main" val="3774311452"/>
+        <p14:creationId xmlns:p14="http://schemas.microsoft.com/office/powerpoint/2010/main" val="653725357"/>
       </p:ext>
     </p:extLst>
   </p:cSld>
   <p:clrMapOvr>
     <a:masterClrMapping/>
   </p:clrMapOvr>
-  <p:timing>
-    <p:tnLst>
-      <p:par>
-        <p:cTn id="1" dur="indefinite" restart="never" nodeType="tmRoot">
-          <p:childTnLst>
-            <p:seq concurrent="1" nextAc="seek">
-              <p:cTn id="2" dur="indefinite" nodeType="mainSeq">
-                <p:childTnLst>
-                  <p:par>
-                    <p:cTn id="3" fill="hold">
-                      <p:stCondLst>
-                        <p:cond delay="indefinite"/>
-                      </p:stCondLst>
-                      <p:childTnLst>
-                        <p:par>
-                          <p:cTn id="4" fill="hold">
-                            <p:stCondLst>
-                              <p:cond delay="0"/>
-                            </p:stCondLst>
-                            <p:childTnLst>
-                              <p:par>
-                                <p:cTn id="5" presetID="10" presetClass="entr" presetSubtype="0" fill="hold" grpId="0" nodeType="clickEffect">
-                                  <p:stCondLst>
-                                    <p:cond delay="0"/>
-                                  </p:stCondLst>
-                                  <p:childTnLst>
-                                    <p:set>
-                                      <p:cBhvr>
-                                        <p:cTn id="6" dur="1" fill="hold">
-                                          <p:stCondLst>
-                                            <p:cond delay="0"/>
-                                          </p:stCondLst>
-                                        </p:cTn>
-                                        <p:tgtEl>
-                                          <p:spTgt spid="3"/>
-                                        </p:tgtEl>
-                                        <p:attrNameLst>
-                                          <p:attrName>style.visibility</p:attrName>
-                                        </p:attrNameLst>
-                                      </p:cBhvr>
-                                      <p:to>
-                                        <p:strVal val="visible"/>
-                                      </p:to>
-                                    </p:set>
-                                    <p:animEffect transition="in" filter="fade">
-                                      <p:cBhvr>
-                                        <p:cTn id="7" dur="500"/>
-                                        <p:tgtEl>
-                                          <p:spTgt spid="3"/>
-                                        </p:tgtEl>
-                                      </p:cBhvr>
-                                    </p:animEffect>
-                                  </p:childTnLst>
-                                </p:cTn>
-                              </p:par>
-                            </p:childTnLst>
-                          </p:cTn>
-                        </p:par>
-                      </p:childTnLst>
-                    </p:cTn>
-                  </p:par>
-                  <p:par>
-                    <p:cTn id="8" fill="hold">
-                      <p:stCondLst>
-                        <p:cond delay="indefinite"/>
-                      </p:stCondLst>
-                      <p:childTnLst>
-                        <p:par>
-                          <p:cTn id="9" fill="hold">
-                            <p:stCondLst>
-                              <p:cond delay="0"/>
-                            </p:stCondLst>
-                            <p:childTnLst>
-                              <p:par>
-                                <p:cTn id="10" presetID="10" presetClass="entr" presetSubtype="0" fill="hold" grpId="0" nodeType="clickEffect">
-                                  <p:stCondLst>
-                                    <p:cond delay="0"/>
-                                  </p:stCondLst>
-                                  <p:childTnLst>
-                                    <p:set>
-                                      <p:cBhvr>
-                                        <p:cTn id="11" dur="1" fill="hold">
-                                          <p:stCondLst>
-                                            <p:cond delay="0"/>
-                                          </p:stCondLst>
-                                        </p:cTn>
-                                        <p:tgtEl>
-                                          <p:spTgt spid="5"/>
-                                        </p:tgtEl>
-                                        <p:attrNameLst>
-                                          <p:attrName>style.visibility</p:attrName>
-                                        </p:attrNameLst>
-                                      </p:cBhvr>
-                                      <p:to>
-                                        <p:strVal val="visible"/>
-                                      </p:to>
-                                    </p:set>
-                                    <p:animEffect transition="in" filter="fade">
-                                      <p:cBhvr>
-                                        <p:cTn id="12" dur="500"/>
-                                        <p:tgtEl>
-                                          <p:spTgt spid="5"/>
-                                        </p:tgtEl>
-                                      </p:cBhvr>
-                                    </p:animEffect>
-                                  </p:childTnLst>
-                                </p:cTn>
-                              </p:par>
-                            </p:childTnLst>
-                          </p:cTn>
-                        </p:par>
-                      </p:childTnLst>
-                    </p:cTn>
-                  </p:par>
-                  <p:par>
-                    <p:cTn id="13" fill="hold">
-                      <p:stCondLst>
-                        <p:cond delay="indefinite"/>
-                      </p:stCondLst>
-                      <p:childTnLst>
-                        <p:par>
-                          <p:cTn id="14" fill="hold">
-                            <p:stCondLst>
-                              <p:cond delay="0"/>
-                            </p:stCondLst>
-                            <p:childTnLst>
-                              <p:par>
-                                <p:cTn id="15" presetID="10" presetClass="entr" presetSubtype="0" fill="hold" grpId="0" nodeType="clickEffect">
-                                  <p:stCondLst>
-                                    <p:cond delay="0"/>
-                                  </p:stCondLst>
-                                  <p:childTnLst>
-                                    <p:set>
-                                      <p:cBhvr>
-                                        <p:cTn id="16" dur="1" fill="hold">
-                                          <p:stCondLst>
-                                            <p:cond delay="0"/>
-                                          </p:stCondLst>
-                                        </p:cTn>
-                                        <p:tgtEl>
-                                          <p:spTgt spid="6"/>
-                                        </p:tgtEl>
-                                        <p:attrNameLst>
-                                          <p:attrName>style.visibility</p:attrName>
-                                        </p:attrNameLst>
-                                      </p:cBhvr>
-                                      <p:to>
-                                        <p:strVal val="visible"/>
-                                      </p:to>
-                                    </p:set>
-                                    <p:animEffect transition="in" filter="fade">
-                                      <p:cBhvr>
-                                        <p:cTn id="17" dur="500"/>
-                                        <p:tgtEl>
-                                          <p:spTgt spid="6"/>
-                                        </p:tgtEl>
-                                      </p:cBhvr>
-                                    </p:animEffect>
-                                  </p:childTnLst>
-                                </p:cTn>
-                              </p:par>
-                            </p:childTnLst>
-                          </p:cTn>
-                        </p:par>
-                      </p:childTnLst>
-                    </p:cTn>
-                  </p:par>
-                  <p:par>
-                    <p:cTn id="18" fill="hold">
-                      <p:stCondLst>
-                        <p:cond delay="indefinite"/>
-                      </p:stCondLst>
-                      <p:childTnLst>
-                        <p:par>
-                          <p:cTn id="19" fill="hold">
-                            <p:stCondLst>
-                              <p:cond delay="0"/>
-                            </p:stCondLst>
-                            <p:childTnLst>
-                              <p:par>
-                                <p:cTn id="20" presetID="10" presetClass="entr" presetSubtype="0" fill="hold" grpId="0" nodeType="clickEffect">
-                                  <p:stCondLst>
-                                    <p:cond delay="0"/>
-                                  </p:stCondLst>
-                                  <p:childTnLst>
-                                    <p:set>
-                                      <p:cBhvr>
-                                        <p:cTn id="21" dur="1" fill="hold">
-                                          <p:stCondLst>
-                                            <p:cond delay="0"/>
-                                          </p:stCondLst>
-                                        </p:cTn>
-                                        <p:tgtEl>
-                                          <p:spTgt spid="7"/>
-                                        </p:tgtEl>
-                                        <p:attrNameLst>
-                                          <p:attrName>style.visibility</p:attrName>
-                                        </p:attrNameLst>
-                                      </p:cBhvr>
-                                      <p:to>
-                                        <p:strVal val="visible"/>
-                                      </p:to>
-                                    </p:set>
-                                    <p:animEffect transition="in" filter="fade">
-                                      <p:cBhvr>
-                                        <p:cTn id="22" dur="500"/>
-                                        <p:tgtEl>
-                                          <p:spTgt spid="7"/>
-                                        </p:tgtEl>
-                                      </p:cBhvr>
-                                    </p:animEffect>
-                                  </p:childTnLst>
-                                </p:cTn>
-                              </p:par>
-                            </p:childTnLst>
-                          </p:cTn>
-                        </p:par>
-                      </p:childTnLst>
-                    </p:cTn>
-                  </p:par>
-                </p:childTnLst>
-              </p:cTn>
-              <p:prevCondLst>
-                <p:cond evt="onPrev" delay="0">
-                  <p:tgtEl>
-                    <p:sldTgt/>
-                  </p:tgtEl>
-                </p:cond>
-              </p:prevCondLst>
-              <p:nextCondLst>
-                <p:cond evt="onNext" delay="0">
-                  <p:tgtEl>
-                    <p:sldTgt/>
-                  </p:tgtEl>
-                </p:cond>
-              </p:nextCondLst>
-            </p:seq>
-          </p:childTnLst>
-        </p:cTn>
-      </p:par>
-    </p:tnLst>
-    <p:bldLst>
-      <p:bldP spid="3" grpId="0"/>
-      <p:bldP spid="5" grpId="0"/>
-      <p:bldP spid="6" grpId="0"/>
-      <p:bldP spid="7" grpId="0"/>
-    </p:bldLst>
-  </p:timing>
 </p:sld>
 </file>
 
@@ -16046,10 +15811,10 @@
           <a:p>
             <a:pPr algn="ctr"/>
             <a:r>
-              <a:rPr lang="en-US" sz="3200" b="1" dirty="0"/>
+              <a:rPr lang="en-US" sz="3200" b="1"/>
               <a:t>Weaknesses</a:t>
             </a:r>
-            <a:endParaRPr lang="en-US" sz="3200" dirty="0"/>
+            <a:endParaRPr lang="en-US" sz="3200"/>
           </a:p>
         </p:txBody>
       </p:sp>
@@ -16089,20 +15854,20 @@
               <a:buChar char="•"/>
             </a:pPr>
             <a:r>
-              <a:rPr lang="en-US" sz="2800" b="1" dirty="0">
+              <a:rPr lang="en-US" sz="2800" b="1">
                 <a:ea typeface="+mn-lt"/>
                 <a:cs typeface="+mn-lt"/>
               </a:rPr>
               <a:t>Client-Side Security</a:t>
             </a:r>
             <a:r>
-              <a:rPr lang="en-US" sz="2800" dirty="0">
+              <a:rPr lang="en-US" sz="2800">
                 <a:ea typeface="+mn-lt"/>
                 <a:cs typeface="+mn-lt"/>
               </a:rPr>
               <a:t>. Because the code executes on the users’ computer, it can be exploited for malicious purposes. </a:t>
             </a:r>
-            <a:endParaRPr lang="en-US" dirty="0"/>
+            <a:endParaRPr lang="en-US"/>
           </a:p>
           <a:p>
             <a:pPr marL="742950" lvl="1" indent="-285750">
@@ -16110,7 +15875,7 @@
               <a:buChar char="•"/>
             </a:pPr>
             <a:r>
-              <a:rPr lang="en-US" sz="2800" dirty="0">
+              <a:rPr lang="en-US" sz="2800">
                 <a:ea typeface="+mn-lt"/>
                 <a:cs typeface="+mn-lt"/>
               </a:rPr>
@@ -16123,7 +15888,7 @@
               <a:buChar char="•"/>
             </a:pPr>
             <a:r>
-              <a:rPr lang="en-US" sz="2800" dirty="0"/>
+              <a:rPr lang="en-US" sz="2800"/>
               <a:t>Mitigated by browser sandboxing</a:t>
             </a:r>
           </a:p>
@@ -16212,11 +15977,11 @@
               <a:buChar char="•"/>
             </a:pPr>
             <a:r>
-              <a:rPr lang="en-US" sz="2800" b="1" dirty="0"/>
+              <a:rPr lang="en-US" sz="2800" b="1"/>
               <a:t>Speed. </a:t>
             </a:r>
             <a:r>
-              <a:rPr lang="en-US" sz="2800" dirty="0"/>
+              <a:rPr lang="en-US" sz="2800"/>
               <a:t>JavaScript is still slower than most compiled languages</a:t>
             </a:r>
           </a:p>
@@ -16460,7 +16225,7 @@
           <a:p>
             <a:pPr algn="ctr"/>
             <a:r>
-              <a:rPr lang="en-US" sz="3200" b="1" dirty="0"/>
+              <a:rPr lang="en-US" sz="3200" b="1"/>
               <a:t>Weirdness</a:t>
             </a:r>
             <a:endParaRPr lang="en-US"/>
@@ -16565,10 +16330,10 @@
           <a:lstStyle/>
           <a:p>
             <a:r>
-              <a:rPr lang="en-US" sz="2800" dirty="0"/>
+              <a:rPr lang="en-US" sz="2800"/>
               <a:t>Unintuitive behavior:</a:t>
             </a:r>
-            <a:endParaRPr lang="en-US" dirty="0"/>
+            <a:endParaRPr lang="en-US"/>
           </a:p>
         </p:txBody>
       </p:sp>
@@ -16715,10 +16480,10 @@
           <a:p>
             <a:pPr algn="ctr"/>
             <a:r>
-              <a:rPr lang="en-US" sz="3200" b="1" dirty="0"/>
+              <a:rPr lang="en-US" sz="3200" b="1"/>
               <a:t>MORE Weirdness</a:t>
             </a:r>
-            <a:endParaRPr lang="en-US" sz="3200" b="1" dirty="0">
+            <a:endParaRPr lang="en-US" sz="3200" b="1">
               <a:effectLst>
                 <a:glow rad="38100">
                   <a:prstClr val="black">
@@ -16860,10 +16625,10 @@
           <a:lstStyle/>
           <a:p>
             <a:r>
-              <a:rPr lang="en-US" b="1" dirty="0"/>
+              <a:rPr lang="en-US" b="1"/>
               <a:t>Major companies using JavaScript</a:t>
             </a:r>
-            <a:endParaRPr lang="en-US" dirty="0" err="1"/>
+            <a:endParaRPr lang="en-US" err="1"/>
           </a:p>
         </p:txBody>
       </p:sp>
@@ -17683,10 +17448,10 @@
           <a:p>
             <a:pPr algn="ctr"/>
             <a:r>
-              <a:rPr lang="en-US" sz="3200" dirty="0"/>
+              <a:rPr lang="en-US" sz="3200"/>
               <a:t>Popularity: 7th in 2019</a:t>
             </a:r>
-            <a:endParaRPr lang="en-US" sz="3200" dirty="0">
+            <a:endParaRPr lang="en-US" sz="3200">
               <a:effectLst>
                 <a:glow rad="38100">
                   <a:prstClr val="black">

--- a/Javascript.pptx
+++ b/Javascript.pptx
@@ -45,6 +45,8 @@
     <p:sldId id="299" r:id="rId39"/>
     <p:sldId id="293" r:id="rId40"/>
     <p:sldId id="295" r:id="rId41"/>
+    <p:sldId id="300" r:id="rId42"/>
+    <p:sldId id="301" r:id="rId43"/>
   </p:sldIdLst>
   <p:sldSz cx="9144000" cy="6858000" type="screen4x3"/>
   <p:notesSz cx="6858000" cy="9144000"/>
@@ -154,7 +156,7 @@
 <file path=ppt/revisionInfo.xml><?xml version="1.0" encoding="utf-8"?>
 <p1510:revInfo xmlns:a="http://schemas.openxmlformats.org/drawingml/2006/main" xmlns:r="http://schemas.openxmlformats.org/officeDocument/2006/relationships" xmlns:p1510="http://schemas.microsoft.com/office/powerpoint/2015/10/main">
   <p1510:revLst>
-    <p1510:client id="{36D0BE91-E8E9-7A67-4D45-35D6594435A8}" v="552" dt="2019-11-12T12:10:34.725"/>
+    <p1510:client id="{36D0BE91-E8E9-7A67-4D45-35D6594435A8}" v="743" dt="2019-11-12T12:47:48.628"/>
     <p1510:client id="{38B46382-DAC1-EC02-9741-7C1E2C1EE79E}" v="1" dt="2019-11-10T20:32:54.948"/>
     <p1510:client id="{632A1651-6036-33FD-C8E2-F95E4F72265A}" v="2251" dt="2019-11-11T22:23:38.050"/>
     <p1510:client id="{6B517C38-4A99-C407-302D-7F28E1679330}" v="1" dt="2019-11-10T23:24:49.594"/>
@@ -13245,10 +13247,10 @@
           <a:p>
             <a:pPr algn="ctr"/>
             <a:r>
-              <a:rPr lang="en-US" sz="3200" dirty="0"/>
-              <a:t>Example: The Basics</a:t>
-            </a:r>
-            <a:endParaRPr lang="en-US" sz="3200" dirty="0">
+              <a:rPr lang="en-US" sz="3200"/>
+              <a:t>EDITING AND DEBUGGING</a:t>
+            </a:r>
+            <a:endParaRPr lang="en-US" sz="3200">
               <a:effectLst>
                 <a:glow rad="38100">
                   <a:prstClr val="black">
@@ -13443,7 +13445,7 @@
         </p:nvSpPr>
         <p:spPr>
           <a:xfrm>
-            <a:off x="800276" y="230636"/>
+            <a:off x="829091" y="86560"/>
             <a:ext cx="7055380" cy="710249"/>
           </a:xfrm>
         </p:spPr>
@@ -13455,10 +13457,13 @@
           <a:p>
             <a:pPr algn="ctr"/>
             <a:r>
-              <a:rPr lang="en-US" sz="3200" dirty="0"/>
-              <a:t>Example: The Basics</a:t>
-            </a:r>
-            <a:endParaRPr lang="en-US" sz="3200" dirty="0">
+              <a:rPr lang="en-US" sz="3200">
+                <a:ea typeface="+mj-lt"/>
+                <a:cs typeface="+mj-lt"/>
+              </a:rPr>
+              <a:t>EDITING AND DEBUGGING</a:t>
+            </a:r>
+            <a:endParaRPr lang="en-US" sz="3200">
               <a:effectLst>
                 <a:glow rad="38100">
                   <a:prstClr val="black">
@@ -13703,7 +13708,7 @@
         </p:nvSpPr>
         <p:spPr>
           <a:xfrm>
-            <a:off x="430922" y="210671"/>
+            <a:off x="1045645" y="105016"/>
             <a:ext cx="7055380" cy="710249"/>
           </a:xfrm>
         </p:spPr>
@@ -13713,13 +13718,12 @@
           <a:p>
             <a:pPr algn="ctr"/>
             <a:r>
-              <a:rPr lang="en-US" dirty="0">
+              <a:rPr lang="en-US">
                 <a:ea typeface="+mj-lt"/>
                 <a:cs typeface="+mj-lt"/>
               </a:rPr>
-              <a:t>Example: The Basics</a:t>
-            </a:r>
-            <a:endParaRPr lang="en-US" dirty="0"/>
+              <a:t>EDITING AND DEBUGGING</a:t>
+            </a:r>
           </a:p>
         </p:txBody>
       </p:sp>
@@ -13796,7 +13800,7 @@
         </p:blipFill>
         <p:spPr>
           <a:xfrm>
-            <a:off x="1548332" y="1037208"/>
+            <a:off x="1903719" y="979578"/>
             <a:ext cx="5326956" cy="3506113"/>
           </a:xfrm>
           <a:prstGeom prst="rect">
@@ -13852,7 +13856,7 @@
         </p:nvSpPr>
         <p:spPr>
           <a:xfrm>
-            <a:off x="1039856" y="210671"/>
+            <a:off x="1039856" y="95411"/>
             <a:ext cx="7055380" cy="710249"/>
           </a:xfrm>
         </p:spPr>
@@ -14095,9 +14099,13 @@
             <a:pPr algn="just"/>
             <a:r>
               <a:rPr lang="en-US" sz="2000" dirty="0"/>
-              <a:t>Try setting a breakpoint on Line 5 of the_basics.js by clicking on the '5'. Add watches for a, b, and c. Press F5 to reload.</a:t>
-            </a:r>
-            <a:endParaRPr lang="en-US" dirty="0"/>
+              <a:t>Try setting a breakpoint on Line 3 of the_basics.js by clicking </a:t>
+            </a:r>
+            <a:r>
+              <a:rPr lang="en-US" sz="2000"/>
+              <a:t>on the '3'. Add watches for a, b, and c. Press F5 to reload.</a:t>
+            </a:r>
+            <a:endParaRPr lang="en-US"/>
           </a:p>
         </p:txBody>
       </p:sp>
@@ -14299,7 +14307,7 @@
         </p:nvSpPr>
         <p:spPr>
           <a:xfrm>
-            <a:off x="672353" y="1255059"/>
+            <a:off x="883664" y="2926336"/>
             <a:ext cx="3541058" cy="523220"/>
           </a:xfrm>
           <a:prstGeom prst="rect">
@@ -14338,7 +14346,7 @@
         </p:nvSpPr>
         <p:spPr>
           <a:xfrm>
-            <a:off x="672354" y="2286000"/>
+            <a:off x="883665" y="3957277"/>
             <a:ext cx="7736538" cy="2677656"/>
           </a:xfrm>
           <a:prstGeom prst="rect">
@@ -14434,7 +14442,7 @@
         </p:blipFill>
         <p:spPr>
           <a:xfrm>
-            <a:off x="4438650" y="1209394"/>
+            <a:off x="4649961" y="2880671"/>
             <a:ext cx="3341594" cy="620245"/>
           </a:xfrm>
           <a:prstGeom prst="rect">
@@ -14456,8 +14464,8 @@
         </p:nvSpPr>
         <p:spPr>
           <a:xfrm>
-            <a:off x="439271" y="6087035"/>
-            <a:ext cx="8390963" cy="523220"/>
+            <a:off x="554531" y="1246094"/>
+            <a:ext cx="8390963" cy="954107"/>
           </a:xfrm>
           <a:prstGeom prst="rect">
             <a:avLst/>
@@ -14474,8 +14482,8 @@
           <a:lstStyle/>
           <a:p>
             <a:r>
-              <a:rPr lang="en-US" sz="2800" b="1" dirty="0"/>
-              <a:t>Press F9 a few times to step through the code.</a:t>
+              <a:rPr lang="en-US" sz="2800" b="1"/>
+              <a:t>Press F9 a few times to step through the code, observe what happens.</a:t>
             </a:r>
             <a:endParaRPr lang="en-US" b="1"/>
           </a:p>
@@ -15603,6 +15611,182 @@
             <a:pPr algn="ctr"/>
             <a:r>
               <a:rPr lang="en-US" sz="3200"/>
+              <a:t>Example: MORE BASICS</a:t>
+            </a:r>
+            <a:endParaRPr lang="en-US" sz="3200">
+              <a:effectLst>
+                <a:glow rad="38100">
+                  <a:prstClr val="black">
+                    <a:lumMod val="65000"/>
+                    <a:lumOff val="35000"/>
+                    <a:alpha val="40000"/>
+                  </a:prstClr>
+                </a:glow>
+                <a:outerShdw blurRad="28575" dist="38100" dir="14040000" algn="tl" rotWithShape="0">
+                  <a:srgbClr val="000000">
+                    <a:alpha val="25000"/>
+                  </a:srgbClr>
+                </a:outerShdw>
+              </a:effectLst>
+            </a:endParaRPr>
+          </a:p>
+        </p:txBody>
+      </p:sp>
+      <p:sp>
+        <p:nvSpPr>
+          <p:cNvPr id="4" name="TextBox 3">
+            <a:extLst>
+              <a:ext uri="{FF2B5EF4-FFF2-40B4-BE49-F238E27FC236}">
+                <a16:creationId xmlns:a16="http://schemas.microsoft.com/office/drawing/2014/main" id="{D3841CC4-5C87-49CE-88C0-8A98AA1A8147}"/>
+              </a:ext>
+            </a:extLst>
+          </p:cNvPr>
+          <p:cNvSpPr txBox="1"/>
+          <p:nvPr/>
+        </p:nvSpPr>
+        <p:spPr>
+          <a:xfrm>
+            <a:off x="336452" y="868126"/>
+            <a:ext cx="8358946" cy="707886"/>
+          </a:xfrm>
+          <a:prstGeom prst="rect">
+            <a:avLst/>
+          </a:prstGeom>
+          <a:noFill/>
+        </p:spPr>
+        <p:txBody>
+          <a:bodyPr rot="0" spcFirstLastPara="0" vertOverflow="overflow" horzOverflow="overflow" vert="horz" wrap="square" lIns="91440" tIns="45720" rIns="91440" bIns="45720" numCol="1" spcCol="0" rtlCol="0" fromWordArt="0" anchor="t" anchorCtr="0" forceAA="0" compatLnSpc="1">
+            <a:prstTxWarp prst="textNoShape">
+              <a:avLst/>
+            </a:prstTxWarp>
+            <a:spAutoFit/>
+          </a:bodyPr>
+          <a:lstStyle/>
+          <a:p>
+            <a:pPr algn="ctr"/>
+            <a:r>
+              <a:rPr lang="en-US" sz="2000" dirty="0"/>
+              <a:t>Open more_basics.html in </a:t>
+            </a:r>
+            <a:r>
+              <a:rPr lang="en-US" sz="2000"/>
+              <a:t>Chrome and open the Console (F12).</a:t>
+            </a:r>
+          </a:p>
+          <a:p>
+            <a:pPr algn="ctr"/>
+            <a:endParaRPr lang="en-US" sz="2000" dirty="0"/>
+          </a:p>
+        </p:txBody>
+      </p:sp>
+      <p:sp>
+        <p:nvSpPr>
+          <p:cNvPr id="3" name="TextBox 2">
+            <a:extLst>
+              <a:ext uri="{FF2B5EF4-FFF2-40B4-BE49-F238E27FC236}">
+                <a16:creationId xmlns:a16="http://schemas.microsoft.com/office/drawing/2014/main" id="{0C756E51-9D41-4CDE-B267-154C1ACE9901}"/>
+              </a:ext>
+            </a:extLst>
+          </p:cNvPr>
+          <p:cNvSpPr txBox="1"/>
+          <p:nvPr/>
+        </p:nvSpPr>
+        <p:spPr>
+          <a:xfrm>
+            <a:off x="663389" y="6248400"/>
+            <a:ext cx="7790328" cy="800219"/>
+          </a:xfrm>
+          <a:prstGeom prst="rect">
+            <a:avLst/>
+          </a:prstGeom>
+          <a:noFill/>
+        </p:spPr>
+        <p:txBody>
+          <a:bodyPr rot="0" spcFirstLastPara="0" vertOverflow="overflow" horzOverflow="overflow" vert="horz" wrap="square" lIns="91440" tIns="45720" rIns="91440" bIns="45720" numCol="1" spcCol="0" rtlCol="0" fromWordArt="0" anchor="t" anchorCtr="0" forceAA="0" compatLnSpc="1">
+            <a:prstTxWarp prst="textNoShape">
+              <a:avLst/>
+            </a:prstTxWarp>
+            <a:spAutoFit/>
+          </a:bodyPr>
+          <a:lstStyle/>
+          <a:p>
+            <a:pPr algn="ctr"/>
+            <a:r>
+              <a:rPr lang="en-US" sz="2800" b="1">
+                <a:ea typeface="+mn-lt"/>
+                <a:cs typeface="+mn-lt"/>
+              </a:rPr>
+              <a:t>We'll be adding code to more_basics.js</a:t>
+            </a:r>
+            <a:endParaRPr lang="en-US"/>
+          </a:p>
+          <a:p>
+            <a:pPr algn="l"/>
+            <a:endParaRPr lang="en-US" dirty="0"/>
+          </a:p>
+        </p:txBody>
+      </p:sp>
+    </p:spTree>
+    <p:extLst>
+      <p:ext uri="{BB962C8B-B14F-4D97-AF65-F5344CB8AC3E}">
+        <p14:creationId xmlns:p14="http://schemas.microsoft.com/office/powerpoint/2010/main" val="653725357"/>
+      </p:ext>
+    </p:extLst>
+  </p:cSld>
+  <p:clrMapOvr>
+    <a:masterClrMapping/>
+  </p:clrMapOvr>
+</p:sld>
+</file>
+
+<file path=ppt/slides/slide41.xml><?xml version="1.0" encoding="utf-8"?>
+<p:sld xmlns:a="http://schemas.openxmlformats.org/drawingml/2006/main" xmlns:r="http://schemas.openxmlformats.org/officeDocument/2006/relationships" xmlns:p="http://schemas.openxmlformats.org/presentationml/2006/main">
+  <p:cSld>
+    <p:spTree>
+      <p:nvGrpSpPr>
+        <p:cNvPr id="1" name=""/>
+        <p:cNvGrpSpPr/>
+        <p:nvPr/>
+      </p:nvGrpSpPr>
+      <p:grpSpPr>
+        <a:xfrm>
+          <a:off x="0" y="0"/>
+          <a:ext cx="0" cy="0"/>
+          <a:chOff x="0" y="0"/>
+          <a:chExt cx="0" cy="0"/>
+        </a:xfrm>
+      </p:grpSpPr>
+      <p:sp>
+        <p:nvSpPr>
+          <p:cNvPr id="2" name="Title 1">
+            <a:extLst>
+              <a:ext uri="{FF2B5EF4-FFF2-40B4-BE49-F238E27FC236}">
+                <a16:creationId xmlns:a16="http://schemas.microsoft.com/office/drawing/2014/main" id="{ECCF6F8C-2E13-4296-BD55-0D837BF148FE}"/>
+              </a:ext>
+            </a:extLst>
+          </p:cNvPr>
+          <p:cNvSpPr>
+            <a:spLocks noGrp="1"/>
+          </p:cNvSpPr>
+          <p:nvPr>
+            <p:ph type="title"/>
+          </p:nvPr>
+        </p:nvSpPr>
+        <p:spPr>
+          <a:xfrm>
+            <a:off x="1039857" y="160759"/>
+            <a:ext cx="7055380" cy="710249"/>
+          </a:xfrm>
+        </p:spPr>
+        <p:txBody>
+          <a:bodyPr>
+            <a:normAutofit/>
+          </a:bodyPr>
+          <a:lstStyle/>
+          <a:p>
+            <a:pPr algn="ctr"/>
+            <a:r>
+              <a:rPr lang="en-US" sz="3200"/>
               <a:t>Example: The Colors</a:t>
             </a:r>
             <a:endParaRPr lang="en-US" sz="3200">
@@ -15754,7 +15938,179 @@
     </p:spTree>
     <p:extLst>
       <p:ext uri="{BB962C8B-B14F-4D97-AF65-F5344CB8AC3E}">
-        <p14:creationId xmlns:p14="http://schemas.microsoft.com/office/powerpoint/2010/main" val="653725357"/>
+        <p14:creationId xmlns:p14="http://schemas.microsoft.com/office/powerpoint/2010/main" val="498423495"/>
+      </p:ext>
+    </p:extLst>
+  </p:cSld>
+  <p:clrMapOvr>
+    <a:masterClrMapping/>
+  </p:clrMapOvr>
+</p:sld>
+</file>
+
+<file path=ppt/slides/slide42.xml><?xml version="1.0" encoding="utf-8"?>
+<p:sld xmlns:a="http://schemas.openxmlformats.org/drawingml/2006/main" xmlns:r="http://schemas.openxmlformats.org/officeDocument/2006/relationships" xmlns:p="http://schemas.openxmlformats.org/presentationml/2006/main">
+  <p:cSld>
+    <p:spTree>
+      <p:nvGrpSpPr>
+        <p:cNvPr id="1" name=""/>
+        <p:cNvGrpSpPr/>
+        <p:nvPr/>
+      </p:nvGrpSpPr>
+      <p:grpSpPr>
+        <a:xfrm>
+          <a:off x="0" y="0"/>
+          <a:ext cx="0" cy="0"/>
+          <a:chOff x="0" y="0"/>
+          <a:chExt cx="0" cy="0"/>
+        </a:xfrm>
+      </p:grpSpPr>
+      <p:sp>
+        <p:nvSpPr>
+          <p:cNvPr id="2" name="Title 1">
+            <a:extLst>
+              <a:ext uri="{FF2B5EF4-FFF2-40B4-BE49-F238E27FC236}">
+                <a16:creationId xmlns:a16="http://schemas.microsoft.com/office/drawing/2014/main" id="{ECCF6F8C-2E13-4296-BD55-0D837BF148FE}"/>
+              </a:ext>
+            </a:extLst>
+          </p:cNvPr>
+          <p:cNvSpPr>
+            <a:spLocks noGrp="1"/>
+          </p:cNvSpPr>
+          <p:nvPr>
+            <p:ph type="title"/>
+          </p:nvPr>
+        </p:nvSpPr>
+        <p:spPr>
+          <a:xfrm>
+            <a:off x="1039857" y="160759"/>
+            <a:ext cx="7055380" cy="710249"/>
+          </a:xfrm>
+        </p:spPr>
+        <p:txBody>
+          <a:bodyPr>
+            <a:normAutofit/>
+          </a:bodyPr>
+          <a:lstStyle/>
+          <a:p>
+            <a:pPr algn="ctr"/>
+            <a:r>
+              <a:rPr lang="en-US" sz="3200"/>
+              <a:t>Example: Forms</a:t>
+            </a:r>
+            <a:endParaRPr lang="en-US" sz="3200">
+              <a:effectLst>
+                <a:glow rad="38100">
+                  <a:prstClr val="black">
+                    <a:lumMod val="65000"/>
+                    <a:lumOff val="35000"/>
+                    <a:alpha val="40000"/>
+                  </a:prstClr>
+                </a:glow>
+                <a:outerShdw blurRad="28575" dist="38100" dir="14040000" algn="tl" rotWithShape="0">
+                  <a:srgbClr val="000000">
+                    <a:alpha val="25000"/>
+                  </a:srgbClr>
+                </a:outerShdw>
+              </a:effectLst>
+            </a:endParaRPr>
+          </a:p>
+        </p:txBody>
+      </p:sp>
+      <p:sp>
+        <p:nvSpPr>
+          <p:cNvPr id="4" name="TextBox 3">
+            <a:extLst>
+              <a:ext uri="{FF2B5EF4-FFF2-40B4-BE49-F238E27FC236}">
+                <a16:creationId xmlns:a16="http://schemas.microsoft.com/office/drawing/2014/main" id="{D3841CC4-5C87-49CE-88C0-8A98AA1A8147}"/>
+              </a:ext>
+            </a:extLst>
+          </p:cNvPr>
+          <p:cNvSpPr txBox="1"/>
+          <p:nvPr/>
+        </p:nvSpPr>
+        <p:spPr>
+          <a:xfrm>
+            <a:off x="336452" y="868126"/>
+            <a:ext cx="8358946" cy="707886"/>
+          </a:xfrm>
+          <a:prstGeom prst="rect">
+            <a:avLst/>
+          </a:prstGeom>
+          <a:noFill/>
+        </p:spPr>
+        <p:txBody>
+          <a:bodyPr rot="0" spcFirstLastPara="0" vertOverflow="overflow" horzOverflow="overflow" vert="horz" wrap="square" lIns="91440" tIns="45720" rIns="91440" bIns="45720" numCol="1" spcCol="0" rtlCol="0" fromWordArt="0" anchor="t" anchorCtr="0" forceAA="0" compatLnSpc="1">
+            <a:prstTxWarp prst="textNoShape">
+              <a:avLst/>
+            </a:prstTxWarp>
+            <a:spAutoFit/>
+          </a:bodyPr>
+          <a:lstStyle/>
+          <a:p>
+            <a:pPr algn="ctr"/>
+            <a:r>
+              <a:rPr lang="en-US" sz="2000"/>
+              <a:t>Open forms.html in Chrome and open the Console (F12).</a:t>
+            </a:r>
+          </a:p>
+          <a:p>
+            <a:pPr algn="ctr"/>
+            <a:endParaRPr lang="en-US" sz="2000" dirty="0"/>
+          </a:p>
+        </p:txBody>
+      </p:sp>
+      <p:sp>
+        <p:nvSpPr>
+          <p:cNvPr id="3" name="TextBox 2">
+            <a:extLst>
+              <a:ext uri="{FF2B5EF4-FFF2-40B4-BE49-F238E27FC236}">
+                <a16:creationId xmlns:a16="http://schemas.microsoft.com/office/drawing/2014/main" id="{0C756E51-9D41-4CDE-B267-154C1ACE9901}"/>
+              </a:ext>
+            </a:extLst>
+          </p:cNvPr>
+          <p:cNvSpPr txBox="1"/>
+          <p:nvPr/>
+        </p:nvSpPr>
+        <p:spPr>
+          <a:xfrm>
+            <a:off x="663389" y="6248400"/>
+            <a:ext cx="7790328" cy="800219"/>
+          </a:xfrm>
+          <a:prstGeom prst="rect">
+            <a:avLst/>
+          </a:prstGeom>
+          <a:noFill/>
+        </p:spPr>
+        <p:txBody>
+          <a:bodyPr rot="0" spcFirstLastPara="0" vertOverflow="overflow" horzOverflow="overflow" vert="horz" wrap="square" lIns="91440" tIns="45720" rIns="91440" bIns="45720" numCol="1" spcCol="0" rtlCol="0" fromWordArt="0" anchor="t" anchorCtr="0" forceAA="0" compatLnSpc="1">
+            <a:prstTxWarp prst="textNoShape">
+              <a:avLst/>
+            </a:prstTxWarp>
+            <a:spAutoFit/>
+          </a:bodyPr>
+          <a:lstStyle/>
+          <a:p>
+            <a:pPr algn="ctr"/>
+            <a:r>
+              <a:rPr lang="en-US" sz="2800" b="1">
+                <a:ea typeface="+mn-lt"/>
+                <a:cs typeface="+mn-lt"/>
+              </a:rPr>
+              <a:t>We'll be adding code to forms.js</a:t>
+            </a:r>
+            <a:endParaRPr lang="en-US"/>
+          </a:p>
+          <a:p>
+            <a:pPr algn="l"/>
+            <a:endParaRPr lang="en-US" dirty="0"/>
+          </a:p>
+        </p:txBody>
+      </p:sp>
+    </p:spTree>
+    <p:extLst>
+      <p:ext uri="{BB962C8B-B14F-4D97-AF65-F5344CB8AC3E}">
+        <p14:creationId xmlns:p14="http://schemas.microsoft.com/office/powerpoint/2010/main" val="4204890531"/>
       </p:ext>
     </p:extLst>
   </p:cSld>

--- a/Javascript.pptx
+++ b/Javascript.pptx
@@ -37,16 +37,20 @@
     <p:sldId id="270" r:id="rId31"/>
     <p:sldId id="272" r:id="rId32"/>
     <p:sldId id="277" r:id="rId33"/>
-    <p:sldId id="281" r:id="rId34"/>
-    <p:sldId id="289" r:id="rId35"/>
-    <p:sldId id="290" r:id="rId36"/>
-    <p:sldId id="291" r:id="rId37"/>
-    <p:sldId id="292" r:id="rId38"/>
-    <p:sldId id="299" r:id="rId39"/>
-    <p:sldId id="293" r:id="rId40"/>
-    <p:sldId id="295" r:id="rId41"/>
-    <p:sldId id="300" r:id="rId42"/>
-    <p:sldId id="301" r:id="rId43"/>
+    <p:sldId id="302" r:id="rId34"/>
+    <p:sldId id="281" r:id="rId35"/>
+    <p:sldId id="289" r:id="rId36"/>
+    <p:sldId id="290" r:id="rId37"/>
+    <p:sldId id="291" r:id="rId38"/>
+    <p:sldId id="292" r:id="rId39"/>
+    <p:sldId id="299" r:id="rId40"/>
+    <p:sldId id="293" r:id="rId41"/>
+    <p:sldId id="303" r:id="rId42"/>
+    <p:sldId id="295" r:id="rId43"/>
+    <p:sldId id="304" r:id="rId44"/>
+    <p:sldId id="300" r:id="rId45"/>
+    <p:sldId id="305" r:id="rId46"/>
+    <p:sldId id="301" r:id="rId47"/>
   </p:sldIdLst>
   <p:sldSz cx="9144000" cy="6858000" type="screen4x3"/>
   <p:notesSz cx="6858000" cy="9144000"/>
@@ -156,7 +160,7 @@
 <file path=ppt/revisionInfo.xml><?xml version="1.0" encoding="utf-8"?>
 <p1510:revInfo xmlns:a="http://schemas.openxmlformats.org/drawingml/2006/main" xmlns:r="http://schemas.openxmlformats.org/officeDocument/2006/relationships" xmlns:p1510="http://schemas.microsoft.com/office/powerpoint/2015/10/main">
   <p1510:revLst>
-    <p1510:client id="{36D0BE91-E8E9-7A67-4D45-35D6594435A8}" v="743" dt="2019-11-12T12:47:48.628"/>
+    <p1510:client id="{36D0BE91-E8E9-7A67-4D45-35D6594435A8}" v="854" dt="2019-11-12T12:53:00.308"/>
     <p1510:client id="{38B46382-DAC1-EC02-9741-7C1E2C1EE79E}" v="1" dt="2019-11-10T20:32:54.948"/>
     <p1510:client id="{632A1651-6036-33FD-C8E2-F95E4F72265A}" v="2251" dt="2019-11-11T22:23:38.050"/>
     <p1510:client id="{6B517C38-4A99-C407-302D-7F28E1679330}" v="1" dt="2019-11-10T23:24:49.594"/>
@@ -13222,6 +13226,477 @@
           <p:cNvPr id="2" name="Title 1">
             <a:extLst>
               <a:ext uri="{FF2B5EF4-FFF2-40B4-BE49-F238E27FC236}">
+                <a16:creationId xmlns:a16="http://schemas.microsoft.com/office/drawing/2014/main" id="{E79991AE-7CE8-4405-AD5B-B465CD58A633}"/>
+              </a:ext>
+            </a:extLst>
+          </p:cNvPr>
+          <p:cNvSpPr>
+            <a:spLocks noGrp="1"/>
+          </p:cNvSpPr>
+          <p:nvPr>
+            <p:ph type="title"/>
+          </p:nvPr>
+        </p:nvSpPr>
+        <p:spPr>
+          <a:xfrm>
+            <a:off x="918172" y="116856"/>
+            <a:ext cx="7511473" cy="1312480"/>
+          </a:xfrm>
+        </p:spPr>
+        <p:txBody>
+          <a:bodyPr>
+            <a:normAutofit/>
+          </a:bodyPr>
+          <a:lstStyle/>
+          <a:p>
+            <a:pPr algn="ctr"/>
+            <a:r>
+              <a:rPr lang="en-US" sz="3200"/>
+              <a:t>NOTE TO US</a:t>
+            </a:r>
+            <a:endParaRPr lang="en-US"/>
+          </a:p>
+        </p:txBody>
+      </p:sp>
+      <p:sp>
+        <p:nvSpPr>
+          <p:cNvPr id="3" name="Content Placeholder 2">
+            <a:extLst>
+              <a:ext uri="{FF2B5EF4-FFF2-40B4-BE49-F238E27FC236}">
+                <a16:creationId xmlns:a16="http://schemas.microsoft.com/office/drawing/2014/main" id="{AF8D3678-114A-4DF5-8D81-1D3A1BA02B55}"/>
+              </a:ext>
+            </a:extLst>
+          </p:cNvPr>
+          <p:cNvSpPr>
+            <a:spLocks noGrp="1"/>
+          </p:cNvSpPr>
+          <p:nvPr>
+            <p:ph idx="1"/>
+          </p:nvPr>
+        </p:nvSpPr>
+        <p:spPr>
+          <a:xfrm>
+            <a:off x="827700" y="1332435"/>
+            <a:ext cx="6711654" cy="5319382"/>
+          </a:xfrm>
+        </p:spPr>
+        <p:txBody>
+          <a:bodyPr vert="horz" lIns="91440" tIns="45720" rIns="91440" bIns="45720" rtlCol="0" anchor="t">
+            <a:noAutofit/>
+          </a:bodyPr>
+          <a:lstStyle/>
+          <a:p>
+            <a:pPr marL="0" indent="0">
+              <a:buNone/>
+            </a:pPr>
+            <a:r>
+              <a:rPr lang="en-US" sz="2800" dirty="0">
+                <a:ea typeface="+mj-lt"/>
+                <a:cs typeface="+mj-lt"/>
+              </a:rPr>
+              <a:t>Cover the following on w3schools </a:t>
+            </a:r>
+            <a:r>
+              <a:rPr lang="en-US" sz="2800">
+                <a:ea typeface="+mj-lt"/>
+                <a:cs typeface="+mj-lt"/>
+              </a:rPr>
+              <a:t>before moving to the editing and debugging slide that follows!</a:t>
+            </a:r>
+            <a:endParaRPr lang="en-US">
+              <a:effectLst>
+                <a:glow rad="38100">
+                  <a:prstClr val="black">
+                    <a:lumMod val="50000"/>
+                    <a:lumOff val="50000"/>
+                    <a:alpha val="20000"/>
+                  </a:prstClr>
+                </a:glow>
+                <a:outerShdw blurRad="44450" dist="12700" dir="13860000" algn="tl" rotWithShape="0">
+                  <a:srgbClr val="000000">
+                    <a:alpha val="20000"/>
+                  </a:srgbClr>
+                </a:outerShdw>
+              </a:effectLst>
+              <a:ea typeface="+mj-lt"/>
+              <a:cs typeface="+mj-lt"/>
+            </a:endParaRPr>
+          </a:p>
+          <a:p>
+            <a:pPr>
+              <a:buNone/>
+            </a:pPr>
+            <a:r>
+              <a:rPr lang="en-US" sz="1200">
+                <a:effectLst>
+                  <a:glow rad="38100">
+                    <a:prstClr val="black">
+                      <a:lumMod val="50000"/>
+                      <a:lumOff val="50000"/>
+                      <a:alpha val="20000"/>
+                    </a:prstClr>
+                  </a:glow>
+                  <a:outerShdw blurRad="44450" dist="12700" dir="13860000" algn="tl" rotWithShape="0">
+                    <a:srgbClr val="000000">
+                      <a:alpha val="20000"/>
+                    </a:srgbClr>
+                  </a:outerShdw>
+                </a:effectLst>
+                <a:ea typeface="+mn-lt"/>
+                <a:cs typeface="+mn-lt"/>
+              </a:rPr>
+              <a:t>//JS Statements</a:t>
+            </a:r>
+          </a:p>
+          <a:p>
+            <a:pPr>
+              <a:buNone/>
+            </a:pPr>
+            <a:r>
+              <a:rPr lang="en-US" sz="1200">
+                <a:effectLst>
+                  <a:glow rad="38100">
+                    <a:prstClr val="black">
+                      <a:lumMod val="50000"/>
+                      <a:lumOff val="50000"/>
+                      <a:alpha val="20000"/>
+                    </a:prstClr>
+                  </a:glow>
+                  <a:outerShdw blurRad="44450" dist="12700" dir="13860000" algn="tl" rotWithShape="0">
+                    <a:srgbClr val="000000">
+                      <a:alpha val="20000"/>
+                    </a:srgbClr>
+                  </a:outerShdw>
+                </a:effectLst>
+                <a:ea typeface="+mn-lt"/>
+                <a:cs typeface="+mn-lt"/>
+              </a:rPr>
+              <a:t>//JS Syntax</a:t>
+            </a:r>
+          </a:p>
+          <a:p>
+            <a:pPr>
+              <a:buNone/>
+            </a:pPr>
+            <a:r>
+              <a:rPr lang="en-US" sz="1200">
+                <a:effectLst>
+                  <a:glow rad="38100">
+                    <a:prstClr val="black">
+                      <a:lumMod val="50000"/>
+                      <a:lumOff val="50000"/>
+                      <a:alpha val="20000"/>
+                    </a:prstClr>
+                  </a:glow>
+                  <a:outerShdw blurRad="44450" dist="12700" dir="13860000" algn="tl" rotWithShape="0">
+                    <a:srgbClr val="000000">
+                      <a:alpha val="20000"/>
+                    </a:srgbClr>
+                  </a:outerShdw>
+                </a:effectLst>
+                <a:ea typeface="+mn-lt"/>
+                <a:cs typeface="+mn-lt"/>
+              </a:rPr>
+              <a:t>//JS Comments</a:t>
+            </a:r>
+          </a:p>
+          <a:p>
+            <a:pPr>
+              <a:buNone/>
+            </a:pPr>
+            <a:r>
+              <a:rPr lang="en-US" sz="1200">
+                <a:effectLst>
+                  <a:glow rad="38100">
+                    <a:prstClr val="black">
+                      <a:lumMod val="50000"/>
+                      <a:lumOff val="50000"/>
+                      <a:alpha val="20000"/>
+                    </a:prstClr>
+                  </a:glow>
+                  <a:outerShdw blurRad="44450" dist="12700" dir="13860000" algn="tl" rotWithShape="0">
+                    <a:srgbClr val="000000">
+                      <a:alpha val="20000"/>
+                    </a:srgbClr>
+                  </a:outerShdw>
+                </a:effectLst>
+                <a:ea typeface="+mn-lt"/>
+                <a:cs typeface="+mn-lt"/>
+              </a:rPr>
+              <a:t>//JS Variables</a:t>
+            </a:r>
+          </a:p>
+          <a:p>
+            <a:pPr>
+              <a:buNone/>
+            </a:pPr>
+            <a:r>
+              <a:rPr lang="en-US" sz="1200">
+                <a:effectLst>
+                  <a:glow rad="38100">
+                    <a:prstClr val="black">
+                      <a:lumMod val="50000"/>
+                      <a:lumOff val="50000"/>
+                      <a:alpha val="20000"/>
+                    </a:prstClr>
+                  </a:glow>
+                  <a:outerShdw blurRad="44450" dist="12700" dir="13860000" algn="tl" rotWithShape="0">
+                    <a:srgbClr val="000000">
+                      <a:alpha val="20000"/>
+                    </a:srgbClr>
+                  </a:outerShdw>
+                </a:effectLst>
+                <a:ea typeface="+mn-lt"/>
+                <a:cs typeface="+mn-lt"/>
+              </a:rPr>
+              <a:t>//JS Operators</a:t>
+            </a:r>
+          </a:p>
+          <a:p>
+            <a:pPr>
+              <a:buNone/>
+            </a:pPr>
+            <a:r>
+              <a:rPr lang="en-US" sz="1200">
+                <a:effectLst>
+                  <a:glow rad="38100">
+                    <a:prstClr val="black">
+                      <a:lumMod val="50000"/>
+                      <a:lumOff val="50000"/>
+                      <a:alpha val="20000"/>
+                    </a:prstClr>
+                  </a:glow>
+                  <a:outerShdw blurRad="44450" dist="12700" dir="13860000" algn="tl" rotWithShape="0">
+                    <a:srgbClr val="000000">
+                      <a:alpha val="20000"/>
+                    </a:srgbClr>
+                  </a:outerShdw>
+                </a:effectLst>
+                <a:ea typeface="+mn-lt"/>
+                <a:cs typeface="+mn-lt"/>
+              </a:rPr>
+              <a:t>//JS Arithmetic</a:t>
+            </a:r>
+          </a:p>
+          <a:p>
+            <a:pPr>
+              <a:buNone/>
+            </a:pPr>
+            <a:r>
+              <a:rPr lang="en-US" sz="1200">
+                <a:effectLst>
+                  <a:glow rad="38100">
+                    <a:prstClr val="black">
+                      <a:lumMod val="50000"/>
+                      <a:lumOff val="50000"/>
+                      <a:alpha val="20000"/>
+                    </a:prstClr>
+                  </a:glow>
+                  <a:outerShdw blurRad="44450" dist="12700" dir="13860000" algn="tl" rotWithShape="0">
+                    <a:srgbClr val="000000">
+                      <a:alpha val="20000"/>
+                    </a:srgbClr>
+                  </a:outerShdw>
+                </a:effectLst>
+                <a:ea typeface="+mn-lt"/>
+                <a:cs typeface="+mn-lt"/>
+              </a:rPr>
+              <a:t>//JS Assignment</a:t>
+            </a:r>
+          </a:p>
+          <a:p>
+            <a:pPr>
+              <a:buNone/>
+            </a:pPr>
+            <a:r>
+              <a:rPr lang="en-US" sz="1200">
+                <a:effectLst>
+                  <a:glow rad="38100">
+                    <a:prstClr val="black">
+                      <a:lumMod val="50000"/>
+                      <a:lumOff val="50000"/>
+                      <a:alpha val="20000"/>
+                    </a:prstClr>
+                  </a:glow>
+                  <a:outerShdw blurRad="44450" dist="12700" dir="13860000" algn="tl" rotWithShape="0">
+                    <a:srgbClr val="000000">
+                      <a:alpha val="20000"/>
+                    </a:srgbClr>
+                  </a:outerShdw>
+                </a:effectLst>
+                <a:ea typeface="+mn-lt"/>
+                <a:cs typeface="+mn-lt"/>
+              </a:rPr>
+              <a:t>//JS Data Types</a:t>
+            </a:r>
+          </a:p>
+          <a:p>
+            <a:pPr>
+              <a:buNone/>
+            </a:pPr>
+            <a:r>
+              <a:rPr lang="en-US" sz="1200">
+                <a:effectLst>
+                  <a:glow rad="38100">
+                    <a:prstClr val="black">
+                      <a:lumMod val="50000"/>
+                      <a:lumOff val="50000"/>
+                      <a:alpha val="20000"/>
+                    </a:prstClr>
+                  </a:glow>
+                  <a:outerShdw blurRad="44450" dist="12700" dir="13860000" algn="tl" rotWithShape="0">
+                    <a:srgbClr val="000000">
+                      <a:alpha val="20000"/>
+                    </a:srgbClr>
+                  </a:outerShdw>
+                </a:effectLst>
+                <a:ea typeface="+mn-lt"/>
+                <a:cs typeface="+mn-lt"/>
+              </a:rPr>
+              <a:t>//JS Functions</a:t>
+            </a:r>
+          </a:p>
+          <a:p>
+            <a:pPr>
+              <a:buNone/>
+            </a:pPr>
+            <a:r>
+              <a:rPr lang="en-US" sz="1200">
+                <a:effectLst>
+                  <a:glow rad="38100">
+                    <a:prstClr val="black">
+                      <a:lumMod val="50000"/>
+                      <a:lumOff val="50000"/>
+                      <a:alpha val="20000"/>
+                    </a:prstClr>
+                  </a:glow>
+                  <a:outerShdw blurRad="44450" dist="12700" dir="13860000" algn="tl" rotWithShape="0">
+                    <a:srgbClr val="000000">
+                      <a:alpha val="20000"/>
+                    </a:srgbClr>
+                  </a:outerShdw>
+                </a:effectLst>
+                <a:ea typeface="+mn-lt"/>
+                <a:cs typeface="+mn-lt"/>
+              </a:rPr>
+              <a:t>//JS Objects</a:t>
+            </a:r>
+          </a:p>
+          <a:p>
+            <a:pPr>
+              <a:buNone/>
+            </a:pPr>
+            <a:r>
+              <a:rPr lang="en-US" sz="1400">
+                <a:effectLst>
+                  <a:glow rad="38100">
+                    <a:prstClr val="black">
+                      <a:lumMod val="50000"/>
+                      <a:lumOff val="50000"/>
+                      <a:alpha val="20000"/>
+                    </a:prstClr>
+                  </a:glow>
+                  <a:outerShdw blurRad="44450" dist="12700" dir="13860000" algn="tl" rotWithShape="0">
+                    <a:srgbClr val="000000">
+                      <a:alpha val="20000"/>
+                    </a:srgbClr>
+                  </a:outerShdw>
+                </a:effectLst>
+                <a:ea typeface="+mn-lt"/>
+                <a:cs typeface="+mn-lt"/>
+              </a:rPr>
+              <a:t>//JS Scope – review global</a:t>
+            </a:r>
+          </a:p>
+          <a:p>
+            <a:pPr>
+              <a:buNone/>
+            </a:pPr>
+            <a:r>
+              <a:rPr lang="en-US" sz="1400">
+                <a:effectLst>
+                  <a:glow rad="38100">
+                    <a:prstClr val="black">
+                      <a:lumMod val="50000"/>
+                      <a:lumOff val="50000"/>
+                      <a:alpha val="20000"/>
+                    </a:prstClr>
+                  </a:glow>
+                  <a:outerShdw blurRad="44450" dist="12700" dir="13860000" algn="tl" rotWithShape="0">
+                    <a:srgbClr val="000000">
+                      <a:alpha val="20000"/>
+                    </a:srgbClr>
+                  </a:outerShdw>
+                </a:effectLst>
+                <a:ea typeface="+mn-lt"/>
+                <a:cs typeface="+mn-lt"/>
+              </a:rPr>
+              <a:t>//JS Events</a:t>
+            </a:r>
+          </a:p>
+          <a:p>
+            <a:pPr marL="0" indent="0">
+              <a:buNone/>
+            </a:pPr>
+            <a:r>
+              <a:rPr lang="en-US" sz="1400">
+                <a:effectLst>
+                  <a:glow rad="38100">
+                    <a:prstClr val="black">
+                      <a:lumMod val="50000"/>
+                      <a:lumOff val="50000"/>
+                      <a:alpha val="20000"/>
+                    </a:prstClr>
+                  </a:glow>
+                  <a:outerShdw blurRad="44450" dist="12700" dir="13860000" algn="tl" rotWithShape="0">
+                    <a:srgbClr val="000000">
+                      <a:alpha val="20000"/>
+                    </a:srgbClr>
+                  </a:outerShdw>
+                </a:effectLst>
+                <a:ea typeface="+mn-lt"/>
+                <a:cs typeface="+mn-lt"/>
+              </a:rPr>
+              <a:t>//JS Strings</a:t>
+            </a:r>
+          </a:p>
+        </p:txBody>
+      </p:sp>
+    </p:spTree>
+    <p:extLst>
+      <p:ext uri="{BB962C8B-B14F-4D97-AF65-F5344CB8AC3E}">
+        <p14:creationId xmlns:p14="http://schemas.microsoft.com/office/powerpoint/2010/main" val="1342843187"/>
+      </p:ext>
+    </p:extLst>
+  </p:cSld>
+  <p:clrMapOvr>
+    <a:masterClrMapping/>
+  </p:clrMapOvr>
+</p:sld>
+</file>
+
+<file path=ppt/slides/slide34.xml><?xml version="1.0" encoding="utf-8"?>
+<p:sld xmlns:a="http://schemas.openxmlformats.org/drawingml/2006/main" xmlns:r="http://schemas.openxmlformats.org/officeDocument/2006/relationships" xmlns:p="http://schemas.openxmlformats.org/presentationml/2006/main">
+  <p:cSld>
+    <p:spTree>
+      <p:nvGrpSpPr>
+        <p:cNvPr id="1" name=""/>
+        <p:cNvGrpSpPr/>
+        <p:nvPr/>
+      </p:nvGrpSpPr>
+      <p:grpSpPr>
+        <a:xfrm>
+          <a:off x="0" y="0"/>
+          <a:ext cx="0" cy="0"/>
+          <a:chOff x="0" y="0"/>
+          <a:chExt cx="0" cy="0"/>
+        </a:xfrm>
+      </p:grpSpPr>
+      <p:sp>
+        <p:nvSpPr>
+          <p:cNvPr id="2" name="Title 1">
+            <a:extLst>
+              <a:ext uri="{FF2B5EF4-FFF2-40B4-BE49-F238E27FC236}">
                 <a16:creationId xmlns:a16="http://schemas.microsoft.com/office/drawing/2014/main" id="{ECCF6F8C-2E13-4296-BD55-0D837BF148FE}"/>
               </a:ext>
             </a:extLst>
@@ -13410,7 +13885,7 @@
 </p:sld>
 </file>
 
-<file path=ppt/slides/slide34.xml><?xml version="1.0" encoding="utf-8"?>
+<file path=ppt/slides/slide35.xml><?xml version="1.0" encoding="utf-8"?>
 <p:sld xmlns:a="http://schemas.openxmlformats.org/drawingml/2006/main" xmlns:r="http://schemas.openxmlformats.org/officeDocument/2006/relationships" xmlns:p="http://schemas.openxmlformats.org/presentationml/2006/main">
   <p:cSld>
     <p:spTree>
@@ -13673,7 +14148,7 @@
 </p:sld>
 </file>
 
-<file path=ppt/slides/slide35.xml><?xml version="1.0" encoding="utf-8"?>
+<file path=ppt/slides/slide36.xml><?xml version="1.0" encoding="utf-8"?>
 <p:sld xmlns:a="http://schemas.openxmlformats.org/drawingml/2006/main" xmlns:r="http://schemas.openxmlformats.org/officeDocument/2006/relationships" xmlns:p="http://schemas.openxmlformats.org/presentationml/2006/main">
   <p:cSld>
     <p:spTree>
@@ -13821,7 +14296,7 @@
 </p:sld>
 </file>
 
-<file path=ppt/slides/slide36.xml><?xml version="1.0" encoding="utf-8"?>
+<file path=ppt/slides/slide37.xml><?xml version="1.0" encoding="utf-8"?>
 <p:sld xmlns:a="http://schemas.openxmlformats.org/drawingml/2006/main" xmlns:r="http://schemas.openxmlformats.org/officeDocument/2006/relationships" xmlns:p="http://schemas.openxmlformats.org/presentationml/2006/main">
   <p:cSld>
     <p:spTree>
@@ -13993,7 +14468,7 @@
 </p:sld>
 </file>
 
-<file path=ppt/slides/slide37.xml><?xml version="1.0" encoding="utf-8"?>
+<file path=ppt/slides/slide38.xml><?xml version="1.0" encoding="utf-8"?>
 <p:sld xmlns:a="http://schemas.openxmlformats.org/drawingml/2006/main" xmlns:r="http://schemas.openxmlformats.org/officeDocument/2006/relationships" xmlns:p="http://schemas.openxmlformats.org/presentationml/2006/main">
   <p:cSld>
     <p:spTree>
@@ -14221,7 +14696,7 @@
 </p:sld>
 </file>
 
-<file path=ppt/slides/slide38.xml><?xml version="1.0" encoding="utf-8"?>
+<file path=ppt/slides/slide39.xml><?xml version="1.0" encoding="utf-8"?>
 <p:sld xmlns:a="http://schemas.openxmlformats.org/drawingml/2006/main" xmlns:r="http://schemas.openxmlformats.org/officeDocument/2006/relationships" xmlns:p="http://schemas.openxmlformats.org/presentationml/2006/main">
   <p:cSld>
     <p:spTree>
@@ -14499,454 +14974,6 @@
   <p:clrMapOvr>
     <a:masterClrMapping/>
   </p:clrMapOvr>
-</p:sld>
-</file>
-
-<file path=ppt/slides/slide39.xml><?xml version="1.0" encoding="utf-8"?>
-<p:sld xmlns:a="http://schemas.openxmlformats.org/drawingml/2006/main" xmlns:r="http://schemas.openxmlformats.org/officeDocument/2006/relationships" xmlns:p="http://schemas.openxmlformats.org/presentationml/2006/main">
-  <p:cSld>
-    <p:spTree>
-      <p:nvGrpSpPr>
-        <p:cNvPr id="1" name=""/>
-        <p:cNvGrpSpPr/>
-        <p:nvPr/>
-      </p:nvGrpSpPr>
-      <p:grpSpPr>
-        <a:xfrm>
-          <a:off x="0" y="0"/>
-          <a:ext cx="0" cy="0"/>
-          <a:chOff x="0" y="0"/>
-          <a:chExt cx="0" cy="0"/>
-        </a:xfrm>
-      </p:grpSpPr>
-      <p:sp>
-        <p:nvSpPr>
-          <p:cNvPr id="2" name="Title 1">
-            <a:extLst>
-              <a:ext uri="{FF2B5EF4-FFF2-40B4-BE49-F238E27FC236}">
-                <a16:creationId xmlns:a16="http://schemas.microsoft.com/office/drawing/2014/main" id="{ECCF6F8C-2E13-4296-BD55-0D837BF148FE}"/>
-              </a:ext>
-            </a:extLst>
-          </p:cNvPr>
-          <p:cNvSpPr>
-            <a:spLocks noGrp="1"/>
-          </p:cNvSpPr>
-          <p:nvPr>
-            <p:ph type="title"/>
-          </p:nvPr>
-        </p:nvSpPr>
-        <p:spPr>
-          <a:xfrm>
-            <a:off x="861228" y="121024"/>
-            <a:ext cx="7055380" cy="710249"/>
-          </a:xfrm>
-        </p:spPr>
-        <p:txBody>
-          <a:bodyPr>
-            <a:normAutofit/>
-          </a:bodyPr>
-          <a:lstStyle/>
-          <a:p>
-            <a:pPr algn="ctr"/>
-            <a:r>
-              <a:rPr lang="en-US" sz="3200" dirty="0"/>
-              <a:t>Example: The Basics</a:t>
-            </a:r>
-            <a:endParaRPr lang="en-US" sz="3200" dirty="0">
-              <a:effectLst>
-                <a:glow rad="38100">
-                  <a:prstClr val="black">
-                    <a:lumMod val="65000"/>
-                    <a:lumOff val="35000"/>
-                    <a:alpha val="40000"/>
-                  </a:prstClr>
-                </a:glow>
-                <a:outerShdw blurRad="28575" dist="38100" dir="14040000" algn="tl" rotWithShape="0">
-                  <a:srgbClr val="000000">
-                    <a:alpha val="25000"/>
-                  </a:srgbClr>
-                </a:outerShdw>
-              </a:effectLst>
-            </a:endParaRPr>
-          </a:p>
-        </p:txBody>
-      </p:sp>
-      <p:sp>
-        <p:nvSpPr>
-          <p:cNvPr id="3" name="TextBox 2">
-            <a:extLst>
-              <a:ext uri="{FF2B5EF4-FFF2-40B4-BE49-F238E27FC236}">
-                <a16:creationId xmlns:a16="http://schemas.microsoft.com/office/drawing/2014/main" id="{E61DBC47-78EB-4073-8B62-19078A06C703}"/>
-              </a:ext>
-            </a:extLst>
-          </p:cNvPr>
-          <p:cNvSpPr txBox="1"/>
-          <p:nvPr/>
-        </p:nvSpPr>
-        <p:spPr>
-          <a:xfrm>
-            <a:off x="430306" y="1299882"/>
-            <a:ext cx="8462682" cy="830997"/>
-          </a:xfrm>
-          <a:prstGeom prst="rect">
-            <a:avLst/>
-          </a:prstGeom>
-          <a:noFill/>
-        </p:spPr>
-        <p:txBody>
-          <a:bodyPr rot="0" spcFirstLastPara="0" vertOverflow="overflow" horzOverflow="overflow" vert="horz" wrap="square" lIns="91440" tIns="45720" rIns="91440" bIns="45720" numCol="1" spcCol="0" rtlCol="0" fromWordArt="0" anchor="t" anchorCtr="0" forceAA="0" compatLnSpc="1">
-            <a:prstTxWarp prst="textNoShape">
-              <a:avLst/>
-            </a:prstTxWarp>
-            <a:spAutoFit/>
-          </a:bodyPr>
-          <a:lstStyle/>
-          <a:p>
-            <a:pPr marL="342900" indent="-342900" algn="just">
-              <a:buFont typeface="Arial,Sans-Serif"/>
-              <a:buChar char="•"/>
-            </a:pPr>
-            <a:r>
-              <a:rPr lang="en-US" sz="2400" dirty="0">
-                <a:ea typeface="+mn-lt"/>
-                <a:cs typeface="+mn-lt"/>
-              </a:rPr>
-              <a:t>Code changes in the debugger won't persist upon page reload, so we'll be working in Visual Studio</a:t>
-            </a:r>
-          </a:p>
-        </p:txBody>
-      </p:sp>
-      <p:sp>
-        <p:nvSpPr>
-          <p:cNvPr id="7" name="TextBox 6">
-            <a:extLst>
-              <a:ext uri="{FF2B5EF4-FFF2-40B4-BE49-F238E27FC236}">
-                <a16:creationId xmlns:a16="http://schemas.microsoft.com/office/drawing/2014/main" id="{DD11F90E-CBD9-49B2-973F-F71F218380B3}"/>
-              </a:ext>
-            </a:extLst>
-          </p:cNvPr>
-          <p:cNvSpPr txBox="1"/>
-          <p:nvPr/>
-        </p:nvSpPr>
-        <p:spPr>
-          <a:xfrm>
-            <a:off x="428624" y="4373095"/>
-            <a:ext cx="8014447" cy="461665"/>
-          </a:xfrm>
-          <a:prstGeom prst="rect">
-            <a:avLst/>
-          </a:prstGeom>
-          <a:noFill/>
-        </p:spPr>
-        <p:txBody>
-          <a:bodyPr rot="0" spcFirstLastPara="0" vertOverflow="overflow" horzOverflow="overflow" vert="horz" wrap="square" lIns="91440" tIns="45720" rIns="91440" bIns="45720" numCol="1" spcCol="0" rtlCol="0" fromWordArt="0" anchor="t" anchorCtr="0" forceAA="0" compatLnSpc="1">
-            <a:prstTxWarp prst="textNoShape">
-              <a:avLst/>
-            </a:prstTxWarp>
-            <a:spAutoFit/>
-          </a:bodyPr>
-          <a:lstStyle/>
-          <a:p>
-            <a:pPr marL="285750" indent="-285750">
-              <a:buFont typeface="Arial"/>
-              <a:buChar char="•"/>
-            </a:pPr>
-            <a:r>
-              <a:rPr lang="en-US" sz="2400" b="1" dirty="0"/>
-              <a:t>Try the exercises in the_basics.js now</a:t>
-            </a:r>
-          </a:p>
-        </p:txBody>
-      </p:sp>
-      <p:sp>
-        <p:nvSpPr>
-          <p:cNvPr id="5" name="TextBox 4">
-            <a:extLst>
-              <a:ext uri="{FF2B5EF4-FFF2-40B4-BE49-F238E27FC236}">
-                <a16:creationId xmlns:a16="http://schemas.microsoft.com/office/drawing/2014/main" id="{B2432976-82BB-437F-B119-134DD09CB02D}"/>
-              </a:ext>
-            </a:extLst>
-          </p:cNvPr>
-          <p:cNvSpPr txBox="1"/>
-          <p:nvPr/>
-        </p:nvSpPr>
-        <p:spPr>
-          <a:xfrm>
-            <a:off x="430306" y="2608729"/>
-            <a:ext cx="8462682" cy="1200329"/>
-          </a:xfrm>
-          <a:prstGeom prst="rect">
-            <a:avLst/>
-          </a:prstGeom>
-          <a:noFill/>
-        </p:spPr>
-        <p:txBody>
-          <a:bodyPr rot="0" spcFirstLastPara="0" vertOverflow="overflow" horzOverflow="overflow" vert="horz" wrap="square" lIns="91440" tIns="45720" rIns="91440" bIns="45720" numCol="1" spcCol="0" rtlCol="0" fromWordArt="0" anchor="t" anchorCtr="0" forceAA="0" compatLnSpc="1">
-            <a:prstTxWarp prst="textNoShape">
-              <a:avLst/>
-            </a:prstTxWarp>
-            <a:spAutoFit/>
-          </a:bodyPr>
-          <a:lstStyle/>
-          <a:p>
-            <a:pPr marL="285750" indent="-285750">
-              <a:buFont typeface="Arial"/>
-              <a:buChar char="•"/>
-            </a:pPr>
-            <a:r>
-              <a:rPr lang="en-US" sz="2400" dirty="0"/>
-              <a:t>Remember to save your changes in Visual Studio, then reload the HTML in Chrome (hit F5) to see them applied </a:t>
-            </a:r>
-            <a:endParaRPr lang="en-US"/>
-          </a:p>
-        </p:txBody>
-      </p:sp>
-      <p:sp>
-        <p:nvSpPr>
-          <p:cNvPr id="9" name="TextBox 8">
-            <a:extLst>
-              <a:ext uri="{FF2B5EF4-FFF2-40B4-BE49-F238E27FC236}">
-                <a16:creationId xmlns:a16="http://schemas.microsoft.com/office/drawing/2014/main" id="{3961B07A-D810-4BDD-AB40-D462755973AB}"/>
-              </a:ext>
-            </a:extLst>
-          </p:cNvPr>
-          <p:cNvSpPr txBox="1"/>
-          <p:nvPr/>
-        </p:nvSpPr>
-        <p:spPr>
-          <a:xfrm>
-            <a:off x="428625" y="5421966"/>
-            <a:ext cx="8014447" cy="830997"/>
-          </a:xfrm>
-          <a:prstGeom prst="rect">
-            <a:avLst/>
-          </a:prstGeom>
-          <a:noFill/>
-        </p:spPr>
-        <p:txBody>
-          <a:bodyPr rot="0" spcFirstLastPara="0" vertOverflow="overflow" horzOverflow="overflow" vert="horz" wrap="square" lIns="91440" tIns="45720" rIns="91440" bIns="45720" numCol="1" spcCol="0" rtlCol="0" fromWordArt="0" anchor="t" anchorCtr="0" forceAA="0" compatLnSpc="1">
-            <a:prstTxWarp prst="textNoShape">
-              <a:avLst/>
-            </a:prstTxWarp>
-            <a:spAutoFit/>
-          </a:bodyPr>
-          <a:lstStyle/>
-          <a:p>
-            <a:pPr marL="285750" indent="-285750">
-              <a:buFont typeface="Arial"/>
-              <a:buChar char="•"/>
-            </a:pPr>
-            <a:r>
-              <a:rPr lang="en-US" sz="2400" dirty="0"/>
-              <a:t>There are solutions in the_basics_solution.js, but try the problems on your own first</a:t>
-            </a:r>
-          </a:p>
-        </p:txBody>
-      </p:sp>
-    </p:spTree>
-    <p:extLst>
-      <p:ext uri="{BB962C8B-B14F-4D97-AF65-F5344CB8AC3E}">
-        <p14:creationId xmlns:p14="http://schemas.microsoft.com/office/powerpoint/2010/main" val="3774311452"/>
-      </p:ext>
-    </p:extLst>
-  </p:cSld>
-  <p:clrMapOvr>
-    <a:masterClrMapping/>
-  </p:clrMapOvr>
-  <p:timing>
-    <p:tnLst>
-      <p:par>
-        <p:cTn id="1" dur="indefinite" restart="never" nodeType="tmRoot">
-          <p:childTnLst>
-            <p:seq concurrent="1" nextAc="seek">
-              <p:cTn id="2" dur="indefinite" nodeType="mainSeq">
-                <p:childTnLst>
-                  <p:par>
-                    <p:cTn id="3" fill="hold">
-                      <p:stCondLst>
-                        <p:cond delay="indefinite"/>
-                      </p:stCondLst>
-                      <p:childTnLst>
-                        <p:par>
-                          <p:cTn id="4" fill="hold">
-                            <p:stCondLst>
-                              <p:cond delay="0"/>
-                            </p:stCondLst>
-                            <p:childTnLst>
-                              <p:par>
-                                <p:cTn id="5" presetID="10" presetClass="entr" presetSubtype="0" fill="hold" grpId="0" nodeType="clickEffect">
-                                  <p:stCondLst>
-                                    <p:cond delay="0"/>
-                                  </p:stCondLst>
-                                  <p:childTnLst>
-                                    <p:set>
-                                      <p:cBhvr>
-                                        <p:cTn id="6" dur="1" fill="hold">
-                                          <p:stCondLst>
-                                            <p:cond delay="0"/>
-                                          </p:stCondLst>
-                                        </p:cTn>
-                                        <p:tgtEl>
-                                          <p:spTgt spid="5"/>
-                                        </p:tgtEl>
-                                        <p:attrNameLst>
-                                          <p:attrName>style.visibility</p:attrName>
-                                        </p:attrNameLst>
-                                      </p:cBhvr>
-                                      <p:to>
-                                        <p:strVal val="visible"/>
-                                      </p:to>
-                                    </p:set>
-                                    <p:animEffect transition="in" filter="fade">
-                                      <p:cBhvr>
-                                        <p:cTn id="7" dur="500"/>
-                                        <p:tgtEl>
-                                          <p:spTgt spid="5"/>
-                                        </p:tgtEl>
-                                      </p:cBhvr>
-                                    </p:animEffect>
-                                  </p:childTnLst>
-                                </p:cTn>
-                              </p:par>
-                            </p:childTnLst>
-                          </p:cTn>
-                        </p:par>
-                      </p:childTnLst>
-                    </p:cTn>
-                  </p:par>
-                  <p:par>
-                    <p:cTn id="8" fill="hold">
-                      <p:stCondLst>
-                        <p:cond delay="indefinite"/>
-                      </p:stCondLst>
-                      <p:childTnLst>
-                        <p:par>
-                          <p:cTn id="9" fill="hold">
-                            <p:stCondLst>
-                              <p:cond delay="0"/>
-                            </p:stCondLst>
-                            <p:childTnLst>
-                              <p:par>
-                                <p:cTn id="10" presetID="10" presetClass="entr" presetSubtype="0" fill="hold" grpId="0" nodeType="clickEffect">
-                                  <p:stCondLst>
-                                    <p:cond delay="0"/>
-                                  </p:stCondLst>
-                                  <p:childTnLst>
-                                    <p:set>
-                                      <p:cBhvr>
-                                        <p:cTn id="11" dur="1" fill="hold">
-                                          <p:stCondLst>
-                                            <p:cond delay="0"/>
-                                          </p:stCondLst>
-                                        </p:cTn>
-                                        <p:tgtEl>
-                                          <p:spTgt spid="7"/>
-                                        </p:tgtEl>
-                                        <p:attrNameLst>
-                                          <p:attrName>style.visibility</p:attrName>
-                                        </p:attrNameLst>
-                                      </p:cBhvr>
-                                      <p:to>
-                                        <p:strVal val="visible"/>
-                                      </p:to>
-                                    </p:set>
-                                    <p:animEffect transition="in" filter="fade">
-                                      <p:cBhvr>
-                                        <p:cTn id="12" dur="500"/>
-                                        <p:tgtEl>
-                                          <p:spTgt spid="7"/>
-                                        </p:tgtEl>
-                                      </p:cBhvr>
-                                    </p:animEffect>
-                                  </p:childTnLst>
-                                </p:cTn>
-                              </p:par>
-                            </p:childTnLst>
-                          </p:cTn>
-                        </p:par>
-                      </p:childTnLst>
-                    </p:cTn>
-                  </p:par>
-                  <p:par>
-                    <p:cTn id="13" fill="hold">
-                      <p:stCondLst>
-                        <p:cond delay="indefinite"/>
-                      </p:stCondLst>
-                      <p:childTnLst>
-                        <p:par>
-                          <p:cTn id="14" fill="hold">
-                            <p:stCondLst>
-                              <p:cond delay="0"/>
-                            </p:stCondLst>
-                            <p:childTnLst>
-                              <p:par>
-                                <p:cTn id="15" presetID="10" presetClass="entr" presetSubtype="0" fill="hold" grpId="0" nodeType="clickEffect">
-                                  <p:stCondLst>
-                                    <p:cond delay="0"/>
-                                  </p:stCondLst>
-                                  <p:childTnLst>
-                                    <p:set>
-                                      <p:cBhvr>
-                                        <p:cTn id="16" dur="1" fill="hold">
-                                          <p:stCondLst>
-                                            <p:cond delay="0"/>
-                                          </p:stCondLst>
-                                        </p:cTn>
-                                        <p:tgtEl>
-                                          <p:spTgt spid="9"/>
-                                        </p:tgtEl>
-                                        <p:attrNameLst>
-                                          <p:attrName>style.visibility</p:attrName>
-                                        </p:attrNameLst>
-                                      </p:cBhvr>
-                                      <p:to>
-                                        <p:strVal val="visible"/>
-                                      </p:to>
-                                    </p:set>
-                                    <p:animEffect transition="in" filter="fade">
-                                      <p:cBhvr>
-                                        <p:cTn id="17" dur="500"/>
-                                        <p:tgtEl>
-                                          <p:spTgt spid="9"/>
-                                        </p:tgtEl>
-                                      </p:cBhvr>
-                                    </p:animEffect>
-                                  </p:childTnLst>
-                                </p:cTn>
-                              </p:par>
-                            </p:childTnLst>
-                          </p:cTn>
-                        </p:par>
-                      </p:childTnLst>
-                    </p:cTn>
-                  </p:par>
-                </p:childTnLst>
-              </p:cTn>
-              <p:prevCondLst>
-                <p:cond evt="onPrev" delay="0">
-                  <p:tgtEl>
-                    <p:sldTgt/>
-                  </p:tgtEl>
-                </p:cond>
-              </p:prevCondLst>
-              <p:nextCondLst>
-                <p:cond evt="onNext" delay="0">
-                  <p:tgtEl>
-                    <p:sldTgt/>
-                  </p:tgtEl>
-                </p:cond>
-              </p:nextCondLst>
-            </p:seq>
-          </p:childTnLst>
-        </p:cTn>
-      </p:par>
-    </p:tnLst>
-    <p:bldLst>
-      <p:bldP spid="7" grpId="0"/>
-      <p:bldP spid="5" grpId="0"/>
-      <p:bldP spid="9" grpId="0"/>
-    </p:bldLst>
-  </p:timing>
 </p:sld>
 </file>
 
@@ -15598,6 +15625,1511 @@
         </p:nvSpPr>
         <p:spPr>
           <a:xfrm>
+            <a:off x="861228" y="121024"/>
+            <a:ext cx="7055380" cy="710249"/>
+          </a:xfrm>
+        </p:spPr>
+        <p:txBody>
+          <a:bodyPr>
+            <a:normAutofit/>
+          </a:bodyPr>
+          <a:lstStyle/>
+          <a:p>
+            <a:pPr algn="ctr"/>
+            <a:r>
+              <a:rPr lang="en-US" sz="3200" dirty="0"/>
+              <a:t>Example: The Basics</a:t>
+            </a:r>
+            <a:endParaRPr lang="en-US" sz="3200" dirty="0">
+              <a:effectLst>
+                <a:glow rad="38100">
+                  <a:prstClr val="black">
+                    <a:lumMod val="65000"/>
+                    <a:lumOff val="35000"/>
+                    <a:alpha val="40000"/>
+                  </a:prstClr>
+                </a:glow>
+                <a:outerShdw blurRad="28575" dist="38100" dir="14040000" algn="tl" rotWithShape="0">
+                  <a:srgbClr val="000000">
+                    <a:alpha val="25000"/>
+                  </a:srgbClr>
+                </a:outerShdw>
+              </a:effectLst>
+            </a:endParaRPr>
+          </a:p>
+        </p:txBody>
+      </p:sp>
+      <p:sp>
+        <p:nvSpPr>
+          <p:cNvPr id="3" name="TextBox 2">
+            <a:extLst>
+              <a:ext uri="{FF2B5EF4-FFF2-40B4-BE49-F238E27FC236}">
+                <a16:creationId xmlns:a16="http://schemas.microsoft.com/office/drawing/2014/main" id="{E61DBC47-78EB-4073-8B62-19078A06C703}"/>
+              </a:ext>
+            </a:extLst>
+          </p:cNvPr>
+          <p:cNvSpPr txBox="1"/>
+          <p:nvPr/>
+        </p:nvSpPr>
+        <p:spPr>
+          <a:xfrm>
+            <a:off x="430306" y="1299882"/>
+            <a:ext cx="8462682" cy="830997"/>
+          </a:xfrm>
+          <a:prstGeom prst="rect">
+            <a:avLst/>
+          </a:prstGeom>
+          <a:noFill/>
+        </p:spPr>
+        <p:txBody>
+          <a:bodyPr rot="0" spcFirstLastPara="0" vertOverflow="overflow" horzOverflow="overflow" vert="horz" wrap="square" lIns="91440" tIns="45720" rIns="91440" bIns="45720" numCol="1" spcCol="0" rtlCol="0" fromWordArt="0" anchor="t" anchorCtr="0" forceAA="0" compatLnSpc="1">
+            <a:prstTxWarp prst="textNoShape">
+              <a:avLst/>
+            </a:prstTxWarp>
+            <a:spAutoFit/>
+          </a:bodyPr>
+          <a:lstStyle/>
+          <a:p>
+            <a:pPr marL="342900" indent="-342900" algn="just">
+              <a:buFont typeface="Arial,Sans-Serif"/>
+              <a:buChar char="•"/>
+            </a:pPr>
+            <a:r>
+              <a:rPr lang="en-US" sz="2400" dirty="0">
+                <a:ea typeface="+mn-lt"/>
+                <a:cs typeface="+mn-lt"/>
+              </a:rPr>
+              <a:t>Code changes in the debugger won't persist upon page reload, so we'll be working in Visual Studio</a:t>
+            </a:r>
+          </a:p>
+        </p:txBody>
+      </p:sp>
+      <p:sp>
+        <p:nvSpPr>
+          <p:cNvPr id="7" name="TextBox 6">
+            <a:extLst>
+              <a:ext uri="{FF2B5EF4-FFF2-40B4-BE49-F238E27FC236}">
+                <a16:creationId xmlns:a16="http://schemas.microsoft.com/office/drawing/2014/main" id="{DD11F90E-CBD9-49B2-973F-F71F218380B3}"/>
+              </a:ext>
+            </a:extLst>
+          </p:cNvPr>
+          <p:cNvSpPr txBox="1"/>
+          <p:nvPr/>
+        </p:nvSpPr>
+        <p:spPr>
+          <a:xfrm>
+            <a:off x="428624" y="4373095"/>
+            <a:ext cx="8014447" cy="461665"/>
+          </a:xfrm>
+          <a:prstGeom prst="rect">
+            <a:avLst/>
+          </a:prstGeom>
+          <a:noFill/>
+        </p:spPr>
+        <p:txBody>
+          <a:bodyPr rot="0" spcFirstLastPara="0" vertOverflow="overflow" horzOverflow="overflow" vert="horz" wrap="square" lIns="91440" tIns="45720" rIns="91440" bIns="45720" numCol="1" spcCol="0" rtlCol="0" fromWordArt="0" anchor="t" anchorCtr="0" forceAA="0" compatLnSpc="1">
+            <a:prstTxWarp prst="textNoShape">
+              <a:avLst/>
+            </a:prstTxWarp>
+            <a:spAutoFit/>
+          </a:bodyPr>
+          <a:lstStyle/>
+          <a:p>
+            <a:pPr marL="285750" indent="-285750">
+              <a:buFont typeface="Arial"/>
+              <a:buChar char="•"/>
+            </a:pPr>
+            <a:r>
+              <a:rPr lang="en-US" sz="2400" b="1" dirty="0"/>
+              <a:t>Try the exercises in the_basics.js now</a:t>
+            </a:r>
+          </a:p>
+        </p:txBody>
+      </p:sp>
+      <p:sp>
+        <p:nvSpPr>
+          <p:cNvPr id="5" name="TextBox 4">
+            <a:extLst>
+              <a:ext uri="{FF2B5EF4-FFF2-40B4-BE49-F238E27FC236}">
+                <a16:creationId xmlns:a16="http://schemas.microsoft.com/office/drawing/2014/main" id="{B2432976-82BB-437F-B119-134DD09CB02D}"/>
+              </a:ext>
+            </a:extLst>
+          </p:cNvPr>
+          <p:cNvSpPr txBox="1"/>
+          <p:nvPr/>
+        </p:nvSpPr>
+        <p:spPr>
+          <a:xfrm>
+            <a:off x="430306" y="2608729"/>
+            <a:ext cx="8462682" cy="1200329"/>
+          </a:xfrm>
+          <a:prstGeom prst="rect">
+            <a:avLst/>
+          </a:prstGeom>
+          <a:noFill/>
+        </p:spPr>
+        <p:txBody>
+          <a:bodyPr rot="0" spcFirstLastPara="0" vertOverflow="overflow" horzOverflow="overflow" vert="horz" wrap="square" lIns="91440" tIns="45720" rIns="91440" bIns="45720" numCol="1" spcCol="0" rtlCol="0" fromWordArt="0" anchor="t" anchorCtr="0" forceAA="0" compatLnSpc="1">
+            <a:prstTxWarp prst="textNoShape">
+              <a:avLst/>
+            </a:prstTxWarp>
+            <a:spAutoFit/>
+          </a:bodyPr>
+          <a:lstStyle/>
+          <a:p>
+            <a:pPr marL="285750" indent="-285750">
+              <a:buFont typeface="Arial"/>
+              <a:buChar char="•"/>
+            </a:pPr>
+            <a:r>
+              <a:rPr lang="en-US" sz="2400" dirty="0"/>
+              <a:t>Remember to save your changes in Visual Studio, then reload the HTML in Chrome (hit F5) to see them applied </a:t>
+            </a:r>
+            <a:endParaRPr lang="en-US"/>
+          </a:p>
+        </p:txBody>
+      </p:sp>
+      <p:sp>
+        <p:nvSpPr>
+          <p:cNvPr id="9" name="TextBox 8">
+            <a:extLst>
+              <a:ext uri="{FF2B5EF4-FFF2-40B4-BE49-F238E27FC236}">
+                <a16:creationId xmlns:a16="http://schemas.microsoft.com/office/drawing/2014/main" id="{3961B07A-D810-4BDD-AB40-D462755973AB}"/>
+              </a:ext>
+            </a:extLst>
+          </p:cNvPr>
+          <p:cNvSpPr txBox="1"/>
+          <p:nvPr/>
+        </p:nvSpPr>
+        <p:spPr>
+          <a:xfrm>
+            <a:off x="428625" y="5421966"/>
+            <a:ext cx="8014447" cy="830997"/>
+          </a:xfrm>
+          <a:prstGeom prst="rect">
+            <a:avLst/>
+          </a:prstGeom>
+          <a:noFill/>
+        </p:spPr>
+        <p:txBody>
+          <a:bodyPr rot="0" spcFirstLastPara="0" vertOverflow="overflow" horzOverflow="overflow" vert="horz" wrap="square" lIns="91440" tIns="45720" rIns="91440" bIns="45720" numCol="1" spcCol="0" rtlCol="0" fromWordArt="0" anchor="t" anchorCtr="0" forceAA="0" compatLnSpc="1">
+            <a:prstTxWarp prst="textNoShape">
+              <a:avLst/>
+            </a:prstTxWarp>
+            <a:spAutoFit/>
+          </a:bodyPr>
+          <a:lstStyle/>
+          <a:p>
+            <a:pPr marL="285750" indent="-285750">
+              <a:buFont typeface="Arial"/>
+              <a:buChar char="•"/>
+            </a:pPr>
+            <a:r>
+              <a:rPr lang="en-US" sz="2400" dirty="0"/>
+              <a:t>There are solutions in the_basics_solution.js, but try the problems on your own first</a:t>
+            </a:r>
+          </a:p>
+        </p:txBody>
+      </p:sp>
+    </p:spTree>
+    <p:extLst>
+      <p:ext uri="{BB962C8B-B14F-4D97-AF65-F5344CB8AC3E}">
+        <p14:creationId xmlns:p14="http://schemas.microsoft.com/office/powerpoint/2010/main" val="3774311452"/>
+      </p:ext>
+    </p:extLst>
+  </p:cSld>
+  <p:clrMapOvr>
+    <a:masterClrMapping/>
+  </p:clrMapOvr>
+  <p:timing>
+    <p:tnLst>
+      <p:par>
+        <p:cTn id="1" dur="indefinite" restart="never" nodeType="tmRoot">
+          <p:childTnLst>
+            <p:seq concurrent="1" nextAc="seek">
+              <p:cTn id="2" dur="indefinite" nodeType="mainSeq">
+                <p:childTnLst>
+                  <p:par>
+                    <p:cTn id="3" fill="hold">
+                      <p:stCondLst>
+                        <p:cond delay="indefinite"/>
+                      </p:stCondLst>
+                      <p:childTnLst>
+                        <p:par>
+                          <p:cTn id="4" fill="hold">
+                            <p:stCondLst>
+                              <p:cond delay="0"/>
+                            </p:stCondLst>
+                            <p:childTnLst>
+                              <p:par>
+                                <p:cTn id="5" presetID="10" presetClass="entr" presetSubtype="0" fill="hold" grpId="0" nodeType="clickEffect">
+                                  <p:stCondLst>
+                                    <p:cond delay="0"/>
+                                  </p:stCondLst>
+                                  <p:childTnLst>
+                                    <p:set>
+                                      <p:cBhvr>
+                                        <p:cTn id="6" dur="1" fill="hold">
+                                          <p:stCondLst>
+                                            <p:cond delay="0"/>
+                                          </p:stCondLst>
+                                        </p:cTn>
+                                        <p:tgtEl>
+                                          <p:spTgt spid="5"/>
+                                        </p:tgtEl>
+                                        <p:attrNameLst>
+                                          <p:attrName>style.visibility</p:attrName>
+                                        </p:attrNameLst>
+                                      </p:cBhvr>
+                                      <p:to>
+                                        <p:strVal val="visible"/>
+                                      </p:to>
+                                    </p:set>
+                                    <p:animEffect transition="in" filter="fade">
+                                      <p:cBhvr>
+                                        <p:cTn id="7" dur="500"/>
+                                        <p:tgtEl>
+                                          <p:spTgt spid="5"/>
+                                        </p:tgtEl>
+                                      </p:cBhvr>
+                                    </p:animEffect>
+                                  </p:childTnLst>
+                                </p:cTn>
+                              </p:par>
+                            </p:childTnLst>
+                          </p:cTn>
+                        </p:par>
+                      </p:childTnLst>
+                    </p:cTn>
+                  </p:par>
+                  <p:par>
+                    <p:cTn id="8" fill="hold">
+                      <p:stCondLst>
+                        <p:cond delay="indefinite"/>
+                      </p:stCondLst>
+                      <p:childTnLst>
+                        <p:par>
+                          <p:cTn id="9" fill="hold">
+                            <p:stCondLst>
+                              <p:cond delay="0"/>
+                            </p:stCondLst>
+                            <p:childTnLst>
+                              <p:par>
+                                <p:cTn id="10" presetID="10" presetClass="entr" presetSubtype="0" fill="hold" grpId="0" nodeType="clickEffect">
+                                  <p:stCondLst>
+                                    <p:cond delay="0"/>
+                                  </p:stCondLst>
+                                  <p:childTnLst>
+                                    <p:set>
+                                      <p:cBhvr>
+                                        <p:cTn id="11" dur="1" fill="hold">
+                                          <p:stCondLst>
+                                            <p:cond delay="0"/>
+                                          </p:stCondLst>
+                                        </p:cTn>
+                                        <p:tgtEl>
+                                          <p:spTgt spid="7"/>
+                                        </p:tgtEl>
+                                        <p:attrNameLst>
+                                          <p:attrName>style.visibility</p:attrName>
+                                        </p:attrNameLst>
+                                      </p:cBhvr>
+                                      <p:to>
+                                        <p:strVal val="visible"/>
+                                      </p:to>
+                                    </p:set>
+                                    <p:animEffect transition="in" filter="fade">
+                                      <p:cBhvr>
+                                        <p:cTn id="12" dur="500"/>
+                                        <p:tgtEl>
+                                          <p:spTgt spid="7"/>
+                                        </p:tgtEl>
+                                      </p:cBhvr>
+                                    </p:animEffect>
+                                  </p:childTnLst>
+                                </p:cTn>
+                              </p:par>
+                            </p:childTnLst>
+                          </p:cTn>
+                        </p:par>
+                      </p:childTnLst>
+                    </p:cTn>
+                  </p:par>
+                  <p:par>
+                    <p:cTn id="13" fill="hold">
+                      <p:stCondLst>
+                        <p:cond delay="indefinite"/>
+                      </p:stCondLst>
+                      <p:childTnLst>
+                        <p:par>
+                          <p:cTn id="14" fill="hold">
+                            <p:stCondLst>
+                              <p:cond delay="0"/>
+                            </p:stCondLst>
+                            <p:childTnLst>
+                              <p:par>
+                                <p:cTn id="15" presetID="10" presetClass="entr" presetSubtype="0" fill="hold" grpId="0" nodeType="clickEffect">
+                                  <p:stCondLst>
+                                    <p:cond delay="0"/>
+                                  </p:stCondLst>
+                                  <p:childTnLst>
+                                    <p:set>
+                                      <p:cBhvr>
+                                        <p:cTn id="16" dur="1" fill="hold">
+                                          <p:stCondLst>
+                                            <p:cond delay="0"/>
+                                          </p:stCondLst>
+                                        </p:cTn>
+                                        <p:tgtEl>
+                                          <p:spTgt spid="9"/>
+                                        </p:tgtEl>
+                                        <p:attrNameLst>
+                                          <p:attrName>style.visibility</p:attrName>
+                                        </p:attrNameLst>
+                                      </p:cBhvr>
+                                      <p:to>
+                                        <p:strVal val="visible"/>
+                                      </p:to>
+                                    </p:set>
+                                    <p:animEffect transition="in" filter="fade">
+                                      <p:cBhvr>
+                                        <p:cTn id="17" dur="500"/>
+                                        <p:tgtEl>
+                                          <p:spTgt spid="9"/>
+                                        </p:tgtEl>
+                                      </p:cBhvr>
+                                    </p:animEffect>
+                                  </p:childTnLst>
+                                </p:cTn>
+                              </p:par>
+                            </p:childTnLst>
+                          </p:cTn>
+                        </p:par>
+                      </p:childTnLst>
+                    </p:cTn>
+                  </p:par>
+                </p:childTnLst>
+              </p:cTn>
+              <p:prevCondLst>
+                <p:cond evt="onPrev" delay="0">
+                  <p:tgtEl>
+                    <p:sldTgt/>
+                  </p:tgtEl>
+                </p:cond>
+              </p:prevCondLst>
+              <p:nextCondLst>
+                <p:cond evt="onNext" delay="0">
+                  <p:tgtEl>
+                    <p:sldTgt/>
+                  </p:tgtEl>
+                </p:cond>
+              </p:nextCondLst>
+            </p:seq>
+          </p:childTnLst>
+        </p:cTn>
+      </p:par>
+    </p:tnLst>
+    <p:bldLst>
+      <p:bldP spid="7" grpId="0"/>
+      <p:bldP spid="5" grpId="0"/>
+      <p:bldP spid="9" grpId="0"/>
+    </p:bldLst>
+  </p:timing>
+</p:sld>
+</file>
+
+<file path=ppt/slides/slide41.xml><?xml version="1.0" encoding="utf-8"?>
+<p:sld xmlns:a="http://schemas.openxmlformats.org/drawingml/2006/main" xmlns:r="http://schemas.openxmlformats.org/officeDocument/2006/relationships" xmlns:p="http://schemas.openxmlformats.org/presentationml/2006/main">
+  <p:cSld>
+    <p:spTree>
+      <p:nvGrpSpPr>
+        <p:cNvPr id="1" name=""/>
+        <p:cNvGrpSpPr/>
+        <p:nvPr/>
+      </p:nvGrpSpPr>
+      <p:grpSpPr>
+        <a:xfrm>
+          <a:off x="0" y="0"/>
+          <a:ext cx="0" cy="0"/>
+          <a:chOff x="0" y="0"/>
+          <a:chExt cx="0" cy="0"/>
+        </a:xfrm>
+      </p:grpSpPr>
+      <p:sp>
+        <p:nvSpPr>
+          <p:cNvPr id="2" name="Title 1">
+            <a:extLst>
+              <a:ext uri="{FF2B5EF4-FFF2-40B4-BE49-F238E27FC236}">
+                <a16:creationId xmlns:a16="http://schemas.microsoft.com/office/drawing/2014/main" id="{E79991AE-7CE8-4405-AD5B-B465CD58A633}"/>
+              </a:ext>
+            </a:extLst>
+          </p:cNvPr>
+          <p:cNvSpPr>
+            <a:spLocks noGrp="1"/>
+          </p:cNvSpPr>
+          <p:nvPr>
+            <p:ph type="title"/>
+          </p:nvPr>
+        </p:nvSpPr>
+        <p:spPr>
+          <a:xfrm>
+            <a:off x="-2635694" y="-373001"/>
+            <a:ext cx="7511473" cy="1312480"/>
+          </a:xfrm>
+        </p:spPr>
+        <p:txBody>
+          <a:bodyPr>
+            <a:normAutofit/>
+          </a:bodyPr>
+          <a:lstStyle/>
+          <a:p>
+            <a:pPr algn="ctr"/>
+            <a:r>
+              <a:rPr lang="en-US" sz="3200"/>
+              <a:t>NOTE TO US</a:t>
+            </a:r>
+            <a:endParaRPr lang="en-US"/>
+          </a:p>
+        </p:txBody>
+      </p:sp>
+      <p:sp>
+        <p:nvSpPr>
+          <p:cNvPr id="3" name="Content Placeholder 2">
+            <a:extLst>
+              <a:ext uri="{FF2B5EF4-FFF2-40B4-BE49-F238E27FC236}">
+                <a16:creationId xmlns:a16="http://schemas.microsoft.com/office/drawing/2014/main" id="{AF8D3678-114A-4DF5-8D81-1D3A1BA02B55}"/>
+              </a:ext>
+            </a:extLst>
+          </p:cNvPr>
+          <p:cNvSpPr>
+            <a:spLocks noGrp="1"/>
+          </p:cNvSpPr>
+          <p:nvPr>
+            <p:ph idx="1"/>
+          </p:nvPr>
+        </p:nvSpPr>
+        <p:spPr>
+          <a:xfrm>
+            <a:off x="2431742" y="-31481"/>
+            <a:ext cx="6711654" cy="6827373"/>
+          </a:xfrm>
+        </p:spPr>
+        <p:txBody>
+          <a:bodyPr vert="horz" lIns="91440" tIns="45720" rIns="91440" bIns="45720" rtlCol="0" anchor="t">
+            <a:noAutofit/>
+          </a:bodyPr>
+          <a:lstStyle/>
+          <a:p>
+            <a:pPr marL="0" indent="0">
+              <a:buNone/>
+            </a:pPr>
+            <a:r>
+              <a:rPr lang="en-US" sz="2800" dirty="0">
+                <a:ea typeface="+mj-lt"/>
+                <a:cs typeface="+mj-lt"/>
+              </a:rPr>
+              <a:t>Cover the following on w3schools before moving to the 'MORE </a:t>
+            </a:r>
+            <a:r>
+              <a:rPr lang="en-US" sz="2800">
+                <a:ea typeface="+mj-lt"/>
+                <a:cs typeface="+mj-lt"/>
+              </a:rPr>
+              <a:t>BASICS' slide that follows!</a:t>
+            </a:r>
+            <a:endParaRPr lang="en-US">
+              <a:effectLst>
+                <a:glow rad="38100">
+                  <a:prstClr val="black">
+                    <a:lumMod val="50000"/>
+                    <a:lumOff val="50000"/>
+                    <a:alpha val="20000"/>
+                  </a:prstClr>
+                </a:glow>
+                <a:outerShdw blurRad="44450" dist="12700" dir="13860000" algn="tl" rotWithShape="0">
+                  <a:srgbClr val="000000">
+                    <a:alpha val="20000"/>
+                  </a:srgbClr>
+                </a:outerShdw>
+              </a:effectLst>
+              <a:ea typeface="+mj-lt"/>
+              <a:cs typeface="+mj-lt"/>
+            </a:endParaRPr>
+          </a:p>
+          <a:p>
+            <a:pPr>
+              <a:buNone/>
+            </a:pPr>
+            <a:r>
+              <a:rPr lang="en-US" sz="900">
+                <a:effectLst>
+                  <a:glow rad="38100">
+                    <a:prstClr val="black">
+                      <a:lumMod val="50000"/>
+                      <a:lumOff val="50000"/>
+                      <a:alpha val="20000"/>
+                    </a:prstClr>
+                  </a:glow>
+                  <a:outerShdw blurRad="44450" dist="12700" dir="13860000" algn="tl" rotWithShape="0">
+                    <a:srgbClr val="000000">
+                      <a:alpha val="20000"/>
+                    </a:srgbClr>
+                  </a:outerShdw>
+                </a:effectLst>
+                <a:ea typeface="+mn-lt"/>
+                <a:cs typeface="+mn-lt"/>
+              </a:rPr>
+              <a:t>//JS String Methods</a:t>
+            </a:r>
+            <a:endParaRPr lang="en-US" sz="1100">
+              <a:effectLst>
+                <a:glow rad="38100">
+                  <a:prstClr val="black">
+                    <a:lumMod val="50000"/>
+                    <a:lumOff val="50000"/>
+                    <a:alpha val="20000"/>
+                  </a:prstClr>
+                </a:glow>
+                <a:outerShdw blurRad="44450" dist="12700" dir="13860000" algn="tl" rotWithShape="0">
+                  <a:srgbClr val="000000">
+                    <a:alpha val="20000"/>
+                  </a:srgbClr>
+                </a:outerShdw>
+              </a:effectLst>
+            </a:endParaRPr>
+          </a:p>
+          <a:p>
+            <a:pPr>
+              <a:buNone/>
+            </a:pPr>
+            <a:r>
+              <a:rPr lang="en-US" sz="900">
+                <a:effectLst>
+                  <a:glow rad="38100">
+                    <a:prstClr val="black">
+                      <a:lumMod val="50000"/>
+                      <a:lumOff val="50000"/>
+                      <a:alpha val="20000"/>
+                    </a:prstClr>
+                  </a:glow>
+                  <a:outerShdw blurRad="44450" dist="12700" dir="13860000" algn="tl" rotWithShape="0">
+                    <a:srgbClr val="000000">
+                      <a:alpha val="20000"/>
+                    </a:srgbClr>
+                  </a:outerShdw>
+                </a:effectLst>
+                <a:ea typeface="+mn-lt"/>
+                <a:cs typeface="+mn-lt"/>
+              </a:rPr>
+              <a:t>//JS Numbers</a:t>
+            </a:r>
+            <a:endParaRPr lang="en-US" sz="1100">
+              <a:effectLst>
+                <a:glow rad="38100">
+                  <a:prstClr val="black">
+                    <a:lumMod val="50000"/>
+                    <a:lumOff val="50000"/>
+                    <a:alpha val="20000"/>
+                  </a:prstClr>
+                </a:glow>
+                <a:outerShdw blurRad="44450" dist="12700" dir="13860000" algn="tl" rotWithShape="0">
+                  <a:srgbClr val="000000">
+                    <a:alpha val="20000"/>
+                  </a:srgbClr>
+                </a:outerShdw>
+              </a:effectLst>
+            </a:endParaRPr>
+          </a:p>
+          <a:p>
+            <a:pPr>
+              <a:buNone/>
+            </a:pPr>
+            <a:r>
+              <a:rPr lang="en-US" sz="900">
+                <a:effectLst>
+                  <a:glow rad="38100">
+                    <a:prstClr val="black">
+                      <a:lumMod val="50000"/>
+                      <a:lumOff val="50000"/>
+                      <a:alpha val="20000"/>
+                    </a:prstClr>
+                  </a:glow>
+                  <a:outerShdw blurRad="44450" dist="12700" dir="13860000" algn="tl" rotWithShape="0">
+                    <a:srgbClr val="000000">
+                      <a:alpha val="20000"/>
+                    </a:srgbClr>
+                  </a:outerShdw>
+                </a:effectLst>
+                <a:ea typeface="+mn-lt"/>
+                <a:cs typeface="+mn-lt"/>
+              </a:rPr>
+              <a:t>//JS Number Methods</a:t>
+            </a:r>
+            <a:endParaRPr lang="en-US" sz="1100">
+              <a:effectLst>
+                <a:glow rad="38100">
+                  <a:prstClr val="black">
+                    <a:lumMod val="50000"/>
+                    <a:lumOff val="50000"/>
+                    <a:alpha val="20000"/>
+                  </a:prstClr>
+                </a:glow>
+                <a:outerShdw blurRad="44450" dist="12700" dir="13860000" algn="tl" rotWithShape="0">
+                  <a:srgbClr val="000000">
+                    <a:alpha val="20000"/>
+                  </a:srgbClr>
+                </a:outerShdw>
+              </a:effectLst>
+            </a:endParaRPr>
+          </a:p>
+          <a:p>
+            <a:pPr>
+              <a:buNone/>
+            </a:pPr>
+            <a:r>
+              <a:rPr lang="en-US" sz="900">
+                <a:effectLst>
+                  <a:glow rad="38100">
+                    <a:prstClr val="black">
+                      <a:lumMod val="50000"/>
+                      <a:lumOff val="50000"/>
+                      <a:alpha val="20000"/>
+                    </a:prstClr>
+                  </a:glow>
+                  <a:outerShdw blurRad="44450" dist="12700" dir="13860000" algn="tl" rotWithShape="0">
+                    <a:srgbClr val="000000">
+                      <a:alpha val="20000"/>
+                    </a:srgbClr>
+                  </a:outerShdw>
+                </a:effectLst>
+                <a:ea typeface="+mn-lt"/>
+                <a:cs typeface="+mn-lt"/>
+              </a:rPr>
+              <a:t>//JS Arrays</a:t>
+            </a:r>
+            <a:endParaRPr lang="en-US" sz="1100">
+              <a:effectLst>
+                <a:glow rad="38100">
+                  <a:prstClr val="black">
+                    <a:lumMod val="50000"/>
+                    <a:lumOff val="50000"/>
+                    <a:alpha val="20000"/>
+                  </a:prstClr>
+                </a:glow>
+                <a:outerShdw blurRad="44450" dist="12700" dir="13860000" algn="tl" rotWithShape="0">
+                  <a:srgbClr val="000000">
+                    <a:alpha val="20000"/>
+                  </a:srgbClr>
+                </a:outerShdw>
+              </a:effectLst>
+            </a:endParaRPr>
+          </a:p>
+          <a:p>
+            <a:pPr>
+              <a:buNone/>
+            </a:pPr>
+            <a:r>
+              <a:rPr lang="en-US" sz="900">
+                <a:effectLst>
+                  <a:glow rad="38100">
+                    <a:prstClr val="black">
+                      <a:lumMod val="50000"/>
+                      <a:lumOff val="50000"/>
+                      <a:alpha val="20000"/>
+                    </a:prstClr>
+                  </a:glow>
+                  <a:outerShdw blurRad="44450" dist="12700" dir="13860000" algn="tl" rotWithShape="0">
+                    <a:srgbClr val="000000">
+                      <a:alpha val="20000"/>
+                    </a:srgbClr>
+                  </a:outerShdw>
+                </a:effectLst>
+                <a:ea typeface="+mn-lt"/>
+                <a:cs typeface="+mn-lt"/>
+              </a:rPr>
+              <a:t>//JS Array Methods</a:t>
+            </a:r>
+            <a:endParaRPr lang="en-US" sz="1100">
+              <a:effectLst>
+                <a:glow rad="38100">
+                  <a:prstClr val="black">
+                    <a:lumMod val="50000"/>
+                    <a:lumOff val="50000"/>
+                    <a:alpha val="20000"/>
+                  </a:prstClr>
+                </a:glow>
+                <a:outerShdw blurRad="44450" dist="12700" dir="13860000" algn="tl" rotWithShape="0">
+                  <a:srgbClr val="000000">
+                    <a:alpha val="20000"/>
+                  </a:srgbClr>
+                </a:outerShdw>
+              </a:effectLst>
+            </a:endParaRPr>
+          </a:p>
+          <a:p>
+            <a:pPr>
+              <a:buNone/>
+            </a:pPr>
+            <a:r>
+              <a:rPr lang="en-US" sz="900">
+                <a:effectLst>
+                  <a:glow rad="38100">
+                    <a:prstClr val="black">
+                      <a:lumMod val="50000"/>
+                      <a:lumOff val="50000"/>
+                      <a:alpha val="20000"/>
+                    </a:prstClr>
+                  </a:glow>
+                  <a:outerShdw blurRad="44450" dist="12700" dir="13860000" algn="tl" rotWithShape="0">
+                    <a:srgbClr val="000000">
+                      <a:alpha val="20000"/>
+                    </a:srgbClr>
+                  </a:outerShdw>
+                </a:effectLst>
+                <a:ea typeface="+mn-lt"/>
+                <a:cs typeface="+mn-lt"/>
+              </a:rPr>
+              <a:t>//JS Array Sort</a:t>
+            </a:r>
+            <a:endParaRPr lang="en-US" sz="1100">
+              <a:effectLst>
+                <a:glow rad="38100">
+                  <a:prstClr val="black">
+                    <a:lumMod val="50000"/>
+                    <a:lumOff val="50000"/>
+                    <a:alpha val="20000"/>
+                  </a:prstClr>
+                </a:glow>
+                <a:outerShdw blurRad="44450" dist="12700" dir="13860000" algn="tl" rotWithShape="0">
+                  <a:srgbClr val="000000">
+                    <a:alpha val="20000"/>
+                  </a:srgbClr>
+                </a:outerShdw>
+              </a:effectLst>
+            </a:endParaRPr>
+          </a:p>
+          <a:p>
+            <a:pPr>
+              <a:buNone/>
+            </a:pPr>
+            <a:r>
+              <a:rPr lang="en-US" sz="900">
+                <a:effectLst>
+                  <a:glow rad="38100">
+                    <a:prstClr val="black">
+                      <a:lumMod val="50000"/>
+                      <a:lumOff val="50000"/>
+                      <a:alpha val="20000"/>
+                    </a:prstClr>
+                  </a:glow>
+                  <a:outerShdw blurRad="44450" dist="12700" dir="13860000" algn="tl" rotWithShape="0">
+                    <a:srgbClr val="000000">
+                      <a:alpha val="20000"/>
+                    </a:srgbClr>
+                  </a:outerShdw>
+                </a:effectLst>
+                <a:ea typeface="+mn-lt"/>
+                <a:cs typeface="+mn-lt"/>
+              </a:rPr>
+              <a:t>//JS Dates</a:t>
+            </a:r>
+            <a:endParaRPr lang="en-US" sz="1100">
+              <a:effectLst>
+                <a:glow rad="38100">
+                  <a:prstClr val="black">
+                    <a:lumMod val="50000"/>
+                    <a:lumOff val="50000"/>
+                    <a:alpha val="20000"/>
+                  </a:prstClr>
+                </a:glow>
+                <a:outerShdw blurRad="44450" dist="12700" dir="13860000" algn="tl" rotWithShape="0">
+                  <a:srgbClr val="000000">
+                    <a:alpha val="20000"/>
+                  </a:srgbClr>
+                </a:outerShdw>
+              </a:effectLst>
+            </a:endParaRPr>
+          </a:p>
+          <a:p>
+            <a:pPr>
+              <a:buNone/>
+            </a:pPr>
+            <a:r>
+              <a:rPr lang="en-US" sz="900">
+                <a:effectLst>
+                  <a:glow rad="38100">
+                    <a:prstClr val="black">
+                      <a:lumMod val="50000"/>
+                      <a:lumOff val="50000"/>
+                      <a:alpha val="20000"/>
+                    </a:prstClr>
+                  </a:glow>
+                  <a:outerShdw blurRad="44450" dist="12700" dir="13860000" algn="tl" rotWithShape="0">
+                    <a:srgbClr val="000000">
+                      <a:alpha val="20000"/>
+                    </a:srgbClr>
+                  </a:outerShdw>
+                </a:effectLst>
+                <a:ea typeface="+mn-lt"/>
+                <a:cs typeface="+mn-lt"/>
+              </a:rPr>
+              <a:t>//JS Date Formats</a:t>
+            </a:r>
+            <a:endParaRPr lang="en-US" sz="1100">
+              <a:effectLst>
+                <a:glow rad="38100">
+                  <a:prstClr val="black">
+                    <a:lumMod val="50000"/>
+                    <a:lumOff val="50000"/>
+                    <a:alpha val="20000"/>
+                  </a:prstClr>
+                </a:glow>
+                <a:outerShdw blurRad="44450" dist="12700" dir="13860000" algn="tl" rotWithShape="0">
+                  <a:srgbClr val="000000">
+                    <a:alpha val="20000"/>
+                  </a:srgbClr>
+                </a:outerShdw>
+              </a:effectLst>
+            </a:endParaRPr>
+          </a:p>
+          <a:p>
+            <a:pPr>
+              <a:buNone/>
+            </a:pPr>
+            <a:r>
+              <a:rPr lang="en-US" sz="900">
+                <a:effectLst>
+                  <a:glow rad="38100">
+                    <a:prstClr val="black">
+                      <a:lumMod val="50000"/>
+                      <a:lumOff val="50000"/>
+                      <a:alpha val="20000"/>
+                    </a:prstClr>
+                  </a:glow>
+                  <a:outerShdw blurRad="44450" dist="12700" dir="13860000" algn="tl" rotWithShape="0">
+                    <a:srgbClr val="000000">
+                      <a:alpha val="20000"/>
+                    </a:srgbClr>
+                  </a:outerShdw>
+                </a:effectLst>
+                <a:ea typeface="+mn-lt"/>
+                <a:cs typeface="+mn-lt"/>
+              </a:rPr>
+              <a:t>//JS Date Get Methods</a:t>
+            </a:r>
+            <a:endParaRPr lang="en-US" sz="1100">
+              <a:effectLst>
+                <a:glow rad="38100">
+                  <a:prstClr val="black">
+                    <a:lumMod val="50000"/>
+                    <a:lumOff val="50000"/>
+                    <a:alpha val="20000"/>
+                  </a:prstClr>
+                </a:glow>
+                <a:outerShdw blurRad="44450" dist="12700" dir="13860000" algn="tl" rotWithShape="0">
+                  <a:srgbClr val="000000">
+                    <a:alpha val="20000"/>
+                  </a:srgbClr>
+                </a:outerShdw>
+              </a:effectLst>
+            </a:endParaRPr>
+          </a:p>
+          <a:p>
+            <a:pPr>
+              <a:buNone/>
+            </a:pPr>
+            <a:r>
+              <a:rPr lang="en-US" sz="900">
+                <a:effectLst>
+                  <a:glow rad="38100">
+                    <a:prstClr val="black">
+                      <a:lumMod val="50000"/>
+                      <a:lumOff val="50000"/>
+                      <a:alpha val="20000"/>
+                    </a:prstClr>
+                  </a:glow>
+                  <a:outerShdw blurRad="44450" dist="12700" dir="13860000" algn="tl" rotWithShape="0">
+                    <a:srgbClr val="000000">
+                      <a:alpha val="20000"/>
+                    </a:srgbClr>
+                  </a:outerShdw>
+                </a:effectLst>
+                <a:ea typeface="+mn-lt"/>
+                <a:cs typeface="+mn-lt"/>
+              </a:rPr>
+              <a:t>//JS Date Set Methods</a:t>
+            </a:r>
+            <a:endParaRPr lang="en-US" sz="1100">
+              <a:effectLst>
+                <a:glow rad="38100">
+                  <a:prstClr val="black">
+                    <a:lumMod val="50000"/>
+                    <a:lumOff val="50000"/>
+                    <a:alpha val="20000"/>
+                  </a:prstClr>
+                </a:glow>
+                <a:outerShdw blurRad="44450" dist="12700" dir="13860000" algn="tl" rotWithShape="0">
+                  <a:srgbClr val="000000">
+                    <a:alpha val="20000"/>
+                  </a:srgbClr>
+                </a:outerShdw>
+              </a:effectLst>
+            </a:endParaRPr>
+          </a:p>
+          <a:p>
+            <a:pPr>
+              <a:buNone/>
+            </a:pPr>
+            <a:r>
+              <a:rPr lang="en-US" sz="900">
+                <a:effectLst>
+                  <a:glow rad="38100">
+                    <a:prstClr val="black">
+                      <a:lumMod val="50000"/>
+                      <a:lumOff val="50000"/>
+                      <a:alpha val="20000"/>
+                    </a:prstClr>
+                  </a:glow>
+                  <a:outerShdw blurRad="44450" dist="12700" dir="13860000" algn="tl" rotWithShape="0">
+                    <a:srgbClr val="000000">
+                      <a:alpha val="20000"/>
+                    </a:srgbClr>
+                  </a:outerShdw>
+                </a:effectLst>
+                <a:ea typeface="+mn-lt"/>
+                <a:cs typeface="+mn-lt"/>
+              </a:rPr>
+              <a:t>//JS Math</a:t>
+            </a:r>
+            <a:endParaRPr lang="en-US" sz="1100">
+              <a:effectLst>
+                <a:glow rad="38100">
+                  <a:prstClr val="black">
+                    <a:lumMod val="50000"/>
+                    <a:lumOff val="50000"/>
+                    <a:alpha val="20000"/>
+                  </a:prstClr>
+                </a:glow>
+                <a:outerShdw blurRad="44450" dist="12700" dir="13860000" algn="tl" rotWithShape="0">
+                  <a:srgbClr val="000000">
+                    <a:alpha val="20000"/>
+                  </a:srgbClr>
+                </a:outerShdw>
+              </a:effectLst>
+            </a:endParaRPr>
+          </a:p>
+          <a:p>
+            <a:pPr>
+              <a:buNone/>
+            </a:pPr>
+            <a:r>
+              <a:rPr lang="en-US" sz="900">
+                <a:effectLst>
+                  <a:glow rad="38100">
+                    <a:prstClr val="black">
+                      <a:lumMod val="50000"/>
+                      <a:lumOff val="50000"/>
+                      <a:alpha val="20000"/>
+                    </a:prstClr>
+                  </a:glow>
+                  <a:outerShdw blurRad="44450" dist="12700" dir="13860000" algn="tl" rotWithShape="0">
+                    <a:srgbClr val="000000">
+                      <a:alpha val="20000"/>
+                    </a:srgbClr>
+                  </a:outerShdw>
+                </a:effectLst>
+                <a:ea typeface="+mn-lt"/>
+                <a:cs typeface="+mn-lt"/>
+              </a:rPr>
+              <a:t>//JS Random</a:t>
+            </a:r>
+            <a:endParaRPr lang="en-US" sz="1100">
+              <a:effectLst>
+                <a:glow rad="38100">
+                  <a:prstClr val="black">
+                    <a:lumMod val="50000"/>
+                    <a:lumOff val="50000"/>
+                    <a:alpha val="20000"/>
+                  </a:prstClr>
+                </a:glow>
+                <a:outerShdw blurRad="44450" dist="12700" dir="13860000" algn="tl" rotWithShape="0">
+                  <a:srgbClr val="000000">
+                    <a:alpha val="20000"/>
+                  </a:srgbClr>
+                </a:outerShdw>
+              </a:effectLst>
+            </a:endParaRPr>
+          </a:p>
+          <a:p>
+            <a:pPr>
+              <a:buNone/>
+            </a:pPr>
+            <a:r>
+              <a:rPr lang="en-US" sz="900">
+                <a:effectLst>
+                  <a:glow rad="38100">
+                    <a:prstClr val="black">
+                      <a:lumMod val="50000"/>
+                      <a:lumOff val="50000"/>
+                      <a:alpha val="20000"/>
+                    </a:prstClr>
+                  </a:glow>
+                  <a:outerShdw blurRad="44450" dist="12700" dir="13860000" algn="tl" rotWithShape="0">
+                    <a:srgbClr val="000000">
+                      <a:alpha val="20000"/>
+                    </a:srgbClr>
+                  </a:outerShdw>
+                </a:effectLst>
+                <a:ea typeface="+mn-lt"/>
+                <a:cs typeface="+mn-lt"/>
+              </a:rPr>
+              <a:t>//JS Booleans</a:t>
+            </a:r>
+            <a:endParaRPr lang="en-US" sz="1100">
+              <a:effectLst>
+                <a:glow rad="38100">
+                  <a:prstClr val="black">
+                    <a:lumMod val="50000"/>
+                    <a:lumOff val="50000"/>
+                    <a:alpha val="20000"/>
+                  </a:prstClr>
+                </a:glow>
+                <a:outerShdw blurRad="44450" dist="12700" dir="13860000" algn="tl" rotWithShape="0">
+                  <a:srgbClr val="000000">
+                    <a:alpha val="20000"/>
+                  </a:srgbClr>
+                </a:outerShdw>
+              </a:effectLst>
+            </a:endParaRPr>
+          </a:p>
+          <a:p>
+            <a:pPr>
+              <a:buNone/>
+            </a:pPr>
+            <a:r>
+              <a:rPr lang="en-US" sz="900">
+                <a:effectLst>
+                  <a:glow rad="38100">
+                    <a:prstClr val="black">
+                      <a:lumMod val="50000"/>
+                      <a:lumOff val="50000"/>
+                      <a:alpha val="20000"/>
+                    </a:prstClr>
+                  </a:glow>
+                  <a:outerShdw blurRad="44450" dist="12700" dir="13860000" algn="tl" rotWithShape="0">
+                    <a:srgbClr val="000000">
+                      <a:alpha val="20000"/>
+                    </a:srgbClr>
+                  </a:outerShdw>
+                </a:effectLst>
+                <a:ea typeface="+mn-lt"/>
+                <a:cs typeface="+mn-lt"/>
+              </a:rPr>
+              <a:t>//JS Comparisons</a:t>
+            </a:r>
+            <a:endParaRPr lang="en-US" sz="1100">
+              <a:effectLst>
+                <a:glow rad="38100">
+                  <a:prstClr val="black">
+                    <a:lumMod val="50000"/>
+                    <a:lumOff val="50000"/>
+                    <a:alpha val="20000"/>
+                  </a:prstClr>
+                </a:glow>
+                <a:outerShdw blurRad="44450" dist="12700" dir="13860000" algn="tl" rotWithShape="0">
+                  <a:srgbClr val="000000">
+                    <a:alpha val="20000"/>
+                  </a:srgbClr>
+                </a:outerShdw>
+              </a:effectLst>
+            </a:endParaRPr>
+          </a:p>
+          <a:p>
+            <a:pPr>
+              <a:buNone/>
+            </a:pPr>
+            <a:r>
+              <a:rPr lang="en-US" sz="900">
+                <a:effectLst>
+                  <a:glow rad="38100">
+                    <a:prstClr val="black">
+                      <a:lumMod val="50000"/>
+                      <a:lumOff val="50000"/>
+                      <a:alpha val="20000"/>
+                    </a:prstClr>
+                  </a:glow>
+                  <a:outerShdw blurRad="44450" dist="12700" dir="13860000" algn="tl" rotWithShape="0">
+                    <a:srgbClr val="000000">
+                      <a:alpha val="20000"/>
+                    </a:srgbClr>
+                  </a:outerShdw>
+                </a:effectLst>
+                <a:ea typeface="+mn-lt"/>
+                <a:cs typeface="+mn-lt"/>
+              </a:rPr>
+              <a:t>//JS Conditions</a:t>
+            </a:r>
+            <a:endParaRPr lang="en-US" sz="1100">
+              <a:effectLst>
+                <a:glow rad="38100">
+                  <a:prstClr val="black">
+                    <a:lumMod val="50000"/>
+                    <a:lumOff val="50000"/>
+                    <a:alpha val="20000"/>
+                  </a:prstClr>
+                </a:glow>
+                <a:outerShdw blurRad="44450" dist="12700" dir="13860000" algn="tl" rotWithShape="0">
+                  <a:srgbClr val="000000">
+                    <a:alpha val="20000"/>
+                  </a:srgbClr>
+                </a:outerShdw>
+              </a:effectLst>
+            </a:endParaRPr>
+          </a:p>
+          <a:p>
+            <a:pPr>
+              <a:buNone/>
+            </a:pPr>
+            <a:r>
+              <a:rPr lang="en-US" sz="900">
+                <a:effectLst>
+                  <a:glow rad="38100">
+                    <a:prstClr val="black">
+                      <a:lumMod val="50000"/>
+                      <a:lumOff val="50000"/>
+                      <a:alpha val="20000"/>
+                    </a:prstClr>
+                  </a:glow>
+                  <a:outerShdw blurRad="44450" dist="12700" dir="13860000" algn="tl" rotWithShape="0">
+                    <a:srgbClr val="000000">
+                      <a:alpha val="20000"/>
+                    </a:srgbClr>
+                  </a:outerShdw>
+                </a:effectLst>
+                <a:ea typeface="+mn-lt"/>
+                <a:cs typeface="+mn-lt"/>
+              </a:rPr>
+              <a:t>//JS Switch</a:t>
+            </a:r>
+            <a:endParaRPr lang="en-US" sz="1100">
+              <a:effectLst>
+                <a:glow rad="38100">
+                  <a:prstClr val="black">
+                    <a:lumMod val="50000"/>
+                    <a:lumOff val="50000"/>
+                    <a:alpha val="20000"/>
+                  </a:prstClr>
+                </a:glow>
+                <a:outerShdw blurRad="44450" dist="12700" dir="13860000" algn="tl" rotWithShape="0">
+                  <a:srgbClr val="000000">
+                    <a:alpha val="20000"/>
+                  </a:srgbClr>
+                </a:outerShdw>
+              </a:effectLst>
+            </a:endParaRPr>
+          </a:p>
+          <a:p>
+            <a:pPr>
+              <a:buNone/>
+            </a:pPr>
+            <a:r>
+              <a:rPr lang="en-US" sz="900">
+                <a:effectLst>
+                  <a:glow rad="38100">
+                    <a:prstClr val="black">
+                      <a:lumMod val="50000"/>
+                      <a:lumOff val="50000"/>
+                      <a:alpha val="20000"/>
+                    </a:prstClr>
+                  </a:glow>
+                  <a:outerShdw blurRad="44450" dist="12700" dir="13860000" algn="tl" rotWithShape="0">
+                    <a:srgbClr val="000000">
+                      <a:alpha val="20000"/>
+                    </a:srgbClr>
+                  </a:outerShdw>
+                </a:effectLst>
+                <a:ea typeface="+mn-lt"/>
+                <a:cs typeface="+mn-lt"/>
+              </a:rPr>
+              <a:t>//JS Loop For</a:t>
+            </a:r>
+            <a:endParaRPr lang="en-US" sz="1100">
+              <a:effectLst>
+                <a:glow rad="38100">
+                  <a:prstClr val="black">
+                    <a:lumMod val="50000"/>
+                    <a:lumOff val="50000"/>
+                    <a:alpha val="20000"/>
+                  </a:prstClr>
+                </a:glow>
+                <a:outerShdw blurRad="44450" dist="12700" dir="13860000" algn="tl" rotWithShape="0">
+                  <a:srgbClr val="000000">
+                    <a:alpha val="20000"/>
+                  </a:srgbClr>
+                </a:outerShdw>
+              </a:effectLst>
+            </a:endParaRPr>
+          </a:p>
+          <a:p>
+            <a:pPr>
+              <a:buNone/>
+            </a:pPr>
+            <a:r>
+              <a:rPr lang="en-US" sz="900">
+                <a:effectLst>
+                  <a:glow rad="38100">
+                    <a:prstClr val="black">
+                      <a:lumMod val="50000"/>
+                      <a:lumOff val="50000"/>
+                      <a:alpha val="20000"/>
+                    </a:prstClr>
+                  </a:glow>
+                  <a:outerShdw blurRad="44450" dist="12700" dir="13860000" algn="tl" rotWithShape="0">
+                    <a:srgbClr val="000000">
+                      <a:alpha val="20000"/>
+                    </a:srgbClr>
+                  </a:outerShdw>
+                </a:effectLst>
+                <a:ea typeface="+mn-lt"/>
+                <a:cs typeface="+mn-lt"/>
+              </a:rPr>
+              <a:t>//JS Loop While</a:t>
+            </a:r>
+            <a:endParaRPr lang="en-US" sz="1100">
+              <a:effectLst>
+                <a:glow rad="38100">
+                  <a:prstClr val="black">
+                    <a:lumMod val="50000"/>
+                    <a:lumOff val="50000"/>
+                    <a:alpha val="20000"/>
+                  </a:prstClr>
+                </a:glow>
+                <a:outerShdw blurRad="44450" dist="12700" dir="13860000" algn="tl" rotWithShape="0">
+                  <a:srgbClr val="000000">
+                    <a:alpha val="20000"/>
+                  </a:srgbClr>
+                </a:outerShdw>
+              </a:effectLst>
+            </a:endParaRPr>
+          </a:p>
+          <a:p>
+            <a:pPr>
+              <a:buNone/>
+            </a:pPr>
+            <a:r>
+              <a:rPr lang="en-US" sz="900">
+                <a:effectLst>
+                  <a:glow rad="38100">
+                    <a:prstClr val="black">
+                      <a:lumMod val="50000"/>
+                      <a:lumOff val="50000"/>
+                      <a:alpha val="20000"/>
+                    </a:prstClr>
+                  </a:glow>
+                  <a:outerShdw blurRad="44450" dist="12700" dir="13860000" algn="tl" rotWithShape="0">
+                    <a:srgbClr val="000000">
+                      <a:alpha val="20000"/>
+                    </a:srgbClr>
+                  </a:outerShdw>
+                </a:effectLst>
+                <a:ea typeface="+mn-lt"/>
+                <a:cs typeface="+mn-lt"/>
+              </a:rPr>
+              <a:t>//JS Break</a:t>
+            </a:r>
+            <a:endParaRPr lang="en-US" sz="1100">
+              <a:effectLst>
+                <a:glow rad="38100">
+                  <a:prstClr val="black">
+                    <a:lumMod val="50000"/>
+                    <a:lumOff val="50000"/>
+                    <a:alpha val="20000"/>
+                  </a:prstClr>
+                </a:glow>
+                <a:outerShdw blurRad="44450" dist="12700" dir="13860000" algn="tl" rotWithShape="0">
+                  <a:srgbClr val="000000">
+                    <a:alpha val="20000"/>
+                  </a:srgbClr>
+                </a:outerShdw>
+              </a:effectLst>
+            </a:endParaRPr>
+          </a:p>
+          <a:p>
+            <a:pPr>
+              <a:buNone/>
+            </a:pPr>
+            <a:r>
+              <a:rPr lang="en-US" sz="900">
+                <a:effectLst>
+                  <a:glow rad="38100">
+                    <a:prstClr val="black">
+                      <a:lumMod val="50000"/>
+                      <a:lumOff val="50000"/>
+                      <a:alpha val="20000"/>
+                    </a:prstClr>
+                  </a:glow>
+                  <a:outerShdw blurRad="44450" dist="12700" dir="13860000" algn="tl" rotWithShape="0">
+                    <a:srgbClr val="000000">
+                      <a:alpha val="20000"/>
+                    </a:srgbClr>
+                  </a:outerShdw>
+                </a:effectLst>
+                <a:ea typeface="+mn-lt"/>
+                <a:cs typeface="+mn-lt"/>
+              </a:rPr>
+              <a:t>//JS Type Conversion</a:t>
+            </a:r>
+            <a:endParaRPr lang="en-US" sz="1100">
+              <a:effectLst>
+                <a:glow rad="38100">
+                  <a:prstClr val="black">
+                    <a:lumMod val="50000"/>
+                    <a:lumOff val="50000"/>
+                    <a:alpha val="20000"/>
+                  </a:prstClr>
+                </a:glow>
+                <a:outerShdw blurRad="44450" dist="12700" dir="13860000" algn="tl" rotWithShape="0">
+                  <a:srgbClr val="000000">
+                    <a:alpha val="20000"/>
+                  </a:srgbClr>
+                </a:outerShdw>
+              </a:effectLst>
+            </a:endParaRPr>
+          </a:p>
+          <a:p>
+            <a:pPr>
+              <a:buNone/>
+            </a:pPr>
+            <a:r>
+              <a:rPr lang="en-US" sz="900">
+                <a:effectLst>
+                  <a:glow rad="38100">
+                    <a:prstClr val="black">
+                      <a:lumMod val="50000"/>
+                      <a:lumOff val="50000"/>
+                      <a:alpha val="20000"/>
+                    </a:prstClr>
+                  </a:glow>
+                  <a:outerShdw blurRad="44450" dist="12700" dir="13860000" algn="tl" rotWithShape="0">
+                    <a:srgbClr val="000000">
+                      <a:alpha val="20000"/>
+                    </a:srgbClr>
+                  </a:outerShdw>
+                </a:effectLst>
+                <a:ea typeface="+mn-lt"/>
+                <a:cs typeface="+mn-lt"/>
+              </a:rPr>
+              <a:t>//JS Bitwise</a:t>
+            </a:r>
+            <a:endParaRPr lang="en-US" sz="1100">
+              <a:effectLst>
+                <a:glow rad="38100">
+                  <a:prstClr val="black">
+                    <a:lumMod val="50000"/>
+                    <a:lumOff val="50000"/>
+                    <a:alpha val="20000"/>
+                  </a:prstClr>
+                </a:glow>
+                <a:outerShdw blurRad="44450" dist="12700" dir="13860000" algn="tl" rotWithShape="0">
+                  <a:srgbClr val="000000">
+                    <a:alpha val="20000"/>
+                  </a:srgbClr>
+                </a:outerShdw>
+              </a:effectLst>
+            </a:endParaRPr>
+          </a:p>
+          <a:p>
+            <a:pPr>
+              <a:buNone/>
+            </a:pPr>
+            <a:r>
+              <a:rPr lang="en-US" sz="900">
+                <a:effectLst>
+                  <a:glow rad="38100">
+                    <a:prstClr val="black">
+                      <a:lumMod val="50000"/>
+                      <a:lumOff val="50000"/>
+                      <a:alpha val="20000"/>
+                    </a:prstClr>
+                  </a:glow>
+                  <a:outerShdw blurRad="44450" dist="12700" dir="13860000" algn="tl" rotWithShape="0">
+                    <a:srgbClr val="000000">
+                      <a:alpha val="20000"/>
+                    </a:srgbClr>
+                  </a:outerShdw>
+                </a:effectLst>
+                <a:ea typeface="+mn-lt"/>
+                <a:cs typeface="+mn-lt"/>
+              </a:rPr>
+              <a:t>//JS RegExp</a:t>
+            </a:r>
+            <a:endParaRPr lang="en-US" sz="700">
+              <a:effectLst>
+                <a:glow rad="38100">
+                  <a:prstClr val="black">
+                    <a:lumMod val="50000"/>
+                    <a:lumOff val="50000"/>
+                    <a:alpha val="20000"/>
+                  </a:prstClr>
+                </a:glow>
+                <a:outerShdw blurRad="44450" dist="12700" dir="13860000" algn="tl" rotWithShape="0">
+                  <a:srgbClr val="000000">
+                    <a:alpha val="20000"/>
+                  </a:srgbClr>
+                </a:outerShdw>
+              </a:effectLst>
+            </a:endParaRPr>
+          </a:p>
+        </p:txBody>
+      </p:sp>
+    </p:spTree>
+    <p:extLst>
+      <p:ext uri="{BB962C8B-B14F-4D97-AF65-F5344CB8AC3E}">
+        <p14:creationId xmlns:p14="http://schemas.microsoft.com/office/powerpoint/2010/main" val="905404397"/>
+      </p:ext>
+    </p:extLst>
+  </p:cSld>
+  <p:clrMapOvr>
+    <a:masterClrMapping/>
+  </p:clrMapOvr>
+</p:sld>
+</file>
+
+<file path=ppt/slides/slide42.xml><?xml version="1.0" encoding="utf-8"?>
+<p:sld xmlns:a="http://schemas.openxmlformats.org/drawingml/2006/main" xmlns:r="http://schemas.openxmlformats.org/officeDocument/2006/relationships" xmlns:p="http://schemas.openxmlformats.org/presentationml/2006/main">
+  <p:cSld>
+    <p:spTree>
+      <p:nvGrpSpPr>
+        <p:cNvPr id="1" name=""/>
+        <p:cNvGrpSpPr/>
+        <p:nvPr/>
+      </p:nvGrpSpPr>
+      <p:grpSpPr>
+        <a:xfrm>
+          <a:off x="0" y="0"/>
+          <a:ext cx="0" cy="0"/>
+          <a:chOff x="0" y="0"/>
+          <a:chExt cx="0" cy="0"/>
+        </a:xfrm>
+      </p:grpSpPr>
+      <p:sp>
+        <p:nvSpPr>
+          <p:cNvPr id="2" name="Title 1">
+            <a:extLst>
+              <a:ext uri="{FF2B5EF4-FFF2-40B4-BE49-F238E27FC236}">
+                <a16:creationId xmlns:a16="http://schemas.microsoft.com/office/drawing/2014/main" id="{ECCF6F8C-2E13-4296-BD55-0D837BF148FE}"/>
+              </a:ext>
+            </a:extLst>
+          </p:cNvPr>
+          <p:cNvSpPr>
+            <a:spLocks noGrp="1"/>
+          </p:cNvSpPr>
+          <p:nvPr>
+            <p:ph type="title"/>
+          </p:nvPr>
+        </p:nvSpPr>
+        <p:spPr>
+          <a:xfrm>
             <a:off x="1039857" y="160759"/>
             <a:ext cx="7055380" cy="710249"/>
           </a:xfrm>
@@ -15739,7 +17271,478 @@
 </p:sld>
 </file>
 
-<file path=ppt/slides/slide41.xml><?xml version="1.0" encoding="utf-8"?>
+<file path=ppt/slides/slide43.xml><?xml version="1.0" encoding="utf-8"?>
+<p:sld xmlns:a="http://schemas.openxmlformats.org/drawingml/2006/main" xmlns:r="http://schemas.openxmlformats.org/officeDocument/2006/relationships" xmlns:p="http://schemas.openxmlformats.org/presentationml/2006/main">
+  <p:cSld>
+    <p:spTree>
+      <p:nvGrpSpPr>
+        <p:cNvPr id="1" name=""/>
+        <p:cNvGrpSpPr/>
+        <p:nvPr/>
+      </p:nvGrpSpPr>
+      <p:grpSpPr>
+        <a:xfrm>
+          <a:off x="0" y="0"/>
+          <a:ext cx="0" cy="0"/>
+          <a:chOff x="0" y="0"/>
+          <a:chExt cx="0" cy="0"/>
+        </a:xfrm>
+      </p:grpSpPr>
+      <p:sp>
+        <p:nvSpPr>
+          <p:cNvPr id="2" name="Title 1">
+            <a:extLst>
+              <a:ext uri="{FF2B5EF4-FFF2-40B4-BE49-F238E27FC236}">
+                <a16:creationId xmlns:a16="http://schemas.microsoft.com/office/drawing/2014/main" id="{E79991AE-7CE8-4405-AD5B-B465CD58A633}"/>
+              </a:ext>
+            </a:extLst>
+          </p:cNvPr>
+          <p:cNvSpPr>
+            <a:spLocks noGrp="1"/>
+          </p:cNvSpPr>
+          <p:nvPr>
+            <p:ph type="title"/>
+          </p:nvPr>
+        </p:nvSpPr>
+        <p:spPr>
+          <a:xfrm>
+            <a:off x="-2635694" y="-373001"/>
+            <a:ext cx="7511473" cy="1312480"/>
+          </a:xfrm>
+        </p:spPr>
+        <p:txBody>
+          <a:bodyPr>
+            <a:normAutofit/>
+          </a:bodyPr>
+          <a:lstStyle/>
+          <a:p>
+            <a:pPr algn="ctr"/>
+            <a:r>
+              <a:rPr lang="en-US" sz="3200"/>
+              <a:t>NOTE TO US</a:t>
+            </a:r>
+            <a:endParaRPr lang="en-US"/>
+          </a:p>
+        </p:txBody>
+      </p:sp>
+      <p:sp>
+        <p:nvSpPr>
+          <p:cNvPr id="3" name="Content Placeholder 2">
+            <a:extLst>
+              <a:ext uri="{FF2B5EF4-FFF2-40B4-BE49-F238E27FC236}">
+                <a16:creationId xmlns:a16="http://schemas.microsoft.com/office/drawing/2014/main" id="{AF8D3678-114A-4DF5-8D81-1D3A1BA02B55}"/>
+              </a:ext>
+            </a:extLst>
+          </p:cNvPr>
+          <p:cNvSpPr>
+            <a:spLocks noGrp="1"/>
+          </p:cNvSpPr>
+          <p:nvPr>
+            <p:ph idx="1"/>
+          </p:nvPr>
+        </p:nvSpPr>
+        <p:spPr>
+          <a:xfrm>
+            <a:off x="2431742" y="-31481"/>
+            <a:ext cx="6711654" cy="6827373"/>
+          </a:xfrm>
+        </p:spPr>
+        <p:txBody>
+          <a:bodyPr vert="horz" lIns="91440" tIns="45720" rIns="91440" bIns="45720" rtlCol="0" anchor="t">
+            <a:noAutofit/>
+          </a:bodyPr>
+          <a:lstStyle/>
+          <a:p>
+            <a:pPr marL="0" indent="0">
+              <a:buNone/>
+            </a:pPr>
+            <a:r>
+              <a:rPr lang="en-US" sz="2800" dirty="0">
+                <a:ea typeface="+mj-lt"/>
+                <a:cs typeface="+mj-lt"/>
+              </a:rPr>
+              <a:t>Cover the following on w3schools </a:t>
+            </a:r>
+            <a:r>
+              <a:rPr lang="en-US" sz="2800">
+                <a:ea typeface="+mj-lt"/>
+                <a:cs typeface="+mj-lt"/>
+              </a:rPr>
+              <a:t>before moving to the 'THE COLORS' slide that follows!</a:t>
+            </a:r>
+            <a:endParaRPr lang="en-US">
+              <a:effectLst>
+                <a:glow rad="38100">
+                  <a:prstClr val="black">
+                    <a:lumMod val="50000"/>
+                    <a:lumOff val="50000"/>
+                    <a:alpha val="20000"/>
+                  </a:prstClr>
+                </a:glow>
+                <a:outerShdw blurRad="44450" dist="12700" dir="13860000" algn="tl" rotWithShape="0">
+                  <a:srgbClr val="000000">
+                    <a:alpha val="20000"/>
+                  </a:srgbClr>
+                </a:outerShdw>
+              </a:effectLst>
+              <a:ea typeface="+mj-lt"/>
+              <a:cs typeface="+mj-lt"/>
+            </a:endParaRPr>
+          </a:p>
+          <a:p>
+            <a:r>
+              <a:rPr lang="en-US" sz="1400">
+                <a:effectLst>
+                  <a:glow rad="38100">
+                    <a:prstClr val="black">
+                      <a:lumMod val="50000"/>
+                      <a:lumOff val="50000"/>
+                      <a:alpha val="20000"/>
+                    </a:prstClr>
+                  </a:glow>
+                  <a:outerShdw blurRad="44450" dist="12700" dir="13860000" algn="tl" rotWithShape="0">
+                    <a:srgbClr val="000000">
+                      <a:alpha val="20000"/>
+                    </a:srgbClr>
+                  </a:outerShdw>
+                </a:effectLst>
+                <a:ea typeface="+mn-lt"/>
+                <a:cs typeface="+mn-lt"/>
+              </a:rPr>
+              <a:t>Object Methods</a:t>
+            </a:r>
+            <a:endParaRPr lang="en-US" sz="3600">
+              <a:effectLst>
+                <a:glow rad="38100">
+                  <a:prstClr val="black">
+                    <a:lumMod val="50000"/>
+                    <a:lumOff val="50000"/>
+                    <a:alpha val="20000"/>
+                  </a:prstClr>
+                </a:glow>
+                <a:outerShdw blurRad="44450" dist="12700" dir="13860000" algn="tl" rotWithShape="0">
+                  <a:srgbClr val="000000">
+                    <a:alpha val="20000"/>
+                  </a:srgbClr>
+                </a:outerShdw>
+              </a:effectLst>
+              <a:ea typeface="+mn-lt"/>
+              <a:cs typeface="+mn-lt"/>
+            </a:endParaRPr>
+          </a:p>
+          <a:p>
+            <a:r>
+              <a:rPr lang="en-US" sz="1400">
+                <a:effectLst>
+                  <a:glow rad="38100">
+                    <a:prstClr val="black">
+                      <a:lumMod val="50000"/>
+                      <a:lumOff val="50000"/>
+                      <a:alpha val="20000"/>
+                    </a:prstClr>
+                  </a:glow>
+                  <a:outerShdw blurRad="44450" dist="12700" dir="13860000" algn="tl" rotWithShape="0">
+                    <a:srgbClr val="000000">
+                      <a:alpha val="20000"/>
+                    </a:srgbClr>
+                  </a:outerShdw>
+                </a:effectLst>
+                <a:ea typeface="+mn-lt"/>
+                <a:cs typeface="+mn-lt"/>
+              </a:rPr>
+              <a:t>Object Constructors</a:t>
+            </a:r>
+            <a:endParaRPr lang="en-US" sz="3600">
+              <a:effectLst>
+                <a:glow rad="38100">
+                  <a:prstClr val="black">
+                    <a:lumMod val="50000"/>
+                    <a:lumOff val="50000"/>
+                    <a:alpha val="20000"/>
+                  </a:prstClr>
+                </a:glow>
+                <a:outerShdw blurRad="44450" dist="12700" dir="13860000" algn="tl" rotWithShape="0">
+                  <a:srgbClr val="000000">
+                    <a:alpha val="20000"/>
+                  </a:srgbClr>
+                </a:outerShdw>
+              </a:effectLst>
+            </a:endParaRPr>
+          </a:p>
+          <a:p>
+            <a:r>
+              <a:rPr lang="en-US" sz="1400">
+                <a:effectLst>
+                  <a:glow rad="38100">
+                    <a:prstClr val="black">
+                      <a:lumMod val="50000"/>
+                      <a:lumOff val="50000"/>
+                      <a:alpha val="20000"/>
+                    </a:prstClr>
+                  </a:glow>
+                  <a:outerShdw blurRad="44450" dist="12700" dir="13860000" algn="tl" rotWithShape="0">
+                    <a:srgbClr val="000000">
+                      <a:alpha val="20000"/>
+                    </a:srgbClr>
+                  </a:outerShdw>
+                </a:effectLst>
+                <a:ea typeface="+mn-lt"/>
+                <a:cs typeface="+mn-lt"/>
+              </a:rPr>
+              <a:t>Object Prototypes</a:t>
+            </a:r>
+            <a:endParaRPr lang="en-US" sz="3600">
+              <a:effectLst>
+                <a:glow rad="38100">
+                  <a:prstClr val="black">
+                    <a:lumMod val="50000"/>
+                    <a:lumOff val="50000"/>
+                    <a:alpha val="20000"/>
+                  </a:prstClr>
+                </a:glow>
+                <a:outerShdw blurRad="44450" dist="12700" dir="13860000" algn="tl" rotWithShape="0">
+                  <a:srgbClr val="000000">
+                    <a:alpha val="20000"/>
+                  </a:srgbClr>
+                </a:outerShdw>
+              </a:effectLst>
+            </a:endParaRPr>
+          </a:p>
+          <a:p>
+            <a:pPr indent="0">
+              <a:buNone/>
+            </a:pPr>
+            <a:r>
+              <a:rPr lang="en-US" sz="1400">
+                <a:effectLst>
+                  <a:glow rad="38100">
+                    <a:prstClr val="black">
+                      <a:lumMod val="50000"/>
+                      <a:lumOff val="50000"/>
+                      <a:alpha val="20000"/>
+                    </a:prstClr>
+                  </a:glow>
+                  <a:outerShdw blurRad="44450" dist="12700" dir="13860000" algn="tl" rotWithShape="0">
+                    <a:srgbClr val="000000">
+                      <a:alpha val="20000"/>
+                    </a:srgbClr>
+                  </a:outerShdw>
+                </a:effectLst>
+                <a:ea typeface="+mn-lt"/>
+                <a:cs typeface="+mn-lt"/>
+              </a:rPr>
+              <a:t>JS Functions go through these using the site, try this:</a:t>
+            </a:r>
+            <a:endParaRPr lang="en-US" sz="3600">
+              <a:effectLst>
+                <a:glow rad="38100">
+                  <a:prstClr val="black">
+                    <a:lumMod val="50000"/>
+                    <a:lumOff val="50000"/>
+                    <a:alpha val="20000"/>
+                  </a:prstClr>
+                </a:glow>
+                <a:outerShdw blurRad="44450" dist="12700" dir="13860000" algn="tl" rotWithShape="0">
+                  <a:srgbClr val="000000">
+                    <a:alpha val="20000"/>
+                  </a:srgbClr>
+                </a:outerShdw>
+              </a:effectLst>
+            </a:endParaRPr>
+          </a:p>
+          <a:p>
+            <a:r>
+              <a:rPr lang="en-US" sz="1400">
+                <a:effectLst>
+                  <a:glow rad="38100">
+                    <a:prstClr val="black">
+                      <a:lumMod val="50000"/>
+                      <a:lumOff val="50000"/>
+                      <a:alpha val="20000"/>
+                    </a:prstClr>
+                  </a:glow>
+                  <a:outerShdw blurRad="44450" dist="12700" dir="13860000" algn="tl" rotWithShape="0">
+                    <a:srgbClr val="000000">
+                      <a:alpha val="20000"/>
+                    </a:srgbClr>
+                  </a:outerShdw>
+                </a:effectLst>
+                <a:ea typeface="+mn-lt"/>
+                <a:cs typeface="+mn-lt"/>
+              </a:rPr>
+              <a:t>Function Definitions</a:t>
+            </a:r>
+            <a:endParaRPr lang="en-US" sz="3600">
+              <a:effectLst>
+                <a:glow rad="38100">
+                  <a:prstClr val="black">
+                    <a:lumMod val="50000"/>
+                    <a:lumOff val="50000"/>
+                    <a:alpha val="20000"/>
+                  </a:prstClr>
+                </a:glow>
+                <a:outerShdw blurRad="44450" dist="12700" dir="13860000" algn="tl" rotWithShape="0">
+                  <a:srgbClr val="000000">
+                    <a:alpha val="20000"/>
+                  </a:srgbClr>
+                </a:outerShdw>
+              </a:effectLst>
+            </a:endParaRPr>
+          </a:p>
+          <a:p>
+            <a:r>
+              <a:rPr lang="en-US" sz="1400">
+                <a:effectLst>
+                  <a:glow rad="38100">
+                    <a:prstClr val="black">
+                      <a:lumMod val="50000"/>
+                      <a:lumOff val="50000"/>
+                      <a:alpha val="20000"/>
+                    </a:prstClr>
+                  </a:glow>
+                  <a:outerShdw blurRad="44450" dist="12700" dir="13860000" algn="tl" rotWithShape="0">
+                    <a:srgbClr val="000000">
+                      <a:alpha val="20000"/>
+                    </a:srgbClr>
+                  </a:outerShdw>
+                </a:effectLst>
+                <a:ea typeface="+mn-lt"/>
+                <a:cs typeface="+mn-lt"/>
+              </a:rPr>
+              <a:t>Function Parameters</a:t>
+            </a:r>
+            <a:endParaRPr lang="en-US" sz="3600">
+              <a:effectLst>
+                <a:glow rad="38100">
+                  <a:prstClr val="black">
+                    <a:lumMod val="50000"/>
+                    <a:lumOff val="50000"/>
+                    <a:alpha val="20000"/>
+                  </a:prstClr>
+                </a:glow>
+                <a:outerShdw blurRad="44450" dist="12700" dir="13860000" algn="tl" rotWithShape="0">
+                  <a:srgbClr val="000000">
+                    <a:alpha val="20000"/>
+                  </a:srgbClr>
+                </a:outerShdw>
+              </a:effectLst>
+            </a:endParaRPr>
+          </a:p>
+          <a:p>
+            <a:r>
+              <a:rPr lang="en-US" sz="1400">
+                <a:effectLst>
+                  <a:glow rad="38100">
+                    <a:prstClr val="black">
+                      <a:lumMod val="50000"/>
+                      <a:lumOff val="50000"/>
+                      <a:alpha val="20000"/>
+                    </a:prstClr>
+                  </a:glow>
+                  <a:outerShdw blurRad="44450" dist="12700" dir="13860000" algn="tl" rotWithShape="0">
+                    <a:srgbClr val="000000">
+                      <a:alpha val="20000"/>
+                    </a:srgbClr>
+                  </a:outerShdw>
+                </a:effectLst>
+                <a:ea typeface="+mn-lt"/>
+                <a:cs typeface="+mn-lt"/>
+              </a:rPr>
+              <a:t>Function Invocation</a:t>
+            </a:r>
+            <a:endParaRPr lang="en-US" sz="3600">
+              <a:effectLst>
+                <a:glow rad="38100">
+                  <a:prstClr val="black">
+                    <a:lumMod val="50000"/>
+                    <a:lumOff val="50000"/>
+                    <a:alpha val="20000"/>
+                  </a:prstClr>
+                </a:glow>
+                <a:outerShdw blurRad="44450" dist="12700" dir="13860000" algn="tl" rotWithShape="0">
+                  <a:srgbClr val="000000">
+                    <a:alpha val="20000"/>
+                  </a:srgbClr>
+                </a:outerShdw>
+              </a:effectLst>
+            </a:endParaRPr>
+          </a:p>
+          <a:p>
+            <a:r>
+              <a:rPr lang="en-US" sz="1400">
+                <a:effectLst>
+                  <a:glow rad="38100">
+                    <a:prstClr val="black">
+                      <a:lumMod val="50000"/>
+                      <a:lumOff val="50000"/>
+                      <a:alpha val="20000"/>
+                    </a:prstClr>
+                  </a:glow>
+                  <a:outerShdw blurRad="44450" dist="12700" dir="13860000" algn="tl" rotWithShape="0">
+                    <a:srgbClr val="000000">
+                      <a:alpha val="20000"/>
+                    </a:srgbClr>
+                  </a:outerShdw>
+                </a:effectLst>
+                <a:ea typeface="+mn-lt"/>
+                <a:cs typeface="+mn-lt"/>
+              </a:rPr>
+              <a:t>Function Call</a:t>
+            </a:r>
+            <a:endParaRPr lang="en-US" sz="3600">
+              <a:effectLst>
+                <a:glow rad="38100">
+                  <a:prstClr val="black">
+                    <a:lumMod val="50000"/>
+                    <a:lumOff val="50000"/>
+                    <a:alpha val="20000"/>
+                  </a:prstClr>
+                </a:glow>
+                <a:outerShdw blurRad="44450" dist="12700" dir="13860000" algn="tl" rotWithShape="0">
+                  <a:srgbClr val="000000">
+                    <a:alpha val="20000"/>
+                  </a:srgbClr>
+                </a:outerShdw>
+              </a:effectLst>
+            </a:endParaRPr>
+          </a:p>
+          <a:p>
+            <a:pPr>
+              <a:buNone/>
+            </a:pPr>
+            <a:endParaRPr lang="en-US" sz="900" dirty="0">
+              <a:effectLst>
+                <a:glow rad="38100">
+                  <a:prstClr val="black">
+                    <a:lumMod val="50000"/>
+                    <a:lumOff val="50000"/>
+                    <a:alpha val="20000"/>
+                  </a:prstClr>
+                </a:glow>
+                <a:outerShdw blurRad="44450" dist="12700" dir="13860000" algn="tl" rotWithShape="0">
+                  <a:srgbClr val="000000">
+                    <a:alpha val="20000"/>
+                  </a:srgbClr>
+                </a:outerShdw>
+              </a:effectLst>
+            </a:endParaRPr>
+          </a:p>
+        </p:txBody>
+      </p:sp>
+    </p:spTree>
+    <p:extLst>
+      <p:ext uri="{BB962C8B-B14F-4D97-AF65-F5344CB8AC3E}">
+        <p14:creationId xmlns:p14="http://schemas.microsoft.com/office/powerpoint/2010/main" val="2347717039"/>
+      </p:ext>
+    </p:extLst>
+  </p:cSld>
+  <p:clrMapOvr>
+    <a:masterClrMapping/>
+  </p:clrMapOvr>
+</p:sld>
+</file>
+
+<file path=ppt/slides/slide44.xml><?xml version="1.0" encoding="utf-8"?>
 <p:sld xmlns:a="http://schemas.openxmlformats.org/drawingml/2006/main" xmlns:r="http://schemas.openxmlformats.org/officeDocument/2006/relationships" xmlns:p="http://schemas.openxmlformats.org/presentationml/2006/main">
   <p:cSld>
     <p:spTree>
@@ -15948,7 +17951,242 @@
 </p:sld>
 </file>
 
-<file path=ppt/slides/slide42.xml><?xml version="1.0" encoding="utf-8"?>
+<file path=ppt/slides/slide45.xml><?xml version="1.0" encoding="utf-8"?>
+<p:sld xmlns:a="http://schemas.openxmlformats.org/drawingml/2006/main" xmlns:r="http://schemas.openxmlformats.org/officeDocument/2006/relationships" xmlns:p="http://schemas.openxmlformats.org/presentationml/2006/main">
+  <p:cSld>
+    <p:spTree>
+      <p:nvGrpSpPr>
+        <p:cNvPr id="1" name=""/>
+        <p:cNvGrpSpPr/>
+        <p:nvPr/>
+      </p:nvGrpSpPr>
+      <p:grpSpPr>
+        <a:xfrm>
+          <a:off x="0" y="0"/>
+          <a:ext cx="0" cy="0"/>
+          <a:chOff x="0" y="0"/>
+          <a:chExt cx="0" cy="0"/>
+        </a:xfrm>
+      </p:grpSpPr>
+      <p:sp>
+        <p:nvSpPr>
+          <p:cNvPr id="2" name="Title 1">
+            <a:extLst>
+              <a:ext uri="{FF2B5EF4-FFF2-40B4-BE49-F238E27FC236}">
+                <a16:creationId xmlns:a16="http://schemas.microsoft.com/office/drawing/2014/main" id="{E79991AE-7CE8-4405-AD5B-B465CD58A633}"/>
+              </a:ext>
+            </a:extLst>
+          </p:cNvPr>
+          <p:cNvSpPr>
+            <a:spLocks noGrp="1"/>
+          </p:cNvSpPr>
+          <p:nvPr>
+            <p:ph type="title"/>
+          </p:nvPr>
+        </p:nvSpPr>
+        <p:spPr>
+          <a:xfrm>
+            <a:off x="-2635694" y="-373001"/>
+            <a:ext cx="7511473" cy="1312480"/>
+          </a:xfrm>
+        </p:spPr>
+        <p:txBody>
+          <a:bodyPr>
+            <a:normAutofit/>
+          </a:bodyPr>
+          <a:lstStyle/>
+          <a:p>
+            <a:pPr algn="ctr"/>
+            <a:r>
+              <a:rPr lang="en-US" sz="3200"/>
+              <a:t>NOTE TO US</a:t>
+            </a:r>
+            <a:endParaRPr lang="en-US"/>
+          </a:p>
+        </p:txBody>
+      </p:sp>
+      <p:sp>
+        <p:nvSpPr>
+          <p:cNvPr id="3" name="Content Placeholder 2">
+            <a:extLst>
+              <a:ext uri="{FF2B5EF4-FFF2-40B4-BE49-F238E27FC236}">
+                <a16:creationId xmlns:a16="http://schemas.microsoft.com/office/drawing/2014/main" id="{AF8D3678-114A-4DF5-8D81-1D3A1BA02B55}"/>
+              </a:ext>
+            </a:extLst>
+          </p:cNvPr>
+          <p:cNvSpPr>
+            <a:spLocks noGrp="1"/>
+          </p:cNvSpPr>
+          <p:nvPr>
+            <p:ph idx="1"/>
+          </p:nvPr>
+        </p:nvSpPr>
+        <p:spPr>
+          <a:xfrm>
+            <a:off x="2431742" y="-31481"/>
+            <a:ext cx="6711654" cy="6827373"/>
+          </a:xfrm>
+        </p:spPr>
+        <p:txBody>
+          <a:bodyPr vert="horz" lIns="91440" tIns="45720" rIns="91440" bIns="45720" rtlCol="0" anchor="t">
+            <a:noAutofit/>
+          </a:bodyPr>
+          <a:lstStyle/>
+          <a:p>
+            <a:pPr marL="0" indent="0">
+              <a:buNone/>
+            </a:pPr>
+            <a:r>
+              <a:rPr lang="en-US" sz="2800" dirty="0">
+                <a:ea typeface="+mj-lt"/>
+                <a:cs typeface="+mj-lt"/>
+              </a:rPr>
+              <a:t>Cover the following on w3schools </a:t>
+            </a:r>
+            <a:r>
+              <a:rPr lang="en-US" sz="2800">
+                <a:ea typeface="+mj-lt"/>
+                <a:cs typeface="+mj-lt"/>
+              </a:rPr>
+              <a:t>before moving to the 'FORMS' slide that follows!</a:t>
+            </a:r>
+            <a:endParaRPr lang="en-US">
+              <a:effectLst>
+                <a:glow rad="38100">
+                  <a:prstClr val="black">
+                    <a:lumMod val="50000"/>
+                    <a:lumOff val="50000"/>
+                    <a:alpha val="20000"/>
+                  </a:prstClr>
+                </a:glow>
+                <a:outerShdw blurRad="44450" dist="12700" dir="13860000" algn="tl" rotWithShape="0">
+                  <a:srgbClr val="000000">
+                    <a:alpha val="20000"/>
+                  </a:srgbClr>
+                </a:outerShdw>
+              </a:effectLst>
+              <a:ea typeface="+mj-lt"/>
+              <a:cs typeface="+mj-lt"/>
+            </a:endParaRPr>
+          </a:p>
+          <a:p>
+            <a:r>
+              <a:rPr lang="en-US" sz="1400">
+                <a:effectLst>
+                  <a:glow rad="38100">
+                    <a:prstClr val="black">
+                      <a:lumMod val="50000"/>
+                      <a:lumOff val="50000"/>
+                      <a:alpha val="20000"/>
+                    </a:prstClr>
+                  </a:glow>
+                  <a:outerShdw blurRad="44450" dist="12700" dir="13860000" algn="tl" rotWithShape="0">
+                    <a:srgbClr val="000000">
+                      <a:alpha val="20000"/>
+                    </a:srgbClr>
+                  </a:outerShdw>
+                </a:effectLst>
+                <a:ea typeface="+mn-lt"/>
+                <a:cs typeface="+mn-lt"/>
+              </a:rPr>
+              <a:t>JS Forms</a:t>
+            </a:r>
+            <a:endParaRPr lang="en-US" sz="3600">
+              <a:effectLst>
+                <a:glow rad="38100">
+                  <a:prstClr val="black">
+                    <a:lumMod val="50000"/>
+                    <a:lumOff val="50000"/>
+                    <a:alpha val="20000"/>
+                  </a:prstClr>
+                </a:glow>
+                <a:outerShdw blurRad="44450" dist="12700" dir="13860000" algn="tl" rotWithShape="0">
+                  <a:srgbClr val="000000">
+                    <a:alpha val="20000"/>
+                  </a:srgbClr>
+                </a:outerShdw>
+              </a:effectLst>
+            </a:endParaRPr>
+          </a:p>
+          <a:p>
+            <a:r>
+              <a:rPr lang="en-US" sz="1400">
+                <a:effectLst>
+                  <a:glow rad="38100">
+                    <a:prstClr val="black">
+                      <a:lumMod val="50000"/>
+                      <a:lumOff val="50000"/>
+                      <a:alpha val="20000"/>
+                    </a:prstClr>
+                  </a:glow>
+                  <a:outerShdw blurRad="44450" dist="12700" dir="13860000" algn="tl" rotWithShape="0">
+                    <a:srgbClr val="000000">
+                      <a:alpha val="20000"/>
+                    </a:srgbClr>
+                  </a:outerShdw>
+                </a:effectLst>
+                <a:ea typeface="+mn-lt"/>
+                <a:cs typeface="+mn-lt"/>
+              </a:rPr>
+              <a:t>Forms API</a:t>
+            </a:r>
+            <a:endParaRPr lang="en-US"/>
+          </a:p>
+          <a:p>
+            <a:endParaRPr lang="en-US" sz="1400" dirty="0">
+              <a:effectLst>
+                <a:glow rad="38100">
+                  <a:prstClr val="black">
+                    <a:lumMod val="50000"/>
+                    <a:lumOff val="50000"/>
+                    <a:alpha val="20000"/>
+                  </a:prstClr>
+                </a:glow>
+                <a:outerShdw blurRad="44450" dist="12700" dir="13860000" algn="tl" rotWithShape="0">
+                  <a:srgbClr val="000000">
+                    <a:alpha val="20000"/>
+                  </a:srgbClr>
+                </a:outerShdw>
+              </a:effectLst>
+            </a:endParaRPr>
+          </a:p>
+          <a:p>
+            <a:pPr>
+              <a:buNone/>
+            </a:pPr>
+            <a:endParaRPr lang="en-US" sz="900" dirty="0">
+              <a:effectLst>
+                <a:glow rad="38100">
+                  <a:prstClr val="black">
+                    <a:lumMod val="50000"/>
+                    <a:lumOff val="50000"/>
+                    <a:alpha val="20000"/>
+                  </a:prstClr>
+                </a:glow>
+                <a:outerShdw blurRad="44450" dist="12700" dir="13860000" algn="tl" rotWithShape="0">
+                  <a:srgbClr val="000000">
+                    <a:alpha val="20000"/>
+                  </a:srgbClr>
+                </a:outerShdw>
+              </a:effectLst>
+            </a:endParaRPr>
+          </a:p>
+        </p:txBody>
+      </p:sp>
+    </p:spTree>
+    <p:extLst>
+      <p:ext uri="{BB962C8B-B14F-4D97-AF65-F5344CB8AC3E}">
+        <p14:creationId xmlns:p14="http://schemas.microsoft.com/office/powerpoint/2010/main" val="3899673719"/>
+      </p:ext>
+    </p:extLst>
+  </p:cSld>
+  <p:clrMapOvr>
+    <a:masterClrMapping/>
+  </p:clrMapOvr>
+</p:sld>
+</file>
+
+<file path=ppt/slides/slide46.xml><?xml version="1.0" encoding="utf-8"?>
 <p:sld xmlns:a="http://schemas.openxmlformats.org/drawingml/2006/main" xmlns:r="http://schemas.openxmlformats.org/officeDocument/2006/relationships" xmlns:p="http://schemas.openxmlformats.org/presentationml/2006/main">
   <p:cSld>
     <p:spTree>

--- a/Javascript.pptx
+++ b/Javascript.pptx
@@ -61,15 +61,17 @@
     <p:sldId id="326" r:id="rId55"/>
     <p:sldId id="327" r:id="rId56"/>
     <p:sldId id="330" r:id="rId57"/>
-    <p:sldId id="303" r:id="rId58"/>
-    <p:sldId id="329" r:id="rId59"/>
-    <p:sldId id="331" r:id="rId60"/>
-    <p:sldId id="332" r:id="rId61"/>
-    <p:sldId id="315" r:id="rId62"/>
-    <p:sldId id="334" r:id="rId63"/>
-    <p:sldId id="300" r:id="rId64"/>
-    <p:sldId id="309" r:id="rId65"/>
-    <p:sldId id="301" r:id="rId66"/>
+    <p:sldId id="315" r:id="rId58"/>
+    <p:sldId id="334" r:id="rId59"/>
+    <p:sldId id="300" r:id="rId60"/>
+    <p:sldId id="329" r:id="rId61"/>
+    <p:sldId id="331" r:id="rId62"/>
+    <p:sldId id="332" r:id="rId63"/>
+    <p:sldId id="335" r:id="rId64"/>
+    <p:sldId id="336" r:id="rId65"/>
+    <p:sldId id="337" r:id="rId66"/>
+    <p:sldId id="309" r:id="rId67"/>
+    <p:sldId id="301" r:id="rId68"/>
   </p:sldIdLst>
   <p:sldSz cx="9144000" cy="6858000" type="screen4x3"/>
   <p:notesSz cx="6858000" cy="9144000"/>
@@ -179,7 +181,7 @@
 <file path=ppt/revisionInfo.xml><?xml version="1.0" encoding="utf-8"?>
 <p1510:revInfo xmlns:a="http://schemas.openxmlformats.org/drawingml/2006/main" xmlns:r="http://schemas.openxmlformats.org/officeDocument/2006/relationships" xmlns:p1510="http://schemas.microsoft.com/office/powerpoint/2015/10/main">
   <p1510:revLst>
-    <p1510:client id="{18AF83C2-9E6E-447F-B576-A8E0AE46A6A3}" v="1606" dt="2019-11-12T21:14:44.824"/>
+    <p1510:client id="{18AF83C2-9E6E-447F-B576-A8E0AE46A6A3}" v="2051" dt="2019-11-12T21:45:29.406"/>
     <p1510:client id="{36D0BE91-E8E9-7A67-4D45-35D6594435A8}" v="854" dt="2019-11-12T12:53:00.308"/>
     <p1510:client id="{38B46382-DAC1-EC02-9741-7C1E2C1EE79E}" v="1" dt="2019-11-10T20:32:54.948"/>
     <p1510:client id="{632A1651-6036-33FD-C8E2-F95E4F72265A}" v="2251" dt="2019-11-11T22:23:38.050"/>
@@ -190,7 +192,7 @@
     <p1510:client id="{BDC9E7D7-BE52-EBB8-B1DF-4380543D8069}" v="259" dt="2019-11-12T11:51:32.029"/>
     <p1510:client id="{C28D8D99-F6B3-6415-4723-3C5E5FD8FE6B}" v="38" dt="2019-11-12T11:13:13.623"/>
     <p1510:client id="{F001F4E1-C76E-CE74-0BB3-40D3D900C76A}" v="2124" dt="2019-11-12T16:59:39.824"/>
-    <p1510:client id="{FB80A235-84A8-00C6-1FBA-C74F1ECF7F40}" v="6374" dt="2019-11-12T21:14:56.416"/>
+    <p1510:client id="{FB80A235-84A8-00C6-1FBA-C74F1ECF7F40}" v="6520" dt="2019-11-12T21:45:09.068"/>
   </p1510:revLst>
 </p1510:revInfo>
 </file>
@@ -6422,9 +6424,6 @@
               </a:rPr>
               <a:t>    foo = "hello js!"; // OK</a:t>
             </a:r>
-            <a:endParaRPr lang="en-US" sz="2800" dirty="0">
-              <a:latin typeface="Consolas"/>
-            </a:endParaRPr>
           </a:p>
         </p:txBody>
       </p:sp>
@@ -8065,26 +8064,13 @@
               <a:t>innerHTML</a:t>
             </a:r>
             <a:r>
-              <a:rPr lang="en-US" sz="2400" dirty="0">
-                <a:latin typeface="Consolas"/>
-                <a:ea typeface="+mn-lt"/>
-                <a:cs typeface="+mn-lt"/>
-              </a:rPr>
-              <a:t> </a:t>
-            </a:r>
-            <a:r>
               <a:rPr lang="en-US" sz="2400">
                 <a:latin typeface="Consolas"/>
                 <a:ea typeface="+mn-lt"/>
                 <a:cs typeface="+mn-lt"/>
               </a:rPr>
-              <a:t>= Date()"</a:t>
-            </a:r>
-            <a:endParaRPr lang="en-US" sz="2400" dirty="0">
-              <a:latin typeface="Consolas"/>
-              <a:ea typeface="+mn-lt"/>
-              <a:cs typeface="+mn-lt"/>
-            </a:endParaRPr>
+              <a:t> = Date()"</a:t>
+            </a:r>
           </a:p>
           <a:p>
             <a:endParaRPr lang="en-US" sz="2800">
@@ -8362,7 +8348,7 @@
             </a:endParaRPr>
           </a:p>
           <a:p>
-            <a:endParaRPr lang="en-US" sz="2800" b="1" dirty="0">
+            <a:endParaRPr lang="en-US" sz="2800" b="1">
               <a:latin typeface="Consolas"/>
               <a:ea typeface="+mn-lt"/>
               <a:cs typeface="+mn-lt"/>
@@ -9580,7 +9566,7 @@
             </a:endParaRPr>
           </a:p>
           <a:p>
-            <a:endParaRPr lang="en-US" sz="2800" dirty="0">
+            <a:endParaRPr lang="en-US" sz="2800">
               <a:latin typeface="Century Gothic"/>
             </a:endParaRPr>
           </a:p>
@@ -10042,18 +10028,18 @@
           <a:p>
             <a:pPr algn="ctr"/>
             <a:r>
-              <a:rPr lang="en-US" sz="2400" cap="small" dirty="0"/>
+              <a:rPr lang="en-US" sz="2400" cap="small"/>
               <a:t> </a:t>
             </a:r>
             <a:r>
-              <a:rPr lang="en-US" sz="2400" cap="small" dirty="0">
+              <a:rPr lang="en-US" sz="2400" cap="small">
                 <a:ea typeface="+mn-lt"/>
                 <a:cs typeface="+mn-lt"/>
                 <a:hlinkClick r:id="rId2"/>
               </a:rPr>
               <a:t>https://www.w3schools.com/js/js_variables.asp</a:t>
             </a:r>
-            <a:endParaRPr lang="en-US" dirty="0">
+            <a:endParaRPr lang="en-US">
               <a:ea typeface="+mn-lt"/>
               <a:cs typeface="+mn-lt"/>
               <a:hlinkClick r:id="rId2"/>
@@ -11176,10 +11162,10 @@
               <a:t>typeof</a:t>
             </a:r>
             <a:r>
-              <a:rPr lang="en-US" sz="2400" dirty="0"/>
+              <a:rPr lang="en-US" sz="2400"/>
               <a:t> </a:t>
             </a:r>
-            <a:endParaRPr lang="en-US" sz="2400" dirty="0">
+            <a:endParaRPr lang="en-US" sz="2400">
               <a:effectLst>
                 <a:glow rad="38100">
                   <a:prstClr val="black">
@@ -11258,7 +11244,7 @@
               <a:rPr lang="en-US" sz="2400" err="1"/>
               <a:t>instanceof</a:t>
             </a:r>
-            <a:endParaRPr lang="en-US" sz="2400" dirty="0">
+            <a:endParaRPr lang="en-US" sz="2400">
               <a:effectLst>
                 <a:glow rad="38100">
                   <a:prstClr val="black">
@@ -12620,12 +12606,12 @@
           <a:p>
             <a:pPr algn="ctr"/>
             <a:r>
-              <a:rPr lang="en-US" dirty="0">
+              <a:rPr lang="en-US">
                 <a:hlinkClick r:id="rId2"/>
               </a:rPr>
               <a:t>https://www.w3schools.com/js/tryit.asp?filename=tryjs_functions</a:t>
             </a:r>
-            <a:endParaRPr lang="en-US" dirty="0"/>
+            <a:endParaRPr lang="en-US"/>
           </a:p>
         </p:txBody>
       </p:sp>
@@ -13629,7 +13615,7 @@
           <a:p>
             <a:pPr algn="ctr"/>
             <a:r>
-              <a:rPr lang="en-US" cap="small" dirty="0">
+              <a:rPr lang="en-US" cap="small">
                 <a:ea typeface="+mn-lt"/>
                 <a:cs typeface="+mn-lt"/>
                 <a:hlinkClick r:id="rId2"/>
@@ -14397,7 +14383,7 @@
           </a:bodyPr>
           <a:lstStyle/>
           <a:p>
-            <a:endParaRPr lang="en-US" sz="2400" dirty="0">
+            <a:endParaRPr lang="en-US" sz="2400">
               <a:effectLst>
                 <a:glow rad="38100">
                   <a:prstClr val="black">
@@ -16125,8 +16111,8 @@
         </p:nvSpPr>
         <p:spPr>
           <a:xfrm>
-            <a:off x="796938" y="1095113"/>
-            <a:ext cx="7550123" cy="5324535"/>
+            <a:off x="97395" y="764601"/>
+            <a:ext cx="8895472" cy="5201424"/>
           </a:xfrm>
           <a:prstGeom prst="rect">
             <a:avLst/>
@@ -16147,84 +16133,10 @@
               <a:buChar char="•"/>
             </a:pPr>
             <a:r>
-              <a:rPr lang="en-US" sz="2000">
-                <a:latin typeface="Century Gothic"/>
-              </a:rPr>
-              <a:t>Work very much like any other language with some .</a:t>
-            </a:r>
-            <a:endParaRPr lang="en-US" sz="2000"/>
-          </a:p>
-          <a:p>
-            <a:pPr marL="285750" indent="-285750">
-              <a:buFont typeface="Arial"/>
-              <a:buChar char="•"/>
-            </a:pPr>
-            <a:endParaRPr lang="en-US" sz="2000">
-              <a:latin typeface="Century Gothic"/>
-            </a:endParaRPr>
-          </a:p>
-          <a:p>
-            <a:pPr marL="285750" indent="-285750">
-              <a:buFont typeface="Arial"/>
-              <a:buChar char="•"/>
-            </a:pPr>
-            <a:r>
-              <a:rPr lang="en-US" sz="2000">
-                <a:ea typeface="+mn-lt"/>
-                <a:cs typeface="+mn-lt"/>
-              </a:rPr>
-              <a:t>You can use quotes inside a string, as long as they don't match the quotes surrounding the string:</a:t>
-            </a:r>
-          </a:p>
-          <a:p>
-            <a:pPr lvl="1"/>
-            <a:r>
-              <a:rPr lang="en-US" sz="2000">
-                <a:solidFill>
-                  <a:srgbClr val="FFC000"/>
-                </a:solidFill>
-                <a:latin typeface="Consolas"/>
-                <a:ea typeface="+mn-lt"/>
-                <a:cs typeface="+mn-lt"/>
-              </a:rPr>
-              <a:t>var answer2 = "He is called 'Johnny'";</a:t>
-            </a:r>
-            <a:br>
-              <a:rPr lang="en-US" sz="2000">
-                <a:latin typeface="Consolas"/>
-                <a:ea typeface="+mn-lt"/>
-                <a:cs typeface="+mn-lt"/>
-              </a:rPr>
-            </a:br>
-            <a:r>
-              <a:rPr lang="en-US" sz="2000">
-                <a:solidFill>
-                  <a:srgbClr val="FFC000"/>
-                </a:solidFill>
-                <a:latin typeface="Consolas"/>
-                <a:ea typeface="+mn-lt"/>
-                <a:cs typeface="+mn-lt"/>
-              </a:rPr>
-              <a:t> var answer3 = 'He is called "Johnny"';</a:t>
-            </a:r>
-          </a:p>
-          <a:p>
-            <a:pPr marL="285750" indent="-285750">
-              <a:buFont typeface="Arial"/>
-              <a:buChar char="•"/>
-            </a:pPr>
-            <a:endParaRPr lang="en-US" sz="2000"/>
-          </a:p>
-          <a:p>
-            <a:pPr marL="285750" indent="-285750">
-              <a:buFont typeface="Arial"/>
-              <a:buChar char="•"/>
-            </a:pPr>
-            <a:r>
-              <a:rPr lang="en-US" sz="2000"/>
+              <a:rPr lang="en-US" sz="2400"/>
               <a:t>Strings can be objects</a:t>
             </a:r>
-            <a:endParaRPr lang="en-US" sz="2000">
+            <a:endParaRPr lang="en-US" sz="2400">
               <a:solidFill>
                 <a:srgbClr val="FFC000"/>
               </a:solidFill>
@@ -16237,27 +16149,27 @@
               <a:buChar char="•"/>
             </a:pPr>
             <a:r>
-              <a:rPr lang="en-US" sz="2000">
+              <a:rPr lang="en-US" sz="2400">
                 <a:ea typeface="+mn-lt"/>
                 <a:cs typeface="+mn-lt"/>
               </a:rPr>
               <a:t>Normally, JavaScript strings are primitive values, created from literals:</a:t>
             </a:r>
-            <a:endParaRPr lang="en-US" sz="2000"/>
+            <a:endParaRPr lang="en-US" sz="2400"/>
           </a:p>
           <a:p>
             <a:pPr lvl="2"/>
             <a:r>
-              <a:rPr lang="en-US" sz="2000">
+              <a:rPr lang="en-US" sz="2400">
                 <a:solidFill>
                   <a:srgbClr val="FFC000"/>
                 </a:solidFill>
                 <a:latin typeface="Consolas"/>
               </a:rPr>
-              <a:t>var </a:t>
-            </a:r>
-            <a:r>
-              <a:rPr lang="en-US" sz="2000" err="1">
+              <a:t>  var </a:t>
+            </a:r>
+            <a:r>
+              <a:rPr lang="en-US" sz="2400" err="1">
                 <a:solidFill>
                   <a:srgbClr val="FFC000"/>
                 </a:solidFill>
@@ -16266,7 +16178,7 @@
               <a:t>firstName</a:t>
             </a:r>
             <a:r>
-              <a:rPr lang="en-US" sz="2000">
+              <a:rPr lang="en-US" sz="2400">
                 <a:solidFill>
                   <a:srgbClr val="FFC000"/>
                 </a:solidFill>
@@ -16281,40 +16193,40 @@
               <a:buChar char="•"/>
             </a:pPr>
             <a:r>
-              <a:rPr lang="en-US" sz="2000">
+              <a:rPr lang="en-US" sz="2400">
                 <a:ea typeface="+mn-lt"/>
                 <a:cs typeface="+mn-lt"/>
               </a:rPr>
               <a:t>But strings can also be defined as objects with the keyword </a:t>
             </a:r>
             <a:r>
-              <a:rPr lang="en-US" sz="2000">
+              <a:rPr lang="en-US" sz="2400">
                 <a:latin typeface="Consolas"/>
               </a:rPr>
               <a:t>new</a:t>
             </a:r>
             <a:r>
-              <a:rPr lang="en-US" sz="2000">
+              <a:rPr lang="en-US" sz="2400">
                 <a:ea typeface="+mn-lt"/>
                 <a:cs typeface="+mn-lt"/>
               </a:rPr>
               <a:t>:</a:t>
             </a:r>
-            <a:endParaRPr lang="en-US" sz="2000"/>
+            <a:endParaRPr lang="en-US" sz="2400"/>
           </a:p>
           <a:p>
             <a:pPr lvl="2"/>
             <a:r>
-              <a:rPr lang="en-US" sz="2000">
+              <a:rPr lang="en-US" sz="2400">
                 <a:solidFill>
                   <a:srgbClr val="FFC000"/>
                 </a:solidFill>
                 <a:latin typeface="Consolas"/>
               </a:rPr>
-              <a:t>var </a:t>
-            </a:r>
-            <a:r>
-              <a:rPr lang="en-US" sz="2000" err="1">
+              <a:t>  var </a:t>
+            </a:r>
+            <a:r>
+              <a:rPr lang="en-US" sz="2400" err="1">
                 <a:solidFill>
                   <a:srgbClr val="FFC000"/>
                 </a:solidFill>
@@ -16323,7 +16235,7 @@
               <a:t>firstName</a:t>
             </a:r>
             <a:r>
-              <a:rPr lang="en-US" sz="2000">
+              <a:rPr lang="en-US" sz="2400">
                 <a:solidFill>
                   <a:srgbClr val="FFC000"/>
                 </a:solidFill>
@@ -16331,35 +16243,40 @@
               </a:rPr>
               <a:t> = new String("John");</a:t>
             </a:r>
-            <a:endParaRPr lang="en-US" sz="2000">
+            <a:endParaRPr lang="en-US" sz="2400">
               <a:solidFill>
                 <a:srgbClr val="FFC000"/>
               </a:solidFill>
             </a:endParaRPr>
           </a:p>
           <a:p>
-            <a:endParaRPr lang="en-US" sz="2000"/>
-          </a:p>
-          <a:p>
-            <a:pPr>
+            <a:endParaRPr lang="en-US" sz="2400">
+              <a:solidFill>
+                <a:srgbClr val="FFFFFF"/>
+              </a:solidFill>
+              <a:latin typeface="Century Gothic" panose="020B0502020202020204"/>
+            </a:endParaRPr>
+          </a:p>
+          <a:p>
+            <a:pPr marL="342900" indent="-342900">
               <a:buFont typeface="Arial"/>
               <a:buChar char="•"/>
             </a:pPr>
             <a:r>
-              <a:rPr lang="en-US" sz="2000"/>
+              <a:rPr lang="en-US" sz="2400"/>
               <a:t>Strings have useful attributes like </a:t>
             </a:r>
             <a:r>
-              <a:rPr lang="en-US" sz="2000">
+              <a:rPr lang="en-US" sz="2400">
                 <a:solidFill>
                   <a:srgbClr val="FFC000"/>
                 </a:solidFill>
                 <a:latin typeface="Century Gothic" panose="020B0502020202020204"/>
               </a:rPr>
-              <a:t>.</a:t>
-            </a:r>
-            <a:r>
-              <a:rPr lang="en-US" sz="2000">
+              <a:t>str.</a:t>
+            </a:r>
+            <a:r>
+              <a:rPr lang="en-US" sz="2400">
                 <a:solidFill>
                   <a:srgbClr val="FFC000"/>
                 </a:solidFill>
@@ -16379,6 +16296,93 @@
               </a:solidFill>
               <a:latin typeface="Consolas"/>
             </a:endParaRPr>
+          </a:p>
+          <a:p>
+            <a:pPr marL="285750" indent="-285750">
+              <a:buFont typeface="Arial,Sans-Serif"/>
+              <a:buChar char="•"/>
+            </a:pPr>
+            <a:r>
+              <a:rPr lang="en-US" sz="2400">
+                <a:latin typeface="Century Gothic"/>
+              </a:rPr>
+              <a:t>You can use quotes inside a string, as long as they don't match the quotes surrounding the string:</a:t>
+            </a:r>
+            <a:endParaRPr lang="en-US" sz="2400">
+              <a:ea typeface="+mn-lt"/>
+              <a:cs typeface="+mn-lt"/>
+            </a:endParaRPr>
+          </a:p>
+          <a:p>
+            <a:pPr marL="0" lvl="1"/>
+            <a:r>
+              <a:rPr lang="en-US" sz="2400">
+                <a:solidFill>
+                  <a:srgbClr val="FFC000"/>
+                </a:solidFill>
+                <a:latin typeface="Consolas"/>
+              </a:rPr>
+              <a:t>    var answer2 = "His name is 'Johnny'";</a:t>
+            </a:r>
+            <a:br>
+              <a:rPr lang="en-US" sz="2400">
+                <a:latin typeface="Consolas"/>
+              </a:rPr>
+            </a:br>
+            <a:r>
+              <a:rPr lang="en-US" sz="2400">
+                <a:solidFill>
+                  <a:srgbClr val="FFC000"/>
+                </a:solidFill>
+                <a:latin typeface="Consolas"/>
+              </a:rPr>
+              <a:t>    var answer3 = 'His name is "Johnny"';</a:t>
+            </a:r>
+            <a:endParaRPr lang="en-US" sz="2400"/>
+          </a:p>
+        </p:txBody>
+      </p:sp>
+      <p:sp>
+        <p:nvSpPr>
+          <p:cNvPr id="8" name="TextBox 7">
+            <a:extLst>
+              <a:ext uri="{FF2B5EF4-FFF2-40B4-BE49-F238E27FC236}">
+                <a16:creationId xmlns:a16="http://schemas.microsoft.com/office/drawing/2014/main" id="{7A9794E3-74B0-46DE-B1E5-35F93900E7D8}"/>
+              </a:ext>
+            </a:extLst>
+          </p:cNvPr>
+          <p:cNvSpPr txBox="1"/>
+          <p:nvPr/>
+        </p:nvSpPr>
+        <p:spPr>
+          <a:xfrm>
+            <a:off x="925340" y="6427051"/>
+            <a:ext cx="7227695" cy="461665"/>
+          </a:xfrm>
+          <a:prstGeom prst="rect">
+            <a:avLst/>
+          </a:prstGeom>
+          <a:noFill/>
+        </p:spPr>
+        <p:txBody>
+          <a:bodyPr rot="0" spcFirstLastPara="0" vertOverflow="overflow" horzOverflow="overflow" vert="horz" wrap="square" lIns="91440" tIns="45720" rIns="91440" bIns="45720" numCol="1" spcCol="0" rtlCol="0" fromWordArt="0" anchor="t" anchorCtr="0" forceAA="0" compatLnSpc="1">
+            <a:prstTxWarp prst="textNoShape">
+              <a:avLst/>
+            </a:prstTxWarp>
+            <a:spAutoFit/>
+          </a:bodyPr>
+          <a:lstStyle/>
+          <a:p>
+            <a:pPr algn="ctr"/>
+            <a:r>
+              <a:rPr lang="en-US" sz="2400">
+                <a:ea typeface="+mn-lt"/>
+                <a:cs typeface="+mn-lt"/>
+                <a:hlinkClick r:id="rId2"/>
+              </a:rPr>
+              <a:t>https://www.w3schools.com/js/js_strings.asp</a:t>
+            </a:r>
+            <a:endParaRPr lang="en-US" sz="2400"/>
           </a:p>
         </p:txBody>
       </p:sp>
@@ -17937,7 +17941,7 @@
                                           </p:stCondLst>
                                         </p:cTn>
                                         <p:tgtEl>
-                                          <p:spTgt spid="5"/>
+                                          <p:spTgt spid="6"/>
                                         </p:tgtEl>
                                         <p:attrNameLst>
                                           <p:attrName>style.visibility</p:attrName>
@@ -17951,7 +17955,7 @@
                                       <p:cBhvr>
                                         <p:cTn id="7" dur="500"/>
                                         <p:tgtEl>
-                                          <p:spTgt spid="5"/>
+                                          <p:spTgt spid="6"/>
                                         </p:tgtEl>
                                       </p:cBhvr>
                                     </p:animEffect>
@@ -17990,7 +17994,7 @@
                                           </p:stCondLst>
                                         </p:cTn>
                                         <p:tgtEl>
-                                          <p:spTgt spid="6"/>
+                                          <p:spTgt spid="8"/>
                                         </p:tgtEl>
                                         <p:attrNameLst>
                                           <p:attrName>style.visibility</p:attrName>
@@ -18003,59 +18007,6 @@
                                     <p:animEffect transition="in" filter="fade">
                                       <p:cBhvr>
                                         <p:cTn id="12" dur="500"/>
-                                        <p:tgtEl>
-                                          <p:spTgt spid="6"/>
-                                        </p:tgtEl>
-                                      </p:cBhvr>
-                                    </p:animEffect>
-                                  </p:childTnLst>
-                                </p:cTn>
-                              </p:par>
-                            </p:childTnLst>
-                          </p:cTn>
-                        </p:par>
-                      </p:childTnLst>
-                    </p:cTn>
-                  </p:par>
-                  <p:par>
-                    <p:cTn id="13" fill="hold">
-                      <p:stCondLst>
-                        <p:cond delay="indefinite"/>
-                      </p:stCondLst>
-                      <p:childTnLst>
-                        <p:par>
-                          <p:cTn id="14" fill="hold">
-                            <p:stCondLst>
-                              <p:cond delay="0"/>
-                            </p:stCondLst>
-                            <p:childTnLst>
-                              <p:par>
-                                <p:cTn id="15" presetID="10" presetClass="entr" presetSubtype="0" fill="hold" grpId="0" nodeType="clickEffect">
-                                  <p:stCondLst>
-                                    <p:cond delay="0"/>
-                                  </p:stCondLst>
-                                  <p:childTnLst>
-                                    <p:set>
-                                      <p:cBhvr>
-                                        <p:cTn id="16" dur="1" fill="hold">
-                                          <p:stCondLst>
-                                            <p:cond delay="0"/>
-                                          </p:stCondLst>
-                                        </p:cTn>
-                                        <p:tgtEl>
-                                          <p:spTgt spid="8"/>
-                                        </p:tgtEl>
-                                        <p:attrNameLst>
-                                          <p:attrName>style.visibility</p:attrName>
-                                        </p:attrNameLst>
-                                      </p:cBhvr>
-                                      <p:to>
-                                        <p:strVal val="visible"/>
-                                      </p:to>
-                                    </p:set>
-                                    <p:animEffect transition="in" filter="fade">
-                                      <p:cBhvr>
-                                        <p:cTn id="17" dur="500"/>
                                         <p:tgtEl>
                                           <p:spTgt spid="8"/>
                                         </p:tgtEl>
@@ -18092,7 +18043,6 @@
       </p:par>
     </p:tnLst>
     <p:bldLst>
-      <p:bldP spid="5" grpId="0"/>
       <p:bldP spid="6" grpId="0"/>
       <p:bldP spid="8" grpId="0"/>
     </p:bldLst>
@@ -18209,16 +18159,16 @@
           </a:p>
           <a:p>
             <a:pPr algn="ctr"/>
-            <a:endParaRPr lang="en-US" sz="2400" dirty="0"/>
+            <a:endParaRPr lang="en-US" sz="2400"/>
           </a:p>
           <a:p>
             <a:pPr algn="ctr"/>
             <a:r>
-              <a:rPr lang="en-US" sz="2400" dirty="0"/>
+              <a:rPr lang="en-US" sz="2400"/>
               <a:t>Clicking the</a:t>
             </a:r>
             <a:r>
-              <a:rPr lang="en-US" sz="2400" b="1" dirty="0"/>
+              <a:rPr lang="en-US" sz="2400" b="1"/>
               <a:t> Sources</a:t>
             </a:r>
             <a:r>
@@ -18930,32 +18880,25 @@
           <a:lstStyle/>
           <a:p>
             <a:r>
-              <a:rPr lang="en-US" sz="2400" dirty="0">
+              <a:rPr lang="en-US" sz="2400">
                 <a:ea typeface="+mn-lt"/>
                 <a:cs typeface="+mn-lt"/>
               </a:rPr>
               <a:t>We'll be adding code to </a:t>
             </a:r>
             <a:r>
-              <a:rPr lang="en-US" sz="2400" b="1" dirty="0">
+              <a:rPr lang="en-US" sz="2400" b="1">
                 <a:ea typeface="+mn-lt"/>
                 <a:cs typeface="+mn-lt"/>
               </a:rPr>
               <a:t>the_basics.js</a:t>
             </a:r>
             <a:r>
-              <a:rPr lang="en-US" sz="2400" dirty="0">
-                <a:ea typeface="+mn-lt"/>
-                <a:cs typeface="+mn-lt"/>
-              </a:rPr>
-              <a:t> using Visual </a:t>
-            </a:r>
-            <a:r>
               <a:rPr lang="en-US" sz="2400">
                 <a:ea typeface="+mn-lt"/>
                 <a:cs typeface="+mn-lt"/>
               </a:rPr>
-              <a:t>Studio and seeing the results in Chrome.</a:t>
+              <a:t> using Visual Studio and seeing the results in Chrome.</a:t>
             </a:r>
             <a:endParaRPr lang="en-US" sz="2400"/>
           </a:p>
@@ -19155,7 +19098,7 @@
           <a:lstStyle/>
           <a:p>
             <a:r>
-              <a:rPr lang="en-US" sz="2400" dirty="0">
+              <a:rPr lang="en-US" sz="2400">
                 <a:ea typeface="+mn-lt"/>
                 <a:cs typeface="+mn-lt"/>
                 <a:hlinkClick r:id="rId2"/>
@@ -19207,10 +19150,6 @@
               </a:rPr>
               <a:t>Call these with str.method();</a:t>
             </a:r>
-            <a:endParaRPr lang="en-US" sz="2400" dirty="0">
-              <a:ea typeface="+mn-lt"/>
-              <a:cs typeface="+mn-lt"/>
-            </a:endParaRPr>
           </a:p>
         </p:txBody>
       </p:sp>
@@ -19501,10 +19440,6 @@
               </a:rPr>
               <a:t>Several other methods as well.</a:t>
             </a:r>
-            <a:endParaRPr lang="en-US" sz="2400" dirty="0">
-              <a:ea typeface="+mn-lt"/>
-              <a:cs typeface="+mn-lt"/>
-            </a:endParaRPr>
           </a:p>
         </p:txBody>
       </p:sp>
@@ -19924,7 +19859,7 @@
           <a:lstStyle/>
           <a:p>
             <a:r>
-              <a:rPr lang="en-US" sz="2400" dirty="0">
+              <a:rPr lang="en-US" sz="2400">
                 <a:ea typeface="+mn-lt"/>
                 <a:cs typeface="+mn-lt"/>
                 <a:hlinkClick r:id="rId2"/>
@@ -20091,7 +20026,7 @@
               <a:t>toString()</a:t>
             </a:r>
             <a:r>
-              <a:rPr lang="en-US" sz="2400" dirty="0">
+              <a:rPr lang="en-US" sz="2400">
                 <a:latin typeface="Consolas"/>
                 <a:ea typeface="+mn-lt"/>
                 <a:cs typeface="+mn-lt"/>
@@ -20171,7 +20106,7 @@
               <a:t>       var x = 9.656;</a:t>
             </a:r>
             <a:br>
-              <a:rPr lang="en-US" sz="2400" dirty="0">
+              <a:rPr lang="en-US" sz="2400">
                 <a:latin typeface="Consolas"/>
                 <a:ea typeface="+mn-lt"/>
                 <a:cs typeface="+mn-lt"/>
@@ -20186,7 +20121,7 @@
               <a:t>       x.toFixed(0);           // returns 10</a:t>
             </a:r>
             <a:br>
-              <a:rPr lang="en-US" sz="2400" dirty="0">
+              <a:rPr lang="en-US" sz="2400">
                 <a:latin typeface="Consolas"/>
                 <a:ea typeface="+mn-lt"/>
                 <a:cs typeface="+mn-lt"/>
@@ -20248,10 +20183,6 @@
               </a:rPr>
               <a:t>There are numerous other methods as well:</a:t>
             </a:r>
-            <a:endParaRPr lang="en-US" sz="2400" dirty="0">
-              <a:ea typeface="+mn-lt"/>
-              <a:cs typeface="+mn-lt"/>
-            </a:endParaRPr>
           </a:p>
         </p:txBody>
       </p:sp>
@@ -20617,7 +20548,7 @@
           <a:lstStyle/>
           <a:p>
             <a:r>
-              <a:rPr lang="en-US" sz="2400" dirty="0">
+              <a:rPr lang="en-US" sz="2400">
                 <a:ea typeface="+mn-lt"/>
                 <a:cs typeface="+mn-lt"/>
                 <a:hlinkClick r:id="rId2"/>
@@ -20794,9 +20725,6 @@
               </a:rPr>
               <a:t>    food[2] == "Pizza"; // true</a:t>
             </a:r>
-            <a:endParaRPr lang="en-US" sz="2400" dirty="0">
-              <a:latin typeface="Consolas"/>
-            </a:endParaRPr>
           </a:p>
         </p:txBody>
       </p:sp>
@@ -21373,14 +21301,14 @@
           </a:p>
           <a:p>
             <a:r>
-              <a:rPr lang="en-US" sz="2400" dirty="0">
+              <a:rPr lang="en-US" sz="2400">
                 <a:ea typeface="+mn-lt"/>
                 <a:cs typeface="+mn-lt"/>
                 <a:hlinkClick r:id="rId2"/>
               </a:rPr>
               <a:t>https://www.w3schools.com/js/tryit.asp?filename=tryjs_array_foreach</a:t>
             </a:r>
-            <a:endParaRPr lang="en-US" sz="2400" dirty="0"/>
+            <a:endParaRPr lang="en-US" sz="2400"/>
           </a:p>
         </p:txBody>
       </p:sp>
@@ -21692,7 +21620,7 @@
           <a:lstStyle/>
           <a:p>
             <a:r>
-              <a:rPr lang="en-US" sz="2400" dirty="0">
+              <a:rPr lang="en-US" sz="2400">
                 <a:ea typeface="+mn-lt"/>
                 <a:cs typeface="+mn-lt"/>
                 <a:hlinkClick r:id="rId2"/>
@@ -21802,7 +21730,7 @@
               <a:t>Math.round(4.7);    // returns 5</a:t>
             </a:r>
             <a:br>
-              <a:rPr lang="en-US" sz="2400" dirty="0">
+              <a:rPr lang="en-US" sz="2400">
                 <a:latin typeface="Consolas"/>
                 <a:ea typeface="+mn-lt"/>
                 <a:cs typeface="+mn-lt"/>
@@ -22411,7 +22339,7 @@
           <a:lstStyle/>
           <a:p>
             <a:r>
-              <a:rPr lang="en-US" sz="2400" dirty="0">
+              <a:rPr lang="en-US" sz="2400">
                 <a:ea typeface="+mn-lt"/>
                 <a:cs typeface="+mn-lt"/>
                 <a:hlinkClick r:id="rId2"/>
@@ -22540,10 +22468,6 @@
               </a:rPr>
               <a:t> to produce random numbers:</a:t>
             </a:r>
-            <a:endParaRPr lang="en-US" sz="2400" dirty="0">
-              <a:ea typeface="+mn-lt"/>
-              <a:cs typeface="+mn-lt"/>
-            </a:endParaRPr>
           </a:p>
         </p:txBody>
       </p:sp>
@@ -22660,10 +22584,6 @@
               </a:rPr>
               <a:t>colorful_events.js</a:t>
             </a:r>
-            <a:endParaRPr lang="en-US" sz="2400" b="1" dirty="0">
-              <a:ea typeface="+mn-lt"/>
-              <a:cs typeface="+mn-lt"/>
-            </a:endParaRPr>
           </a:p>
         </p:txBody>
       </p:sp>
@@ -23001,7 +22921,7 @@
           </a:p>
           <a:p>
             <a:pPr lvl="1"/>
-            <a:endParaRPr lang="en-US" dirty="0"/>
+            <a:endParaRPr lang="en-US"/>
           </a:p>
           <a:p>
             <a:pPr marL="742950" lvl="1" indent="-285750">
@@ -23021,7 +22941,7 @@
               <a:buFont typeface="Arial"/>
               <a:buChar char="•"/>
             </a:pPr>
-            <a:endParaRPr lang="en-US" sz="2800" dirty="0"/>
+            <a:endParaRPr lang="en-US" sz="2800"/>
           </a:p>
           <a:p>
             <a:pPr marL="742950" lvl="1" indent="-285750">
@@ -23159,7 +23079,7 @@
                             </p:stCondLst>
                             <p:childTnLst>
                               <p:par>
-                                <p:cTn id="5" presetID="2" presetClass="entr" presetSubtype="4" fill="hold" grpId="0" nodeType="clickEffect">
+                                <p:cTn id="5" presetID="10" presetClass="entr" presetSubtype="0" fill="hold" grpId="0" nodeType="clickEffect">
                                   <p:stCondLst>
                                     <p:cond delay="0"/>
                                   </p:stCondLst>
@@ -23167,97 +23087,6 @@
                                     <p:set>
                                       <p:cBhvr>
                                         <p:cTn id="6" dur="1" fill="hold">
-                                          <p:stCondLst>
-                                            <p:cond delay="0"/>
-                                          </p:stCondLst>
-                                        </p:cTn>
-                                        <p:tgtEl>
-                                          <p:spTgt spid="7"/>
-                                        </p:tgtEl>
-                                        <p:attrNameLst>
-                                          <p:attrName>style.visibility</p:attrName>
-                                        </p:attrNameLst>
-                                      </p:cBhvr>
-                                      <p:to>
-                                        <p:strVal val="visible"/>
-                                      </p:to>
-                                    </p:set>
-                                    <p:anim calcmode="lin" valueType="num">
-                                      <p:cBhvr additive="base">
-                                        <p:cTn id="7" dur="500" fill="hold"/>
-                                        <p:tgtEl>
-                                          <p:spTgt spid="7"/>
-                                        </p:tgtEl>
-                                        <p:attrNameLst>
-                                          <p:attrName>ppt_x</p:attrName>
-                                        </p:attrNameLst>
-                                      </p:cBhvr>
-                                      <p:tavLst>
-                                        <p:tav tm="0">
-                                          <p:val>
-                                            <p:strVal val="#ppt_x"/>
-                                          </p:val>
-                                        </p:tav>
-                                        <p:tav tm="100000">
-                                          <p:val>
-                                            <p:strVal val="#ppt_x"/>
-                                          </p:val>
-                                        </p:tav>
-                                      </p:tavLst>
-                                    </p:anim>
-                                    <p:anim calcmode="lin" valueType="num">
-                                      <p:cBhvr additive="base">
-                                        <p:cTn id="8" dur="500" fill="hold"/>
-                                        <p:tgtEl>
-                                          <p:spTgt spid="7"/>
-                                        </p:tgtEl>
-                                        <p:attrNameLst>
-                                          <p:attrName>ppt_y</p:attrName>
-                                        </p:attrNameLst>
-                                      </p:cBhvr>
-                                      <p:tavLst>
-                                        <p:tav tm="0">
-                                          <p:val>
-                                            <p:strVal val="1+#ppt_h/2"/>
-                                          </p:val>
-                                        </p:tav>
-                                        <p:tav tm="100000">
-                                          <p:val>
-                                            <p:strVal val="#ppt_y"/>
-                                          </p:val>
-                                        </p:tav>
-                                      </p:tavLst>
-                                    </p:anim>
-                                  </p:childTnLst>
-                                </p:cTn>
-                              </p:par>
-                            </p:childTnLst>
-                          </p:cTn>
-                        </p:par>
-                      </p:childTnLst>
-                    </p:cTn>
-                  </p:par>
-                  <p:par>
-                    <p:cTn id="9" fill="hold">
-                      <p:stCondLst>
-                        <p:cond delay="indefinite"/>
-                      </p:stCondLst>
-                      <p:childTnLst>
-                        <p:par>
-                          <p:cTn id="10" fill="hold">
-                            <p:stCondLst>
-                              <p:cond delay="0"/>
-                            </p:stCondLst>
-                            <p:childTnLst>
-                              <p:par>
-                                <p:cTn id="11" presetID="10" presetClass="entr" presetSubtype="0" fill="hold" grpId="0" nodeType="clickEffect">
-                                  <p:stCondLst>
-                                    <p:cond delay="0"/>
-                                  </p:stCondLst>
-                                  <p:childTnLst>
-                                    <p:set>
-                                      <p:cBhvr>
-                                        <p:cTn id="12" dur="1" fill="hold">
                                           <p:stCondLst>
                                             <p:cond delay="0"/>
                                           </p:stCondLst>
@@ -23275,7 +23104,7 @@
                                     </p:set>
                                     <p:animEffect transition="in" filter="fade">
                                       <p:cBhvr>
-                                        <p:cTn id="13" dur="500"/>
+                                        <p:cTn id="7" dur="500"/>
                                         <p:tgtEl>
                                           <p:spTgt spid="6"/>
                                         </p:tgtEl>
@@ -23313,7 +23142,6 @@
     </p:tnLst>
     <p:bldLst>
       <p:bldP spid="6" grpId="0"/>
-      <p:bldP spid="7" grpId="0"/>
     </p:bldLst>
   </p:timing>
 </p:sld>
@@ -23420,7 +23248,7 @@
           <a:lstStyle/>
           <a:p>
             <a:r>
-              <a:rPr lang="en-US" sz="2400" dirty="0">
+              <a:rPr lang="en-US" sz="2400">
                 <a:ea typeface="+mn-lt"/>
                 <a:cs typeface="+mn-lt"/>
                 <a:hlinkClick r:id="rId2"/>
@@ -23574,7 +23402,7 @@
               <a:t>100</a:t>
             </a:r>
             <a:br>
-              <a:rPr lang="en-US" sz="2000" dirty="0">
+              <a:rPr lang="en-US" sz="2000">
                 <a:latin typeface="Consolas"/>
                 <a:ea typeface="+mn-lt"/>
                 <a:cs typeface="+mn-lt"/>
@@ -23589,7 +23417,7 @@
               <a:t>3.14</a:t>
             </a:r>
             <a:br>
-              <a:rPr lang="en-US" sz="2000" dirty="0">
+              <a:rPr lang="en-US" sz="2000">
                 <a:latin typeface="Consolas"/>
                 <a:ea typeface="+mn-lt"/>
                 <a:cs typeface="+mn-lt"/>
@@ -23604,7 +23432,7 @@
               <a:t>-15</a:t>
             </a:r>
             <a:br>
-              <a:rPr lang="en-US" sz="2000" dirty="0">
+              <a:rPr lang="en-US" sz="2000">
                 <a:latin typeface="Consolas"/>
                 <a:ea typeface="+mn-lt"/>
                 <a:cs typeface="+mn-lt"/>
@@ -23619,7 +23447,7 @@
               <a:t>"Hello"</a:t>
             </a:r>
             <a:br>
-              <a:rPr lang="en-US" sz="2000" dirty="0">
+              <a:rPr lang="en-US" sz="2000">
                 <a:latin typeface="Consolas"/>
                 <a:ea typeface="+mn-lt"/>
                 <a:cs typeface="+mn-lt"/>
@@ -23633,11 +23461,6 @@
               </a:rPr>
               <a:t>"false"</a:t>
             </a:r>
-            <a:endParaRPr lang="en-US" sz="2000" dirty="0">
-              <a:latin typeface="Consolas"/>
-              <a:ea typeface="+mn-lt"/>
-              <a:cs typeface="+mn-lt"/>
-            </a:endParaRPr>
           </a:p>
         </p:txBody>
       </p:sp>
@@ -23677,21 +23500,21 @@
               <a:buChar char="•"/>
             </a:pPr>
             <a:r>
-              <a:rPr lang="en-US" sz="2400" dirty="0">
+              <a:rPr lang="en-US" sz="2400">
                 <a:ea typeface="+mn-lt"/>
                 <a:cs typeface="+mn-lt"/>
               </a:rPr>
               <a:t>Everything </a:t>
             </a:r>
             <a:r>
-              <a:rPr lang="en-US" sz="2400" b="1" i="1" dirty="0">
+              <a:rPr lang="en-US" sz="2400" b="1" i="1">
                 <a:ea typeface="+mn-lt"/>
                 <a:cs typeface="+mn-lt"/>
               </a:rPr>
               <a:t>without</a:t>
             </a:r>
             <a:r>
-              <a:rPr lang="en-US" sz="2400" i="1" dirty="0">
+              <a:rPr lang="en-US" sz="2400" i="1">
                 <a:ea typeface="+mn-lt"/>
                 <a:cs typeface="+mn-lt"/>
               </a:rPr>
@@ -23702,14 +23525,7 @@
                 <a:ea typeface="+mn-lt"/>
                 <a:cs typeface="+mn-lt"/>
               </a:rPr>
-              <a:t>a</a:t>
-            </a:r>
-            <a:r>
-              <a:rPr lang="en-US" sz="2400" dirty="0">
-                <a:ea typeface="+mn-lt"/>
-                <a:cs typeface="+mn-lt"/>
-              </a:rPr>
-              <a:t> value is false:</a:t>
+              <a:t>a value is false:</a:t>
             </a:r>
           </a:p>
           <a:p>
@@ -23756,9 +23572,6 @@
               </a:rPr>
               <a:t>NaN</a:t>
             </a:r>
-            <a:endParaRPr lang="en-US" sz="2000" dirty="0">
-              <a:latin typeface="Consolas"/>
-            </a:endParaRPr>
           </a:p>
         </p:txBody>
       </p:sp>
@@ -24017,7 +23830,7 @@
           <a:p>
             <a:pPr algn="ctr"/>
             <a:r>
-              <a:rPr lang="en-US" sz="2400" dirty="0">
+              <a:rPr lang="en-US" sz="2400">
                 <a:ea typeface="+mn-lt"/>
                 <a:cs typeface="+mn-lt"/>
                 <a:hlinkClick r:id="rId2"/>
@@ -24357,7 +24170,6 @@
               <a:rPr lang="en-US" sz="2400"/>
               <a:t>However:</a:t>
             </a:r>
-            <a:endParaRPr lang="en-US" sz="2400" dirty="0"/>
           </a:p>
         </p:txBody>
       </p:sp>
@@ -24803,7 +24615,7 @@
           <a:lstStyle/>
           <a:p>
             <a:r>
-              <a:rPr lang="en-US" sz="2400" dirty="0">
+              <a:rPr lang="en-US" sz="2400">
                 <a:ea typeface="+mn-lt"/>
                 <a:cs typeface="+mn-lt"/>
                 <a:hlinkClick r:id="rId2"/>
@@ -24917,7 +24729,7 @@
           <a:lstStyle/>
           <a:p>
             <a:r>
-              <a:rPr lang="en-US" sz="2400" b="1" dirty="0">
+              <a:rPr lang="en-US" sz="2400" b="1">
                 <a:latin typeface="Consolas"/>
                 <a:ea typeface="+mn-lt"/>
                 <a:cs typeface="+mn-lt"/>
@@ -24925,7 +24737,7 @@
               <a:t>if (</a:t>
             </a:r>
             <a:r>
-              <a:rPr lang="en-US" sz="2400" b="1" i="1" dirty="0">
+              <a:rPr lang="en-US" sz="2400" b="1" i="1">
                 <a:latin typeface="Consolas"/>
                 <a:ea typeface="+mn-lt"/>
                 <a:cs typeface="+mn-lt"/>
@@ -24933,7 +24745,7 @@
               <a:t>a</a:t>
             </a:r>
             <a:r>
-              <a:rPr lang="en-US" sz="2400" b="1" dirty="0">
+              <a:rPr lang="en-US" sz="2400" b="1">
                 <a:latin typeface="Consolas"/>
                 <a:ea typeface="+mn-lt"/>
                 <a:cs typeface="+mn-lt"/>
@@ -24941,7 +24753,7 @@
               <a:t>)</a:t>
             </a:r>
             <a:r>
-              <a:rPr lang="en-US" sz="2400" dirty="0">
+              <a:rPr lang="en-US" sz="2400">
                 <a:latin typeface="Consolas"/>
                 <a:ea typeface="+mn-lt"/>
                 <a:cs typeface="+mn-lt"/>
@@ -24949,14 +24761,14 @@
               <a:t> {</a:t>
             </a:r>
             <a:br>
-              <a:rPr lang="en-US" sz="2400" dirty="0">
+              <a:rPr lang="en-US" sz="2400">
                 <a:latin typeface="Consolas"/>
                 <a:ea typeface="+mn-lt"/>
                 <a:cs typeface="+mn-lt"/>
               </a:rPr>
             </a:br>
             <a:r>
-              <a:rPr lang="en-US" sz="2400" dirty="0">
+              <a:rPr lang="en-US" sz="2400">
                 <a:latin typeface="Consolas"/>
                 <a:ea typeface="+mn-lt"/>
                 <a:cs typeface="+mn-lt"/>
@@ -24964,7 +24776,7 @@
               <a:t>    //</a:t>
             </a:r>
             <a:r>
-              <a:rPr lang="en-US" sz="2400" i="1" dirty="0">
+              <a:rPr lang="en-US" sz="2400" i="1">
                 <a:latin typeface="Consolas"/>
                 <a:ea typeface="+mn-lt"/>
                 <a:cs typeface="+mn-lt"/>
@@ -24972,14 +24784,14 @@
               <a:t> a is true</a:t>
             </a:r>
             <a:br>
-              <a:rPr lang="en-US" sz="2400" i="1" dirty="0">
+              <a:rPr lang="en-US" sz="2400" i="1">
                 <a:latin typeface="Consolas"/>
                 <a:ea typeface="+mn-lt"/>
                 <a:cs typeface="+mn-lt"/>
               </a:rPr>
             </a:br>
             <a:r>
-              <a:rPr lang="en-US" sz="2400" i="1" dirty="0">
+              <a:rPr lang="en-US" sz="2400" i="1">
                 <a:latin typeface="Consolas"/>
                 <a:ea typeface="+mn-lt"/>
                 <a:cs typeface="+mn-lt"/>
@@ -24987,7 +24799,7 @@
               <a:t>} </a:t>
             </a:r>
             <a:r>
-              <a:rPr lang="en-US" sz="2400" b="1" dirty="0">
+              <a:rPr lang="en-US" sz="2400" b="1">
                 <a:latin typeface="Consolas"/>
                 <a:ea typeface="+mn-lt"/>
                 <a:cs typeface="+mn-lt"/>
@@ -24995,7 +24807,7 @@
               <a:t>else if (</a:t>
             </a:r>
             <a:r>
-              <a:rPr lang="en-US" sz="2400" b="1" i="1" dirty="0">
+              <a:rPr lang="en-US" sz="2400" b="1" i="1">
                 <a:latin typeface="Consolas"/>
                 <a:ea typeface="+mn-lt"/>
                 <a:cs typeface="+mn-lt"/>
@@ -25003,7 +24815,7 @@
               <a:t>b</a:t>
             </a:r>
             <a:r>
-              <a:rPr lang="en-US" sz="2400" b="1" dirty="0">
+              <a:rPr lang="en-US" sz="2400" b="1">
                 <a:latin typeface="Consolas"/>
                 <a:ea typeface="+mn-lt"/>
                 <a:cs typeface="+mn-lt"/>
@@ -25011,7 +24823,7 @@
               <a:t>)</a:t>
             </a:r>
             <a:r>
-              <a:rPr lang="en-US" sz="2400" dirty="0">
+              <a:rPr lang="en-US" sz="2400">
                 <a:latin typeface="Consolas"/>
                 <a:ea typeface="+mn-lt"/>
                 <a:cs typeface="+mn-lt"/>
@@ -25019,7 +24831,7 @@
               <a:t> {</a:t>
             </a:r>
             <a:br>
-              <a:rPr lang="en-US" sz="2400" dirty="0">
+              <a:rPr lang="en-US" sz="2400">
                 <a:latin typeface="Consolas"/>
                 <a:ea typeface="+mn-lt"/>
                 <a:cs typeface="+mn-lt"/>
@@ -25042,14 +24854,14 @@
               <a:t> a is false and b is true</a:t>
             </a:r>
             <a:br>
-              <a:rPr lang="en-US" sz="2400" i="1" dirty="0">
+              <a:rPr lang="en-US" sz="2400" i="1">
                 <a:latin typeface="Consolas"/>
                 <a:ea typeface="+mn-lt"/>
                 <a:cs typeface="+mn-lt"/>
               </a:rPr>
             </a:br>
             <a:r>
-              <a:rPr lang="en-US" sz="2400" i="1" dirty="0">
+              <a:rPr lang="en-US" sz="2400" i="1">
                 <a:latin typeface="Consolas"/>
                 <a:ea typeface="+mn-lt"/>
                 <a:cs typeface="+mn-lt"/>
@@ -25057,7 +24869,7 @@
               <a:t>} </a:t>
             </a:r>
             <a:r>
-              <a:rPr lang="en-US" sz="2400" b="1" dirty="0">
+              <a:rPr lang="en-US" sz="2400" b="1">
                 <a:latin typeface="Consolas"/>
                 <a:ea typeface="+mn-lt"/>
                 <a:cs typeface="+mn-lt"/>
@@ -25065,7 +24877,7 @@
               <a:t>else </a:t>
             </a:r>
             <a:r>
-              <a:rPr lang="en-US" sz="2400" dirty="0">
+              <a:rPr lang="en-US" sz="2400">
                 <a:latin typeface="Consolas"/>
                 <a:ea typeface="+mn-lt"/>
                 <a:cs typeface="+mn-lt"/>
@@ -25073,14 +24885,14 @@
               <a:t>{</a:t>
             </a:r>
             <a:br>
-              <a:rPr lang="en-US" sz="2400" dirty="0">
+              <a:rPr lang="en-US" sz="2400">
                 <a:latin typeface="Consolas"/>
                 <a:ea typeface="+mn-lt"/>
                 <a:cs typeface="+mn-lt"/>
               </a:rPr>
             </a:br>
             <a:r>
-              <a:rPr lang="en-US" sz="2400" dirty="0">
+              <a:rPr lang="en-US" sz="2400">
                 <a:latin typeface="Consolas"/>
                 <a:ea typeface="+mn-lt"/>
                 <a:cs typeface="+mn-lt"/>
@@ -25088,7 +24900,7 @@
               <a:t>    //</a:t>
             </a:r>
             <a:r>
-              <a:rPr lang="en-US" sz="2400" i="1" dirty="0">
+              <a:rPr lang="en-US" sz="2400" i="1">
                 <a:latin typeface="Consolas"/>
                 <a:ea typeface="+mn-lt"/>
                 <a:cs typeface="+mn-lt"/>
@@ -25096,21 +24908,21 @@
               <a:t> both a and b are false</a:t>
             </a:r>
             <a:br>
-              <a:rPr lang="en-US" sz="2400" i="1" dirty="0">
+              <a:rPr lang="en-US" sz="2400" i="1">
                 <a:latin typeface="Consolas"/>
                 <a:ea typeface="+mn-lt"/>
                 <a:cs typeface="+mn-lt"/>
               </a:rPr>
             </a:br>
             <a:r>
-              <a:rPr lang="en-US" sz="2400" i="1" dirty="0">
+              <a:rPr lang="en-US" sz="2400" i="1">
                 <a:latin typeface="Consolas"/>
                 <a:ea typeface="+mn-lt"/>
                 <a:cs typeface="+mn-lt"/>
               </a:rPr>
               <a:t>}</a:t>
             </a:r>
-            <a:endParaRPr lang="en-US" sz="2400" dirty="0">
+            <a:endParaRPr lang="en-US" sz="2400">
               <a:latin typeface="Consolas"/>
             </a:endParaRPr>
           </a:p>
@@ -25230,7 +25042,7 @@
           <a:lstStyle/>
           <a:p>
             <a:r>
-              <a:rPr lang="en-US" sz="2400" dirty="0">
+              <a:rPr lang="en-US" sz="2400">
                 <a:ea typeface="+mn-lt"/>
                 <a:cs typeface="+mn-lt"/>
                 <a:hlinkClick r:id="rId2"/>
@@ -25355,14 +25167,14 @@
               <a:t> {</a:t>
             </a:r>
             <a:br>
-              <a:rPr lang="en-US" sz="2400" dirty="0">
+              <a:rPr lang="en-US" sz="2400">
                 <a:latin typeface="Consolas"/>
                 <a:ea typeface="+mn-lt"/>
                 <a:cs typeface="+mn-lt"/>
               </a:rPr>
             </a:br>
             <a:r>
-              <a:rPr lang="en-US" sz="2400" dirty="0">
+              <a:rPr lang="en-US" sz="2400">
                 <a:latin typeface="Consolas"/>
                 <a:ea typeface="+mn-lt"/>
                 <a:cs typeface="+mn-lt"/>
@@ -25378,7 +25190,7 @@
               <a:t>case</a:t>
             </a:r>
             <a:r>
-              <a:rPr lang="en-US" sz="2400" dirty="0">
+              <a:rPr lang="en-US" sz="2400">
                 <a:latin typeface="Consolas"/>
                 <a:ea typeface="+mn-lt"/>
                 <a:cs typeface="+mn-lt"/>
@@ -25402,14 +25214,14 @@
               <a:t>:</a:t>
             </a:r>
             <a:br>
-              <a:rPr lang="en-US" sz="2400" dirty="0">
+              <a:rPr lang="en-US" sz="2400">
                 <a:latin typeface="Consolas"/>
                 <a:ea typeface="+mn-lt"/>
                 <a:cs typeface="+mn-lt"/>
               </a:rPr>
             </a:br>
             <a:r>
-              <a:rPr lang="en-US" sz="2400" dirty="0">
+              <a:rPr lang="en-US" sz="2400">
                 <a:latin typeface="Consolas"/>
                 <a:ea typeface="+mn-lt"/>
                 <a:cs typeface="+mn-lt"/>
@@ -25424,7 +25236,7 @@
               </a:rPr>
               <a:t>// executed if x is true</a:t>
             </a:r>
-            <a:endParaRPr lang="en-US" sz="2400" dirty="0">
+            <a:endParaRPr lang="en-US" sz="2400">
               <a:latin typeface="Consolas"/>
               <a:ea typeface="+mn-lt"/>
               <a:cs typeface="+mn-lt"/>
@@ -25432,7 +25244,7 @@
           </a:p>
           <a:p>
             <a:r>
-              <a:rPr lang="en-US" sz="2400" i="1" dirty="0">
+              <a:rPr lang="en-US" sz="2400" i="1">
                 <a:latin typeface="Consolas"/>
                 <a:ea typeface="+mn-lt"/>
                 <a:cs typeface="+mn-lt"/>
@@ -25440,7 +25252,7 @@
               <a:t>      </a:t>
             </a:r>
             <a:r>
-              <a:rPr lang="en-US" sz="2400" b="1" dirty="0">
+              <a:rPr lang="en-US" sz="2400" b="1">
                 <a:latin typeface="Consolas"/>
                 <a:ea typeface="+mn-lt"/>
                 <a:cs typeface="+mn-lt"/>
@@ -25448,7 +25260,7 @@
               <a:t>break</a:t>
             </a:r>
             <a:r>
-              <a:rPr lang="en-US" sz="2400" dirty="0">
+              <a:rPr lang="en-US" sz="2400">
                 <a:latin typeface="Consolas"/>
                 <a:ea typeface="+mn-lt"/>
                 <a:cs typeface="+mn-lt"/>
@@ -25456,14 +25268,14 @@
               <a:t>;</a:t>
             </a:r>
             <a:br>
-              <a:rPr lang="en-US" sz="2400" dirty="0">
+              <a:rPr lang="en-US" sz="2400">
                 <a:latin typeface="Consolas"/>
                 <a:ea typeface="+mn-lt"/>
                 <a:cs typeface="+mn-lt"/>
               </a:rPr>
             </a:br>
             <a:r>
-              <a:rPr lang="en-US" sz="2400" dirty="0">
+              <a:rPr lang="en-US" sz="2400">
                 <a:latin typeface="Consolas"/>
                 <a:ea typeface="+mn-lt"/>
                 <a:cs typeface="+mn-lt"/>
@@ -25471,7 +25283,7 @@
               <a:t>  </a:t>
             </a:r>
             <a:r>
-              <a:rPr lang="en-US" sz="2400" b="1" dirty="0">
+              <a:rPr lang="en-US" sz="2400" b="1">
                 <a:latin typeface="Consolas"/>
                 <a:ea typeface="+mn-lt"/>
                 <a:cs typeface="+mn-lt"/>
@@ -25479,7 +25291,7 @@
               <a:t>case</a:t>
             </a:r>
             <a:r>
-              <a:rPr lang="en-US" sz="2400" dirty="0">
+              <a:rPr lang="en-US" sz="2400">
                 <a:latin typeface="Consolas"/>
                 <a:ea typeface="+mn-lt"/>
                 <a:cs typeface="+mn-lt"/>
@@ -25487,7 +25299,7 @@
               <a:t> </a:t>
             </a:r>
             <a:r>
-              <a:rPr lang="en-US" sz="2400" i="1" dirty="0">
+              <a:rPr lang="en-US" sz="2400" i="1">
                 <a:latin typeface="Consolas"/>
                 <a:ea typeface="+mn-lt"/>
                 <a:cs typeface="+mn-lt"/>
@@ -25495,7 +25307,7 @@
               <a:t>y</a:t>
             </a:r>
             <a:r>
-              <a:rPr lang="en-US" sz="2400" dirty="0">
+              <a:rPr lang="en-US" sz="2400">
                 <a:latin typeface="Consolas"/>
                 <a:ea typeface="+mn-lt"/>
                 <a:cs typeface="+mn-lt"/>
@@ -25503,14 +25315,14 @@
               <a:t>:</a:t>
             </a:r>
             <a:br>
-              <a:rPr lang="en-US" sz="2400" dirty="0">
+              <a:rPr lang="en-US" sz="2400">
                 <a:latin typeface="Consolas"/>
                 <a:ea typeface="+mn-lt"/>
                 <a:cs typeface="+mn-lt"/>
               </a:rPr>
             </a:br>
             <a:r>
-              <a:rPr lang="en-US" sz="2400" dirty="0">
+              <a:rPr lang="en-US" sz="2400">
                 <a:latin typeface="Consolas"/>
                 <a:ea typeface="+mn-lt"/>
                 <a:cs typeface="+mn-lt"/>
@@ -25518,7 +25330,7 @@
               <a:t>      </a:t>
             </a:r>
             <a:r>
-              <a:rPr lang="en-US" sz="2400" i="1" dirty="0">
+              <a:rPr lang="en-US" sz="2400" i="1">
                 <a:latin typeface="Consolas"/>
                 <a:ea typeface="+mn-lt"/>
                 <a:cs typeface="+mn-lt"/>
@@ -25526,14 +25338,14 @@
               <a:t>// executed if y is true</a:t>
             </a:r>
             <a:br>
-              <a:rPr lang="en-US" sz="2400" i="1" dirty="0">
+              <a:rPr lang="en-US" sz="2400" i="1">
                 <a:latin typeface="Consolas"/>
                 <a:ea typeface="+mn-lt"/>
                 <a:cs typeface="+mn-lt"/>
               </a:rPr>
             </a:br>
             <a:r>
-              <a:rPr lang="en-US" sz="2400" i="1" dirty="0">
+              <a:rPr lang="en-US" sz="2400" i="1">
                 <a:latin typeface="Consolas"/>
                 <a:ea typeface="+mn-lt"/>
                 <a:cs typeface="+mn-lt"/>
@@ -25541,7 +25353,7 @@
               <a:t>      </a:t>
             </a:r>
             <a:r>
-              <a:rPr lang="en-US" sz="2400" b="1" dirty="0">
+              <a:rPr lang="en-US" sz="2400" b="1">
                 <a:latin typeface="Consolas"/>
                 <a:ea typeface="+mn-lt"/>
                 <a:cs typeface="+mn-lt"/>
@@ -25549,7 +25361,7 @@
               <a:t>break</a:t>
             </a:r>
             <a:r>
-              <a:rPr lang="en-US" sz="2400" dirty="0">
+              <a:rPr lang="en-US" sz="2400">
                 <a:latin typeface="Consolas"/>
                 <a:ea typeface="+mn-lt"/>
                 <a:cs typeface="+mn-lt"/>
@@ -25557,14 +25369,14 @@
               <a:t>;</a:t>
             </a:r>
             <a:br>
-              <a:rPr lang="en-US" sz="2400" dirty="0">
+              <a:rPr lang="en-US" sz="2400">
                 <a:latin typeface="Consolas"/>
                 <a:ea typeface="+mn-lt"/>
                 <a:cs typeface="+mn-lt"/>
               </a:rPr>
             </a:br>
             <a:r>
-              <a:rPr lang="en-US" sz="2400" dirty="0">
+              <a:rPr lang="en-US" sz="2400">
                 <a:latin typeface="Consolas"/>
                 <a:ea typeface="+mn-lt"/>
                 <a:cs typeface="+mn-lt"/>
@@ -25572,7 +25384,7 @@
               <a:t>  </a:t>
             </a:r>
             <a:r>
-              <a:rPr lang="en-US" sz="2400" b="1" dirty="0">
+              <a:rPr lang="en-US" sz="2400" b="1">
                 <a:latin typeface="Consolas"/>
                 <a:ea typeface="+mn-lt"/>
                 <a:cs typeface="+mn-lt"/>
@@ -25580,7 +25392,7 @@
               <a:t>default</a:t>
             </a:r>
             <a:r>
-              <a:rPr lang="en-US" sz="2400" dirty="0">
+              <a:rPr lang="en-US" sz="2400">
                 <a:latin typeface="Consolas"/>
                 <a:ea typeface="+mn-lt"/>
                 <a:cs typeface="+mn-lt"/>
@@ -25588,7 +25400,7 @@
               <a:t>:</a:t>
             </a:r>
             <a:br>
-              <a:rPr lang="en-US" sz="2400" dirty="0">
+              <a:rPr lang="en-US" sz="2400">
                 <a:latin typeface="Consolas"/>
                 <a:ea typeface="+mn-lt"/>
                 <a:cs typeface="+mn-lt"/>
@@ -25608,25 +25420,17 @@
                 <a:ea typeface="+mn-lt"/>
                 <a:cs typeface="+mn-lt"/>
               </a:rPr>
-              <a:t>executed if neither x nor y is </a:t>
-            </a:r>
-            <a:r>
-              <a:rPr lang="en-US" sz="2400" i="1" dirty="0">
-                <a:latin typeface="Consolas"/>
-                <a:ea typeface="+mn-lt"/>
-                <a:cs typeface="+mn-lt"/>
-              </a:rPr>
-              <a:t>true</a:t>
+              <a:t>executed if neither x nor y is true</a:t>
             </a:r>
             <a:br>
-              <a:rPr lang="en-US" sz="2400" i="1" dirty="0">
+              <a:rPr lang="en-US" sz="2400" i="1">
                 <a:latin typeface="Consolas"/>
                 <a:ea typeface="+mn-lt"/>
                 <a:cs typeface="+mn-lt"/>
               </a:rPr>
             </a:br>
             <a:r>
-              <a:rPr lang="en-US" sz="2400" i="1" dirty="0">
+              <a:rPr lang="en-US" sz="2400" i="1">
                 <a:latin typeface="Consolas"/>
                 <a:ea typeface="+mn-lt"/>
                 <a:cs typeface="+mn-lt"/>
@@ -25753,7 +25557,7 @@
           <a:lstStyle/>
           <a:p>
             <a:r>
-              <a:rPr lang="en-US" sz="2400" dirty="0">
+              <a:rPr lang="en-US" sz="2400">
                 <a:ea typeface="+mn-lt"/>
                 <a:cs typeface="+mn-lt"/>
                 <a:hlinkClick r:id="rId2"/>
@@ -25846,7 +25650,7 @@
           <a:lstStyle/>
           <a:p>
             <a:r>
-              <a:rPr lang="en-US" sz="2400" b="1" dirty="0">
+              <a:rPr lang="en-US" sz="2400" b="1">
                 <a:latin typeface="Consolas"/>
                 <a:ea typeface="+mn-lt"/>
                 <a:cs typeface="+mn-lt"/>
@@ -25854,7 +25658,7 @@
               <a:t>for (i = 0; i &lt; 100; i++)</a:t>
             </a:r>
             <a:r>
-              <a:rPr lang="en-US" sz="2400" dirty="0">
+              <a:rPr lang="en-US" sz="2400">
                 <a:latin typeface="Consolas"/>
                 <a:ea typeface="+mn-lt"/>
                 <a:cs typeface="+mn-lt"/>
@@ -25862,7 +25666,7 @@
               <a:t> {</a:t>
             </a:r>
             <a:br>
-              <a:rPr lang="en-US" sz="2400" dirty="0">
+              <a:rPr lang="en-US" sz="2400">
                 <a:latin typeface="Consolas"/>
                 <a:ea typeface="+mn-lt"/>
                 <a:cs typeface="+mn-lt"/>
@@ -25877,14 +25681,14 @@
               <a:t>  console.log("Number" + i);</a:t>
             </a:r>
             <a:br>
-              <a:rPr lang="en-US" sz="2400" dirty="0">
+              <a:rPr lang="en-US" sz="2400">
                 <a:latin typeface="Consolas"/>
                 <a:ea typeface="+mn-lt"/>
                 <a:cs typeface="+mn-lt"/>
               </a:rPr>
             </a:br>
             <a:r>
-              <a:rPr lang="en-US" sz="2400" dirty="0">
+              <a:rPr lang="en-US" sz="2400">
                 <a:latin typeface="Consolas"/>
                 <a:ea typeface="+mn-lt"/>
                 <a:cs typeface="+mn-lt"/>
@@ -26060,21 +25864,17 @@
               </a:rPr>
               <a:t>Give it a try:</a:t>
             </a:r>
-            <a:endParaRPr lang="en-US" sz="2400" dirty="0">
-              <a:ea typeface="+mn-lt"/>
-              <a:cs typeface="+mn-lt"/>
-            </a:endParaRPr>
-          </a:p>
-          <a:p>
-            <a:r>
-              <a:rPr lang="en-US" sz="2400" dirty="0">
+          </a:p>
+          <a:p>
+            <a:r>
+              <a:rPr lang="en-US" sz="2400">
                 <a:ea typeface="+mn-lt"/>
                 <a:cs typeface="+mn-lt"/>
                 <a:hlinkClick r:id="rId2"/>
               </a:rPr>
               <a:t>https://www.w3schools.com/js/tryit.asp?filename=tryjs_object_for_in</a:t>
             </a:r>
-            <a:endParaRPr lang="en-US" dirty="0"/>
+            <a:endParaRPr lang="en-US"/>
           </a:p>
         </p:txBody>
       </p:sp>
@@ -26160,14 +25960,14 @@
               <a:t>var person = {fname:"John", lname:"Doe", age:25};</a:t>
             </a:r>
             <a:br>
-              <a:rPr lang="en-US" sz="2400" dirty="0">
+              <a:rPr lang="en-US" sz="2400">
                 <a:latin typeface="Consolas"/>
                 <a:ea typeface="+mn-lt"/>
                 <a:cs typeface="+mn-lt"/>
               </a:rPr>
             </a:br>
             <a:br>
-              <a:rPr lang="en-US" sz="2400" dirty="0">
+              <a:rPr lang="en-US" sz="2400">
                 <a:latin typeface="Consolas"/>
                 <a:ea typeface="+mn-lt"/>
                 <a:cs typeface="+mn-lt"/>
@@ -26182,7 +25982,7 @@
               <a:t>var text = "";</a:t>
             </a:r>
             <a:br>
-              <a:rPr lang="en-US" sz="2400" dirty="0">
+              <a:rPr lang="en-US" sz="2400">
                 <a:latin typeface="Consolas"/>
                 <a:ea typeface="+mn-lt"/>
                 <a:cs typeface="+mn-lt"/>
@@ -26197,7 +25997,7 @@
               <a:t>var x;</a:t>
             </a:r>
             <a:br>
-              <a:rPr lang="en-US" sz="2400" dirty="0">
+              <a:rPr lang="en-US" sz="2400">
                 <a:latin typeface="Consolas"/>
                 <a:ea typeface="+mn-lt"/>
                 <a:cs typeface="+mn-lt"/>
@@ -26212,7 +26012,7 @@
               <a:t>for (x in person) {</a:t>
             </a:r>
             <a:br>
-              <a:rPr lang="en-US" sz="2400" dirty="0">
+              <a:rPr lang="en-US" sz="2400">
                 <a:latin typeface="Consolas"/>
                 <a:ea typeface="+mn-lt"/>
                 <a:cs typeface="+mn-lt"/>
@@ -26227,21 +26027,21 @@
               <a:t>    text += person[x];</a:t>
             </a:r>
             <a:br>
-              <a:rPr lang="en-US" sz="2400" dirty="0">
+              <a:rPr lang="en-US" sz="2400">
                 <a:latin typeface="Consolas"/>
                 <a:ea typeface="+mn-lt"/>
                 <a:cs typeface="+mn-lt"/>
               </a:rPr>
             </a:br>
             <a:r>
-              <a:rPr lang="en-US" sz="2400" dirty="0">
+              <a:rPr lang="en-US" sz="2400">
                 <a:latin typeface="Consolas"/>
                 <a:ea typeface="+mn-lt"/>
                 <a:cs typeface="+mn-lt"/>
               </a:rPr>
               <a:t>}</a:t>
             </a:r>
-            <a:endParaRPr lang="en-US" dirty="0">
+            <a:endParaRPr lang="en-US">
               <a:latin typeface="Consolas"/>
               <a:ea typeface="+mn-lt"/>
               <a:cs typeface="+mn-lt"/>
@@ -26369,21 +26169,17 @@
               </a:rPr>
               <a:t>Give it a try:</a:t>
             </a:r>
-            <a:endParaRPr lang="en-US" sz="2400" dirty="0">
-              <a:ea typeface="+mn-lt"/>
-              <a:cs typeface="+mn-lt"/>
-            </a:endParaRPr>
-          </a:p>
-          <a:p>
-            <a:r>
-              <a:rPr lang="en-US" sz="2400" dirty="0">
+          </a:p>
+          <a:p>
+            <a:r>
+              <a:rPr lang="en-US" sz="2400">
                 <a:ea typeface="+mn-lt"/>
                 <a:cs typeface="+mn-lt"/>
                 <a:hlinkClick r:id="rId2"/>
               </a:rPr>
               <a:t>https://www.w3schools.com/js/tryit.asp?filename=tryjs_object_for_of</a:t>
             </a:r>
-            <a:endParaRPr lang="en-US" dirty="0"/>
+            <a:endParaRPr lang="en-US"/>
           </a:p>
         </p:txBody>
       </p:sp>
@@ -26468,7 +26264,7 @@
               <a:t>var cars = ['BMW', 'Volvo', 'Mini'];</a:t>
             </a:r>
             <a:br>
-              <a:rPr lang="en-US" sz="2400" dirty="0">
+              <a:rPr lang="en-US" sz="2400">
                 <a:ea typeface="+mn-lt"/>
                 <a:cs typeface="+mn-lt"/>
               </a:rPr>
@@ -26481,13 +26277,13 @@
               <a:t>var x;</a:t>
             </a:r>
             <a:br>
-              <a:rPr lang="en-US" sz="2400" dirty="0">
+              <a:rPr lang="en-US" sz="2400">
                 <a:ea typeface="+mn-lt"/>
                 <a:cs typeface="+mn-lt"/>
               </a:rPr>
             </a:br>
             <a:br>
-              <a:rPr lang="en-US" sz="2400" dirty="0">
+              <a:rPr lang="en-US" sz="2400">
                 <a:ea typeface="+mn-lt"/>
                 <a:cs typeface="+mn-lt"/>
               </a:rPr>
@@ -26500,7 +26296,7 @@
               <a:t>for (x of cars) {</a:t>
             </a:r>
             <a:br>
-              <a:rPr lang="en-US" sz="2400" dirty="0">
+              <a:rPr lang="en-US" sz="2400">
                 <a:ea typeface="+mn-lt"/>
                 <a:cs typeface="+mn-lt"/>
               </a:rPr>
@@ -26513,7 +26309,7 @@
               <a:t>  document.write(x + "&lt;br &gt;");</a:t>
             </a:r>
             <a:br>
-              <a:rPr lang="en-US" sz="2400" dirty="0">
+              <a:rPr lang="en-US" sz="2400">
                 <a:ea typeface="+mn-lt"/>
                 <a:cs typeface="+mn-lt"/>
               </a:rPr>
@@ -26567,7 +26363,7 @@
           <p:cNvPr id="2" name="Title 1">
             <a:extLst>
               <a:ext uri="{FF2B5EF4-FFF2-40B4-BE49-F238E27FC236}">
-                <a16:creationId xmlns:a16="http://schemas.microsoft.com/office/drawing/2014/main" id="{E79991AE-7CE8-4405-AD5B-B465CD58A633}"/>
+                <a16:creationId xmlns:a16="http://schemas.microsoft.com/office/drawing/2014/main" id="{ECCF6F8C-2E13-4296-BD55-0D837BF148FE}"/>
               </a:ext>
             </a:extLst>
           </p:cNvPr>
@@ -26580,8 +26376,8 @@
         </p:nvSpPr>
         <p:spPr>
           <a:xfrm>
-            <a:off x="-2635694" y="-373001"/>
-            <a:ext cx="7511473" cy="1312480"/>
+            <a:off x="1039857" y="160759"/>
+            <a:ext cx="7055380" cy="710249"/>
           </a:xfrm>
         </p:spPr>
         <p:txBody>
@@ -26593,243 +26389,202 @@
             <a:pPr algn="ctr"/>
             <a:r>
               <a:rPr lang="en-US" sz="3200"/>
-              <a:t>NOTE TO US</a:t>
-            </a:r>
-            <a:endParaRPr lang="en-US"/>
-          </a:p>
-        </p:txBody>
-      </p:sp>
-      <p:sp>
-        <p:nvSpPr>
-          <p:cNvPr id="3" name="Content Placeholder 2">
-            <a:extLst>
-              <a:ext uri="{FF2B5EF4-FFF2-40B4-BE49-F238E27FC236}">
-                <a16:creationId xmlns:a16="http://schemas.microsoft.com/office/drawing/2014/main" id="{AF8D3678-114A-4DF5-8D81-1D3A1BA02B55}"/>
-              </a:ext>
-            </a:extLst>
-          </p:cNvPr>
-          <p:cNvSpPr>
-            <a:spLocks noGrp="1"/>
-          </p:cNvSpPr>
-          <p:nvPr>
-            <p:ph idx="1"/>
-          </p:nvPr>
-        </p:nvSpPr>
-        <p:spPr>
-          <a:xfrm>
-            <a:off x="2431742" y="-31481"/>
-            <a:ext cx="6711654" cy="6827373"/>
-          </a:xfrm>
-        </p:spPr>
-        <p:txBody>
-          <a:bodyPr vert="horz" lIns="91440" tIns="45720" rIns="91440" bIns="45720" rtlCol="0" anchor="t">
-            <a:noAutofit/>
-          </a:bodyPr>
-          <a:lstStyle/>
-          <a:p>
-            <a:pPr marL="0" indent="0">
-              <a:buNone/>
-            </a:pPr>
-            <a:r>
-              <a:rPr lang="en-US" sz="2800">
-                <a:ea typeface="+mj-lt"/>
-                <a:cs typeface="+mj-lt"/>
-              </a:rPr>
-              <a:t>Cover the following on w3schools before moving to the 'MORE BASICS' slide that follows!</a:t>
-            </a:r>
-            <a:endParaRPr lang="en-US">
+              <a:t>Example: More BASICS</a:t>
+            </a:r>
+            <a:endParaRPr lang="en-US" sz="3200">
               <a:effectLst>
                 <a:glow rad="38100">
                   <a:prstClr val="black">
-                    <a:lumMod val="50000"/>
-                    <a:lumOff val="50000"/>
-                    <a:alpha val="20000"/>
+                    <a:lumMod val="65000"/>
+                    <a:lumOff val="35000"/>
+                    <a:alpha val="40000"/>
                   </a:prstClr>
                 </a:glow>
-                <a:outerShdw blurRad="44450" dist="12700" dir="13860000" algn="tl" rotWithShape="0">
+                <a:outerShdw blurRad="28575" dist="38100" dir="14040000" algn="tl" rotWithShape="0">
                   <a:srgbClr val="000000">
-                    <a:alpha val="20000"/>
-                  </a:srgbClr>
-                </a:outerShdw>
-              </a:effectLst>
-              <a:ea typeface="+mj-lt"/>
-              <a:cs typeface="+mj-lt"/>
-            </a:endParaRPr>
-          </a:p>
-          <a:p>
-            <a:pPr>
-              <a:buNone/>
-            </a:pPr>
-            <a:endParaRPr lang="en-US" sz="2400">
-              <a:effectLst>
-                <a:glow rad="38100">
-                  <a:prstClr val="black">
-                    <a:lumMod val="50000"/>
-                    <a:lumOff val="50000"/>
-                    <a:alpha val="20000"/>
-                  </a:prstClr>
-                </a:glow>
-                <a:outerShdw blurRad="44450" dist="12700" dir="13860000" algn="tl" rotWithShape="0">
-                  <a:srgbClr val="000000">
-                    <a:alpha val="20000"/>
+                    <a:alpha val="25000"/>
                   </a:srgbClr>
                 </a:outerShdw>
               </a:effectLst>
             </a:endParaRPr>
           </a:p>
-          <a:p>
-            <a:pPr>
-              <a:buNone/>
-            </a:pPr>
+        </p:txBody>
+      </p:sp>
+      <p:sp>
+        <p:nvSpPr>
+          <p:cNvPr id="4" name="TextBox 3">
+            <a:extLst>
+              <a:ext uri="{FF2B5EF4-FFF2-40B4-BE49-F238E27FC236}">
+                <a16:creationId xmlns:a16="http://schemas.microsoft.com/office/drawing/2014/main" id="{D3841CC4-5C87-49CE-88C0-8A98AA1A8147}"/>
+              </a:ext>
+            </a:extLst>
+          </p:cNvPr>
+          <p:cNvSpPr txBox="1"/>
+          <p:nvPr/>
+        </p:nvSpPr>
+        <p:spPr>
+          <a:xfrm>
+            <a:off x="615963" y="1227497"/>
+            <a:ext cx="8358946" cy="1138773"/>
+          </a:xfrm>
+          <a:prstGeom prst="rect">
+            <a:avLst/>
+          </a:prstGeom>
+          <a:noFill/>
+        </p:spPr>
+        <p:txBody>
+          <a:bodyPr rot="0" spcFirstLastPara="0" vertOverflow="overflow" horzOverflow="overflow" vert="horz" wrap="square" lIns="91440" tIns="45720" rIns="91440" bIns="45720" numCol="1" spcCol="0" rtlCol="0" fromWordArt="0" anchor="t" anchorCtr="0" forceAA="0" compatLnSpc="1">
+            <a:prstTxWarp prst="textNoShape">
+              <a:avLst/>
+            </a:prstTxWarp>
+            <a:spAutoFit/>
+          </a:bodyPr>
+          <a:lstStyle/>
+          <a:p>
+            <a:r>
+              <a:rPr lang="en-US" sz="2400"/>
+              <a:t>Open </a:t>
+            </a:r>
+            <a:r>
+              <a:rPr lang="en-US" sz="2400" b="1"/>
+              <a:t>more_basics.html</a:t>
+            </a:r>
+            <a:r>
+              <a:rPr lang="en-US" sz="2400"/>
+              <a:t> in Chrome and open the Console (F12).</a:t>
+            </a:r>
+            <a:endParaRPr lang="en-US"/>
+          </a:p>
+          <a:p>
+            <a:endParaRPr lang="en-US" sz="2000"/>
+          </a:p>
+        </p:txBody>
+      </p:sp>
+      <p:sp>
+        <p:nvSpPr>
+          <p:cNvPr id="3" name="TextBox 2">
+            <a:extLst>
+              <a:ext uri="{FF2B5EF4-FFF2-40B4-BE49-F238E27FC236}">
+                <a16:creationId xmlns:a16="http://schemas.microsoft.com/office/drawing/2014/main" id="{0C756E51-9D41-4CDE-B267-154C1ACE9901}"/>
+              </a:ext>
+            </a:extLst>
+          </p:cNvPr>
+          <p:cNvSpPr txBox="1"/>
+          <p:nvPr/>
+        </p:nvSpPr>
+        <p:spPr>
+          <a:xfrm>
+            <a:off x="613476" y="2644705"/>
+            <a:ext cx="7790328" cy="1107996"/>
+          </a:xfrm>
+          <a:prstGeom prst="rect">
+            <a:avLst/>
+          </a:prstGeom>
+          <a:noFill/>
+        </p:spPr>
+        <p:txBody>
+          <a:bodyPr rot="0" spcFirstLastPara="0" vertOverflow="overflow" horzOverflow="overflow" vert="horz" wrap="square" lIns="91440" tIns="45720" rIns="91440" bIns="45720" numCol="1" spcCol="0" rtlCol="0" fromWordArt="0" anchor="t" anchorCtr="0" forceAA="0" compatLnSpc="1">
+            <a:prstTxWarp prst="textNoShape">
+              <a:avLst/>
+            </a:prstTxWarp>
+            <a:spAutoFit/>
+          </a:bodyPr>
+          <a:lstStyle/>
+          <a:p>
             <a:r>
               <a:rPr lang="en-US" sz="2400">
-                <a:effectLst>
-                  <a:glow rad="38100">
-                    <a:prstClr val="black">
-                      <a:lumMod val="50000"/>
-                      <a:lumOff val="50000"/>
-                      <a:alpha val="20000"/>
-                    </a:prstClr>
-                  </a:glow>
-                  <a:outerShdw blurRad="44450" dist="12700" dir="13860000" algn="tl" rotWithShape="0">
-                    <a:srgbClr val="000000">
-                      <a:alpha val="20000"/>
-                    </a:srgbClr>
-                  </a:outerShdw>
-                </a:effectLst>
-                <a:ea typeface="+mn-lt"/>
-                <a:cs typeface="+mn-lt"/>
-              </a:rPr>
-              <a:t>//JS Type Conversion</a:t>
-            </a:r>
-            <a:endParaRPr lang="en-US" sz="2400">
-              <a:effectLst>
-                <a:glow rad="38100">
-                  <a:prstClr val="black">
-                    <a:lumMod val="50000"/>
-                    <a:lumOff val="50000"/>
-                    <a:alpha val="20000"/>
-                  </a:prstClr>
-                </a:glow>
-                <a:outerShdw blurRad="44450" dist="12700" dir="13860000" algn="tl" rotWithShape="0">
-                  <a:srgbClr val="000000">
-                    <a:alpha val="20000"/>
-                  </a:srgbClr>
-                </a:outerShdw>
-              </a:effectLst>
-            </a:endParaRPr>
-          </a:p>
-          <a:p>
-            <a:pPr>
-              <a:buNone/>
-            </a:pPr>
+                <a:ea typeface="+mn-lt"/>
+                <a:cs typeface="+mn-lt"/>
+              </a:rPr>
+              <a:t>We'll be adding code to </a:t>
+            </a:r>
+            <a:r>
+              <a:rPr lang="en-US" sz="2400" b="1">
+                <a:ea typeface="+mn-lt"/>
+                <a:cs typeface="+mn-lt"/>
+              </a:rPr>
+              <a:t>more_basics.js</a:t>
+            </a:r>
             <a:r>
               <a:rPr lang="en-US" sz="2400">
-                <a:effectLst>
-                  <a:glow rad="38100">
-                    <a:prstClr val="black">
-                      <a:lumMod val="50000"/>
-                      <a:lumOff val="50000"/>
-                      <a:alpha val="20000"/>
-                    </a:prstClr>
-                  </a:glow>
-                  <a:outerShdw blurRad="44450" dist="12700" dir="13860000" algn="tl" rotWithShape="0">
-                    <a:srgbClr val="000000">
-                      <a:alpha val="20000"/>
-                    </a:srgbClr>
-                  </a:outerShdw>
-                </a:effectLst>
-                <a:ea typeface="+mn-lt"/>
-                <a:cs typeface="+mn-lt"/>
-              </a:rPr>
-              <a:t>//JS Bitwise</a:t>
-            </a:r>
-            <a:endParaRPr lang="en-US" sz="2400">
-              <a:effectLst>
-                <a:glow rad="38100">
-                  <a:prstClr val="black">
-                    <a:lumMod val="50000"/>
-                    <a:lumOff val="50000"/>
-                    <a:alpha val="20000"/>
-                  </a:prstClr>
-                </a:glow>
-                <a:outerShdw blurRad="44450" dist="12700" dir="13860000" algn="tl" rotWithShape="0">
-                  <a:srgbClr val="000000">
-                    <a:alpha val="20000"/>
-                  </a:srgbClr>
-                </a:outerShdw>
-              </a:effectLst>
-            </a:endParaRPr>
-          </a:p>
-          <a:p>
-            <a:pPr>
-              <a:buNone/>
-            </a:pPr>
-            <a:r>
-              <a:rPr lang="en-US" sz="2400">
-                <a:effectLst>
-                  <a:glow rad="38100">
-                    <a:prstClr val="black">
-                      <a:lumMod val="50000"/>
-                      <a:lumOff val="50000"/>
-                      <a:alpha val="20000"/>
-                    </a:prstClr>
-                  </a:glow>
-                  <a:outerShdw blurRad="44450" dist="12700" dir="13860000" algn="tl" rotWithShape="0">
-                    <a:srgbClr val="000000">
-                      <a:alpha val="20000"/>
-                    </a:srgbClr>
-                  </a:outerShdw>
-                </a:effectLst>
-                <a:ea typeface="+mn-lt"/>
-                <a:cs typeface="+mn-lt"/>
-              </a:rPr>
-              <a:t>//JS </a:t>
-            </a:r>
-            <a:r>
-              <a:rPr lang="en-US" sz="2400" err="1">
-                <a:effectLst>
-                  <a:glow rad="38100">
-                    <a:prstClr val="black">
-                      <a:lumMod val="50000"/>
-                      <a:lumOff val="50000"/>
-                      <a:alpha val="20000"/>
-                    </a:prstClr>
-                  </a:glow>
-                  <a:outerShdw blurRad="44450" dist="12700" dir="13860000" algn="tl" rotWithShape="0">
-                    <a:srgbClr val="000000">
-                      <a:alpha val="20000"/>
-                    </a:srgbClr>
-                  </a:outerShdw>
-                </a:effectLst>
-                <a:ea typeface="+mn-lt"/>
-                <a:cs typeface="+mn-lt"/>
-              </a:rPr>
-              <a:t>RegExp</a:t>
-            </a:r>
-            <a:endParaRPr lang="en-US" sz="2400" err="1">
-              <a:effectLst>
-                <a:glow rad="38100">
-                  <a:prstClr val="black">
-                    <a:lumMod val="50000"/>
-                    <a:lumOff val="50000"/>
-                    <a:alpha val="20000"/>
-                  </a:prstClr>
-                </a:glow>
-                <a:outerShdw blurRad="44450" dist="12700" dir="13860000" algn="tl" rotWithShape="0">
-                  <a:srgbClr val="000000">
-                    <a:alpha val="20000"/>
-                  </a:srgbClr>
-                </a:outerShdw>
-              </a:effectLst>
-            </a:endParaRPr>
+                <a:ea typeface="+mn-lt"/>
+                <a:cs typeface="+mn-lt"/>
+              </a:rPr>
+              <a:t> using Visual Studio and seeing the results in Chrome.</a:t>
+            </a:r>
+            <a:endParaRPr lang="en-US" sz="2400"/>
+          </a:p>
+          <a:p>
+            <a:pPr algn="l"/>
+            <a:endParaRPr lang="en-US"/>
+          </a:p>
+        </p:txBody>
+      </p:sp>
+      <p:sp>
+        <p:nvSpPr>
+          <p:cNvPr id="5" name="TextBox 4">
+            <a:extLst>
+              <a:ext uri="{FF2B5EF4-FFF2-40B4-BE49-F238E27FC236}">
+                <a16:creationId xmlns:a16="http://schemas.microsoft.com/office/drawing/2014/main" id="{09667006-F9EA-494C-9182-BC6F5CE366DE}"/>
+              </a:ext>
+            </a:extLst>
+          </p:cNvPr>
+          <p:cNvSpPr txBox="1"/>
+          <p:nvPr/>
+        </p:nvSpPr>
+        <p:spPr>
+          <a:xfrm>
+            <a:off x="483703" y="4391648"/>
+            <a:ext cx="7790328" cy="2523768"/>
+          </a:xfrm>
+          <a:prstGeom prst="rect">
+            <a:avLst/>
+          </a:prstGeom>
+          <a:noFill/>
+        </p:spPr>
+        <p:txBody>
+          <a:bodyPr rot="0" spcFirstLastPara="0" vertOverflow="overflow" horzOverflow="overflow" vert="horz" wrap="square" lIns="91440" tIns="45720" rIns="91440" bIns="45720" numCol="1" spcCol="0" rtlCol="0" fromWordArt="0" anchor="t" anchorCtr="0" forceAA="0" compatLnSpc="1">
+            <a:prstTxWarp prst="textNoShape">
+              <a:avLst/>
+            </a:prstTxWarp>
+            <a:spAutoFit/>
+          </a:bodyPr>
+          <a:lstStyle/>
+          <a:p>
+            <a:pPr algn="ctr"/>
+            <a:r>
+              <a:rPr lang="en-US" sz="2800" b="1">
+                <a:ea typeface="+mn-lt"/>
+                <a:cs typeface="+mn-lt"/>
+              </a:rPr>
+              <a:t>Fill in the code in the comments in the_basics.js now.</a:t>
+            </a:r>
+            <a:endParaRPr lang="en-US"/>
+          </a:p>
+          <a:p>
+            <a:pPr algn="ctr"/>
+            <a:endParaRPr lang="en-US" sz="2800" b="1"/>
+          </a:p>
+          <a:p>
+            <a:pPr algn="ctr"/>
+            <a:endParaRPr lang="en-US" sz="2800" b="1"/>
+          </a:p>
+          <a:p>
+            <a:pPr algn="ctr"/>
+            <a:r>
+              <a:rPr lang="en-US" sz="2800" b="1"/>
+              <a:t>Expected output is on the next slide.</a:t>
+            </a:r>
+          </a:p>
+          <a:p>
+            <a:endParaRPr lang="en-US"/>
           </a:p>
         </p:txBody>
       </p:sp>
     </p:spTree>
     <p:extLst>
       <p:ext uri="{BB962C8B-B14F-4D97-AF65-F5344CB8AC3E}">
-        <p14:creationId xmlns:p14="http://schemas.microsoft.com/office/powerpoint/2010/main" val="905404397"/>
+        <p14:creationId xmlns:p14="http://schemas.microsoft.com/office/powerpoint/2010/main" val="4037593221"/>
       </p:ext>
     </p:extLst>
   </p:cSld>
@@ -26861,7 +26616,7 @@
           <p:cNvPr id="2" name="Title 1">
             <a:extLst>
               <a:ext uri="{FF2B5EF4-FFF2-40B4-BE49-F238E27FC236}">
-                <a16:creationId xmlns:a16="http://schemas.microsoft.com/office/drawing/2014/main" id="{0E8EE277-20AF-4E92-8ABF-A3DB6CBEC5D2}"/>
+                <a16:creationId xmlns:a16="http://schemas.microsoft.com/office/drawing/2014/main" id="{ECCF6F8C-2E13-4296-BD55-0D837BF148FE}"/>
               </a:ext>
             </a:extLst>
           </p:cNvPr>
@@ -26874,384 +26629,81 @@
         </p:nvSpPr>
         <p:spPr>
           <a:xfrm>
-            <a:off x="755098" y="-190075"/>
-            <a:ext cx="7511473" cy="1122733"/>
+            <a:off x="1039857" y="160759"/>
+            <a:ext cx="7055380" cy="710249"/>
           </a:xfrm>
         </p:spPr>
         <p:txBody>
           <a:bodyPr>
-            <a:normAutofit/>
+            <a:normAutofit fontScale="90000"/>
           </a:bodyPr>
           <a:lstStyle/>
           <a:p>
             <a:pPr algn="ctr"/>
             <a:r>
-              <a:rPr lang="en-US" sz="3200">
-                <a:effectLst>
-                  <a:glow rad="38100">
-                    <a:prstClr val="black">
-                      <a:lumMod val="65000"/>
-                      <a:lumOff val="35000"/>
-                      <a:alpha val="40000"/>
-                    </a:prstClr>
-                  </a:glow>
-                  <a:outerShdw blurRad="28575" dist="38100" dir="14040000" algn="tl" rotWithShape="0">
-                    <a:srgbClr val="000000">
-                      <a:alpha val="25000"/>
-                    </a:srgbClr>
-                  </a:outerShdw>
-                </a:effectLst>
-              </a:rPr>
-              <a:t>While Loops</a:t>
-            </a:r>
-          </a:p>
-        </p:txBody>
-      </p:sp>
-      <p:sp>
-        <p:nvSpPr>
-          <p:cNvPr id="4" name="TextBox 3">
+              <a:rPr lang="en-US" sz="3200"/>
+              <a:t>Example: More BASICS </a:t>
+            </a:r>
+            <a:br>
+              <a:rPr lang="en-US" sz="3200"/>
+            </a:br>
+            <a:r>
+              <a:rPr lang="en-US" sz="3200"/>
+              <a:t>(EXPECTED OUTPUT)</a:t>
+            </a:r>
+            <a:endParaRPr lang="en-US" sz="3200">
+              <a:effectLst>
+                <a:glow rad="38100">
+                  <a:prstClr val="black">
+                    <a:lumMod val="65000"/>
+                    <a:lumOff val="35000"/>
+                    <a:alpha val="40000"/>
+                  </a:prstClr>
+                </a:glow>
+                <a:outerShdw blurRad="28575" dist="38100" dir="14040000" algn="tl" rotWithShape="0">
+                  <a:srgbClr val="000000">
+                    <a:alpha val="25000"/>
+                  </a:srgbClr>
+                </a:outerShdw>
+              </a:effectLst>
+            </a:endParaRPr>
+          </a:p>
+        </p:txBody>
+      </p:sp>
+      <p:pic>
+        <p:nvPicPr>
+          <p:cNvPr id="6" name="Picture 6" descr="A screenshot of a cell phone&#10;&#10;Description generated with very high confidence">
             <a:extLst>
               <a:ext uri="{FF2B5EF4-FFF2-40B4-BE49-F238E27FC236}">
-                <a16:creationId xmlns:a16="http://schemas.microsoft.com/office/drawing/2014/main" id="{3C85F4C9-E2C8-4C0D-BA37-E1DF5D17D18F}"/>
+                <a16:creationId xmlns:a16="http://schemas.microsoft.com/office/drawing/2014/main" id="{4E51101C-467C-41C8-B46B-FCFA63D0FB93}"/>
               </a:ext>
             </a:extLst>
           </p:cNvPr>
-          <p:cNvSpPr txBox="1"/>
+          <p:cNvPicPr>
+            <a:picLocks noChangeAspect="1"/>
+          </p:cNvPicPr>
           <p:nvPr/>
-        </p:nvSpPr>
+        </p:nvPicPr>
+        <p:blipFill>
+          <a:blip r:embed="rId2"/>
+          <a:stretch>
+            <a:fillRect/>
+          </a:stretch>
+        </p:blipFill>
         <p:spPr>
           <a:xfrm>
-            <a:off x="616227" y="932471"/>
-            <a:ext cx="8010937" cy="4708981"/>
+            <a:off x="1892688" y="1034615"/>
+            <a:ext cx="5099076" cy="5677215"/>
           </a:xfrm>
           <a:prstGeom prst="rect">
             <a:avLst/>
           </a:prstGeom>
-          <a:noFill/>
         </p:spPr>
-        <p:txBody>
-          <a:bodyPr rot="0" spcFirstLastPara="0" vertOverflow="overflow" horzOverflow="overflow" vert="horz" wrap="square" lIns="91440" tIns="45720" rIns="91440" bIns="45720" numCol="1" spcCol="0" rtlCol="0" fromWordArt="0" anchor="t" anchorCtr="0" forceAA="0" compatLnSpc="1">
-            <a:prstTxWarp prst="textNoShape">
-              <a:avLst/>
-            </a:prstTxWarp>
-            <a:spAutoFit/>
-          </a:bodyPr>
-          <a:lstStyle/>
-          <a:p>
-            <a:pPr marL="285750" indent="-285750">
-              <a:buFont typeface="Arial"/>
-              <a:buChar char="•"/>
-            </a:pPr>
-            <a:r>
-              <a:rPr lang="en-US" sz="2000">
-                <a:ea typeface="+mn-lt"/>
-                <a:cs typeface="+mn-lt"/>
-              </a:rPr>
-              <a:t>In the following example, the code in the loop will run, over and over again, as long as a </a:t>
-            </a:r>
-            <a:r>
-              <a:rPr lang="en-US" sz="2000">
-                <a:latin typeface="Century Gothic"/>
-                <a:ea typeface="+mn-lt"/>
-                <a:cs typeface="+mn-lt"/>
-              </a:rPr>
-              <a:t>variable (</a:t>
-            </a:r>
-            <a:r>
-              <a:rPr lang="en-US" sz="2000" err="1">
-                <a:latin typeface="Century Gothic"/>
-                <a:ea typeface="+mn-lt"/>
-                <a:cs typeface="+mn-lt"/>
-              </a:rPr>
-              <a:t>i</a:t>
-            </a:r>
-            <a:r>
-              <a:rPr lang="en-US" sz="2000">
-                <a:latin typeface="Century Gothic"/>
-                <a:ea typeface="+mn-lt"/>
-                <a:cs typeface="+mn-lt"/>
-              </a:rPr>
-              <a:t>)</a:t>
-            </a:r>
-            <a:r>
-              <a:rPr lang="en-US" sz="2000">
-                <a:ea typeface="+mn-lt"/>
-                <a:cs typeface="+mn-lt"/>
-              </a:rPr>
-              <a:t> is less than 10:</a:t>
-            </a:r>
-            <a:endParaRPr lang="en-US" sz="2000"/>
-          </a:p>
-          <a:p>
-            <a:pPr lvl="2"/>
-            <a:endParaRPr lang="en-US" sz="2000">
-              <a:latin typeface="Consolas"/>
-              <a:ea typeface="+mn-lt"/>
-              <a:cs typeface="+mn-lt"/>
-            </a:endParaRPr>
-          </a:p>
-          <a:p>
-            <a:pPr lvl="2"/>
-            <a:r>
-              <a:rPr lang="en-US" sz="2000">
-                <a:latin typeface="Consolas"/>
-                <a:ea typeface="+mn-lt"/>
-                <a:cs typeface="+mn-lt"/>
-              </a:rPr>
-              <a:t>while (</a:t>
-            </a:r>
-            <a:r>
-              <a:rPr lang="en-US" sz="2000" err="1">
-                <a:latin typeface="Consolas"/>
-                <a:ea typeface="+mn-lt"/>
-                <a:cs typeface="+mn-lt"/>
-              </a:rPr>
-              <a:t>i</a:t>
-            </a:r>
-            <a:r>
-              <a:rPr lang="en-US" sz="2000">
-                <a:latin typeface="Consolas"/>
-                <a:ea typeface="+mn-lt"/>
-                <a:cs typeface="+mn-lt"/>
-              </a:rPr>
-              <a:t> &lt; 10) {</a:t>
-            </a:r>
-            <a:br>
-              <a:rPr lang="en-US" sz="2000">
-                <a:latin typeface="Consolas"/>
-                <a:ea typeface="+mn-lt"/>
-                <a:cs typeface="+mn-lt"/>
-              </a:rPr>
-            </a:br>
-            <a:r>
-              <a:rPr lang="en-US" sz="2000">
-                <a:latin typeface="Consolas"/>
-                <a:ea typeface="+mn-lt"/>
-                <a:cs typeface="+mn-lt"/>
-              </a:rPr>
-              <a:t>   text += "The number is " + </a:t>
-            </a:r>
-            <a:r>
-              <a:rPr lang="en-US" sz="2000" err="1">
-                <a:latin typeface="Consolas"/>
-                <a:ea typeface="+mn-lt"/>
-                <a:cs typeface="+mn-lt"/>
-              </a:rPr>
-              <a:t>i</a:t>
-            </a:r>
-            <a:r>
-              <a:rPr lang="en-US" sz="2000">
-                <a:latin typeface="Consolas"/>
-                <a:ea typeface="+mn-lt"/>
-                <a:cs typeface="+mn-lt"/>
-              </a:rPr>
-              <a:t>;</a:t>
-            </a:r>
-            <a:br>
-              <a:rPr lang="en-US" sz="2000">
-                <a:latin typeface="Consolas"/>
-                <a:ea typeface="+mn-lt"/>
-                <a:cs typeface="+mn-lt"/>
-              </a:rPr>
-            </a:br>
-            <a:r>
-              <a:rPr lang="en-US" sz="2000">
-                <a:latin typeface="Consolas"/>
-                <a:ea typeface="+mn-lt"/>
-                <a:cs typeface="+mn-lt"/>
-              </a:rPr>
-              <a:t>   </a:t>
-            </a:r>
-            <a:r>
-              <a:rPr lang="en-US" sz="2000" err="1">
-                <a:latin typeface="Consolas"/>
-                <a:ea typeface="+mn-lt"/>
-                <a:cs typeface="+mn-lt"/>
-              </a:rPr>
-              <a:t>i</a:t>
-            </a:r>
-            <a:r>
-              <a:rPr lang="en-US" sz="2000">
-                <a:latin typeface="Consolas"/>
-                <a:ea typeface="+mn-lt"/>
-                <a:cs typeface="+mn-lt"/>
-              </a:rPr>
-              <a:t>++;</a:t>
-            </a:r>
-            <a:br>
-              <a:rPr lang="en-US" sz="2000">
-                <a:latin typeface="Consolas"/>
-                <a:ea typeface="+mn-lt"/>
-                <a:cs typeface="+mn-lt"/>
-              </a:rPr>
-            </a:br>
-            <a:r>
-              <a:rPr lang="en-US" sz="2000">
-                <a:latin typeface="Consolas"/>
-                <a:ea typeface="+mn-lt"/>
-                <a:cs typeface="+mn-lt"/>
-              </a:rPr>
-              <a:t>}</a:t>
-            </a:r>
-            <a:endParaRPr lang="en-US" sz="2000"/>
-          </a:p>
-          <a:p>
-            <a:pPr marL="285750" indent="-285750">
-              <a:buFont typeface="Arial"/>
-              <a:buChar char="•"/>
-            </a:pPr>
-            <a:endParaRPr lang="en-US" sz="2000">
-              <a:latin typeface="Century Gothic"/>
-            </a:endParaRPr>
-          </a:p>
-          <a:p>
-            <a:pPr marL="285750" indent="-285750">
-              <a:buFont typeface="Arial"/>
-              <a:buChar char="•"/>
-            </a:pPr>
-            <a:r>
-              <a:rPr lang="en-US" sz="2000">
-                <a:latin typeface="Century Gothic"/>
-              </a:rPr>
-              <a:t>JS also has do-while loops:</a:t>
-            </a:r>
-          </a:p>
-          <a:p>
-            <a:pPr lvl="2"/>
-            <a:endParaRPr lang="en-US" sz="2000">
-              <a:latin typeface="Consolas"/>
-              <a:ea typeface="+mn-lt"/>
-              <a:cs typeface="+mn-lt"/>
-            </a:endParaRPr>
-          </a:p>
-          <a:p>
-            <a:pPr lvl="2"/>
-            <a:r>
-              <a:rPr lang="en-US" sz="2000">
-                <a:latin typeface="Consolas"/>
-                <a:ea typeface="+mn-lt"/>
-                <a:cs typeface="+mn-lt"/>
-              </a:rPr>
-              <a:t>do {</a:t>
-            </a:r>
-            <a:br>
-              <a:rPr lang="en-US" sz="2000">
-                <a:latin typeface="Consolas"/>
-                <a:ea typeface="+mn-lt"/>
-                <a:cs typeface="+mn-lt"/>
-              </a:rPr>
-            </a:br>
-            <a:r>
-              <a:rPr lang="en-US" sz="2000">
-                <a:latin typeface="Consolas"/>
-                <a:ea typeface="+mn-lt"/>
-                <a:cs typeface="+mn-lt"/>
-              </a:rPr>
-              <a:t>   text += "The number is " + </a:t>
-            </a:r>
-            <a:r>
-              <a:rPr lang="en-US" sz="2000" err="1">
-                <a:latin typeface="Consolas"/>
-                <a:ea typeface="+mn-lt"/>
-                <a:cs typeface="+mn-lt"/>
-              </a:rPr>
-              <a:t>i</a:t>
-            </a:r>
-            <a:r>
-              <a:rPr lang="en-US" sz="2000">
-                <a:latin typeface="Consolas"/>
-                <a:ea typeface="+mn-lt"/>
-                <a:cs typeface="+mn-lt"/>
-              </a:rPr>
-              <a:t>;</a:t>
-            </a:r>
-            <a:br>
-              <a:rPr lang="en-US" sz="2000">
-                <a:latin typeface="Consolas"/>
-                <a:ea typeface="+mn-lt"/>
-                <a:cs typeface="+mn-lt"/>
-              </a:rPr>
-            </a:br>
-            <a:r>
-              <a:rPr lang="en-US" sz="2000">
-                <a:latin typeface="Consolas"/>
-                <a:ea typeface="+mn-lt"/>
-                <a:cs typeface="+mn-lt"/>
-              </a:rPr>
-              <a:t>   </a:t>
-            </a:r>
-            <a:r>
-              <a:rPr lang="en-US" sz="2000" err="1">
-                <a:latin typeface="Consolas"/>
-                <a:ea typeface="+mn-lt"/>
-                <a:cs typeface="+mn-lt"/>
-              </a:rPr>
-              <a:t>i</a:t>
-            </a:r>
-            <a:r>
-              <a:rPr lang="en-US" sz="2000">
-                <a:latin typeface="Consolas"/>
-                <a:ea typeface="+mn-lt"/>
-                <a:cs typeface="+mn-lt"/>
-              </a:rPr>
-              <a:t>++;</a:t>
-            </a:r>
-            <a:br>
-              <a:rPr lang="en-US" sz="2000">
-                <a:latin typeface="Consolas"/>
-                <a:ea typeface="+mn-lt"/>
-                <a:cs typeface="+mn-lt"/>
-              </a:rPr>
-            </a:br>
-            <a:r>
-              <a:rPr lang="en-US" sz="2000">
-                <a:latin typeface="Consolas"/>
-                <a:ea typeface="+mn-lt"/>
-                <a:cs typeface="+mn-lt"/>
-              </a:rPr>
-              <a:t> }</a:t>
-            </a:r>
-            <a:br>
-              <a:rPr lang="en-US" sz="2000">
-                <a:latin typeface="Consolas"/>
-                <a:ea typeface="+mn-lt"/>
-                <a:cs typeface="+mn-lt"/>
-              </a:rPr>
-            </a:br>
-            <a:r>
-              <a:rPr lang="en-US" sz="2000">
-                <a:latin typeface="Consolas"/>
-                <a:ea typeface="+mn-lt"/>
-                <a:cs typeface="+mn-lt"/>
-              </a:rPr>
-              <a:t> while (</a:t>
-            </a:r>
-            <a:r>
-              <a:rPr lang="en-US" sz="2000" err="1">
-                <a:latin typeface="Consolas"/>
-                <a:ea typeface="+mn-lt"/>
-                <a:cs typeface="+mn-lt"/>
-              </a:rPr>
-              <a:t>i</a:t>
-            </a:r>
-            <a:r>
-              <a:rPr lang="en-US" sz="2000">
-                <a:latin typeface="Consolas"/>
-                <a:ea typeface="+mn-lt"/>
-                <a:cs typeface="+mn-lt"/>
-              </a:rPr>
-              <a:t> &lt; 10); </a:t>
-            </a:r>
-            <a:endParaRPr lang="en-US" sz="2000">
-              <a:latin typeface="Consolas"/>
-            </a:endParaRPr>
-          </a:p>
-        </p:txBody>
-      </p:sp>
+      </p:pic>
     </p:spTree>
     <p:extLst>
       <p:ext uri="{BB962C8B-B14F-4D97-AF65-F5344CB8AC3E}">
-        <p14:creationId xmlns:p14="http://schemas.microsoft.com/office/powerpoint/2010/main" val="374323243"/>
+        <p14:creationId xmlns:p14="http://schemas.microsoft.com/office/powerpoint/2010/main" val="181880958"/>
       </p:ext>
     </p:extLst>
   </p:cSld>
@@ -27283,7 +26735,7 @@
           <p:cNvPr id="2" name="Title 1">
             <a:extLst>
               <a:ext uri="{FF2B5EF4-FFF2-40B4-BE49-F238E27FC236}">
-                <a16:creationId xmlns:a16="http://schemas.microsoft.com/office/drawing/2014/main" id="{1A151F66-BD6B-480A-9E66-EDCC7AC64588}"/>
+                <a16:creationId xmlns:a16="http://schemas.microsoft.com/office/drawing/2014/main" id="{ECCF6F8C-2E13-4296-BD55-0D837BF148FE}"/>
               </a:ext>
             </a:extLst>
           </p:cNvPr>
@@ -27296,8 +26748,8 @@
         </p:nvSpPr>
         <p:spPr>
           <a:xfrm>
-            <a:off x="691849" y="-262361"/>
-            <a:ext cx="7511473" cy="1312480"/>
+            <a:off x="1039857" y="160759"/>
+            <a:ext cx="7055380" cy="710249"/>
           </a:xfrm>
         </p:spPr>
         <p:txBody>
@@ -27308,24 +26760,25 @@
           <a:p>
             <a:pPr algn="ctr"/>
             <a:r>
-              <a:rPr lang="en-US" sz="3200">
-                <a:effectLst>
-                  <a:glow rad="38100">
-                    <a:prstClr val="black">
-                      <a:lumMod val="65000"/>
-                      <a:lumOff val="35000"/>
-                      <a:alpha val="40000"/>
-                    </a:prstClr>
-                  </a:glow>
-                  <a:outerShdw blurRad="28575" dist="38100" dir="14040000" algn="tl" rotWithShape="0">
-                    <a:srgbClr val="000000">
-                      <a:alpha val="25000"/>
-                    </a:srgbClr>
-                  </a:outerShdw>
-                </a:effectLst>
-              </a:rPr>
-              <a:t>BREAK</a:t>
-            </a:r>
+              <a:rPr lang="en-US" sz="3200"/>
+              <a:t>Example: The Colors</a:t>
+            </a:r>
+            <a:endParaRPr lang="en-US" sz="3200">
+              <a:effectLst>
+                <a:glow rad="38100">
+                  <a:prstClr val="black">
+                    <a:lumMod val="65000"/>
+                    <a:lumOff val="35000"/>
+                    <a:alpha val="40000"/>
+                  </a:prstClr>
+                </a:glow>
+                <a:outerShdw blurRad="28575" dist="38100" dir="14040000" algn="tl" rotWithShape="0">
+                  <a:srgbClr val="000000">
+                    <a:alpha val="25000"/>
+                  </a:srgbClr>
+                </a:outerShdw>
+              </a:effectLst>
+            </a:endParaRPr>
           </a:p>
         </p:txBody>
       </p:sp>
@@ -27334,7 +26787,7 @@
           <p:cNvPr id="4" name="TextBox 3">
             <a:extLst>
               <a:ext uri="{FF2B5EF4-FFF2-40B4-BE49-F238E27FC236}">
-                <a16:creationId xmlns:a16="http://schemas.microsoft.com/office/drawing/2014/main" id="{9B8891E7-5AC2-41FD-A623-5FA7204EA47B}"/>
+                <a16:creationId xmlns:a16="http://schemas.microsoft.com/office/drawing/2014/main" id="{D3841CC4-5C87-49CE-88C0-8A98AA1A8147}"/>
               </a:ext>
             </a:extLst>
           </p:cNvPr>
@@ -27343,8 +26796,8 @@
         </p:nvSpPr>
         <p:spPr>
           <a:xfrm>
-            <a:off x="878258" y="905366"/>
-            <a:ext cx="7577230" cy="5324535"/>
+            <a:off x="605393" y="868126"/>
+            <a:ext cx="7849879" cy="707886"/>
           </a:xfrm>
           <a:prstGeom prst="rect">
             <a:avLst/>
@@ -27360,440 +26813,106 @@
           </a:bodyPr>
           <a:lstStyle/>
           <a:p>
-            <a:pPr>
-              <a:buFont typeface="Arial"/>
-              <a:buChar char="•"/>
-            </a:pPr>
-            <a:r>
-              <a:rPr lang="en-US" sz="2000">
-                <a:ea typeface="+mn-lt"/>
-                <a:cs typeface="+mn-lt"/>
-              </a:rPr>
-              <a:t> The </a:t>
-            </a:r>
-            <a:r>
-              <a:rPr lang="en-US" sz="2000">
-                <a:latin typeface="Consolas"/>
-              </a:rPr>
-              <a:t>break</a:t>
-            </a:r>
-            <a:r>
-              <a:rPr lang="en-US" sz="2000">
-                <a:ea typeface="+mn-lt"/>
-                <a:cs typeface="+mn-lt"/>
-              </a:rPr>
-              <a:t> statement "jumps out" of a loop.</a:t>
-            </a:r>
-          </a:p>
-          <a:p>
-            <a:pPr lvl="1">
-              <a:buFont typeface="Arial"/>
-              <a:buChar char="•"/>
-            </a:pPr>
-            <a:r>
-              <a:rPr lang="en-US" sz="2000">
-                <a:ea typeface="+mn-lt"/>
-                <a:cs typeface="+mn-lt"/>
-              </a:rPr>
-              <a:t> This </a:t>
-            </a:r>
-            <a:r>
-              <a:rPr lang="en-US" sz="2000">
-                <a:latin typeface="Consolas"/>
-                <a:ea typeface="+mn-lt"/>
-                <a:cs typeface="+mn-lt"/>
-              </a:rPr>
-              <a:t>break</a:t>
-            </a:r>
-            <a:r>
-              <a:rPr lang="en-US" sz="2000">
-                <a:ea typeface="+mn-lt"/>
-                <a:cs typeface="+mn-lt"/>
-              </a:rPr>
-              <a:t> statement breaks the loop and continues executing the code after the loop (if any)</a:t>
-            </a:r>
-            <a:endParaRPr lang="en-US" sz="2000"/>
-          </a:p>
-          <a:p>
-            <a:pPr lvl="1"/>
-            <a:endParaRPr lang="en-US" sz="2000">
-              <a:latin typeface="Consolas"/>
+            <a:pPr algn="ctr"/>
+            <a:r>
+              <a:rPr lang="en-US" sz="2000"/>
+              <a:t>Open colorful_events.html in Chrome.</a:t>
+            </a:r>
+          </a:p>
+          <a:p>
+            <a:pPr algn="ctr"/>
+            <a:r>
+              <a:rPr lang="en-US" sz="2000"/>
+              <a:t>Some features of the page don't work.</a:t>
+            </a:r>
+            <a:endParaRPr lang="en-US" sz="2000" b="1"/>
+          </a:p>
+        </p:txBody>
+      </p:sp>
+      <p:pic>
+        <p:nvPicPr>
+          <p:cNvPr id="7" name="Picture 7" descr="A screenshot of a cell phone&#10;&#10;Description generated with very high confidence">
+            <a:extLst>
+              <a:ext uri="{FF2B5EF4-FFF2-40B4-BE49-F238E27FC236}">
+                <a16:creationId xmlns:a16="http://schemas.microsoft.com/office/drawing/2014/main" id="{263072F9-B7FA-45AC-B8B3-A56DB7A5D297}"/>
+              </a:ext>
+            </a:extLst>
+          </p:cNvPr>
+          <p:cNvPicPr>
+            <a:picLocks noChangeAspect="1"/>
+          </p:cNvPicPr>
+          <p:nvPr/>
+        </p:nvPicPr>
+        <p:blipFill>
+          <a:blip r:embed="rId2"/>
+          <a:stretch>
+            <a:fillRect/>
+          </a:stretch>
+        </p:blipFill>
+        <p:spPr>
+          <a:xfrm>
+            <a:off x="2120915" y="1627457"/>
+            <a:ext cx="5167412" cy="4350961"/>
+          </a:xfrm>
+          <a:prstGeom prst="rect">
+            <a:avLst/>
+          </a:prstGeom>
+        </p:spPr>
+      </p:pic>
+      <p:sp>
+        <p:nvSpPr>
+          <p:cNvPr id="3" name="TextBox 2">
+            <a:extLst>
+              <a:ext uri="{FF2B5EF4-FFF2-40B4-BE49-F238E27FC236}">
+                <a16:creationId xmlns:a16="http://schemas.microsoft.com/office/drawing/2014/main" id="{0C756E51-9D41-4CDE-B267-154C1ACE9901}"/>
+              </a:ext>
+            </a:extLst>
+          </p:cNvPr>
+          <p:cNvSpPr txBox="1"/>
+          <p:nvPr/>
+        </p:nvSpPr>
+        <p:spPr>
+          <a:xfrm>
+            <a:off x="663389" y="6248400"/>
+            <a:ext cx="7790328" cy="800219"/>
+          </a:xfrm>
+          <a:prstGeom prst="rect">
+            <a:avLst/>
+          </a:prstGeom>
+          <a:noFill/>
+        </p:spPr>
+        <p:txBody>
+          <a:bodyPr rot="0" spcFirstLastPara="0" vertOverflow="overflow" horzOverflow="overflow" vert="horz" wrap="square" lIns="91440" tIns="45720" rIns="91440" bIns="45720" numCol="1" spcCol="0" rtlCol="0" fromWordArt="0" anchor="t" anchorCtr="0" forceAA="0" compatLnSpc="1">
+            <a:prstTxWarp prst="textNoShape">
+              <a:avLst/>
+            </a:prstTxWarp>
+            <a:spAutoFit/>
+          </a:bodyPr>
+          <a:lstStyle/>
+          <a:p>
+            <a:pPr algn="ctr"/>
+            <a:r>
+              <a:rPr lang="en-US" sz="2800" b="1">
+                <a:ea typeface="+mn-lt"/>
+                <a:cs typeface="+mn-lt"/>
+              </a:rPr>
+              <a:t>Let's fix this page by editing the_colors.js</a:t>
+            </a:r>
+            <a:endParaRPr lang="en-US" sz="2800">
               <a:ea typeface="+mn-lt"/>
               <a:cs typeface="+mn-lt"/>
             </a:endParaRPr>
           </a:p>
           <a:p>
-            <a:pPr lvl="1"/>
-            <a:r>
-              <a:rPr lang="en-US" sz="2000">
-                <a:latin typeface="Consolas"/>
-                <a:ea typeface="+mn-lt"/>
-                <a:cs typeface="+mn-lt"/>
-              </a:rPr>
-              <a:t>for (</a:t>
-            </a:r>
-            <a:r>
-              <a:rPr lang="en-US" sz="2000" err="1">
-                <a:latin typeface="Consolas"/>
-                <a:ea typeface="+mn-lt"/>
-                <a:cs typeface="+mn-lt"/>
-              </a:rPr>
-              <a:t>i</a:t>
-            </a:r>
-            <a:r>
-              <a:rPr lang="en-US" sz="2000">
-                <a:latin typeface="Consolas"/>
-                <a:ea typeface="+mn-lt"/>
-                <a:cs typeface="+mn-lt"/>
-              </a:rPr>
-              <a:t> = 0; </a:t>
-            </a:r>
-            <a:r>
-              <a:rPr lang="en-US" sz="2000" err="1">
-                <a:latin typeface="Consolas"/>
-                <a:ea typeface="+mn-lt"/>
-                <a:cs typeface="+mn-lt"/>
-              </a:rPr>
-              <a:t>i</a:t>
-            </a:r>
-            <a:r>
-              <a:rPr lang="en-US" sz="2000">
-                <a:latin typeface="Consolas"/>
-                <a:ea typeface="+mn-lt"/>
-                <a:cs typeface="+mn-lt"/>
-              </a:rPr>
-              <a:t> &lt; 10; </a:t>
-            </a:r>
-            <a:r>
-              <a:rPr lang="en-US" sz="2000" err="1">
-                <a:latin typeface="Consolas"/>
-                <a:ea typeface="+mn-lt"/>
-                <a:cs typeface="+mn-lt"/>
-              </a:rPr>
-              <a:t>i</a:t>
-            </a:r>
-            <a:r>
-              <a:rPr lang="en-US" sz="2000">
-                <a:latin typeface="Consolas"/>
-                <a:ea typeface="+mn-lt"/>
-                <a:cs typeface="+mn-lt"/>
-              </a:rPr>
-              <a:t>++) {</a:t>
-            </a:r>
-            <a:br>
-              <a:rPr lang="en-US" sz="2000">
-                <a:latin typeface="Consolas"/>
-                <a:ea typeface="+mn-lt"/>
-                <a:cs typeface="+mn-lt"/>
-              </a:rPr>
-            </a:br>
-            <a:r>
-              <a:rPr lang="en-US" sz="2000">
-                <a:latin typeface="Consolas"/>
-                <a:ea typeface="+mn-lt"/>
-                <a:cs typeface="+mn-lt"/>
-              </a:rPr>
-              <a:t>   if (</a:t>
-            </a:r>
-            <a:r>
-              <a:rPr lang="en-US" sz="2000" err="1">
-                <a:latin typeface="Consolas"/>
-                <a:ea typeface="+mn-lt"/>
-                <a:cs typeface="+mn-lt"/>
-              </a:rPr>
-              <a:t>i</a:t>
-            </a:r>
-            <a:r>
-              <a:rPr lang="en-US" sz="2000">
-                <a:latin typeface="Consolas"/>
-                <a:ea typeface="+mn-lt"/>
-                <a:cs typeface="+mn-lt"/>
-              </a:rPr>
-              <a:t> === 3) { break; }</a:t>
-            </a:r>
-            <a:br>
-              <a:rPr lang="en-US" sz="2000">
-                <a:latin typeface="Consolas"/>
-                <a:ea typeface="+mn-lt"/>
-                <a:cs typeface="+mn-lt"/>
-              </a:rPr>
-            </a:br>
-            <a:r>
-              <a:rPr lang="en-US" sz="2000">
-                <a:latin typeface="Consolas"/>
-                <a:ea typeface="+mn-lt"/>
-                <a:cs typeface="+mn-lt"/>
-              </a:rPr>
-              <a:t>   text += "The number is " + </a:t>
-            </a:r>
-            <a:r>
-              <a:rPr lang="en-US" sz="2000" err="1">
-                <a:latin typeface="Consolas"/>
-                <a:ea typeface="+mn-lt"/>
-                <a:cs typeface="+mn-lt"/>
-              </a:rPr>
-              <a:t>i</a:t>
-            </a:r>
-            <a:r>
-              <a:rPr lang="en-US" sz="2000">
-                <a:latin typeface="Consolas"/>
-                <a:ea typeface="+mn-lt"/>
-                <a:cs typeface="+mn-lt"/>
-              </a:rPr>
-              <a:t> + "&lt;</a:t>
-            </a:r>
-            <a:r>
-              <a:rPr lang="en-US" sz="2000" err="1">
-                <a:latin typeface="Consolas"/>
-                <a:ea typeface="+mn-lt"/>
-                <a:cs typeface="+mn-lt"/>
-              </a:rPr>
-              <a:t>br</a:t>
-            </a:r>
-            <a:r>
-              <a:rPr lang="en-US" sz="2000">
-                <a:latin typeface="Consolas"/>
-                <a:ea typeface="+mn-lt"/>
-                <a:cs typeface="+mn-lt"/>
-              </a:rPr>
-              <a:t>&gt;";</a:t>
-            </a:r>
-            <a:br>
-              <a:rPr lang="en-US" sz="2000">
-                <a:latin typeface="Consolas"/>
-                <a:ea typeface="+mn-lt"/>
-                <a:cs typeface="+mn-lt"/>
-              </a:rPr>
-            </a:br>
-            <a:r>
-              <a:rPr lang="en-US" sz="2000">
-                <a:latin typeface="Consolas"/>
-                <a:ea typeface="+mn-lt"/>
-                <a:cs typeface="+mn-lt"/>
-              </a:rPr>
-              <a:t> } </a:t>
-            </a:r>
-            <a:endParaRPr lang="en-US" sz="2000">
-              <a:latin typeface="Consolas"/>
-            </a:endParaRPr>
-          </a:p>
-          <a:p>
-            <a:pPr lvl="1"/>
-            <a:endParaRPr lang="en-US" sz="2000">
-              <a:ea typeface="+mn-lt"/>
-              <a:cs typeface="+mn-lt"/>
-            </a:endParaRPr>
-          </a:p>
-          <a:p>
-            <a:pPr>
-              <a:buFont typeface="Arial"/>
-              <a:buChar char="•"/>
-            </a:pPr>
-            <a:r>
-              <a:rPr lang="en-US" sz="2000">
-                <a:ea typeface="+mn-lt"/>
-                <a:cs typeface="+mn-lt"/>
-              </a:rPr>
-              <a:t> The </a:t>
-            </a:r>
-            <a:r>
-              <a:rPr lang="en-US" sz="2000">
-                <a:latin typeface="Consolas"/>
-              </a:rPr>
-              <a:t>continue</a:t>
-            </a:r>
-            <a:r>
-              <a:rPr lang="en-US" sz="2000">
-                <a:ea typeface="+mn-lt"/>
-                <a:cs typeface="+mn-lt"/>
-              </a:rPr>
-              <a:t> statement "jumps over" one iteration in the loop.</a:t>
-            </a:r>
-            <a:endParaRPr lang="en-US" sz="2000"/>
-          </a:p>
-          <a:p>
-            <a:pPr lvl="1">
-              <a:buFont typeface="Arial"/>
-              <a:buChar char="•"/>
-            </a:pPr>
-            <a:r>
-              <a:rPr lang="en-US" sz="2000">
-                <a:ea typeface="+mn-lt"/>
-                <a:cs typeface="+mn-lt"/>
-              </a:rPr>
-              <a:t> This example skips the value of 3: </a:t>
-            </a:r>
-            <a:endParaRPr lang="en-US" sz="2000"/>
-          </a:p>
-          <a:p>
-            <a:pPr lvl="1"/>
-            <a:endParaRPr lang="en-US" sz="2000">
-              <a:latin typeface="Century Gothic"/>
-              <a:ea typeface="+mn-lt"/>
-              <a:cs typeface="+mn-lt"/>
-            </a:endParaRPr>
-          </a:p>
-          <a:p>
-            <a:pPr lvl="1"/>
-            <a:r>
-              <a:rPr lang="en-US" sz="2000">
-                <a:latin typeface="Consolas"/>
-                <a:ea typeface="+mn-lt"/>
-                <a:cs typeface="+mn-lt"/>
-              </a:rPr>
-              <a:t>for (</a:t>
-            </a:r>
-            <a:r>
-              <a:rPr lang="en-US" sz="2000" err="1">
-                <a:latin typeface="Consolas"/>
-                <a:ea typeface="+mn-lt"/>
-                <a:cs typeface="+mn-lt"/>
-              </a:rPr>
-              <a:t>i</a:t>
-            </a:r>
-            <a:r>
-              <a:rPr lang="en-US" sz="2000">
-                <a:latin typeface="Consolas"/>
-                <a:ea typeface="+mn-lt"/>
-                <a:cs typeface="+mn-lt"/>
-              </a:rPr>
-              <a:t> = 0; </a:t>
-            </a:r>
-            <a:r>
-              <a:rPr lang="en-US" sz="2000" err="1">
-                <a:latin typeface="Consolas"/>
-                <a:ea typeface="+mn-lt"/>
-                <a:cs typeface="+mn-lt"/>
-              </a:rPr>
-              <a:t>i</a:t>
-            </a:r>
-            <a:r>
-              <a:rPr lang="en-US" sz="2000">
-                <a:latin typeface="Consolas"/>
-                <a:ea typeface="+mn-lt"/>
-                <a:cs typeface="+mn-lt"/>
-              </a:rPr>
-              <a:t> &lt; 10; </a:t>
-            </a:r>
-            <a:r>
-              <a:rPr lang="en-US" sz="2000" err="1">
-                <a:latin typeface="Consolas"/>
-                <a:ea typeface="+mn-lt"/>
-                <a:cs typeface="+mn-lt"/>
-              </a:rPr>
-              <a:t>i</a:t>
-            </a:r>
-            <a:r>
-              <a:rPr lang="en-US" sz="2000">
-                <a:latin typeface="Consolas"/>
-                <a:ea typeface="+mn-lt"/>
-                <a:cs typeface="+mn-lt"/>
-              </a:rPr>
-              <a:t>++) {</a:t>
-            </a:r>
-            <a:br>
-              <a:rPr lang="en-US" sz="2000">
-                <a:latin typeface="Consolas"/>
-                <a:ea typeface="+mn-lt"/>
-                <a:cs typeface="+mn-lt"/>
-              </a:rPr>
-            </a:br>
-            <a:r>
-              <a:rPr lang="en-US" sz="2000">
-                <a:latin typeface="Consolas"/>
-                <a:ea typeface="+mn-lt"/>
-                <a:cs typeface="+mn-lt"/>
-              </a:rPr>
-              <a:t>   if (</a:t>
-            </a:r>
-            <a:r>
-              <a:rPr lang="en-US" sz="2000" err="1">
-                <a:latin typeface="Consolas"/>
-                <a:ea typeface="+mn-lt"/>
-                <a:cs typeface="+mn-lt"/>
-              </a:rPr>
-              <a:t>i</a:t>
-            </a:r>
-            <a:r>
-              <a:rPr lang="en-US" sz="2000">
-                <a:latin typeface="Consolas"/>
-                <a:ea typeface="+mn-lt"/>
-                <a:cs typeface="+mn-lt"/>
-              </a:rPr>
-              <a:t> === 3) { continue; }</a:t>
-            </a:r>
-            <a:br>
-              <a:rPr lang="en-US" sz="2000">
-                <a:latin typeface="Consolas"/>
-                <a:ea typeface="+mn-lt"/>
-                <a:cs typeface="+mn-lt"/>
-              </a:rPr>
-            </a:br>
-            <a:r>
-              <a:rPr lang="en-US" sz="2000">
-                <a:latin typeface="Consolas"/>
-                <a:ea typeface="+mn-lt"/>
-                <a:cs typeface="+mn-lt"/>
-              </a:rPr>
-              <a:t>   text += "The number is " + </a:t>
-            </a:r>
-            <a:r>
-              <a:rPr lang="en-US" sz="2000" err="1">
-                <a:latin typeface="Consolas"/>
-                <a:ea typeface="+mn-lt"/>
-                <a:cs typeface="+mn-lt"/>
-              </a:rPr>
-              <a:t>i</a:t>
-            </a:r>
-            <a:r>
-              <a:rPr lang="en-US" sz="2000">
-                <a:latin typeface="Consolas"/>
-                <a:ea typeface="+mn-lt"/>
-                <a:cs typeface="+mn-lt"/>
-              </a:rPr>
-              <a:t> + "&lt;</a:t>
-            </a:r>
-            <a:r>
-              <a:rPr lang="en-US" sz="2000" err="1">
-                <a:latin typeface="Consolas"/>
-                <a:ea typeface="+mn-lt"/>
-                <a:cs typeface="+mn-lt"/>
-              </a:rPr>
-              <a:t>br</a:t>
-            </a:r>
-            <a:r>
-              <a:rPr lang="en-US" sz="2000">
-                <a:latin typeface="Consolas"/>
-                <a:ea typeface="+mn-lt"/>
-                <a:cs typeface="+mn-lt"/>
-              </a:rPr>
-              <a:t>&gt;";</a:t>
-            </a:r>
-            <a:br>
-              <a:rPr lang="en-US" sz="2000">
-                <a:latin typeface="Consolas"/>
-                <a:ea typeface="+mn-lt"/>
-                <a:cs typeface="+mn-lt"/>
-              </a:rPr>
-            </a:br>
-            <a:r>
-              <a:rPr lang="en-US" sz="2000">
-                <a:latin typeface="Consolas"/>
-                <a:ea typeface="+mn-lt"/>
-                <a:cs typeface="+mn-lt"/>
-              </a:rPr>
-              <a:t> }</a:t>
-            </a:r>
-            <a:endParaRPr lang="en-US" sz="2000">
-              <a:latin typeface="Consolas"/>
-            </a:endParaRPr>
+            <a:pPr algn="l"/>
+            <a:endParaRPr lang="en-US"/>
           </a:p>
         </p:txBody>
       </p:sp>
     </p:spTree>
     <p:extLst>
       <p:ext uri="{BB962C8B-B14F-4D97-AF65-F5344CB8AC3E}">
-        <p14:creationId xmlns:p14="http://schemas.microsoft.com/office/powerpoint/2010/main" val="294060699"/>
+        <p14:creationId xmlns:p14="http://schemas.microsoft.com/office/powerpoint/2010/main" val="498423495"/>
       </p:ext>
     </p:extLst>
   </p:cSld>
@@ -27915,7 +27034,7 @@
         </p:blipFill>
         <p:spPr>
           <a:xfrm>
-            <a:off x="85297" y="1877492"/>
+            <a:off x="227488" y="1844679"/>
             <a:ext cx="8972300" cy="3164722"/>
           </a:xfrm>
           <a:prstGeom prst="rect">
@@ -28080,7 +27199,7 @@
           <p:cNvPr id="2" name="Title 1">
             <a:extLst>
               <a:ext uri="{FF2B5EF4-FFF2-40B4-BE49-F238E27FC236}">
-                <a16:creationId xmlns:a16="http://schemas.microsoft.com/office/drawing/2014/main" id="{9E238092-EC75-47A7-ABA7-3831E42E0DF6}"/>
+                <a16:creationId xmlns:a16="http://schemas.microsoft.com/office/drawing/2014/main" id="{0E8EE277-20AF-4E92-8ABF-A3DB6CBEC5D2}"/>
               </a:ext>
             </a:extLst>
           </p:cNvPr>
@@ -28093,8 +27212,8 @@
         </p:nvSpPr>
         <p:spPr>
           <a:xfrm>
-            <a:off x="746062" y="-45508"/>
-            <a:ext cx="7511473" cy="1068520"/>
+            <a:off x="755098" y="-190075"/>
+            <a:ext cx="7511473" cy="1122733"/>
           </a:xfrm>
         </p:spPr>
         <p:txBody>
@@ -28121,7 +27240,7 @@
                   </a:outerShdw>
                 </a:effectLst>
               </a:rPr>
-              <a:t>Type conversion</a:t>
+              <a:t>While Loops</a:t>
             </a:r>
           </a:p>
         </p:txBody>
@@ -28131,7 +27250,7 @@
           <p:cNvPr id="4" name="TextBox 3">
             <a:extLst>
               <a:ext uri="{FF2B5EF4-FFF2-40B4-BE49-F238E27FC236}">
-                <a16:creationId xmlns:a16="http://schemas.microsoft.com/office/drawing/2014/main" id="{17233E12-04AF-480B-8594-C66BDBA648E6}"/>
+                <a16:creationId xmlns:a16="http://schemas.microsoft.com/office/drawing/2014/main" id="{3C85F4C9-E2C8-4C0D-BA37-E1DF5D17D18F}"/>
               </a:ext>
             </a:extLst>
           </p:cNvPr>
@@ -28140,8 +27259,8 @@
         </p:nvSpPr>
         <p:spPr>
           <a:xfrm>
-            <a:off x="462622" y="977649"/>
-            <a:ext cx="7685658" cy="646331"/>
+            <a:off x="616227" y="932471"/>
+            <a:ext cx="8010937" cy="4708981"/>
           </a:xfrm>
           <a:prstGeom prst="rect">
             <a:avLst/>
@@ -28157,63 +27276,320 @@
           </a:bodyPr>
           <a:lstStyle/>
           <a:p>
-            <a:endParaRPr lang="en-US"/>
-          </a:p>
-          <a:p>
-            <a:pPr algn="l"/>
-            <a:endParaRPr lang="en-US"/>
-          </a:p>
-        </p:txBody>
-      </p:sp>
-      <p:sp>
-        <p:nvSpPr>
-          <p:cNvPr id="5" name="TextBox 4">
-            <a:extLst>
-              <a:ext uri="{FF2B5EF4-FFF2-40B4-BE49-F238E27FC236}">
-                <a16:creationId xmlns:a16="http://schemas.microsoft.com/office/drawing/2014/main" id="{039BAB74-1191-4318-8642-58228BF6B850}"/>
-              </a:ext>
-            </a:extLst>
-          </p:cNvPr>
-          <p:cNvSpPr txBox="1"/>
-          <p:nvPr/>
-        </p:nvSpPr>
-        <p:spPr>
-          <a:xfrm>
-            <a:off x="959578" y="1239681"/>
-            <a:ext cx="7161595" cy="369332"/>
-          </a:xfrm>
-          <a:prstGeom prst="rect">
-            <a:avLst/>
-          </a:prstGeom>
-          <a:noFill/>
-        </p:spPr>
-        <p:txBody>
-          <a:bodyPr rot="0" spcFirstLastPara="0" vertOverflow="overflow" horzOverflow="overflow" vert="horz" wrap="square" lIns="91440" tIns="45720" rIns="91440" bIns="45720" numCol="1" spcCol="0" rtlCol="0" fromWordArt="0" anchor="t" anchorCtr="0" forceAA="0" compatLnSpc="1">
-            <a:prstTxWarp prst="textNoShape">
-              <a:avLst/>
-            </a:prstTxWarp>
-            <a:spAutoFit/>
-          </a:bodyPr>
-          <a:lstStyle/>
-          <a:p>
-            <a:r>
-              <a:rPr lang="en-US"/>
-              <a:t>Click</a:t>
-            </a:r>
-            <a:r>
-              <a:rPr lang="en-US">
+            <a:pPr marL="285750" indent="-285750">
+              <a:buFont typeface="Arial"/>
+              <a:buChar char="•"/>
+            </a:pPr>
+            <a:r>
+              <a:rPr lang="en-US" sz="2000">
+                <a:ea typeface="+mn-lt"/>
+                <a:cs typeface="+mn-lt"/>
+              </a:rPr>
+              <a:t>In the following example, the code in the loop will run, over and over again, as long as a </a:t>
+            </a:r>
+            <a:r>
+              <a:rPr lang="en-US" sz="2000">
                 <a:latin typeface="Century Gothic"/>
-              </a:rPr>
-              <a:t> to add text</a:t>
-            </a:r>
-            <a:endParaRPr lang="en-US"/>
+                <a:ea typeface="+mn-lt"/>
+                <a:cs typeface="+mn-lt"/>
+              </a:rPr>
+              <a:t>variable (</a:t>
+            </a:r>
+            <a:r>
+              <a:rPr lang="en-US" sz="2000" err="1">
+                <a:latin typeface="Century Gothic"/>
+                <a:ea typeface="+mn-lt"/>
+                <a:cs typeface="+mn-lt"/>
+              </a:rPr>
+              <a:t>i</a:t>
+            </a:r>
+            <a:r>
+              <a:rPr lang="en-US" sz="2000">
+                <a:latin typeface="Century Gothic"/>
+                <a:ea typeface="+mn-lt"/>
+                <a:cs typeface="+mn-lt"/>
+              </a:rPr>
+              <a:t>)</a:t>
+            </a:r>
+            <a:r>
+              <a:rPr lang="en-US" sz="2000">
+                <a:ea typeface="+mn-lt"/>
+                <a:cs typeface="+mn-lt"/>
+              </a:rPr>
+              <a:t> is less than 10:</a:t>
+            </a:r>
+            <a:endParaRPr lang="en-US" sz="2000"/>
+          </a:p>
+          <a:p>
+            <a:pPr lvl="2"/>
+            <a:endParaRPr lang="en-US" sz="2000">
+              <a:latin typeface="Consolas"/>
+              <a:ea typeface="+mn-lt"/>
+              <a:cs typeface="+mn-lt"/>
+            </a:endParaRPr>
+          </a:p>
+          <a:p>
+            <a:pPr lvl="2"/>
+            <a:r>
+              <a:rPr lang="en-US" sz="2000">
+                <a:latin typeface="Consolas"/>
+                <a:ea typeface="+mn-lt"/>
+                <a:cs typeface="+mn-lt"/>
+              </a:rPr>
+              <a:t>while (</a:t>
+            </a:r>
+            <a:r>
+              <a:rPr lang="en-US" sz="2000" err="1">
+                <a:latin typeface="Consolas"/>
+                <a:ea typeface="+mn-lt"/>
+                <a:cs typeface="+mn-lt"/>
+              </a:rPr>
+              <a:t>i</a:t>
+            </a:r>
+            <a:r>
+              <a:rPr lang="en-US" sz="2000">
+                <a:latin typeface="Consolas"/>
+                <a:ea typeface="+mn-lt"/>
+                <a:cs typeface="+mn-lt"/>
+              </a:rPr>
+              <a:t> &lt; 10) {</a:t>
+            </a:r>
+            <a:br>
+              <a:rPr lang="en-US" sz="2000">
+                <a:latin typeface="Consolas"/>
+                <a:ea typeface="+mn-lt"/>
+                <a:cs typeface="+mn-lt"/>
+              </a:rPr>
+            </a:br>
+            <a:r>
+              <a:rPr lang="en-US" sz="2000">
+                <a:latin typeface="Consolas"/>
+                <a:ea typeface="+mn-lt"/>
+                <a:cs typeface="+mn-lt"/>
+              </a:rPr>
+              <a:t>   text += "The number is " + </a:t>
+            </a:r>
+            <a:r>
+              <a:rPr lang="en-US" sz="2000" err="1">
+                <a:latin typeface="Consolas"/>
+                <a:ea typeface="+mn-lt"/>
+                <a:cs typeface="+mn-lt"/>
+              </a:rPr>
+              <a:t>i</a:t>
+            </a:r>
+            <a:r>
+              <a:rPr lang="en-US" sz="2000">
+                <a:latin typeface="Consolas"/>
+                <a:ea typeface="+mn-lt"/>
+                <a:cs typeface="+mn-lt"/>
+              </a:rPr>
+              <a:t>;</a:t>
+            </a:r>
+            <a:br>
+              <a:rPr lang="en-US" sz="2000">
+                <a:latin typeface="Consolas"/>
+                <a:ea typeface="+mn-lt"/>
+                <a:cs typeface="+mn-lt"/>
+              </a:rPr>
+            </a:br>
+            <a:r>
+              <a:rPr lang="en-US" sz="2000">
+                <a:latin typeface="Consolas"/>
+                <a:ea typeface="+mn-lt"/>
+                <a:cs typeface="+mn-lt"/>
+              </a:rPr>
+              <a:t>   </a:t>
+            </a:r>
+            <a:r>
+              <a:rPr lang="en-US" sz="2000" err="1">
+                <a:latin typeface="Consolas"/>
+                <a:ea typeface="+mn-lt"/>
+                <a:cs typeface="+mn-lt"/>
+              </a:rPr>
+              <a:t>i</a:t>
+            </a:r>
+            <a:r>
+              <a:rPr lang="en-US" sz="2000">
+                <a:latin typeface="Consolas"/>
+                <a:ea typeface="+mn-lt"/>
+                <a:cs typeface="+mn-lt"/>
+              </a:rPr>
+              <a:t>++;</a:t>
+            </a:r>
+            <a:br>
+              <a:rPr lang="en-US" sz="2000">
+                <a:latin typeface="Consolas"/>
+                <a:ea typeface="+mn-lt"/>
+                <a:cs typeface="+mn-lt"/>
+              </a:rPr>
+            </a:br>
+            <a:r>
+              <a:rPr lang="en-US" sz="2000">
+                <a:latin typeface="Consolas"/>
+                <a:ea typeface="+mn-lt"/>
+                <a:cs typeface="+mn-lt"/>
+              </a:rPr>
+              <a:t>}</a:t>
+            </a:r>
+            <a:endParaRPr lang="en-US" sz="2000"/>
+          </a:p>
+          <a:p>
+            <a:pPr marL="285750" indent="-285750">
+              <a:buFont typeface="Arial"/>
+              <a:buChar char="•"/>
+            </a:pPr>
+            <a:endParaRPr lang="en-US" sz="2000">
+              <a:latin typeface="Century Gothic"/>
+            </a:endParaRPr>
+          </a:p>
+          <a:p>
+            <a:pPr marL="285750" indent="-285750">
+              <a:buFont typeface="Arial"/>
+              <a:buChar char="•"/>
+            </a:pPr>
+            <a:r>
+              <a:rPr lang="en-US" sz="2000">
+                <a:latin typeface="Century Gothic"/>
+              </a:rPr>
+              <a:t>JS also has do-while loops:</a:t>
+            </a:r>
+          </a:p>
+          <a:p>
+            <a:pPr lvl="2"/>
+            <a:endParaRPr lang="en-US" sz="2000">
+              <a:latin typeface="Consolas"/>
+              <a:ea typeface="+mn-lt"/>
+              <a:cs typeface="+mn-lt"/>
+            </a:endParaRPr>
+          </a:p>
+          <a:p>
+            <a:pPr lvl="2"/>
+            <a:r>
+              <a:rPr lang="en-US" sz="2000">
+                <a:latin typeface="Consolas"/>
+                <a:ea typeface="+mn-lt"/>
+                <a:cs typeface="+mn-lt"/>
+              </a:rPr>
+              <a:t>do {</a:t>
+            </a:r>
+            <a:br>
+              <a:rPr lang="en-US" sz="2000">
+                <a:latin typeface="Consolas"/>
+                <a:ea typeface="+mn-lt"/>
+                <a:cs typeface="+mn-lt"/>
+              </a:rPr>
+            </a:br>
+            <a:r>
+              <a:rPr lang="en-US" sz="2000">
+                <a:latin typeface="Consolas"/>
+                <a:ea typeface="+mn-lt"/>
+                <a:cs typeface="+mn-lt"/>
+              </a:rPr>
+              <a:t>   text += "The number is " + </a:t>
+            </a:r>
+            <a:r>
+              <a:rPr lang="en-US" sz="2000" err="1">
+                <a:latin typeface="Consolas"/>
+                <a:ea typeface="+mn-lt"/>
+                <a:cs typeface="+mn-lt"/>
+              </a:rPr>
+              <a:t>i</a:t>
+            </a:r>
+            <a:r>
+              <a:rPr lang="en-US" sz="2000">
+                <a:latin typeface="Consolas"/>
+                <a:ea typeface="+mn-lt"/>
+                <a:cs typeface="+mn-lt"/>
+              </a:rPr>
+              <a:t>;</a:t>
+            </a:r>
+            <a:br>
+              <a:rPr lang="en-US" sz="2000">
+                <a:latin typeface="Consolas"/>
+                <a:ea typeface="+mn-lt"/>
+                <a:cs typeface="+mn-lt"/>
+              </a:rPr>
+            </a:br>
+            <a:r>
+              <a:rPr lang="en-US" sz="2000">
+                <a:latin typeface="Consolas"/>
+                <a:ea typeface="+mn-lt"/>
+                <a:cs typeface="+mn-lt"/>
+              </a:rPr>
+              <a:t>   </a:t>
+            </a:r>
+            <a:r>
+              <a:rPr lang="en-US" sz="2000" err="1">
+                <a:latin typeface="Consolas"/>
+                <a:ea typeface="+mn-lt"/>
+                <a:cs typeface="+mn-lt"/>
+              </a:rPr>
+              <a:t>i</a:t>
+            </a:r>
+            <a:r>
+              <a:rPr lang="en-US" sz="2000">
+                <a:latin typeface="Consolas"/>
+                <a:ea typeface="+mn-lt"/>
+                <a:cs typeface="+mn-lt"/>
+              </a:rPr>
+              <a:t>++;</a:t>
+            </a:r>
+            <a:br>
+              <a:rPr lang="en-US" sz="2000">
+                <a:latin typeface="Consolas"/>
+                <a:ea typeface="+mn-lt"/>
+                <a:cs typeface="+mn-lt"/>
+              </a:rPr>
+            </a:br>
+            <a:r>
+              <a:rPr lang="en-US" sz="2000">
+                <a:latin typeface="Consolas"/>
+                <a:ea typeface="+mn-lt"/>
+                <a:cs typeface="+mn-lt"/>
+              </a:rPr>
+              <a:t> }</a:t>
+            </a:r>
+            <a:br>
+              <a:rPr lang="en-US" sz="2000">
+                <a:latin typeface="Consolas"/>
+                <a:ea typeface="+mn-lt"/>
+                <a:cs typeface="+mn-lt"/>
+              </a:rPr>
+            </a:br>
+            <a:r>
+              <a:rPr lang="en-US" sz="2000">
+                <a:latin typeface="Consolas"/>
+                <a:ea typeface="+mn-lt"/>
+                <a:cs typeface="+mn-lt"/>
+              </a:rPr>
+              <a:t> while (</a:t>
+            </a:r>
+            <a:r>
+              <a:rPr lang="en-US" sz="2000" err="1">
+                <a:latin typeface="Consolas"/>
+                <a:ea typeface="+mn-lt"/>
+                <a:cs typeface="+mn-lt"/>
+              </a:rPr>
+              <a:t>i</a:t>
+            </a:r>
+            <a:r>
+              <a:rPr lang="en-US" sz="2000">
+                <a:latin typeface="Consolas"/>
+                <a:ea typeface="+mn-lt"/>
+                <a:cs typeface="+mn-lt"/>
+              </a:rPr>
+              <a:t> &lt; 10); </a:t>
+            </a:r>
+            <a:endParaRPr lang="en-US" sz="2000">
+              <a:latin typeface="Consolas"/>
+            </a:endParaRPr>
           </a:p>
         </p:txBody>
       </p:sp>
     </p:spTree>
     <p:extLst>
       <p:ext uri="{BB962C8B-B14F-4D97-AF65-F5344CB8AC3E}">
-        <p14:creationId xmlns:p14="http://schemas.microsoft.com/office/powerpoint/2010/main" val="2923619874"/>
+        <p14:creationId xmlns:p14="http://schemas.microsoft.com/office/powerpoint/2010/main" val="374323243"/>
       </p:ext>
     </p:extLst>
   </p:cSld>
@@ -28245,7 +27621,7 @@
           <p:cNvPr id="2" name="Title 1">
             <a:extLst>
               <a:ext uri="{FF2B5EF4-FFF2-40B4-BE49-F238E27FC236}">
-                <a16:creationId xmlns:a16="http://schemas.microsoft.com/office/drawing/2014/main" id="{ECCF6F8C-2E13-4296-BD55-0D837BF148FE}"/>
+                <a16:creationId xmlns:a16="http://schemas.microsoft.com/office/drawing/2014/main" id="{1A151F66-BD6B-480A-9E66-EDCC7AC64588}"/>
               </a:ext>
             </a:extLst>
           </p:cNvPr>
@@ -28258,8 +27634,8 @@
         </p:nvSpPr>
         <p:spPr>
           <a:xfrm>
-            <a:off x="1039857" y="160759"/>
-            <a:ext cx="7055380" cy="710249"/>
+            <a:off x="691849" y="-262361"/>
+            <a:ext cx="7511473" cy="1312480"/>
           </a:xfrm>
         </p:spPr>
         <p:txBody>
@@ -28270,25 +27646,24 @@
           <a:p>
             <a:pPr algn="ctr"/>
             <a:r>
-              <a:rPr lang="en-US" sz="3200"/>
-              <a:t>Example: More BASICS</a:t>
-            </a:r>
-            <a:endParaRPr lang="en-US" sz="3200">
-              <a:effectLst>
-                <a:glow rad="38100">
-                  <a:prstClr val="black">
-                    <a:lumMod val="65000"/>
-                    <a:lumOff val="35000"/>
-                    <a:alpha val="40000"/>
-                  </a:prstClr>
-                </a:glow>
-                <a:outerShdw blurRad="28575" dist="38100" dir="14040000" algn="tl" rotWithShape="0">
-                  <a:srgbClr val="000000">
-                    <a:alpha val="25000"/>
-                  </a:srgbClr>
-                </a:outerShdw>
-              </a:effectLst>
-            </a:endParaRPr>
+              <a:rPr lang="en-US" sz="3200">
+                <a:effectLst>
+                  <a:glow rad="38100">
+                    <a:prstClr val="black">
+                      <a:lumMod val="65000"/>
+                      <a:lumOff val="35000"/>
+                      <a:alpha val="40000"/>
+                    </a:prstClr>
+                  </a:glow>
+                  <a:outerShdw blurRad="28575" dist="38100" dir="14040000" algn="tl" rotWithShape="0">
+                    <a:srgbClr val="000000">
+                      <a:alpha val="25000"/>
+                    </a:srgbClr>
+                  </a:outerShdw>
+                </a:effectLst>
+              </a:rPr>
+              <a:t>BREAK</a:t>
+            </a:r>
           </a:p>
         </p:txBody>
       </p:sp>
@@ -28297,7 +27672,7 @@
           <p:cNvPr id="4" name="TextBox 3">
             <a:extLst>
               <a:ext uri="{FF2B5EF4-FFF2-40B4-BE49-F238E27FC236}">
-                <a16:creationId xmlns:a16="http://schemas.microsoft.com/office/drawing/2014/main" id="{D3841CC4-5C87-49CE-88C0-8A98AA1A8147}"/>
+                <a16:creationId xmlns:a16="http://schemas.microsoft.com/office/drawing/2014/main" id="{9B8891E7-5AC2-41FD-A623-5FA7204EA47B}"/>
               </a:ext>
             </a:extLst>
           </p:cNvPr>
@@ -28306,8 +27681,8 @@
         </p:nvSpPr>
         <p:spPr>
           <a:xfrm>
-            <a:off x="615963" y="1227497"/>
-            <a:ext cx="8358946" cy="1138773"/>
+            <a:off x="878258" y="905366"/>
+            <a:ext cx="7577230" cy="5324535"/>
           </a:xfrm>
           <a:prstGeom prst="rect">
             <a:avLst/>
@@ -28323,169 +27698,440 @@
           </a:bodyPr>
           <a:lstStyle/>
           <a:p>
-            <a:r>
-              <a:rPr lang="en-US" sz="2400"/>
-              <a:t>Open </a:t>
-            </a:r>
-            <a:r>
-              <a:rPr lang="en-US" sz="2400" b="1"/>
-              <a:t>more_basics.html</a:t>
-            </a:r>
-            <a:r>
-              <a:rPr lang="en-US" sz="2400"/>
-              <a:t> in Chrome and open the </a:t>
-            </a:r>
-            <a:r>
-              <a:rPr lang="en-US" sz="2400" dirty="0"/>
-              <a:t>Console (F12).</a:t>
-            </a:r>
-            <a:endParaRPr lang="en-US" dirty="0"/>
-          </a:p>
-          <a:p>
+            <a:pPr>
+              <a:buFont typeface="Arial"/>
+              <a:buChar char="•"/>
+            </a:pPr>
+            <a:r>
+              <a:rPr lang="en-US" sz="2000">
+                <a:ea typeface="+mn-lt"/>
+                <a:cs typeface="+mn-lt"/>
+              </a:rPr>
+              <a:t> The </a:t>
+            </a:r>
+            <a:r>
+              <a:rPr lang="en-US" sz="2000">
+                <a:latin typeface="Consolas"/>
+              </a:rPr>
+              <a:t>break</a:t>
+            </a:r>
+            <a:r>
+              <a:rPr lang="en-US" sz="2000">
+                <a:ea typeface="+mn-lt"/>
+                <a:cs typeface="+mn-lt"/>
+              </a:rPr>
+              <a:t> statement "jumps out" of a loop.</a:t>
+            </a:r>
+          </a:p>
+          <a:p>
+            <a:pPr lvl="1">
+              <a:buFont typeface="Arial"/>
+              <a:buChar char="•"/>
+            </a:pPr>
+            <a:r>
+              <a:rPr lang="en-US" sz="2000">
+                <a:ea typeface="+mn-lt"/>
+                <a:cs typeface="+mn-lt"/>
+              </a:rPr>
+              <a:t> This </a:t>
+            </a:r>
+            <a:r>
+              <a:rPr lang="en-US" sz="2000">
+                <a:latin typeface="Consolas"/>
+                <a:ea typeface="+mn-lt"/>
+                <a:cs typeface="+mn-lt"/>
+              </a:rPr>
+              <a:t>break</a:t>
+            </a:r>
+            <a:r>
+              <a:rPr lang="en-US" sz="2000">
+                <a:ea typeface="+mn-lt"/>
+                <a:cs typeface="+mn-lt"/>
+              </a:rPr>
+              <a:t> statement breaks the loop and continues executing the code after the loop (if any)</a:t>
+            </a:r>
             <a:endParaRPr lang="en-US" sz="2000"/>
           </a:p>
-        </p:txBody>
-      </p:sp>
-      <p:sp>
-        <p:nvSpPr>
-          <p:cNvPr id="3" name="TextBox 2">
-            <a:extLst>
-              <a:ext uri="{FF2B5EF4-FFF2-40B4-BE49-F238E27FC236}">
-                <a16:creationId xmlns:a16="http://schemas.microsoft.com/office/drawing/2014/main" id="{0C756E51-9D41-4CDE-B267-154C1ACE9901}"/>
-              </a:ext>
-            </a:extLst>
-          </p:cNvPr>
-          <p:cNvSpPr txBox="1"/>
-          <p:nvPr/>
-        </p:nvSpPr>
-        <p:spPr>
-          <a:xfrm>
-            <a:off x="613476" y="2644705"/>
-            <a:ext cx="7790328" cy="1107996"/>
-          </a:xfrm>
-          <a:prstGeom prst="rect">
-            <a:avLst/>
-          </a:prstGeom>
-          <a:noFill/>
-        </p:spPr>
-        <p:txBody>
-          <a:bodyPr rot="0" spcFirstLastPara="0" vertOverflow="overflow" horzOverflow="overflow" vert="horz" wrap="square" lIns="91440" tIns="45720" rIns="91440" bIns="45720" numCol="1" spcCol="0" rtlCol="0" fromWordArt="0" anchor="t" anchorCtr="0" forceAA="0" compatLnSpc="1">
-            <a:prstTxWarp prst="textNoShape">
-              <a:avLst/>
-            </a:prstTxWarp>
-            <a:spAutoFit/>
-          </a:bodyPr>
-          <a:lstStyle/>
-          <a:p>
-            <a:r>
-              <a:rPr lang="en-US" sz="2400" dirty="0">
-                <a:ea typeface="+mn-lt"/>
-                <a:cs typeface="+mn-lt"/>
-              </a:rPr>
-              <a:t>We'll be adding code to </a:t>
-            </a:r>
-            <a:r>
-              <a:rPr lang="en-US" sz="2400" b="1" dirty="0">
-                <a:ea typeface="+mn-lt"/>
-                <a:cs typeface="+mn-lt"/>
-              </a:rPr>
-              <a:t>more_basics.js</a:t>
-            </a:r>
-            <a:r>
-              <a:rPr lang="en-US" sz="2400" dirty="0">
-                <a:ea typeface="+mn-lt"/>
-                <a:cs typeface="+mn-lt"/>
-              </a:rPr>
-              <a:t> using Visual </a:t>
-            </a:r>
-            <a:r>
-              <a:rPr lang="en-US" sz="2400">
-                <a:ea typeface="+mn-lt"/>
-                <a:cs typeface="+mn-lt"/>
-              </a:rPr>
-              <a:t>Studio and</a:t>
-            </a:r>
-            <a:r>
-              <a:rPr lang="en-US" sz="2400" dirty="0">
-                <a:ea typeface="+mn-lt"/>
-                <a:cs typeface="+mn-lt"/>
-              </a:rPr>
-              <a:t> seeing the results in Chrome.</a:t>
-            </a:r>
-            <a:endParaRPr lang="en-US" sz="2400" dirty="0"/>
-          </a:p>
-          <a:p>
-            <a:pPr algn="l"/>
-            <a:endParaRPr lang="en-US"/>
-          </a:p>
-        </p:txBody>
-      </p:sp>
-      <p:sp>
-        <p:nvSpPr>
-          <p:cNvPr id="5" name="TextBox 4">
-            <a:extLst>
-              <a:ext uri="{FF2B5EF4-FFF2-40B4-BE49-F238E27FC236}">
-                <a16:creationId xmlns:a16="http://schemas.microsoft.com/office/drawing/2014/main" id="{09667006-F9EA-494C-9182-BC6F5CE366DE}"/>
-              </a:ext>
-            </a:extLst>
-          </p:cNvPr>
-          <p:cNvSpPr txBox="1"/>
-          <p:nvPr/>
-        </p:nvSpPr>
-        <p:spPr>
-          <a:xfrm>
-            <a:off x="483703" y="4391648"/>
-            <a:ext cx="7790328" cy="2523768"/>
-          </a:xfrm>
-          <a:prstGeom prst="rect">
-            <a:avLst/>
-          </a:prstGeom>
-          <a:noFill/>
-        </p:spPr>
-        <p:txBody>
-          <a:bodyPr rot="0" spcFirstLastPara="0" vertOverflow="overflow" horzOverflow="overflow" vert="horz" wrap="square" lIns="91440" tIns="45720" rIns="91440" bIns="45720" numCol="1" spcCol="0" rtlCol="0" fromWordArt="0" anchor="t" anchorCtr="0" forceAA="0" compatLnSpc="1">
-            <a:prstTxWarp prst="textNoShape">
-              <a:avLst/>
-            </a:prstTxWarp>
-            <a:spAutoFit/>
-          </a:bodyPr>
-          <a:lstStyle/>
-          <a:p>
-            <a:pPr algn="ctr"/>
-            <a:r>
-              <a:rPr lang="en-US" sz="2800" b="1">
-                <a:ea typeface="+mn-lt"/>
-                <a:cs typeface="+mn-lt"/>
-              </a:rPr>
-              <a:t>Fill in the code in the comments in the_basics.js now.</a:t>
-            </a:r>
-            <a:endParaRPr lang="en-US"/>
-          </a:p>
-          <a:p>
-            <a:pPr algn="ctr"/>
-            <a:endParaRPr lang="en-US" sz="2800" b="1" dirty="0"/>
-          </a:p>
-          <a:p>
-            <a:pPr algn="ctr"/>
-            <a:endParaRPr lang="en-US" sz="2800" b="1" dirty="0"/>
-          </a:p>
-          <a:p>
-            <a:pPr algn="ctr"/>
-            <a:r>
-              <a:rPr lang="en-US" sz="2800" b="1"/>
-              <a:t>Expected output is on the next slide.</a:t>
-            </a:r>
-            <a:endParaRPr lang="en-US" sz="2800" b="1" dirty="0"/>
-          </a:p>
-          <a:p>
-            <a:endParaRPr lang="en-US"/>
+          <a:p>
+            <a:pPr lvl="1"/>
+            <a:endParaRPr lang="en-US" sz="2000">
+              <a:latin typeface="Consolas"/>
+              <a:ea typeface="+mn-lt"/>
+              <a:cs typeface="+mn-lt"/>
+            </a:endParaRPr>
+          </a:p>
+          <a:p>
+            <a:pPr lvl="1"/>
+            <a:r>
+              <a:rPr lang="en-US" sz="2000">
+                <a:latin typeface="Consolas"/>
+                <a:ea typeface="+mn-lt"/>
+                <a:cs typeface="+mn-lt"/>
+              </a:rPr>
+              <a:t>for (</a:t>
+            </a:r>
+            <a:r>
+              <a:rPr lang="en-US" sz="2000" err="1">
+                <a:latin typeface="Consolas"/>
+                <a:ea typeface="+mn-lt"/>
+                <a:cs typeface="+mn-lt"/>
+              </a:rPr>
+              <a:t>i</a:t>
+            </a:r>
+            <a:r>
+              <a:rPr lang="en-US" sz="2000">
+                <a:latin typeface="Consolas"/>
+                <a:ea typeface="+mn-lt"/>
+                <a:cs typeface="+mn-lt"/>
+              </a:rPr>
+              <a:t> = 0; </a:t>
+            </a:r>
+            <a:r>
+              <a:rPr lang="en-US" sz="2000" err="1">
+                <a:latin typeface="Consolas"/>
+                <a:ea typeface="+mn-lt"/>
+                <a:cs typeface="+mn-lt"/>
+              </a:rPr>
+              <a:t>i</a:t>
+            </a:r>
+            <a:r>
+              <a:rPr lang="en-US" sz="2000">
+                <a:latin typeface="Consolas"/>
+                <a:ea typeface="+mn-lt"/>
+                <a:cs typeface="+mn-lt"/>
+              </a:rPr>
+              <a:t> &lt; 10; </a:t>
+            </a:r>
+            <a:r>
+              <a:rPr lang="en-US" sz="2000" err="1">
+                <a:latin typeface="Consolas"/>
+                <a:ea typeface="+mn-lt"/>
+                <a:cs typeface="+mn-lt"/>
+              </a:rPr>
+              <a:t>i</a:t>
+            </a:r>
+            <a:r>
+              <a:rPr lang="en-US" sz="2000">
+                <a:latin typeface="Consolas"/>
+                <a:ea typeface="+mn-lt"/>
+                <a:cs typeface="+mn-lt"/>
+              </a:rPr>
+              <a:t>++) {</a:t>
+            </a:r>
+            <a:br>
+              <a:rPr lang="en-US" sz="2000">
+                <a:latin typeface="Consolas"/>
+                <a:ea typeface="+mn-lt"/>
+                <a:cs typeface="+mn-lt"/>
+              </a:rPr>
+            </a:br>
+            <a:r>
+              <a:rPr lang="en-US" sz="2000">
+                <a:latin typeface="Consolas"/>
+                <a:ea typeface="+mn-lt"/>
+                <a:cs typeface="+mn-lt"/>
+              </a:rPr>
+              <a:t>   if (</a:t>
+            </a:r>
+            <a:r>
+              <a:rPr lang="en-US" sz="2000" err="1">
+                <a:latin typeface="Consolas"/>
+                <a:ea typeface="+mn-lt"/>
+                <a:cs typeface="+mn-lt"/>
+              </a:rPr>
+              <a:t>i</a:t>
+            </a:r>
+            <a:r>
+              <a:rPr lang="en-US" sz="2000">
+                <a:latin typeface="Consolas"/>
+                <a:ea typeface="+mn-lt"/>
+                <a:cs typeface="+mn-lt"/>
+              </a:rPr>
+              <a:t> === 3) { break; }</a:t>
+            </a:r>
+            <a:br>
+              <a:rPr lang="en-US" sz="2000">
+                <a:latin typeface="Consolas"/>
+                <a:ea typeface="+mn-lt"/>
+                <a:cs typeface="+mn-lt"/>
+              </a:rPr>
+            </a:br>
+            <a:r>
+              <a:rPr lang="en-US" sz="2000">
+                <a:latin typeface="Consolas"/>
+                <a:ea typeface="+mn-lt"/>
+                <a:cs typeface="+mn-lt"/>
+              </a:rPr>
+              <a:t>   text += "The number is " + </a:t>
+            </a:r>
+            <a:r>
+              <a:rPr lang="en-US" sz="2000" err="1">
+                <a:latin typeface="Consolas"/>
+                <a:ea typeface="+mn-lt"/>
+                <a:cs typeface="+mn-lt"/>
+              </a:rPr>
+              <a:t>i</a:t>
+            </a:r>
+            <a:r>
+              <a:rPr lang="en-US" sz="2000">
+                <a:latin typeface="Consolas"/>
+                <a:ea typeface="+mn-lt"/>
+                <a:cs typeface="+mn-lt"/>
+              </a:rPr>
+              <a:t> + "&lt;</a:t>
+            </a:r>
+            <a:r>
+              <a:rPr lang="en-US" sz="2000" err="1">
+                <a:latin typeface="Consolas"/>
+                <a:ea typeface="+mn-lt"/>
+                <a:cs typeface="+mn-lt"/>
+              </a:rPr>
+              <a:t>br</a:t>
+            </a:r>
+            <a:r>
+              <a:rPr lang="en-US" sz="2000">
+                <a:latin typeface="Consolas"/>
+                <a:ea typeface="+mn-lt"/>
+                <a:cs typeface="+mn-lt"/>
+              </a:rPr>
+              <a:t>&gt;";</a:t>
+            </a:r>
+            <a:br>
+              <a:rPr lang="en-US" sz="2000">
+                <a:latin typeface="Consolas"/>
+                <a:ea typeface="+mn-lt"/>
+                <a:cs typeface="+mn-lt"/>
+              </a:rPr>
+            </a:br>
+            <a:r>
+              <a:rPr lang="en-US" sz="2000">
+                <a:latin typeface="Consolas"/>
+                <a:ea typeface="+mn-lt"/>
+                <a:cs typeface="+mn-lt"/>
+              </a:rPr>
+              <a:t> } </a:t>
+            </a:r>
+            <a:endParaRPr lang="en-US" sz="2000">
+              <a:latin typeface="Consolas"/>
+            </a:endParaRPr>
+          </a:p>
+          <a:p>
+            <a:pPr lvl="1"/>
+            <a:endParaRPr lang="en-US" sz="2000">
+              <a:ea typeface="+mn-lt"/>
+              <a:cs typeface="+mn-lt"/>
+            </a:endParaRPr>
+          </a:p>
+          <a:p>
+            <a:pPr>
+              <a:buFont typeface="Arial"/>
+              <a:buChar char="•"/>
+            </a:pPr>
+            <a:r>
+              <a:rPr lang="en-US" sz="2000">
+                <a:ea typeface="+mn-lt"/>
+                <a:cs typeface="+mn-lt"/>
+              </a:rPr>
+              <a:t> The </a:t>
+            </a:r>
+            <a:r>
+              <a:rPr lang="en-US" sz="2000">
+                <a:latin typeface="Consolas"/>
+              </a:rPr>
+              <a:t>continue</a:t>
+            </a:r>
+            <a:r>
+              <a:rPr lang="en-US" sz="2000">
+                <a:ea typeface="+mn-lt"/>
+                <a:cs typeface="+mn-lt"/>
+              </a:rPr>
+              <a:t> statement "jumps over" one iteration in the loop.</a:t>
+            </a:r>
+            <a:endParaRPr lang="en-US" sz="2000"/>
+          </a:p>
+          <a:p>
+            <a:pPr lvl="1">
+              <a:buFont typeface="Arial"/>
+              <a:buChar char="•"/>
+            </a:pPr>
+            <a:r>
+              <a:rPr lang="en-US" sz="2000">
+                <a:ea typeface="+mn-lt"/>
+                <a:cs typeface="+mn-lt"/>
+              </a:rPr>
+              <a:t> This example skips the value of 3: </a:t>
+            </a:r>
+            <a:endParaRPr lang="en-US" sz="2000"/>
+          </a:p>
+          <a:p>
+            <a:pPr lvl="1"/>
+            <a:endParaRPr lang="en-US" sz="2000">
+              <a:latin typeface="Century Gothic"/>
+              <a:ea typeface="+mn-lt"/>
+              <a:cs typeface="+mn-lt"/>
+            </a:endParaRPr>
+          </a:p>
+          <a:p>
+            <a:pPr lvl="1"/>
+            <a:r>
+              <a:rPr lang="en-US" sz="2000">
+                <a:latin typeface="Consolas"/>
+                <a:ea typeface="+mn-lt"/>
+                <a:cs typeface="+mn-lt"/>
+              </a:rPr>
+              <a:t>for (</a:t>
+            </a:r>
+            <a:r>
+              <a:rPr lang="en-US" sz="2000" err="1">
+                <a:latin typeface="Consolas"/>
+                <a:ea typeface="+mn-lt"/>
+                <a:cs typeface="+mn-lt"/>
+              </a:rPr>
+              <a:t>i</a:t>
+            </a:r>
+            <a:r>
+              <a:rPr lang="en-US" sz="2000">
+                <a:latin typeface="Consolas"/>
+                <a:ea typeface="+mn-lt"/>
+                <a:cs typeface="+mn-lt"/>
+              </a:rPr>
+              <a:t> = 0; </a:t>
+            </a:r>
+            <a:r>
+              <a:rPr lang="en-US" sz="2000" err="1">
+                <a:latin typeface="Consolas"/>
+                <a:ea typeface="+mn-lt"/>
+                <a:cs typeface="+mn-lt"/>
+              </a:rPr>
+              <a:t>i</a:t>
+            </a:r>
+            <a:r>
+              <a:rPr lang="en-US" sz="2000">
+                <a:latin typeface="Consolas"/>
+                <a:ea typeface="+mn-lt"/>
+                <a:cs typeface="+mn-lt"/>
+              </a:rPr>
+              <a:t> &lt; 10; </a:t>
+            </a:r>
+            <a:r>
+              <a:rPr lang="en-US" sz="2000" err="1">
+                <a:latin typeface="Consolas"/>
+                <a:ea typeface="+mn-lt"/>
+                <a:cs typeface="+mn-lt"/>
+              </a:rPr>
+              <a:t>i</a:t>
+            </a:r>
+            <a:r>
+              <a:rPr lang="en-US" sz="2000">
+                <a:latin typeface="Consolas"/>
+                <a:ea typeface="+mn-lt"/>
+                <a:cs typeface="+mn-lt"/>
+              </a:rPr>
+              <a:t>++) {</a:t>
+            </a:r>
+            <a:br>
+              <a:rPr lang="en-US" sz="2000">
+                <a:latin typeface="Consolas"/>
+                <a:ea typeface="+mn-lt"/>
+                <a:cs typeface="+mn-lt"/>
+              </a:rPr>
+            </a:br>
+            <a:r>
+              <a:rPr lang="en-US" sz="2000">
+                <a:latin typeface="Consolas"/>
+                <a:ea typeface="+mn-lt"/>
+                <a:cs typeface="+mn-lt"/>
+              </a:rPr>
+              <a:t>   if (</a:t>
+            </a:r>
+            <a:r>
+              <a:rPr lang="en-US" sz="2000" err="1">
+                <a:latin typeface="Consolas"/>
+                <a:ea typeface="+mn-lt"/>
+                <a:cs typeface="+mn-lt"/>
+              </a:rPr>
+              <a:t>i</a:t>
+            </a:r>
+            <a:r>
+              <a:rPr lang="en-US" sz="2000">
+                <a:latin typeface="Consolas"/>
+                <a:ea typeface="+mn-lt"/>
+                <a:cs typeface="+mn-lt"/>
+              </a:rPr>
+              <a:t> === 3) { continue; }</a:t>
+            </a:r>
+            <a:br>
+              <a:rPr lang="en-US" sz="2000">
+                <a:latin typeface="Consolas"/>
+                <a:ea typeface="+mn-lt"/>
+                <a:cs typeface="+mn-lt"/>
+              </a:rPr>
+            </a:br>
+            <a:r>
+              <a:rPr lang="en-US" sz="2000">
+                <a:latin typeface="Consolas"/>
+                <a:ea typeface="+mn-lt"/>
+                <a:cs typeface="+mn-lt"/>
+              </a:rPr>
+              <a:t>   text += "The number is " + </a:t>
+            </a:r>
+            <a:r>
+              <a:rPr lang="en-US" sz="2000" err="1">
+                <a:latin typeface="Consolas"/>
+                <a:ea typeface="+mn-lt"/>
+                <a:cs typeface="+mn-lt"/>
+              </a:rPr>
+              <a:t>i</a:t>
+            </a:r>
+            <a:r>
+              <a:rPr lang="en-US" sz="2000">
+                <a:latin typeface="Consolas"/>
+                <a:ea typeface="+mn-lt"/>
+                <a:cs typeface="+mn-lt"/>
+              </a:rPr>
+              <a:t> + "&lt;</a:t>
+            </a:r>
+            <a:r>
+              <a:rPr lang="en-US" sz="2000" err="1">
+                <a:latin typeface="Consolas"/>
+                <a:ea typeface="+mn-lt"/>
+                <a:cs typeface="+mn-lt"/>
+              </a:rPr>
+              <a:t>br</a:t>
+            </a:r>
+            <a:r>
+              <a:rPr lang="en-US" sz="2000">
+                <a:latin typeface="Consolas"/>
+                <a:ea typeface="+mn-lt"/>
+                <a:cs typeface="+mn-lt"/>
+              </a:rPr>
+              <a:t>&gt;";</a:t>
+            </a:r>
+            <a:br>
+              <a:rPr lang="en-US" sz="2000">
+                <a:latin typeface="Consolas"/>
+                <a:ea typeface="+mn-lt"/>
+                <a:cs typeface="+mn-lt"/>
+              </a:rPr>
+            </a:br>
+            <a:r>
+              <a:rPr lang="en-US" sz="2000">
+                <a:latin typeface="Consolas"/>
+                <a:ea typeface="+mn-lt"/>
+                <a:cs typeface="+mn-lt"/>
+              </a:rPr>
+              <a:t> }</a:t>
+            </a:r>
+            <a:endParaRPr lang="en-US" sz="2000">
+              <a:latin typeface="Consolas"/>
+            </a:endParaRPr>
           </a:p>
         </p:txBody>
       </p:sp>
     </p:spTree>
     <p:extLst>
       <p:ext uri="{BB962C8B-B14F-4D97-AF65-F5344CB8AC3E}">
-        <p14:creationId xmlns:p14="http://schemas.microsoft.com/office/powerpoint/2010/main" val="4037593221"/>
+        <p14:creationId xmlns:p14="http://schemas.microsoft.com/office/powerpoint/2010/main" val="294060699"/>
       </p:ext>
     </p:extLst>
   </p:cSld>
@@ -28517,7 +28163,7 @@
           <p:cNvPr id="2" name="Title 1">
             <a:extLst>
               <a:ext uri="{FF2B5EF4-FFF2-40B4-BE49-F238E27FC236}">
-                <a16:creationId xmlns:a16="http://schemas.microsoft.com/office/drawing/2014/main" id="{ECCF6F8C-2E13-4296-BD55-0D837BF148FE}"/>
+                <a16:creationId xmlns:a16="http://schemas.microsoft.com/office/drawing/2014/main" id="{9E238092-EC75-47A7-ABA7-3831E42E0DF6}"/>
               </a:ext>
             </a:extLst>
           </p:cNvPr>
@@ -28530,81 +28176,562 @@
         </p:nvSpPr>
         <p:spPr>
           <a:xfrm>
-            <a:off x="1039857" y="160759"/>
-            <a:ext cx="7055380" cy="710249"/>
+            <a:off x="746062" y="-45508"/>
+            <a:ext cx="7511473" cy="1068520"/>
           </a:xfrm>
         </p:spPr>
         <p:txBody>
           <a:bodyPr>
-            <a:normAutofit fontScale="90000"/>
+            <a:normAutofit/>
           </a:bodyPr>
           <a:lstStyle/>
           <a:p>
             <a:pPr algn="ctr"/>
             <a:r>
-              <a:rPr lang="en-US" sz="3200"/>
-              <a:t>Example: More BASICS </a:t>
-            </a:r>
-            <a:br>
-              <a:rPr lang="en-US" sz="3200" dirty="0"/>
-            </a:br>
-            <a:r>
-              <a:rPr lang="en-US" sz="3200"/>
-              <a:t>(EXPECTED OUTPUT)</a:t>
-            </a:r>
-            <a:endParaRPr lang="en-US" sz="3200">
-              <a:effectLst>
-                <a:glow rad="38100">
-                  <a:prstClr val="black">
-                    <a:lumMod val="65000"/>
-                    <a:lumOff val="35000"/>
-                    <a:alpha val="40000"/>
-                  </a:prstClr>
-                </a:glow>
-                <a:outerShdw blurRad="28575" dist="38100" dir="14040000" algn="tl" rotWithShape="0">
-                  <a:srgbClr val="000000">
-                    <a:alpha val="25000"/>
-                  </a:srgbClr>
-                </a:outerShdw>
-              </a:effectLst>
-            </a:endParaRPr>
-          </a:p>
-        </p:txBody>
-      </p:sp>
-      <p:pic>
-        <p:nvPicPr>
-          <p:cNvPr id="6" name="Picture 6" descr="A screenshot of a cell phone&#10;&#10;Description generated with very high confidence">
+              <a:rPr lang="en-US" sz="3200">
+                <a:effectLst>
+                  <a:glow rad="38100">
+                    <a:prstClr val="black">
+                      <a:lumMod val="65000"/>
+                      <a:lumOff val="35000"/>
+                      <a:alpha val="40000"/>
+                    </a:prstClr>
+                  </a:glow>
+                  <a:outerShdw blurRad="28575" dist="38100" dir="14040000" algn="tl" rotWithShape="0">
+                    <a:srgbClr val="000000">
+                      <a:alpha val="25000"/>
+                    </a:srgbClr>
+                  </a:outerShdw>
+                </a:effectLst>
+              </a:rPr>
+              <a:t>Type conversion</a:t>
+            </a:r>
+          </a:p>
+        </p:txBody>
+      </p:sp>
+      <p:sp>
+        <p:nvSpPr>
+          <p:cNvPr id="4" name="TextBox 3">
             <a:extLst>
               <a:ext uri="{FF2B5EF4-FFF2-40B4-BE49-F238E27FC236}">
-                <a16:creationId xmlns:a16="http://schemas.microsoft.com/office/drawing/2014/main" id="{4E51101C-467C-41C8-B46B-FCFA63D0FB93}"/>
+                <a16:creationId xmlns:a16="http://schemas.microsoft.com/office/drawing/2014/main" id="{17233E12-04AF-480B-8594-C66BDBA648E6}"/>
               </a:ext>
             </a:extLst>
           </p:cNvPr>
-          <p:cNvPicPr>
-            <a:picLocks noChangeAspect="1"/>
-          </p:cNvPicPr>
+          <p:cNvSpPr txBox="1"/>
           <p:nvPr/>
-        </p:nvPicPr>
-        <p:blipFill>
-          <a:blip r:embed="rId2"/>
-          <a:stretch>
-            <a:fillRect/>
-          </a:stretch>
-        </p:blipFill>
+        </p:nvSpPr>
         <p:spPr>
           <a:xfrm>
-            <a:off x="1892688" y="1034615"/>
-            <a:ext cx="5099076" cy="5677215"/>
+            <a:off x="462622" y="977649"/>
+            <a:ext cx="7685658" cy="646331"/>
           </a:xfrm>
           <a:prstGeom prst="rect">
             <a:avLst/>
           </a:prstGeom>
+          <a:noFill/>
         </p:spPr>
-      </p:pic>
+        <p:txBody>
+          <a:bodyPr rot="0" spcFirstLastPara="0" vertOverflow="overflow" horzOverflow="overflow" vert="horz" wrap="square" lIns="91440" tIns="45720" rIns="91440" bIns="45720" numCol="1" spcCol="0" rtlCol="0" fromWordArt="0" anchor="t" anchorCtr="0" forceAA="0" compatLnSpc="1">
+            <a:prstTxWarp prst="textNoShape">
+              <a:avLst/>
+            </a:prstTxWarp>
+            <a:spAutoFit/>
+          </a:bodyPr>
+          <a:lstStyle/>
+          <a:p>
+            <a:endParaRPr lang="en-US"/>
+          </a:p>
+          <a:p>
+            <a:pPr algn="l"/>
+            <a:endParaRPr lang="en-US"/>
+          </a:p>
+        </p:txBody>
+      </p:sp>
+      <p:sp>
+        <p:nvSpPr>
+          <p:cNvPr id="5" name="TextBox 4">
+            <a:extLst>
+              <a:ext uri="{FF2B5EF4-FFF2-40B4-BE49-F238E27FC236}">
+                <a16:creationId xmlns:a16="http://schemas.microsoft.com/office/drawing/2014/main" id="{039BAB74-1191-4318-8642-58228BF6B850}"/>
+              </a:ext>
+            </a:extLst>
+          </p:cNvPr>
+          <p:cNvSpPr txBox="1"/>
+          <p:nvPr/>
+        </p:nvSpPr>
+        <p:spPr>
+          <a:xfrm>
+            <a:off x="354196" y="1239681"/>
+            <a:ext cx="8272969" cy="4801314"/>
+          </a:xfrm>
+          <a:prstGeom prst="rect">
+            <a:avLst/>
+          </a:prstGeom>
+          <a:noFill/>
+        </p:spPr>
+        <p:txBody>
+          <a:bodyPr rot="0" spcFirstLastPara="0" vertOverflow="overflow" horzOverflow="overflow" vert="horz" wrap="square" lIns="91440" tIns="45720" rIns="91440" bIns="45720" numCol="1" spcCol="0" rtlCol="0" fromWordArt="0" anchor="t" anchorCtr="0" forceAA="0" compatLnSpc="1">
+            <a:prstTxWarp prst="textNoShape">
+              <a:avLst/>
+            </a:prstTxWarp>
+            <a:spAutoFit/>
+          </a:bodyPr>
+          <a:lstStyle/>
+          <a:p>
+            <a:pPr marL="285750" indent="-285750">
+              <a:buFont typeface="Arial"/>
+              <a:buChar char="•"/>
+            </a:pPr>
+            <a:r>
+              <a:rPr lang="en-US">
+                <a:latin typeface="Consolas"/>
+                <a:ea typeface="+mn-lt"/>
+                <a:cs typeface="+mn-lt"/>
+              </a:rPr>
+              <a:t>Number()</a:t>
+            </a:r>
+            <a:r>
+              <a:rPr lang="en-US">
+                <a:latin typeface="Century Gothic"/>
+                <a:ea typeface="+mn-lt"/>
+                <a:cs typeface="+mn-lt"/>
+              </a:rPr>
+              <a:t> </a:t>
+            </a:r>
+            <a:r>
+              <a:rPr lang="en-US">
+                <a:ea typeface="+mn-lt"/>
+                <a:cs typeface="+mn-lt"/>
+              </a:rPr>
+              <a:t>converts to a Number,</a:t>
+            </a:r>
+            <a:r>
+              <a:rPr lang="en-US">
+                <a:latin typeface="Consolas"/>
+                <a:ea typeface="+mn-lt"/>
+                <a:cs typeface="+mn-lt"/>
+              </a:rPr>
+              <a:t> String()</a:t>
+            </a:r>
+            <a:r>
+              <a:rPr lang="en-US">
+                <a:ea typeface="+mn-lt"/>
+                <a:cs typeface="+mn-lt"/>
+              </a:rPr>
+              <a:t> converts to a String, </a:t>
+            </a:r>
+            <a:r>
+              <a:rPr lang="en-US">
+                <a:latin typeface="Consolas"/>
+                <a:ea typeface="+mn-lt"/>
+                <a:cs typeface="+mn-lt"/>
+              </a:rPr>
+              <a:t>Boolean()</a:t>
+            </a:r>
+            <a:r>
+              <a:rPr lang="en-US">
+                <a:ea typeface="+mn-lt"/>
+                <a:cs typeface="+mn-lt"/>
+              </a:rPr>
+              <a:t> converts to a Boolean, etc. This works for most data types.</a:t>
+            </a:r>
+          </a:p>
+          <a:p>
+            <a:pPr marL="285750" indent="-285750">
+              <a:buFont typeface="Arial"/>
+              <a:buChar char="•"/>
+            </a:pPr>
+            <a:endParaRPr lang="en-US"/>
+          </a:p>
+          <a:p>
+            <a:pPr marL="285750" indent="-285750">
+              <a:buFont typeface="Arial"/>
+              <a:buChar char="•"/>
+            </a:pPr>
+            <a:r>
+              <a:rPr lang="en-US">
+                <a:ea typeface="+mn-lt"/>
+                <a:cs typeface="+mn-lt"/>
+              </a:rPr>
+              <a:t>You can use the </a:t>
+            </a:r>
+            <a:r>
+              <a:rPr lang="en-US" err="1">
+                <a:latin typeface="Consolas"/>
+              </a:rPr>
+              <a:t>typeof</a:t>
+            </a:r>
+            <a:r>
+              <a:rPr lang="en-US">
+                <a:ea typeface="+mn-lt"/>
+                <a:cs typeface="+mn-lt"/>
+              </a:rPr>
+              <a:t> operator to find the data type of a JavaScript variable.</a:t>
+            </a:r>
+            <a:endParaRPr lang="en-US"/>
+          </a:p>
+          <a:p>
+            <a:pPr marL="285750" indent="-285750">
+              <a:buFont typeface="Arial"/>
+              <a:buChar char="•"/>
+            </a:pPr>
+            <a:endParaRPr lang="en-US"/>
+          </a:p>
+          <a:p>
+            <a:pPr lvl="1"/>
+            <a:r>
+              <a:rPr lang="en-US" err="1">
+                <a:latin typeface="Consolas"/>
+                <a:ea typeface="+mn-lt"/>
+                <a:cs typeface="+mn-lt"/>
+              </a:rPr>
+              <a:t>typeof</a:t>
+            </a:r>
+            <a:r>
+              <a:rPr lang="en-US">
+                <a:latin typeface="Consolas"/>
+                <a:ea typeface="+mn-lt"/>
+                <a:cs typeface="+mn-lt"/>
+              </a:rPr>
+              <a:t> "John"                 // Returns "string" </a:t>
+            </a:r>
+            <a:br>
+              <a:rPr lang="en-US">
+                <a:latin typeface="Consolas"/>
+                <a:ea typeface="+mn-lt"/>
+                <a:cs typeface="+mn-lt"/>
+              </a:rPr>
+            </a:br>
+            <a:r>
+              <a:rPr lang="en-US" err="1">
+                <a:latin typeface="Consolas"/>
+                <a:ea typeface="+mn-lt"/>
+                <a:cs typeface="+mn-lt"/>
+              </a:rPr>
+              <a:t>typeof</a:t>
+            </a:r>
+            <a:r>
+              <a:rPr lang="en-US">
+                <a:latin typeface="Consolas"/>
+                <a:ea typeface="+mn-lt"/>
+                <a:cs typeface="+mn-lt"/>
+              </a:rPr>
+              <a:t> 3.14                   // Returns "number"</a:t>
+            </a:r>
+            <a:br>
+              <a:rPr lang="en-US">
+                <a:latin typeface="Consolas"/>
+                <a:ea typeface="+mn-lt"/>
+                <a:cs typeface="+mn-lt"/>
+              </a:rPr>
+            </a:br>
+            <a:r>
+              <a:rPr lang="en-US">
+                <a:latin typeface="Consolas"/>
+                <a:ea typeface="+mn-lt"/>
+                <a:cs typeface="+mn-lt"/>
+              </a:rPr>
+              <a:t> </a:t>
+            </a:r>
+            <a:r>
+              <a:rPr lang="en-US" err="1">
+                <a:latin typeface="Consolas"/>
+                <a:ea typeface="+mn-lt"/>
+                <a:cs typeface="+mn-lt"/>
+              </a:rPr>
+              <a:t>typeof</a:t>
+            </a:r>
+            <a:r>
+              <a:rPr lang="en-US">
+                <a:latin typeface="Consolas"/>
+                <a:ea typeface="+mn-lt"/>
+                <a:cs typeface="+mn-lt"/>
+              </a:rPr>
+              <a:t> </a:t>
+            </a:r>
+            <a:r>
+              <a:rPr lang="en-US" err="1">
+                <a:latin typeface="Consolas"/>
+                <a:ea typeface="+mn-lt"/>
+                <a:cs typeface="+mn-lt"/>
+              </a:rPr>
+              <a:t>NaN</a:t>
+            </a:r>
+            <a:r>
+              <a:rPr lang="en-US">
+                <a:latin typeface="Consolas"/>
+                <a:ea typeface="+mn-lt"/>
+                <a:cs typeface="+mn-lt"/>
+              </a:rPr>
+              <a:t>                    // Returns "number"</a:t>
+            </a:r>
+            <a:br>
+              <a:rPr lang="en-US">
+                <a:latin typeface="Consolas"/>
+                <a:ea typeface="+mn-lt"/>
+                <a:cs typeface="+mn-lt"/>
+              </a:rPr>
+            </a:br>
+            <a:r>
+              <a:rPr lang="en-US">
+                <a:latin typeface="Consolas"/>
+                <a:ea typeface="+mn-lt"/>
+                <a:cs typeface="+mn-lt"/>
+              </a:rPr>
+              <a:t> </a:t>
+            </a:r>
+            <a:r>
+              <a:rPr lang="en-US" err="1">
+                <a:latin typeface="Consolas"/>
+                <a:ea typeface="+mn-lt"/>
+                <a:cs typeface="+mn-lt"/>
+              </a:rPr>
+              <a:t>typeof</a:t>
+            </a:r>
+            <a:r>
+              <a:rPr lang="en-US">
+                <a:latin typeface="Consolas"/>
+                <a:ea typeface="+mn-lt"/>
+                <a:cs typeface="+mn-lt"/>
+              </a:rPr>
+              <a:t> false                  // Returns "</a:t>
+            </a:r>
+            <a:r>
+              <a:rPr lang="en-US" err="1">
+                <a:latin typeface="Consolas"/>
+                <a:ea typeface="+mn-lt"/>
+                <a:cs typeface="+mn-lt"/>
+              </a:rPr>
+              <a:t>boolean</a:t>
+            </a:r>
+            <a:r>
+              <a:rPr lang="en-US">
+                <a:latin typeface="Consolas"/>
+                <a:ea typeface="+mn-lt"/>
+                <a:cs typeface="+mn-lt"/>
+              </a:rPr>
+              <a:t>"</a:t>
+            </a:r>
+            <a:br>
+              <a:rPr lang="en-US">
+                <a:latin typeface="Consolas"/>
+                <a:ea typeface="+mn-lt"/>
+                <a:cs typeface="+mn-lt"/>
+              </a:rPr>
+            </a:br>
+            <a:r>
+              <a:rPr lang="en-US">
+                <a:latin typeface="Consolas"/>
+                <a:ea typeface="+mn-lt"/>
+                <a:cs typeface="+mn-lt"/>
+              </a:rPr>
+              <a:t> </a:t>
+            </a:r>
+            <a:r>
+              <a:rPr lang="en-US" err="1">
+                <a:latin typeface="Consolas"/>
+                <a:ea typeface="+mn-lt"/>
+                <a:cs typeface="+mn-lt"/>
+              </a:rPr>
+              <a:t>typeof</a:t>
+            </a:r>
+            <a:r>
+              <a:rPr lang="en-US">
+                <a:latin typeface="Consolas"/>
+                <a:ea typeface="+mn-lt"/>
+                <a:cs typeface="+mn-lt"/>
+              </a:rPr>
+              <a:t> [1,2,3,4]              // Returns "object"</a:t>
+            </a:r>
+            <a:br>
+              <a:rPr lang="en-US">
+                <a:latin typeface="Consolas"/>
+                <a:ea typeface="+mn-lt"/>
+                <a:cs typeface="+mn-lt"/>
+              </a:rPr>
+            </a:br>
+            <a:r>
+              <a:rPr lang="en-US">
+                <a:latin typeface="Consolas"/>
+                <a:ea typeface="+mn-lt"/>
+                <a:cs typeface="+mn-lt"/>
+              </a:rPr>
+              <a:t> </a:t>
+            </a:r>
+            <a:r>
+              <a:rPr lang="en-US" err="1">
+                <a:latin typeface="Consolas"/>
+                <a:ea typeface="+mn-lt"/>
+                <a:cs typeface="+mn-lt"/>
+              </a:rPr>
+              <a:t>typeof</a:t>
+            </a:r>
+            <a:r>
+              <a:rPr lang="en-US">
+                <a:latin typeface="Consolas"/>
+                <a:ea typeface="+mn-lt"/>
+                <a:cs typeface="+mn-lt"/>
+              </a:rPr>
+              <a:t> {</a:t>
+            </a:r>
+            <a:r>
+              <a:rPr lang="en-US" err="1">
+                <a:latin typeface="Consolas"/>
+                <a:ea typeface="+mn-lt"/>
+                <a:cs typeface="+mn-lt"/>
+              </a:rPr>
+              <a:t>name:'John</a:t>
+            </a:r>
+            <a:r>
+              <a:rPr lang="en-US">
+                <a:latin typeface="Consolas"/>
+                <a:ea typeface="+mn-lt"/>
+                <a:cs typeface="+mn-lt"/>
+              </a:rPr>
+              <a:t>', age:34}  // Returns "object"</a:t>
+            </a:r>
+            <a:br>
+              <a:rPr lang="en-US">
+                <a:latin typeface="Consolas"/>
+                <a:ea typeface="+mn-lt"/>
+                <a:cs typeface="+mn-lt"/>
+              </a:rPr>
+            </a:br>
+            <a:r>
+              <a:rPr lang="en-US" err="1">
+                <a:latin typeface="Consolas"/>
+                <a:ea typeface="+mn-lt"/>
+                <a:cs typeface="+mn-lt"/>
+              </a:rPr>
+              <a:t>typeof</a:t>
+            </a:r>
+            <a:r>
+              <a:rPr lang="en-US">
+                <a:latin typeface="Consolas"/>
+                <a:ea typeface="+mn-lt"/>
+                <a:cs typeface="+mn-lt"/>
+              </a:rPr>
+              <a:t> new Date()             // Returns "object"</a:t>
+            </a:r>
+            <a:br>
+              <a:rPr lang="en-US">
+                <a:latin typeface="Consolas"/>
+                <a:ea typeface="+mn-lt"/>
+                <a:cs typeface="+mn-lt"/>
+              </a:rPr>
+            </a:br>
+            <a:r>
+              <a:rPr lang="en-US" err="1">
+                <a:latin typeface="Consolas"/>
+                <a:ea typeface="+mn-lt"/>
+                <a:cs typeface="+mn-lt"/>
+              </a:rPr>
+              <a:t>typeof</a:t>
+            </a:r>
+            <a:r>
+              <a:rPr lang="en-US">
+                <a:latin typeface="Consolas"/>
+                <a:ea typeface="+mn-lt"/>
+                <a:cs typeface="+mn-lt"/>
+              </a:rPr>
+              <a:t> function () {}         // Returns "function"</a:t>
+            </a:r>
+            <a:br>
+              <a:rPr lang="en-US">
+                <a:latin typeface="Consolas"/>
+                <a:ea typeface="+mn-lt"/>
+                <a:cs typeface="+mn-lt"/>
+              </a:rPr>
+            </a:br>
+            <a:r>
+              <a:rPr lang="en-US">
+                <a:latin typeface="Consolas"/>
+                <a:ea typeface="+mn-lt"/>
+                <a:cs typeface="+mn-lt"/>
+              </a:rPr>
+              <a:t> </a:t>
+            </a:r>
+            <a:r>
+              <a:rPr lang="en-US" err="1">
+                <a:latin typeface="Consolas"/>
+                <a:ea typeface="+mn-lt"/>
+                <a:cs typeface="+mn-lt"/>
+              </a:rPr>
+              <a:t>typeof</a:t>
+            </a:r>
+            <a:r>
+              <a:rPr lang="en-US">
+                <a:latin typeface="Consolas"/>
+                <a:ea typeface="+mn-lt"/>
+                <a:cs typeface="+mn-lt"/>
+              </a:rPr>
+              <a:t> </a:t>
+            </a:r>
+            <a:r>
+              <a:rPr lang="en-US" err="1">
+                <a:latin typeface="Consolas"/>
+                <a:ea typeface="+mn-lt"/>
+                <a:cs typeface="+mn-lt"/>
+              </a:rPr>
+              <a:t>myCar</a:t>
+            </a:r>
+            <a:r>
+              <a:rPr lang="en-US">
+                <a:latin typeface="Consolas"/>
+                <a:ea typeface="+mn-lt"/>
+                <a:cs typeface="+mn-lt"/>
+              </a:rPr>
+              <a:t>                  // Returns "undefined" *</a:t>
+            </a:r>
+            <a:br>
+              <a:rPr lang="en-US">
+                <a:latin typeface="Consolas"/>
+                <a:ea typeface="+mn-lt"/>
+                <a:cs typeface="+mn-lt"/>
+              </a:rPr>
+            </a:br>
+            <a:r>
+              <a:rPr lang="en-US">
+                <a:latin typeface="Consolas"/>
+                <a:ea typeface="+mn-lt"/>
+                <a:cs typeface="+mn-lt"/>
+              </a:rPr>
+              <a:t> </a:t>
+            </a:r>
+            <a:r>
+              <a:rPr lang="en-US" err="1">
+                <a:latin typeface="Consolas"/>
+                <a:ea typeface="+mn-lt"/>
+                <a:cs typeface="+mn-lt"/>
+              </a:rPr>
+              <a:t>typeof</a:t>
+            </a:r>
+            <a:r>
+              <a:rPr lang="en-US">
+                <a:latin typeface="Consolas"/>
+                <a:ea typeface="+mn-lt"/>
+                <a:cs typeface="+mn-lt"/>
+              </a:rPr>
+              <a:t> null                   // Returns "object" </a:t>
+            </a:r>
+            <a:endParaRPr lang="en-US">
+              <a:latin typeface="Consolas"/>
+            </a:endParaRPr>
+          </a:p>
+          <a:p>
+            <a:pPr marL="285750" indent="-285750">
+              <a:buFont typeface="Arial"/>
+              <a:buChar char="•"/>
+            </a:pPr>
+            <a:endParaRPr lang="en-US"/>
+          </a:p>
+        </p:txBody>
+      </p:sp>
     </p:spTree>
     <p:extLst>
       <p:ext uri="{BB962C8B-B14F-4D97-AF65-F5344CB8AC3E}">
-        <p14:creationId xmlns:p14="http://schemas.microsoft.com/office/powerpoint/2010/main" val="181880958"/>
+        <p14:creationId xmlns:p14="http://schemas.microsoft.com/office/powerpoint/2010/main" val="2923619874"/>
       </p:ext>
     </p:extLst>
   </p:cSld>
@@ -28636,7 +28763,7 @@
           <p:cNvPr id="2" name="Title 1">
             <a:extLst>
               <a:ext uri="{FF2B5EF4-FFF2-40B4-BE49-F238E27FC236}">
-                <a16:creationId xmlns:a16="http://schemas.microsoft.com/office/drawing/2014/main" id="{ECCF6F8C-2E13-4296-BD55-0D837BF148FE}"/>
+                <a16:creationId xmlns:a16="http://schemas.microsoft.com/office/drawing/2014/main" id="{01976046-5C82-4268-AF7D-BA1F71BECA06}"/>
               </a:ext>
             </a:extLst>
           </p:cNvPr>
@@ -28649,22 +28776,36 @@
         </p:nvSpPr>
         <p:spPr>
           <a:xfrm>
-            <a:off x="1039857" y="160759"/>
-            <a:ext cx="7055380" cy="710249"/>
+            <a:off x="755098" y="-72615"/>
+            <a:ext cx="7511473" cy="996235"/>
           </a:xfrm>
         </p:spPr>
         <p:txBody>
-          <a:bodyPr>
-            <a:normAutofit/>
-          </a:bodyPr>
+          <a:bodyPr/>
           <a:lstStyle/>
           <a:p>
             <a:pPr algn="ctr"/>
             <a:r>
-              <a:rPr lang="en-US" sz="3200"/>
-              <a:t>Example: The Colors</a:t>
-            </a:r>
-            <a:endParaRPr lang="en-US" sz="3200">
+              <a:rPr lang="en-US" sz="3200">
+                <a:effectLst>
+                  <a:glow rad="38100">
+                    <a:prstClr val="black">
+                      <a:lumMod val="65000"/>
+                      <a:lumOff val="35000"/>
+                      <a:alpha val="40000"/>
+                    </a:prstClr>
+                  </a:glow>
+                  <a:outerShdw blurRad="28575" dist="38100" dir="14040000" algn="tl" rotWithShape="0">
+                    <a:srgbClr val="000000">
+                      <a:alpha val="25000"/>
+                    </a:srgbClr>
+                  </a:outerShdw>
+                </a:effectLst>
+                <a:latin typeface="Century Gothic"/>
+              </a:rPr>
+              <a:t>Bitwise operators</a:t>
+            </a:r>
+            <a:endParaRPr lang="en-US">
               <a:effectLst>
                 <a:glow rad="38100">
                   <a:prstClr val="black">
@@ -28679,6 +28820,7 @@
                   </a:srgbClr>
                 </a:outerShdw>
               </a:effectLst>
+              <a:latin typeface="Consolas"/>
             </a:endParaRPr>
           </a:p>
         </p:txBody>
@@ -28688,7 +28830,7 @@
           <p:cNvPr id="4" name="TextBox 3">
             <a:extLst>
               <a:ext uri="{FF2B5EF4-FFF2-40B4-BE49-F238E27FC236}">
-                <a16:creationId xmlns:a16="http://schemas.microsoft.com/office/drawing/2014/main" id="{D3841CC4-5C87-49CE-88C0-8A98AA1A8147}"/>
+                <a16:creationId xmlns:a16="http://schemas.microsoft.com/office/drawing/2014/main" id="{6605D796-2468-489A-8D0A-940627A63D94}"/>
               </a:ext>
             </a:extLst>
           </p:cNvPr>
@@ -28697,8 +28839,8 @@
         </p:nvSpPr>
         <p:spPr>
           <a:xfrm>
-            <a:off x="605393" y="868126"/>
-            <a:ext cx="7849879" cy="707886"/>
+            <a:off x="507800" y="1646281"/>
+            <a:ext cx="7992866" cy="369332"/>
           </a:xfrm>
           <a:prstGeom prst="rect">
             <a:avLst/>
@@ -28714,28 +28856,17 @@
           </a:bodyPr>
           <a:lstStyle/>
           <a:p>
-            <a:pPr algn="ctr"/>
-            <a:r>
-              <a:rPr lang="en-US" sz="2000"/>
-              <a:t>Open colorful_events.html in Chrome.</a:t>
-            </a:r>
-          </a:p>
-          <a:p>
-            <a:pPr algn="ctr"/>
-            <a:r>
-              <a:rPr lang="en-US" sz="2000"/>
-              <a:t>Some features of the page don't work.</a:t>
-            </a:r>
-            <a:endParaRPr lang="en-US" sz="2000" b="1"/>
+            <a:pPr algn="l"/>
+            <a:endParaRPr lang="en-US"/>
           </a:p>
         </p:txBody>
       </p:sp>
       <p:pic>
         <p:nvPicPr>
-          <p:cNvPr id="7" name="Picture 7" descr="A screenshot of a cell phone&#10;&#10;Description generated with very high confidence">
+          <p:cNvPr id="5" name="Picture 5" descr="A screenshot of a cell phone&#10;&#10;Description generated with very high confidence">
             <a:extLst>
               <a:ext uri="{FF2B5EF4-FFF2-40B4-BE49-F238E27FC236}">
-                <a16:creationId xmlns:a16="http://schemas.microsoft.com/office/drawing/2014/main" id="{263072F9-B7FA-45AC-B8B3-A56DB7A5D297}"/>
+                <a16:creationId xmlns:a16="http://schemas.microsoft.com/office/drawing/2014/main" id="{E0E5D207-6E9C-43DA-82C0-1FECC4D72A38}"/>
               </a:ext>
             </a:extLst>
           </p:cNvPr>
@@ -28752,68 +28883,48 @@
         </p:blipFill>
         <p:spPr>
           <a:xfrm>
-            <a:off x="2120915" y="1627457"/>
-            <a:ext cx="5167412" cy="4350961"/>
+            <a:off x="236733" y="744257"/>
+            <a:ext cx="8688606" cy="2848561"/>
           </a:xfrm>
           <a:prstGeom prst="rect">
             <a:avLst/>
           </a:prstGeom>
         </p:spPr>
       </p:pic>
-      <p:sp>
-        <p:nvSpPr>
-          <p:cNvPr id="3" name="TextBox 2">
+      <p:pic>
+        <p:nvPicPr>
+          <p:cNvPr id="7" name="Picture 7" descr="A screenshot of a cell phone&#10;&#10;Description generated with very high confidence">
             <a:extLst>
               <a:ext uri="{FF2B5EF4-FFF2-40B4-BE49-F238E27FC236}">
-                <a16:creationId xmlns:a16="http://schemas.microsoft.com/office/drawing/2014/main" id="{0C756E51-9D41-4CDE-B267-154C1ACE9901}"/>
+                <a16:creationId xmlns:a16="http://schemas.microsoft.com/office/drawing/2014/main" id="{1CA375EC-AE37-4A26-AE46-314A75675600}"/>
               </a:ext>
             </a:extLst>
           </p:cNvPr>
-          <p:cNvSpPr txBox="1"/>
+          <p:cNvPicPr>
+            <a:picLocks noChangeAspect="1"/>
+          </p:cNvPicPr>
           <p:nvPr/>
-        </p:nvSpPr>
+        </p:nvPicPr>
+        <p:blipFill>
+          <a:blip r:embed="rId3"/>
+          <a:stretch>
+            <a:fillRect/>
+          </a:stretch>
+        </p:blipFill>
         <p:spPr>
           <a:xfrm>
-            <a:off x="663389" y="6248400"/>
-            <a:ext cx="7790328" cy="800219"/>
+            <a:off x="236732" y="3843458"/>
+            <a:ext cx="8688606" cy="2722063"/>
           </a:xfrm>
           <a:prstGeom prst="rect">
             <a:avLst/>
           </a:prstGeom>
-          <a:noFill/>
         </p:spPr>
-        <p:txBody>
-          <a:bodyPr rot="0" spcFirstLastPara="0" vertOverflow="overflow" horzOverflow="overflow" vert="horz" wrap="square" lIns="91440" tIns="45720" rIns="91440" bIns="45720" numCol="1" spcCol="0" rtlCol="0" fromWordArt="0" anchor="t" anchorCtr="0" forceAA="0" compatLnSpc="1">
-            <a:prstTxWarp prst="textNoShape">
-              <a:avLst/>
-            </a:prstTxWarp>
-            <a:spAutoFit/>
-          </a:bodyPr>
-          <a:lstStyle/>
-          <a:p>
-            <a:pPr algn="ctr"/>
-            <a:r>
-              <a:rPr lang="en-US" sz="2800" b="1">
-                <a:ea typeface="+mn-lt"/>
-                <a:cs typeface="+mn-lt"/>
-              </a:rPr>
-              <a:t>Let's fix this page by editing the_colors.js</a:t>
-            </a:r>
-            <a:endParaRPr lang="en-US" sz="2800">
-              <a:ea typeface="+mn-lt"/>
-              <a:cs typeface="+mn-lt"/>
-            </a:endParaRPr>
-          </a:p>
-          <a:p>
-            <a:pPr algn="l"/>
-            <a:endParaRPr lang="en-US"/>
-          </a:p>
-        </p:txBody>
-      </p:sp>
+      </p:pic>
     </p:spTree>
     <p:extLst>
       <p:ext uri="{BB962C8B-B14F-4D97-AF65-F5344CB8AC3E}">
-        <p14:creationId xmlns:p14="http://schemas.microsoft.com/office/powerpoint/2010/main" val="498423495"/>
+        <p14:creationId xmlns:p14="http://schemas.microsoft.com/office/powerpoint/2010/main" val="1161351450"/>
       </p:ext>
     </p:extLst>
   </p:cSld>
@@ -28845,7 +28956,7 @@
           <p:cNvPr id="2" name="Title 1">
             <a:extLst>
               <a:ext uri="{FF2B5EF4-FFF2-40B4-BE49-F238E27FC236}">
-                <a16:creationId xmlns:a16="http://schemas.microsoft.com/office/drawing/2014/main" id="{E79991AE-7CE8-4405-AD5B-B465CD58A633}"/>
+                <a16:creationId xmlns:a16="http://schemas.microsoft.com/office/drawing/2014/main" id="{73694D80-0562-48B4-B2FD-B9521EF79AE7}"/>
               </a:ext>
             </a:extLst>
           </p:cNvPr>
@@ -28858,8 +28969,8 @@
         </p:nvSpPr>
         <p:spPr>
           <a:xfrm>
-            <a:off x="748385" y="36283"/>
-            <a:ext cx="7511473" cy="653633"/>
+            <a:off x="791240" y="80990"/>
+            <a:ext cx="7511473" cy="734204"/>
           </a:xfrm>
         </p:spPr>
         <p:txBody>
@@ -28870,19 +28981,33 @@
           <a:p>
             <a:pPr algn="ctr"/>
             <a:r>
-              <a:rPr lang="en-US" sz="3200"/>
-              <a:t>Forms</a:t>
-            </a:r>
-            <a:endParaRPr lang="en-US"/>
-          </a:p>
-        </p:txBody>
-      </p:sp>
-      <p:sp>
-        <p:nvSpPr>
-          <p:cNvPr id="6" name="TextBox 5">
+              <a:rPr lang="en-US" sz="3200">
+                <a:effectLst>
+                  <a:glow rad="38100">
+                    <a:prstClr val="black">
+                      <a:lumMod val="65000"/>
+                      <a:lumOff val="35000"/>
+                      <a:alpha val="40000"/>
+                    </a:prstClr>
+                  </a:glow>
+                  <a:outerShdw blurRad="28575" dist="38100" dir="14040000" algn="tl" rotWithShape="0">
+                    <a:srgbClr val="000000">
+                      <a:alpha val="25000"/>
+                    </a:srgbClr>
+                  </a:outerShdw>
+                </a:effectLst>
+              </a:rPr>
+              <a:t>Regex</a:t>
+            </a:r>
+          </a:p>
+        </p:txBody>
+      </p:sp>
+      <p:sp>
+        <p:nvSpPr>
+          <p:cNvPr id="4" name="TextBox 3">
             <a:extLst>
               <a:ext uri="{FF2B5EF4-FFF2-40B4-BE49-F238E27FC236}">
-                <a16:creationId xmlns:a16="http://schemas.microsoft.com/office/drawing/2014/main" id="{1A3B7598-F51D-4EF7-9441-ECA5D2F08E1C}"/>
+                <a16:creationId xmlns:a16="http://schemas.microsoft.com/office/drawing/2014/main" id="{30CD846F-091E-4586-BCD1-F4946A2169FD}"/>
               </a:ext>
             </a:extLst>
           </p:cNvPr>
@@ -28891,8 +29016,8 @@
         </p:nvSpPr>
         <p:spPr>
           <a:xfrm>
-            <a:off x="1553283" y="6215125"/>
-            <a:ext cx="5827802" cy="369332"/>
+            <a:off x="417443" y="1013791"/>
+            <a:ext cx="8417539" cy="5170646"/>
           </a:xfrm>
           <a:prstGeom prst="rect">
             <a:avLst/>
@@ -28908,151 +29033,227 @@
           </a:bodyPr>
           <a:lstStyle/>
           <a:p>
-            <a:r>
-              <a:rPr lang="en-US">
-                <a:hlinkClick r:id="rId2"/>
-              </a:rPr>
-              <a:t>https://www.w3schools.com/html/html_forms.asp</a:t>
-            </a:r>
-            <a:endParaRPr lang="en-US"/>
-          </a:p>
-        </p:txBody>
-      </p:sp>
-      <p:sp>
-        <p:nvSpPr>
-          <p:cNvPr id="7" name="TextBox 6">
-            <a:extLst>
-              <a:ext uri="{FF2B5EF4-FFF2-40B4-BE49-F238E27FC236}">
-                <a16:creationId xmlns:a16="http://schemas.microsoft.com/office/drawing/2014/main" id="{3ECF3A31-A851-4E2F-82C8-C90078309B55}"/>
-              </a:ext>
-            </a:extLst>
-          </p:cNvPr>
-          <p:cNvSpPr txBox="1"/>
-          <p:nvPr/>
-        </p:nvSpPr>
-        <p:spPr>
-          <a:xfrm>
-            <a:off x="385325" y="1014224"/>
-            <a:ext cx="8163713" cy="461665"/>
-          </a:xfrm>
-          <a:prstGeom prst="rect">
-            <a:avLst/>
-          </a:prstGeom>
-          <a:noFill/>
-        </p:spPr>
-        <p:txBody>
-          <a:bodyPr rot="0" spcFirstLastPara="0" vertOverflow="overflow" horzOverflow="overflow" vert="horz" wrap="square" lIns="91440" tIns="45720" rIns="91440" bIns="45720" numCol="1" spcCol="0" rtlCol="0" fromWordArt="0" anchor="t" anchorCtr="0" forceAA="0" compatLnSpc="1">
-            <a:prstTxWarp prst="textNoShape">
-              <a:avLst/>
-            </a:prstTxWarp>
-            <a:spAutoFit/>
-          </a:bodyPr>
-          <a:lstStyle/>
-          <a:p>
             <a:pPr marL="285750" indent="-285750">
               <a:buFont typeface="Arial"/>
               <a:buChar char="•"/>
             </a:pPr>
             <a:r>
-              <a:rPr lang="en-US" sz="2400" b="1" dirty="0"/>
-              <a:t>Forms are used to </a:t>
-            </a:r>
-            <a:r>
-              <a:rPr lang="en-US" sz="2400" b="1"/>
-              <a:t>collect information from the user</a:t>
-            </a:r>
-          </a:p>
-        </p:txBody>
-      </p:sp>
-      <p:sp>
-        <p:nvSpPr>
-          <p:cNvPr id="8" name="TextBox 7">
-            <a:extLst>
-              <a:ext uri="{FF2B5EF4-FFF2-40B4-BE49-F238E27FC236}">
-                <a16:creationId xmlns:a16="http://schemas.microsoft.com/office/drawing/2014/main" id="{B278B221-046C-41A1-8D29-EB62CC2D32D0}"/>
-              </a:ext>
-            </a:extLst>
-          </p:cNvPr>
-          <p:cNvSpPr txBox="1"/>
-          <p:nvPr/>
-        </p:nvSpPr>
-        <p:spPr>
-          <a:xfrm>
-            <a:off x="245570" y="2311953"/>
-            <a:ext cx="8163713" cy="1569660"/>
-          </a:xfrm>
-          <a:prstGeom prst="rect">
-            <a:avLst/>
-          </a:prstGeom>
-          <a:noFill/>
-        </p:spPr>
-        <p:txBody>
-          <a:bodyPr rot="0" spcFirstLastPara="0" vertOverflow="overflow" horzOverflow="overflow" vert="horz" wrap="square" lIns="91440" tIns="45720" rIns="91440" bIns="45720" numCol="1" spcCol="0" rtlCol="0" fromWordArt="0" anchor="t" anchorCtr="0" forceAA="0" compatLnSpc="1">
-            <a:prstTxWarp prst="textNoShape">
-              <a:avLst/>
-            </a:prstTxWarp>
-            <a:spAutoFit/>
-          </a:bodyPr>
-          <a:lstStyle/>
+              <a:rPr lang="en-US" sz="2400">
+                <a:ea typeface="+mn-lt"/>
+                <a:cs typeface="+mn-lt"/>
+              </a:rPr>
+              <a:t>Regular expressions can be used to perform all types of </a:t>
+            </a:r>
+            <a:r>
+              <a:rPr lang="en-US" sz="2400" b="1">
+                <a:ea typeface="+mn-lt"/>
+                <a:cs typeface="+mn-lt"/>
+              </a:rPr>
+              <a:t>text search</a:t>
+            </a:r>
+            <a:r>
+              <a:rPr lang="en-US" sz="2400">
+                <a:ea typeface="+mn-lt"/>
+                <a:cs typeface="+mn-lt"/>
+              </a:rPr>
+              <a:t> and </a:t>
+            </a:r>
+            <a:r>
+              <a:rPr lang="en-US" sz="2400" b="1">
+                <a:ea typeface="+mn-lt"/>
+                <a:cs typeface="+mn-lt"/>
+              </a:rPr>
+              <a:t>text replace</a:t>
+            </a:r>
+            <a:r>
+              <a:rPr lang="en-US" sz="2400">
+                <a:ea typeface="+mn-lt"/>
+                <a:cs typeface="+mn-lt"/>
+              </a:rPr>
+              <a:t> operations with the syntax</a:t>
+            </a:r>
+            <a:r>
+              <a:rPr lang="en-US" sz="2400">
+                <a:latin typeface="Century Gothic"/>
+                <a:ea typeface="+mn-lt"/>
+                <a:cs typeface="+mn-lt"/>
+              </a:rPr>
+              <a:t>: </a:t>
+            </a:r>
+            <a:endParaRPr lang="en-US" sz="2400">
+              <a:latin typeface="Consolas"/>
+              <a:ea typeface="+mn-lt"/>
+              <a:cs typeface="+mn-lt"/>
+            </a:endParaRPr>
+          </a:p>
+          <a:p>
+            <a:pPr lvl="1"/>
+            <a:r>
+              <a:rPr lang="en-US" sz="2400">
+                <a:latin typeface="Consolas"/>
+                <a:ea typeface="+mn-lt"/>
+                <a:cs typeface="+mn-lt"/>
+              </a:rPr>
+              <a:t>/</a:t>
+            </a:r>
+            <a:r>
+              <a:rPr lang="en-US" sz="2400" i="1">
+                <a:latin typeface="Consolas"/>
+                <a:ea typeface="+mn-lt"/>
+                <a:cs typeface="+mn-lt"/>
+              </a:rPr>
+              <a:t>pattern</a:t>
+            </a:r>
+            <a:r>
+              <a:rPr lang="en-US" sz="2400">
+                <a:latin typeface="Consolas"/>
+                <a:ea typeface="+mn-lt"/>
+                <a:cs typeface="+mn-lt"/>
+              </a:rPr>
+              <a:t>/</a:t>
+            </a:r>
+            <a:r>
+              <a:rPr lang="en-US" sz="2400" i="1">
+                <a:latin typeface="Consolas"/>
+                <a:ea typeface="+mn-lt"/>
+                <a:cs typeface="+mn-lt"/>
+              </a:rPr>
+              <a:t>modifiers</a:t>
+            </a:r>
+            <a:r>
+              <a:rPr lang="en-US" sz="2400">
+                <a:latin typeface="Consolas"/>
+                <a:ea typeface="+mn-lt"/>
+                <a:cs typeface="+mn-lt"/>
+              </a:rPr>
+              <a:t>;</a:t>
+            </a:r>
+            <a:endParaRPr lang="en-US" sz="2400">
+              <a:latin typeface="Consolas"/>
+            </a:endParaRPr>
+          </a:p>
           <a:p>
             <a:pPr marL="285750" indent="-285750">
               <a:buFont typeface="Arial"/>
               <a:buChar char="•"/>
             </a:pPr>
-            <a:r>
-              <a:rPr lang="en-US" sz="2400"/>
-              <a:t>Typically, forms would specify an "action" attribute and use the "submit" input type to submit the data to a program written in a language like PHP running on a server</a:t>
-            </a:r>
-            <a:endParaRPr lang="en-US"/>
-          </a:p>
-        </p:txBody>
-      </p:sp>
-      <p:sp>
-        <p:nvSpPr>
-          <p:cNvPr id="10" name="TextBox 9">
-            <a:extLst>
-              <a:ext uri="{FF2B5EF4-FFF2-40B4-BE49-F238E27FC236}">
-                <a16:creationId xmlns:a16="http://schemas.microsoft.com/office/drawing/2014/main" id="{12B44199-8740-4021-AF0F-29FA4784D48B}"/>
-              </a:ext>
-            </a:extLst>
-          </p:cNvPr>
-          <p:cNvSpPr txBox="1"/>
-          <p:nvPr/>
-        </p:nvSpPr>
-        <p:spPr>
-          <a:xfrm>
-            <a:off x="315447" y="4717743"/>
-            <a:ext cx="8163713" cy="461665"/>
-          </a:xfrm>
-          <a:prstGeom prst="rect">
-            <a:avLst/>
-          </a:prstGeom>
-          <a:noFill/>
-        </p:spPr>
-        <p:txBody>
-          <a:bodyPr rot="0" spcFirstLastPara="0" vertOverflow="overflow" horzOverflow="overflow" vert="horz" wrap="square" lIns="91440" tIns="45720" rIns="91440" bIns="45720" numCol="1" spcCol="0" rtlCol="0" fromWordArt="0" anchor="t" anchorCtr="0" forceAA="0" compatLnSpc="1">
-            <a:prstTxWarp prst="textNoShape">
-              <a:avLst/>
-            </a:prstTxWarp>
-            <a:spAutoFit/>
-          </a:bodyPr>
-          <a:lstStyle/>
+            <a:endParaRPr lang="en-US" sz="2400">
+              <a:latin typeface="Consolas"/>
+            </a:endParaRPr>
+          </a:p>
           <a:p>
             <a:pPr marL="285750" indent="-285750">
               <a:buFont typeface="Arial"/>
               <a:buChar char="•"/>
             </a:pPr>
             <a:r>
+              <a:rPr lang="en-US" sz="2400">
+                <a:latin typeface="Consolas"/>
+              </a:rPr>
+              <a:t>Example:</a:t>
+            </a:r>
+            <a:endParaRPr lang="en-US" sz="2400"/>
+          </a:p>
+          <a:p>
+            <a:pPr lvl="1"/>
+            <a:r>
+              <a:rPr lang="en-US" sz="2400">
+                <a:latin typeface="Consolas"/>
+                <a:ea typeface="+mn-lt"/>
+                <a:cs typeface="+mn-lt"/>
+              </a:rPr>
+              <a:t>var pattern = /w3schools/</a:t>
+            </a:r>
+            <a:r>
+              <a:rPr lang="en-US" sz="2400" err="1">
+                <a:latin typeface="Consolas"/>
+                <a:ea typeface="+mn-lt"/>
+                <a:cs typeface="+mn-lt"/>
+              </a:rPr>
+              <a:t>i</a:t>
+            </a:r>
+            <a:r>
+              <a:rPr lang="en-US" sz="2400">
+                <a:latin typeface="Consolas"/>
+                <a:ea typeface="+mn-lt"/>
+                <a:cs typeface="+mn-lt"/>
+              </a:rPr>
+              <a:t>;</a:t>
+            </a:r>
+          </a:p>
+          <a:p>
+            <a:pPr marL="742950" lvl="1" indent="-285750">
+              <a:buFont typeface="Arial"/>
+              <a:buChar char="•"/>
+            </a:pPr>
+            <a:endParaRPr lang="en-US" sz="2400" b="1"/>
+          </a:p>
+          <a:p>
+            <a:pPr marL="742950" lvl="1" indent="-285750">
+              <a:buFont typeface="Arial"/>
+              <a:buChar char="•"/>
+            </a:pPr>
+            <a:r>
+              <a:rPr lang="en-US" sz="2400" b="1"/>
+              <a:t>/w3schools/</a:t>
+            </a:r>
+            <a:r>
+              <a:rPr lang="en-US" sz="2400" b="1" err="1"/>
+              <a:t>i</a:t>
+            </a:r>
+            <a:r>
               <a:rPr lang="en-US" sz="2400"/>
-              <a:t>Our example will just use JavaScript to update a list</a:t>
-            </a:r>
+              <a:t>  is a regular expression.</a:t>
+            </a:r>
+          </a:p>
+          <a:p>
+            <a:pPr marL="742950" lvl="1" indent="-285750">
+              <a:buFont typeface="Arial"/>
+              <a:buChar char="•"/>
+            </a:pPr>
+            <a:r>
+              <a:rPr lang="en-US" sz="2400" b="1"/>
+              <a:t>w3schools</a:t>
+            </a:r>
+            <a:r>
+              <a:rPr lang="en-US" sz="2400"/>
+              <a:t>  is a pattern (to be used in a search).</a:t>
+            </a:r>
+          </a:p>
+          <a:p>
+            <a:pPr marL="742950" lvl="1" indent="-285750">
+              <a:buFont typeface="Arial"/>
+              <a:buChar char="•"/>
+            </a:pPr>
+            <a:r>
+              <a:rPr lang="en-US" sz="2400" b="1" err="1"/>
+              <a:t>i</a:t>
+            </a:r>
+            <a:r>
+              <a:rPr lang="en-US" sz="2400"/>
+              <a:t>  is a modifier (modifies the search to be case-insensitive).</a:t>
+            </a:r>
+          </a:p>
+          <a:p>
+            <a:pPr marL="285750" indent="-285750">
+              <a:buFont typeface="Arial"/>
+              <a:buChar char="•"/>
+            </a:pPr>
+            <a:endParaRPr lang="en-US" sz="2400"/>
+          </a:p>
+          <a:p>
+            <a:pPr marL="285750" indent="-285750">
+              <a:buFont typeface="Arial"/>
+              <a:buChar char="•"/>
+            </a:pPr>
+            <a:endParaRPr lang="en-US"/>
           </a:p>
         </p:txBody>
       </p:sp>
     </p:spTree>
     <p:extLst>
       <p:ext uri="{BB962C8B-B14F-4D97-AF65-F5344CB8AC3E}">
-        <p14:creationId xmlns:p14="http://schemas.microsoft.com/office/powerpoint/2010/main" val="1702451688"/>
+        <p14:creationId xmlns:p14="http://schemas.microsoft.com/office/powerpoint/2010/main" val="1607751376"/>
       </p:ext>
     </p:extLst>
   </p:cSld>
@@ -29084,6 +29285,460 @@
           <p:cNvPr id="2" name="Title 1">
             <a:extLst>
               <a:ext uri="{FF2B5EF4-FFF2-40B4-BE49-F238E27FC236}">
+                <a16:creationId xmlns:a16="http://schemas.microsoft.com/office/drawing/2014/main" id="{41F97ABA-6CFA-4964-8FC8-792AFCAB2FEC}"/>
+              </a:ext>
+            </a:extLst>
+          </p:cNvPr>
+          <p:cNvSpPr>
+            <a:spLocks noGrp="1"/>
+          </p:cNvSpPr>
+          <p:nvPr>
+            <p:ph type="title"/>
+          </p:nvPr>
+        </p:nvSpPr>
+        <p:spPr/>
+        <p:txBody>
+          <a:bodyPr/>
+          <a:lstStyle/>
+          <a:p>
+            <a:endParaRPr lang="en-US"/>
+          </a:p>
+        </p:txBody>
+      </p:sp>
+      <p:sp>
+        <p:nvSpPr>
+          <p:cNvPr id="4" name="TextBox 3">
+            <a:extLst>
+              <a:ext uri="{FF2B5EF4-FFF2-40B4-BE49-F238E27FC236}">
+                <a16:creationId xmlns:a16="http://schemas.microsoft.com/office/drawing/2014/main" id="{F50A3269-7A54-44FC-A173-A0F11133C1FB}"/>
+              </a:ext>
+            </a:extLst>
+          </p:cNvPr>
+          <p:cNvSpPr txBox="1"/>
+          <p:nvPr/>
+        </p:nvSpPr>
+        <p:spPr>
+          <a:xfrm>
+            <a:off x="372266" y="2296843"/>
+            <a:ext cx="8001903" cy="2585323"/>
+          </a:xfrm>
+          <a:prstGeom prst="rect">
+            <a:avLst/>
+          </a:prstGeom>
+          <a:noFill/>
+        </p:spPr>
+        <p:txBody>
+          <a:bodyPr rot="0" spcFirstLastPara="0" vertOverflow="overflow" horzOverflow="overflow" vert="horz" wrap="square" lIns="91440" tIns="45720" rIns="91440" bIns="45720" numCol="1" spcCol="0" rtlCol="0" fromWordArt="0" anchor="t" anchorCtr="0" forceAA="0" compatLnSpc="1">
+            <a:prstTxWarp prst="textNoShape">
+              <a:avLst/>
+            </a:prstTxWarp>
+            <a:spAutoFit/>
+          </a:bodyPr>
+          <a:lstStyle/>
+          <a:p>
+            <a:pPr marL="285750" indent="-285750">
+              <a:buFont typeface="Arial"/>
+              <a:buChar char="•"/>
+            </a:pPr>
+            <a:r>
+              <a:rPr lang="en-US">
+                <a:ea typeface="+mn-lt"/>
+                <a:cs typeface="+mn-lt"/>
+              </a:rPr>
+              <a:t>In JavaScript, regular expressions are often used with the two </a:t>
+            </a:r>
+            <a:r>
+              <a:rPr lang="en-US" b="1">
+                <a:ea typeface="+mn-lt"/>
+                <a:cs typeface="+mn-lt"/>
+              </a:rPr>
+              <a:t>string methods</a:t>
+            </a:r>
+            <a:r>
+              <a:rPr lang="en-US">
+                <a:ea typeface="+mn-lt"/>
+                <a:cs typeface="+mn-lt"/>
+              </a:rPr>
+              <a:t>: </a:t>
+            </a:r>
+            <a:r>
+              <a:rPr lang="en-US">
+                <a:latin typeface="Consolas"/>
+              </a:rPr>
+              <a:t>search()</a:t>
+            </a:r>
+            <a:r>
+              <a:rPr lang="en-US">
+                <a:ea typeface="+mn-lt"/>
+                <a:cs typeface="+mn-lt"/>
+              </a:rPr>
+              <a:t> and </a:t>
+            </a:r>
+            <a:r>
+              <a:rPr lang="en-US">
+                <a:latin typeface="Consolas"/>
+              </a:rPr>
+              <a:t>replace()</a:t>
+            </a:r>
+            <a:r>
+              <a:rPr lang="en-US">
+                <a:ea typeface="+mn-lt"/>
+                <a:cs typeface="+mn-lt"/>
+              </a:rPr>
+              <a:t>.</a:t>
+            </a:r>
+            <a:endParaRPr lang="en-US"/>
+          </a:p>
+          <a:p>
+            <a:pPr marL="285750" indent="-285750">
+              <a:buFont typeface="Arial"/>
+              <a:buChar char="•"/>
+            </a:pPr>
+            <a:endParaRPr lang="en-US">
+              <a:ea typeface="+mn-lt"/>
+              <a:cs typeface="+mn-lt"/>
+            </a:endParaRPr>
+          </a:p>
+          <a:p>
+            <a:pPr marL="285750" indent="-285750">
+              <a:buFont typeface="Arial"/>
+              <a:buChar char="•"/>
+            </a:pPr>
+            <a:r>
+              <a:rPr lang="en-US">
+                <a:ea typeface="+mn-lt"/>
+                <a:cs typeface="+mn-lt"/>
+              </a:rPr>
+              <a:t>The </a:t>
+            </a:r>
+            <a:r>
+              <a:rPr lang="en-US">
+                <a:latin typeface="Consolas"/>
+              </a:rPr>
+              <a:t>search()</a:t>
+            </a:r>
+            <a:r>
+              <a:rPr lang="en-US">
+                <a:ea typeface="+mn-lt"/>
+                <a:cs typeface="+mn-lt"/>
+              </a:rPr>
+              <a:t> method uses an expression to search for a match, and returns the position of the match.</a:t>
+            </a:r>
+            <a:endParaRPr lang="en-US"/>
+          </a:p>
+          <a:p>
+            <a:pPr marL="285750" indent="-285750">
+              <a:buFont typeface="Arial"/>
+              <a:buChar char="•"/>
+            </a:pPr>
+            <a:endParaRPr lang="en-US">
+              <a:ea typeface="+mn-lt"/>
+              <a:cs typeface="+mn-lt"/>
+            </a:endParaRPr>
+          </a:p>
+          <a:p>
+            <a:pPr marL="285750" indent="-285750">
+              <a:buFont typeface="Arial"/>
+              <a:buChar char="•"/>
+            </a:pPr>
+            <a:r>
+              <a:rPr lang="en-US">
+                <a:ea typeface="+mn-lt"/>
+                <a:cs typeface="+mn-lt"/>
+              </a:rPr>
+              <a:t>The </a:t>
+            </a:r>
+            <a:r>
+              <a:rPr lang="en-US">
+                <a:latin typeface="Consolas"/>
+              </a:rPr>
+              <a:t>replace()</a:t>
+            </a:r>
+            <a:r>
+              <a:rPr lang="en-US">
+                <a:ea typeface="+mn-lt"/>
+                <a:cs typeface="+mn-lt"/>
+              </a:rPr>
+              <a:t> method returns a modified string where the pattern is replaced.</a:t>
+            </a:r>
+            <a:endParaRPr lang="en-US"/>
+          </a:p>
+          <a:p>
+            <a:pPr algn="l"/>
+            <a:endParaRPr lang="en-US"/>
+          </a:p>
+        </p:txBody>
+      </p:sp>
+    </p:spTree>
+    <p:extLst>
+      <p:ext uri="{BB962C8B-B14F-4D97-AF65-F5344CB8AC3E}">
+        <p14:creationId xmlns:p14="http://schemas.microsoft.com/office/powerpoint/2010/main" val="1846215640"/>
+      </p:ext>
+    </p:extLst>
+  </p:cSld>
+  <p:clrMapOvr>
+    <a:masterClrMapping/>
+  </p:clrMapOvr>
+</p:sld>
+</file>
+
+<file path=ppt/slides/slide66.xml><?xml version="1.0" encoding="utf-8"?>
+<p:sld xmlns:a="http://schemas.openxmlformats.org/drawingml/2006/main" xmlns:r="http://schemas.openxmlformats.org/officeDocument/2006/relationships" xmlns:p="http://schemas.openxmlformats.org/presentationml/2006/main">
+  <p:cSld>
+    <p:spTree>
+      <p:nvGrpSpPr>
+        <p:cNvPr id="1" name=""/>
+        <p:cNvGrpSpPr/>
+        <p:nvPr/>
+      </p:nvGrpSpPr>
+      <p:grpSpPr>
+        <a:xfrm>
+          <a:off x="0" y="0"/>
+          <a:ext cx="0" cy="0"/>
+          <a:chOff x="0" y="0"/>
+          <a:chExt cx="0" cy="0"/>
+        </a:xfrm>
+      </p:grpSpPr>
+      <p:sp>
+        <p:nvSpPr>
+          <p:cNvPr id="2" name="Title 1">
+            <a:extLst>
+              <a:ext uri="{FF2B5EF4-FFF2-40B4-BE49-F238E27FC236}">
+                <a16:creationId xmlns:a16="http://schemas.microsoft.com/office/drawing/2014/main" id="{E79991AE-7CE8-4405-AD5B-B465CD58A633}"/>
+              </a:ext>
+            </a:extLst>
+          </p:cNvPr>
+          <p:cNvSpPr>
+            <a:spLocks noGrp="1"/>
+          </p:cNvSpPr>
+          <p:nvPr>
+            <p:ph type="title"/>
+          </p:nvPr>
+        </p:nvSpPr>
+        <p:spPr>
+          <a:xfrm>
+            <a:off x="814012" y="233163"/>
+            <a:ext cx="7511473" cy="653633"/>
+          </a:xfrm>
+        </p:spPr>
+        <p:txBody>
+          <a:bodyPr>
+            <a:normAutofit/>
+          </a:bodyPr>
+          <a:lstStyle/>
+          <a:p>
+            <a:pPr algn="ctr"/>
+            <a:r>
+              <a:rPr lang="en-US" sz="3200"/>
+              <a:t>Forms</a:t>
+            </a:r>
+            <a:endParaRPr lang="en-US"/>
+          </a:p>
+        </p:txBody>
+      </p:sp>
+      <p:sp>
+        <p:nvSpPr>
+          <p:cNvPr id="6" name="TextBox 5">
+            <a:extLst>
+              <a:ext uri="{FF2B5EF4-FFF2-40B4-BE49-F238E27FC236}">
+                <a16:creationId xmlns:a16="http://schemas.microsoft.com/office/drawing/2014/main" id="{1A3B7598-F51D-4EF7-9441-ECA5D2F08E1C}"/>
+              </a:ext>
+            </a:extLst>
+          </p:cNvPr>
+          <p:cNvSpPr txBox="1"/>
+          <p:nvPr/>
+        </p:nvSpPr>
+        <p:spPr>
+          <a:xfrm>
+            <a:off x="1553283" y="6215125"/>
+            <a:ext cx="5827802" cy="369332"/>
+          </a:xfrm>
+          <a:prstGeom prst="rect">
+            <a:avLst/>
+          </a:prstGeom>
+          <a:noFill/>
+        </p:spPr>
+        <p:txBody>
+          <a:bodyPr rot="0" spcFirstLastPara="0" vertOverflow="overflow" horzOverflow="overflow" vert="horz" wrap="square" lIns="91440" tIns="45720" rIns="91440" bIns="45720" numCol="1" spcCol="0" rtlCol="0" fromWordArt="0" anchor="t" anchorCtr="0" forceAA="0" compatLnSpc="1">
+            <a:prstTxWarp prst="textNoShape">
+              <a:avLst/>
+            </a:prstTxWarp>
+            <a:spAutoFit/>
+          </a:bodyPr>
+          <a:lstStyle/>
+          <a:p>
+            <a:r>
+              <a:rPr lang="en-US">
+                <a:hlinkClick r:id="rId2"/>
+              </a:rPr>
+              <a:t>https://www.w3schools.com/html/html_forms.asp</a:t>
+            </a:r>
+            <a:endParaRPr lang="en-US"/>
+          </a:p>
+        </p:txBody>
+      </p:sp>
+      <p:sp>
+        <p:nvSpPr>
+          <p:cNvPr id="7" name="TextBox 6">
+            <a:extLst>
+              <a:ext uri="{FF2B5EF4-FFF2-40B4-BE49-F238E27FC236}">
+                <a16:creationId xmlns:a16="http://schemas.microsoft.com/office/drawing/2014/main" id="{3ECF3A31-A851-4E2F-82C8-C90078309B55}"/>
+              </a:ext>
+            </a:extLst>
+          </p:cNvPr>
+          <p:cNvSpPr txBox="1"/>
+          <p:nvPr/>
+        </p:nvSpPr>
+        <p:spPr>
+          <a:xfrm>
+            <a:off x="319698" y="1254856"/>
+            <a:ext cx="8163713" cy="461665"/>
+          </a:xfrm>
+          <a:prstGeom prst="rect">
+            <a:avLst/>
+          </a:prstGeom>
+          <a:noFill/>
+        </p:spPr>
+        <p:txBody>
+          <a:bodyPr rot="0" spcFirstLastPara="0" vertOverflow="overflow" horzOverflow="overflow" vert="horz" wrap="square" lIns="91440" tIns="45720" rIns="91440" bIns="45720" numCol="1" spcCol="0" rtlCol="0" fromWordArt="0" anchor="t" anchorCtr="0" forceAA="0" compatLnSpc="1">
+            <a:prstTxWarp prst="textNoShape">
+              <a:avLst/>
+            </a:prstTxWarp>
+            <a:spAutoFit/>
+          </a:bodyPr>
+          <a:lstStyle/>
+          <a:p>
+            <a:pPr marL="285750" indent="-285750">
+              <a:buFont typeface="Arial"/>
+              <a:buChar char="•"/>
+            </a:pPr>
+            <a:r>
+              <a:rPr lang="en-US" sz="2400" b="1"/>
+              <a:t>Forms are used to collect information from the user</a:t>
+            </a:r>
+          </a:p>
+        </p:txBody>
+      </p:sp>
+      <p:sp>
+        <p:nvSpPr>
+          <p:cNvPr id="8" name="TextBox 7">
+            <a:extLst>
+              <a:ext uri="{FF2B5EF4-FFF2-40B4-BE49-F238E27FC236}">
+                <a16:creationId xmlns:a16="http://schemas.microsoft.com/office/drawing/2014/main" id="{B278B221-046C-41A1-8D29-EB62CC2D32D0}"/>
+              </a:ext>
+            </a:extLst>
+          </p:cNvPr>
+          <p:cNvSpPr txBox="1"/>
+          <p:nvPr/>
+        </p:nvSpPr>
+        <p:spPr>
+          <a:xfrm>
+            <a:off x="245570" y="2311953"/>
+            <a:ext cx="8163713" cy="1569660"/>
+          </a:xfrm>
+          <a:prstGeom prst="rect">
+            <a:avLst/>
+          </a:prstGeom>
+          <a:noFill/>
+        </p:spPr>
+        <p:txBody>
+          <a:bodyPr rot="0" spcFirstLastPara="0" vertOverflow="overflow" horzOverflow="overflow" vert="horz" wrap="square" lIns="91440" tIns="45720" rIns="91440" bIns="45720" numCol="1" spcCol="0" rtlCol="0" fromWordArt="0" anchor="t" anchorCtr="0" forceAA="0" compatLnSpc="1">
+            <a:prstTxWarp prst="textNoShape">
+              <a:avLst/>
+            </a:prstTxWarp>
+            <a:spAutoFit/>
+          </a:bodyPr>
+          <a:lstStyle/>
+          <a:p>
+            <a:pPr marL="285750" indent="-285750">
+              <a:buFont typeface="Arial"/>
+              <a:buChar char="•"/>
+            </a:pPr>
+            <a:r>
+              <a:rPr lang="en-US" sz="2400"/>
+              <a:t>Typically, forms would specify an "action" attribute and use the "submit" input type to submit the data to a program written in a language like PHP running on a server</a:t>
+            </a:r>
+            <a:endParaRPr lang="en-US"/>
+          </a:p>
+        </p:txBody>
+      </p:sp>
+      <p:sp>
+        <p:nvSpPr>
+          <p:cNvPr id="10" name="TextBox 9">
+            <a:extLst>
+              <a:ext uri="{FF2B5EF4-FFF2-40B4-BE49-F238E27FC236}">
+                <a16:creationId xmlns:a16="http://schemas.microsoft.com/office/drawing/2014/main" id="{12B44199-8740-4021-AF0F-29FA4784D48B}"/>
+              </a:ext>
+            </a:extLst>
+          </p:cNvPr>
+          <p:cNvSpPr txBox="1"/>
+          <p:nvPr/>
+        </p:nvSpPr>
+        <p:spPr>
+          <a:xfrm>
+            <a:off x="315447" y="4444298"/>
+            <a:ext cx="8163713" cy="461665"/>
+          </a:xfrm>
+          <a:prstGeom prst="rect">
+            <a:avLst/>
+          </a:prstGeom>
+          <a:noFill/>
+        </p:spPr>
+        <p:txBody>
+          <a:bodyPr rot="0" spcFirstLastPara="0" vertOverflow="overflow" horzOverflow="overflow" vert="horz" wrap="square" lIns="91440" tIns="45720" rIns="91440" bIns="45720" numCol="1" spcCol="0" rtlCol="0" fromWordArt="0" anchor="t" anchorCtr="0" forceAA="0" compatLnSpc="1">
+            <a:prstTxWarp prst="textNoShape">
+              <a:avLst/>
+            </a:prstTxWarp>
+            <a:spAutoFit/>
+          </a:bodyPr>
+          <a:lstStyle/>
+          <a:p>
+            <a:pPr marL="285750" indent="-285750">
+              <a:buFont typeface="Arial"/>
+              <a:buChar char="•"/>
+            </a:pPr>
+            <a:r>
+              <a:rPr lang="en-US" sz="2400"/>
+              <a:t>Our example will just use JavaScript to update a list</a:t>
+            </a:r>
+          </a:p>
+        </p:txBody>
+      </p:sp>
+    </p:spTree>
+    <p:extLst>
+      <p:ext uri="{BB962C8B-B14F-4D97-AF65-F5344CB8AC3E}">
+        <p14:creationId xmlns:p14="http://schemas.microsoft.com/office/powerpoint/2010/main" val="1702451688"/>
+      </p:ext>
+    </p:extLst>
+  </p:cSld>
+  <p:clrMapOvr>
+    <a:masterClrMapping/>
+  </p:clrMapOvr>
+</p:sld>
+</file>
+
+<file path=ppt/slides/slide67.xml><?xml version="1.0" encoding="utf-8"?>
+<p:sld xmlns:a="http://schemas.openxmlformats.org/drawingml/2006/main" xmlns:r="http://schemas.openxmlformats.org/officeDocument/2006/relationships" xmlns:p="http://schemas.openxmlformats.org/presentationml/2006/main">
+  <p:cSld>
+    <p:spTree>
+      <p:nvGrpSpPr>
+        <p:cNvPr id="1" name=""/>
+        <p:cNvGrpSpPr/>
+        <p:nvPr/>
+      </p:nvGrpSpPr>
+      <p:grpSpPr>
+        <a:xfrm>
+          <a:off x="0" y="0"/>
+          <a:ext cx="0" cy="0"/>
+          <a:chOff x="0" y="0"/>
+          <a:chExt cx="0" cy="0"/>
+        </a:xfrm>
+      </p:grpSpPr>
+      <p:sp>
+        <p:nvSpPr>
+          <p:cNvPr id="2" name="Title 1">
+            <a:extLst>
+              <a:ext uri="{FF2B5EF4-FFF2-40B4-BE49-F238E27FC236}">
                 <a16:creationId xmlns:a16="http://schemas.microsoft.com/office/drawing/2014/main" id="{ECCF6F8C-2E13-4296-BD55-0D837BF148FE}"/>
               </a:ext>
             </a:extLst>
@@ -29164,13 +29819,13 @@
           <a:p>
             <a:pPr algn="ctr"/>
             <a:r>
-              <a:rPr lang="en-US" sz="2400" dirty="0"/>
+              <a:rPr lang="en-US" sz="2400"/>
               <a:t>Open forms.html in Chrome and open the Console (F12).</a:t>
             </a:r>
           </a:p>
           <a:p>
             <a:pPr algn="ctr"/>
-            <a:endParaRPr lang="en-US" sz="2400" dirty="0"/>
+            <a:endParaRPr lang="en-US" sz="2400"/>
           </a:p>
         </p:txBody>
       </p:sp>
@@ -29206,7 +29861,7 @@
           <a:lstStyle/>
           <a:p>
             <a:r>
-              <a:rPr lang="en-US" sz="2400" dirty="0">
+              <a:rPr lang="en-US" sz="2400">
                 <a:ea typeface="+mn-lt"/>
                 <a:cs typeface="+mn-lt"/>
               </a:rPr>
@@ -29220,27 +29875,13 @@
               <a:t>forms.js</a:t>
             </a:r>
             <a:r>
-              <a:rPr lang="en-US" sz="2400" dirty="0">
-                <a:ea typeface="+mn-lt"/>
-                <a:cs typeface="+mn-lt"/>
-              </a:rPr>
-              <a:t> using Visual </a:t>
-            </a:r>
-            <a:r>
               <a:rPr lang="en-US" sz="2400">
                 <a:ea typeface="+mn-lt"/>
                 <a:cs typeface="+mn-lt"/>
               </a:rPr>
-              <a:t>Studio and</a:t>
-            </a:r>
-            <a:r>
-              <a:rPr lang="en-US" sz="2400" dirty="0">
-                <a:ea typeface="+mn-lt"/>
-                <a:cs typeface="+mn-lt"/>
-              </a:rPr>
-              <a:t> seeing the results in Chrome.</a:t>
-            </a:r>
-            <a:endParaRPr lang="en-US" sz="2400" dirty="0"/>
+              <a:t> using Visual Studio and seeing the results in Chrome.</a:t>
+            </a:r>
+            <a:endParaRPr lang="en-US" sz="2400"/>
           </a:p>
           <a:p>
             <a:pPr algn="l"/>
@@ -29491,7 +30132,7 @@
         </p:nvSpPr>
         <p:spPr>
           <a:xfrm>
-            <a:off x="321424" y="95990"/>
+            <a:off x="1087070" y="106928"/>
             <a:ext cx="7055380" cy="841509"/>
           </a:xfrm>
         </p:spPr>

--- a/Javascript.pptx
+++ b/Javascript.pptx
@@ -181,14 +181,10 @@
 <file path=ppt/revisionInfo.xml><?xml version="1.0" encoding="utf-8"?>
 <p1510:revInfo xmlns:a="http://schemas.openxmlformats.org/drawingml/2006/main" xmlns:r="http://schemas.openxmlformats.org/officeDocument/2006/relationships" xmlns:p1510="http://schemas.microsoft.com/office/powerpoint/2015/10/main">
   <p1510:revLst>
-    <p1510:client id="{18AF83C2-9E6E-447F-B576-A8E0AE46A6A3}" v="2051" dt="2019-11-12T21:45:29.406"/>
+    <p1510:client id="{18AF83C2-9E6E-447F-B576-A8E0AE46A6A3}" v="2221" dt="2019-11-12T21:48:51.928"/>
     <p1510:client id="{36D0BE91-E8E9-7A67-4D45-35D6594435A8}" v="854" dt="2019-11-12T12:53:00.308"/>
-    <p1510:client id="{38B46382-DAC1-EC02-9741-7C1E2C1EE79E}" v="1" dt="2019-11-10T20:32:54.948"/>
-    <p1510:client id="{632A1651-6036-33FD-C8E2-F95E4F72265A}" v="2251" dt="2019-11-11T22:23:38.050"/>
-    <p1510:client id="{6B517C38-4A99-C407-302D-7F28E1679330}" v="1" dt="2019-11-10T23:24:49.594"/>
-    <p1510:client id="{9707EE11-FCA1-9A63-8B12-714FF43E195A}" v="1367" dt="2019-11-11T23:05:14.130"/>
-    <p1510:client id="{A185AFBD-6D70-9B21-C6E4-B8197EDBAA04}" v="228" dt="2019-11-11T21:17:59.840"/>
-    <p1510:client id="{A1E48580-2538-4842-A822-E2C906783EEC}" v="300" dt="2019-11-12T00:22:52.784"/>
+    <p1510:client id="{6944476C-7B7C-EF75-D8A5-310DDF97C56A}" v="68" dt="2019-11-13T01:04:53.639"/>
+    <p1510:client id="{6B28909D-D3C5-49FC-8DC1-89624CF9528B}" v="155" dt="2019-11-13T01:05:52.685"/>
     <p1510:client id="{BDC9E7D7-BE52-EBB8-B1DF-4380543D8069}" v="259" dt="2019-11-12T11:51:32.029"/>
     <p1510:client id="{C28D8D99-F6B3-6415-4723-3C5E5FD8FE6B}" v="38" dt="2019-11-12T11:13:13.623"/>
     <p1510:client id="{F001F4E1-C76E-CE74-0BB3-40D3D900C76A}" v="2124" dt="2019-11-12T16:59:39.824"/>
@@ -5938,8 +5934,8 @@
         </p:nvSpPr>
         <p:spPr>
           <a:xfrm>
-            <a:off x="53788" y="6293224"/>
-            <a:ext cx="9027455" cy="461665"/>
+            <a:off x="2662517" y="6373907"/>
+            <a:ext cx="4096867" cy="400110"/>
           </a:xfrm>
           <a:prstGeom prst="rect">
             <a:avLst/>
@@ -5957,9 +5953,63 @@
           <a:p>
             <a:pPr algn="ctr"/>
             <a:r>
-              <a:rPr lang="en-US" sz="2400"/>
+              <a:rPr lang="en-US" sz="2000"/>
               <a:t>We'll be using Windows today.</a:t>
             </a:r>
+          </a:p>
+        </p:txBody>
+      </p:sp>
+      <p:sp>
+        <p:nvSpPr>
+          <p:cNvPr id="5" name="TextBox 4">
+            <a:extLst>
+              <a:ext uri="{FF2B5EF4-FFF2-40B4-BE49-F238E27FC236}">
+                <a16:creationId xmlns:a16="http://schemas.microsoft.com/office/drawing/2014/main" id="{6027271C-1A4E-4B49-9303-D7BDC61A4C61}"/>
+              </a:ext>
+            </a:extLst>
+          </p:cNvPr>
+          <p:cNvSpPr txBox="1"/>
+          <p:nvPr/>
+        </p:nvSpPr>
+        <p:spPr>
+          <a:xfrm>
+            <a:off x="3200400" y="4267200"/>
+            <a:ext cx="2743200" cy="923330"/>
+          </a:xfrm>
+          <a:prstGeom prst="rect">
+            <a:avLst/>
+          </a:prstGeom>
+          <a:noFill/>
+        </p:spPr>
+        <p:txBody>
+          <a:bodyPr rot="0" spcFirstLastPara="0" vertOverflow="overflow" horzOverflow="overflow" vert="horz" wrap="square" lIns="91440" tIns="45720" rIns="91440" bIns="45720" numCol="1" spcCol="0" rtlCol="0" fromWordArt="0" anchor="t" anchorCtr="0" forceAA="0" compatLnSpc="1">
+            <a:prstTxWarp prst="textNoShape">
+              <a:avLst/>
+            </a:prstTxWarp>
+            <a:spAutoFit/>
+          </a:bodyPr>
+          <a:lstStyle/>
+          <a:p>
+            <a:pPr algn="ctr"/>
+            <a:r>
+              <a:rPr lang="en-US"/>
+              <a:t>Don Freiday</a:t>
+            </a:r>
+          </a:p>
+          <a:p>
+            <a:pPr algn="ctr"/>
+            <a:r>
+              <a:rPr lang="en-US"/>
+              <a:t>Tanner Oliver</a:t>
+            </a:r>
+          </a:p>
+          <a:p>
+            <a:pPr algn="ctr"/>
+            <a:r>
+              <a:rPr lang="en-US"/>
+              <a:t>Robert Vansolkema</a:t>
+            </a:r>
+            <a:endParaRPr lang="en-US" dirty="0"/>
           </a:p>
         </p:txBody>
       </p:sp>
@@ -9685,10 +9735,10 @@
               <a:buChar char="•"/>
             </a:pPr>
             <a:r>
-              <a:rPr lang="en-US" sz="2000"/>
+              <a:rPr lang="en-US" sz="2400" cap="none"/>
               <a:t>In order to create variables in JS you must declare them like so: </a:t>
             </a:r>
-            <a:endParaRPr lang="en-US" sz="2000">
+            <a:endParaRPr lang="en-US" sz="2400" cap="none">
               <a:effectLst>
                 <a:glow rad="38100">
                   <a:prstClr val="black">
@@ -9711,12 +9761,18 @@
               <a:buChar char="•"/>
             </a:pPr>
             <a:r>
-              <a:rPr lang="en-US" sz="2000">
+              <a:rPr lang="en-US" sz="2400" cap="none">
+                <a:solidFill>
+                  <a:srgbClr val="FFC000"/>
+                </a:solidFill>
                 <a:latin typeface="Consolas"/>
               </a:rPr>
               <a:t>Var name = "Joe";</a:t>
             </a:r>
-            <a:endParaRPr lang="en-US" sz="2000">
+            <a:endParaRPr lang="en-US" sz="2400" cap="none">
+              <a:solidFill>
+                <a:srgbClr val="FFC000"/>
+              </a:solidFill>
               <a:effectLst>
                 <a:glow rad="38100">
                   <a:prstClr val="black">
@@ -9740,12 +9796,18 @@
               <a:buChar char="•"/>
             </a:pPr>
             <a:r>
-              <a:rPr lang="en-US" sz="2000">
+              <a:rPr lang="en-US" sz="2400" cap="none">
+                <a:solidFill>
+                  <a:srgbClr val="FFC000"/>
+                </a:solidFill>
                 <a:latin typeface="Consolas"/>
               </a:rPr>
               <a:t>Var pi = 3.14;</a:t>
             </a:r>
-            <a:endParaRPr lang="en-US" sz="2000">
+            <a:endParaRPr lang="en-US" sz="2400" cap="none">
+              <a:solidFill>
+                <a:srgbClr val="FFC000"/>
+              </a:solidFill>
               <a:effectLst>
                 <a:glow rad="38100">
                   <a:prstClr val="black">
@@ -9769,10 +9831,10 @@
               <a:buChar char="•"/>
             </a:pPr>
             <a:r>
-              <a:rPr lang="en-US" sz="2000"/>
+              <a:rPr lang="en-US" sz="2400" cap="none"/>
               <a:t>Using the var keyword whatever variable you declare can be of any type.</a:t>
             </a:r>
-            <a:endParaRPr lang="en-US" sz="2000">
+            <a:endParaRPr lang="en-US" sz="2400" cap="none">
               <a:effectLst>
                 <a:glow rad="38100">
                   <a:prstClr val="black">
@@ -9795,7 +9857,7 @@
               <a:buChar char="•"/>
             </a:pPr>
             <a:r>
-              <a:rPr lang="en-US" sz="2000"/>
+              <a:rPr lang="en-US" sz="2400" cap="none"/>
               <a:t>You can also add values together and immediately assign them to a variable. </a:t>
             </a:r>
           </a:p>
@@ -9805,7 +9867,7 @@
               <a:buChar char="•"/>
             </a:pPr>
             <a:r>
-              <a:rPr lang="en-US" sz="2000">
+              <a:rPr lang="en-US" sz="2400" cap="none">
                 <a:effectLst>
                   <a:glow rad="38100">
                     <a:prstClr val="black">
@@ -9824,7 +9886,7 @@
               <a:t>Adding two </a:t>
             </a:r>
             <a:r>
-              <a:rPr lang="en-US" sz="2000">
+              <a:rPr lang="en-US" sz="2400" cap="none">
                 <a:effectLst>
                   <a:glow rad="38100">
                     <a:prstClr val="black">
@@ -9845,7 +9907,7 @@
               <a:t>string</a:t>
             </a:r>
             <a:r>
-              <a:rPr lang="en-US" sz="2000">
+              <a:rPr lang="en-US" sz="2400" cap="none">
                 <a:effectLst>
                   <a:glow rad="38100">
                     <a:prstClr val="black">
@@ -10009,7 +10071,7 @@
         </p:nvSpPr>
         <p:spPr>
           <a:xfrm>
-            <a:off x="629799" y="6224435"/>
+            <a:off x="729144" y="5746087"/>
             <a:ext cx="7684551" cy="461665"/>
           </a:xfrm>
           <a:prstGeom prst="rect">
@@ -10078,7 +10140,7 @@
                             </p:stCondLst>
                             <p:childTnLst>
                               <p:par>
-                                <p:cTn id="5" presetID="10" presetClass="entr" presetSubtype="0" fill="hold" grpId="0" nodeType="clickEffect">
+                                <p:cTn id="5" presetID="10" presetClass="entr" presetSubtype="0" fill="hold" nodeType="clickEffect">
                                   <p:stCondLst>
                                     <p:cond delay="0"/>
                                   </p:stCondLst>
@@ -10091,7 +10153,11 @@
                                           </p:stCondLst>
                                         </p:cTn>
                                         <p:tgtEl>
-                                          <p:spTgt spid="3"/>
+                                          <p:spTgt spid="3">
+                                            <p:txEl>
+                                              <p:pRg st="3" end="3"/>
+                                            </p:txEl>
+                                          </p:spTgt>
                                         </p:tgtEl>
                                         <p:attrNameLst>
                                           <p:attrName>style.visibility</p:attrName>
@@ -10105,7 +10171,186 @@
                                       <p:cBhvr>
                                         <p:cTn id="7" dur="500"/>
                                         <p:tgtEl>
-                                          <p:spTgt spid="3"/>
+                                          <p:spTgt spid="3">
+                                            <p:txEl>
+                                              <p:pRg st="3" end="3"/>
+                                            </p:txEl>
+                                          </p:spTgt>
+                                        </p:tgtEl>
+                                      </p:cBhvr>
+                                    </p:animEffect>
+                                  </p:childTnLst>
+                                </p:cTn>
+                              </p:par>
+                            </p:childTnLst>
+                          </p:cTn>
+                        </p:par>
+                      </p:childTnLst>
+                    </p:cTn>
+                  </p:par>
+                  <p:par>
+                    <p:cTn id="8" fill="hold">
+                      <p:stCondLst>
+                        <p:cond delay="indefinite"/>
+                      </p:stCondLst>
+                      <p:childTnLst>
+                        <p:par>
+                          <p:cTn id="9" fill="hold">
+                            <p:stCondLst>
+                              <p:cond delay="0"/>
+                            </p:stCondLst>
+                            <p:childTnLst>
+                              <p:par>
+                                <p:cTn id="10" presetID="10" presetClass="entr" presetSubtype="0" fill="hold" nodeType="clickEffect">
+                                  <p:stCondLst>
+                                    <p:cond delay="0"/>
+                                  </p:stCondLst>
+                                  <p:childTnLst>
+                                    <p:set>
+                                      <p:cBhvr>
+                                        <p:cTn id="11" dur="1" fill="hold">
+                                          <p:stCondLst>
+                                            <p:cond delay="0"/>
+                                          </p:stCondLst>
+                                        </p:cTn>
+                                        <p:tgtEl>
+                                          <p:spTgt spid="3">
+                                            <p:txEl>
+                                              <p:pRg st="4" end="4"/>
+                                            </p:txEl>
+                                          </p:spTgt>
+                                        </p:tgtEl>
+                                        <p:attrNameLst>
+                                          <p:attrName>style.visibility</p:attrName>
+                                        </p:attrNameLst>
+                                      </p:cBhvr>
+                                      <p:to>
+                                        <p:strVal val="visible"/>
+                                      </p:to>
+                                    </p:set>
+                                    <p:animEffect transition="in" filter="fade">
+                                      <p:cBhvr>
+                                        <p:cTn id="12" dur="500"/>
+                                        <p:tgtEl>
+                                          <p:spTgt spid="3">
+                                            <p:txEl>
+                                              <p:pRg st="4" end="4"/>
+                                            </p:txEl>
+                                          </p:spTgt>
+                                        </p:tgtEl>
+                                      </p:cBhvr>
+                                    </p:animEffect>
+                                  </p:childTnLst>
+                                </p:cTn>
+                              </p:par>
+                            </p:childTnLst>
+                          </p:cTn>
+                        </p:par>
+                      </p:childTnLst>
+                    </p:cTn>
+                  </p:par>
+                  <p:par>
+                    <p:cTn id="13" fill="hold">
+                      <p:stCondLst>
+                        <p:cond delay="indefinite"/>
+                      </p:stCondLst>
+                      <p:childTnLst>
+                        <p:par>
+                          <p:cTn id="14" fill="hold">
+                            <p:stCondLst>
+                              <p:cond delay="0"/>
+                            </p:stCondLst>
+                            <p:childTnLst>
+                              <p:par>
+                                <p:cTn id="15" presetID="10" presetClass="entr" presetSubtype="0" fill="hold" nodeType="clickEffect">
+                                  <p:stCondLst>
+                                    <p:cond delay="0"/>
+                                  </p:stCondLst>
+                                  <p:childTnLst>
+                                    <p:set>
+                                      <p:cBhvr>
+                                        <p:cTn id="16" dur="1" fill="hold">
+                                          <p:stCondLst>
+                                            <p:cond delay="0"/>
+                                          </p:stCondLst>
+                                        </p:cTn>
+                                        <p:tgtEl>
+                                          <p:spTgt spid="3">
+                                            <p:txEl>
+                                              <p:pRg st="5" end="5"/>
+                                            </p:txEl>
+                                          </p:spTgt>
+                                        </p:tgtEl>
+                                        <p:attrNameLst>
+                                          <p:attrName>style.visibility</p:attrName>
+                                        </p:attrNameLst>
+                                      </p:cBhvr>
+                                      <p:to>
+                                        <p:strVal val="visible"/>
+                                      </p:to>
+                                    </p:set>
+                                    <p:animEffect transition="in" filter="fade">
+                                      <p:cBhvr>
+                                        <p:cTn id="17" dur="500"/>
+                                        <p:tgtEl>
+                                          <p:spTgt spid="3">
+                                            <p:txEl>
+                                              <p:pRg st="5" end="5"/>
+                                            </p:txEl>
+                                          </p:spTgt>
+                                        </p:tgtEl>
+                                      </p:cBhvr>
+                                    </p:animEffect>
+                                  </p:childTnLst>
+                                </p:cTn>
+                              </p:par>
+                            </p:childTnLst>
+                          </p:cTn>
+                        </p:par>
+                      </p:childTnLst>
+                    </p:cTn>
+                  </p:par>
+                  <p:par>
+                    <p:cTn id="18" fill="hold">
+                      <p:stCondLst>
+                        <p:cond delay="indefinite"/>
+                      </p:stCondLst>
+                      <p:childTnLst>
+                        <p:par>
+                          <p:cTn id="19" fill="hold">
+                            <p:stCondLst>
+                              <p:cond delay="0"/>
+                            </p:stCondLst>
+                            <p:childTnLst>
+                              <p:par>
+                                <p:cTn id="20" presetID="10" presetClass="entr" presetSubtype="0" fill="hold" grpId="0" nodeType="clickEffect">
+                                  <p:stCondLst>
+                                    <p:cond delay="0"/>
+                                  </p:stCondLst>
+                                  <p:childTnLst>
+                                    <p:set>
+                                      <p:cBhvr>
+                                        <p:cTn id="21" dur="1" fill="hold">
+                                          <p:stCondLst>
+                                            <p:cond delay="0"/>
+                                          </p:stCondLst>
+                                        </p:cTn>
+                                        <p:tgtEl>
+                                          <p:spTgt spid="8"/>
+                                        </p:tgtEl>
+                                        <p:attrNameLst>
+                                          <p:attrName>style.visibility</p:attrName>
+                                        </p:attrNameLst>
+                                      </p:cBhvr>
+                                      <p:to>
+                                        <p:strVal val="visible"/>
+                                      </p:to>
+                                    </p:set>
+                                    <p:animEffect transition="in" filter="fade">
+                                      <p:cBhvr>
+                                        <p:cTn id="22" dur="500"/>
+                                        <p:tgtEl>
+                                          <p:spTgt spid="8"/>
                                         </p:tgtEl>
                                       </p:cBhvr>
                                     </p:animEffect>
@@ -10140,7 +10385,7 @@
       </p:par>
     </p:tnLst>
     <p:bldLst>
-      <p:bldP spid="3" grpId="0"/>
+      <p:bldP spid="8" grpId="0"/>
     </p:bldLst>
   </p:timing>
 </p:sld>
@@ -10687,10 +10932,10 @@
               <a:buChar char="v"/>
             </a:pPr>
             <a:r>
-              <a:rPr lang="en-US" sz="2800"/>
+              <a:rPr lang="en-US" sz="2800" cap="none"/>
               <a:t>Many of the operators in JS are just as you would see in any other language with some exceptions. Most notably:</a:t>
             </a:r>
-            <a:endParaRPr lang="en-US" sz="2800">
+            <a:endParaRPr lang="en-US" sz="2800" cap="none">
               <a:effectLst>
                 <a:glow rad="38100">
                   <a:prstClr val="black">
@@ -10713,10 +10958,10 @@
               <a:buChar char="v"/>
             </a:pPr>
             <a:r>
-              <a:rPr lang="en-US" sz="2800"/>
+              <a:rPr lang="en-US" sz="2800" cap="none"/>
               <a:t>Exponentiation: **    </a:t>
             </a:r>
-            <a:endParaRPr lang="en-US" sz="2800">
+            <a:endParaRPr lang="en-US" sz="2800" cap="none">
               <a:effectLst>
                 <a:glow rad="38100">
                   <a:prstClr val="black">
@@ -10739,14 +10984,14 @@
               <a:buChar char="v"/>
             </a:pPr>
             <a:r>
-              <a:rPr lang="en-US" sz="3200">
+              <a:rPr lang="en-US" sz="3200" cap="none">
                 <a:solidFill>
                   <a:srgbClr val="FFC000"/>
                 </a:solidFill>
               </a:rPr>
               <a:t> 10 ** 5 = 100,000</a:t>
             </a:r>
-            <a:endParaRPr lang="en-US" sz="3200">
+            <a:endParaRPr lang="en-US" sz="3200" cap="none">
               <a:solidFill>
                 <a:srgbClr val="FFC000"/>
               </a:solidFill>
@@ -10772,10 +11017,10 @@
               <a:buChar char="v"/>
             </a:pPr>
             <a:r>
-              <a:rPr lang="en-US" sz="2800"/>
+              <a:rPr lang="en-US" sz="2800" cap="none"/>
               <a:t>Strict Equality: ===    </a:t>
             </a:r>
-            <a:endParaRPr lang="en-US" sz="2800">
+            <a:endParaRPr lang="en-US" sz="2800" cap="none">
               <a:effectLst>
                 <a:glow rad="38100">
                   <a:prstClr val="black">
@@ -10798,7 +11043,7 @@
               <a:buChar char="v"/>
             </a:pPr>
             <a:r>
-              <a:rPr lang="en-US" sz="3200">
+              <a:rPr lang="en-US" sz="3200" cap="none">
                 <a:solidFill>
                   <a:srgbClr val="FFC000"/>
                 </a:solidFill>
@@ -10806,11 +11051,11 @@
               <a:t>5 === '5'</a:t>
             </a:r>
             <a:r>
-              <a:rPr lang="en-US" sz="3200"/>
+              <a:rPr lang="en-US" sz="3200" cap="none"/>
               <a:t>  returns false, whereas </a:t>
             </a:r>
             <a:r>
-              <a:rPr lang="en-US" sz="3200">
+              <a:rPr lang="en-US" sz="3200" cap="none">
                 <a:solidFill>
                   <a:srgbClr val="FFC000"/>
                 </a:solidFill>
@@ -10818,10 +11063,10 @@
               <a:t>5 == '5' </a:t>
             </a:r>
             <a:r>
-              <a:rPr lang="en-US" sz="3200"/>
+              <a:rPr lang="en-US" sz="3200" cap="none"/>
               <a:t>would return true.</a:t>
             </a:r>
-            <a:endParaRPr lang="en-US" sz="3200">
+            <a:endParaRPr lang="en-US" sz="3200" cap="none">
               <a:effectLst>
                 <a:glow rad="38100">
                   <a:prstClr val="black">
@@ -10844,18 +11089,18 @@
               <a:buChar char="v"/>
             </a:pPr>
             <a:r>
-              <a:rPr lang="en-US" sz="2800"/>
+              <a:rPr lang="en-US" sz="2800" cap="none"/>
               <a:t>Not equal value/type: !== (</a:t>
             </a:r>
             <a:r>
-              <a:rPr lang="en-US" sz="2800">
+              <a:rPr lang="en-US" sz="2800" cap="none">
                 <a:ea typeface="+mn-lt"/>
                 <a:cs typeface="+mn-lt"/>
               </a:rPr>
               <a:t>inverse of the === operator</a:t>
             </a:r>
             <a:r>
-              <a:rPr lang="en-US" sz="2800">
+              <a:rPr lang="en-US" sz="2800" cap="none">
                 <a:effectLst>
                   <a:glow rad="38100">
                     <a:prstClr val="black">
@@ -11036,7 +11281,7 @@
                             </p:stCondLst>
                             <p:childTnLst>
                               <p:par>
-                                <p:cTn id="5" presetID="10" presetClass="entr" presetSubtype="0" fill="hold" grpId="0" nodeType="clickEffect">
+                                <p:cTn id="5" presetID="10" presetClass="entr" presetSubtype="0" fill="hold" nodeType="clickEffect">
                                   <p:stCondLst>
                                     <p:cond delay="0"/>
                                   </p:stCondLst>
@@ -11049,7 +11294,11 @@
                                           </p:stCondLst>
                                         </p:cTn>
                                         <p:tgtEl>
-                                          <p:spTgt spid="3"/>
+                                          <p:spTgt spid="3">
+                                            <p:txEl>
+                                              <p:pRg st="1" end="1"/>
+                                            </p:txEl>
+                                          </p:spTgt>
                                         </p:tgtEl>
                                         <p:attrNameLst>
                                           <p:attrName>style.visibility</p:attrName>
@@ -11063,7 +11312,219 @@
                                       <p:cBhvr>
                                         <p:cTn id="7" dur="500"/>
                                         <p:tgtEl>
-                                          <p:spTgt spid="3"/>
+                                          <p:spTgt spid="3">
+                                            <p:txEl>
+                                              <p:pRg st="1" end="1"/>
+                                            </p:txEl>
+                                          </p:spTgt>
+                                        </p:tgtEl>
+                                      </p:cBhvr>
+                                    </p:animEffect>
+                                  </p:childTnLst>
+                                </p:cTn>
+                              </p:par>
+                              <p:par>
+                                <p:cTn id="8" presetID="10" presetClass="entr" presetSubtype="0" fill="hold" nodeType="withEffect">
+                                  <p:stCondLst>
+                                    <p:cond delay="0"/>
+                                  </p:stCondLst>
+                                  <p:childTnLst>
+                                    <p:set>
+                                      <p:cBhvr>
+                                        <p:cTn id="9" dur="1" fill="hold">
+                                          <p:stCondLst>
+                                            <p:cond delay="0"/>
+                                          </p:stCondLst>
+                                        </p:cTn>
+                                        <p:tgtEl>
+                                          <p:spTgt spid="3">
+                                            <p:txEl>
+                                              <p:pRg st="2" end="2"/>
+                                            </p:txEl>
+                                          </p:spTgt>
+                                        </p:tgtEl>
+                                        <p:attrNameLst>
+                                          <p:attrName>style.visibility</p:attrName>
+                                        </p:attrNameLst>
+                                      </p:cBhvr>
+                                      <p:to>
+                                        <p:strVal val="visible"/>
+                                      </p:to>
+                                    </p:set>
+                                    <p:animEffect transition="in" filter="fade">
+                                      <p:cBhvr>
+                                        <p:cTn id="10" dur="500"/>
+                                        <p:tgtEl>
+                                          <p:spTgt spid="3">
+                                            <p:txEl>
+                                              <p:pRg st="2" end="2"/>
+                                            </p:txEl>
+                                          </p:spTgt>
+                                        </p:tgtEl>
+                                      </p:cBhvr>
+                                    </p:animEffect>
+                                  </p:childTnLst>
+                                </p:cTn>
+                              </p:par>
+                            </p:childTnLst>
+                          </p:cTn>
+                        </p:par>
+                      </p:childTnLst>
+                    </p:cTn>
+                  </p:par>
+                  <p:par>
+                    <p:cTn id="11" fill="hold">
+                      <p:stCondLst>
+                        <p:cond delay="indefinite"/>
+                      </p:stCondLst>
+                      <p:childTnLst>
+                        <p:par>
+                          <p:cTn id="12" fill="hold">
+                            <p:stCondLst>
+                              <p:cond delay="0"/>
+                            </p:stCondLst>
+                            <p:childTnLst>
+                              <p:par>
+                                <p:cTn id="13" presetID="10" presetClass="entr" presetSubtype="0" fill="hold" nodeType="clickEffect">
+                                  <p:stCondLst>
+                                    <p:cond delay="0"/>
+                                  </p:stCondLst>
+                                  <p:childTnLst>
+                                    <p:set>
+                                      <p:cBhvr>
+                                        <p:cTn id="14" dur="1" fill="hold">
+                                          <p:stCondLst>
+                                            <p:cond delay="0"/>
+                                          </p:stCondLst>
+                                        </p:cTn>
+                                        <p:tgtEl>
+                                          <p:spTgt spid="3">
+                                            <p:txEl>
+                                              <p:pRg st="3" end="3"/>
+                                            </p:txEl>
+                                          </p:spTgt>
+                                        </p:tgtEl>
+                                        <p:attrNameLst>
+                                          <p:attrName>style.visibility</p:attrName>
+                                        </p:attrNameLst>
+                                      </p:cBhvr>
+                                      <p:to>
+                                        <p:strVal val="visible"/>
+                                      </p:to>
+                                    </p:set>
+                                    <p:animEffect transition="in" filter="fade">
+                                      <p:cBhvr>
+                                        <p:cTn id="15" dur="500"/>
+                                        <p:tgtEl>
+                                          <p:spTgt spid="3">
+                                            <p:txEl>
+                                              <p:pRg st="3" end="3"/>
+                                            </p:txEl>
+                                          </p:spTgt>
+                                        </p:tgtEl>
+                                      </p:cBhvr>
+                                    </p:animEffect>
+                                  </p:childTnLst>
+                                </p:cTn>
+                              </p:par>
+                              <p:par>
+                                <p:cTn id="16" presetID="10" presetClass="entr" presetSubtype="0" fill="hold" nodeType="withEffect">
+                                  <p:stCondLst>
+                                    <p:cond delay="0"/>
+                                  </p:stCondLst>
+                                  <p:childTnLst>
+                                    <p:set>
+                                      <p:cBhvr>
+                                        <p:cTn id="17" dur="1" fill="hold">
+                                          <p:stCondLst>
+                                            <p:cond delay="0"/>
+                                          </p:stCondLst>
+                                        </p:cTn>
+                                        <p:tgtEl>
+                                          <p:spTgt spid="3">
+                                            <p:txEl>
+                                              <p:pRg st="4" end="4"/>
+                                            </p:txEl>
+                                          </p:spTgt>
+                                        </p:tgtEl>
+                                        <p:attrNameLst>
+                                          <p:attrName>style.visibility</p:attrName>
+                                        </p:attrNameLst>
+                                      </p:cBhvr>
+                                      <p:to>
+                                        <p:strVal val="visible"/>
+                                      </p:to>
+                                    </p:set>
+                                    <p:animEffect transition="in" filter="fade">
+                                      <p:cBhvr>
+                                        <p:cTn id="18" dur="500"/>
+                                        <p:tgtEl>
+                                          <p:spTgt spid="3">
+                                            <p:txEl>
+                                              <p:pRg st="4" end="4"/>
+                                            </p:txEl>
+                                          </p:spTgt>
+                                        </p:tgtEl>
+                                      </p:cBhvr>
+                                    </p:animEffect>
+                                  </p:childTnLst>
+                                </p:cTn>
+                              </p:par>
+                            </p:childTnLst>
+                          </p:cTn>
+                        </p:par>
+                      </p:childTnLst>
+                    </p:cTn>
+                  </p:par>
+                  <p:par>
+                    <p:cTn id="19" fill="hold">
+                      <p:stCondLst>
+                        <p:cond delay="indefinite"/>
+                      </p:stCondLst>
+                      <p:childTnLst>
+                        <p:par>
+                          <p:cTn id="20" fill="hold">
+                            <p:stCondLst>
+                              <p:cond delay="0"/>
+                            </p:stCondLst>
+                            <p:childTnLst>
+                              <p:par>
+                                <p:cTn id="21" presetID="10" presetClass="entr" presetSubtype="0" fill="hold" nodeType="clickEffect">
+                                  <p:stCondLst>
+                                    <p:cond delay="0"/>
+                                  </p:stCondLst>
+                                  <p:childTnLst>
+                                    <p:set>
+                                      <p:cBhvr>
+                                        <p:cTn id="22" dur="1" fill="hold">
+                                          <p:stCondLst>
+                                            <p:cond delay="0"/>
+                                          </p:stCondLst>
+                                        </p:cTn>
+                                        <p:tgtEl>
+                                          <p:spTgt spid="3">
+                                            <p:txEl>
+                                              <p:pRg st="5" end="5"/>
+                                            </p:txEl>
+                                          </p:spTgt>
+                                        </p:tgtEl>
+                                        <p:attrNameLst>
+                                          <p:attrName>style.visibility</p:attrName>
+                                        </p:attrNameLst>
+                                      </p:cBhvr>
+                                      <p:to>
+                                        <p:strVal val="visible"/>
+                                      </p:to>
+                                    </p:set>
+                                    <p:animEffect transition="in" filter="fade">
+                                      <p:cBhvr>
+                                        <p:cTn id="23" dur="500"/>
+                                        <p:tgtEl>
+                                          <p:spTgt spid="3">
+                                            <p:txEl>
+                                              <p:pRg st="5" end="5"/>
+                                            </p:txEl>
+                                          </p:spTgt>
                                         </p:tgtEl>
                                       </p:cBhvr>
                                     </p:animEffect>
@@ -11097,9 +11558,6 @@
         </p:cTn>
       </p:par>
     </p:tnLst>
-    <p:bldLst>
-      <p:bldP spid="3" grpId="0"/>
-    </p:bldLst>
   </p:timing>
 </p:sld>
 </file>
@@ -11154,18 +11612,18 @@
               <a:buChar char="v"/>
             </a:pPr>
             <a:r>
-              <a:rPr lang="en-US" sz="2400"/>
+              <a:rPr lang="en-US" sz="2400" cap="none"/>
               <a:t>Return the type of a variable: </a:t>
             </a:r>
             <a:r>
-              <a:rPr lang="en-US" sz="2400" err="1"/>
+              <a:rPr lang="en-US" sz="2400" cap="none" err="1"/>
               <a:t>typeof</a:t>
             </a:r>
             <a:r>
-              <a:rPr lang="en-US" sz="2400"/>
+              <a:rPr lang="en-US" sz="2400" cap="none"/>
               <a:t> </a:t>
             </a:r>
-            <a:endParaRPr lang="en-US" sz="2400">
+            <a:endParaRPr lang="en-US" sz="2400" cap="none">
               <a:effectLst>
                 <a:glow rad="38100">
                   <a:prstClr val="black">
@@ -11188,7 +11646,7 @@
               <a:buChar char="v"/>
             </a:pPr>
             <a:r>
-              <a:rPr lang="en-US" sz="2800">
+              <a:rPr lang="en-US" sz="2800" cap="none">
                 <a:solidFill>
                   <a:srgbClr val="FFC000"/>
                 </a:solidFill>
@@ -11196,7 +11654,7 @@
               <a:t>console.log(</a:t>
             </a:r>
             <a:r>
-              <a:rPr lang="en-US" sz="2800" err="1">
+              <a:rPr lang="en-US" sz="2800" cap="none" err="1">
                 <a:solidFill>
                   <a:srgbClr val="FFC000"/>
                 </a:solidFill>
@@ -11204,14 +11662,14 @@
               <a:t>typeof</a:t>
             </a:r>
             <a:r>
-              <a:rPr lang="en-US" sz="2800">
+              <a:rPr lang="en-US" sz="2800" cap="none">
                 <a:solidFill>
                   <a:srgbClr val="FFC000"/>
                 </a:solidFill>
               </a:rPr>
               <a:t> 42);   //outputs: "number"</a:t>
             </a:r>
-            <a:endParaRPr lang="en-US" sz="2800">
+            <a:endParaRPr lang="en-US" sz="2800" cap="none">
               <a:solidFill>
                 <a:srgbClr val="FFC000"/>
               </a:solidFill>
@@ -11237,14 +11695,14 @@
               <a:buChar char="v"/>
             </a:pPr>
             <a:r>
-              <a:rPr lang="en-US" sz="2400"/>
+              <a:rPr lang="en-US" sz="2400" cap="none"/>
               <a:t>Return true if an object is an instance of an object type: </a:t>
             </a:r>
             <a:r>
-              <a:rPr lang="en-US" sz="2400" err="1"/>
+              <a:rPr lang="en-US" sz="2400" cap="none" err="1"/>
               <a:t>instanceof</a:t>
             </a:r>
-            <a:endParaRPr lang="en-US" sz="2400">
+            <a:endParaRPr lang="en-US" sz="2400" cap="none">
               <a:effectLst>
                 <a:glow rad="38100">
                   <a:prstClr val="black">
@@ -11267,10 +11725,10 @@
               <a:buChar char="v"/>
             </a:pPr>
             <a:r>
-              <a:rPr lang="en-US" sz="2800"/>
+              <a:rPr lang="en-US" sz="2800" cap="none"/>
               <a:t>Assume we have a car object and auto is an instance of car:</a:t>
             </a:r>
-            <a:endParaRPr lang="en-US" sz="2800">
+            <a:endParaRPr lang="en-US" sz="2800" cap="none">
               <a:effectLst>
                 <a:glow rad="38100">
                   <a:prstClr val="black">
@@ -11293,7 +11751,7 @@
               <a:buChar char="v"/>
             </a:pPr>
             <a:r>
-              <a:rPr lang="en-US" sz="2400">
+              <a:rPr lang="en-US" sz="2400" cap="none">
                 <a:solidFill>
                   <a:srgbClr val="FFC000"/>
                 </a:solidFill>
@@ -11301,7 +11759,7 @@
               <a:t>C</a:t>
             </a:r>
             <a:r>
-              <a:rPr lang="en-US" sz="2800">
+              <a:rPr lang="en-US" sz="2800" cap="none">
                 <a:solidFill>
                   <a:srgbClr val="FFC000"/>
                 </a:solidFill>
@@ -11309,7 +11767,7 @@
               <a:t>onsole.log(auto </a:t>
             </a:r>
             <a:r>
-              <a:rPr lang="en-US" sz="2800" err="1">
+              <a:rPr lang="en-US" sz="2800" cap="none" err="1">
                 <a:solidFill>
                   <a:srgbClr val="FFC000"/>
                 </a:solidFill>
@@ -11317,14 +11775,14 @@
               <a:t>instanceof</a:t>
             </a:r>
             <a:r>
-              <a:rPr lang="en-US" sz="2800">
+              <a:rPr lang="en-US" sz="2800" cap="none">
                 <a:solidFill>
                   <a:srgbClr val="FFC000"/>
                 </a:solidFill>
               </a:rPr>
               <a:t> car);  //true</a:t>
             </a:r>
-            <a:endParaRPr lang="en-US" sz="2400">
+            <a:endParaRPr lang="en-US" sz="2400" cap="none">
               <a:solidFill>
                 <a:srgbClr val="FFC000"/>
               </a:solidFill>
@@ -11505,6 +11963,265 @@
   <p:clrMapOvr>
     <a:masterClrMapping/>
   </p:clrMapOvr>
+  <p:timing>
+    <p:tnLst>
+      <p:par>
+        <p:cTn id="1" dur="indefinite" restart="never" nodeType="tmRoot">
+          <p:childTnLst>
+            <p:seq concurrent="1" nextAc="seek">
+              <p:cTn id="2" dur="indefinite" nodeType="mainSeq">
+                <p:childTnLst>
+                  <p:par>
+                    <p:cTn id="3" fill="hold">
+                      <p:stCondLst>
+                        <p:cond delay="indefinite"/>
+                        <p:cond evt="onBegin" delay="0">
+                          <p:tn val="2"/>
+                        </p:cond>
+                      </p:stCondLst>
+                      <p:childTnLst>
+                        <p:par>
+                          <p:cTn id="4" fill="hold">
+                            <p:stCondLst>
+                              <p:cond delay="0"/>
+                            </p:stCondLst>
+                            <p:childTnLst>
+                              <p:par>
+                                <p:cTn id="5" presetID="10" presetClass="entr" presetSubtype="0" fill="hold" nodeType="withEffect">
+                                  <p:stCondLst>
+                                    <p:cond delay="0"/>
+                                  </p:stCondLst>
+                                  <p:childTnLst>
+                                    <p:set>
+                                      <p:cBhvr>
+                                        <p:cTn id="6" dur="1" fill="hold">
+                                          <p:stCondLst>
+                                            <p:cond delay="0"/>
+                                          </p:stCondLst>
+                                        </p:cTn>
+                                        <p:tgtEl>
+                                          <p:spTgt spid="6">
+                                            <p:txEl>
+                                              <p:pRg st="1" end="1"/>
+                                            </p:txEl>
+                                          </p:spTgt>
+                                        </p:tgtEl>
+                                        <p:attrNameLst>
+                                          <p:attrName>style.visibility</p:attrName>
+                                        </p:attrNameLst>
+                                      </p:cBhvr>
+                                      <p:to>
+                                        <p:strVal val="visible"/>
+                                      </p:to>
+                                    </p:set>
+                                    <p:animEffect transition="in" filter="fade">
+                                      <p:cBhvr>
+                                        <p:cTn id="7" dur="500"/>
+                                        <p:tgtEl>
+                                          <p:spTgt spid="6">
+                                            <p:txEl>
+                                              <p:pRg st="1" end="1"/>
+                                            </p:txEl>
+                                          </p:spTgt>
+                                        </p:tgtEl>
+                                      </p:cBhvr>
+                                    </p:animEffect>
+                                  </p:childTnLst>
+                                </p:cTn>
+                              </p:par>
+                            </p:childTnLst>
+                          </p:cTn>
+                        </p:par>
+                      </p:childTnLst>
+                    </p:cTn>
+                  </p:par>
+                  <p:par>
+                    <p:cTn id="8" fill="hold">
+                      <p:stCondLst>
+                        <p:cond delay="indefinite"/>
+                      </p:stCondLst>
+                      <p:childTnLst>
+                        <p:par>
+                          <p:cTn id="9" fill="hold">
+                            <p:stCondLst>
+                              <p:cond delay="0"/>
+                            </p:stCondLst>
+                            <p:childTnLst>
+                              <p:par>
+                                <p:cTn id="10" presetID="10" presetClass="entr" presetSubtype="0" fill="hold" nodeType="clickEffect">
+                                  <p:stCondLst>
+                                    <p:cond delay="0"/>
+                                  </p:stCondLst>
+                                  <p:childTnLst>
+                                    <p:set>
+                                      <p:cBhvr>
+                                        <p:cTn id="11" dur="1" fill="hold">
+                                          <p:stCondLst>
+                                            <p:cond delay="0"/>
+                                          </p:stCondLst>
+                                        </p:cTn>
+                                        <p:tgtEl>
+                                          <p:spTgt spid="6">
+                                            <p:txEl>
+                                              <p:pRg st="2" end="2"/>
+                                            </p:txEl>
+                                          </p:spTgt>
+                                        </p:tgtEl>
+                                        <p:attrNameLst>
+                                          <p:attrName>style.visibility</p:attrName>
+                                        </p:attrNameLst>
+                                      </p:cBhvr>
+                                      <p:to>
+                                        <p:strVal val="visible"/>
+                                      </p:to>
+                                    </p:set>
+                                    <p:animEffect transition="in" filter="fade">
+                                      <p:cBhvr>
+                                        <p:cTn id="12" dur="500"/>
+                                        <p:tgtEl>
+                                          <p:spTgt spid="6">
+                                            <p:txEl>
+                                              <p:pRg st="2" end="2"/>
+                                            </p:txEl>
+                                          </p:spTgt>
+                                        </p:tgtEl>
+                                      </p:cBhvr>
+                                    </p:animEffect>
+                                  </p:childTnLst>
+                                </p:cTn>
+                              </p:par>
+                            </p:childTnLst>
+                          </p:cTn>
+                        </p:par>
+                      </p:childTnLst>
+                    </p:cTn>
+                  </p:par>
+                  <p:par>
+                    <p:cTn id="13" fill="hold">
+                      <p:stCondLst>
+                        <p:cond delay="indefinite"/>
+                      </p:stCondLst>
+                      <p:childTnLst>
+                        <p:par>
+                          <p:cTn id="14" fill="hold">
+                            <p:stCondLst>
+                              <p:cond delay="0"/>
+                            </p:stCondLst>
+                            <p:childTnLst>
+                              <p:par>
+                                <p:cTn id="15" presetID="10" presetClass="entr" presetSubtype="0" fill="hold" nodeType="clickEffect">
+                                  <p:stCondLst>
+                                    <p:cond delay="0"/>
+                                  </p:stCondLst>
+                                  <p:childTnLst>
+                                    <p:set>
+                                      <p:cBhvr>
+                                        <p:cTn id="16" dur="1" fill="hold">
+                                          <p:stCondLst>
+                                            <p:cond delay="0"/>
+                                          </p:stCondLst>
+                                        </p:cTn>
+                                        <p:tgtEl>
+                                          <p:spTgt spid="6">
+                                            <p:txEl>
+                                              <p:pRg st="3" end="3"/>
+                                            </p:txEl>
+                                          </p:spTgt>
+                                        </p:tgtEl>
+                                        <p:attrNameLst>
+                                          <p:attrName>style.visibility</p:attrName>
+                                        </p:attrNameLst>
+                                      </p:cBhvr>
+                                      <p:to>
+                                        <p:strVal val="visible"/>
+                                      </p:to>
+                                    </p:set>
+                                    <p:animEffect transition="in" filter="fade">
+                                      <p:cBhvr>
+                                        <p:cTn id="17" dur="500"/>
+                                        <p:tgtEl>
+                                          <p:spTgt spid="6">
+                                            <p:txEl>
+                                              <p:pRg st="3" end="3"/>
+                                            </p:txEl>
+                                          </p:spTgt>
+                                        </p:tgtEl>
+                                      </p:cBhvr>
+                                    </p:animEffect>
+                                  </p:childTnLst>
+                                </p:cTn>
+                              </p:par>
+                              <p:par>
+                                <p:cTn id="18" presetID="10" presetClass="entr" presetSubtype="0" fill="hold" nodeType="withEffect">
+                                  <p:stCondLst>
+                                    <p:cond delay="0"/>
+                                  </p:stCondLst>
+                                  <p:childTnLst>
+                                    <p:set>
+                                      <p:cBhvr>
+                                        <p:cTn id="19" dur="1" fill="hold">
+                                          <p:stCondLst>
+                                            <p:cond delay="0"/>
+                                          </p:stCondLst>
+                                        </p:cTn>
+                                        <p:tgtEl>
+                                          <p:spTgt spid="6">
+                                            <p:txEl>
+                                              <p:pRg st="4" end="4"/>
+                                            </p:txEl>
+                                          </p:spTgt>
+                                        </p:tgtEl>
+                                        <p:attrNameLst>
+                                          <p:attrName>style.visibility</p:attrName>
+                                        </p:attrNameLst>
+                                      </p:cBhvr>
+                                      <p:to>
+                                        <p:strVal val="visible"/>
+                                      </p:to>
+                                    </p:set>
+                                    <p:animEffect transition="in" filter="fade">
+                                      <p:cBhvr>
+                                        <p:cTn id="20" dur="500"/>
+                                        <p:tgtEl>
+                                          <p:spTgt spid="6">
+                                            <p:txEl>
+                                              <p:pRg st="4" end="4"/>
+                                            </p:txEl>
+                                          </p:spTgt>
+                                        </p:tgtEl>
+                                      </p:cBhvr>
+                                    </p:animEffect>
+                                  </p:childTnLst>
+                                </p:cTn>
+                              </p:par>
+                            </p:childTnLst>
+                          </p:cTn>
+                        </p:par>
+                      </p:childTnLst>
+                    </p:cTn>
+                  </p:par>
+                </p:childTnLst>
+              </p:cTn>
+              <p:prevCondLst>
+                <p:cond evt="onPrev" delay="0">
+                  <p:tgtEl>
+                    <p:sldTgt/>
+                  </p:tgtEl>
+                </p:cond>
+              </p:prevCondLst>
+              <p:nextCondLst>
+                <p:cond evt="onNext" delay="0">
+                  <p:tgtEl>
+                    <p:sldTgt/>
+                  </p:tgtEl>
+                </p:cond>
+              </p:nextCondLst>
+            </p:seq>
+          </p:childTnLst>
+        </p:cTn>
+      </p:par>
+    </p:tnLst>
+  </p:timing>
 </p:sld>
 </file>
 
@@ -11659,7 +12376,7 @@
               </a:rPr>
               <a:t>boolean</a:t>
             </a:r>
-            <a:endParaRPr lang="en-US" err="1">
+            <a:endParaRPr lang="en-US">
               <a:ea typeface="+mn-lt"/>
               <a:cs typeface="+mn-lt"/>
             </a:endParaRPr>
@@ -11873,6 +12590,502 @@
   <p:clrMapOvr>
     <a:masterClrMapping/>
   </p:clrMapOvr>
+  <p:timing>
+    <p:tnLst>
+      <p:par>
+        <p:cTn id="1" dur="indefinite" restart="never" nodeType="tmRoot">
+          <p:childTnLst>
+            <p:seq concurrent="1" nextAc="seek">
+              <p:cTn id="2" dur="indefinite" nodeType="mainSeq">
+                <p:childTnLst>
+                  <p:par>
+                    <p:cTn id="3" fill="hold">
+                      <p:stCondLst>
+                        <p:cond delay="indefinite"/>
+                      </p:stCondLst>
+                      <p:childTnLst>
+                        <p:par>
+                          <p:cTn id="4" fill="hold">
+                            <p:stCondLst>
+                              <p:cond delay="0"/>
+                            </p:stCondLst>
+                            <p:childTnLst>
+                              <p:par>
+                                <p:cTn id="5" presetID="10" presetClass="entr" presetSubtype="0" fill="hold" nodeType="clickEffect">
+                                  <p:stCondLst>
+                                    <p:cond delay="0"/>
+                                  </p:stCondLst>
+                                  <p:childTnLst>
+                                    <p:set>
+                                      <p:cBhvr>
+                                        <p:cTn id="6" dur="1" fill="hold">
+                                          <p:stCondLst>
+                                            <p:cond delay="0"/>
+                                          </p:stCondLst>
+                                        </p:cTn>
+                                        <p:tgtEl>
+                                          <p:spTgt spid="5">
+                                            <p:txEl>
+                                              <p:pRg st="7" end="7"/>
+                                            </p:txEl>
+                                          </p:spTgt>
+                                        </p:tgtEl>
+                                        <p:attrNameLst>
+                                          <p:attrName>style.visibility</p:attrName>
+                                        </p:attrNameLst>
+                                      </p:cBhvr>
+                                      <p:to>
+                                        <p:strVal val="visible"/>
+                                      </p:to>
+                                    </p:set>
+                                    <p:animEffect transition="in" filter="fade">
+                                      <p:cBhvr>
+                                        <p:cTn id="7" dur="500"/>
+                                        <p:tgtEl>
+                                          <p:spTgt spid="5">
+                                            <p:txEl>
+                                              <p:pRg st="7" end="7"/>
+                                            </p:txEl>
+                                          </p:spTgt>
+                                        </p:tgtEl>
+                                      </p:cBhvr>
+                                    </p:animEffect>
+                                  </p:childTnLst>
+                                </p:cTn>
+                              </p:par>
+                              <p:par>
+                                <p:cTn id="8" presetID="10" presetClass="entr" presetSubtype="0" fill="hold" nodeType="withEffect">
+                                  <p:stCondLst>
+                                    <p:cond delay="0"/>
+                                  </p:stCondLst>
+                                  <p:childTnLst>
+                                    <p:set>
+                                      <p:cBhvr>
+                                        <p:cTn id="9" dur="1" fill="hold">
+                                          <p:stCondLst>
+                                            <p:cond delay="0"/>
+                                          </p:stCondLst>
+                                        </p:cTn>
+                                        <p:tgtEl>
+                                          <p:spTgt spid="5">
+                                            <p:txEl>
+                                              <p:pRg st="8" end="8"/>
+                                            </p:txEl>
+                                          </p:spTgt>
+                                        </p:tgtEl>
+                                        <p:attrNameLst>
+                                          <p:attrName>style.visibility</p:attrName>
+                                        </p:attrNameLst>
+                                      </p:cBhvr>
+                                      <p:to>
+                                        <p:strVal val="visible"/>
+                                      </p:to>
+                                    </p:set>
+                                    <p:animEffect transition="in" filter="fade">
+                                      <p:cBhvr>
+                                        <p:cTn id="10" dur="500"/>
+                                        <p:tgtEl>
+                                          <p:spTgt spid="5">
+                                            <p:txEl>
+                                              <p:pRg st="8" end="8"/>
+                                            </p:txEl>
+                                          </p:spTgt>
+                                        </p:tgtEl>
+                                      </p:cBhvr>
+                                    </p:animEffect>
+                                  </p:childTnLst>
+                                </p:cTn>
+                              </p:par>
+                              <p:par>
+                                <p:cTn id="11" presetID="10" presetClass="entr" presetSubtype="0" fill="hold" nodeType="withEffect">
+                                  <p:stCondLst>
+                                    <p:cond delay="0"/>
+                                  </p:stCondLst>
+                                  <p:childTnLst>
+                                    <p:set>
+                                      <p:cBhvr>
+                                        <p:cTn id="12" dur="1" fill="hold">
+                                          <p:stCondLst>
+                                            <p:cond delay="0"/>
+                                          </p:stCondLst>
+                                        </p:cTn>
+                                        <p:tgtEl>
+                                          <p:spTgt spid="5">
+                                            <p:txEl>
+                                              <p:pRg st="9" end="9"/>
+                                            </p:txEl>
+                                          </p:spTgt>
+                                        </p:tgtEl>
+                                        <p:attrNameLst>
+                                          <p:attrName>style.visibility</p:attrName>
+                                        </p:attrNameLst>
+                                      </p:cBhvr>
+                                      <p:to>
+                                        <p:strVal val="visible"/>
+                                      </p:to>
+                                    </p:set>
+                                    <p:animEffect transition="in" filter="fade">
+                                      <p:cBhvr>
+                                        <p:cTn id="13" dur="500"/>
+                                        <p:tgtEl>
+                                          <p:spTgt spid="5">
+                                            <p:txEl>
+                                              <p:pRg st="9" end="9"/>
+                                            </p:txEl>
+                                          </p:spTgt>
+                                        </p:tgtEl>
+                                      </p:cBhvr>
+                                    </p:animEffect>
+                                  </p:childTnLst>
+                                </p:cTn>
+                              </p:par>
+                              <p:par>
+                                <p:cTn id="14" presetID="10" presetClass="entr" presetSubtype="0" fill="hold" nodeType="withEffect">
+                                  <p:stCondLst>
+                                    <p:cond delay="0"/>
+                                  </p:stCondLst>
+                                  <p:childTnLst>
+                                    <p:set>
+                                      <p:cBhvr>
+                                        <p:cTn id="15" dur="1" fill="hold">
+                                          <p:stCondLst>
+                                            <p:cond delay="0"/>
+                                          </p:stCondLst>
+                                        </p:cTn>
+                                        <p:tgtEl>
+                                          <p:spTgt spid="5">
+                                            <p:txEl>
+                                              <p:pRg st="10" end="10"/>
+                                            </p:txEl>
+                                          </p:spTgt>
+                                        </p:tgtEl>
+                                        <p:attrNameLst>
+                                          <p:attrName>style.visibility</p:attrName>
+                                        </p:attrNameLst>
+                                      </p:cBhvr>
+                                      <p:to>
+                                        <p:strVal val="visible"/>
+                                      </p:to>
+                                    </p:set>
+                                    <p:animEffect transition="in" filter="fade">
+                                      <p:cBhvr>
+                                        <p:cTn id="16" dur="500"/>
+                                        <p:tgtEl>
+                                          <p:spTgt spid="5">
+                                            <p:txEl>
+                                              <p:pRg st="10" end="10"/>
+                                            </p:txEl>
+                                          </p:spTgt>
+                                        </p:tgtEl>
+                                      </p:cBhvr>
+                                    </p:animEffect>
+                                  </p:childTnLst>
+                                </p:cTn>
+                              </p:par>
+                              <p:par>
+                                <p:cTn id="17" presetID="10" presetClass="entr" presetSubtype="0" fill="hold" nodeType="withEffect">
+                                  <p:stCondLst>
+                                    <p:cond delay="0"/>
+                                  </p:stCondLst>
+                                  <p:childTnLst>
+                                    <p:set>
+                                      <p:cBhvr>
+                                        <p:cTn id="18" dur="1" fill="hold">
+                                          <p:stCondLst>
+                                            <p:cond delay="0"/>
+                                          </p:stCondLst>
+                                        </p:cTn>
+                                        <p:tgtEl>
+                                          <p:spTgt spid="5">
+                                            <p:txEl>
+                                              <p:pRg st="11" end="11"/>
+                                            </p:txEl>
+                                          </p:spTgt>
+                                        </p:tgtEl>
+                                        <p:attrNameLst>
+                                          <p:attrName>style.visibility</p:attrName>
+                                        </p:attrNameLst>
+                                      </p:cBhvr>
+                                      <p:to>
+                                        <p:strVal val="visible"/>
+                                      </p:to>
+                                    </p:set>
+                                    <p:animEffect transition="in" filter="fade">
+                                      <p:cBhvr>
+                                        <p:cTn id="19" dur="500"/>
+                                        <p:tgtEl>
+                                          <p:spTgt spid="5">
+                                            <p:txEl>
+                                              <p:pRg st="11" end="11"/>
+                                            </p:txEl>
+                                          </p:spTgt>
+                                        </p:tgtEl>
+                                      </p:cBhvr>
+                                    </p:animEffect>
+                                  </p:childTnLst>
+                                </p:cTn>
+                              </p:par>
+                              <p:par>
+                                <p:cTn id="20" presetID="10" presetClass="entr" presetSubtype="0" fill="hold" nodeType="withEffect">
+                                  <p:stCondLst>
+                                    <p:cond delay="0"/>
+                                  </p:stCondLst>
+                                  <p:childTnLst>
+                                    <p:set>
+                                      <p:cBhvr>
+                                        <p:cTn id="21" dur="1" fill="hold">
+                                          <p:stCondLst>
+                                            <p:cond delay="0"/>
+                                          </p:stCondLst>
+                                        </p:cTn>
+                                        <p:tgtEl>
+                                          <p:spTgt spid="5">
+                                            <p:txEl>
+                                              <p:pRg st="12" end="12"/>
+                                            </p:txEl>
+                                          </p:spTgt>
+                                        </p:tgtEl>
+                                        <p:attrNameLst>
+                                          <p:attrName>style.visibility</p:attrName>
+                                        </p:attrNameLst>
+                                      </p:cBhvr>
+                                      <p:to>
+                                        <p:strVal val="visible"/>
+                                      </p:to>
+                                    </p:set>
+                                    <p:animEffect transition="in" filter="fade">
+                                      <p:cBhvr>
+                                        <p:cTn id="22" dur="500"/>
+                                        <p:tgtEl>
+                                          <p:spTgt spid="5">
+                                            <p:txEl>
+                                              <p:pRg st="12" end="12"/>
+                                            </p:txEl>
+                                          </p:spTgt>
+                                        </p:tgtEl>
+                                      </p:cBhvr>
+                                    </p:animEffect>
+                                  </p:childTnLst>
+                                </p:cTn>
+                              </p:par>
+                              <p:par>
+                                <p:cTn id="23" presetID="10" presetClass="entr" presetSubtype="0" fill="hold" nodeType="withEffect">
+                                  <p:stCondLst>
+                                    <p:cond delay="0"/>
+                                  </p:stCondLst>
+                                  <p:childTnLst>
+                                    <p:set>
+                                      <p:cBhvr>
+                                        <p:cTn id="24" dur="1" fill="hold">
+                                          <p:stCondLst>
+                                            <p:cond delay="0"/>
+                                          </p:stCondLst>
+                                        </p:cTn>
+                                        <p:tgtEl>
+                                          <p:spTgt spid="5">
+                                            <p:txEl>
+                                              <p:pRg st="13" end="13"/>
+                                            </p:txEl>
+                                          </p:spTgt>
+                                        </p:tgtEl>
+                                        <p:attrNameLst>
+                                          <p:attrName>style.visibility</p:attrName>
+                                        </p:attrNameLst>
+                                      </p:cBhvr>
+                                      <p:to>
+                                        <p:strVal val="visible"/>
+                                      </p:to>
+                                    </p:set>
+                                    <p:animEffect transition="in" filter="fade">
+                                      <p:cBhvr>
+                                        <p:cTn id="25" dur="500"/>
+                                        <p:tgtEl>
+                                          <p:spTgt spid="5">
+                                            <p:txEl>
+                                              <p:pRg st="13" end="13"/>
+                                            </p:txEl>
+                                          </p:spTgt>
+                                        </p:tgtEl>
+                                      </p:cBhvr>
+                                    </p:animEffect>
+                                  </p:childTnLst>
+                                </p:cTn>
+                              </p:par>
+                            </p:childTnLst>
+                          </p:cTn>
+                        </p:par>
+                      </p:childTnLst>
+                    </p:cTn>
+                  </p:par>
+                  <p:par>
+                    <p:cTn id="26" fill="hold">
+                      <p:stCondLst>
+                        <p:cond delay="indefinite"/>
+                      </p:stCondLst>
+                      <p:childTnLst>
+                        <p:par>
+                          <p:cTn id="27" fill="hold">
+                            <p:stCondLst>
+                              <p:cond delay="0"/>
+                            </p:stCondLst>
+                            <p:childTnLst>
+                              <p:par>
+                                <p:cTn id="28" presetID="10" presetClass="entr" presetSubtype="0" fill="hold" nodeType="clickEffect">
+                                  <p:stCondLst>
+                                    <p:cond delay="0"/>
+                                  </p:stCondLst>
+                                  <p:childTnLst>
+                                    <p:set>
+                                      <p:cBhvr>
+                                        <p:cTn id="29" dur="1" fill="hold">
+                                          <p:stCondLst>
+                                            <p:cond delay="0"/>
+                                          </p:stCondLst>
+                                        </p:cTn>
+                                        <p:tgtEl>
+                                          <p:spTgt spid="5">
+                                            <p:txEl>
+                                              <p:pRg st="15" end="15"/>
+                                            </p:txEl>
+                                          </p:spTgt>
+                                        </p:tgtEl>
+                                        <p:attrNameLst>
+                                          <p:attrName>style.visibility</p:attrName>
+                                        </p:attrNameLst>
+                                      </p:cBhvr>
+                                      <p:to>
+                                        <p:strVal val="visible"/>
+                                      </p:to>
+                                    </p:set>
+                                    <p:animEffect transition="in" filter="fade">
+                                      <p:cBhvr>
+                                        <p:cTn id="30" dur="500"/>
+                                        <p:tgtEl>
+                                          <p:spTgt spid="5">
+                                            <p:txEl>
+                                              <p:pRg st="15" end="15"/>
+                                            </p:txEl>
+                                          </p:spTgt>
+                                        </p:tgtEl>
+                                      </p:cBhvr>
+                                    </p:animEffect>
+                                  </p:childTnLst>
+                                </p:cTn>
+                              </p:par>
+                              <p:par>
+                                <p:cTn id="31" presetID="10" presetClass="entr" presetSubtype="0" fill="hold" nodeType="withEffect">
+                                  <p:stCondLst>
+                                    <p:cond delay="0"/>
+                                  </p:stCondLst>
+                                  <p:childTnLst>
+                                    <p:set>
+                                      <p:cBhvr>
+                                        <p:cTn id="32" dur="1" fill="hold">
+                                          <p:stCondLst>
+                                            <p:cond delay="0"/>
+                                          </p:stCondLst>
+                                        </p:cTn>
+                                        <p:tgtEl>
+                                          <p:spTgt spid="5">
+                                            <p:txEl>
+                                              <p:pRg st="16" end="16"/>
+                                            </p:txEl>
+                                          </p:spTgt>
+                                        </p:tgtEl>
+                                        <p:attrNameLst>
+                                          <p:attrName>style.visibility</p:attrName>
+                                        </p:attrNameLst>
+                                      </p:cBhvr>
+                                      <p:to>
+                                        <p:strVal val="visible"/>
+                                      </p:to>
+                                    </p:set>
+                                    <p:animEffect transition="in" filter="fade">
+                                      <p:cBhvr>
+                                        <p:cTn id="33" dur="500"/>
+                                        <p:tgtEl>
+                                          <p:spTgt spid="5">
+                                            <p:txEl>
+                                              <p:pRg st="16" end="16"/>
+                                            </p:txEl>
+                                          </p:spTgt>
+                                        </p:tgtEl>
+                                      </p:cBhvr>
+                                    </p:animEffect>
+                                  </p:childTnLst>
+                                </p:cTn>
+                              </p:par>
+                              <p:par>
+                                <p:cTn id="34" presetID="10" presetClass="entr" presetSubtype="0" fill="hold" nodeType="withEffect">
+                                  <p:stCondLst>
+                                    <p:cond delay="0"/>
+                                  </p:stCondLst>
+                                  <p:childTnLst>
+                                    <p:set>
+                                      <p:cBhvr>
+                                        <p:cTn id="35" dur="1" fill="hold">
+                                          <p:stCondLst>
+                                            <p:cond delay="0"/>
+                                          </p:stCondLst>
+                                        </p:cTn>
+                                        <p:tgtEl>
+                                          <p:spTgt spid="5">
+                                            <p:txEl>
+                                              <p:pRg st="17" end="17"/>
+                                            </p:txEl>
+                                          </p:spTgt>
+                                        </p:tgtEl>
+                                        <p:attrNameLst>
+                                          <p:attrName>style.visibility</p:attrName>
+                                        </p:attrNameLst>
+                                      </p:cBhvr>
+                                      <p:to>
+                                        <p:strVal val="visible"/>
+                                      </p:to>
+                                    </p:set>
+                                    <p:animEffect transition="in" filter="fade">
+                                      <p:cBhvr>
+                                        <p:cTn id="36" dur="500"/>
+                                        <p:tgtEl>
+                                          <p:spTgt spid="5">
+                                            <p:txEl>
+                                              <p:pRg st="17" end="17"/>
+                                            </p:txEl>
+                                          </p:spTgt>
+                                        </p:tgtEl>
+                                      </p:cBhvr>
+                                    </p:animEffect>
+                                  </p:childTnLst>
+                                </p:cTn>
+                              </p:par>
+                            </p:childTnLst>
+                          </p:cTn>
+                        </p:par>
+                      </p:childTnLst>
+                    </p:cTn>
+                  </p:par>
+                </p:childTnLst>
+              </p:cTn>
+              <p:prevCondLst>
+                <p:cond evt="onPrev" delay="0">
+                  <p:tgtEl>
+                    <p:sldTgt/>
+                  </p:tgtEl>
+                </p:cond>
+              </p:prevCondLst>
+              <p:nextCondLst>
+                <p:cond evt="onNext" delay="0">
+                  <p:tgtEl>
+                    <p:sldTgt/>
+                  </p:tgtEl>
+                </p:cond>
+              </p:nextCondLst>
+            </p:seq>
+          </p:childTnLst>
+        </p:cTn>
+      </p:par>
+    </p:tnLst>
+  </p:timing>
 </p:sld>
 </file>
 
@@ -11960,10 +13173,10 @@
               <a:buChar char="•"/>
             </a:pPr>
             <a:r>
-              <a:rPr lang="en-US" sz="2800"/>
+              <a:rPr lang="en-US" sz="2800" cap="none"/>
               <a:t>JavaScript has dynamic types (the same variable can hold different types) for instance:</a:t>
             </a:r>
-            <a:endParaRPr lang="en-US" sz="2800">
+            <a:endParaRPr lang="en-US" sz="2800" cap="none">
               <a:effectLst>
                 <a:glow rad="38100">
                   <a:prstClr val="black">
@@ -11985,14 +13198,14 @@
               <a:buNone/>
             </a:pPr>
             <a:r>
-              <a:rPr lang="en-US" sz="2800">
+              <a:rPr lang="en-US" sz="2800" cap="none">
                 <a:ea typeface="+mj-lt"/>
                 <a:cs typeface="+mj-lt"/>
               </a:rPr>
               <a:t>     </a:t>
             </a:r>
             <a:r>
-              <a:rPr lang="en-US" sz="2800">
+              <a:rPr lang="en-US" sz="2800" cap="none">
                 <a:solidFill>
                   <a:srgbClr val="FFC000"/>
                 </a:solidFill>
@@ -12002,13 +13215,13 @@
               <a:t>var x;           // Now x is undefined</a:t>
             </a:r>
             <a:br>
-              <a:rPr lang="en-US" sz="2800">
+              <a:rPr lang="en-US" sz="2800" cap="none">
                 <a:ea typeface="+mj-lt"/>
                 <a:cs typeface="+mj-lt"/>
               </a:rPr>
             </a:br>
             <a:r>
-              <a:rPr lang="en-US" sz="2800">
+              <a:rPr lang="en-US" sz="2800" cap="none">
                 <a:solidFill>
                   <a:srgbClr val="FFC000"/>
                 </a:solidFill>
@@ -12018,13 +13231,13 @@
               <a:t>     x = 5;           // Now x is a Number</a:t>
             </a:r>
             <a:br>
-              <a:rPr lang="en-US" sz="2800">
+              <a:rPr lang="en-US" sz="2800" cap="none">
                 <a:ea typeface="+mj-lt"/>
                 <a:cs typeface="+mj-lt"/>
               </a:rPr>
             </a:br>
             <a:r>
-              <a:rPr lang="en-US" sz="2800">
+              <a:rPr lang="en-US" sz="2800" cap="none">
                 <a:solidFill>
                   <a:srgbClr val="FFC000"/>
                 </a:solidFill>
@@ -12033,7 +13246,7 @@
               </a:rPr>
               <a:t>     x = "John";      // Now x is a String</a:t>
             </a:r>
-            <a:endParaRPr lang="en-US" sz="2800">
+            <a:endParaRPr lang="en-US" sz="2800" cap="none">
               <a:solidFill>
                 <a:srgbClr val="FFC000"/>
               </a:solidFill>
@@ -12061,10 +13274,10 @@
               <a:buChar char="•"/>
             </a:pPr>
             <a:r>
-              <a:rPr lang="en-US" sz="2800"/>
+              <a:rPr lang="en-US" sz="2800" cap="none"/>
               <a:t>Arrays are familiar:  </a:t>
             </a:r>
-            <a:endParaRPr lang="en-US" sz="2800">
+            <a:endParaRPr lang="en-US" sz="2800" cap="none">
               <a:effectLst>
                 <a:glow rad="38100">
                   <a:prstClr val="black">
@@ -12086,10 +13299,10 @@
               <a:buNone/>
             </a:pPr>
             <a:r>
-              <a:rPr lang="en-US" sz="2800"/>
+              <a:rPr lang="en-US" sz="2800" cap="none"/>
               <a:t>     Var numbers = [5, 6, 7];</a:t>
             </a:r>
-            <a:endParaRPr lang="en-US" sz="2800">
+            <a:endParaRPr lang="en-US" sz="2800" cap="none">
               <a:effectLst>
                 <a:glow rad="38100">
                   <a:prstClr val="black">
@@ -12110,7 +13323,7 @@
             <a:pPr marL="400050" lvl="1" indent="0">
               <a:buNone/>
             </a:pPr>
-            <a:endParaRPr lang="en-US" sz="2800"/>
+            <a:endParaRPr lang="en-US" sz="2800" cap="none"/>
           </a:p>
           <a:p>
             <a:pPr>
@@ -12118,10 +13331,10 @@
               <a:buChar char="•"/>
             </a:pPr>
             <a:r>
-              <a:rPr lang="en-US" sz="2800"/>
+              <a:rPr lang="en-US" sz="2800" cap="none"/>
               <a:t>Objects will be discussed in the coming slides</a:t>
             </a:r>
-            <a:endParaRPr lang="en-US" sz="2800">
+            <a:endParaRPr lang="en-US" sz="2800" cap="none">
               <a:effectLst>
                 <a:glow rad="38100">
                   <a:prstClr val="black">
@@ -12150,6 +13363,262 @@
   <p:clrMapOvr>
     <a:masterClrMapping/>
   </p:clrMapOvr>
+  <p:timing>
+    <p:tnLst>
+      <p:par>
+        <p:cTn id="1" dur="indefinite" restart="never" nodeType="tmRoot">
+          <p:childTnLst>
+            <p:seq concurrent="1" nextAc="seek">
+              <p:cTn id="2" dur="indefinite" nodeType="mainSeq">
+                <p:childTnLst>
+                  <p:par>
+                    <p:cTn id="3" fill="hold">
+                      <p:stCondLst>
+                        <p:cond delay="indefinite"/>
+                      </p:stCondLst>
+                      <p:childTnLst>
+                        <p:par>
+                          <p:cTn id="4" fill="hold">
+                            <p:stCondLst>
+                              <p:cond delay="0"/>
+                            </p:stCondLst>
+                            <p:childTnLst>
+                              <p:par>
+                                <p:cTn id="5" presetID="10" presetClass="entr" presetSubtype="0" fill="hold" nodeType="clickEffect">
+                                  <p:stCondLst>
+                                    <p:cond delay="0"/>
+                                  </p:stCondLst>
+                                  <p:childTnLst>
+                                    <p:set>
+                                      <p:cBhvr>
+                                        <p:cTn id="6" dur="1" fill="hold">
+                                          <p:stCondLst>
+                                            <p:cond delay="0"/>
+                                          </p:stCondLst>
+                                        </p:cTn>
+                                        <p:tgtEl>
+                                          <p:spTgt spid="3">
+                                            <p:txEl>
+                                              <p:pRg st="1" end="1"/>
+                                            </p:txEl>
+                                          </p:spTgt>
+                                        </p:tgtEl>
+                                        <p:attrNameLst>
+                                          <p:attrName>style.visibility</p:attrName>
+                                        </p:attrNameLst>
+                                      </p:cBhvr>
+                                      <p:to>
+                                        <p:strVal val="visible"/>
+                                      </p:to>
+                                    </p:set>
+                                    <p:animEffect transition="in" filter="fade">
+                                      <p:cBhvr>
+                                        <p:cTn id="7" dur="500"/>
+                                        <p:tgtEl>
+                                          <p:spTgt spid="3">
+                                            <p:txEl>
+                                              <p:pRg st="1" end="1"/>
+                                            </p:txEl>
+                                          </p:spTgt>
+                                        </p:tgtEl>
+                                      </p:cBhvr>
+                                    </p:animEffect>
+                                  </p:childTnLst>
+                                </p:cTn>
+                              </p:par>
+                            </p:childTnLst>
+                          </p:cTn>
+                        </p:par>
+                      </p:childTnLst>
+                    </p:cTn>
+                  </p:par>
+                  <p:par>
+                    <p:cTn id="8" fill="hold">
+                      <p:stCondLst>
+                        <p:cond delay="indefinite"/>
+                      </p:stCondLst>
+                      <p:childTnLst>
+                        <p:par>
+                          <p:cTn id="9" fill="hold">
+                            <p:stCondLst>
+                              <p:cond delay="0"/>
+                            </p:stCondLst>
+                            <p:childTnLst>
+                              <p:par>
+                                <p:cTn id="10" presetID="10" presetClass="entr" presetSubtype="0" fill="hold" nodeType="clickEffect">
+                                  <p:stCondLst>
+                                    <p:cond delay="0"/>
+                                  </p:stCondLst>
+                                  <p:childTnLst>
+                                    <p:set>
+                                      <p:cBhvr>
+                                        <p:cTn id="11" dur="1" fill="hold">
+                                          <p:stCondLst>
+                                            <p:cond delay="0"/>
+                                          </p:stCondLst>
+                                        </p:cTn>
+                                        <p:tgtEl>
+                                          <p:spTgt spid="3">
+                                            <p:txEl>
+                                              <p:pRg st="2" end="2"/>
+                                            </p:txEl>
+                                          </p:spTgt>
+                                        </p:tgtEl>
+                                        <p:attrNameLst>
+                                          <p:attrName>style.visibility</p:attrName>
+                                        </p:attrNameLst>
+                                      </p:cBhvr>
+                                      <p:to>
+                                        <p:strVal val="visible"/>
+                                      </p:to>
+                                    </p:set>
+                                    <p:animEffect transition="in" filter="fade">
+                                      <p:cBhvr>
+                                        <p:cTn id="12" dur="500"/>
+                                        <p:tgtEl>
+                                          <p:spTgt spid="3">
+                                            <p:txEl>
+                                              <p:pRg st="2" end="2"/>
+                                            </p:txEl>
+                                          </p:spTgt>
+                                        </p:tgtEl>
+                                      </p:cBhvr>
+                                    </p:animEffect>
+                                  </p:childTnLst>
+                                </p:cTn>
+                              </p:par>
+                              <p:par>
+                                <p:cTn id="13" presetID="10" presetClass="entr" presetSubtype="0" fill="hold" nodeType="withEffect">
+                                  <p:stCondLst>
+                                    <p:cond delay="0"/>
+                                  </p:stCondLst>
+                                  <p:childTnLst>
+                                    <p:set>
+                                      <p:cBhvr>
+                                        <p:cTn id="14" dur="1" fill="hold">
+                                          <p:stCondLst>
+                                            <p:cond delay="0"/>
+                                          </p:stCondLst>
+                                        </p:cTn>
+                                        <p:tgtEl>
+                                          <p:spTgt spid="3">
+                                            <p:txEl>
+                                              <p:pRg st="3" end="3"/>
+                                            </p:txEl>
+                                          </p:spTgt>
+                                        </p:tgtEl>
+                                        <p:attrNameLst>
+                                          <p:attrName>style.visibility</p:attrName>
+                                        </p:attrNameLst>
+                                      </p:cBhvr>
+                                      <p:to>
+                                        <p:strVal val="visible"/>
+                                      </p:to>
+                                    </p:set>
+                                    <p:animEffect transition="in" filter="fade">
+                                      <p:cBhvr>
+                                        <p:cTn id="15" dur="500"/>
+                                        <p:tgtEl>
+                                          <p:spTgt spid="3">
+                                            <p:txEl>
+                                              <p:pRg st="3" end="3"/>
+                                            </p:txEl>
+                                          </p:spTgt>
+                                        </p:tgtEl>
+                                      </p:cBhvr>
+                                    </p:animEffect>
+                                  </p:childTnLst>
+                                </p:cTn>
+                              </p:par>
+                            </p:childTnLst>
+                          </p:cTn>
+                        </p:par>
+                      </p:childTnLst>
+                    </p:cTn>
+                  </p:par>
+                  <p:par>
+                    <p:cTn id="16" fill="hold">
+                      <p:stCondLst>
+                        <p:cond delay="indefinite"/>
+                      </p:stCondLst>
+                      <p:childTnLst>
+                        <p:par>
+                          <p:cTn id="17" fill="hold">
+                            <p:stCondLst>
+                              <p:cond delay="0"/>
+                            </p:stCondLst>
+                            <p:childTnLst>
+                              <p:par>
+                                <p:cTn id="18" presetID="10" presetClass="entr" presetSubtype="0" fill="hold" nodeType="clickEffect">
+                                  <p:stCondLst>
+                                    <p:cond delay="0"/>
+                                  </p:stCondLst>
+                                  <p:childTnLst>
+                                    <p:set>
+                                      <p:cBhvr>
+                                        <p:cTn id="19" dur="1" fill="hold">
+                                          <p:stCondLst>
+                                            <p:cond delay="0"/>
+                                          </p:stCondLst>
+                                        </p:cTn>
+                                        <p:tgtEl>
+                                          <p:spTgt spid="3">
+                                            <p:txEl>
+                                              <p:pRg st="5" end="5"/>
+                                            </p:txEl>
+                                          </p:spTgt>
+                                        </p:tgtEl>
+                                        <p:attrNameLst>
+                                          <p:attrName>style.visibility</p:attrName>
+                                        </p:attrNameLst>
+                                      </p:cBhvr>
+                                      <p:to>
+                                        <p:strVal val="visible"/>
+                                      </p:to>
+                                    </p:set>
+                                    <p:animEffect transition="in" filter="fade">
+                                      <p:cBhvr>
+                                        <p:cTn id="20" dur="500"/>
+                                        <p:tgtEl>
+                                          <p:spTgt spid="3">
+                                            <p:txEl>
+                                              <p:pRg st="5" end="5"/>
+                                            </p:txEl>
+                                          </p:spTgt>
+                                        </p:tgtEl>
+                                      </p:cBhvr>
+                                    </p:animEffect>
+                                  </p:childTnLst>
+                                </p:cTn>
+                              </p:par>
+                            </p:childTnLst>
+                          </p:cTn>
+                        </p:par>
+                      </p:childTnLst>
+                    </p:cTn>
+                  </p:par>
+                </p:childTnLst>
+              </p:cTn>
+              <p:prevCondLst>
+                <p:cond evt="onPrev" delay="0">
+                  <p:tgtEl>
+                    <p:sldTgt/>
+                  </p:tgtEl>
+                </p:cond>
+              </p:prevCondLst>
+              <p:nextCondLst>
+                <p:cond evt="onNext" delay="0">
+                  <p:tgtEl>
+                    <p:sldTgt/>
+                  </p:tgtEl>
+                </p:cond>
+              </p:nextCondLst>
+            </p:seq>
+          </p:childTnLst>
+        </p:cTn>
+      </p:par>
+    </p:tnLst>
+  </p:timing>
 </p:sld>
 </file>
 
@@ -12189,7 +13658,7 @@
         <p:spPr>
           <a:xfrm>
             <a:off x="568154" y="1012040"/>
-            <a:ext cx="7909557" cy="4504939"/>
+            <a:ext cx="8056336" cy="4504939"/>
           </a:xfrm>
         </p:spPr>
         <p:txBody>
@@ -12199,11 +13668,11 @@
           <a:lstStyle/>
           <a:p>
             <a:r>
-              <a:rPr lang="en-US" sz="2400"/>
+              <a:rPr lang="en-US" sz="2400" cap="none"/>
               <a:t>Defined with the </a:t>
             </a:r>
             <a:r>
-              <a:rPr lang="en-US" sz="2400">
+              <a:rPr lang="en-US" sz="2400" cap="none">
                 <a:solidFill>
                   <a:srgbClr val="FF0000"/>
                 </a:solidFill>
@@ -12211,10 +13680,10 @@
               <a:t>function</a:t>
             </a:r>
             <a:r>
-              <a:rPr lang="en-US" sz="2400"/>
+              <a:rPr lang="en-US" sz="2400" cap="none"/>
               <a:t> keyword, a name, and parenthesis </a:t>
             </a:r>
-            <a:endParaRPr lang="en-US" sz="2400">
+            <a:endParaRPr lang="en-US" sz="2400" cap="none">
               <a:effectLst>
                 <a:glow rad="38100">
                   <a:prstClr val="black">
@@ -12236,7 +13705,7 @@
               <a:buNone/>
             </a:pPr>
             <a:r>
-              <a:rPr lang="en-US" sz="2400">
+              <a:rPr lang="en-US" sz="2400" cap="none">
                 <a:solidFill>
                   <a:srgbClr val="FFC000"/>
                 </a:solidFill>
@@ -12244,7 +13713,7 @@
               </a:rPr>
               <a:t>function name(parameter, parameter, parameter)</a:t>
             </a:r>
-            <a:endParaRPr lang="en-US" sz="2400">
+            <a:endParaRPr lang="en-US" sz="2400" cap="none">
               <a:solidFill>
                 <a:srgbClr val="FFC000"/>
               </a:solidFill>
@@ -12270,7 +13739,7 @@
               <a:buNone/>
             </a:pPr>
             <a:r>
-              <a:rPr lang="en-US" sz="2200">
+              <a:rPr lang="en-US" sz="2200" cap="none">
                 <a:solidFill>
                   <a:srgbClr val="FFC000"/>
                 </a:solidFill>
@@ -12278,7 +13747,7 @@
               </a:rPr>
               <a:t>{</a:t>
             </a:r>
-            <a:endParaRPr lang="en-US" sz="2200">
+            <a:endParaRPr lang="en-US" sz="2200" cap="none">
               <a:solidFill>
                 <a:srgbClr val="FFC000"/>
               </a:solidFill>
@@ -12304,7 +13773,7 @@
               <a:buNone/>
             </a:pPr>
             <a:r>
-              <a:rPr lang="en-US" sz="2200">
+              <a:rPr lang="en-US" sz="2200" cap="none">
                 <a:solidFill>
                   <a:srgbClr val="FFC000"/>
                 </a:solidFill>
@@ -12312,7 +13781,7 @@
               </a:rPr>
               <a:t>    Code;</a:t>
             </a:r>
-            <a:endParaRPr lang="en-US" sz="2200">
+            <a:endParaRPr lang="en-US" sz="2200" cap="none">
               <a:solidFill>
                 <a:srgbClr val="FFC000"/>
               </a:solidFill>
@@ -12338,7 +13807,7 @@
               <a:buNone/>
             </a:pPr>
             <a:r>
-              <a:rPr lang="en-US" sz="2200">
+              <a:rPr lang="en-US" sz="2200" cap="none">
                 <a:solidFill>
                   <a:srgbClr val="FFC000"/>
                 </a:solidFill>
@@ -12346,7 +13815,7 @@
               </a:rPr>
               <a:t>}</a:t>
             </a:r>
-            <a:endParaRPr lang="en-US" sz="2200">
+            <a:endParaRPr lang="en-US" sz="2200" cap="none">
               <a:solidFill>
                 <a:srgbClr val="FFC000"/>
               </a:solidFill>
@@ -12369,10 +13838,10 @@
           </a:p>
           <a:p>
             <a:r>
-              <a:rPr lang="en-US" sz="2400"/>
+              <a:rPr lang="en-US" sz="2400" cap="none"/>
               <a:t>Can return values</a:t>
             </a:r>
-            <a:endParaRPr lang="en-US" sz="2400">
+            <a:endParaRPr lang="en-US" sz="2400" cap="none">
               <a:effectLst>
                 <a:glow rad="38100">
                   <a:prstClr val="black">
@@ -12391,10 +13860,10 @@
           </a:p>
           <a:p>
             <a:r>
-              <a:rPr lang="en-US" sz="2400"/>
+              <a:rPr lang="en-US" sz="2400" cap="none"/>
               <a:t>Functions can be used as variables</a:t>
             </a:r>
-            <a:endParaRPr lang="en-US" sz="2400">
+            <a:endParaRPr lang="en-US" sz="2400" cap="none">
               <a:effectLst>
                 <a:glow rad="38100">
                   <a:prstClr val="black">
@@ -12414,10 +13883,10 @@
           <a:p>
             <a:pPr lvl="1" indent="0"/>
             <a:r>
-              <a:rPr lang="en-US" sz="2000"/>
+              <a:rPr lang="en-US" sz="2000" cap="none"/>
               <a:t>Var x = name();</a:t>
             </a:r>
-            <a:endParaRPr lang="en-US" sz="1800">
+            <a:endParaRPr lang="en-US" sz="1800" cap="none">
               <a:effectLst>
                 <a:glow rad="38100">
                   <a:prstClr val="black">
@@ -12579,7 +14048,7 @@
         </p:nvSpPr>
         <p:spPr>
           <a:xfrm>
-            <a:off x="590145" y="5717379"/>
+            <a:off x="519510" y="5516979"/>
             <a:ext cx="7864239" cy="738664"/>
           </a:xfrm>
           <a:prstGeom prst="rect">
@@ -12625,6 +14094,508 @@
   <p:clrMapOvr>
     <a:masterClrMapping/>
   </p:clrMapOvr>
+  <p:timing>
+    <p:tnLst>
+      <p:par>
+        <p:cTn id="1" dur="indefinite" restart="never" nodeType="tmRoot">
+          <p:childTnLst>
+            <p:seq concurrent="1" nextAc="seek">
+              <p:cTn id="2" dur="indefinite" nodeType="mainSeq">
+                <p:childTnLst>
+                  <p:par>
+                    <p:cTn id="3" fill="hold">
+                      <p:stCondLst>
+                        <p:cond delay="indefinite"/>
+                      </p:stCondLst>
+                      <p:childTnLst>
+                        <p:par>
+                          <p:cTn id="4" fill="hold">
+                            <p:stCondLst>
+                              <p:cond delay="0"/>
+                            </p:stCondLst>
+                            <p:childTnLst>
+                              <p:par>
+                                <p:cTn id="5" presetID="10" presetClass="entr" presetSubtype="0" fill="hold" nodeType="clickEffect">
+                                  <p:stCondLst>
+                                    <p:cond delay="0"/>
+                                  </p:stCondLst>
+                                  <p:childTnLst>
+                                    <p:set>
+                                      <p:cBhvr>
+                                        <p:cTn id="6" dur="1" fill="hold">
+                                          <p:stCondLst>
+                                            <p:cond delay="0"/>
+                                          </p:stCondLst>
+                                        </p:cTn>
+                                        <p:tgtEl>
+                                          <p:spTgt spid="3">
+                                            <p:txEl>
+                                              <p:pRg st="0" end="0"/>
+                                            </p:txEl>
+                                          </p:spTgt>
+                                        </p:tgtEl>
+                                        <p:attrNameLst>
+                                          <p:attrName>style.visibility</p:attrName>
+                                        </p:attrNameLst>
+                                      </p:cBhvr>
+                                      <p:to>
+                                        <p:strVal val="visible"/>
+                                      </p:to>
+                                    </p:set>
+                                    <p:animEffect transition="in" filter="fade">
+                                      <p:cBhvr>
+                                        <p:cTn id="7" dur="500"/>
+                                        <p:tgtEl>
+                                          <p:spTgt spid="3">
+                                            <p:txEl>
+                                              <p:pRg st="0" end="0"/>
+                                            </p:txEl>
+                                          </p:spTgt>
+                                        </p:tgtEl>
+                                      </p:cBhvr>
+                                    </p:animEffect>
+                                  </p:childTnLst>
+                                </p:cTn>
+                              </p:par>
+                            </p:childTnLst>
+                          </p:cTn>
+                        </p:par>
+                      </p:childTnLst>
+                    </p:cTn>
+                  </p:par>
+                  <p:par>
+                    <p:cTn id="8" fill="hold">
+                      <p:stCondLst>
+                        <p:cond delay="indefinite"/>
+                      </p:stCondLst>
+                      <p:childTnLst>
+                        <p:par>
+                          <p:cTn id="9" fill="hold">
+                            <p:stCondLst>
+                              <p:cond delay="0"/>
+                            </p:stCondLst>
+                            <p:childTnLst>
+                              <p:par>
+                                <p:cTn id="10" presetID="10" presetClass="entr" presetSubtype="0" fill="hold" nodeType="clickEffect">
+                                  <p:stCondLst>
+                                    <p:cond delay="0"/>
+                                  </p:stCondLst>
+                                  <p:childTnLst>
+                                    <p:set>
+                                      <p:cBhvr>
+                                        <p:cTn id="11" dur="1" fill="hold">
+                                          <p:stCondLst>
+                                            <p:cond delay="0"/>
+                                          </p:stCondLst>
+                                        </p:cTn>
+                                        <p:tgtEl>
+                                          <p:spTgt spid="3">
+                                            <p:txEl>
+                                              <p:pRg st="1" end="1"/>
+                                            </p:txEl>
+                                          </p:spTgt>
+                                        </p:tgtEl>
+                                        <p:attrNameLst>
+                                          <p:attrName>style.visibility</p:attrName>
+                                        </p:attrNameLst>
+                                      </p:cBhvr>
+                                      <p:to>
+                                        <p:strVal val="visible"/>
+                                      </p:to>
+                                    </p:set>
+                                    <p:animEffect transition="in" filter="fade">
+                                      <p:cBhvr>
+                                        <p:cTn id="12" dur="500"/>
+                                        <p:tgtEl>
+                                          <p:spTgt spid="3">
+                                            <p:txEl>
+                                              <p:pRg st="1" end="1"/>
+                                            </p:txEl>
+                                          </p:spTgt>
+                                        </p:tgtEl>
+                                      </p:cBhvr>
+                                    </p:animEffect>
+                                  </p:childTnLst>
+                                </p:cTn>
+                              </p:par>
+                              <p:par>
+                                <p:cTn id="13" presetID="10" presetClass="entr" presetSubtype="0" fill="hold" nodeType="withEffect">
+                                  <p:stCondLst>
+                                    <p:cond delay="0"/>
+                                  </p:stCondLst>
+                                  <p:childTnLst>
+                                    <p:set>
+                                      <p:cBhvr>
+                                        <p:cTn id="14" dur="1" fill="hold">
+                                          <p:stCondLst>
+                                            <p:cond delay="0"/>
+                                          </p:stCondLst>
+                                        </p:cTn>
+                                        <p:tgtEl>
+                                          <p:spTgt spid="3">
+                                            <p:txEl>
+                                              <p:pRg st="2" end="2"/>
+                                            </p:txEl>
+                                          </p:spTgt>
+                                        </p:tgtEl>
+                                        <p:attrNameLst>
+                                          <p:attrName>style.visibility</p:attrName>
+                                        </p:attrNameLst>
+                                      </p:cBhvr>
+                                      <p:to>
+                                        <p:strVal val="visible"/>
+                                      </p:to>
+                                    </p:set>
+                                    <p:animEffect transition="in" filter="fade">
+                                      <p:cBhvr>
+                                        <p:cTn id="15" dur="500"/>
+                                        <p:tgtEl>
+                                          <p:spTgt spid="3">
+                                            <p:txEl>
+                                              <p:pRg st="2" end="2"/>
+                                            </p:txEl>
+                                          </p:spTgt>
+                                        </p:tgtEl>
+                                      </p:cBhvr>
+                                    </p:animEffect>
+                                  </p:childTnLst>
+                                </p:cTn>
+                              </p:par>
+                              <p:par>
+                                <p:cTn id="16" presetID="10" presetClass="entr" presetSubtype="0" fill="hold" nodeType="withEffect">
+                                  <p:stCondLst>
+                                    <p:cond delay="0"/>
+                                  </p:stCondLst>
+                                  <p:childTnLst>
+                                    <p:set>
+                                      <p:cBhvr>
+                                        <p:cTn id="17" dur="1" fill="hold">
+                                          <p:stCondLst>
+                                            <p:cond delay="0"/>
+                                          </p:stCondLst>
+                                        </p:cTn>
+                                        <p:tgtEl>
+                                          <p:spTgt spid="3">
+                                            <p:txEl>
+                                              <p:pRg st="3" end="3"/>
+                                            </p:txEl>
+                                          </p:spTgt>
+                                        </p:tgtEl>
+                                        <p:attrNameLst>
+                                          <p:attrName>style.visibility</p:attrName>
+                                        </p:attrNameLst>
+                                      </p:cBhvr>
+                                      <p:to>
+                                        <p:strVal val="visible"/>
+                                      </p:to>
+                                    </p:set>
+                                    <p:animEffect transition="in" filter="fade">
+                                      <p:cBhvr>
+                                        <p:cTn id="18" dur="500"/>
+                                        <p:tgtEl>
+                                          <p:spTgt spid="3">
+                                            <p:txEl>
+                                              <p:pRg st="3" end="3"/>
+                                            </p:txEl>
+                                          </p:spTgt>
+                                        </p:tgtEl>
+                                      </p:cBhvr>
+                                    </p:animEffect>
+                                  </p:childTnLst>
+                                </p:cTn>
+                              </p:par>
+                              <p:par>
+                                <p:cTn id="19" presetID="10" presetClass="entr" presetSubtype="0" fill="hold" nodeType="withEffect">
+                                  <p:stCondLst>
+                                    <p:cond delay="0"/>
+                                  </p:stCondLst>
+                                  <p:childTnLst>
+                                    <p:set>
+                                      <p:cBhvr>
+                                        <p:cTn id="20" dur="1" fill="hold">
+                                          <p:stCondLst>
+                                            <p:cond delay="0"/>
+                                          </p:stCondLst>
+                                        </p:cTn>
+                                        <p:tgtEl>
+                                          <p:spTgt spid="3">
+                                            <p:txEl>
+                                              <p:pRg st="4" end="4"/>
+                                            </p:txEl>
+                                          </p:spTgt>
+                                        </p:tgtEl>
+                                        <p:attrNameLst>
+                                          <p:attrName>style.visibility</p:attrName>
+                                        </p:attrNameLst>
+                                      </p:cBhvr>
+                                      <p:to>
+                                        <p:strVal val="visible"/>
+                                      </p:to>
+                                    </p:set>
+                                    <p:animEffect transition="in" filter="fade">
+                                      <p:cBhvr>
+                                        <p:cTn id="21" dur="500"/>
+                                        <p:tgtEl>
+                                          <p:spTgt spid="3">
+                                            <p:txEl>
+                                              <p:pRg st="4" end="4"/>
+                                            </p:txEl>
+                                          </p:spTgt>
+                                        </p:tgtEl>
+                                      </p:cBhvr>
+                                    </p:animEffect>
+                                  </p:childTnLst>
+                                </p:cTn>
+                              </p:par>
+                            </p:childTnLst>
+                          </p:cTn>
+                        </p:par>
+                      </p:childTnLst>
+                    </p:cTn>
+                  </p:par>
+                  <p:par>
+                    <p:cTn id="22" fill="hold">
+                      <p:stCondLst>
+                        <p:cond delay="indefinite"/>
+                      </p:stCondLst>
+                      <p:childTnLst>
+                        <p:par>
+                          <p:cTn id="23" fill="hold">
+                            <p:stCondLst>
+                              <p:cond delay="0"/>
+                            </p:stCondLst>
+                            <p:childTnLst>
+                              <p:par>
+                                <p:cTn id="24" presetID="10" presetClass="entr" presetSubtype="0" fill="hold" nodeType="clickEffect">
+                                  <p:stCondLst>
+                                    <p:cond delay="0"/>
+                                  </p:stCondLst>
+                                  <p:childTnLst>
+                                    <p:set>
+                                      <p:cBhvr>
+                                        <p:cTn id="25" dur="1" fill="hold">
+                                          <p:stCondLst>
+                                            <p:cond delay="0"/>
+                                          </p:stCondLst>
+                                        </p:cTn>
+                                        <p:tgtEl>
+                                          <p:spTgt spid="3">
+                                            <p:txEl>
+                                              <p:pRg st="5" end="5"/>
+                                            </p:txEl>
+                                          </p:spTgt>
+                                        </p:tgtEl>
+                                        <p:attrNameLst>
+                                          <p:attrName>style.visibility</p:attrName>
+                                        </p:attrNameLst>
+                                      </p:cBhvr>
+                                      <p:to>
+                                        <p:strVal val="visible"/>
+                                      </p:to>
+                                    </p:set>
+                                    <p:animEffect transition="in" filter="fade">
+                                      <p:cBhvr>
+                                        <p:cTn id="26" dur="500"/>
+                                        <p:tgtEl>
+                                          <p:spTgt spid="3">
+                                            <p:txEl>
+                                              <p:pRg st="5" end="5"/>
+                                            </p:txEl>
+                                          </p:spTgt>
+                                        </p:tgtEl>
+                                      </p:cBhvr>
+                                    </p:animEffect>
+                                  </p:childTnLst>
+                                </p:cTn>
+                              </p:par>
+                            </p:childTnLst>
+                          </p:cTn>
+                        </p:par>
+                      </p:childTnLst>
+                    </p:cTn>
+                  </p:par>
+                  <p:par>
+                    <p:cTn id="27" fill="hold">
+                      <p:stCondLst>
+                        <p:cond delay="indefinite"/>
+                      </p:stCondLst>
+                      <p:childTnLst>
+                        <p:par>
+                          <p:cTn id="28" fill="hold">
+                            <p:stCondLst>
+                              <p:cond delay="0"/>
+                            </p:stCondLst>
+                            <p:childTnLst>
+                              <p:par>
+                                <p:cTn id="29" presetID="10" presetClass="entr" presetSubtype="0" fill="hold" nodeType="clickEffect">
+                                  <p:stCondLst>
+                                    <p:cond delay="0"/>
+                                  </p:stCondLst>
+                                  <p:childTnLst>
+                                    <p:set>
+                                      <p:cBhvr>
+                                        <p:cTn id="30" dur="1" fill="hold">
+                                          <p:stCondLst>
+                                            <p:cond delay="0"/>
+                                          </p:stCondLst>
+                                        </p:cTn>
+                                        <p:tgtEl>
+                                          <p:spTgt spid="3">
+                                            <p:txEl>
+                                              <p:pRg st="6" end="6"/>
+                                            </p:txEl>
+                                          </p:spTgt>
+                                        </p:tgtEl>
+                                        <p:attrNameLst>
+                                          <p:attrName>style.visibility</p:attrName>
+                                        </p:attrNameLst>
+                                      </p:cBhvr>
+                                      <p:to>
+                                        <p:strVal val="visible"/>
+                                      </p:to>
+                                    </p:set>
+                                    <p:animEffect transition="in" filter="fade">
+                                      <p:cBhvr>
+                                        <p:cTn id="31" dur="500"/>
+                                        <p:tgtEl>
+                                          <p:spTgt spid="3">
+                                            <p:txEl>
+                                              <p:pRg st="6" end="6"/>
+                                            </p:txEl>
+                                          </p:spTgt>
+                                        </p:tgtEl>
+                                      </p:cBhvr>
+                                    </p:animEffect>
+                                  </p:childTnLst>
+                                </p:cTn>
+                              </p:par>
+                              <p:par>
+                                <p:cTn id="32" presetID="10" presetClass="entr" presetSubtype="0" fill="hold" nodeType="withEffect">
+                                  <p:stCondLst>
+                                    <p:cond delay="0"/>
+                                  </p:stCondLst>
+                                  <p:childTnLst>
+                                    <p:set>
+                                      <p:cBhvr>
+                                        <p:cTn id="33" dur="1" fill="hold">
+                                          <p:stCondLst>
+                                            <p:cond delay="0"/>
+                                          </p:stCondLst>
+                                        </p:cTn>
+                                        <p:tgtEl>
+                                          <p:spTgt spid="3">
+                                            <p:txEl>
+                                              <p:pRg st="7" end="7"/>
+                                            </p:txEl>
+                                          </p:spTgt>
+                                        </p:tgtEl>
+                                        <p:attrNameLst>
+                                          <p:attrName>style.visibility</p:attrName>
+                                        </p:attrNameLst>
+                                      </p:cBhvr>
+                                      <p:to>
+                                        <p:strVal val="visible"/>
+                                      </p:to>
+                                    </p:set>
+                                    <p:animEffect transition="in" filter="fade">
+                                      <p:cBhvr>
+                                        <p:cTn id="34" dur="500"/>
+                                        <p:tgtEl>
+                                          <p:spTgt spid="3">
+                                            <p:txEl>
+                                              <p:pRg st="7" end="7"/>
+                                            </p:txEl>
+                                          </p:spTgt>
+                                        </p:tgtEl>
+                                      </p:cBhvr>
+                                    </p:animEffect>
+                                  </p:childTnLst>
+                                </p:cTn>
+                              </p:par>
+                            </p:childTnLst>
+                          </p:cTn>
+                        </p:par>
+                      </p:childTnLst>
+                    </p:cTn>
+                  </p:par>
+                  <p:par>
+                    <p:cTn id="35" fill="hold">
+                      <p:stCondLst>
+                        <p:cond delay="indefinite"/>
+                      </p:stCondLst>
+                      <p:childTnLst>
+                        <p:par>
+                          <p:cTn id="36" fill="hold">
+                            <p:stCondLst>
+                              <p:cond delay="0"/>
+                            </p:stCondLst>
+                            <p:childTnLst>
+                              <p:par>
+                                <p:cTn id="37" presetID="10" presetClass="entr" presetSubtype="0" fill="hold" grpId="0" nodeType="clickEffect">
+                                  <p:stCondLst>
+                                    <p:cond delay="0"/>
+                                  </p:stCondLst>
+                                  <p:childTnLst>
+                                    <p:set>
+                                      <p:cBhvr>
+                                        <p:cTn id="38" dur="1" fill="hold">
+                                          <p:stCondLst>
+                                            <p:cond delay="0"/>
+                                          </p:stCondLst>
+                                        </p:cTn>
+                                        <p:tgtEl>
+                                          <p:spTgt spid="8"/>
+                                        </p:tgtEl>
+                                        <p:attrNameLst>
+                                          <p:attrName>style.visibility</p:attrName>
+                                        </p:attrNameLst>
+                                      </p:cBhvr>
+                                      <p:to>
+                                        <p:strVal val="visible"/>
+                                      </p:to>
+                                    </p:set>
+                                    <p:animEffect transition="in" filter="fade">
+                                      <p:cBhvr>
+                                        <p:cTn id="39" dur="500"/>
+                                        <p:tgtEl>
+                                          <p:spTgt spid="8"/>
+                                        </p:tgtEl>
+                                      </p:cBhvr>
+                                    </p:animEffect>
+                                  </p:childTnLst>
+                                </p:cTn>
+                              </p:par>
+                            </p:childTnLst>
+                          </p:cTn>
+                        </p:par>
+                      </p:childTnLst>
+                    </p:cTn>
+                  </p:par>
+                </p:childTnLst>
+              </p:cTn>
+              <p:prevCondLst>
+                <p:cond evt="onPrev" delay="0">
+                  <p:tgtEl>
+                    <p:sldTgt/>
+                  </p:tgtEl>
+                </p:cond>
+              </p:prevCondLst>
+              <p:nextCondLst>
+                <p:cond evt="onNext" delay="0">
+                  <p:tgtEl>
+                    <p:sldTgt/>
+                  </p:tgtEl>
+                </p:cond>
+              </p:nextCondLst>
+            </p:seq>
+          </p:childTnLst>
+        </p:cTn>
+      </p:par>
+    </p:tnLst>
+    <p:bldLst>
+      <p:bldP spid="8" grpId="0"/>
+    </p:bldLst>
+  </p:timing>
 </p:sld>
 </file>
 
@@ -12678,20 +14649,20 @@
               <a:buChar char="•"/>
             </a:pPr>
             <a:r>
-              <a:rPr lang="en-US">
+              <a:rPr lang="en-US" cap="none">
                 <a:ea typeface="+mj-lt"/>
                 <a:cs typeface="+mj-lt"/>
               </a:rPr>
               <a:t>Objects can be declared as such:</a:t>
             </a:r>
-            <a:endParaRPr lang="en-US" sz="1800"/>
+            <a:endParaRPr lang="en-US" sz="1800" cap="none"/>
           </a:p>
           <a:p>
             <a:pPr marL="457200" lvl="1" indent="0">
               <a:buNone/>
             </a:pPr>
             <a:r>
-              <a:rPr lang="en-US" sz="2000">
+              <a:rPr lang="en-US" sz="2000" cap="none">
                 <a:solidFill>
                   <a:srgbClr val="FFC000"/>
                 </a:solidFill>
@@ -12702,7 +14673,7 @@
               <a:t>var car = {</a:t>
             </a:r>
             <a:r>
-              <a:rPr lang="en-US" sz="2000" err="1">
+              <a:rPr lang="en-US" sz="2000" cap="none" err="1">
                 <a:solidFill>
                   <a:srgbClr val="FFC000"/>
                 </a:solidFill>
@@ -12713,7 +14684,7 @@
               <a:t>type:"fiat</a:t>
             </a:r>
             <a:r>
-              <a:rPr lang="en-US" sz="2000">
+              <a:rPr lang="en-US" sz="2000" cap="none">
                 <a:solidFill>
                   <a:srgbClr val="FFC000"/>
                 </a:solidFill>
@@ -12724,7 +14695,7 @@
               <a:t>", model:"500", </a:t>
             </a:r>
             <a:r>
-              <a:rPr lang="en-US" sz="2000" err="1">
+              <a:rPr lang="en-US" sz="2000" cap="none" err="1">
                 <a:solidFill>
                   <a:srgbClr val="FFC000"/>
                 </a:solidFill>
@@ -12735,7 +14706,7 @@
               <a:t>color:"white</a:t>
             </a:r>
             <a:r>
-              <a:rPr lang="en-US" sz="2000">
+              <a:rPr lang="en-US" sz="2000" cap="none">
                 <a:solidFill>
                   <a:srgbClr val="FFC000"/>
                 </a:solidFill>
@@ -12745,7 +14716,7 @@
               </a:rPr>
               <a:t>"};</a:t>
             </a:r>
-            <a:endParaRPr lang="en-US" sz="2000">
+            <a:endParaRPr lang="en-US" sz="2000" cap="none">
               <a:solidFill>
                 <a:srgbClr val="FFC000"/>
               </a:solidFill>
@@ -12774,13 +14745,13 @@
               <a:buChar char="•"/>
             </a:pPr>
             <a:r>
-              <a:rPr lang="en-US">
+              <a:rPr lang="en-US" cap="none">
                 <a:ea typeface="+mj-lt"/>
                 <a:cs typeface="+mj-lt"/>
               </a:rPr>
               <a:t>Object properties can be accessed in two ways:</a:t>
             </a:r>
-            <a:endParaRPr lang="en-US">
+            <a:endParaRPr lang="en-US" cap="none">
               <a:effectLst>
                 <a:glow rad="38100">
                   <a:prstClr val="black">
@@ -12804,7 +14775,7 @@
               <a:buNone/>
             </a:pPr>
             <a:r>
-              <a:rPr lang="en-US" sz="2000" err="1">
+              <a:rPr lang="en-US" sz="2000" cap="none" err="1">
                 <a:solidFill>
                   <a:srgbClr val="FFC000"/>
                 </a:solidFill>
@@ -12814,7 +14785,7 @@
               </a:rPr>
               <a:t>objectName.propertyName</a:t>
             </a:r>
-            <a:endParaRPr lang="en-US" sz="2000" err="1">
+            <a:endParaRPr lang="en-US" sz="2000" cap="none">
               <a:solidFill>
                 <a:srgbClr val="FFC000"/>
               </a:solidFill>
@@ -12842,7 +14813,7 @@
               <a:buNone/>
             </a:pPr>
             <a:r>
-              <a:rPr lang="en-US" sz="2000" err="1">
+              <a:rPr lang="en-US" sz="2000" cap="none" err="1">
                 <a:solidFill>
                   <a:srgbClr val="FFC000"/>
                 </a:solidFill>
@@ -12853,7 +14824,7 @@
               <a:t>objectName</a:t>
             </a:r>
             <a:r>
-              <a:rPr lang="en-US" sz="2000">
+              <a:rPr lang="en-US" sz="2000" cap="none">
                 <a:solidFill>
                   <a:srgbClr val="FFC000"/>
                 </a:solidFill>
@@ -12864,7 +14835,7 @@
               <a:t>["</a:t>
             </a:r>
             <a:r>
-              <a:rPr lang="en-US" sz="2000" err="1">
+              <a:rPr lang="en-US" sz="2000" cap="none" err="1">
                 <a:solidFill>
                   <a:srgbClr val="FFC000"/>
                 </a:solidFill>
@@ -12875,7 +14846,7 @@
               <a:t>propertyName</a:t>
             </a:r>
             <a:r>
-              <a:rPr lang="en-US" sz="2000">
+              <a:rPr lang="en-US" sz="2000" cap="none">
                 <a:solidFill>
                   <a:srgbClr val="FFC000"/>
                 </a:solidFill>
@@ -12885,7 +14856,7 @@
               </a:rPr>
               <a:t>"]</a:t>
             </a:r>
-            <a:endParaRPr lang="en-US" sz="2000" i="1">
+            <a:endParaRPr lang="en-US" sz="2000" i="1" cap="none">
               <a:solidFill>
                 <a:srgbClr val="FFC000"/>
               </a:solidFill>
@@ -12914,13 +14885,13 @@
               <a:buChar char="•"/>
             </a:pPr>
             <a:r>
-              <a:rPr lang="en-US">
+              <a:rPr lang="en-US" cap="none">
                 <a:ea typeface="+mj-lt"/>
                 <a:cs typeface="+mj-lt"/>
               </a:rPr>
               <a:t>Object methods (functions) can be implemented like this:</a:t>
             </a:r>
-            <a:endParaRPr lang="en-US">
+            <a:endParaRPr lang="en-US" cap="none">
               <a:effectLst>
                 <a:glow rad="38100">
                   <a:prstClr val="black">
@@ -12944,7 +14915,7 @@
               <a:buNone/>
             </a:pPr>
             <a:r>
-              <a:rPr lang="en-US" sz="2000">
+              <a:rPr lang="en-US" sz="2000" cap="none">
                 <a:solidFill>
                   <a:srgbClr val="FFC000"/>
                 </a:solidFill>
@@ -12969,14 +14940,14 @@
               <a:t>var person = {</a:t>
             </a:r>
             <a:br>
-              <a:rPr lang="en-US" sz="2000">
+              <a:rPr lang="en-US" sz="2000" cap="none">
                 <a:latin typeface="Consolas"/>
                 <a:ea typeface="+mj-lt"/>
                 <a:cs typeface="+mj-lt"/>
               </a:rPr>
             </a:br>
             <a:r>
-              <a:rPr lang="en-US" sz="2000">
+              <a:rPr lang="en-US" sz="2000" cap="none">
                 <a:solidFill>
                   <a:srgbClr val="FFC000"/>
                 </a:solidFill>
@@ -13001,7 +14972,7 @@
               <a:t>   </a:t>
             </a:r>
             <a:r>
-              <a:rPr lang="en-US" sz="2000" err="1">
+              <a:rPr lang="en-US" sz="2000" cap="none" err="1">
                 <a:solidFill>
                   <a:srgbClr val="FFC000"/>
                 </a:solidFill>
@@ -13026,7 +14997,7 @@
               <a:t>firstName</a:t>
             </a:r>
             <a:r>
-              <a:rPr lang="en-US" sz="2000">
+              <a:rPr lang="en-US" sz="2000" cap="none">
                 <a:solidFill>
                   <a:srgbClr val="FFC000"/>
                 </a:solidFill>
@@ -13051,14 +15022,14 @@
               <a:t>: "John",</a:t>
             </a:r>
             <a:br>
-              <a:rPr lang="en-US" sz="2000">
+              <a:rPr lang="en-US" sz="2000" cap="none">
                 <a:latin typeface="Consolas"/>
                 <a:ea typeface="+mj-lt"/>
                 <a:cs typeface="+mj-lt"/>
               </a:rPr>
             </a:br>
             <a:r>
-              <a:rPr lang="en-US" sz="2000">
+              <a:rPr lang="en-US" sz="2000" cap="none">
                 <a:solidFill>
                   <a:srgbClr val="FFC000"/>
                 </a:solidFill>
@@ -13083,7 +15054,7 @@
               <a:t>   </a:t>
             </a:r>
             <a:r>
-              <a:rPr lang="en-US" sz="2000" err="1">
+              <a:rPr lang="en-US" sz="2000" cap="none" err="1">
                 <a:solidFill>
                   <a:srgbClr val="FFC000"/>
                 </a:solidFill>
@@ -13108,7 +15079,7 @@
               <a:t>lastName</a:t>
             </a:r>
             <a:r>
-              <a:rPr lang="en-US" sz="2000">
+              <a:rPr lang="en-US" sz="2000" cap="none">
                 <a:solidFill>
                   <a:srgbClr val="FFC000"/>
                 </a:solidFill>
@@ -13133,14 +15104,14 @@
               <a:t> : "Doe",</a:t>
             </a:r>
             <a:br>
-              <a:rPr lang="en-US" sz="2000">
+              <a:rPr lang="en-US" sz="2000" cap="none">
                 <a:latin typeface="Consolas"/>
                 <a:ea typeface="+mj-lt"/>
                 <a:cs typeface="+mj-lt"/>
               </a:rPr>
             </a:br>
             <a:r>
-              <a:rPr lang="en-US" sz="2000">
+              <a:rPr lang="en-US" sz="2000" cap="none">
                 <a:solidFill>
                   <a:srgbClr val="FFC000"/>
                 </a:solidFill>
@@ -13165,14 +15136,14 @@
               <a:t>   id       : 5566,</a:t>
             </a:r>
             <a:br>
-              <a:rPr lang="en-US" sz="2000">
+              <a:rPr lang="en-US" sz="2000" cap="none">
                 <a:latin typeface="Consolas"/>
                 <a:ea typeface="+mj-lt"/>
                 <a:cs typeface="+mj-lt"/>
               </a:rPr>
             </a:br>
             <a:r>
-              <a:rPr lang="en-US" sz="2000">
+              <a:rPr lang="en-US" sz="2000" cap="none">
                 <a:solidFill>
                   <a:srgbClr val="FFC000"/>
                 </a:solidFill>
@@ -13197,7 +15168,7 @@
               <a:t>   </a:t>
             </a:r>
             <a:r>
-              <a:rPr lang="en-US" sz="2000" err="1">
+              <a:rPr lang="en-US" sz="2000" cap="none" err="1">
                 <a:solidFill>
                   <a:srgbClr val="FFC000"/>
                 </a:solidFill>
@@ -13222,7 +15193,7 @@
               <a:t>fullName</a:t>
             </a:r>
             <a:r>
-              <a:rPr lang="en-US" sz="2000">
+              <a:rPr lang="en-US" sz="2000" cap="none">
                 <a:solidFill>
                   <a:srgbClr val="FFC000"/>
                 </a:solidFill>
@@ -13247,14 +15218,14 @@
               <a:t> : function() {</a:t>
             </a:r>
             <a:br>
-              <a:rPr lang="en-US" sz="2000">
+              <a:rPr lang="en-US" sz="2000" cap="none">
                 <a:latin typeface="Consolas"/>
                 <a:ea typeface="+mj-lt"/>
                 <a:cs typeface="+mj-lt"/>
               </a:rPr>
             </a:br>
             <a:r>
-              <a:rPr lang="en-US" sz="2000">
+              <a:rPr lang="en-US" sz="2000" cap="none">
                 <a:solidFill>
                   <a:srgbClr val="FFC000"/>
                 </a:solidFill>
@@ -13279,7 +15250,7 @@
               <a:t>     return </a:t>
             </a:r>
             <a:r>
-              <a:rPr lang="en-US" sz="2000" err="1">
+              <a:rPr lang="en-US" sz="2000" cap="none" err="1">
                 <a:solidFill>
                   <a:srgbClr val="FFC000"/>
                 </a:solidFill>
@@ -13304,7 +15275,7 @@
               <a:t>this.firstName</a:t>
             </a:r>
             <a:r>
-              <a:rPr lang="en-US" sz="2000">
+              <a:rPr lang="en-US" sz="2000" cap="none">
                 <a:solidFill>
                   <a:srgbClr val="FFC000"/>
                 </a:solidFill>
@@ -13329,7 +15300,7 @@
               <a:t> + " " + </a:t>
             </a:r>
             <a:r>
-              <a:rPr lang="en-US" sz="2000" err="1">
+              <a:rPr lang="en-US" sz="2000" cap="none" err="1">
                 <a:solidFill>
                   <a:srgbClr val="FFC000"/>
                 </a:solidFill>
@@ -13354,7 +15325,7 @@
               <a:t>this.lastName</a:t>
             </a:r>
             <a:r>
-              <a:rPr lang="en-US" sz="2000">
+              <a:rPr lang="en-US" sz="2000" cap="none">
                 <a:solidFill>
                   <a:srgbClr val="FFC000"/>
                 </a:solidFill>
@@ -13379,14 +15350,14 @@
               <a:t>;</a:t>
             </a:r>
             <a:br>
-              <a:rPr lang="en-US" sz="2000">
+              <a:rPr lang="en-US" sz="2000" cap="none">
                 <a:latin typeface="Consolas"/>
                 <a:ea typeface="+mj-lt"/>
                 <a:cs typeface="+mj-lt"/>
               </a:rPr>
             </a:br>
             <a:r>
-              <a:rPr lang="en-US" sz="2000">
+              <a:rPr lang="en-US" sz="2000" cap="none">
                 <a:solidFill>
                   <a:srgbClr val="FFC000"/>
                 </a:solidFill>
@@ -13636,6 +15607,397 @@
   <p:clrMapOvr>
     <a:masterClrMapping/>
   </p:clrMapOvr>
+  <p:timing>
+    <p:tnLst>
+      <p:par>
+        <p:cTn id="1" dur="indefinite" restart="never" nodeType="tmRoot">
+          <p:childTnLst>
+            <p:seq concurrent="1" nextAc="seek">
+              <p:cTn id="2" dur="indefinite" nodeType="mainSeq">
+                <p:childTnLst>
+                  <p:par>
+                    <p:cTn id="3" fill="hold">
+                      <p:stCondLst>
+                        <p:cond delay="indefinite"/>
+                      </p:stCondLst>
+                      <p:childTnLst>
+                        <p:par>
+                          <p:cTn id="4" fill="hold">
+                            <p:stCondLst>
+                              <p:cond delay="0"/>
+                            </p:stCondLst>
+                            <p:childTnLst>
+                              <p:par>
+                                <p:cTn id="5" presetID="10" presetClass="entr" presetSubtype="0" fill="hold" nodeType="clickEffect">
+                                  <p:stCondLst>
+                                    <p:cond delay="0"/>
+                                  </p:stCondLst>
+                                  <p:childTnLst>
+                                    <p:set>
+                                      <p:cBhvr>
+                                        <p:cTn id="6" dur="1" fill="hold">
+                                          <p:stCondLst>
+                                            <p:cond delay="0"/>
+                                          </p:stCondLst>
+                                        </p:cTn>
+                                        <p:tgtEl>
+                                          <p:spTgt spid="3">
+                                            <p:txEl>
+                                              <p:pRg st="2" end="2"/>
+                                            </p:txEl>
+                                          </p:spTgt>
+                                        </p:tgtEl>
+                                        <p:attrNameLst>
+                                          <p:attrName>style.visibility</p:attrName>
+                                        </p:attrNameLst>
+                                      </p:cBhvr>
+                                      <p:to>
+                                        <p:strVal val="visible"/>
+                                      </p:to>
+                                    </p:set>
+                                    <p:animEffect transition="in" filter="fade">
+                                      <p:cBhvr>
+                                        <p:cTn id="7" dur="500"/>
+                                        <p:tgtEl>
+                                          <p:spTgt spid="3">
+                                            <p:txEl>
+                                              <p:pRg st="2" end="2"/>
+                                            </p:txEl>
+                                          </p:spTgt>
+                                        </p:tgtEl>
+                                      </p:cBhvr>
+                                    </p:animEffect>
+                                  </p:childTnLst>
+                                </p:cTn>
+                              </p:par>
+                            </p:childTnLst>
+                          </p:cTn>
+                        </p:par>
+                      </p:childTnLst>
+                    </p:cTn>
+                  </p:par>
+                  <p:par>
+                    <p:cTn id="8" fill="hold">
+                      <p:stCondLst>
+                        <p:cond delay="indefinite"/>
+                      </p:stCondLst>
+                      <p:childTnLst>
+                        <p:par>
+                          <p:cTn id="9" fill="hold">
+                            <p:stCondLst>
+                              <p:cond delay="0"/>
+                            </p:stCondLst>
+                            <p:childTnLst>
+                              <p:par>
+                                <p:cTn id="10" presetID="10" presetClass="entr" presetSubtype="0" fill="hold" nodeType="clickEffect">
+                                  <p:stCondLst>
+                                    <p:cond delay="0"/>
+                                  </p:stCondLst>
+                                  <p:childTnLst>
+                                    <p:set>
+                                      <p:cBhvr>
+                                        <p:cTn id="11" dur="1" fill="hold">
+                                          <p:stCondLst>
+                                            <p:cond delay="0"/>
+                                          </p:stCondLst>
+                                        </p:cTn>
+                                        <p:tgtEl>
+                                          <p:spTgt spid="3">
+                                            <p:txEl>
+                                              <p:pRg st="3" end="3"/>
+                                            </p:txEl>
+                                          </p:spTgt>
+                                        </p:tgtEl>
+                                        <p:attrNameLst>
+                                          <p:attrName>style.visibility</p:attrName>
+                                        </p:attrNameLst>
+                                      </p:cBhvr>
+                                      <p:to>
+                                        <p:strVal val="visible"/>
+                                      </p:to>
+                                    </p:set>
+                                    <p:animEffect transition="in" filter="fade">
+                                      <p:cBhvr>
+                                        <p:cTn id="12" dur="500"/>
+                                        <p:tgtEl>
+                                          <p:spTgt spid="3">
+                                            <p:txEl>
+                                              <p:pRg st="3" end="3"/>
+                                            </p:txEl>
+                                          </p:spTgt>
+                                        </p:tgtEl>
+                                      </p:cBhvr>
+                                    </p:animEffect>
+                                  </p:childTnLst>
+                                </p:cTn>
+                              </p:par>
+                            </p:childTnLst>
+                          </p:cTn>
+                        </p:par>
+                      </p:childTnLst>
+                    </p:cTn>
+                  </p:par>
+                  <p:par>
+                    <p:cTn id="13" fill="hold">
+                      <p:stCondLst>
+                        <p:cond delay="indefinite"/>
+                      </p:stCondLst>
+                      <p:childTnLst>
+                        <p:par>
+                          <p:cTn id="14" fill="hold">
+                            <p:stCondLst>
+                              <p:cond delay="0"/>
+                            </p:stCondLst>
+                            <p:childTnLst>
+                              <p:par>
+                                <p:cTn id="15" presetID="10" presetClass="entr" presetSubtype="0" fill="hold" nodeType="clickEffect">
+                                  <p:stCondLst>
+                                    <p:cond delay="0"/>
+                                  </p:stCondLst>
+                                  <p:childTnLst>
+                                    <p:set>
+                                      <p:cBhvr>
+                                        <p:cTn id="16" dur="1" fill="hold">
+                                          <p:stCondLst>
+                                            <p:cond delay="0"/>
+                                          </p:stCondLst>
+                                        </p:cTn>
+                                        <p:tgtEl>
+                                          <p:spTgt spid="3">
+                                            <p:txEl>
+                                              <p:pRg st="4" end="4"/>
+                                            </p:txEl>
+                                          </p:spTgt>
+                                        </p:tgtEl>
+                                        <p:attrNameLst>
+                                          <p:attrName>style.visibility</p:attrName>
+                                        </p:attrNameLst>
+                                      </p:cBhvr>
+                                      <p:to>
+                                        <p:strVal val="visible"/>
+                                      </p:to>
+                                    </p:set>
+                                    <p:animEffect transition="in" filter="fade">
+                                      <p:cBhvr>
+                                        <p:cTn id="17" dur="500"/>
+                                        <p:tgtEl>
+                                          <p:spTgt spid="3">
+                                            <p:txEl>
+                                              <p:pRg st="4" end="4"/>
+                                            </p:txEl>
+                                          </p:spTgt>
+                                        </p:tgtEl>
+                                      </p:cBhvr>
+                                    </p:animEffect>
+                                  </p:childTnLst>
+                                </p:cTn>
+                              </p:par>
+                            </p:childTnLst>
+                          </p:cTn>
+                        </p:par>
+                      </p:childTnLst>
+                    </p:cTn>
+                  </p:par>
+                  <p:par>
+                    <p:cTn id="18" fill="hold">
+                      <p:stCondLst>
+                        <p:cond delay="indefinite"/>
+                      </p:stCondLst>
+                      <p:childTnLst>
+                        <p:par>
+                          <p:cTn id="19" fill="hold">
+                            <p:stCondLst>
+                              <p:cond delay="0"/>
+                            </p:stCondLst>
+                            <p:childTnLst>
+                              <p:par>
+                                <p:cTn id="20" presetID="10" presetClass="entr" presetSubtype="0" fill="hold" nodeType="clickEffect">
+                                  <p:stCondLst>
+                                    <p:cond delay="0"/>
+                                  </p:stCondLst>
+                                  <p:childTnLst>
+                                    <p:set>
+                                      <p:cBhvr>
+                                        <p:cTn id="21" dur="1" fill="hold">
+                                          <p:stCondLst>
+                                            <p:cond delay="0"/>
+                                          </p:stCondLst>
+                                        </p:cTn>
+                                        <p:tgtEl>
+                                          <p:spTgt spid="3">
+                                            <p:txEl>
+                                              <p:pRg st="5" end="5"/>
+                                            </p:txEl>
+                                          </p:spTgt>
+                                        </p:tgtEl>
+                                        <p:attrNameLst>
+                                          <p:attrName>style.visibility</p:attrName>
+                                        </p:attrNameLst>
+                                      </p:cBhvr>
+                                      <p:to>
+                                        <p:strVal val="visible"/>
+                                      </p:to>
+                                    </p:set>
+                                    <p:animEffect transition="in" filter="fade">
+                                      <p:cBhvr>
+                                        <p:cTn id="22" dur="500"/>
+                                        <p:tgtEl>
+                                          <p:spTgt spid="3">
+                                            <p:txEl>
+                                              <p:pRg st="5" end="5"/>
+                                            </p:txEl>
+                                          </p:spTgt>
+                                        </p:tgtEl>
+                                      </p:cBhvr>
+                                    </p:animEffect>
+                                  </p:childTnLst>
+                                </p:cTn>
+                              </p:par>
+                            </p:childTnLst>
+                          </p:cTn>
+                        </p:par>
+                      </p:childTnLst>
+                    </p:cTn>
+                  </p:par>
+                  <p:par>
+                    <p:cTn id="23" fill="hold">
+                      <p:stCondLst>
+                        <p:cond delay="indefinite"/>
+                      </p:stCondLst>
+                      <p:childTnLst>
+                        <p:par>
+                          <p:cTn id="24" fill="hold">
+                            <p:stCondLst>
+                              <p:cond delay="0"/>
+                            </p:stCondLst>
+                            <p:childTnLst>
+                              <p:par>
+                                <p:cTn id="25" presetID="10" presetClass="entr" presetSubtype="0" fill="hold" nodeType="clickEffect">
+                                  <p:stCondLst>
+                                    <p:cond delay="0"/>
+                                  </p:stCondLst>
+                                  <p:childTnLst>
+                                    <p:set>
+                                      <p:cBhvr>
+                                        <p:cTn id="26" dur="1" fill="hold">
+                                          <p:stCondLst>
+                                            <p:cond delay="0"/>
+                                          </p:stCondLst>
+                                        </p:cTn>
+                                        <p:tgtEl>
+                                          <p:spTgt spid="3">
+                                            <p:txEl>
+                                              <p:pRg st="6" end="6"/>
+                                            </p:txEl>
+                                          </p:spTgt>
+                                        </p:tgtEl>
+                                        <p:attrNameLst>
+                                          <p:attrName>style.visibility</p:attrName>
+                                        </p:attrNameLst>
+                                      </p:cBhvr>
+                                      <p:to>
+                                        <p:strVal val="visible"/>
+                                      </p:to>
+                                    </p:set>
+                                    <p:animEffect transition="in" filter="fade">
+                                      <p:cBhvr>
+                                        <p:cTn id="27" dur="500"/>
+                                        <p:tgtEl>
+                                          <p:spTgt spid="3">
+                                            <p:txEl>
+                                              <p:pRg st="6" end="6"/>
+                                            </p:txEl>
+                                          </p:spTgt>
+                                        </p:tgtEl>
+                                      </p:cBhvr>
+                                    </p:animEffect>
+                                  </p:childTnLst>
+                                </p:cTn>
+                              </p:par>
+                            </p:childTnLst>
+                          </p:cTn>
+                        </p:par>
+                      </p:childTnLst>
+                    </p:cTn>
+                  </p:par>
+                  <p:par>
+                    <p:cTn id="28" fill="hold">
+                      <p:stCondLst>
+                        <p:cond delay="indefinite"/>
+                      </p:stCondLst>
+                      <p:childTnLst>
+                        <p:par>
+                          <p:cTn id="29" fill="hold">
+                            <p:stCondLst>
+                              <p:cond delay="0"/>
+                            </p:stCondLst>
+                            <p:childTnLst>
+                              <p:par>
+                                <p:cTn id="30" presetID="10" presetClass="entr" presetSubtype="0" fill="hold" grpId="0" nodeType="clickEffect">
+                                  <p:stCondLst>
+                                    <p:cond delay="0"/>
+                                  </p:stCondLst>
+                                  <p:childTnLst>
+                                    <p:set>
+                                      <p:cBhvr>
+                                        <p:cTn id="31" dur="1" fill="hold">
+                                          <p:stCondLst>
+                                            <p:cond delay="0"/>
+                                          </p:stCondLst>
+                                        </p:cTn>
+                                        <p:tgtEl>
+                                          <p:spTgt spid="7"/>
+                                        </p:tgtEl>
+                                        <p:attrNameLst>
+                                          <p:attrName>style.visibility</p:attrName>
+                                        </p:attrNameLst>
+                                      </p:cBhvr>
+                                      <p:to>
+                                        <p:strVal val="visible"/>
+                                      </p:to>
+                                    </p:set>
+                                    <p:animEffect transition="in" filter="fade">
+                                      <p:cBhvr>
+                                        <p:cTn id="32" dur="500"/>
+                                        <p:tgtEl>
+                                          <p:spTgt spid="7"/>
+                                        </p:tgtEl>
+                                      </p:cBhvr>
+                                    </p:animEffect>
+                                  </p:childTnLst>
+                                </p:cTn>
+                              </p:par>
+                            </p:childTnLst>
+                          </p:cTn>
+                        </p:par>
+                      </p:childTnLst>
+                    </p:cTn>
+                  </p:par>
+                </p:childTnLst>
+              </p:cTn>
+              <p:prevCondLst>
+                <p:cond evt="onPrev" delay="0">
+                  <p:tgtEl>
+                    <p:sldTgt/>
+                  </p:tgtEl>
+                </p:cond>
+              </p:prevCondLst>
+              <p:nextCondLst>
+                <p:cond evt="onNext" delay="0">
+                  <p:tgtEl>
+                    <p:sldTgt/>
+                  </p:tgtEl>
+                </p:cond>
+              </p:nextCondLst>
+            </p:seq>
+          </p:childTnLst>
+        </p:cTn>
+      </p:par>
+    </p:tnLst>
+    <p:bldLst>
+      <p:bldP spid="7" grpId="0"/>
+    </p:bldLst>
+  </p:timing>
 </p:sld>
 </file>
 
@@ -14086,8 +16448,8 @@
         </p:nvSpPr>
         <p:spPr>
           <a:xfrm>
-            <a:off x="800594" y="854396"/>
-            <a:ext cx="7226682" cy="6180105"/>
+            <a:off x="404948" y="519959"/>
+            <a:ext cx="8516983" cy="5818081"/>
           </a:xfrm>
         </p:spPr>
         <p:txBody>
@@ -14110,13 +16472,13 @@
               <a:buChar char="•"/>
             </a:pPr>
             <a:r>
-              <a:rPr lang="en-US" sz="2800">
+              <a:rPr lang="en-US" sz="2800" cap="none">
                 <a:ea typeface="+mj-lt"/>
                 <a:cs typeface="+mj-lt"/>
               </a:rPr>
               <a:t>You access an object method with the following syntax:</a:t>
             </a:r>
-            <a:endParaRPr lang="en-US" sz="2800"/>
+            <a:endParaRPr lang="en-US" sz="2800" cap="none"/>
           </a:p>
           <a:p>
             <a:pPr lvl="1">
@@ -14124,7 +16486,7 @@
               <a:buChar char="•"/>
             </a:pPr>
             <a:r>
-              <a:rPr lang="en-US" sz="2800" i="1" err="1">
+              <a:rPr lang="en-US" sz="2800" cap="none" err="1">
                 <a:solidFill>
                   <a:srgbClr val="FFC000"/>
                 </a:solidFill>
@@ -14134,7 +16496,7 @@
               <a:t>objectName.methodName</a:t>
             </a:r>
             <a:r>
-              <a:rPr lang="en-US" sz="2800" i="1">
+              <a:rPr lang="en-US" sz="2800" cap="none">
                 <a:solidFill>
                   <a:srgbClr val="FFC000"/>
                 </a:solidFill>
@@ -14143,13 +16505,6 @@
               </a:rPr>
               <a:t>()</a:t>
             </a:r>
-            <a:endParaRPr lang="en-US" sz="2800">
-              <a:solidFill>
-                <a:srgbClr val="FFC000"/>
-              </a:solidFill>
-              <a:ea typeface="+mj-lt"/>
-              <a:cs typeface="+mj-lt"/>
-            </a:endParaRPr>
           </a:p>
           <a:p>
             <a:pPr marL="400050">
@@ -14157,13 +16512,13 @@
               <a:buChar char="•"/>
             </a:pPr>
             <a:r>
-              <a:rPr lang="en-US" sz="2800">
+              <a:rPr lang="en-US" sz="2800" cap="none">
                 <a:ea typeface="+mj-lt"/>
                 <a:cs typeface="+mj-lt"/>
               </a:rPr>
               <a:t>Or without parentheses like this:</a:t>
             </a:r>
-            <a:endParaRPr lang="en-US" sz="2800" i="1">
+            <a:endParaRPr lang="en-US" sz="2800" i="1" cap="none">
               <a:ea typeface="+mj-lt"/>
               <a:cs typeface="+mj-lt"/>
             </a:endParaRPr>
@@ -14174,7 +16529,7 @@
               <a:buChar char="•"/>
             </a:pPr>
             <a:r>
-              <a:rPr lang="en-US" sz="2800" i="1">
+              <a:rPr lang="en-US" sz="2800" cap="none">
                 <a:solidFill>
                   <a:srgbClr val="FFC000"/>
                 </a:solidFill>
@@ -14184,7 +16539,7 @@
               <a:t>name = </a:t>
             </a:r>
             <a:r>
-              <a:rPr lang="en-US" sz="2800" i="1" err="1">
+              <a:rPr lang="en-US" sz="2800" cap="none" err="1">
                 <a:solidFill>
                   <a:srgbClr val="FFC000"/>
                 </a:solidFill>
@@ -14194,7 +16549,7 @@
               <a:t>person.fullName</a:t>
             </a:r>
             <a:r>
-              <a:rPr lang="en-US" sz="2800" i="1">
+              <a:rPr lang="en-US" sz="2800" cap="none">
                 <a:solidFill>
                   <a:srgbClr val="FFC000"/>
                 </a:solidFill>
@@ -14210,14 +16565,14 @@
               <a:buChar char="•"/>
             </a:pPr>
             <a:r>
-              <a:rPr lang="en-US" sz="2800">
+              <a:rPr lang="en-US" sz="2800" cap="none">
                 <a:ea typeface="+mj-lt"/>
                 <a:cs typeface="+mj-lt"/>
               </a:rPr>
               <a:t>In a function definition, </a:t>
             </a:r>
             <a:r>
-              <a:rPr lang="en-US" sz="2800" b="1">
+              <a:rPr lang="en-US" sz="2800" b="1" cap="none">
                 <a:solidFill>
                   <a:schemeClr val="accent3">
                     <a:lumMod val="60000"/>
@@ -14230,13 +16585,13 @@
               <a:t>this</a:t>
             </a:r>
             <a:r>
-              <a:rPr lang="en-US" sz="2800">
+              <a:rPr lang="en-US" sz="2800" cap="none">
                 <a:ea typeface="+mj-lt"/>
                 <a:cs typeface="+mj-lt"/>
               </a:rPr>
               <a:t> refers to the "owner" of the function.</a:t>
             </a:r>
-            <a:endParaRPr lang="en-US" sz="2800"/>
+            <a:endParaRPr lang="en-US" sz="2800" cap="none"/>
           </a:p>
           <a:p>
             <a:pPr lvl="1">
@@ -14244,14 +16599,14 @@
               <a:buChar char="•"/>
             </a:pPr>
             <a:r>
-              <a:rPr lang="en-US" sz="2800">
+              <a:rPr lang="en-US" sz="2800" cap="none">
                 <a:ea typeface="+mj-lt"/>
                 <a:cs typeface="+mj-lt"/>
               </a:rPr>
               <a:t>In other words, </a:t>
             </a:r>
             <a:r>
-              <a:rPr lang="en-US" sz="2800" b="1" err="1">
+              <a:rPr lang="en-US" sz="2800" b="1" cap="none" err="1">
                 <a:solidFill>
                   <a:schemeClr val="accent3">
                     <a:lumMod val="60000"/>
@@ -14264,14 +16619,14 @@
               <a:t>this</a:t>
             </a:r>
             <a:r>
-              <a:rPr lang="en-US" sz="2800" err="1">
+              <a:rPr lang="en-US" sz="2800" cap="none" err="1">
                 <a:ea typeface="+mj-lt"/>
                 <a:cs typeface="+mj-lt"/>
               </a:rPr>
               <a:t>.</a:t>
             </a:r>
             <a:r>
-              <a:rPr lang="en-US" sz="2800" err="1">
+              <a:rPr lang="en-US" sz="2800" cap="none" err="1">
                 <a:solidFill>
                   <a:schemeClr val="accent6">
                     <a:lumMod val="60000"/>
@@ -14284,14 +16639,14 @@
               <a:t>firstName</a:t>
             </a:r>
             <a:r>
-              <a:rPr lang="en-US" sz="2800">
+              <a:rPr lang="en-US" sz="2800" cap="none">
                 <a:ea typeface="+mj-lt"/>
                 <a:cs typeface="+mj-lt"/>
               </a:rPr>
               <a:t> means the </a:t>
             </a:r>
             <a:r>
-              <a:rPr lang="en-US" sz="2800" err="1">
+              <a:rPr lang="en-US" sz="2800" cap="none" err="1">
                 <a:solidFill>
                   <a:schemeClr val="accent6">
                     <a:lumMod val="60000"/>
@@ -14304,24 +16659,24 @@
               <a:t>firstName</a:t>
             </a:r>
             <a:r>
-              <a:rPr lang="en-US" sz="2800">
+              <a:rPr lang="en-US" sz="2800" cap="none">
                 <a:ea typeface="+mj-lt"/>
                 <a:cs typeface="+mj-lt"/>
               </a:rPr>
               <a:t> property of </a:t>
             </a:r>
             <a:r>
-              <a:rPr lang="en-US" sz="2800" b="1"/>
+              <a:rPr lang="en-US" sz="2800" b="1" cap="none"/>
               <a:t>this object</a:t>
             </a:r>
             <a:r>
-              <a:rPr lang="en-US" sz="2800">
+              <a:rPr lang="en-US" sz="2800" cap="none">
                 <a:ea typeface="+mj-lt"/>
                 <a:cs typeface="+mj-lt"/>
               </a:rPr>
               <a:t>.</a:t>
             </a:r>
-            <a:endParaRPr lang="en-US" sz="2800"/>
+            <a:endParaRPr lang="en-US" sz="2800" cap="none"/>
           </a:p>
         </p:txBody>
       </p:sp>
@@ -14335,6 +16690,341 @@
   <p:clrMapOvr>
     <a:masterClrMapping/>
   </p:clrMapOvr>
+  <p:timing>
+    <p:tnLst>
+      <p:par>
+        <p:cTn id="1" dur="indefinite" restart="never" nodeType="tmRoot">
+          <p:childTnLst>
+            <p:seq concurrent="1" nextAc="seek">
+              <p:cTn id="2" dur="indefinite" nodeType="mainSeq">
+                <p:childTnLst>
+                  <p:par>
+                    <p:cTn id="3" fill="hold">
+                      <p:stCondLst>
+                        <p:cond delay="indefinite"/>
+                      </p:stCondLst>
+                      <p:childTnLst>
+                        <p:par>
+                          <p:cTn id="4" fill="hold">
+                            <p:stCondLst>
+                              <p:cond delay="0"/>
+                            </p:stCondLst>
+                            <p:childTnLst>
+                              <p:par>
+                                <p:cTn id="5" presetID="10" presetClass="entr" presetSubtype="0" fill="hold" nodeType="clickEffect">
+                                  <p:stCondLst>
+                                    <p:cond delay="0"/>
+                                  </p:stCondLst>
+                                  <p:childTnLst>
+                                    <p:set>
+                                      <p:cBhvr>
+                                        <p:cTn id="6" dur="1" fill="hold">
+                                          <p:stCondLst>
+                                            <p:cond delay="0"/>
+                                          </p:stCondLst>
+                                        </p:cTn>
+                                        <p:tgtEl>
+                                          <p:spTgt spid="3">
+                                            <p:txEl>
+                                              <p:pRg st="2" end="2"/>
+                                            </p:txEl>
+                                          </p:spTgt>
+                                        </p:tgtEl>
+                                        <p:attrNameLst>
+                                          <p:attrName>style.visibility</p:attrName>
+                                        </p:attrNameLst>
+                                      </p:cBhvr>
+                                      <p:to>
+                                        <p:strVal val="visible"/>
+                                      </p:to>
+                                    </p:set>
+                                    <p:animEffect transition="in" filter="fade">
+                                      <p:cBhvr>
+                                        <p:cTn id="7" dur="500"/>
+                                        <p:tgtEl>
+                                          <p:spTgt spid="3">
+                                            <p:txEl>
+                                              <p:pRg st="2" end="2"/>
+                                            </p:txEl>
+                                          </p:spTgt>
+                                        </p:tgtEl>
+                                      </p:cBhvr>
+                                    </p:animEffect>
+                                  </p:childTnLst>
+                                </p:cTn>
+                              </p:par>
+                            </p:childTnLst>
+                          </p:cTn>
+                        </p:par>
+                      </p:childTnLst>
+                    </p:cTn>
+                  </p:par>
+                  <p:par>
+                    <p:cTn id="8" fill="hold">
+                      <p:stCondLst>
+                        <p:cond delay="indefinite"/>
+                      </p:stCondLst>
+                      <p:childTnLst>
+                        <p:par>
+                          <p:cTn id="9" fill="hold">
+                            <p:stCondLst>
+                              <p:cond delay="0"/>
+                            </p:stCondLst>
+                            <p:childTnLst>
+                              <p:par>
+                                <p:cTn id="10" presetID="10" presetClass="entr" presetSubtype="0" fill="hold" nodeType="clickEffect">
+                                  <p:stCondLst>
+                                    <p:cond delay="0"/>
+                                  </p:stCondLst>
+                                  <p:childTnLst>
+                                    <p:set>
+                                      <p:cBhvr>
+                                        <p:cTn id="11" dur="1" fill="hold">
+                                          <p:stCondLst>
+                                            <p:cond delay="0"/>
+                                          </p:stCondLst>
+                                        </p:cTn>
+                                        <p:tgtEl>
+                                          <p:spTgt spid="3">
+                                            <p:txEl>
+                                              <p:pRg st="3" end="3"/>
+                                            </p:txEl>
+                                          </p:spTgt>
+                                        </p:tgtEl>
+                                        <p:attrNameLst>
+                                          <p:attrName>style.visibility</p:attrName>
+                                        </p:attrNameLst>
+                                      </p:cBhvr>
+                                      <p:to>
+                                        <p:strVal val="visible"/>
+                                      </p:to>
+                                    </p:set>
+                                    <p:animEffect transition="in" filter="fade">
+                                      <p:cBhvr>
+                                        <p:cTn id="12" dur="500"/>
+                                        <p:tgtEl>
+                                          <p:spTgt spid="3">
+                                            <p:txEl>
+                                              <p:pRg st="3" end="3"/>
+                                            </p:txEl>
+                                          </p:spTgt>
+                                        </p:tgtEl>
+                                      </p:cBhvr>
+                                    </p:animEffect>
+                                  </p:childTnLst>
+                                </p:cTn>
+                              </p:par>
+                            </p:childTnLst>
+                          </p:cTn>
+                        </p:par>
+                      </p:childTnLst>
+                    </p:cTn>
+                  </p:par>
+                  <p:par>
+                    <p:cTn id="13" fill="hold">
+                      <p:stCondLst>
+                        <p:cond delay="indefinite"/>
+                      </p:stCondLst>
+                      <p:childTnLst>
+                        <p:par>
+                          <p:cTn id="14" fill="hold">
+                            <p:stCondLst>
+                              <p:cond delay="0"/>
+                            </p:stCondLst>
+                            <p:childTnLst>
+                              <p:par>
+                                <p:cTn id="15" presetID="10" presetClass="entr" presetSubtype="0" fill="hold" nodeType="clickEffect">
+                                  <p:stCondLst>
+                                    <p:cond delay="0"/>
+                                  </p:stCondLst>
+                                  <p:childTnLst>
+                                    <p:set>
+                                      <p:cBhvr>
+                                        <p:cTn id="16" dur="1" fill="hold">
+                                          <p:stCondLst>
+                                            <p:cond delay="0"/>
+                                          </p:stCondLst>
+                                        </p:cTn>
+                                        <p:tgtEl>
+                                          <p:spTgt spid="3">
+                                            <p:txEl>
+                                              <p:pRg st="4" end="4"/>
+                                            </p:txEl>
+                                          </p:spTgt>
+                                        </p:tgtEl>
+                                        <p:attrNameLst>
+                                          <p:attrName>style.visibility</p:attrName>
+                                        </p:attrNameLst>
+                                      </p:cBhvr>
+                                      <p:to>
+                                        <p:strVal val="visible"/>
+                                      </p:to>
+                                    </p:set>
+                                    <p:animEffect transition="in" filter="fade">
+                                      <p:cBhvr>
+                                        <p:cTn id="17" dur="500"/>
+                                        <p:tgtEl>
+                                          <p:spTgt spid="3">
+                                            <p:txEl>
+                                              <p:pRg st="4" end="4"/>
+                                            </p:txEl>
+                                          </p:spTgt>
+                                        </p:tgtEl>
+                                      </p:cBhvr>
+                                    </p:animEffect>
+                                  </p:childTnLst>
+                                </p:cTn>
+                              </p:par>
+                            </p:childTnLst>
+                          </p:cTn>
+                        </p:par>
+                      </p:childTnLst>
+                    </p:cTn>
+                  </p:par>
+                  <p:par>
+                    <p:cTn id="18" fill="hold">
+                      <p:stCondLst>
+                        <p:cond delay="indefinite"/>
+                      </p:stCondLst>
+                      <p:childTnLst>
+                        <p:par>
+                          <p:cTn id="19" fill="hold">
+                            <p:stCondLst>
+                              <p:cond delay="0"/>
+                            </p:stCondLst>
+                            <p:childTnLst>
+                              <p:par>
+                                <p:cTn id="20" presetID="10" presetClass="entr" presetSubtype="0" fill="hold" nodeType="clickEffect">
+                                  <p:stCondLst>
+                                    <p:cond delay="0"/>
+                                  </p:stCondLst>
+                                  <p:childTnLst>
+                                    <p:set>
+                                      <p:cBhvr>
+                                        <p:cTn id="21" dur="1" fill="hold">
+                                          <p:stCondLst>
+                                            <p:cond delay="0"/>
+                                          </p:stCondLst>
+                                        </p:cTn>
+                                        <p:tgtEl>
+                                          <p:spTgt spid="3">
+                                            <p:txEl>
+                                              <p:pRg st="5" end="5"/>
+                                            </p:txEl>
+                                          </p:spTgt>
+                                        </p:tgtEl>
+                                        <p:attrNameLst>
+                                          <p:attrName>style.visibility</p:attrName>
+                                        </p:attrNameLst>
+                                      </p:cBhvr>
+                                      <p:to>
+                                        <p:strVal val="visible"/>
+                                      </p:to>
+                                    </p:set>
+                                    <p:animEffect transition="in" filter="fade">
+                                      <p:cBhvr>
+                                        <p:cTn id="22" dur="500"/>
+                                        <p:tgtEl>
+                                          <p:spTgt spid="3">
+                                            <p:txEl>
+                                              <p:pRg st="5" end="5"/>
+                                            </p:txEl>
+                                          </p:spTgt>
+                                        </p:tgtEl>
+                                      </p:cBhvr>
+                                    </p:animEffect>
+                                  </p:childTnLst>
+                                </p:cTn>
+                              </p:par>
+                            </p:childTnLst>
+                          </p:cTn>
+                        </p:par>
+                      </p:childTnLst>
+                    </p:cTn>
+                  </p:par>
+                  <p:par>
+                    <p:cTn id="23" fill="hold">
+                      <p:stCondLst>
+                        <p:cond delay="indefinite"/>
+                      </p:stCondLst>
+                      <p:childTnLst>
+                        <p:par>
+                          <p:cTn id="24" fill="hold">
+                            <p:stCondLst>
+                              <p:cond delay="0"/>
+                            </p:stCondLst>
+                            <p:childTnLst>
+                              <p:par>
+                                <p:cTn id="25" presetID="10" presetClass="entr" presetSubtype="0" fill="hold" nodeType="clickEffect">
+                                  <p:stCondLst>
+                                    <p:cond delay="0"/>
+                                  </p:stCondLst>
+                                  <p:childTnLst>
+                                    <p:set>
+                                      <p:cBhvr>
+                                        <p:cTn id="26" dur="1" fill="hold">
+                                          <p:stCondLst>
+                                            <p:cond delay="0"/>
+                                          </p:stCondLst>
+                                        </p:cTn>
+                                        <p:tgtEl>
+                                          <p:spTgt spid="3">
+                                            <p:txEl>
+                                              <p:pRg st="6" end="6"/>
+                                            </p:txEl>
+                                          </p:spTgt>
+                                        </p:tgtEl>
+                                        <p:attrNameLst>
+                                          <p:attrName>style.visibility</p:attrName>
+                                        </p:attrNameLst>
+                                      </p:cBhvr>
+                                      <p:to>
+                                        <p:strVal val="visible"/>
+                                      </p:to>
+                                    </p:set>
+                                    <p:animEffect transition="in" filter="fade">
+                                      <p:cBhvr>
+                                        <p:cTn id="27" dur="500"/>
+                                        <p:tgtEl>
+                                          <p:spTgt spid="3">
+                                            <p:txEl>
+                                              <p:pRg st="6" end="6"/>
+                                            </p:txEl>
+                                          </p:spTgt>
+                                        </p:tgtEl>
+                                      </p:cBhvr>
+                                    </p:animEffect>
+                                  </p:childTnLst>
+                                </p:cTn>
+                              </p:par>
+                            </p:childTnLst>
+                          </p:cTn>
+                        </p:par>
+                      </p:childTnLst>
+                    </p:cTn>
+                  </p:par>
+                </p:childTnLst>
+              </p:cTn>
+              <p:prevCondLst>
+                <p:cond evt="onPrev" delay="0">
+                  <p:tgtEl>
+                    <p:sldTgt/>
+                  </p:tgtEl>
+                </p:cond>
+              </p:prevCondLst>
+              <p:nextCondLst>
+                <p:cond evt="onNext" delay="0">
+                  <p:tgtEl>
+                    <p:sldTgt/>
+                  </p:tgtEl>
+                </p:cond>
+              </p:nextCondLst>
+            </p:seq>
+          </p:childTnLst>
+        </p:cTn>
+      </p:par>
+    </p:tnLst>
+  </p:timing>
 </p:sld>
 </file>
 
@@ -14373,7 +17063,7 @@
         </p:nvSpPr>
         <p:spPr>
           <a:xfrm>
-            <a:off x="458977" y="813082"/>
+            <a:off x="586666" y="1178842"/>
             <a:ext cx="7970668" cy="5109293"/>
           </a:xfrm>
         </p:spPr>
@@ -14383,7 +17073,7 @@
           </a:bodyPr>
           <a:lstStyle/>
           <a:p>
-            <a:endParaRPr lang="en-US" sz="2400">
+            <a:endParaRPr lang="en-US" sz="2800" cap="none">
               <a:effectLst>
                 <a:glow rad="38100">
                   <a:prstClr val="black">
@@ -14404,7 +17094,7 @@
           </a:p>
           <a:p>
             <a:r>
-              <a:rPr lang="en-US" sz="2400">
+              <a:rPr lang="en-US" sz="2800" cap="none">
                 <a:effectLst>
                   <a:glow rad="38100">
                     <a:prstClr val="black">
@@ -14423,7 +17113,7 @@
               <a:t>Events are </a:t>
             </a:r>
             <a:r>
-              <a:rPr lang="en-US" sz="2400" err="1">
+              <a:rPr lang="en-US" sz="2800" cap="none" err="1">
                 <a:effectLst>
                   <a:glow rad="38100">
                     <a:prstClr val="black">
@@ -14442,7 +17132,7 @@
               <a:t>javascript</a:t>
             </a:r>
             <a:r>
-              <a:rPr lang="en-US" sz="2400">
+              <a:rPr lang="en-US" sz="2800" cap="none">
                 <a:effectLst>
                   <a:glow rad="38100">
                     <a:prstClr val="black">
@@ -14462,9 +17152,8 @@
             </a:r>
           </a:p>
           <a:p>
-            <a:pPr lvl="1"/>
-            <a:r>
-              <a:rPr lang="en-US" sz="2000">
+            <a:r>
+              <a:rPr lang="en-US" sz="3000" cap="none">
                 <a:effectLst>
                   <a:glow rad="38100">
                     <a:prstClr val="black">
@@ -14484,9 +17173,9 @@
             </a:r>
           </a:p>
           <a:p>
-            <a:pPr lvl="2"/>
-            <a:r>
-              <a:rPr lang="en-US" sz="1800">
+            <a:pPr lvl="1"/>
+            <a:r>
+              <a:rPr lang="en-US" sz="3000" cap="none">
                 <a:effectLst>
                   <a:glow rad="38100">
                     <a:prstClr val="black">
@@ -14506,9 +17195,9 @@
             </a:r>
           </a:p>
           <a:p>
-            <a:pPr lvl="2"/>
-            <a:r>
-              <a:rPr lang="en-US" sz="1800" err="1">
+            <a:pPr lvl="1"/>
+            <a:r>
+              <a:rPr lang="en-US" sz="3000" cap="none" err="1">
                 <a:effectLst>
                   <a:glow rad="38100">
                     <a:prstClr val="black">
@@ -14527,7 +17216,7 @@
               <a:t>Onchange</a:t>
             </a:r>
             <a:r>
-              <a:rPr lang="en-US" sz="1800">
+              <a:rPr lang="en-US" sz="3000" cap="none">
                 <a:effectLst>
                   <a:glow rad="38100">
                     <a:prstClr val="black">
@@ -14547,9 +17236,9 @@
             </a:r>
           </a:p>
           <a:p>
-            <a:pPr lvl="2"/>
-            <a:r>
-              <a:rPr lang="en-US" sz="1800" err="1">
+            <a:pPr lvl="1"/>
+            <a:r>
+              <a:rPr lang="en-US" sz="3000" cap="none" err="1">
                 <a:effectLst>
                   <a:glow rad="38100">
                     <a:prstClr val="black">
@@ -14568,7 +17257,7 @@
               <a:t>Onmouseover</a:t>
             </a:r>
             <a:r>
-              <a:rPr lang="en-US" sz="1800">
+              <a:rPr lang="en-US" sz="3000" cap="none">
                 <a:effectLst>
                   <a:glow rad="38100">
                     <a:prstClr val="black">
@@ -14589,7 +17278,7 @@
           </a:p>
           <a:p>
             <a:r>
-              <a:rPr lang="en-US" sz="2400">
+              <a:rPr lang="en-US" sz="2800" cap="none">
                 <a:effectLst>
                   <a:glow rad="38100">
                     <a:prstClr val="black">
@@ -14608,7 +17297,7 @@
               <a:t>These events are used alongside </a:t>
             </a:r>
             <a:r>
-              <a:rPr lang="en-US" sz="2400" err="1">
+              <a:rPr lang="en-US" sz="2800" cap="none" err="1">
                 <a:effectLst>
                   <a:glow rad="38100">
                     <a:prstClr val="black">
@@ -14627,7 +17316,7 @@
               <a:t>javascript</a:t>
             </a:r>
             <a:r>
-              <a:rPr lang="en-US" sz="2400">
+              <a:rPr lang="en-US" sz="2800" cap="none">
                 <a:effectLst>
                   <a:glow rad="38100">
                     <a:prstClr val="black">
@@ -14843,6 +17532,341 @@
   <p:clrMapOvr>
     <a:masterClrMapping/>
   </p:clrMapOvr>
+  <p:timing>
+    <p:tnLst>
+      <p:par>
+        <p:cTn id="1" dur="indefinite" restart="never" nodeType="tmRoot">
+          <p:childTnLst>
+            <p:seq concurrent="1" nextAc="seek">
+              <p:cTn id="2" dur="indefinite" nodeType="mainSeq">
+                <p:childTnLst>
+                  <p:par>
+                    <p:cTn id="3" fill="hold">
+                      <p:stCondLst>
+                        <p:cond delay="indefinite"/>
+                      </p:stCondLst>
+                      <p:childTnLst>
+                        <p:par>
+                          <p:cTn id="4" fill="hold">
+                            <p:stCondLst>
+                              <p:cond delay="0"/>
+                            </p:stCondLst>
+                            <p:childTnLst>
+                              <p:par>
+                                <p:cTn id="5" presetID="10" presetClass="entr" presetSubtype="0" fill="hold" nodeType="clickEffect">
+                                  <p:stCondLst>
+                                    <p:cond delay="0"/>
+                                  </p:stCondLst>
+                                  <p:childTnLst>
+                                    <p:set>
+                                      <p:cBhvr>
+                                        <p:cTn id="6" dur="1" fill="hold">
+                                          <p:stCondLst>
+                                            <p:cond delay="0"/>
+                                          </p:stCondLst>
+                                        </p:cTn>
+                                        <p:tgtEl>
+                                          <p:spTgt spid="3">
+                                            <p:txEl>
+                                              <p:pRg st="2" end="2"/>
+                                            </p:txEl>
+                                          </p:spTgt>
+                                        </p:tgtEl>
+                                        <p:attrNameLst>
+                                          <p:attrName>style.visibility</p:attrName>
+                                        </p:attrNameLst>
+                                      </p:cBhvr>
+                                      <p:to>
+                                        <p:strVal val="visible"/>
+                                      </p:to>
+                                    </p:set>
+                                    <p:animEffect transition="in" filter="fade">
+                                      <p:cBhvr>
+                                        <p:cTn id="7" dur="500"/>
+                                        <p:tgtEl>
+                                          <p:spTgt spid="3">
+                                            <p:txEl>
+                                              <p:pRg st="2" end="2"/>
+                                            </p:txEl>
+                                          </p:spTgt>
+                                        </p:tgtEl>
+                                      </p:cBhvr>
+                                    </p:animEffect>
+                                  </p:childTnLst>
+                                </p:cTn>
+                              </p:par>
+                            </p:childTnLst>
+                          </p:cTn>
+                        </p:par>
+                      </p:childTnLst>
+                    </p:cTn>
+                  </p:par>
+                  <p:par>
+                    <p:cTn id="8" fill="hold">
+                      <p:stCondLst>
+                        <p:cond delay="indefinite"/>
+                      </p:stCondLst>
+                      <p:childTnLst>
+                        <p:par>
+                          <p:cTn id="9" fill="hold">
+                            <p:stCondLst>
+                              <p:cond delay="0"/>
+                            </p:stCondLst>
+                            <p:childTnLst>
+                              <p:par>
+                                <p:cTn id="10" presetID="10" presetClass="entr" presetSubtype="0" fill="hold" nodeType="clickEffect">
+                                  <p:stCondLst>
+                                    <p:cond delay="0"/>
+                                  </p:stCondLst>
+                                  <p:childTnLst>
+                                    <p:set>
+                                      <p:cBhvr>
+                                        <p:cTn id="11" dur="1" fill="hold">
+                                          <p:stCondLst>
+                                            <p:cond delay="0"/>
+                                          </p:stCondLst>
+                                        </p:cTn>
+                                        <p:tgtEl>
+                                          <p:spTgt spid="3">
+                                            <p:txEl>
+                                              <p:pRg st="3" end="3"/>
+                                            </p:txEl>
+                                          </p:spTgt>
+                                        </p:tgtEl>
+                                        <p:attrNameLst>
+                                          <p:attrName>style.visibility</p:attrName>
+                                        </p:attrNameLst>
+                                      </p:cBhvr>
+                                      <p:to>
+                                        <p:strVal val="visible"/>
+                                      </p:to>
+                                    </p:set>
+                                    <p:animEffect transition="in" filter="fade">
+                                      <p:cBhvr>
+                                        <p:cTn id="12" dur="500"/>
+                                        <p:tgtEl>
+                                          <p:spTgt spid="3">
+                                            <p:txEl>
+                                              <p:pRg st="3" end="3"/>
+                                            </p:txEl>
+                                          </p:spTgt>
+                                        </p:tgtEl>
+                                      </p:cBhvr>
+                                    </p:animEffect>
+                                  </p:childTnLst>
+                                </p:cTn>
+                              </p:par>
+                            </p:childTnLst>
+                          </p:cTn>
+                        </p:par>
+                      </p:childTnLst>
+                    </p:cTn>
+                  </p:par>
+                  <p:par>
+                    <p:cTn id="13" fill="hold">
+                      <p:stCondLst>
+                        <p:cond delay="indefinite"/>
+                      </p:stCondLst>
+                      <p:childTnLst>
+                        <p:par>
+                          <p:cTn id="14" fill="hold">
+                            <p:stCondLst>
+                              <p:cond delay="0"/>
+                            </p:stCondLst>
+                            <p:childTnLst>
+                              <p:par>
+                                <p:cTn id="15" presetID="10" presetClass="entr" presetSubtype="0" fill="hold" nodeType="clickEffect">
+                                  <p:stCondLst>
+                                    <p:cond delay="0"/>
+                                  </p:stCondLst>
+                                  <p:childTnLst>
+                                    <p:set>
+                                      <p:cBhvr>
+                                        <p:cTn id="16" dur="1" fill="hold">
+                                          <p:stCondLst>
+                                            <p:cond delay="0"/>
+                                          </p:stCondLst>
+                                        </p:cTn>
+                                        <p:tgtEl>
+                                          <p:spTgt spid="3">
+                                            <p:txEl>
+                                              <p:pRg st="4" end="4"/>
+                                            </p:txEl>
+                                          </p:spTgt>
+                                        </p:tgtEl>
+                                        <p:attrNameLst>
+                                          <p:attrName>style.visibility</p:attrName>
+                                        </p:attrNameLst>
+                                      </p:cBhvr>
+                                      <p:to>
+                                        <p:strVal val="visible"/>
+                                      </p:to>
+                                    </p:set>
+                                    <p:animEffect transition="in" filter="fade">
+                                      <p:cBhvr>
+                                        <p:cTn id="17" dur="500"/>
+                                        <p:tgtEl>
+                                          <p:spTgt spid="3">
+                                            <p:txEl>
+                                              <p:pRg st="4" end="4"/>
+                                            </p:txEl>
+                                          </p:spTgt>
+                                        </p:tgtEl>
+                                      </p:cBhvr>
+                                    </p:animEffect>
+                                  </p:childTnLst>
+                                </p:cTn>
+                              </p:par>
+                            </p:childTnLst>
+                          </p:cTn>
+                        </p:par>
+                      </p:childTnLst>
+                    </p:cTn>
+                  </p:par>
+                  <p:par>
+                    <p:cTn id="18" fill="hold">
+                      <p:stCondLst>
+                        <p:cond delay="indefinite"/>
+                      </p:stCondLst>
+                      <p:childTnLst>
+                        <p:par>
+                          <p:cTn id="19" fill="hold">
+                            <p:stCondLst>
+                              <p:cond delay="0"/>
+                            </p:stCondLst>
+                            <p:childTnLst>
+                              <p:par>
+                                <p:cTn id="20" presetID="10" presetClass="entr" presetSubtype="0" fill="hold" nodeType="clickEffect">
+                                  <p:stCondLst>
+                                    <p:cond delay="0"/>
+                                  </p:stCondLst>
+                                  <p:childTnLst>
+                                    <p:set>
+                                      <p:cBhvr>
+                                        <p:cTn id="21" dur="1" fill="hold">
+                                          <p:stCondLst>
+                                            <p:cond delay="0"/>
+                                          </p:stCondLst>
+                                        </p:cTn>
+                                        <p:tgtEl>
+                                          <p:spTgt spid="3">
+                                            <p:txEl>
+                                              <p:pRg st="5" end="5"/>
+                                            </p:txEl>
+                                          </p:spTgt>
+                                        </p:tgtEl>
+                                        <p:attrNameLst>
+                                          <p:attrName>style.visibility</p:attrName>
+                                        </p:attrNameLst>
+                                      </p:cBhvr>
+                                      <p:to>
+                                        <p:strVal val="visible"/>
+                                      </p:to>
+                                    </p:set>
+                                    <p:animEffect transition="in" filter="fade">
+                                      <p:cBhvr>
+                                        <p:cTn id="22" dur="500"/>
+                                        <p:tgtEl>
+                                          <p:spTgt spid="3">
+                                            <p:txEl>
+                                              <p:pRg st="5" end="5"/>
+                                            </p:txEl>
+                                          </p:spTgt>
+                                        </p:tgtEl>
+                                      </p:cBhvr>
+                                    </p:animEffect>
+                                  </p:childTnLst>
+                                </p:cTn>
+                              </p:par>
+                            </p:childTnLst>
+                          </p:cTn>
+                        </p:par>
+                      </p:childTnLst>
+                    </p:cTn>
+                  </p:par>
+                  <p:par>
+                    <p:cTn id="23" fill="hold">
+                      <p:stCondLst>
+                        <p:cond delay="indefinite"/>
+                      </p:stCondLst>
+                      <p:childTnLst>
+                        <p:par>
+                          <p:cTn id="24" fill="hold">
+                            <p:stCondLst>
+                              <p:cond delay="0"/>
+                            </p:stCondLst>
+                            <p:childTnLst>
+                              <p:par>
+                                <p:cTn id="25" presetID="10" presetClass="entr" presetSubtype="0" fill="hold" nodeType="clickEffect">
+                                  <p:stCondLst>
+                                    <p:cond delay="0"/>
+                                  </p:stCondLst>
+                                  <p:childTnLst>
+                                    <p:set>
+                                      <p:cBhvr>
+                                        <p:cTn id="26" dur="1" fill="hold">
+                                          <p:stCondLst>
+                                            <p:cond delay="0"/>
+                                          </p:stCondLst>
+                                        </p:cTn>
+                                        <p:tgtEl>
+                                          <p:spTgt spid="3">
+                                            <p:txEl>
+                                              <p:pRg st="6" end="6"/>
+                                            </p:txEl>
+                                          </p:spTgt>
+                                        </p:tgtEl>
+                                        <p:attrNameLst>
+                                          <p:attrName>style.visibility</p:attrName>
+                                        </p:attrNameLst>
+                                      </p:cBhvr>
+                                      <p:to>
+                                        <p:strVal val="visible"/>
+                                      </p:to>
+                                    </p:set>
+                                    <p:animEffect transition="in" filter="fade">
+                                      <p:cBhvr>
+                                        <p:cTn id="27" dur="500"/>
+                                        <p:tgtEl>
+                                          <p:spTgt spid="3">
+                                            <p:txEl>
+                                              <p:pRg st="6" end="6"/>
+                                            </p:txEl>
+                                          </p:spTgt>
+                                        </p:tgtEl>
+                                      </p:cBhvr>
+                                    </p:animEffect>
+                                  </p:childTnLst>
+                                </p:cTn>
+                              </p:par>
+                            </p:childTnLst>
+                          </p:cTn>
+                        </p:par>
+                      </p:childTnLst>
+                    </p:cTn>
+                  </p:par>
+                </p:childTnLst>
+              </p:cTn>
+              <p:prevCondLst>
+                <p:cond evt="onPrev" delay="0">
+                  <p:tgtEl>
+                    <p:sldTgt/>
+                  </p:tgtEl>
+                </p:cond>
+              </p:prevCondLst>
+              <p:nextCondLst>
+                <p:cond evt="onNext" delay="0">
+                  <p:tgtEl>
+                    <p:sldTgt/>
+                  </p:tgtEl>
+                </p:cond>
+              </p:nextCondLst>
+            </p:seq>
+          </p:childTnLst>
+        </p:cTn>
+      </p:par>
+    </p:tnLst>
+  </p:timing>
 </p:sld>
 </file>
 
@@ -14933,8 +17957,8 @@
         </p:nvSpPr>
         <p:spPr>
           <a:xfrm>
-            <a:off x="161284" y="799006"/>
-            <a:ext cx="8828649" cy="3709783"/>
+            <a:off x="0" y="827394"/>
+            <a:ext cx="8828649" cy="5704035"/>
           </a:xfrm>
         </p:spPr>
         <p:txBody>
@@ -14943,19 +17967,19 @@
           </a:bodyPr>
           <a:lstStyle/>
           <a:p>
-            <a:pPr marL="742950" indent="-342900">
-              <a:buFont typeface="Wingdings"/>
-              <a:buChar char="Ø"/>
+            <a:pPr marL="857250" indent="-457200">
+              <a:buFont typeface="Arial" panose="020B0604020202020204" pitchFamily="34" charset="0"/>
+              <a:buChar char="•"/>
             </a:pPr>
             <a:r>
-              <a:rPr lang="en-US" sz="3200" b="1">
+              <a:rPr lang="en-US" sz="3200" b="1" cap="none">
                 <a:solidFill>
                   <a:srgbClr val="FFFFFF"/>
                 </a:solidFill>
               </a:rPr>
               <a:t>Local</a:t>
             </a:r>
-            <a:endParaRPr lang="en-US" sz="3200">
+            <a:endParaRPr lang="en-US" sz="3200" cap="none">
               <a:effectLst>
                 <a:glow rad="38100">
                   <a:prstClr val="black">
@@ -14973,19 +17997,19 @@
             </a:endParaRPr>
           </a:p>
           <a:p>
-            <a:pPr lvl="1">
-              <a:buFont typeface="Wingdings" charset="2"/>
-              <a:buChar char="Ø"/>
+            <a:pPr lvl="2">
+              <a:buFont typeface="Arial" panose="020B0604020202020204" pitchFamily="34" charset="0"/>
+              <a:buChar char="•"/>
             </a:pPr>
             <a:r>
-              <a:rPr lang="en-US" sz="3200">
+              <a:rPr lang="en-US" sz="3000" cap="none">
                 <a:solidFill>
                   <a:srgbClr val="FFFFFF"/>
                 </a:solidFill>
               </a:rPr>
               <a:t>Variables inside functions stay inside functions.</a:t>
             </a:r>
-            <a:endParaRPr lang="en-US" sz="3200">
+            <a:endParaRPr lang="en-US" sz="3000" cap="none">
               <a:solidFill>
                 <a:srgbClr val="FFFFFF"/>
               </a:solidFill>
@@ -15007,18 +18031,18 @@
           </a:p>
           <a:p>
             <a:pPr lvl="1">
-              <a:buFont typeface="Wingdings" charset="2"/>
-              <a:buChar char="Ø"/>
+              <a:buFont typeface="Arial" panose="020B0604020202020204" pitchFamily="34" charset="0"/>
+              <a:buChar char="•"/>
             </a:pPr>
             <a:r>
-              <a:rPr lang="en-US" sz="3200" b="1">
+              <a:rPr lang="en-US" sz="3200" b="1" cap="none">
                 <a:solidFill>
                   <a:srgbClr val="FFFFFF"/>
                 </a:solidFill>
               </a:rPr>
               <a:t>Global </a:t>
             </a:r>
-            <a:endParaRPr lang="en-US" sz="3200">
+            <a:endParaRPr lang="en-US" sz="3200" cap="none">
               <a:effectLst>
                 <a:glow rad="38100">
                   <a:prstClr val="black">
@@ -15036,12 +18060,12 @@
             </a:endParaRPr>
           </a:p>
           <a:p>
-            <a:pPr marL="1085850" lvl="1" indent="-342900">
-              <a:buFont typeface="Wingdings" charset="2"/>
-              <a:buChar char="Ø"/>
+            <a:pPr marL="1200150" lvl="1" indent="-457200">
+              <a:buFont typeface="Arial" panose="020B0604020202020204" pitchFamily="34" charset="0"/>
+              <a:buChar char="•"/>
             </a:pPr>
             <a:r>
-              <a:rPr lang="en-US" sz="3200">
+              <a:rPr lang="en-US" sz="3200" cap="none">
                 <a:solidFill>
                   <a:srgbClr val="FFFFFF"/>
                 </a:solidFill>
@@ -15049,27 +18073,27 @@
               <a:t>Works the same as you would think BUT, i</a:t>
             </a:r>
             <a:r>
-              <a:rPr lang="en-US" sz="3200">
+              <a:rPr lang="en-US" sz="3200" cap="none">
                 <a:ea typeface="+mj-lt"/>
                 <a:cs typeface="+mj-lt"/>
               </a:rPr>
               <a:t>f you assign a value to a variable that has not been declared, it will automatically become a </a:t>
             </a:r>
             <a:r>
-              <a:rPr lang="en-US" sz="3200" b="1">
+              <a:rPr lang="en-US" sz="3200" b="1" cap="none">
                 <a:ea typeface="+mj-lt"/>
                 <a:cs typeface="+mj-lt"/>
               </a:rPr>
               <a:t>GLOBAL</a:t>
             </a:r>
             <a:r>
-              <a:rPr lang="en-US" sz="3200">
+              <a:rPr lang="en-US" sz="3200" cap="none">
                 <a:ea typeface="+mj-lt"/>
                 <a:cs typeface="+mj-lt"/>
               </a:rPr>
               <a:t> variable. This is an example of hoisting in JS.</a:t>
             </a:r>
-            <a:endParaRPr lang="en-US" sz="3200">
+            <a:endParaRPr lang="en-US" sz="3200" cap="none">
               <a:effectLst>
                 <a:glow rad="38100">
                   <a:prstClr val="black">
@@ -15123,6 +18147,219 @@
   <p:clrMapOvr>
     <a:masterClrMapping/>
   </p:clrMapOvr>
+  <p:timing>
+    <p:tnLst>
+      <p:par>
+        <p:cTn id="1" dur="indefinite" restart="never" nodeType="tmRoot">
+          <p:childTnLst>
+            <p:seq concurrent="1" nextAc="seek">
+              <p:cTn id="2" dur="indefinite" nodeType="mainSeq">
+                <p:childTnLst>
+                  <p:par>
+                    <p:cTn id="3" fill="hold">
+                      <p:stCondLst>
+                        <p:cond delay="indefinite"/>
+                      </p:stCondLst>
+                      <p:childTnLst>
+                        <p:par>
+                          <p:cTn id="4" fill="hold">
+                            <p:stCondLst>
+                              <p:cond delay="0"/>
+                            </p:stCondLst>
+                            <p:childTnLst>
+                              <p:par>
+                                <p:cTn id="5" presetID="10" presetClass="entr" presetSubtype="0" fill="hold" nodeType="clickEffect">
+                                  <p:stCondLst>
+                                    <p:cond delay="0"/>
+                                  </p:stCondLst>
+                                  <p:childTnLst>
+                                    <p:set>
+                                      <p:cBhvr>
+                                        <p:cTn id="6" dur="1" fill="hold">
+                                          <p:stCondLst>
+                                            <p:cond delay="0"/>
+                                          </p:stCondLst>
+                                        </p:cTn>
+                                        <p:tgtEl>
+                                          <p:spTgt spid="3">
+                                            <p:txEl>
+                                              <p:pRg st="1" end="1"/>
+                                            </p:txEl>
+                                          </p:spTgt>
+                                        </p:tgtEl>
+                                        <p:attrNameLst>
+                                          <p:attrName>style.visibility</p:attrName>
+                                        </p:attrNameLst>
+                                      </p:cBhvr>
+                                      <p:to>
+                                        <p:strVal val="visible"/>
+                                      </p:to>
+                                    </p:set>
+                                    <p:animEffect transition="in" filter="fade">
+                                      <p:cBhvr>
+                                        <p:cTn id="7" dur="500"/>
+                                        <p:tgtEl>
+                                          <p:spTgt spid="3">
+                                            <p:txEl>
+                                              <p:pRg st="1" end="1"/>
+                                            </p:txEl>
+                                          </p:spTgt>
+                                        </p:tgtEl>
+                                      </p:cBhvr>
+                                    </p:animEffect>
+                                  </p:childTnLst>
+                                </p:cTn>
+                              </p:par>
+                            </p:childTnLst>
+                          </p:cTn>
+                        </p:par>
+                      </p:childTnLst>
+                    </p:cTn>
+                  </p:par>
+                  <p:par>
+                    <p:cTn id="8" fill="hold">
+                      <p:stCondLst>
+                        <p:cond delay="indefinite"/>
+                      </p:stCondLst>
+                      <p:childTnLst>
+                        <p:par>
+                          <p:cTn id="9" fill="hold">
+                            <p:stCondLst>
+                              <p:cond delay="0"/>
+                            </p:stCondLst>
+                            <p:childTnLst>
+                              <p:par>
+                                <p:cTn id="10" presetID="10" presetClass="entr" presetSubtype="0" fill="hold" nodeType="clickEffect">
+                                  <p:stCondLst>
+                                    <p:cond delay="0"/>
+                                  </p:stCondLst>
+                                  <p:childTnLst>
+                                    <p:set>
+                                      <p:cBhvr>
+                                        <p:cTn id="11" dur="1" fill="hold">
+                                          <p:stCondLst>
+                                            <p:cond delay="0"/>
+                                          </p:stCondLst>
+                                        </p:cTn>
+                                        <p:tgtEl>
+                                          <p:spTgt spid="3">
+                                            <p:txEl>
+                                              <p:pRg st="2" end="2"/>
+                                            </p:txEl>
+                                          </p:spTgt>
+                                        </p:tgtEl>
+                                        <p:attrNameLst>
+                                          <p:attrName>style.visibility</p:attrName>
+                                        </p:attrNameLst>
+                                      </p:cBhvr>
+                                      <p:to>
+                                        <p:strVal val="visible"/>
+                                      </p:to>
+                                    </p:set>
+                                    <p:animEffect transition="in" filter="fade">
+                                      <p:cBhvr>
+                                        <p:cTn id="12" dur="500"/>
+                                        <p:tgtEl>
+                                          <p:spTgt spid="3">
+                                            <p:txEl>
+                                              <p:pRg st="2" end="2"/>
+                                            </p:txEl>
+                                          </p:spTgt>
+                                        </p:tgtEl>
+                                      </p:cBhvr>
+                                    </p:animEffect>
+                                  </p:childTnLst>
+                                </p:cTn>
+                              </p:par>
+                            </p:childTnLst>
+                          </p:cTn>
+                        </p:par>
+                      </p:childTnLst>
+                    </p:cTn>
+                  </p:par>
+                  <p:par>
+                    <p:cTn id="13" fill="hold">
+                      <p:stCondLst>
+                        <p:cond delay="indefinite"/>
+                      </p:stCondLst>
+                      <p:childTnLst>
+                        <p:par>
+                          <p:cTn id="14" fill="hold">
+                            <p:stCondLst>
+                              <p:cond delay="0"/>
+                            </p:stCondLst>
+                            <p:childTnLst>
+                              <p:par>
+                                <p:cTn id="15" presetID="10" presetClass="entr" presetSubtype="0" fill="hold" nodeType="clickEffect">
+                                  <p:stCondLst>
+                                    <p:cond delay="0"/>
+                                  </p:stCondLst>
+                                  <p:childTnLst>
+                                    <p:set>
+                                      <p:cBhvr>
+                                        <p:cTn id="16" dur="1" fill="hold">
+                                          <p:stCondLst>
+                                            <p:cond delay="0"/>
+                                          </p:stCondLst>
+                                        </p:cTn>
+                                        <p:tgtEl>
+                                          <p:spTgt spid="3">
+                                            <p:txEl>
+                                              <p:pRg st="3" end="3"/>
+                                            </p:txEl>
+                                          </p:spTgt>
+                                        </p:tgtEl>
+                                        <p:attrNameLst>
+                                          <p:attrName>style.visibility</p:attrName>
+                                        </p:attrNameLst>
+                                      </p:cBhvr>
+                                      <p:to>
+                                        <p:strVal val="visible"/>
+                                      </p:to>
+                                    </p:set>
+                                    <p:animEffect transition="in" filter="fade">
+                                      <p:cBhvr>
+                                        <p:cTn id="17" dur="500"/>
+                                        <p:tgtEl>
+                                          <p:spTgt spid="3">
+                                            <p:txEl>
+                                              <p:pRg st="3" end="3"/>
+                                            </p:txEl>
+                                          </p:spTgt>
+                                        </p:tgtEl>
+                                      </p:cBhvr>
+                                    </p:animEffect>
+                                  </p:childTnLst>
+                                </p:cTn>
+                              </p:par>
+                            </p:childTnLst>
+                          </p:cTn>
+                        </p:par>
+                      </p:childTnLst>
+                    </p:cTn>
+                  </p:par>
+                </p:childTnLst>
+              </p:cTn>
+              <p:prevCondLst>
+                <p:cond evt="onPrev" delay="0">
+                  <p:tgtEl>
+                    <p:sldTgt/>
+                  </p:tgtEl>
+                </p:cond>
+              </p:prevCondLst>
+              <p:nextCondLst>
+                <p:cond evt="onNext" delay="0">
+                  <p:tgtEl>
+                    <p:sldTgt/>
+                  </p:tgtEl>
+                </p:cond>
+              </p:nextCondLst>
+            </p:seq>
+          </p:childTnLst>
+        </p:cTn>
+      </p:par>
+    </p:tnLst>
+  </p:timing>
 </p:sld>
 </file>
 
@@ -15161,8 +18398,8 @@
         </p:nvSpPr>
         <p:spPr>
           <a:xfrm>
-            <a:off x="610529" y="135204"/>
-            <a:ext cx="7511473" cy="1312480"/>
+            <a:off x="698923" y="58772"/>
+            <a:ext cx="7511473" cy="990484"/>
           </a:xfrm>
         </p:spPr>
         <p:txBody>
@@ -15223,11 +18460,11 @@
           <a:lstStyle/>
           <a:p>
             <a:pPr>
-              <a:buFont typeface="Wingdings,Sans-Serif"/>
-              <a:buChar char="Ø"/>
+              <a:buFont typeface="Arial" panose="020B0604020202020204" pitchFamily="34" charset="0"/>
+              <a:buChar char="•"/>
             </a:pPr>
             <a:r>
-              <a:rPr lang="en-US" sz="2800" b="1">
+              <a:rPr lang="en-US" sz="2800" b="1" cap="none">
                 <a:effectLst>
                   <a:glow rad="38100">
                     <a:prstClr val="black">
@@ -15248,7 +18485,7 @@
               <a:t>Hoisting</a:t>
             </a:r>
             <a:r>
-              <a:rPr lang="en-US" sz="2800">
+              <a:rPr lang="en-US" sz="2800" cap="none">
                 <a:effectLst>
                   <a:glow rad="38100">
                     <a:prstClr val="black">
@@ -15271,11 +18508,11 @@
           </a:p>
           <a:p>
             <a:pPr lvl="1">
-              <a:buFont typeface="Wingdings,Sans-Serif"/>
-              <a:buChar char="Ø"/>
+              <a:buFont typeface="Arial" panose="020B0604020202020204" pitchFamily="34" charset="0"/>
+              <a:buChar char="•"/>
             </a:pPr>
             <a:r>
-              <a:rPr lang="en-US" sz="2800" b="1">
+              <a:rPr lang="en-US" sz="2800" b="1" cap="none">
                 <a:effectLst>
                   <a:glow rad="38100">
                     <a:prstClr val="black">
@@ -15296,7 +18533,7 @@
               <a:t>Try this</a:t>
             </a:r>
             <a:r>
-              <a:rPr lang="en-US" sz="2800">
+              <a:rPr lang="en-US" sz="2800" cap="none">
                 <a:effectLst>
                   <a:glow rad="38100">
                     <a:prstClr val="black">
@@ -15317,7 +18554,7 @@
               <a:t>: </a:t>
             </a:r>
             <a:r>
-              <a:rPr lang="en-US" sz="2800">
+              <a:rPr lang="en-US" sz="2800" cap="none">
                 <a:solidFill>
                   <a:srgbClr val="FFC000"/>
                 </a:solidFill>
@@ -15341,7 +18578,7 @@
               <a:t>console.log(</a:t>
             </a:r>
             <a:r>
-              <a:rPr lang="en-US" sz="2800" err="1">
+              <a:rPr lang="en-US" sz="2800" cap="none" err="1">
                 <a:solidFill>
                   <a:srgbClr val="FFC000"/>
                 </a:solidFill>
@@ -15365,7 +18602,7 @@
               <a:t>x+y</a:t>
             </a:r>
             <a:r>
-              <a:rPr lang="en-US" sz="2800">
+              <a:rPr lang="en-US" sz="2800" cap="none">
                 <a:solidFill>
                   <a:srgbClr val="FFC000"/>
                 </a:solidFill>
@@ -15388,7 +18625,7 @@
               </a:rPr>
               <a:t>)</a:t>
             </a:r>
-            <a:endParaRPr lang="en-US" sz="2800">
+            <a:endParaRPr lang="en-US" sz="2800" cap="none">
               <a:effectLst>
                 <a:glow rad="38100">
                   <a:prstClr val="black">
@@ -15409,11 +18646,11 @@
           </a:p>
           <a:p>
             <a:pPr lvl="1">
-              <a:buFont typeface="Wingdings,Sans-Serif"/>
-              <a:buChar char="Ø"/>
+              <a:buFont typeface="Arial" panose="020B0604020202020204" pitchFamily="34" charset="0"/>
+              <a:buChar char="•"/>
             </a:pPr>
             <a:r>
-              <a:rPr lang="en-US" sz="2800">
+              <a:rPr lang="en-US" sz="2800" cap="none">
                 <a:effectLst>
                   <a:glow rad="38100">
                     <a:prstClr val="black">
@@ -15436,11 +18673,11 @@
           </a:p>
           <a:p>
             <a:pPr lvl="1">
-              <a:buFont typeface="Wingdings,Sans-Serif"/>
-              <a:buChar char="Ø"/>
+              <a:buFont typeface="Arial" panose="020B0604020202020204" pitchFamily="34" charset="0"/>
+              <a:buChar char="•"/>
             </a:pPr>
             <a:r>
-              <a:rPr lang="en-US" sz="2800">
+              <a:rPr lang="en-US" sz="2800" cap="none">
                 <a:effectLst>
                   <a:glow rad="38100">
                     <a:prstClr val="black">
@@ -15461,7 +18698,7 @@
               <a:t>Then declare both x and y with </a:t>
             </a:r>
             <a:r>
-              <a:rPr lang="en-US" sz="2800">
+              <a:rPr lang="en-US" sz="2800" cap="none">
                 <a:solidFill>
                   <a:srgbClr val="FFC000"/>
                 </a:solidFill>
@@ -15485,7 +18722,7 @@
               <a:t>var </a:t>
             </a:r>
             <a:r>
-              <a:rPr lang="en-US" sz="2800" err="1">
+              <a:rPr lang="en-US" sz="2800" cap="none" err="1">
                 <a:solidFill>
                   <a:srgbClr val="FFC000"/>
                 </a:solidFill>
@@ -15509,7 +18746,7 @@
               <a:t>x,y</a:t>
             </a:r>
             <a:r>
-              <a:rPr lang="en-US" sz="2800">
+              <a:rPr lang="en-US" sz="2800" cap="none">
                 <a:effectLst>
                   <a:glow rad="38100">
                     <a:prstClr val="black">
@@ -15714,6 +18951,275 @@
   <p:clrMapOvr>
     <a:masterClrMapping/>
   </p:clrMapOvr>
+  <p:timing>
+    <p:tnLst>
+      <p:par>
+        <p:cTn id="1" dur="indefinite" restart="never" nodeType="tmRoot">
+          <p:childTnLst>
+            <p:seq concurrent="1" nextAc="seek">
+              <p:cTn id="2" dur="indefinite" nodeType="mainSeq">
+                <p:childTnLst>
+                  <p:par>
+                    <p:cTn id="3" fill="hold">
+                      <p:stCondLst>
+                        <p:cond delay="indefinite"/>
+                      </p:stCondLst>
+                      <p:childTnLst>
+                        <p:par>
+                          <p:cTn id="4" fill="hold">
+                            <p:stCondLst>
+                              <p:cond delay="0"/>
+                            </p:stCondLst>
+                            <p:childTnLst>
+                              <p:par>
+                                <p:cTn id="5" presetID="10" presetClass="entr" presetSubtype="0" fill="hold" nodeType="clickEffect">
+                                  <p:stCondLst>
+                                    <p:cond delay="0"/>
+                                  </p:stCondLst>
+                                  <p:childTnLst>
+                                    <p:set>
+                                      <p:cBhvr>
+                                        <p:cTn id="6" dur="1" fill="hold">
+                                          <p:stCondLst>
+                                            <p:cond delay="0"/>
+                                          </p:stCondLst>
+                                        </p:cTn>
+                                        <p:tgtEl>
+                                          <p:spTgt spid="3">
+                                            <p:txEl>
+                                              <p:pRg st="1" end="1"/>
+                                            </p:txEl>
+                                          </p:spTgt>
+                                        </p:tgtEl>
+                                        <p:attrNameLst>
+                                          <p:attrName>style.visibility</p:attrName>
+                                        </p:attrNameLst>
+                                      </p:cBhvr>
+                                      <p:to>
+                                        <p:strVal val="visible"/>
+                                      </p:to>
+                                    </p:set>
+                                    <p:animEffect transition="in" filter="fade">
+                                      <p:cBhvr>
+                                        <p:cTn id="7" dur="500"/>
+                                        <p:tgtEl>
+                                          <p:spTgt spid="3">
+                                            <p:txEl>
+                                              <p:pRg st="1" end="1"/>
+                                            </p:txEl>
+                                          </p:spTgt>
+                                        </p:tgtEl>
+                                      </p:cBhvr>
+                                    </p:animEffect>
+                                  </p:childTnLst>
+                                </p:cTn>
+                              </p:par>
+                            </p:childTnLst>
+                          </p:cTn>
+                        </p:par>
+                      </p:childTnLst>
+                    </p:cTn>
+                  </p:par>
+                  <p:par>
+                    <p:cTn id="8" fill="hold">
+                      <p:stCondLst>
+                        <p:cond delay="indefinite"/>
+                      </p:stCondLst>
+                      <p:childTnLst>
+                        <p:par>
+                          <p:cTn id="9" fill="hold">
+                            <p:stCondLst>
+                              <p:cond delay="0"/>
+                            </p:stCondLst>
+                            <p:childTnLst>
+                              <p:par>
+                                <p:cTn id="10" presetID="10" presetClass="entr" presetSubtype="0" fill="hold" nodeType="clickEffect">
+                                  <p:stCondLst>
+                                    <p:cond delay="0"/>
+                                  </p:stCondLst>
+                                  <p:childTnLst>
+                                    <p:set>
+                                      <p:cBhvr>
+                                        <p:cTn id="11" dur="1" fill="hold">
+                                          <p:stCondLst>
+                                            <p:cond delay="0"/>
+                                          </p:stCondLst>
+                                        </p:cTn>
+                                        <p:tgtEl>
+                                          <p:spTgt spid="3">
+                                            <p:txEl>
+                                              <p:pRg st="2" end="2"/>
+                                            </p:txEl>
+                                          </p:spTgt>
+                                        </p:tgtEl>
+                                        <p:attrNameLst>
+                                          <p:attrName>style.visibility</p:attrName>
+                                        </p:attrNameLst>
+                                      </p:cBhvr>
+                                      <p:to>
+                                        <p:strVal val="visible"/>
+                                      </p:to>
+                                    </p:set>
+                                    <p:animEffect transition="in" filter="fade">
+                                      <p:cBhvr>
+                                        <p:cTn id="12" dur="500"/>
+                                        <p:tgtEl>
+                                          <p:spTgt spid="3">
+                                            <p:txEl>
+                                              <p:pRg st="2" end="2"/>
+                                            </p:txEl>
+                                          </p:spTgt>
+                                        </p:tgtEl>
+                                      </p:cBhvr>
+                                    </p:animEffect>
+                                  </p:childTnLst>
+                                </p:cTn>
+                              </p:par>
+                            </p:childTnLst>
+                          </p:cTn>
+                        </p:par>
+                      </p:childTnLst>
+                    </p:cTn>
+                  </p:par>
+                  <p:par>
+                    <p:cTn id="13" fill="hold">
+                      <p:stCondLst>
+                        <p:cond delay="indefinite"/>
+                      </p:stCondLst>
+                      <p:childTnLst>
+                        <p:par>
+                          <p:cTn id="14" fill="hold">
+                            <p:stCondLst>
+                              <p:cond delay="0"/>
+                            </p:stCondLst>
+                            <p:childTnLst>
+                              <p:par>
+                                <p:cTn id="15" presetID="10" presetClass="entr" presetSubtype="0" fill="hold" nodeType="clickEffect">
+                                  <p:stCondLst>
+                                    <p:cond delay="0"/>
+                                  </p:stCondLst>
+                                  <p:childTnLst>
+                                    <p:set>
+                                      <p:cBhvr>
+                                        <p:cTn id="16" dur="1" fill="hold">
+                                          <p:stCondLst>
+                                            <p:cond delay="0"/>
+                                          </p:stCondLst>
+                                        </p:cTn>
+                                        <p:tgtEl>
+                                          <p:spTgt spid="3">
+                                            <p:txEl>
+                                              <p:pRg st="3" end="3"/>
+                                            </p:txEl>
+                                          </p:spTgt>
+                                        </p:tgtEl>
+                                        <p:attrNameLst>
+                                          <p:attrName>style.visibility</p:attrName>
+                                        </p:attrNameLst>
+                                      </p:cBhvr>
+                                      <p:to>
+                                        <p:strVal val="visible"/>
+                                      </p:to>
+                                    </p:set>
+                                    <p:animEffect transition="in" filter="fade">
+                                      <p:cBhvr>
+                                        <p:cTn id="17" dur="500"/>
+                                        <p:tgtEl>
+                                          <p:spTgt spid="3">
+                                            <p:txEl>
+                                              <p:pRg st="3" end="3"/>
+                                            </p:txEl>
+                                          </p:spTgt>
+                                        </p:tgtEl>
+                                      </p:cBhvr>
+                                    </p:animEffect>
+                                  </p:childTnLst>
+                                </p:cTn>
+                              </p:par>
+                            </p:childTnLst>
+                          </p:cTn>
+                        </p:par>
+                      </p:childTnLst>
+                    </p:cTn>
+                  </p:par>
+                  <p:par>
+                    <p:cTn id="18" fill="hold">
+                      <p:stCondLst>
+                        <p:cond delay="indefinite"/>
+                      </p:stCondLst>
+                      <p:childTnLst>
+                        <p:par>
+                          <p:cTn id="19" fill="hold">
+                            <p:stCondLst>
+                              <p:cond delay="0"/>
+                            </p:stCondLst>
+                            <p:childTnLst>
+                              <p:par>
+                                <p:cTn id="20" presetID="10" presetClass="entr" presetSubtype="0" fill="hold" grpId="0" nodeType="clickEffect">
+                                  <p:stCondLst>
+                                    <p:cond delay="0"/>
+                                  </p:stCondLst>
+                                  <p:childTnLst>
+                                    <p:set>
+                                      <p:cBhvr>
+                                        <p:cTn id="21" dur="1" fill="hold">
+                                          <p:stCondLst>
+                                            <p:cond delay="0"/>
+                                          </p:stCondLst>
+                                        </p:cTn>
+                                        <p:tgtEl>
+                                          <p:spTgt spid="4"/>
+                                        </p:tgtEl>
+                                        <p:attrNameLst>
+                                          <p:attrName>style.visibility</p:attrName>
+                                        </p:attrNameLst>
+                                      </p:cBhvr>
+                                      <p:to>
+                                        <p:strVal val="visible"/>
+                                      </p:to>
+                                    </p:set>
+                                    <p:animEffect transition="in" filter="fade">
+                                      <p:cBhvr>
+                                        <p:cTn id="22" dur="500"/>
+                                        <p:tgtEl>
+                                          <p:spTgt spid="4"/>
+                                        </p:tgtEl>
+                                      </p:cBhvr>
+                                    </p:animEffect>
+                                  </p:childTnLst>
+                                </p:cTn>
+                              </p:par>
+                            </p:childTnLst>
+                          </p:cTn>
+                        </p:par>
+                      </p:childTnLst>
+                    </p:cTn>
+                  </p:par>
+                </p:childTnLst>
+              </p:cTn>
+              <p:prevCondLst>
+                <p:cond evt="onPrev" delay="0">
+                  <p:tgtEl>
+                    <p:sldTgt/>
+                  </p:tgtEl>
+                </p:cond>
+              </p:prevCondLst>
+              <p:nextCondLst>
+                <p:cond evt="onNext" delay="0">
+                  <p:tgtEl>
+                    <p:sldTgt/>
+                  </p:tgtEl>
+                </p:cond>
+              </p:nextCondLst>
+            </p:seq>
+          </p:childTnLst>
+        </p:cTn>
+      </p:par>
+    </p:tnLst>
+    <p:bldLst>
+      <p:bldP spid="4" grpId="0"/>
+    </p:bldLst>
+  </p:timing>
 </p:sld>
 </file>
 
@@ -15804,8 +19310,8 @@
         </p:nvSpPr>
         <p:spPr>
           <a:xfrm>
-            <a:off x="1098768" y="1160759"/>
-            <a:ext cx="6711654" cy="4915971"/>
+            <a:off x="605572" y="1317514"/>
+            <a:ext cx="8136672" cy="4915971"/>
           </a:xfrm>
         </p:spPr>
         <p:txBody>
@@ -15818,7 +19324,7 @@
               <a:buNone/>
             </a:pPr>
             <a:r>
-              <a:rPr lang="en-US" sz="2800">
+              <a:rPr lang="en-US" sz="2800" cap="none">
                 <a:ea typeface="+mj-lt"/>
                 <a:cs typeface="+mj-lt"/>
               </a:rPr>
@@ -15830,14 +19336,14 @@
               <a:buNone/>
             </a:pPr>
             <a:r>
-              <a:rPr lang="en-US" sz="2800">
+              <a:rPr lang="en-US" sz="2800" cap="none">
                 <a:ea typeface="+mj-lt"/>
                 <a:cs typeface="+mj-lt"/>
               </a:rPr>
               <a:t>   </a:t>
             </a:r>
             <a:r>
-              <a:rPr lang="en-US" sz="2800">
+              <a:rPr lang="en-US" sz="2800" cap="none">
                 <a:solidFill>
                   <a:srgbClr val="FFC000"/>
                 </a:solidFill>
@@ -15847,7 +19353,7 @@
               <a:t> console.log(</a:t>
             </a:r>
             <a:r>
-              <a:rPr lang="en-US" sz="2800" err="1">
+              <a:rPr lang="en-US" sz="2800" cap="none" err="1">
                 <a:solidFill>
                   <a:srgbClr val="FFC000"/>
                 </a:solidFill>
@@ -15857,7 +19363,7 @@
               <a:t>x+y</a:t>
             </a:r>
             <a:r>
-              <a:rPr lang="en-US" sz="2800">
+              <a:rPr lang="en-US" sz="2800" cap="none">
                 <a:solidFill>
                   <a:srgbClr val="FFC000"/>
                 </a:solidFill>
@@ -15866,7 +19372,7 @@
               </a:rPr>
               <a:t>);    //outputs 9 </a:t>
             </a:r>
-            <a:endParaRPr lang="en-US" sz="2800">
+            <a:endParaRPr lang="en-US" sz="2800" cap="none">
               <a:solidFill>
                 <a:srgbClr val="FFC000"/>
               </a:solidFill>
@@ -15877,7 +19383,7 @@
               <a:buNone/>
             </a:pPr>
             <a:r>
-              <a:rPr lang="en-US" sz="2800">
+              <a:rPr lang="en-US" sz="2800" cap="none">
                 <a:solidFill>
                   <a:srgbClr val="FFC000"/>
                 </a:solidFill>
@@ -15886,7 +19392,7 @@
               </a:rPr>
               <a:t>    x = 4;</a:t>
             </a:r>
-            <a:endParaRPr lang="en-US" sz="2800">
+            <a:endParaRPr lang="en-US" sz="2800" cap="none">
               <a:solidFill>
                 <a:srgbClr val="FFC000"/>
               </a:solidFill>
@@ -15897,7 +19403,7 @@
               <a:buNone/>
             </a:pPr>
             <a:r>
-              <a:rPr lang="en-US" sz="2800">
+              <a:rPr lang="en-US" sz="2800" cap="none">
                 <a:solidFill>
                   <a:srgbClr val="FFC000"/>
                 </a:solidFill>
@@ -15906,7 +19412,7 @@
               </a:rPr>
               <a:t>    y = 5;</a:t>
             </a:r>
-            <a:endParaRPr lang="en-US" sz="2800">
+            <a:endParaRPr lang="en-US" sz="2800" cap="none">
               <a:solidFill>
                 <a:srgbClr val="FFC000"/>
               </a:solidFill>
@@ -15917,7 +19423,7 @@
               <a:buNone/>
             </a:pPr>
             <a:r>
-              <a:rPr lang="en-US" sz="2800">
+              <a:rPr lang="en-US" sz="2800" cap="none">
                 <a:solidFill>
                   <a:srgbClr val="FFC000"/>
                 </a:solidFill>
@@ -15932,7 +19438,7 @@
               <a:buNone/>
             </a:pPr>
             <a:r>
-              <a:rPr lang="en-US" sz="2800"/>
+              <a:rPr lang="en-US" sz="2800" cap="none"/>
               <a:t>You can see how this can get sort of confusing when trying to find out the values of x or y in a large block of code!</a:t>
             </a:r>
           </a:p>
@@ -15948,6 +19454,287 @@
   <p:clrMapOvr>
     <a:masterClrMapping/>
   </p:clrMapOvr>
+  <p:timing>
+    <p:tnLst>
+      <p:par>
+        <p:cTn id="1" dur="indefinite" restart="never" nodeType="tmRoot">
+          <p:childTnLst>
+            <p:seq concurrent="1" nextAc="seek">
+              <p:cTn id="2" dur="indefinite" nodeType="mainSeq">
+                <p:childTnLst>
+                  <p:par>
+                    <p:cTn id="3" fill="hold">
+                      <p:stCondLst>
+                        <p:cond delay="indefinite"/>
+                      </p:stCondLst>
+                      <p:childTnLst>
+                        <p:par>
+                          <p:cTn id="4" fill="hold">
+                            <p:stCondLst>
+                              <p:cond delay="0"/>
+                            </p:stCondLst>
+                            <p:childTnLst>
+                              <p:par>
+                                <p:cTn id="5" presetID="10" presetClass="entr" presetSubtype="0" fill="hold" nodeType="clickEffect">
+                                  <p:stCondLst>
+                                    <p:cond delay="0"/>
+                                  </p:stCondLst>
+                                  <p:childTnLst>
+                                    <p:set>
+                                      <p:cBhvr>
+                                        <p:cTn id="6" dur="1" fill="hold">
+                                          <p:stCondLst>
+                                            <p:cond delay="0"/>
+                                          </p:stCondLst>
+                                        </p:cTn>
+                                        <p:tgtEl>
+                                          <p:spTgt spid="3">
+                                            <p:txEl>
+                                              <p:pRg st="1" end="1"/>
+                                            </p:txEl>
+                                          </p:spTgt>
+                                        </p:tgtEl>
+                                        <p:attrNameLst>
+                                          <p:attrName>style.visibility</p:attrName>
+                                        </p:attrNameLst>
+                                      </p:cBhvr>
+                                      <p:to>
+                                        <p:strVal val="visible"/>
+                                      </p:to>
+                                    </p:set>
+                                    <p:animEffect transition="in" filter="fade">
+                                      <p:cBhvr>
+                                        <p:cTn id="7" dur="500"/>
+                                        <p:tgtEl>
+                                          <p:spTgt spid="3">
+                                            <p:txEl>
+                                              <p:pRg st="1" end="1"/>
+                                            </p:txEl>
+                                          </p:spTgt>
+                                        </p:tgtEl>
+                                      </p:cBhvr>
+                                    </p:animEffect>
+                                  </p:childTnLst>
+                                </p:cTn>
+                              </p:par>
+                              <p:par>
+                                <p:cTn id="8" presetID="10" presetClass="entr" presetSubtype="0" fill="hold" nodeType="withEffect">
+                                  <p:stCondLst>
+                                    <p:cond delay="0"/>
+                                  </p:stCondLst>
+                                  <p:childTnLst>
+                                    <p:set>
+                                      <p:cBhvr>
+                                        <p:cTn id="9" dur="1" fill="hold">
+                                          <p:stCondLst>
+                                            <p:cond delay="0"/>
+                                          </p:stCondLst>
+                                        </p:cTn>
+                                        <p:tgtEl>
+                                          <p:spTgt spid="3">
+                                            <p:txEl>
+                                              <p:pRg st="2" end="2"/>
+                                            </p:txEl>
+                                          </p:spTgt>
+                                        </p:tgtEl>
+                                        <p:attrNameLst>
+                                          <p:attrName>style.visibility</p:attrName>
+                                        </p:attrNameLst>
+                                      </p:cBhvr>
+                                      <p:to>
+                                        <p:strVal val="visible"/>
+                                      </p:to>
+                                    </p:set>
+                                    <p:animEffect transition="in" filter="fade">
+                                      <p:cBhvr>
+                                        <p:cTn id="10" dur="500"/>
+                                        <p:tgtEl>
+                                          <p:spTgt spid="3">
+                                            <p:txEl>
+                                              <p:pRg st="2" end="2"/>
+                                            </p:txEl>
+                                          </p:spTgt>
+                                        </p:tgtEl>
+                                      </p:cBhvr>
+                                    </p:animEffect>
+                                  </p:childTnLst>
+                                </p:cTn>
+                              </p:par>
+                              <p:par>
+                                <p:cTn id="11" presetID="10" presetClass="entr" presetSubtype="0" fill="hold" nodeType="withEffect">
+                                  <p:stCondLst>
+                                    <p:cond delay="0"/>
+                                  </p:stCondLst>
+                                  <p:childTnLst>
+                                    <p:set>
+                                      <p:cBhvr>
+                                        <p:cTn id="12" dur="1" fill="hold">
+                                          <p:stCondLst>
+                                            <p:cond delay="0"/>
+                                          </p:stCondLst>
+                                        </p:cTn>
+                                        <p:tgtEl>
+                                          <p:spTgt spid="3">
+                                            <p:txEl>
+                                              <p:pRg st="3" end="3"/>
+                                            </p:txEl>
+                                          </p:spTgt>
+                                        </p:tgtEl>
+                                        <p:attrNameLst>
+                                          <p:attrName>style.visibility</p:attrName>
+                                        </p:attrNameLst>
+                                      </p:cBhvr>
+                                      <p:to>
+                                        <p:strVal val="visible"/>
+                                      </p:to>
+                                    </p:set>
+                                    <p:animEffect transition="in" filter="fade">
+                                      <p:cBhvr>
+                                        <p:cTn id="13" dur="500"/>
+                                        <p:tgtEl>
+                                          <p:spTgt spid="3">
+                                            <p:txEl>
+                                              <p:pRg st="3" end="3"/>
+                                            </p:txEl>
+                                          </p:spTgt>
+                                        </p:tgtEl>
+                                      </p:cBhvr>
+                                    </p:animEffect>
+                                  </p:childTnLst>
+                                </p:cTn>
+                              </p:par>
+                              <p:par>
+                                <p:cTn id="14" presetID="10" presetClass="entr" presetSubtype="0" fill="hold" nodeType="withEffect">
+                                  <p:stCondLst>
+                                    <p:cond delay="0"/>
+                                  </p:stCondLst>
+                                  <p:childTnLst>
+                                    <p:set>
+                                      <p:cBhvr>
+                                        <p:cTn id="15" dur="1" fill="hold">
+                                          <p:stCondLst>
+                                            <p:cond delay="0"/>
+                                          </p:stCondLst>
+                                        </p:cTn>
+                                        <p:tgtEl>
+                                          <p:spTgt spid="3">
+                                            <p:txEl>
+                                              <p:pRg st="4" end="4"/>
+                                            </p:txEl>
+                                          </p:spTgt>
+                                        </p:tgtEl>
+                                        <p:attrNameLst>
+                                          <p:attrName>style.visibility</p:attrName>
+                                        </p:attrNameLst>
+                                      </p:cBhvr>
+                                      <p:to>
+                                        <p:strVal val="visible"/>
+                                      </p:to>
+                                    </p:set>
+                                    <p:animEffect transition="in" filter="fade">
+                                      <p:cBhvr>
+                                        <p:cTn id="16" dur="500"/>
+                                        <p:tgtEl>
+                                          <p:spTgt spid="3">
+                                            <p:txEl>
+                                              <p:pRg st="4" end="4"/>
+                                            </p:txEl>
+                                          </p:spTgt>
+                                        </p:tgtEl>
+                                      </p:cBhvr>
+                                    </p:animEffect>
+                                  </p:childTnLst>
+                                </p:cTn>
+                              </p:par>
+                            </p:childTnLst>
+                          </p:cTn>
+                        </p:par>
+                      </p:childTnLst>
+                    </p:cTn>
+                  </p:par>
+                  <p:par>
+                    <p:cTn id="17" fill="hold">
+                      <p:stCondLst>
+                        <p:cond delay="indefinite"/>
+                      </p:stCondLst>
+                      <p:childTnLst>
+                        <p:par>
+                          <p:cTn id="18" fill="hold">
+                            <p:stCondLst>
+                              <p:cond delay="0"/>
+                            </p:stCondLst>
+                            <p:childTnLst>
+                              <p:par>
+                                <p:cTn id="19" presetID="10" presetClass="entr" presetSubtype="0" fill="hold" nodeType="clickEffect">
+                                  <p:stCondLst>
+                                    <p:cond delay="0"/>
+                                  </p:stCondLst>
+                                  <p:childTnLst>
+                                    <p:set>
+                                      <p:cBhvr>
+                                        <p:cTn id="20" dur="1" fill="hold">
+                                          <p:stCondLst>
+                                            <p:cond delay="0"/>
+                                          </p:stCondLst>
+                                        </p:cTn>
+                                        <p:tgtEl>
+                                          <p:spTgt spid="3">
+                                            <p:txEl>
+                                              <p:pRg st="5" end="5"/>
+                                            </p:txEl>
+                                          </p:spTgt>
+                                        </p:tgtEl>
+                                        <p:attrNameLst>
+                                          <p:attrName>style.visibility</p:attrName>
+                                        </p:attrNameLst>
+                                      </p:cBhvr>
+                                      <p:to>
+                                        <p:strVal val="visible"/>
+                                      </p:to>
+                                    </p:set>
+                                    <p:animEffect transition="in" filter="fade">
+                                      <p:cBhvr>
+                                        <p:cTn id="21" dur="500"/>
+                                        <p:tgtEl>
+                                          <p:spTgt spid="3">
+                                            <p:txEl>
+                                              <p:pRg st="5" end="5"/>
+                                            </p:txEl>
+                                          </p:spTgt>
+                                        </p:tgtEl>
+                                      </p:cBhvr>
+                                    </p:animEffect>
+                                  </p:childTnLst>
+                                </p:cTn>
+                              </p:par>
+                            </p:childTnLst>
+                          </p:cTn>
+                        </p:par>
+                      </p:childTnLst>
+                    </p:cTn>
+                  </p:par>
+                </p:childTnLst>
+              </p:cTn>
+              <p:prevCondLst>
+                <p:cond evt="onPrev" delay="0">
+                  <p:tgtEl>
+                    <p:sldTgt/>
+                  </p:tgtEl>
+                </p:cond>
+              </p:prevCondLst>
+              <p:nextCondLst>
+                <p:cond evt="onNext" delay="0">
+                  <p:tgtEl>
+                    <p:sldTgt/>
+                  </p:tgtEl>
+                </p:cond>
+              </p:nextCondLst>
+            </p:seq>
+          </p:childTnLst>
+        </p:cTn>
+      </p:par>
+    </p:tnLst>
+  </p:timing>
 </p:sld>
 </file>
 
@@ -16267,22 +20054,31 @@
               <a:t>Strings have useful attributes like </a:t>
             </a:r>
             <a:r>
+              <a:rPr lang="en-US" sz="2400" err="1">
+                <a:solidFill>
+                  <a:srgbClr val="FFC000"/>
+                </a:solidFill>
+                <a:latin typeface="Century Gothic" panose="020B0502020202020204"/>
+              </a:rPr>
+              <a:t>str.</a:t>
+            </a:r>
+            <a:r>
+              <a:rPr lang="en-US" sz="2400" err="1">
+                <a:solidFill>
+                  <a:srgbClr val="FFC000"/>
+                </a:solidFill>
+                <a:latin typeface="Consolas"/>
+              </a:rPr>
+              <a:t>length</a:t>
+            </a:r>
+            <a:r>
               <a:rPr lang="en-US" sz="2400">
                 <a:solidFill>
                   <a:srgbClr val="FFC000"/>
                 </a:solidFill>
-                <a:latin typeface="Century Gothic" panose="020B0502020202020204"/>
-              </a:rPr>
-              <a:t>str.</a:t>
-            </a:r>
-            <a:r>
-              <a:rPr lang="en-US" sz="2400">
-                <a:solidFill>
-                  <a:srgbClr val="FFC000"/>
-                </a:solidFill>
                 <a:latin typeface="Consolas"/>
               </a:rPr>
-              <a:t>length </a:t>
+              <a:t> </a:t>
             </a:r>
           </a:p>
           <a:p>
@@ -16356,7 +20152,7 @@
         </p:nvSpPr>
         <p:spPr>
           <a:xfrm>
-            <a:off x="925340" y="6427051"/>
+            <a:off x="931283" y="6132713"/>
             <a:ext cx="7227695" cy="461665"/>
           </a:xfrm>
           <a:prstGeom prst="rect">
@@ -16396,6 +20192,465 @@
   <p:clrMapOvr>
     <a:masterClrMapping/>
   </p:clrMapOvr>
+  <p:timing>
+    <p:tnLst>
+      <p:par>
+        <p:cTn id="1" dur="indefinite" restart="never" nodeType="tmRoot">
+          <p:childTnLst>
+            <p:seq concurrent="1" nextAc="seek">
+              <p:cTn id="2" dur="indefinite" nodeType="mainSeq">
+                <p:childTnLst>
+                  <p:par>
+                    <p:cTn id="3" fill="hold">
+                      <p:stCondLst>
+                        <p:cond delay="indefinite"/>
+                      </p:stCondLst>
+                      <p:childTnLst>
+                        <p:par>
+                          <p:cTn id="4" fill="hold">
+                            <p:stCondLst>
+                              <p:cond delay="0"/>
+                            </p:stCondLst>
+                            <p:childTnLst>
+                              <p:par>
+                                <p:cTn id="5" presetID="10" presetClass="entr" presetSubtype="0" fill="hold" nodeType="clickEffect">
+                                  <p:stCondLst>
+                                    <p:cond delay="0"/>
+                                  </p:stCondLst>
+                                  <p:childTnLst>
+                                    <p:set>
+                                      <p:cBhvr>
+                                        <p:cTn id="6" dur="1" fill="hold">
+                                          <p:stCondLst>
+                                            <p:cond delay="0"/>
+                                          </p:stCondLst>
+                                        </p:cTn>
+                                        <p:tgtEl>
+                                          <p:spTgt spid="2">
+                                            <p:txEl>
+                                              <p:pRg st="1" end="1"/>
+                                            </p:txEl>
+                                          </p:spTgt>
+                                        </p:tgtEl>
+                                        <p:attrNameLst>
+                                          <p:attrName>style.visibility</p:attrName>
+                                        </p:attrNameLst>
+                                      </p:cBhvr>
+                                      <p:to>
+                                        <p:strVal val="visible"/>
+                                      </p:to>
+                                    </p:set>
+                                    <p:animEffect transition="in" filter="fade">
+                                      <p:cBhvr>
+                                        <p:cTn id="7" dur="500"/>
+                                        <p:tgtEl>
+                                          <p:spTgt spid="2">
+                                            <p:txEl>
+                                              <p:pRg st="1" end="1"/>
+                                            </p:txEl>
+                                          </p:spTgt>
+                                        </p:tgtEl>
+                                      </p:cBhvr>
+                                    </p:animEffect>
+                                  </p:childTnLst>
+                                </p:cTn>
+                              </p:par>
+                              <p:par>
+                                <p:cTn id="8" presetID="10" presetClass="entr" presetSubtype="0" fill="hold" nodeType="withEffect">
+                                  <p:stCondLst>
+                                    <p:cond delay="0"/>
+                                  </p:stCondLst>
+                                  <p:childTnLst>
+                                    <p:set>
+                                      <p:cBhvr>
+                                        <p:cTn id="9" dur="1" fill="hold">
+                                          <p:stCondLst>
+                                            <p:cond delay="0"/>
+                                          </p:stCondLst>
+                                        </p:cTn>
+                                        <p:tgtEl>
+                                          <p:spTgt spid="2">
+                                            <p:txEl>
+                                              <p:pRg st="2" end="2"/>
+                                            </p:txEl>
+                                          </p:spTgt>
+                                        </p:tgtEl>
+                                        <p:attrNameLst>
+                                          <p:attrName>style.visibility</p:attrName>
+                                        </p:attrNameLst>
+                                      </p:cBhvr>
+                                      <p:to>
+                                        <p:strVal val="visible"/>
+                                      </p:to>
+                                    </p:set>
+                                    <p:animEffect transition="in" filter="fade">
+                                      <p:cBhvr>
+                                        <p:cTn id="10" dur="500"/>
+                                        <p:tgtEl>
+                                          <p:spTgt spid="2">
+                                            <p:txEl>
+                                              <p:pRg st="2" end="2"/>
+                                            </p:txEl>
+                                          </p:spTgt>
+                                        </p:tgtEl>
+                                      </p:cBhvr>
+                                    </p:animEffect>
+                                  </p:childTnLst>
+                                </p:cTn>
+                              </p:par>
+                            </p:childTnLst>
+                          </p:cTn>
+                        </p:par>
+                      </p:childTnLst>
+                    </p:cTn>
+                  </p:par>
+                  <p:par>
+                    <p:cTn id="11" fill="hold">
+                      <p:stCondLst>
+                        <p:cond delay="indefinite"/>
+                      </p:stCondLst>
+                      <p:childTnLst>
+                        <p:par>
+                          <p:cTn id="12" fill="hold">
+                            <p:stCondLst>
+                              <p:cond delay="0"/>
+                            </p:stCondLst>
+                            <p:childTnLst>
+                              <p:par>
+                                <p:cTn id="13" presetID="10" presetClass="entr" presetSubtype="0" fill="hold" nodeType="clickEffect">
+                                  <p:stCondLst>
+                                    <p:cond delay="0"/>
+                                  </p:stCondLst>
+                                  <p:childTnLst>
+                                    <p:set>
+                                      <p:cBhvr>
+                                        <p:cTn id="14" dur="1" fill="hold">
+                                          <p:stCondLst>
+                                            <p:cond delay="0"/>
+                                          </p:stCondLst>
+                                        </p:cTn>
+                                        <p:tgtEl>
+                                          <p:spTgt spid="2">
+                                            <p:txEl>
+                                              <p:pRg st="3" end="3"/>
+                                            </p:txEl>
+                                          </p:spTgt>
+                                        </p:tgtEl>
+                                        <p:attrNameLst>
+                                          <p:attrName>style.visibility</p:attrName>
+                                        </p:attrNameLst>
+                                      </p:cBhvr>
+                                      <p:to>
+                                        <p:strVal val="visible"/>
+                                      </p:to>
+                                    </p:set>
+                                    <p:animEffect transition="in" filter="fade">
+                                      <p:cBhvr>
+                                        <p:cTn id="15" dur="500"/>
+                                        <p:tgtEl>
+                                          <p:spTgt spid="2">
+                                            <p:txEl>
+                                              <p:pRg st="3" end="3"/>
+                                            </p:txEl>
+                                          </p:spTgt>
+                                        </p:tgtEl>
+                                      </p:cBhvr>
+                                    </p:animEffect>
+                                  </p:childTnLst>
+                                </p:cTn>
+                              </p:par>
+                              <p:par>
+                                <p:cTn id="16" presetID="10" presetClass="entr" presetSubtype="0" fill="hold" nodeType="withEffect">
+                                  <p:stCondLst>
+                                    <p:cond delay="0"/>
+                                  </p:stCondLst>
+                                  <p:childTnLst>
+                                    <p:set>
+                                      <p:cBhvr>
+                                        <p:cTn id="17" dur="1" fill="hold">
+                                          <p:stCondLst>
+                                            <p:cond delay="0"/>
+                                          </p:stCondLst>
+                                        </p:cTn>
+                                        <p:tgtEl>
+                                          <p:spTgt spid="2">
+                                            <p:txEl>
+                                              <p:pRg st="4" end="4"/>
+                                            </p:txEl>
+                                          </p:spTgt>
+                                        </p:tgtEl>
+                                        <p:attrNameLst>
+                                          <p:attrName>style.visibility</p:attrName>
+                                        </p:attrNameLst>
+                                      </p:cBhvr>
+                                      <p:to>
+                                        <p:strVal val="visible"/>
+                                      </p:to>
+                                    </p:set>
+                                    <p:animEffect transition="in" filter="fade">
+                                      <p:cBhvr>
+                                        <p:cTn id="18" dur="500"/>
+                                        <p:tgtEl>
+                                          <p:spTgt spid="2">
+                                            <p:txEl>
+                                              <p:pRg st="4" end="4"/>
+                                            </p:txEl>
+                                          </p:spTgt>
+                                        </p:tgtEl>
+                                      </p:cBhvr>
+                                    </p:animEffect>
+                                  </p:childTnLst>
+                                </p:cTn>
+                              </p:par>
+                            </p:childTnLst>
+                          </p:cTn>
+                        </p:par>
+                      </p:childTnLst>
+                    </p:cTn>
+                  </p:par>
+                  <p:par>
+                    <p:cTn id="19" fill="hold">
+                      <p:stCondLst>
+                        <p:cond delay="indefinite"/>
+                      </p:stCondLst>
+                      <p:childTnLst>
+                        <p:par>
+                          <p:cTn id="20" fill="hold">
+                            <p:stCondLst>
+                              <p:cond delay="0"/>
+                            </p:stCondLst>
+                            <p:childTnLst>
+                              <p:par>
+                                <p:cTn id="21" presetID="10" presetClass="entr" presetSubtype="0" fill="hold" nodeType="clickEffect">
+                                  <p:stCondLst>
+                                    <p:cond delay="0"/>
+                                  </p:stCondLst>
+                                  <p:childTnLst>
+                                    <p:set>
+                                      <p:cBhvr>
+                                        <p:cTn id="22" dur="1" fill="hold">
+                                          <p:stCondLst>
+                                            <p:cond delay="0"/>
+                                          </p:stCondLst>
+                                        </p:cTn>
+                                        <p:tgtEl>
+                                          <p:spTgt spid="2">
+                                            <p:txEl>
+                                              <p:pRg st="6" end="6"/>
+                                            </p:txEl>
+                                          </p:spTgt>
+                                        </p:tgtEl>
+                                        <p:attrNameLst>
+                                          <p:attrName>style.visibility</p:attrName>
+                                        </p:attrNameLst>
+                                      </p:cBhvr>
+                                      <p:to>
+                                        <p:strVal val="visible"/>
+                                      </p:to>
+                                    </p:set>
+                                    <p:animEffect transition="in" filter="fade">
+                                      <p:cBhvr>
+                                        <p:cTn id="23" dur="500"/>
+                                        <p:tgtEl>
+                                          <p:spTgt spid="2">
+                                            <p:txEl>
+                                              <p:pRg st="6" end="6"/>
+                                            </p:txEl>
+                                          </p:spTgt>
+                                        </p:tgtEl>
+                                      </p:cBhvr>
+                                    </p:animEffect>
+                                  </p:childTnLst>
+                                </p:cTn>
+                              </p:par>
+                            </p:childTnLst>
+                          </p:cTn>
+                        </p:par>
+                      </p:childTnLst>
+                    </p:cTn>
+                  </p:par>
+                  <p:par>
+                    <p:cTn id="24" fill="hold">
+                      <p:stCondLst>
+                        <p:cond delay="indefinite"/>
+                      </p:stCondLst>
+                      <p:childTnLst>
+                        <p:par>
+                          <p:cTn id="25" fill="hold">
+                            <p:stCondLst>
+                              <p:cond delay="0"/>
+                            </p:stCondLst>
+                            <p:childTnLst>
+                              <p:par>
+                                <p:cTn id="26" presetID="10" presetClass="entr" presetSubtype="0" fill="hold" nodeType="clickEffect">
+                                  <p:stCondLst>
+                                    <p:cond delay="0"/>
+                                  </p:stCondLst>
+                                  <p:childTnLst>
+                                    <p:set>
+                                      <p:cBhvr>
+                                        <p:cTn id="27" dur="1" fill="hold">
+                                          <p:stCondLst>
+                                            <p:cond delay="0"/>
+                                          </p:stCondLst>
+                                        </p:cTn>
+                                        <p:tgtEl>
+                                          <p:spTgt spid="2">
+                                            <p:txEl>
+                                              <p:pRg st="8" end="8"/>
+                                            </p:txEl>
+                                          </p:spTgt>
+                                        </p:tgtEl>
+                                        <p:attrNameLst>
+                                          <p:attrName>style.visibility</p:attrName>
+                                        </p:attrNameLst>
+                                      </p:cBhvr>
+                                      <p:to>
+                                        <p:strVal val="visible"/>
+                                      </p:to>
+                                    </p:set>
+                                    <p:animEffect transition="in" filter="fade">
+                                      <p:cBhvr>
+                                        <p:cTn id="28" dur="500"/>
+                                        <p:tgtEl>
+                                          <p:spTgt spid="2">
+                                            <p:txEl>
+                                              <p:pRg st="8" end="8"/>
+                                            </p:txEl>
+                                          </p:spTgt>
+                                        </p:tgtEl>
+                                      </p:cBhvr>
+                                    </p:animEffect>
+                                  </p:childTnLst>
+                                </p:cTn>
+                              </p:par>
+                              <p:par>
+                                <p:cTn id="29" presetID="10" presetClass="entr" presetSubtype="0" fill="hold" nodeType="withEffect">
+                                  <p:stCondLst>
+                                    <p:cond delay="0"/>
+                                  </p:stCondLst>
+                                  <p:childTnLst>
+                                    <p:set>
+                                      <p:cBhvr>
+                                        <p:cTn id="30" dur="1" fill="hold">
+                                          <p:stCondLst>
+                                            <p:cond delay="0"/>
+                                          </p:stCondLst>
+                                        </p:cTn>
+                                        <p:tgtEl>
+                                          <p:spTgt spid="2">
+                                            <p:txEl>
+                                              <p:pRg st="9" end="9"/>
+                                            </p:txEl>
+                                          </p:spTgt>
+                                        </p:tgtEl>
+                                        <p:attrNameLst>
+                                          <p:attrName>style.visibility</p:attrName>
+                                        </p:attrNameLst>
+                                      </p:cBhvr>
+                                      <p:to>
+                                        <p:strVal val="visible"/>
+                                      </p:to>
+                                    </p:set>
+                                    <p:animEffect transition="in" filter="fade">
+                                      <p:cBhvr>
+                                        <p:cTn id="31" dur="500"/>
+                                        <p:tgtEl>
+                                          <p:spTgt spid="2">
+                                            <p:txEl>
+                                              <p:pRg st="9" end="9"/>
+                                            </p:txEl>
+                                          </p:spTgt>
+                                        </p:tgtEl>
+                                      </p:cBhvr>
+                                    </p:animEffect>
+                                  </p:childTnLst>
+                                </p:cTn>
+                              </p:par>
+                            </p:childTnLst>
+                          </p:cTn>
+                        </p:par>
+                      </p:childTnLst>
+                    </p:cTn>
+                  </p:par>
+                  <p:par>
+                    <p:cTn id="32" fill="hold">
+                      <p:stCondLst>
+                        <p:cond delay="indefinite"/>
+                      </p:stCondLst>
+                      <p:childTnLst>
+                        <p:par>
+                          <p:cTn id="33" fill="hold">
+                            <p:stCondLst>
+                              <p:cond delay="0"/>
+                            </p:stCondLst>
+                            <p:childTnLst>
+                              <p:par>
+                                <p:cTn id="34" presetID="10" presetClass="entr" presetSubtype="0" fill="hold" grpId="0" nodeType="clickEffect">
+                                  <p:stCondLst>
+                                    <p:cond delay="0"/>
+                                  </p:stCondLst>
+                                  <p:childTnLst>
+                                    <p:set>
+                                      <p:cBhvr>
+                                        <p:cTn id="35" dur="1" fill="hold">
+                                          <p:stCondLst>
+                                            <p:cond delay="0"/>
+                                          </p:stCondLst>
+                                        </p:cTn>
+                                        <p:tgtEl>
+                                          <p:spTgt spid="8"/>
+                                        </p:tgtEl>
+                                        <p:attrNameLst>
+                                          <p:attrName>style.visibility</p:attrName>
+                                        </p:attrNameLst>
+                                      </p:cBhvr>
+                                      <p:to>
+                                        <p:strVal val="visible"/>
+                                      </p:to>
+                                    </p:set>
+                                    <p:animEffect transition="in" filter="fade">
+                                      <p:cBhvr>
+                                        <p:cTn id="36" dur="500"/>
+                                        <p:tgtEl>
+                                          <p:spTgt spid="8"/>
+                                        </p:tgtEl>
+                                      </p:cBhvr>
+                                    </p:animEffect>
+                                  </p:childTnLst>
+                                </p:cTn>
+                              </p:par>
+                            </p:childTnLst>
+                          </p:cTn>
+                        </p:par>
+                      </p:childTnLst>
+                    </p:cTn>
+                  </p:par>
+                </p:childTnLst>
+              </p:cTn>
+              <p:prevCondLst>
+                <p:cond evt="onPrev" delay="0">
+                  <p:tgtEl>
+                    <p:sldTgt/>
+                  </p:tgtEl>
+                </p:cond>
+              </p:prevCondLst>
+              <p:nextCondLst>
+                <p:cond evt="onNext" delay="0">
+                  <p:tgtEl>
+                    <p:sldTgt/>
+                  </p:tgtEl>
+                </p:cond>
+              </p:nextCondLst>
+            </p:seq>
+          </p:childTnLst>
+        </p:cTn>
+      </p:par>
+    </p:tnLst>
+    <p:bldLst>
+      <p:bldP spid="8" grpId="0"/>
+    </p:bldLst>
+  </p:timing>
 </p:sld>
 </file>
 
@@ -27259,8 +31514,8 @@
         </p:nvSpPr>
         <p:spPr>
           <a:xfrm>
-            <a:off x="616227" y="932471"/>
-            <a:ext cx="8010937" cy="4708981"/>
+            <a:off x="505365" y="640756"/>
+            <a:ext cx="8010937" cy="6001643"/>
           </a:xfrm>
           <a:prstGeom prst="rect">
             <a:avLst/>
@@ -27281,14 +31536,14 @@
               <a:buChar char="•"/>
             </a:pPr>
             <a:r>
-              <a:rPr lang="en-US" sz="2000">
+              <a:rPr lang="en-US" sz="2400">
                 <a:ea typeface="+mn-lt"/>
                 <a:cs typeface="+mn-lt"/>
               </a:rPr>
               <a:t>In the following example, the code in the loop will run, over and over again, as long as a </a:t>
             </a:r>
             <a:r>
-              <a:rPr lang="en-US" sz="2000">
+              <a:rPr lang="en-US" sz="2400">
                 <a:latin typeface="Century Gothic"/>
                 <a:ea typeface="+mn-lt"/>
                 <a:cs typeface="+mn-lt"/>
@@ -27296,7 +31551,7 @@
               <a:t>variable (</a:t>
             </a:r>
             <a:r>
-              <a:rPr lang="en-US" sz="2000" err="1">
+              <a:rPr lang="en-US" sz="2400" err="1">
                 <a:latin typeface="Century Gothic"/>
                 <a:ea typeface="+mn-lt"/>
                 <a:cs typeface="+mn-lt"/>
@@ -27304,7 +31559,7 @@
               <a:t>i</a:t>
             </a:r>
             <a:r>
-              <a:rPr lang="en-US" sz="2000">
+              <a:rPr lang="en-US" sz="2400">
                 <a:latin typeface="Century Gothic"/>
                 <a:ea typeface="+mn-lt"/>
                 <a:cs typeface="+mn-lt"/>
@@ -27312,17 +31567,19 @@
               <a:t>)</a:t>
             </a:r>
             <a:r>
-              <a:rPr lang="en-US" sz="2000">
+              <a:rPr lang="en-US" sz="2400">
                 <a:ea typeface="+mn-lt"/>
                 <a:cs typeface="+mn-lt"/>
               </a:rPr>
               <a:t> is less than 10:</a:t>
             </a:r>
-            <a:endParaRPr lang="en-US" sz="2000"/>
-          </a:p>
-          <a:p>
-            <a:pPr lvl="2"/>
-            <a:endParaRPr lang="en-US" sz="2000">
+          </a:p>
+          <a:p>
+            <a:pPr marL="285750" indent="-285750">
+              <a:buFont typeface="Arial"/>
+              <a:buChar char="•"/>
+            </a:pPr>
+            <a:endParaRPr lang="en-US" sz="2400">
               <a:latin typeface="Consolas"/>
               <a:ea typeface="+mn-lt"/>
               <a:cs typeface="+mn-lt"/>
@@ -27331,7 +31588,10 @@
           <a:p>
             <a:pPr lvl="2"/>
             <a:r>
-              <a:rPr lang="en-US" sz="2000">
+              <a:rPr lang="en-US" sz="2400">
+                <a:solidFill>
+                  <a:srgbClr val="FFC000"/>
+                </a:solidFill>
                 <a:latin typeface="Consolas"/>
                 <a:ea typeface="+mn-lt"/>
                 <a:cs typeface="+mn-lt"/>
@@ -27339,7 +31599,10 @@
               <a:t>while (</a:t>
             </a:r>
             <a:r>
-              <a:rPr lang="en-US" sz="2000" err="1">
+              <a:rPr lang="en-US" sz="2400" err="1">
+                <a:solidFill>
+                  <a:srgbClr val="FFC000"/>
+                </a:solidFill>
                 <a:latin typeface="Consolas"/>
                 <a:ea typeface="+mn-lt"/>
                 <a:cs typeface="+mn-lt"/>
@@ -27347,7 +31610,10 @@
               <a:t>i</a:t>
             </a:r>
             <a:r>
-              <a:rPr lang="en-US" sz="2000">
+              <a:rPr lang="en-US" sz="2400">
+                <a:solidFill>
+                  <a:srgbClr val="FFC000"/>
+                </a:solidFill>
                 <a:latin typeface="Consolas"/>
                 <a:ea typeface="+mn-lt"/>
                 <a:cs typeface="+mn-lt"/>
@@ -27355,14 +31621,20 @@
               <a:t> &lt; 10) {</a:t>
             </a:r>
             <a:br>
-              <a:rPr lang="en-US" sz="2000">
+              <a:rPr lang="en-US" sz="2400">
+                <a:solidFill>
+                  <a:srgbClr val="FFC000"/>
+                </a:solidFill>
                 <a:latin typeface="Consolas"/>
                 <a:ea typeface="+mn-lt"/>
                 <a:cs typeface="+mn-lt"/>
               </a:rPr>
             </a:br>
             <a:r>
-              <a:rPr lang="en-US" sz="2000">
+              <a:rPr lang="en-US" sz="2400">
+                <a:solidFill>
+                  <a:srgbClr val="FFC000"/>
+                </a:solidFill>
                 <a:latin typeface="Consolas"/>
                 <a:ea typeface="+mn-lt"/>
                 <a:cs typeface="+mn-lt"/>
@@ -27370,7 +31642,10 @@
               <a:t>   text += "The number is " + </a:t>
             </a:r>
             <a:r>
-              <a:rPr lang="en-US" sz="2000" err="1">
+              <a:rPr lang="en-US" sz="2400" err="1">
+                <a:solidFill>
+                  <a:srgbClr val="FFC000"/>
+                </a:solidFill>
                 <a:latin typeface="Consolas"/>
                 <a:ea typeface="+mn-lt"/>
                 <a:cs typeface="+mn-lt"/>
@@ -27378,7 +31653,10 @@
               <a:t>i</a:t>
             </a:r>
             <a:r>
-              <a:rPr lang="en-US" sz="2000">
+              <a:rPr lang="en-US" sz="2400">
+                <a:solidFill>
+                  <a:srgbClr val="FFC000"/>
+                </a:solidFill>
                 <a:latin typeface="Consolas"/>
                 <a:ea typeface="+mn-lt"/>
                 <a:cs typeface="+mn-lt"/>
@@ -27386,14 +31664,20 @@
               <a:t>;</a:t>
             </a:r>
             <a:br>
-              <a:rPr lang="en-US" sz="2000">
+              <a:rPr lang="en-US" sz="2400">
+                <a:solidFill>
+                  <a:srgbClr val="FFC000"/>
+                </a:solidFill>
                 <a:latin typeface="Consolas"/>
                 <a:ea typeface="+mn-lt"/>
                 <a:cs typeface="+mn-lt"/>
               </a:rPr>
             </a:br>
             <a:r>
-              <a:rPr lang="en-US" sz="2000">
+              <a:rPr lang="en-US" sz="2400">
+                <a:solidFill>
+                  <a:srgbClr val="FFC000"/>
+                </a:solidFill>
                 <a:latin typeface="Consolas"/>
                 <a:ea typeface="+mn-lt"/>
                 <a:cs typeface="+mn-lt"/>
@@ -27401,7 +31685,10 @@
               <a:t>   </a:t>
             </a:r>
             <a:r>
-              <a:rPr lang="en-US" sz="2000" err="1">
+              <a:rPr lang="en-US" sz="2400" err="1">
+                <a:solidFill>
+                  <a:srgbClr val="FFC000"/>
+                </a:solidFill>
                 <a:latin typeface="Consolas"/>
                 <a:ea typeface="+mn-lt"/>
                 <a:cs typeface="+mn-lt"/>
@@ -27409,7 +31696,10 @@
               <a:t>i</a:t>
             </a:r>
             <a:r>
-              <a:rPr lang="en-US" sz="2000">
+              <a:rPr lang="en-US" sz="2400">
+                <a:solidFill>
+                  <a:srgbClr val="FFC000"/>
+                </a:solidFill>
                 <a:latin typeface="Consolas"/>
                 <a:ea typeface="+mn-lt"/>
                 <a:cs typeface="+mn-lt"/>
@@ -27417,46 +31707,56 @@
               <a:t>++;</a:t>
             </a:r>
             <a:br>
-              <a:rPr lang="en-US" sz="2000">
+              <a:rPr lang="en-US" sz="2400">
+                <a:solidFill>
+                  <a:srgbClr val="FFC000"/>
+                </a:solidFill>
                 <a:latin typeface="Consolas"/>
                 <a:ea typeface="+mn-lt"/>
                 <a:cs typeface="+mn-lt"/>
               </a:rPr>
             </a:br>
             <a:r>
-              <a:rPr lang="en-US" sz="2000">
+              <a:rPr lang="en-US" sz="2400">
+                <a:solidFill>
+                  <a:srgbClr val="FFC000"/>
+                </a:solidFill>
                 <a:latin typeface="Consolas"/>
                 <a:ea typeface="+mn-lt"/>
                 <a:cs typeface="+mn-lt"/>
               </a:rPr>
               <a:t>}</a:t>
             </a:r>
-            <a:endParaRPr lang="en-US" sz="2000"/>
+            <a:endParaRPr lang="en-US" sz="2400">
+              <a:solidFill>
+                <a:srgbClr val="FFC000"/>
+              </a:solidFill>
+            </a:endParaRPr>
+          </a:p>
+          <a:p>
+            <a:pPr lvl="2"/>
+            <a:endParaRPr lang="en-US" sz="2400">
+              <a:latin typeface="Century Gothic"/>
+            </a:endParaRPr>
           </a:p>
           <a:p>
             <a:pPr marL="285750" indent="-285750">
               <a:buFont typeface="Arial"/>
               <a:buChar char="•"/>
             </a:pPr>
-            <a:endParaRPr lang="en-US" sz="2000">
-              <a:latin typeface="Century Gothic"/>
-            </a:endParaRPr>
+            <a:r>
+              <a:rPr lang="en-US" sz="2400">
+                <a:latin typeface="Century Gothic"/>
+              </a:rPr>
+              <a:t>JS also has do-while loops</a:t>
+            </a:r>
           </a:p>
           <a:p>
             <a:pPr marL="285750" indent="-285750">
               <a:buFont typeface="Arial"/>
               <a:buChar char="•"/>
             </a:pPr>
-            <a:r>
-              <a:rPr lang="en-US" sz="2000">
-                <a:latin typeface="Century Gothic"/>
-              </a:rPr>
-              <a:t>JS also has do-while loops:</a:t>
-            </a:r>
-          </a:p>
-          <a:p>
-            <a:pPr lvl="2"/>
-            <a:endParaRPr lang="en-US" sz="2000">
+            <a:endParaRPr lang="en-US" sz="2400">
               <a:latin typeface="Consolas"/>
               <a:ea typeface="+mn-lt"/>
               <a:cs typeface="+mn-lt"/>
@@ -27465,7 +31765,10 @@
           <a:p>
             <a:pPr lvl="2"/>
             <a:r>
-              <a:rPr lang="en-US" sz="2000">
+              <a:rPr lang="en-US" sz="2400">
+                <a:solidFill>
+                  <a:srgbClr val="FFC000"/>
+                </a:solidFill>
                 <a:latin typeface="Consolas"/>
                 <a:ea typeface="+mn-lt"/>
                 <a:cs typeface="+mn-lt"/>
@@ -27473,14 +31776,20 @@
               <a:t>do {</a:t>
             </a:r>
             <a:br>
-              <a:rPr lang="en-US" sz="2000">
+              <a:rPr lang="en-US" sz="2400">
+                <a:solidFill>
+                  <a:srgbClr val="FFC000"/>
+                </a:solidFill>
                 <a:latin typeface="Consolas"/>
                 <a:ea typeface="+mn-lt"/>
                 <a:cs typeface="+mn-lt"/>
               </a:rPr>
             </a:br>
             <a:r>
-              <a:rPr lang="en-US" sz="2000">
+              <a:rPr lang="en-US" sz="2400">
+                <a:solidFill>
+                  <a:srgbClr val="FFC000"/>
+                </a:solidFill>
                 <a:latin typeface="Consolas"/>
                 <a:ea typeface="+mn-lt"/>
                 <a:cs typeface="+mn-lt"/>
@@ -27488,7 +31797,10 @@
               <a:t>   text += "The number is " + </a:t>
             </a:r>
             <a:r>
-              <a:rPr lang="en-US" sz="2000" err="1">
+              <a:rPr lang="en-US" sz="2400" err="1">
+                <a:solidFill>
+                  <a:srgbClr val="FFC000"/>
+                </a:solidFill>
                 <a:latin typeface="Consolas"/>
                 <a:ea typeface="+mn-lt"/>
                 <a:cs typeface="+mn-lt"/>
@@ -27496,7 +31808,10 @@
               <a:t>i</a:t>
             </a:r>
             <a:r>
-              <a:rPr lang="en-US" sz="2000">
+              <a:rPr lang="en-US" sz="2400">
+                <a:solidFill>
+                  <a:srgbClr val="FFC000"/>
+                </a:solidFill>
                 <a:latin typeface="Consolas"/>
                 <a:ea typeface="+mn-lt"/>
                 <a:cs typeface="+mn-lt"/>
@@ -27504,14 +31819,20 @@
               <a:t>;</a:t>
             </a:r>
             <a:br>
-              <a:rPr lang="en-US" sz="2000">
+              <a:rPr lang="en-US" sz="2400">
+                <a:solidFill>
+                  <a:srgbClr val="FFC000"/>
+                </a:solidFill>
                 <a:latin typeface="Consolas"/>
                 <a:ea typeface="+mn-lt"/>
                 <a:cs typeface="+mn-lt"/>
               </a:rPr>
             </a:br>
             <a:r>
-              <a:rPr lang="en-US" sz="2000">
+              <a:rPr lang="en-US" sz="2400">
+                <a:solidFill>
+                  <a:srgbClr val="FFC000"/>
+                </a:solidFill>
                 <a:latin typeface="Consolas"/>
                 <a:ea typeface="+mn-lt"/>
                 <a:cs typeface="+mn-lt"/>
@@ -27519,7 +31840,10 @@
               <a:t>   </a:t>
             </a:r>
             <a:r>
-              <a:rPr lang="en-US" sz="2000" err="1">
+              <a:rPr lang="en-US" sz="2400" err="1">
+                <a:solidFill>
+                  <a:srgbClr val="FFC000"/>
+                </a:solidFill>
                 <a:latin typeface="Consolas"/>
                 <a:ea typeface="+mn-lt"/>
                 <a:cs typeface="+mn-lt"/>
@@ -27527,7 +31851,10 @@
               <a:t>i</a:t>
             </a:r>
             <a:r>
-              <a:rPr lang="en-US" sz="2000">
+              <a:rPr lang="en-US" sz="2400">
+                <a:solidFill>
+                  <a:srgbClr val="FFC000"/>
+                </a:solidFill>
                 <a:latin typeface="Consolas"/>
                 <a:ea typeface="+mn-lt"/>
                 <a:cs typeface="+mn-lt"/>
@@ -27535,14 +31862,20 @@
               <a:t>++;</a:t>
             </a:r>
             <a:br>
-              <a:rPr lang="en-US" sz="2000">
+              <a:rPr lang="en-US" sz="2400">
+                <a:solidFill>
+                  <a:srgbClr val="FFC000"/>
+                </a:solidFill>
                 <a:latin typeface="Consolas"/>
                 <a:ea typeface="+mn-lt"/>
                 <a:cs typeface="+mn-lt"/>
               </a:rPr>
             </a:br>
             <a:r>
-              <a:rPr lang="en-US" sz="2000">
+              <a:rPr lang="en-US" sz="2400">
+                <a:solidFill>
+                  <a:srgbClr val="FFC000"/>
+                </a:solidFill>
                 <a:latin typeface="Consolas"/>
                 <a:ea typeface="+mn-lt"/>
                 <a:cs typeface="+mn-lt"/>
@@ -27550,14 +31883,20 @@
               <a:t> }</a:t>
             </a:r>
             <a:br>
-              <a:rPr lang="en-US" sz="2000">
+              <a:rPr lang="en-US" sz="2400">
+                <a:solidFill>
+                  <a:srgbClr val="FFC000"/>
+                </a:solidFill>
                 <a:latin typeface="Consolas"/>
                 <a:ea typeface="+mn-lt"/>
                 <a:cs typeface="+mn-lt"/>
               </a:rPr>
             </a:br>
             <a:r>
-              <a:rPr lang="en-US" sz="2000">
+              <a:rPr lang="en-US" sz="2400">
+                <a:solidFill>
+                  <a:srgbClr val="FFC000"/>
+                </a:solidFill>
                 <a:latin typeface="Consolas"/>
                 <a:ea typeface="+mn-lt"/>
                 <a:cs typeface="+mn-lt"/>
@@ -27565,7 +31904,10 @@
               <a:t> while (</a:t>
             </a:r>
             <a:r>
-              <a:rPr lang="en-US" sz="2000" err="1">
+              <a:rPr lang="en-US" sz="2400" err="1">
+                <a:solidFill>
+                  <a:srgbClr val="FFC000"/>
+                </a:solidFill>
                 <a:latin typeface="Consolas"/>
                 <a:ea typeface="+mn-lt"/>
                 <a:cs typeface="+mn-lt"/>
@@ -27573,14 +31915,20 @@
               <a:t>i</a:t>
             </a:r>
             <a:r>
-              <a:rPr lang="en-US" sz="2000">
+              <a:rPr lang="en-US" sz="2400">
+                <a:solidFill>
+                  <a:srgbClr val="FFC000"/>
+                </a:solidFill>
                 <a:latin typeface="Consolas"/>
                 <a:ea typeface="+mn-lt"/>
                 <a:cs typeface="+mn-lt"/>
               </a:rPr>
               <a:t> &lt; 10); </a:t>
             </a:r>
-            <a:endParaRPr lang="en-US" sz="2000">
+            <a:endParaRPr lang="en-US" sz="2400">
+              <a:solidFill>
+                <a:srgbClr val="FFC000"/>
+              </a:solidFill>
               <a:latin typeface="Consolas"/>
             </a:endParaRPr>
           </a:p>
@@ -27596,6 +31944,280 @@
   <p:clrMapOvr>
     <a:masterClrMapping/>
   </p:clrMapOvr>
+  <p:timing>
+    <p:tnLst>
+      <p:par>
+        <p:cTn id="1" dur="indefinite" restart="never" nodeType="tmRoot">
+          <p:childTnLst>
+            <p:seq concurrent="1" nextAc="seek">
+              <p:cTn id="2" dur="indefinite" nodeType="mainSeq">
+                <p:childTnLst>
+                  <p:par>
+                    <p:cTn id="3" fill="hold">
+                      <p:stCondLst>
+                        <p:cond delay="indefinite"/>
+                      </p:stCondLst>
+                      <p:childTnLst>
+                        <p:par>
+                          <p:cTn id="4" fill="hold">
+                            <p:stCondLst>
+                              <p:cond delay="0"/>
+                            </p:stCondLst>
+                            <p:childTnLst>
+                              <p:par>
+                                <p:cTn id="5" presetID="10" presetClass="entr" presetSubtype="0" fill="hold" nodeType="clickEffect">
+                                  <p:stCondLst>
+                                    <p:cond delay="0"/>
+                                  </p:stCondLst>
+                                  <p:childTnLst>
+                                    <p:set>
+                                      <p:cBhvr>
+                                        <p:cTn id="6" dur="1" fill="hold">
+                                          <p:stCondLst>
+                                            <p:cond delay="0"/>
+                                          </p:stCondLst>
+                                        </p:cTn>
+                                        <p:tgtEl>
+                                          <p:spTgt spid="4">
+                                            <p:txEl>
+                                              <p:pRg st="0" end="0"/>
+                                            </p:txEl>
+                                          </p:spTgt>
+                                        </p:tgtEl>
+                                        <p:attrNameLst>
+                                          <p:attrName>style.visibility</p:attrName>
+                                        </p:attrNameLst>
+                                      </p:cBhvr>
+                                      <p:to>
+                                        <p:strVal val="visible"/>
+                                      </p:to>
+                                    </p:set>
+                                    <p:animEffect transition="in" filter="fade">
+                                      <p:cBhvr>
+                                        <p:cTn id="7" dur="500"/>
+                                        <p:tgtEl>
+                                          <p:spTgt spid="4">
+                                            <p:txEl>
+                                              <p:pRg st="0" end="0"/>
+                                            </p:txEl>
+                                          </p:spTgt>
+                                        </p:tgtEl>
+                                      </p:cBhvr>
+                                    </p:animEffect>
+                                  </p:childTnLst>
+                                </p:cTn>
+                              </p:par>
+                            </p:childTnLst>
+                          </p:cTn>
+                        </p:par>
+                      </p:childTnLst>
+                    </p:cTn>
+                  </p:par>
+                  <p:par>
+                    <p:cTn id="8" fill="hold">
+                      <p:stCondLst>
+                        <p:cond delay="indefinite"/>
+                      </p:stCondLst>
+                      <p:childTnLst>
+                        <p:par>
+                          <p:cTn id="9" fill="hold">
+                            <p:stCondLst>
+                              <p:cond delay="0"/>
+                            </p:stCondLst>
+                            <p:childTnLst>
+                              <p:par>
+                                <p:cTn id="10" presetID="10" presetClass="entr" presetSubtype="0" fill="hold" nodeType="clickEffect">
+                                  <p:stCondLst>
+                                    <p:cond delay="0"/>
+                                  </p:stCondLst>
+                                  <p:childTnLst>
+                                    <p:set>
+                                      <p:cBhvr>
+                                        <p:cTn id="11" dur="1" fill="hold">
+                                          <p:stCondLst>
+                                            <p:cond delay="0"/>
+                                          </p:stCondLst>
+                                        </p:cTn>
+                                        <p:tgtEl>
+                                          <p:spTgt spid="4">
+                                            <p:txEl>
+                                              <p:pRg st="2" end="2"/>
+                                            </p:txEl>
+                                          </p:spTgt>
+                                        </p:tgtEl>
+                                        <p:attrNameLst>
+                                          <p:attrName>style.visibility</p:attrName>
+                                        </p:attrNameLst>
+                                      </p:cBhvr>
+                                      <p:to>
+                                        <p:strVal val="visible"/>
+                                      </p:to>
+                                    </p:set>
+                                    <p:animEffect transition="in" filter="fade">
+                                      <p:cBhvr>
+                                        <p:cTn id="12" dur="500"/>
+                                        <p:tgtEl>
+                                          <p:spTgt spid="4">
+                                            <p:txEl>
+                                              <p:pRg st="2" end="2"/>
+                                            </p:txEl>
+                                          </p:spTgt>
+                                        </p:tgtEl>
+                                      </p:cBhvr>
+                                    </p:animEffect>
+                                  </p:childTnLst>
+                                </p:cTn>
+                              </p:par>
+                            </p:childTnLst>
+                          </p:cTn>
+                        </p:par>
+                      </p:childTnLst>
+                    </p:cTn>
+                  </p:par>
+                  <p:par>
+                    <p:cTn id="13" fill="hold">
+                      <p:stCondLst>
+                        <p:cond delay="indefinite"/>
+                      </p:stCondLst>
+                      <p:childTnLst>
+                        <p:par>
+                          <p:cTn id="14" fill="hold">
+                            <p:stCondLst>
+                              <p:cond delay="0"/>
+                            </p:stCondLst>
+                            <p:childTnLst>
+                              <p:par>
+                                <p:cTn id="15" presetID="10" presetClass="entr" presetSubtype="0" fill="hold" nodeType="clickEffect">
+                                  <p:stCondLst>
+                                    <p:cond delay="0"/>
+                                  </p:stCondLst>
+                                  <p:childTnLst>
+                                    <p:set>
+                                      <p:cBhvr>
+                                        <p:cTn id="16" dur="1" fill="hold">
+                                          <p:stCondLst>
+                                            <p:cond delay="0"/>
+                                          </p:stCondLst>
+                                        </p:cTn>
+                                        <p:tgtEl>
+                                          <p:spTgt spid="4">
+                                            <p:txEl>
+                                              <p:pRg st="4" end="4"/>
+                                            </p:txEl>
+                                          </p:spTgt>
+                                        </p:tgtEl>
+                                        <p:attrNameLst>
+                                          <p:attrName>style.visibility</p:attrName>
+                                        </p:attrNameLst>
+                                      </p:cBhvr>
+                                      <p:to>
+                                        <p:strVal val="visible"/>
+                                      </p:to>
+                                    </p:set>
+                                    <p:animEffect transition="in" filter="fade">
+                                      <p:cBhvr>
+                                        <p:cTn id="17" dur="500"/>
+                                        <p:tgtEl>
+                                          <p:spTgt spid="4">
+                                            <p:txEl>
+                                              <p:pRg st="4" end="4"/>
+                                            </p:txEl>
+                                          </p:spTgt>
+                                        </p:tgtEl>
+                                      </p:cBhvr>
+                                    </p:animEffect>
+                                  </p:childTnLst>
+                                </p:cTn>
+                              </p:par>
+                            </p:childTnLst>
+                          </p:cTn>
+                        </p:par>
+                      </p:childTnLst>
+                    </p:cTn>
+                  </p:par>
+                  <p:par>
+                    <p:cTn id="18" fill="hold">
+                      <p:stCondLst>
+                        <p:cond delay="indefinite"/>
+                      </p:stCondLst>
+                      <p:childTnLst>
+                        <p:par>
+                          <p:cTn id="19" fill="hold">
+                            <p:stCondLst>
+                              <p:cond delay="0"/>
+                            </p:stCondLst>
+                            <p:childTnLst>
+                              <p:par>
+                                <p:cTn id="20" presetID="10" presetClass="entr" presetSubtype="0" fill="hold" nodeType="clickEffect">
+                                  <p:stCondLst>
+                                    <p:cond delay="0"/>
+                                  </p:stCondLst>
+                                  <p:childTnLst>
+                                    <p:set>
+                                      <p:cBhvr>
+                                        <p:cTn id="21" dur="1" fill="hold">
+                                          <p:stCondLst>
+                                            <p:cond delay="0"/>
+                                          </p:stCondLst>
+                                        </p:cTn>
+                                        <p:tgtEl>
+                                          <p:spTgt spid="4">
+                                            <p:txEl>
+                                              <p:pRg st="6" end="6"/>
+                                            </p:txEl>
+                                          </p:spTgt>
+                                        </p:tgtEl>
+                                        <p:attrNameLst>
+                                          <p:attrName>style.visibility</p:attrName>
+                                        </p:attrNameLst>
+                                      </p:cBhvr>
+                                      <p:to>
+                                        <p:strVal val="visible"/>
+                                      </p:to>
+                                    </p:set>
+                                    <p:animEffect transition="in" filter="fade">
+                                      <p:cBhvr>
+                                        <p:cTn id="22" dur="500"/>
+                                        <p:tgtEl>
+                                          <p:spTgt spid="4">
+                                            <p:txEl>
+                                              <p:pRg st="6" end="6"/>
+                                            </p:txEl>
+                                          </p:spTgt>
+                                        </p:tgtEl>
+                                      </p:cBhvr>
+                                    </p:animEffect>
+                                  </p:childTnLst>
+                                </p:cTn>
+                              </p:par>
+                            </p:childTnLst>
+                          </p:cTn>
+                        </p:par>
+                      </p:childTnLst>
+                    </p:cTn>
+                  </p:par>
+                </p:childTnLst>
+              </p:cTn>
+              <p:prevCondLst>
+                <p:cond evt="onPrev" delay="0">
+                  <p:tgtEl>
+                    <p:sldTgt/>
+                  </p:tgtEl>
+                </p:cond>
+              </p:prevCondLst>
+              <p:nextCondLst>
+                <p:cond evt="onNext" delay="0">
+                  <p:tgtEl>
+                    <p:sldTgt/>
+                  </p:tgtEl>
+                </p:cond>
+              </p:nextCondLst>
+            </p:seq>
+          </p:childTnLst>
+        </p:cTn>
+      </p:par>
+    </p:tnLst>
+  </p:timing>
 </p:sld>
 </file>
 
@@ -27634,7 +32256,7 @@
         </p:nvSpPr>
         <p:spPr>
           <a:xfrm>
-            <a:off x="691849" y="-262361"/>
+            <a:off x="757606" y="-172894"/>
             <a:ext cx="7511473" cy="1312480"/>
           </a:xfrm>
         </p:spPr>
@@ -27681,7 +32303,7 @@
         </p:nvSpPr>
         <p:spPr>
           <a:xfrm>
-            <a:off x="878258" y="905366"/>
+            <a:off x="874921" y="1050119"/>
             <a:ext cx="7577230" cy="5324535"/>
           </a:xfrm>
           <a:prstGeom prst="rect">
@@ -27764,6 +32386,9 @@
             <a:pPr lvl="1"/>
             <a:r>
               <a:rPr lang="en-US" sz="2000">
+                <a:solidFill>
+                  <a:srgbClr val="FFC000"/>
+                </a:solidFill>
                 <a:latin typeface="Consolas"/>
                 <a:ea typeface="+mn-lt"/>
                 <a:cs typeface="+mn-lt"/>
@@ -27772,6 +32397,9 @@
             </a:r>
             <a:r>
               <a:rPr lang="en-US" sz="2000" err="1">
+                <a:solidFill>
+                  <a:srgbClr val="FFC000"/>
+                </a:solidFill>
                 <a:latin typeface="Consolas"/>
                 <a:ea typeface="+mn-lt"/>
                 <a:cs typeface="+mn-lt"/>
@@ -27780,6 +32408,9 @@
             </a:r>
             <a:r>
               <a:rPr lang="en-US" sz="2000">
+                <a:solidFill>
+                  <a:srgbClr val="FFC000"/>
+                </a:solidFill>
                 <a:latin typeface="Consolas"/>
                 <a:ea typeface="+mn-lt"/>
                 <a:cs typeface="+mn-lt"/>
@@ -27788,6 +32419,9 @@
             </a:r>
             <a:r>
               <a:rPr lang="en-US" sz="2000" err="1">
+                <a:solidFill>
+                  <a:srgbClr val="FFC000"/>
+                </a:solidFill>
                 <a:latin typeface="Consolas"/>
                 <a:ea typeface="+mn-lt"/>
                 <a:cs typeface="+mn-lt"/>
@@ -27796,6 +32430,9 @@
             </a:r>
             <a:r>
               <a:rPr lang="en-US" sz="2000">
+                <a:solidFill>
+                  <a:srgbClr val="FFC000"/>
+                </a:solidFill>
                 <a:latin typeface="Consolas"/>
                 <a:ea typeface="+mn-lt"/>
                 <a:cs typeface="+mn-lt"/>
@@ -27804,6 +32441,9 @@
             </a:r>
             <a:r>
               <a:rPr lang="en-US" sz="2000" err="1">
+                <a:solidFill>
+                  <a:srgbClr val="FFC000"/>
+                </a:solidFill>
                 <a:latin typeface="Consolas"/>
                 <a:ea typeface="+mn-lt"/>
                 <a:cs typeface="+mn-lt"/>
@@ -27812,6 +32452,9 @@
             </a:r>
             <a:r>
               <a:rPr lang="en-US" sz="2000">
+                <a:solidFill>
+                  <a:srgbClr val="FFC000"/>
+                </a:solidFill>
                 <a:latin typeface="Consolas"/>
                 <a:ea typeface="+mn-lt"/>
                 <a:cs typeface="+mn-lt"/>
@@ -27820,6 +32463,9 @@
             </a:r>
             <a:br>
               <a:rPr lang="en-US" sz="2000">
+                <a:solidFill>
+                  <a:srgbClr val="FFC000"/>
+                </a:solidFill>
                 <a:latin typeface="Consolas"/>
                 <a:ea typeface="+mn-lt"/>
                 <a:cs typeface="+mn-lt"/>
@@ -27827,6 +32473,9 @@
             </a:br>
             <a:r>
               <a:rPr lang="en-US" sz="2000">
+                <a:solidFill>
+                  <a:srgbClr val="FFC000"/>
+                </a:solidFill>
                 <a:latin typeface="Consolas"/>
                 <a:ea typeface="+mn-lt"/>
                 <a:cs typeface="+mn-lt"/>
@@ -27835,6 +32484,9 @@
             </a:r>
             <a:r>
               <a:rPr lang="en-US" sz="2000" err="1">
+                <a:solidFill>
+                  <a:srgbClr val="FFC000"/>
+                </a:solidFill>
                 <a:latin typeface="Consolas"/>
                 <a:ea typeface="+mn-lt"/>
                 <a:cs typeface="+mn-lt"/>
@@ -27843,6 +32495,9 @@
             </a:r>
             <a:r>
               <a:rPr lang="en-US" sz="2000">
+                <a:solidFill>
+                  <a:srgbClr val="FFC000"/>
+                </a:solidFill>
                 <a:latin typeface="Consolas"/>
                 <a:ea typeface="+mn-lt"/>
                 <a:cs typeface="+mn-lt"/>
@@ -27851,6 +32506,9 @@
             </a:r>
             <a:br>
               <a:rPr lang="en-US" sz="2000">
+                <a:solidFill>
+                  <a:srgbClr val="FFC000"/>
+                </a:solidFill>
                 <a:latin typeface="Consolas"/>
                 <a:ea typeface="+mn-lt"/>
                 <a:cs typeface="+mn-lt"/>
@@ -27858,6 +32516,9 @@
             </a:br>
             <a:r>
               <a:rPr lang="en-US" sz="2000">
+                <a:solidFill>
+                  <a:srgbClr val="FFC000"/>
+                </a:solidFill>
                 <a:latin typeface="Consolas"/>
                 <a:ea typeface="+mn-lt"/>
                 <a:cs typeface="+mn-lt"/>
@@ -27866,6 +32527,9 @@
             </a:r>
             <a:r>
               <a:rPr lang="en-US" sz="2000" err="1">
+                <a:solidFill>
+                  <a:srgbClr val="FFC000"/>
+                </a:solidFill>
                 <a:latin typeface="Consolas"/>
                 <a:ea typeface="+mn-lt"/>
                 <a:cs typeface="+mn-lt"/>
@@ -27874,6 +32538,9 @@
             </a:r>
             <a:r>
               <a:rPr lang="en-US" sz="2000">
+                <a:solidFill>
+                  <a:srgbClr val="FFC000"/>
+                </a:solidFill>
                 <a:latin typeface="Consolas"/>
                 <a:ea typeface="+mn-lt"/>
                 <a:cs typeface="+mn-lt"/>
@@ -27882,6 +32549,9 @@
             </a:r>
             <a:r>
               <a:rPr lang="en-US" sz="2000" err="1">
+                <a:solidFill>
+                  <a:srgbClr val="FFC000"/>
+                </a:solidFill>
                 <a:latin typeface="Consolas"/>
                 <a:ea typeface="+mn-lt"/>
                 <a:cs typeface="+mn-lt"/>
@@ -27890,6 +32560,9 @@
             </a:r>
             <a:r>
               <a:rPr lang="en-US" sz="2000">
+                <a:solidFill>
+                  <a:srgbClr val="FFC000"/>
+                </a:solidFill>
                 <a:latin typeface="Consolas"/>
                 <a:ea typeface="+mn-lt"/>
                 <a:cs typeface="+mn-lt"/>
@@ -27898,6 +32571,9 @@
             </a:r>
             <a:br>
               <a:rPr lang="en-US" sz="2000">
+                <a:solidFill>
+                  <a:srgbClr val="FFC000"/>
+                </a:solidFill>
                 <a:latin typeface="Consolas"/>
                 <a:ea typeface="+mn-lt"/>
                 <a:cs typeface="+mn-lt"/>
@@ -27905,6 +32581,9 @@
             </a:br>
             <a:r>
               <a:rPr lang="en-US" sz="2000">
+                <a:solidFill>
+                  <a:srgbClr val="FFC000"/>
+                </a:solidFill>
                 <a:latin typeface="Consolas"/>
                 <a:ea typeface="+mn-lt"/>
                 <a:cs typeface="+mn-lt"/>
@@ -27912,6 +32591,9 @@
               <a:t> } </a:t>
             </a:r>
             <a:endParaRPr lang="en-US" sz="2000">
+              <a:solidFill>
+                <a:srgbClr val="FFC000"/>
+              </a:solidFill>
               <a:latin typeface="Consolas"/>
             </a:endParaRPr>
           </a:p>
@@ -27975,6 +32657,9 @@
             <a:pPr lvl="1"/>
             <a:r>
               <a:rPr lang="en-US" sz="2000">
+                <a:solidFill>
+                  <a:srgbClr val="FFC000"/>
+                </a:solidFill>
                 <a:latin typeface="Consolas"/>
                 <a:ea typeface="+mn-lt"/>
                 <a:cs typeface="+mn-lt"/>
@@ -27983,6 +32668,9 @@
             </a:r>
             <a:r>
               <a:rPr lang="en-US" sz="2000" err="1">
+                <a:solidFill>
+                  <a:srgbClr val="FFC000"/>
+                </a:solidFill>
                 <a:latin typeface="Consolas"/>
                 <a:ea typeface="+mn-lt"/>
                 <a:cs typeface="+mn-lt"/>
@@ -27991,6 +32679,9 @@
             </a:r>
             <a:r>
               <a:rPr lang="en-US" sz="2000">
+                <a:solidFill>
+                  <a:srgbClr val="FFC000"/>
+                </a:solidFill>
                 <a:latin typeface="Consolas"/>
                 <a:ea typeface="+mn-lt"/>
                 <a:cs typeface="+mn-lt"/>
@@ -27999,6 +32690,9 @@
             </a:r>
             <a:r>
               <a:rPr lang="en-US" sz="2000" err="1">
+                <a:solidFill>
+                  <a:srgbClr val="FFC000"/>
+                </a:solidFill>
                 <a:latin typeface="Consolas"/>
                 <a:ea typeface="+mn-lt"/>
                 <a:cs typeface="+mn-lt"/>
@@ -28007,6 +32701,9 @@
             </a:r>
             <a:r>
               <a:rPr lang="en-US" sz="2000">
+                <a:solidFill>
+                  <a:srgbClr val="FFC000"/>
+                </a:solidFill>
                 <a:latin typeface="Consolas"/>
                 <a:ea typeface="+mn-lt"/>
                 <a:cs typeface="+mn-lt"/>
@@ -28015,6 +32712,9 @@
             </a:r>
             <a:r>
               <a:rPr lang="en-US" sz="2000" err="1">
+                <a:solidFill>
+                  <a:srgbClr val="FFC000"/>
+                </a:solidFill>
                 <a:latin typeface="Consolas"/>
                 <a:ea typeface="+mn-lt"/>
                 <a:cs typeface="+mn-lt"/>
@@ -28023,6 +32723,9 @@
             </a:r>
             <a:r>
               <a:rPr lang="en-US" sz="2000">
+                <a:solidFill>
+                  <a:srgbClr val="FFC000"/>
+                </a:solidFill>
                 <a:latin typeface="Consolas"/>
                 <a:ea typeface="+mn-lt"/>
                 <a:cs typeface="+mn-lt"/>
@@ -28031,6 +32734,9 @@
             </a:r>
             <a:br>
               <a:rPr lang="en-US" sz="2000">
+                <a:solidFill>
+                  <a:srgbClr val="FFC000"/>
+                </a:solidFill>
                 <a:latin typeface="Consolas"/>
                 <a:ea typeface="+mn-lt"/>
                 <a:cs typeface="+mn-lt"/>
@@ -28038,6 +32744,9 @@
             </a:br>
             <a:r>
               <a:rPr lang="en-US" sz="2000">
+                <a:solidFill>
+                  <a:srgbClr val="FFC000"/>
+                </a:solidFill>
                 <a:latin typeface="Consolas"/>
                 <a:ea typeface="+mn-lt"/>
                 <a:cs typeface="+mn-lt"/>
@@ -28046,6 +32755,9 @@
             </a:r>
             <a:r>
               <a:rPr lang="en-US" sz="2000" err="1">
+                <a:solidFill>
+                  <a:srgbClr val="FFC000"/>
+                </a:solidFill>
                 <a:latin typeface="Consolas"/>
                 <a:ea typeface="+mn-lt"/>
                 <a:cs typeface="+mn-lt"/>
@@ -28054,6 +32766,9 @@
             </a:r>
             <a:r>
               <a:rPr lang="en-US" sz="2000">
+                <a:solidFill>
+                  <a:srgbClr val="FFC000"/>
+                </a:solidFill>
                 <a:latin typeface="Consolas"/>
                 <a:ea typeface="+mn-lt"/>
                 <a:cs typeface="+mn-lt"/>
@@ -28062,6 +32777,9 @@
             </a:r>
             <a:br>
               <a:rPr lang="en-US" sz="2000">
+                <a:solidFill>
+                  <a:srgbClr val="FFC000"/>
+                </a:solidFill>
                 <a:latin typeface="Consolas"/>
                 <a:ea typeface="+mn-lt"/>
                 <a:cs typeface="+mn-lt"/>
@@ -28069,6 +32787,9 @@
             </a:br>
             <a:r>
               <a:rPr lang="en-US" sz="2000">
+                <a:solidFill>
+                  <a:srgbClr val="FFC000"/>
+                </a:solidFill>
                 <a:latin typeface="Consolas"/>
                 <a:ea typeface="+mn-lt"/>
                 <a:cs typeface="+mn-lt"/>
@@ -28077,6 +32798,9 @@
             </a:r>
             <a:r>
               <a:rPr lang="en-US" sz="2000" err="1">
+                <a:solidFill>
+                  <a:srgbClr val="FFC000"/>
+                </a:solidFill>
                 <a:latin typeface="Consolas"/>
                 <a:ea typeface="+mn-lt"/>
                 <a:cs typeface="+mn-lt"/>
@@ -28085,6 +32809,9 @@
             </a:r>
             <a:r>
               <a:rPr lang="en-US" sz="2000">
+                <a:solidFill>
+                  <a:srgbClr val="FFC000"/>
+                </a:solidFill>
                 <a:latin typeface="Consolas"/>
                 <a:ea typeface="+mn-lt"/>
                 <a:cs typeface="+mn-lt"/>
@@ -28093,6 +32820,9 @@
             </a:r>
             <a:r>
               <a:rPr lang="en-US" sz="2000" err="1">
+                <a:solidFill>
+                  <a:srgbClr val="FFC000"/>
+                </a:solidFill>
                 <a:latin typeface="Consolas"/>
                 <a:ea typeface="+mn-lt"/>
                 <a:cs typeface="+mn-lt"/>
@@ -28101,6 +32831,9 @@
             </a:r>
             <a:r>
               <a:rPr lang="en-US" sz="2000">
+                <a:solidFill>
+                  <a:srgbClr val="FFC000"/>
+                </a:solidFill>
                 <a:latin typeface="Consolas"/>
                 <a:ea typeface="+mn-lt"/>
                 <a:cs typeface="+mn-lt"/>
@@ -28109,6 +32842,9 @@
             </a:r>
             <a:br>
               <a:rPr lang="en-US" sz="2000">
+                <a:solidFill>
+                  <a:srgbClr val="FFC000"/>
+                </a:solidFill>
                 <a:latin typeface="Consolas"/>
                 <a:ea typeface="+mn-lt"/>
                 <a:cs typeface="+mn-lt"/>
@@ -28116,6 +32852,9 @@
             </a:br>
             <a:r>
               <a:rPr lang="en-US" sz="2000">
+                <a:solidFill>
+                  <a:srgbClr val="FFC000"/>
+                </a:solidFill>
                 <a:latin typeface="Consolas"/>
                 <a:ea typeface="+mn-lt"/>
                 <a:cs typeface="+mn-lt"/>
@@ -28123,6 +32862,9 @@
               <a:t> }</a:t>
             </a:r>
             <a:endParaRPr lang="en-US" sz="2000">
+              <a:solidFill>
+                <a:srgbClr val="FFC000"/>
+              </a:solidFill>
               <a:latin typeface="Consolas"/>
             </a:endParaRPr>
           </a:p>
@@ -28138,6 +32880,366 @@
   <p:clrMapOvr>
     <a:masterClrMapping/>
   </p:clrMapOvr>
+  <p:timing>
+    <p:tnLst>
+      <p:par>
+        <p:cTn id="1" dur="indefinite" restart="never" nodeType="tmRoot">
+          <p:childTnLst>
+            <p:seq concurrent="1" nextAc="seek">
+              <p:cTn id="2" dur="indefinite" nodeType="mainSeq">
+                <p:childTnLst>
+                  <p:par>
+                    <p:cTn id="3" fill="hold">
+                      <p:stCondLst>
+                        <p:cond delay="indefinite"/>
+                      </p:stCondLst>
+                      <p:childTnLst>
+                        <p:par>
+                          <p:cTn id="4" fill="hold">
+                            <p:stCondLst>
+                              <p:cond delay="0"/>
+                            </p:stCondLst>
+                            <p:childTnLst>
+                              <p:par>
+                                <p:cTn id="5" presetID="10" presetClass="entr" presetSubtype="0" fill="hold" nodeType="clickEffect">
+                                  <p:stCondLst>
+                                    <p:cond delay="0"/>
+                                  </p:stCondLst>
+                                  <p:childTnLst>
+                                    <p:set>
+                                      <p:cBhvr>
+                                        <p:cTn id="6" dur="1" fill="hold">
+                                          <p:stCondLst>
+                                            <p:cond delay="0"/>
+                                          </p:stCondLst>
+                                        </p:cTn>
+                                        <p:tgtEl>
+                                          <p:spTgt spid="4">
+                                            <p:txEl>
+                                              <p:pRg st="0" end="0"/>
+                                            </p:txEl>
+                                          </p:spTgt>
+                                        </p:tgtEl>
+                                        <p:attrNameLst>
+                                          <p:attrName>style.visibility</p:attrName>
+                                        </p:attrNameLst>
+                                      </p:cBhvr>
+                                      <p:to>
+                                        <p:strVal val="visible"/>
+                                      </p:to>
+                                    </p:set>
+                                    <p:animEffect transition="in" filter="fade">
+                                      <p:cBhvr>
+                                        <p:cTn id="7" dur="500"/>
+                                        <p:tgtEl>
+                                          <p:spTgt spid="4">
+                                            <p:txEl>
+                                              <p:pRg st="0" end="0"/>
+                                            </p:txEl>
+                                          </p:spTgt>
+                                        </p:tgtEl>
+                                      </p:cBhvr>
+                                    </p:animEffect>
+                                  </p:childTnLst>
+                                </p:cTn>
+                              </p:par>
+                            </p:childTnLst>
+                          </p:cTn>
+                        </p:par>
+                      </p:childTnLst>
+                    </p:cTn>
+                  </p:par>
+                  <p:par>
+                    <p:cTn id="8" fill="hold">
+                      <p:stCondLst>
+                        <p:cond delay="indefinite"/>
+                      </p:stCondLst>
+                      <p:childTnLst>
+                        <p:par>
+                          <p:cTn id="9" fill="hold">
+                            <p:stCondLst>
+                              <p:cond delay="0"/>
+                            </p:stCondLst>
+                            <p:childTnLst>
+                              <p:par>
+                                <p:cTn id="10" presetID="10" presetClass="entr" presetSubtype="0" fill="hold" nodeType="clickEffect">
+                                  <p:stCondLst>
+                                    <p:cond delay="0"/>
+                                  </p:stCondLst>
+                                  <p:childTnLst>
+                                    <p:set>
+                                      <p:cBhvr>
+                                        <p:cTn id="11" dur="1" fill="hold">
+                                          <p:stCondLst>
+                                            <p:cond delay="0"/>
+                                          </p:stCondLst>
+                                        </p:cTn>
+                                        <p:tgtEl>
+                                          <p:spTgt spid="4">
+                                            <p:txEl>
+                                              <p:pRg st="1" end="1"/>
+                                            </p:txEl>
+                                          </p:spTgt>
+                                        </p:tgtEl>
+                                        <p:attrNameLst>
+                                          <p:attrName>style.visibility</p:attrName>
+                                        </p:attrNameLst>
+                                      </p:cBhvr>
+                                      <p:to>
+                                        <p:strVal val="visible"/>
+                                      </p:to>
+                                    </p:set>
+                                    <p:animEffect transition="in" filter="fade">
+                                      <p:cBhvr>
+                                        <p:cTn id="12" dur="500"/>
+                                        <p:tgtEl>
+                                          <p:spTgt spid="4">
+                                            <p:txEl>
+                                              <p:pRg st="1" end="1"/>
+                                            </p:txEl>
+                                          </p:spTgt>
+                                        </p:tgtEl>
+                                      </p:cBhvr>
+                                    </p:animEffect>
+                                  </p:childTnLst>
+                                </p:cTn>
+                              </p:par>
+                              <p:par>
+                                <p:cTn id="13" presetID="10" presetClass="entr" presetSubtype="0" fill="hold" nodeType="withEffect">
+                                  <p:stCondLst>
+                                    <p:cond delay="0"/>
+                                  </p:stCondLst>
+                                  <p:childTnLst>
+                                    <p:set>
+                                      <p:cBhvr>
+                                        <p:cTn id="14" dur="1" fill="hold">
+                                          <p:stCondLst>
+                                            <p:cond delay="0"/>
+                                          </p:stCondLst>
+                                        </p:cTn>
+                                        <p:tgtEl>
+                                          <p:spTgt spid="4">
+                                            <p:txEl>
+                                              <p:pRg st="3" end="3"/>
+                                            </p:txEl>
+                                          </p:spTgt>
+                                        </p:tgtEl>
+                                        <p:attrNameLst>
+                                          <p:attrName>style.visibility</p:attrName>
+                                        </p:attrNameLst>
+                                      </p:cBhvr>
+                                      <p:to>
+                                        <p:strVal val="visible"/>
+                                      </p:to>
+                                    </p:set>
+                                    <p:animEffect transition="in" filter="fade">
+                                      <p:cBhvr>
+                                        <p:cTn id="15" dur="500"/>
+                                        <p:tgtEl>
+                                          <p:spTgt spid="4">
+                                            <p:txEl>
+                                              <p:pRg st="3" end="3"/>
+                                            </p:txEl>
+                                          </p:spTgt>
+                                        </p:tgtEl>
+                                      </p:cBhvr>
+                                    </p:animEffect>
+                                  </p:childTnLst>
+                                </p:cTn>
+                              </p:par>
+                            </p:childTnLst>
+                          </p:cTn>
+                        </p:par>
+                      </p:childTnLst>
+                    </p:cTn>
+                  </p:par>
+                  <p:par>
+                    <p:cTn id="16" fill="hold">
+                      <p:stCondLst>
+                        <p:cond delay="indefinite"/>
+                      </p:stCondLst>
+                      <p:childTnLst>
+                        <p:par>
+                          <p:cTn id="17" fill="hold">
+                            <p:stCondLst>
+                              <p:cond delay="0"/>
+                            </p:stCondLst>
+                            <p:childTnLst>
+                              <p:par>
+                                <p:cTn id="18" presetID="10" presetClass="entr" presetSubtype="0" fill="hold" nodeType="clickEffect">
+                                  <p:stCondLst>
+                                    <p:cond delay="0"/>
+                                  </p:stCondLst>
+                                  <p:childTnLst>
+                                    <p:set>
+                                      <p:cBhvr>
+                                        <p:cTn id="19" dur="1" fill="hold">
+                                          <p:stCondLst>
+                                            <p:cond delay="0"/>
+                                          </p:stCondLst>
+                                        </p:cTn>
+                                        <p:tgtEl>
+                                          <p:spTgt spid="4">
+                                            <p:txEl>
+                                              <p:pRg st="5" end="5"/>
+                                            </p:txEl>
+                                          </p:spTgt>
+                                        </p:tgtEl>
+                                        <p:attrNameLst>
+                                          <p:attrName>style.visibility</p:attrName>
+                                        </p:attrNameLst>
+                                      </p:cBhvr>
+                                      <p:to>
+                                        <p:strVal val="visible"/>
+                                      </p:to>
+                                    </p:set>
+                                    <p:animEffect transition="in" filter="fade">
+                                      <p:cBhvr>
+                                        <p:cTn id="20" dur="500"/>
+                                        <p:tgtEl>
+                                          <p:spTgt spid="4">
+                                            <p:txEl>
+                                              <p:pRg st="5" end="5"/>
+                                            </p:txEl>
+                                          </p:spTgt>
+                                        </p:tgtEl>
+                                      </p:cBhvr>
+                                    </p:animEffect>
+                                  </p:childTnLst>
+                                </p:cTn>
+                              </p:par>
+                            </p:childTnLst>
+                          </p:cTn>
+                        </p:par>
+                      </p:childTnLst>
+                    </p:cTn>
+                  </p:par>
+                  <p:par>
+                    <p:cTn id="21" fill="hold">
+                      <p:stCondLst>
+                        <p:cond delay="indefinite"/>
+                      </p:stCondLst>
+                      <p:childTnLst>
+                        <p:par>
+                          <p:cTn id="22" fill="hold">
+                            <p:stCondLst>
+                              <p:cond delay="0"/>
+                            </p:stCondLst>
+                            <p:childTnLst>
+                              <p:par>
+                                <p:cTn id="23" presetID="10" presetClass="entr" presetSubtype="0" fill="hold" nodeType="clickEffect">
+                                  <p:stCondLst>
+                                    <p:cond delay="0"/>
+                                  </p:stCondLst>
+                                  <p:childTnLst>
+                                    <p:set>
+                                      <p:cBhvr>
+                                        <p:cTn id="24" dur="1" fill="hold">
+                                          <p:stCondLst>
+                                            <p:cond delay="0"/>
+                                          </p:stCondLst>
+                                        </p:cTn>
+                                        <p:tgtEl>
+                                          <p:spTgt spid="4">
+                                            <p:txEl>
+                                              <p:pRg st="6" end="6"/>
+                                            </p:txEl>
+                                          </p:spTgt>
+                                        </p:tgtEl>
+                                        <p:attrNameLst>
+                                          <p:attrName>style.visibility</p:attrName>
+                                        </p:attrNameLst>
+                                      </p:cBhvr>
+                                      <p:to>
+                                        <p:strVal val="visible"/>
+                                      </p:to>
+                                    </p:set>
+                                    <p:animEffect transition="in" filter="fade">
+                                      <p:cBhvr>
+                                        <p:cTn id="25" dur="500"/>
+                                        <p:tgtEl>
+                                          <p:spTgt spid="4">
+                                            <p:txEl>
+                                              <p:pRg st="6" end="6"/>
+                                            </p:txEl>
+                                          </p:spTgt>
+                                        </p:tgtEl>
+                                      </p:cBhvr>
+                                    </p:animEffect>
+                                  </p:childTnLst>
+                                </p:cTn>
+                              </p:par>
+                              <p:par>
+                                <p:cTn id="26" presetID="10" presetClass="entr" presetSubtype="0" fill="hold" nodeType="withEffect">
+                                  <p:stCondLst>
+                                    <p:cond delay="0"/>
+                                  </p:stCondLst>
+                                  <p:childTnLst>
+                                    <p:set>
+                                      <p:cBhvr>
+                                        <p:cTn id="27" dur="1" fill="hold">
+                                          <p:stCondLst>
+                                            <p:cond delay="0"/>
+                                          </p:stCondLst>
+                                        </p:cTn>
+                                        <p:tgtEl>
+                                          <p:spTgt spid="4">
+                                            <p:txEl>
+                                              <p:pRg st="8" end="8"/>
+                                            </p:txEl>
+                                          </p:spTgt>
+                                        </p:tgtEl>
+                                        <p:attrNameLst>
+                                          <p:attrName>style.visibility</p:attrName>
+                                        </p:attrNameLst>
+                                      </p:cBhvr>
+                                      <p:to>
+                                        <p:strVal val="visible"/>
+                                      </p:to>
+                                    </p:set>
+                                    <p:animEffect transition="in" filter="fade">
+                                      <p:cBhvr>
+                                        <p:cTn id="28" dur="500"/>
+                                        <p:tgtEl>
+                                          <p:spTgt spid="4">
+                                            <p:txEl>
+                                              <p:pRg st="8" end="8"/>
+                                            </p:txEl>
+                                          </p:spTgt>
+                                        </p:tgtEl>
+                                      </p:cBhvr>
+                                    </p:animEffect>
+                                  </p:childTnLst>
+                                </p:cTn>
+                              </p:par>
+                            </p:childTnLst>
+                          </p:cTn>
+                        </p:par>
+                      </p:childTnLst>
+                    </p:cTn>
+                  </p:par>
+                </p:childTnLst>
+              </p:cTn>
+              <p:prevCondLst>
+                <p:cond evt="onPrev" delay="0">
+                  <p:tgtEl>
+                    <p:sldTgt/>
+                  </p:tgtEl>
+                </p:cond>
+              </p:prevCondLst>
+              <p:nextCondLst>
+                <p:cond evt="onNext" delay="0">
+                  <p:tgtEl>
+                    <p:sldTgt/>
+                  </p:tgtEl>
+                </p:cond>
+              </p:nextCondLst>
+            </p:seq>
+          </p:childTnLst>
+        </p:cTn>
+      </p:par>
+    </p:tnLst>
+  </p:timing>
 </p:sld>
 </file>
 
@@ -28285,6 +33387,9 @@
             </a:pPr>
             <a:r>
               <a:rPr lang="en-US">
+                <a:solidFill>
+                  <a:srgbClr val="FFC000"/>
+                </a:solidFill>
                 <a:latin typeface="Consolas"/>
                 <a:ea typeface="+mn-lt"/>
                 <a:cs typeface="+mn-lt"/>
@@ -28293,6 +33398,9 @@
             </a:r>
             <a:r>
               <a:rPr lang="en-US">
+                <a:solidFill>
+                  <a:srgbClr val="FFC000"/>
+                </a:solidFill>
                 <a:latin typeface="Century Gothic"/>
                 <a:ea typeface="+mn-lt"/>
                 <a:cs typeface="+mn-lt"/>
@@ -28312,17 +33420,41 @@
                 <a:ea typeface="+mn-lt"/>
                 <a:cs typeface="+mn-lt"/>
               </a:rPr>
-              <a:t> String()</a:t>
+              <a:t> </a:t>
             </a:r>
             <a:r>
               <a:rPr lang="en-US">
-                <a:ea typeface="+mn-lt"/>
-                <a:cs typeface="+mn-lt"/>
-              </a:rPr>
-              <a:t> converts to a String, </a:t>
+                <a:solidFill>
+                  <a:srgbClr val="FFC000"/>
+                </a:solidFill>
+                <a:latin typeface="Consolas"/>
+                <a:ea typeface="+mn-lt"/>
+                <a:cs typeface="+mn-lt"/>
+              </a:rPr>
+              <a:t>String()</a:t>
             </a:r>
             <a:r>
               <a:rPr lang="en-US">
+                <a:solidFill>
+                  <a:srgbClr val="FFC000"/>
+                </a:solidFill>
+                <a:ea typeface="+mn-lt"/>
+                <a:cs typeface="+mn-lt"/>
+              </a:rPr>
+              <a:t> </a:t>
+            </a:r>
+            <a:r>
+              <a:rPr lang="en-US">
+                <a:ea typeface="+mn-lt"/>
+                <a:cs typeface="+mn-lt"/>
+              </a:rPr>
+              <a:t>converts to a String, </a:t>
+            </a:r>
+            <a:r>
+              <a:rPr lang="en-US">
+                <a:solidFill>
+                  <a:srgbClr val="FFC000"/>
+                </a:solidFill>
                 <a:latin typeface="Consolas"/>
                 <a:ea typeface="+mn-lt"/>
                 <a:cs typeface="+mn-lt"/>
@@ -28331,10 +33463,20 @@
             </a:r>
             <a:r>
               <a:rPr lang="en-US">
-                <a:ea typeface="+mn-lt"/>
-                <a:cs typeface="+mn-lt"/>
-              </a:rPr>
-              <a:t> converts to a Boolean, etc. This works for most data types.</a:t>
+                <a:solidFill>
+                  <a:srgbClr val="FFC000"/>
+                </a:solidFill>
+                <a:ea typeface="+mn-lt"/>
+                <a:cs typeface="+mn-lt"/>
+              </a:rPr>
+              <a:t> </a:t>
+            </a:r>
+            <a:r>
+              <a:rPr lang="en-US">
+                <a:ea typeface="+mn-lt"/>
+                <a:cs typeface="+mn-lt"/>
+              </a:rPr>
+              <a:t>converts to a Boolean, etc. This works for most data types.</a:t>
             </a:r>
           </a:p>
           <a:p>
@@ -28358,6 +33500,9 @@
             </a:r>
             <a:r>
               <a:rPr lang="en-US" err="1">
+                <a:solidFill>
+                  <a:srgbClr val="FFC000"/>
+                </a:solidFill>
                 <a:latin typeface="Consolas"/>
               </a:rPr>
               <a:t>typeof</a:t>
@@ -28376,12 +33521,19 @@
               <a:buFont typeface="Arial"/>
               <a:buChar char="•"/>
             </a:pPr>
-            <a:endParaRPr lang="en-US"/>
+            <a:endParaRPr lang="en-US">
+              <a:solidFill>
+                <a:srgbClr val="FFC000"/>
+              </a:solidFill>
+            </a:endParaRPr>
           </a:p>
           <a:p>
             <a:pPr lvl="1"/>
             <a:r>
               <a:rPr lang="en-US" err="1">
+                <a:solidFill>
+                  <a:srgbClr val="FFC000"/>
+                </a:solidFill>
                 <a:latin typeface="Consolas"/>
                 <a:ea typeface="+mn-lt"/>
                 <a:cs typeface="+mn-lt"/>
@@ -28390,6 +33542,9 @@
             </a:r>
             <a:r>
               <a:rPr lang="en-US">
+                <a:solidFill>
+                  <a:srgbClr val="FFC000"/>
+                </a:solidFill>
                 <a:latin typeface="Consolas"/>
                 <a:ea typeface="+mn-lt"/>
                 <a:cs typeface="+mn-lt"/>
@@ -28398,6 +33553,9 @@
             </a:r>
             <a:br>
               <a:rPr lang="en-US">
+                <a:solidFill>
+                  <a:srgbClr val="FFC000"/>
+                </a:solidFill>
                 <a:latin typeface="Consolas"/>
                 <a:ea typeface="+mn-lt"/>
                 <a:cs typeface="+mn-lt"/>
@@ -28405,6 +33563,9 @@
             </a:br>
             <a:r>
               <a:rPr lang="en-US" err="1">
+                <a:solidFill>
+                  <a:srgbClr val="FFC000"/>
+                </a:solidFill>
                 <a:latin typeface="Consolas"/>
                 <a:ea typeface="+mn-lt"/>
                 <a:cs typeface="+mn-lt"/>
@@ -28413,6 +33574,9 @@
             </a:r>
             <a:r>
               <a:rPr lang="en-US">
+                <a:solidFill>
+                  <a:srgbClr val="FFC000"/>
+                </a:solidFill>
                 <a:latin typeface="Consolas"/>
                 <a:ea typeface="+mn-lt"/>
                 <a:cs typeface="+mn-lt"/>
@@ -28421,13 +33585,30 @@
             </a:r>
             <a:br>
               <a:rPr lang="en-US">
+                <a:solidFill>
+                  <a:srgbClr val="FFC000"/>
+                </a:solidFill>
                 <a:latin typeface="Consolas"/>
                 <a:ea typeface="+mn-lt"/>
                 <a:cs typeface="+mn-lt"/>
               </a:rPr>
             </a:br>
             <a:r>
+              <a:rPr lang="en-US" err="1">
+                <a:solidFill>
+                  <a:srgbClr val="FFC000"/>
+                </a:solidFill>
+                <a:latin typeface="Consolas"/>
+                <a:ea typeface="+mn-lt"/>
+                <a:cs typeface="+mn-lt"/>
+              </a:rPr>
+              <a:t>typeof</a:t>
+            </a:r>
+            <a:r>
               <a:rPr lang="en-US">
+                <a:solidFill>
+                  <a:srgbClr val="FFC000"/>
+                </a:solidFill>
                 <a:latin typeface="Consolas"/>
                 <a:ea typeface="+mn-lt"/>
                 <a:cs typeface="+mn-lt"/>
@@ -28436,30 +33617,20 @@
             </a:r>
             <a:r>
               <a:rPr lang="en-US" err="1">
+                <a:solidFill>
+                  <a:srgbClr val="FFC000"/>
+                </a:solidFill>
                 <a:latin typeface="Consolas"/>
                 <a:ea typeface="+mn-lt"/>
                 <a:cs typeface="+mn-lt"/>
               </a:rPr>
-              <a:t>typeof</a:t>
+              <a:t>NaN</a:t>
             </a:r>
             <a:r>
               <a:rPr lang="en-US">
-                <a:latin typeface="Consolas"/>
-                <a:ea typeface="+mn-lt"/>
-                <a:cs typeface="+mn-lt"/>
-              </a:rPr>
-              <a:t> </a:t>
-            </a:r>
-            <a:r>
-              <a:rPr lang="en-US" err="1">
-                <a:latin typeface="Consolas"/>
-                <a:ea typeface="+mn-lt"/>
-                <a:cs typeface="+mn-lt"/>
-              </a:rPr>
-              <a:t>NaN</a:t>
-            </a:r>
-            <a:r>
-              <a:rPr lang="en-US">
+                <a:solidFill>
+                  <a:srgbClr val="FFC000"/>
+                </a:solidFill>
                 <a:latin typeface="Consolas"/>
                 <a:ea typeface="+mn-lt"/>
                 <a:cs typeface="+mn-lt"/>
@@ -28468,45 +33639,52 @@
             </a:r>
             <a:br>
               <a:rPr lang="en-US">
+                <a:solidFill>
+                  <a:srgbClr val="FFC000"/>
+                </a:solidFill>
                 <a:latin typeface="Consolas"/>
                 <a:ea typeface="+mn-lt"/>
                 <a:cs typeface="+mn-lt"/>
               </a:rPr>
             </a:br>
             <a:r>
+              <a:rPr lang="en-US" err="1">
+                <a:solidFill>
+                  <a:srgbClr val="FFC000"/>
+                </a:solidFill>
+                <a:latin typeface="Consolas"/>
+                <a:ea typeface="+mn-lt"/>
+                <a:cs typeface="+mn-lt"/>
+              </a:rPr>
+              <a:t>typeof</a:t>
+            </a:r>
+            <a:r>
               <a:rPr lang="en-US">
+                <a:solidFill>
+                  <a:srgbClr val="FFC000"/>
+                </a:solidFill>
                 <a:latin typeface="Consolas"/>
                 <a:ea typeface="+mn-lt"/>
                 <a:cs typeface="+mn-lt"/>
               </a:rPr>
-              <a:t> </a:t>
+              <a:t> false                  // Returns "</a:t>
             </a:r>
             <a:r>
               <a:rPr lang="en-US" err="1">
+                <a:solidFill>
+                  <a:srgbClr val="FFC000"/>
+                </a:solidFill>
                 <a:latin typeface="Consolas"/>
                 <a:ea typeface="+mn-lt"/>
                 <a:cs typeface="+mn-lt"/>
               </a:rPr>
-              <a:t>typeof</a:t>
+              <a:t>boolean</a:t>
             </a:r>
             <a:r>
               <a:rPr lang="en-US">
-                <a:latin typeface="Consolas"/>
-                <a:ea typeface="+mn-lt"/>
-                <a:cs typeface="+mn-lt"/>
-              </a:rPr>
-              <a:t> false                  // Returns "</a:t>
-            </a:r>
-            <a:r>
-              <a:rPr lang="en-US" err="1">
-                <a:latin typeface="Consolas"/>
-                <a:ea typeface="+mn-lt"/>
-                <a:cs typeface="+mn-lt"/>
-              </a:rPr>
-              <a:t>boolean</a:t>
-            </a:r>
-            <a:r>
-              <a:rPr lang="en-US">
+                <a:solidFill>
+                  <a:srgbClr val="FFC000"/>
+                </a:solidFill>
                 <a:latin typeface="Consolas"/>
                 <a:ea typeface="+mn-lt"/>
                 <a:cs typeface="+mn-lt"/>
@@ -28515,29 +33693,30 @@
             </a:r>
             <a:br>
               <a:rPr lang="en-US">
+                <a:solidFill>
+                  <a:srgbClr val="FFC000"/>
+                </a:solidFill>
                 <a:latin typeface="Consolas"/>
                 <a:ea typeface="+mn-lt"/>
                 <a:cs typeface="+mn-lt"/>
               </a:rPr>
             </a:br>
             <a:r>
+              <a:rPr lang="en-US" err="1">
+                <a:solidFill>
+                  <a:srgbClr val="FFC000"/>
+                </a:solidFill>
+                <a:latin typeface="Consolas"/>
+                <a:ea typeface="+mn-lt"/>
+                <a:cs typeface="+mn-lt"/>
+              </a:rPr>
+              <a:t>typeof</a:t>
+            </a:r>
+            <a:r>
               <a:rPr lang="en-US">
-                <a:latin typeface="Consolas"/>
-                <a:ea typeface="+mn-lt"/>
-                <a:cs typeface="+mn-lt"/>
-              </a:rPr>
-              <a:t> </a:t>
-            </a:r>
-            <a:r>
-              <a:rPr lang="en-US" err="1">
-                <a:latin typeface="Consolas"/>
-                <a:ea typeface="+mn-lt"/>
-                <a:cs typeface="+mn-lt"/>
-              </a:rPr>
-              <a:t>typeof</a:t>
-            </a:r>
-            <a:r>
-              <a:rPr lang="en-US">
+                <a:solidFill>
+                  <a:srgbClr val="FFC000"/>
+                </a:solidFill>
                 <a:latin typeface="Consolas"/>
                 <a:ea typeface="+mn-lt"/>
                 <a:cs typeface="+mn-lt"/>
@@ -28546,45 +33725,52 @@
             </a:r>
             <a:br>
               <a:rPr lang="en-US">
+                <a:solidFill>
+                  <a:srgbClr val="FFC000"/>
+                </a:solidFill>
                 <a:latin typeface="Consolas"/>
                 <a:ea typeface="+mn-lt"/>
                 <a:cs typeface="+mn-lt"/>
               </a:rPr>
             </a:br>
             <a:r>
+              <a:rPr lang="en-US" err="1">
+                <a:solidFill>
+                  <a:srgbClr val="FFC000"/>
+                </a:solidFill>
+                <a:latin typeface="Consolas"/>
+                <a:ea typeface="+mn-lt"/>
+                <a:cs typeface="+mn-lt"/>
+              </a:rPr>
+              <a:t>typeof</a:t>
+            </a:r>
+            <a:r>
               <a:rPr lang="en-US">
+                <a:solidFill>
+                  <a:srgbClr val="FFC000"/>
+                </a:solidFill>
                 <a:latin typeface="Consolas"/>
                 <a:ea typeface="+mn-lt"/>
                 <a:cs typeface="+mn-lt"/>
               </a:rPr>
-              <a:t> </a:t>
+              <a:t> {</a:t>
             </a:r>
             <a:r>
               <a:rPr lang="en-US" err="1">
+                <a:solidFill>
+                  <a:srgbClr val="FFC000"/>
+                </a:solidFill>
                 <a:latin typeface="Consolas"/>
                 <a:ea typeface="+mn-lt"/>
                 <a:cs typeface="+mn-lt"/>
               </a:rPr>
-              <a:t>typeof</a:t>
+              <a:t>name:'John</a:t>
             </a:r>
             <a:r>
               <a:rPr lang="en-US">
-                <a:latin typeface="Consolas"/>
-                <a:ea typeface="+mn-lt"/>
-                <a:cs typeface="+mn-lt"/>
-              </a:rPr>
-              <a:t> {</a:t>
-            </a:r>
-            <a:r>
-              <a:rPr lang="en-US" err="1">
-                <a:latin typeface="Consolas"/>
-                <a:ea typeface="+mn-lt"/>
-                <a:cs typeface="+mn-lt"/>
-              </a:rPr>
-              <a:t>name:'John</a:t>
-            </a:r>
-            <a:r>
-              <a:rPr lang="en-US">
+                <a:solidFill>
+                  <a:srgbClr val="FFC000"/>
+                </a:solidFill>
                 <a:latin typeface="Consolas"/>
                 <a:ea typeface="+mn-lt"/>
                 <a:cs typeface="+mn-lt"/>
@@ -28593,6 +33779,9 @@
             </a:r>
             <a:br>
               <a:rPr lang="en-US">
+                <a:solidFill>
+                  <a:srgbClr val="FFC000"/>
+                </a:solidFill>
                 <a:latin typeface="Consolas"/>
                 <a:ea typeface="+mn-lt"/>
                 <a:cs typeface="+mn-lt"/>
@@ -28600,6 +33789,9 @@
             </a:br>
             <a:r>
               <a:rPr lang="en-US" err="1">
+                <a:solidFill>
+                  <a:srgbClr val="FFC000"/>
+                </a:solidFill>
                 <a:latin typeface="Consolas"/>
                 <a:ea typeface="+mn-lt"/>
                 <a:cs typeface="+mn-lt"/>
@@ -28608,6 +33800,9 @@
             </a:r>
             <a:r>
               <a:rPr lang="en-US">
+                <a:solidFill>
+                  <a:srgbClr val="FFC000"/>
+                </a:solidFill>
                 <a:latin typeface="Consolas"/>
                 <a:ea typeface="+mn-lt"/>
                 <a:cs typeface="+mn-lt"/>
@@ -28616,6 +33811,9 @@
             </a:r>
             <a:br>
               <a:rPr lang="en-US">
+                <a:solidFill>
+                  <a:srgbClr val="FFC000"/>
+                </a:solidFill>
                 <a:latin typeface="Consolas"/>
                 <a:ea typeface="+mn-lt"/>
                 <a:cs typeface="+mn-lt"/>
@@ -28623,6 +33821,9 @@
             </a:br>
             <a:r>
               <a:rPr lang="en-US" err="1">
+                <a:solidFill>
+                  <a:srgbClr val="FFC000"/>
+                </a:solidFill>
                 <a:latin typeface="Consolas"/>
                 <a:ea typeface="+mn-lt"/>
                 <a:cs typeface="+mn-lt"/>
@@ -28631,6 +33832,9 @@
             </a:r>
             <a:r>
               <a:rPr lang="en-US">
+                <a:solidFill>
+                  <a:srgbClr val="FFC000"/>
+                </a:solidFill>
                 <a:latin typeface="Consolas"/>
                 <a:ea typeface="+mn-lt"/>
                 <a:cs typeface="+mn-lt"/>
@@ -28639,13 +33843,30 @@
             </a:r>
             <a:br>
               <a:rPr lang="en-US">
+                <a:solidFill>
+                  <a:srgbClr val="FFC000"/>
+                </a:solidFill>
                 <a:latin typeface="Consolas"/>
                 <a:ea typeface="+mn-lt"/>
                 <a:cs typeface="+mn-lt"/>
               </a:rPr>
             </a:br>
             <a:r>
+              <a:rPr lang="en-US" err="1">
+                <a:solidFill>
+                  <a:srgbClr val="FFC000"/>
+                </a:solidFill>
+                <a:latin typeface="Consolas"/>
+                <a:ea typeface="+mn-lt"/>
+                <a:cs typeface="+mn-lt"/>
+              </a:rPr>
+              <a:t>typeof</a:t>
+            </a:r>
+            <a:r>
               <a:rPr lang="en-US">
+                <a:solidFill>
+                  <a:srgbClr val="FFC000"/>
+                </a:solidFill>
                 <a:latin typeface="Consolas"/>
                 <a:ea typeface="+mn-lt"/>
                 <a:cs typeface="+mn-lt"/>
@@ -28654,68 +33875,62 @@
             </a:r>
             <a:r>
               <a:rPr lang="en-US" err="1">
+                <a:solidFill>
+                  <a:srgbClr val="FFC000"/>
+                </a:solidFill>
                 <a:latin typeface="Consolas"/>
                 <a:ea typeface="+mn-lt"/>
                 <a:cs typeface="+mn-lt"/>
               </a:rPr>
-              <a:t>typeof</a:t>
+              <a:t>myCar</a:t>
             </a:r>
             <a:r>
               <a:rPr lang="en-US">
+                <a:solidFill>
+                  <a:srgbClr val="FFC000"/>
+                </a:solidFill>
                 <a:latin typeface="Consolas"/>
                 <a:ea typeface="+mn-lt"/>
                 <a:cs typeface="+mn-lt"/>
               </a:rPr>
-              <a:t> </a:t>
-            </a:r>
-            <a:r>
-              <a:rPr lang="en-US" err="1">
-                <a:latin typeface="Consolas"/>
-                <a:ea typeface="+mn-lt"/>
-                <a:cs typeface="+mn-lt"/>
-              </a:rPr>
-              <a:t>myCar</a:t>
-            </a:r>
-            <a:r>
-              <a:rPr lang="en-US">
-                <a:latin typeface="Consolas"/>
-                <a:ea typeface="+mn-lt"/>
-                <a:cs typeface="+mn-lt"/>
-              </a:rPr>
-              <a:t>                  // Returns "undefined" *</a:t>
+              <a:t>                  // Returns "undefined" </a:t>
             </a:r>
             <a:br>
               <a:rPr lang="en-US">
+                <a:solidFill>
+                  <a:srgbClr val="FFC000"/>
+                </a:solidFill>
                 <a:latin typeface="Consolas"/>
                 <a:ea typeface="+mn-lt"/>
                 <a:cs typeface="+mn-lt"/>
               </a:rPr>
             </a:br>
             <a:r>
+              <a:rPr lang="en-US" err="1">
+                <a:solidFill>
+                  <a:srgbClr val="FFC000"/>
+                </a:solidFill>
+                <a:latin typeface="Consolas"/>
+                <a:ea typeface="+mn-lt"/>
+                <a:cs typeface="+mn-lt"/>
+              </a:rPr>
+              <a:t>typeof</a:t>
+            </a:r>
+            <a:r>
               <a:rPr lang="en-US">
+                <a:solidFill>
+                  <a:srgbClr val="FFC000"/>
+                </a:solidFill>
                 <a:latin typeface="Consolas"/>
                 <a:ea typeface="+mn-lt"/>
                 <a:cs typeface="+mn-lt"/>
               </a:rPr>
-              <a:t> </a:t>
-            </a:r>
-            <a:r>
-              <a:rPr lang="en-US" err="1">
-                <a:latin typeface="Consolas"/>
-                <a:ea typeface="+mn-lt"/>
-                <a:cs typeface="+mn-lt"/>
-              </a:rPr>
-              <a:t>typeof</a:t>
-            </a:r>
-            <a:r>
-              <a:rPr lang="en-US">
-                <a:latin typeface="Consolas"/>
-                <a:ea typeface="+mn-lt"/>
-                <a:cs typeface="+mn-lt"/>
-              </a:rPr>
               <a:t> null                   // Returns "object" </a:t>
             </a:r>
             <a:endParaRPr lang="en-US">
+              <a:solidFill>
+                <a:srgbClr val="FFC000"/>
+              </a:solidFill>
               <a:latin typeface="Consolas"/>
             </a:endParaRPr>
           </a:p>
@@ -28738,6 +33953,158 @@
   <p:clrMapOvr>
     <a:masterClrMapping/>
   </p:clrMapOvr>
+  <p:timing>
+    <p:tnLst>
+      <p:par>
+        <p:cTn id="1" dur="indefinite" restart="never" nodeType="tmRoot">
+          <p:childTnLst>
+            <p:seq concurrent="1" nextAc="seek">
+              <p:cTn id="2" dur="indefinite" nodeType="mainSeq">
+                <p:childTnLst>
+                  <p:par>
+                    <p:cTn id="3" fill="hold">
+                      <p:stCondLst>
+                        <p:cond delay="indefinite"/>
+                      </p:stCondLst>
+                      <p:childTnLst>
+                        <p:par>
+                          <p:cTn id="4" fill="hold">
+                            <p:stCondLst>
+                              <p:cond delay="0"/>
+                            </p:stCondLst>
+                            <p:childTnLst>
+                              <p:par>
+                                <p:cTn id="5" presetID="10" presetClass="entr" presetSubtype="0" fill="hold" nodeType="clickEffect">
+                                  <p:stCondLst>
+                                    <p:cond delay="0"/>
+                                  </p:stCondLst>
+                                  <p:childTnLst>
+                                    <p:set>
+                                      <p:cBhvr>
+                                        <p:cTn id="6" dur="1" fill="hold">
+                                          <p:stCondLst>
+                                            <p:cond delay="0"/>
+                                          </p:stCondLst>
+                                        </p:cTn>
+                                        <p:tgtEl>
+                                          <p:spTgt spid="5">
+                                            <p:txEl>
+                                              <p:pRg st="2" end="2"/>
+                                            </p:txEl>
+                                          </p:spTgt>
+                                        </p:tgtEl>
+                                        <p:attrNameLst>
+                                          <p:attrName>style.visibility</p:attrName>
+                                        </p:attrNameLst>
+                                      </p:cBhvr>
+                                      <p:to>
+                                        <p:strVal val="visible"/>
+                                      </p:to>
+                                    </p:set>
+                                    <p:animEffect transition="in" filter="fade">
+                                      <p:cBhvr>
+                                        <p:cTn id="7" dur="500"/>
+                                        <p:tgtEl>
+                                          <p:spTgt spid="5">
+                                            <p:txEl>
+                                              <p:pRg st="2" end="2"/>
+                                            </p:txEl>
+                                          </p:spTgt>
+                                        </p:tgtEl>
+                                      </p:cBhvr>
+                                    </p:animEffect>
+                                  </p:childTnLst>
+                                </p:cTn>
+                              </p:par>
+                            </p:childTnLst>
+                          </p:cTn>
+                        </p:par>
+                      </p:childTnLst>
+                    </p:cTn>
+                  </p:par>
+                  <p:par>
+                    <p:cTn id="8" fill="hold">
+                      <p:stCondLst>
+                        <p:cond delay="indefinite"/>
+                      </p:stCondLst>
+                      <p:childTnLst>
+                        <p:par>
+                          <p:cTn id="9" fill="hold">
+                            <p:stCondLst>
+                              <p:cond delay="0"/>
+                            </p:stCondLst>
+                            <p:childTnLst>
+                              <p:par>
+                                <p:cTn id="10" presetID="10" presetClass="entr" presetSubtype="0" fill="hold" nodeType="clickEffect">
+                                  <p:stCondLst>
+                                    <p:cond delay="0"/>
+                                  </p:stCondLst>
+                                  <p:childTnLst>
+                                    <p:set>
+                                      <p:cBhvr>
+                                        <p:cTn id="11" dur="1" fill="hold">
+                                          <p:stCondLst>
+                                            <p:cond delay="0"/>
+                                          </p:stCondLst>
+                                        </p:cTn>
+                                        <p:tgtEl>
+                                          <p:spTgt spid="5">
+                                            <p:txEl>
+                                              <p:pRg st="4" end="4"/>
+                                            </p:txEl>
+                                          </p:spTgt>
+                                        </p:tgtEl>
+                                        <p:attrNameLst>
+                                          <p:attrName>style.visibility</p:attrName>
+                                        </p:attrNameLst>
+                                      </p:cBhvr>
+                                      <p:to>
+                                        <p:strVal val="visible"/>
+                                      </p:to>
+                                    </p:set>
+                                    <p:animEffect transition="in" filter="fade">
+                                      <p:cBhvr>
+                                        <p:cTn id="12" dur="500"/>
+                                        <p:tgtEl>
+                                          <p:spTgt spid="5">
+                                            <p:txEl>
+                                              <p:pRg st="4" end="4"/>
+                                            </p:txEl>
+                                          </p:spTgt>
+                                        </p:tgtEl>
+                                      </p:cBhvr>
+                                    </p:animEffect>
+                                  </p:childTnLst>
+                                </p:cTn>
+                              </p:par>
+                            </p:childTnLst>
+                          </p:cTn>
+                        </p:par>
+                      </p:childTnLst>
+                    </p:cTn>
+                  </p:par>
+                </p:childTnLst>
+              </p:cTn>
+              <p:prevCondLst>
+                <p:cond evt="onPrev" delay="0">
+                  <p:tgtEl>
+                    <p:sldTgt/>
+                  </p:tgtEl>
+                </p:cond>
+              </p:prevCondLst>
+              <p:nextCondLst>
+                <p:cond evt="onNext" delay="0">
+                  <p:tgtEl>
+                    <p:sldTgt/>
+                  </p:tgtEl>
+                </p:cond>
+              </p:nextCondLst>
+            </p:seq>
+          </p:childTnLst>
+        </p:cTn>
+      </p:par>
+    </p:tnLst>
+  </p:timing>
 </p:sld>
 </file>
 
@@ -28931,6 +34298,89 @@
   <p:clrMapOvr>
     <a:masterClrMapping/>
   </p:clrMapOvr>
+  <p:timing>
+    <p:tnLst>
+      <p:par>
+        <p:cTn id="1" dur="indefinite" restart="never" nodeType="tmRoot">
+          <p:childTnLst>
+            <p:seq concurrent="1" nextAc="seek">
+              <p:cTn id="2" dur="indefinite" nodeType="mainSeq">
+                <p:childTnLst>
+                  <p:par>
+                    <p:cTn id="3" fill="hold">
+                      <p:stCondLst>
+                        <p:cond delay="indefinite"/>
+                      </p:stCondLst>
+                      <p:childTnLst>
+                        <p:par>
+                          <p:cTn id="4" fill="hold">
+                            <p:stCondLst>
+                              <p:cond delay="0"/>
+                            </p:stCondLst>
+                            <p:childTnLst>
+                              <p:par>
+                                <p:cTn id="5" presetID="10" presetClass="entr" presetSubtype="0" fill="hold" nodeType="clickEffect">
+                                  <p:stCondLst>
+                                    <p:cond delay="0"/>
+                                  </p:stCondLst>
+                                  <p:childTnLst>
+                                    <p:set>
+                                      <p:cBhvr>
+                                        <p:cTn id="6" dur="1" fill="hold">
+                                          <p:stCondLst>
+                                            <p:cond delay="0"/>
+                                          </p:stCondLst>
+                                        </p:cTn>
+                                        <p:tgtEl>
+                                          <p:spTgt spid="7"/>
+                                        </p:tgtEl>
+                                        <p:attrNameLst>
+                                          <p:attrName>style.visibility</p:attrName>
+                                        </p:attrNameLst>
+                                      </p:cBhvr>
+                                      <p:to>
+                                        <p:strVal val="visible"/>
+                                      </p:to>
+                                    </p:set>
+                                    <p:animEffect transition="in" filter="fade">
+                                      <p:cBhvr>
+                                        <p:cTn id="7" dur="500"/>
+                                        <p:tgtEl>
+                                          <p:spTgt spid="7"/>
+                                        </p:tgtEl>
+                                      </p:cBhvr>
+                                    </p:animEffect>
+                                  </p:childTnLst>
+                                </p:cTn>
+                              </p:par>
+                            </p:childTnLst>
+                          </p:cTn>
+                        </p:par>
+                      </p:childTnLst>
+                    </p:cTn>
+                  </p:par>
+                </p:childTnLst>
+              </p:cTn>
+              <p:prevCondLst>
+                <p:cond evt="onPrev" delay="0">
+                  <p:tgtEl>
+                    <p:sldTgt/>
+                  </p:tgtEl>
+                </p:cond>
+              </p:prevCondLst>
+              <p:nextCondLst>
+                <p:cond evt="onNext" delay="0">
+                  <p:tgtEl>
+                    <p:sldTgt/>
+                  </p:tgtEl>
+                </p:cond>
+              </p:nextCondLst>
+            </p:seq>
+          </p:childTnLst>
+        </p:cTn>
+      </p:par>
+    </p:tnLst>
+  </p:timing>
 </p:sld>
 </file>
 
@@ -29090,6 +34540,9 @@
             <a:pPr lvl="1"/>
             <a:r>
               <a:rPr lang="en-US" sz="2400">
+                <a:solidFill>
+                  <a:srgbClr val="FFC000"/>
+                </a:solidFill>
                 <a:latin typeface="Consolas"/>
                 <a:ea typeface="+mn-lt"/>
                 <a:cs typeface="+mn-lt"/>
@@ -29098,6 +34551,9 @@
             </a:r>
             <a:r>
               <a:rPr lang="en-US" sz="2400" i="1">
+                <a:solidFill>
+                  <a:srgbClr val="FFC000"/>
+                </a:solidFill>
                 <a:latin typeface="Consolas"/>
                 <a:ea typeface="+mn-lt"/>
                 <a:cs typeface="+mn-lt"/>
@@ -29106,6 +34562,9 @@
             </a:r>
             <a:r>
               <a:rPr lang="en-US" sz="2400">
+                <a:solidFill>
+                  <a:srgbClr val="FFC000"/>
+                </a:solidFill>
                 <a:latin typeface="Consolas"/>
                 <a:ea typeface="+mn-lt"/>
                 <a:cs typeface="+mn-lt"/>
@@ -29114,6 +34573,9 @@
             </a:r>
             <a:r>
               <a:rPr lang="en-US" sz="2400" i="1">
+                <a:solidFill>
+                  <a:srgbClr val="FFC000"/>
+                </a:solidFill>
                 <a:latin typeface="Consolas"/>
                 <a:ea typeface="+mn-lt"/>
                 <a:cs typeface="+mn-lt"/>
@@ -29122,6 +34584,9 @@
             </a:r>
             <a:r>
               <a:rPr lang="en-US" sz="2400">
+                <a:solidFill>
+                  <a:srgbClr val="FFC000"/>
+                </a:solidFill>
                 <a:latin typeface="Consolas"/>
                 <a:ea typeface="+mn-lt"/>
                 <a:cs typeface="+mn-lt"/>
@@ -29129,6 +34594,9 @@
               <a:t>;</a:t>
             </a:r>
             <a:endParaRPr lang="en-US" sz="2400">
+              <a:solidFill>
+                <a:srgbClr val="FFC000"/>
+              </a:solidFill>
               <a:latin typeface="Consolas"/>
             </a:endParaRPr>
           </a:p>
@@ -29148,32 +34616,40 @@
             </a:pPr>
             <a:r>
               <a:rPr lang="en-US" sz="2400">
+                <a:latin typeface="+mj-lt"/>
+              </a:rPr>
+              <a:t>Example:</a:t>
+            </a:r>
+          </a:p>
+          <a:p>
+            <a:pPr lvl="1"/>
+            <a:r>
+              <a:rPr lang="en-US" sz="2400">
+                <a:solidFill>
+                  <a:srgbClr val="FFC000"/>
+                </a:solidFill>
                 <a:latin typeface="Consolas"/>
-              </a:rPr>
-              <a:t>Example:</a:t>
-            </a:r>
-            <a:endParaRPr lang="en-US" sz="2400"/>
-          </a:p>
-          <a:p>
-            <a:pPr lvl="1"/>
+                <a:ea typeface="+mn-lt"/>
+                <a:cs typeface="+mn-lt"/>
+              </a:rPr>
+              <a:t>var pattern = /w3schools/</a:t>
+            </a:r>
+            <a:r>
+              <a:rPr lang="en-US" sz="2400" err="1">
+                <a:solidFill>
+                  <a:srgbClr val="FFC000"/>
+                </a:solidFill>
+                <a:latin typeface="Consolas"/>
+                <a:ea typeface="+mn-lt"/>
+                <a:cs typeface="+mn-lt"/>
+              </a:rPr>
+              <a:t>i</a:t>
+            </a:r>
             <a:r>
               <a:rPr lang="en-US" sz="2400">
-                <a:latin typeface="Consolas"/>
-                <a:ea typeface="+mn-lt"/>
-                <a:cs typeface="+mn-lt"/>
-              </a:rPr>
-              <a:t>var pattern = /w3schools/</a:t>
-            </a:r>
-            <a:r>
-              <a:rPr lang="en-US" sz="2400" err="1">
-                <a:latin typeface="Consolas"/>
-                <a:ea typeface="+mn-lt"/>
-                <a:cs typeface="+mn-lt"/>
-              </a:rPr>
-              <a:t>i</a:t>
-            </a:r>
-            <a:r>
-              <a:rPr lang="en-US" sz="2400">
+                <a:solidFill>
+                  <a:srgbClr val="FFC000"/>
+                </a:solidFill>
                 <a:latin typeface="Consolas"/>
                 <a:ea typeface="+mn-lt"/>
                 <a:cs typeface="+mn-lt"/>
@@ -29194,11 +34670,21 @@
               <a:buChar char="•"/>
             </a:pPr>
             <a:r>
-              <a:rPr lang="en-US" sz="2400" b="1"/>
+              <a:rPr lang="en-US" sz="2400" b="1">
+                <a:solidFill>
+                  <a:srgbClr val="FFC000"/>
+                </a:solidFill>
+                <a:latin typeface="Consolas" panose="020B0609020204030204" pitchFamily="49" charset="0"/>
+              </a:rPr>
               <a:t>/w3schools/</a:t>
             </a:r>
             <a:r>
-              <a:rPr lang="en-US" sz="2400" b="1" err="1"/>
+              <a:rPr lang="en-US" sz="2400" b="1" err="1">
+                <a:solidFill>
+                  <a:srgbClr val="FFC000"/>
+                </a:solidFill>
+                <a:latin typeface="Consolas" panose="020B0609020204030204" pitchFamily="49" charset="0"/>
+              </a:rPr>
               <a:t>i</a:t>
             </a:r>
             <a:r>
@@ -29212,7 +34698,12 @@
               <a:buChar char="•"/>
             </a:pPr>
             <a:r>
-              <a:rPr lang="en-US" sz="2400" b="1"/>
+              <a:rPr lang="en-US" sz="2400" b="1">
+                <a:solidFill>
+                  <a:srgbClr val="FFC000"/>
+                </a:solidFill>
+                <a:latin typeface="Consolas" panose="020B0609020204030204" pitchFamily="49" charset="0"/>
+              </a:rPr>
               <a:t>w3schools</a:t>
             </a:r>
             <a:r>
@@ -29226,7 +34717,12 @@
               <a:buChar char="•"/>
             </a:pPr>
             <a:r>
-              <a:rPr lang="en-US" sz="2400" b="1" err="1"/>
+              <a:rPr lang="en-US" sz="2400" b="1" err="1">
+                <a:solidFill>
+                  <a:srgbClr val="FFC000"/>
+                </a:solidFill>
+                <a:latin typeface="Consolas" panose="020B0609020204030204" pitchFamily="49" charset="0"/>
+              </a:rPr>
               <a:t>i</a:t>
             </a:r>
             <a:r>
@@ -29260,6 +34756,326 @@
   <p:clrMapOvr>
     <a:masterClrMapping/>
   </p:clrMapOvr>
+  <p:timing>
+    <p:tnLst>
+      <p:par>
+        <p:cTn id="1" dur="indefinite" restart="never" nodeType="tmRoot">
+          <p:childTnLst>
+            <p:seq concurrent="1" nextAc="seek">
+              <p:cTn id="2" dur="indefinite" nodeType="mainSeq">
+                <p:childTnLst>
+                  <p:par>
+                    <p:cTn id="3" fill="hold">
+                      <p:stCondLst>
+                        <p:cond delay="indefinite"/>
+                        <p:cond evt="onBegin" delay="0">
+                          <p:tn val="2"/>
+                        </p:cond>
+                      </p:stCondLst>
+                      <p:childTnLst>
+                        <p:par>
+                          <p:cTn id="4" fill="hold">
+                            <p:stCondLst>
+                              <p:cond delay="0"/>
+                            </p:stCondLst>
+                            <p:childTnLst>
+                              <p:par>
+                                <p:cTn id="5" presetID="10" presetClass="entr" presetSubtype="0" fill="hold" nodeType="withEffect">
+                                  <p:stCondLst>
+                                    <p:cond delay="0"/>
+                                  </p:stCondLst>
+                                  <p:childTnLst>
+                                    <p:set>
+                                      <p:cBhvr>
+                                        <p:cTn id="6" dur="1" fill="hold">
+                                          <p:stCondLst>
+                                            <p:cond delay="0"/>
+                                          </p:stCondLst>
+                                        </p:cTn>
+                                        <p:tgtEl>
+                                          <p:spTgt spid="4">
+                                            <p:txEl>
+                                              <p:pRg st="3" end="3"/>
+                                            </p:txEl>
+                                          </p:spTgt>
+                                        </p:tgtEl>
+                                        <p:attrNameLst>
+                                          <p:attrName>style.visibility</p:attrName>
+                                        </p:attrNameLst>
+                                      </p:cBhvr>
+                                      <p:to>
+                                        <p:strVal val="visible"/>
+                                      </p:to>
+                                    </p:set>
+                                    <p:animEffect transition="in" filter="fade">
+                                      <p:cBhvr>
+                                        <p:cTn id="7" dur="500"/>
+                                        <p:tgtEl>
+                                          <p:spTgt spid="4">
+                                            <p:txEl>
+                                              <p:pRg st="3" end="3"/>
+                                            </p:txEl>
+                                          </p:spTgt>
+                                        </p:tgtEl>
+                                      </p:cBhvr>
+                                    </p:animEffect>
+                                  </p:childTnLst>
+                                </p:cTn>
+                              </p:par>
+                              <p:par>
+                                <p:cTn id="8" presetID="10" presetClass="entr" presetSubtype="0" fill="hold" nodeType="withEffect">
+                                  <p:stCondLst>
+                                    <p:cond delay="0"/>
+                                  </p:stCondLst>
+                                  <p:childTnLst>
+                                    <p:set>
+                                      <p:cBhvr>
+                                        <p:cTn id="9" dur="1" fill="hold">
+                                          <p:stCondLst>
+                                            <p:cond delay="0"/>
+                                          </p:stCondLst>
+                                        </p:cTn>
+                                        <p:tgtEl>
+                                          <p:spTgt spid="4">
+                                            <p:txEl>
+                                              <p:pRg st="4" end="4"/>
+                                            </p:txEl>
+                                          </p:spTgt>
+                                        </p:tgtEl>
+                                        <p:attrNameLst>
+                                          <p:attrName>style.visibility</p:attrName>
+                                        </p:attrNameLst>
+                                      </p:cBhvr>
+                                      <p:to>
+                                        <p:strVal val="visible"/>
+                                      </p:to>
+                                    </p:set>
+                                    <p:animEffect transition="in" filter="fade">
+                                      <p:cBhvr>
+                                        <p:cTn id="10" dur="500"/>
+                                        <p:tgtEl>
+                                          <p:spTgt spid="4">
+                                            <p:txEl>
+                                              <p:pRg st="4" end="4"/>
+                                            </p:txEl>
+                                          </p:spTgt>
+                                        </p:tgtEl>
+                                      </p:cBhvr>
+                                    </p:animEffect>
+                                  </p:childTnLst>
+                                </p:cTn>
+                              </p:par>
+                            </p:childTnLst>
+                          </p:cTn>
+                        </p:par>
+                      </p:childTnLst>
+                    </p:cTn>
+                  </p:par>
+                  <p:par>
+                    <p:cTn id="11" fill="hold">
+                      <p:stCondLst>
+                        <p:cond delay="indefinite"/>
+                      </p:stCondLst>
+                      <p:childTnLst>
+                        <p:par>
+                          <p:cTn id="12" fill="hold">
+                            <p:stCondLst>
+                              <p:cond delay="0"/>
+                            </p:stCondLst>
+                            <p:childTnLst>
+                              <p:par>
+                                <p:cTn id="13" presetID="10" presetClass="entr" presetSubtype="0" fill="hold" nodeType="clickEffect">
+                                  <p:stCondLst>
+                                    <p:cond delay="0"/>
+                                  </p:stCondLst>
+                                  <p:childTnLst>
+                                    <p:set>
+                                      <p:cBhvr>
+                                        <p:cTn id="14" dur="1" fill="hold">
+                                          <p:stCondLst>
+                                            <p:cond delay="0"/>
+                                          </p:stCondLst>
+                                        </p:cTn>
+                                        <p:tgtEl>
+                                          <p:spTgt spid="4">
+                                            <p:txEl>
+                                              <p:pRg st="6" end="6"/>
+                                            </p:txEl>
+                                          </p:spTgt>
+                                        </p:tgtEl>
+                                        <p:attrNameLst>
+                                          <p:attrName>style.visibility</p:attrName>
+                                        </p:attrNameLst>
+                                      </p:cBhvr>
+                                      <p:to>
+                                        <p:strVal val="visible"/>
+                                      </p:to>
+                                    </p:set>
+                                    <p:animEffect transition="in" filter="fade">
+                                      <p:cBhvr>
+                                        <p:cTn id="15" dur="500"/>
+                                        <p:tgtEl>
+                                          <p:spTgt spid="4">
+                                            <p:txEl>
+                                              <p:pRg st="6" end="6"/>
+                                            </p:txEl>
+                                          </p:spTgt>
+                                        </p:tgtEl>
+                                      </p:cBhvr>
+                                    </p:animEffect>
+                                  </p:childTnLst>
+                                </p:cTn>
+                              </p:par>
+                            </p:childTnLst>
+                          </p:cTn>
+                        </p:par>
+                      </p:childTnLst>
+                    </p:cTn>
+                  </p:par>
+                  <p:par>
+                    <p:cTn id="16" fill="hold">
+                      <p:stCondLst>
+                        <p:cond delay="indefinite"/>
+                      </p:stCondLst>
+                      <p:childTnLst>
+                        <p:par>
+                          <p:cTn id="17" fill="hold">
+                            <p:stCondLst>
+                              <p:cond delay="0"/>
+                            </p:stCondLst>
+                            <p:childTnLst>
+                              <p:par>
+                                <p:cTn id="18" presetID="10" presetClass="entr" presetSubtype="0" fill="hold" nodeType="clickEffect">
+                                  <p:stCondLst>
+                                    <p:cond delay="0"/>
+                                  </p:stCondLst>
+                                  <p:childTnLst>
+                                    <p:set>
+                                      <p:cBhvr>
+                                        <p:cTn id="19" dur="1" fill="hold">
+                                          <p:stCondLst>
+                                            <p:cond delay="0"/>
+                                          </p:stCondLst>
+                                        </p:cTn>
+                                        <p:tgtEl>
+                                          <p:spTgt spid="4">
+                                            <p:txEl>
+                                              <p:pRg st="7" end="7"/>
+                                            </p:txEl>
+                                          </p:spTgt>
+                                        </p:tgtEl>
+                                        <p:attrNameLst>
+                                          <p:attrName>style.visibility</p:attrName>
+                                        </p:attrNameLst>
+                                      </p:cBhvr>
+                                      <p:to>
+                                        <p:strVal val="visible"/>
+                                      </p:to>
+                                    </p:set>
+                                    <p:animEffect transition="in" filter="fade">
+                                      <p:cBhvr>
+                                        <p:cTn id="20" dur="500"/>
+                                        <p:tgtEl>
+                                          <p:spTgt spid="4">
+                                            <p:txEl>
+                                              <p:pRg st="7" end="7"/>
+                                            </p:txEl>
+                                          </p:spTgt>
+                                        </p:tgtEl>
+                                      </p:cBhvr>
+                                    </p:animEffect>
+                                  </p:childTnLst>
+                                </p:cTn>
+                              </p:par>
+                            </p:childTnLst>
+                          </p:cTn>
+                        </p:par>
+                      </p:childTnLst>
+                    </p:cTn>
+                  </p:par>
+                  <p:par>
+                    <p:cTn id="21" fill="hold">
+                      <p:stCondLst>
+                        <p:cond delay="indefinite"/>
+                      </p:stCondLst>
+                      <p:childTnLst>
+                        <p:par>
+                          <p:cTn id="22" fill="hold">
+                            <p:stCondLst>
+                              <p:cond delay="0"/>
+                            </p:stCondLst>
+                            <p:childTnLst>
+                              <p:par>
+                                <p:cTn id="23" presetID="10" presetClass="entr" presetSubtype="0" fill="hold" nodeType="clickEffect">
+                                  <p:stCondLst>
+                                    <p:cond delay="0"/>
+                                  </p:stCondLst>
+                                  <p:childTnLst>
+                                    <p:set>
+                                      <p:cBhvr>
+                                        <p:cTn id="24" dur="1" fill="hold">
+                                          <p:stCondLst>
+                                            <p:cond delay="0"/>
+                                          </p:stCondLst>
+                                        </p:cTn>
+                                        <p:tgtEl>
+                                          <p:spTgt spid="4">
+                                            <p:txEl>
+                                              <p:pRg st="8" end="8"/>
+                                            </p:txEl>
+                                          </p:spTgt>
+                                        </p:tgtEl>
+                                        <p:attrNameLst>
+                                          <p:attrName>style.visibility</p:attrName>
+                                        </p:attrNameLst>
+                                      </p:cBhvr>
+                                      <p:to>
+                                        <p:strVal val="visible"/>
+                                      </p:to>
+                                    </p:set>
+                                    <p:animEffect transition="in" filter="fade">
+                                      <p:cBhvr>
+                                        <p:cTn id="25" dur="500"/>
+                                        <p:tgtEl>
+                                          <p:spTgt spid="4">
+                                            <p:txEl>
+                                              <p:pRg st="8" end="8"/>
+                                            </p:txEl>
+                                          </p:spTgt>
+                                        </p:tgtEl>
+                                      </p:cBhvr>
+                                    </p:animEffect>
+                                  </p:childTnLst>
+                                </p:cTn>
+                              </p:par>
+                            </p:childTnLst>
+                          </p:cTn>
+                        </p:par>
+                      </p:childTnLst>
+                    </p:cTn>
+                  </p:par>
+                </p:childTnLst>
+              </p:cTn>
+              <p:prevCondLst>
+                <p:cond evt="onPrev" delay="0">
+                  <p:tgtEl>
+                    <p:sldTgt/>
+                  </p:tgtEl>
+                </p:cond>
+              </p:prevCondLst>
+              <p:nextCondLst>
+                <p:cond evt="onNext" delay="0">
+                  <p:tgtEl>
+                    <p:sldTgt/>
+                  </p:tgtEl>
+                </p:cond>
+              </p:nextCondLst>
+            </p:seq>
+          </p:childTnLst>
+        </p:cTn>
+      </p:par>
+    </p:tnLst>
+  </p:timing>
 </p:sld>
 </file>
 
@@ -29296,12 +35112,52 @@
             <p:ph type="title"/>
           </p:nvPr>
         </p:nvSpPr>
-        <p:spPr/>
+        <p:spPr>
+          <a:xfrm>
+            <a:off x="737027" y="126168"/>
+            <a:ext cx="7511473" cy="797453"/>
+          </a:xfrm>
+        </p:spPr>
         <p:txBody>
           <a:bodyPr/>
           <a:lstStyle/>
           <a:p>
-            <a:endParaRPr lang="en-US"/>
+            <a:pPr algn="ctr"/>
+            <a:r>
+              <a:rPr lang="en-US" sz="3200">
+                <a:effectLst>
+                  <a:glow rad="38100">
+                    <a:prstClr val="black">
+                      <a:lumMod val="65000"/>
+                      <a:lumOff val="35000"/>
+                      <a:alpha val="40000"/>
+                    </a:prstClr>
+                  </a:glow>
+                  <a:outerShdw blurRad="28575" dist="38100" dir="14040000" algn="tl" rotWithShape="0">
+                    <a:srgbClr val="000000">
+                      <a:alpha val="25000"/>
+                    </a:srgbClr>
+                  </a:outerShdw>
+                </a:effectLst>
+              </a:rPr>
+              <a:t>Regex (cont.)</a:t>
+            </a:r>
+            <a:endParaRPr lang="en-US">
+              <a:effectLst>
+                <a:glow rad="38100">
+                  <a:prstClr val="black">
+                    <a:lumMod val="65000"/>
+                    <a:lumOff val="35000"/>
+                    <a:alpha val="40000"/>
+                  </a:prstClr>
+                </a:glow>
+                <a:outerShdw blurRad="28575" dist="38100" dir="14040000" algn="tl" rotWithShape="0">
+                  <a:srgbClr val="000000">
+                    <a:alpha val="25000"/>
+                  </a:srgbClr>
+                </a:outerShdw>
+              </a:effectLst>
+            </a:endParaRPr>
           </a:p>
         </p:txBody>
       </p:sp>
@@ -29319,8 +35175,8 @@
         </p:nvSpPr>
         <p:spPr>
           <a:xfrm>
-            <a:off x="372266" y="2296843"/>
-            <a:ext cx="8001903" cy="2585323"/>
+            <a:off x="534906" y="1302930"/>
+            <a:ext cx="8001903" cy="3693319"/>
           </a:xfrm>
           <a:prstGeom prst="rect">
             <a:avLst/>
@@ -29341,60 +35197,83 @@
               <a:buChar char="•"/>
             </a:pPr>
             <a:r>
-              <a:rPr lang="en-US">
+              <a:rPr lang="en-US" sz="2400">
                 <a:ea typeface="+mn-lt"/>
                 <a:cs typeface="+mn-lt"/>
               </a:rPr>
               <a:t>In JavaScript, regular expressions are often used with the two </a:t>
             </a:r>
             <a:r>
-              <a:rPr lang="en-US" b="1">
+              <a:rPr lang="en-US" sz="2400" b="1">
                 <a:ea typeface="+mn-lt"/>
                 <a:cs typeface="+mn-lt"/>
               </a:rPr>
               <a:t>string methods</a:t>
             </a:r>
             <a:r>
-              <a:rPr lang="en-US">
+              <a:rPr lang="en-US" sz="2400">
                 <a:ea typeface="+mn-lt"/>
                 <a:cs typeface="+mn-lt"/>
               </a:rPr>
               <a:t>: </a:t>
             </a:r>
             <a:r>
-              <a:rPr lang="en-US">
+              <a:rPr lang="en-US" sz="2400">
+                <a:solidFill>
+                  <a:srgbClr val="FFC000"/>
+                </a:solidFill>
                 <a:latin typeface="Consolas"/>
               </a:rPr>
               <a:t>search()</a:t>
             </a:r>
             <a:r>
-              <a:rPr lang="en-US">
-                <a:ea typeface="+mn-lt"/>
-                <a:cs typeface="+mn-lt"/>
-              </a:rPr>
-              <a:t> and </a:t>
-            </a:r>
-            <a:r>
-              <a:rPr lang="en-US">
+              <a:rPr lang="en-US" sz="2400">
+                <a:solidFill>
+                  <a:srgbClr val="FFC000"/>
+                </a:solidFill>
+                <a:ea typeface="+mn-lt"/>
+                <a:cs typeface="+mn-lt"/>
+              </a:rPr>
+              <a:t> </a:t>
+            </a:r>
+            <a:r>
+              <a:rPr lang="en-US" sz="2400">
+                <a:ea typeface="+mn-lt"/>
+                <a:cs typeface="+mn-lt"/>
+              </a:rPr>
+              <a:t>and </a:t>
+            </a:r>
+            <a:r>
+              <a:rPr lang="en-US" sz="2400">
+                <a:solidFill>
+                  <a:srgbClr val="FFC000"/>
+                </a:solidFill>
                 <a:latin typeface="Consolas"/>
               </a:rPr>
               <a:t>replace()</a:t>
             </a:r>
             <a:r>
-              <a:rPr lang="en-US">
+              <a:rPr lang="en-US" sz="2400">
+                <a:solidFill>
+                  <a:srgbClr val="FFC000"/>
+                </a:solidFill>
                 <a:ea typeface="+mn-lt"/>
                 <a:cs typeface="+mn-lt"/>
               </a:rPr>
               <a:t>.</a:t>
             </a:r>
-            <a:endParaRPr lang="en-US"/>
+            <a:endParaRPr lang="en-US" sz="2400">
+              <a:solidFill>
+                <a:srgbClr val="FFC000"/>
+              </a:solidFill>
+            </a:endParaRPr>
           </a:p>
           <a:p>
             <a:pPr marL="285750" indent="-285750">
               <a:buFont typeface="Arial"/>
               <a:buChar char="•"/>
             </a:pPr>
-            <a:endParaRPr lang="en-US">
+            <a:endParaRPr lang="en-US" sz="2400">
               <a:ea typeface="+mn-lt"/>
               <a:cs typeface="+mn-lt"/>
             </a:endParaRPr>
@@ -29405,33 +35284,46 @@
               <a:buChar char="•"/>
             </a:pPr>
             <a:r>
-              <a:rPr lang="en-US">
+              <a:rPr lang="en-US" sz="2400">
                 <a:ea typeface="+mn-lt"/>
                 <a:cs typeface="+mn-lt"/>
               </a:rPr>
               <a:t>The </a:t>
             </a:r>
             <a:r>
-              <a:rPr lang="en-US">
+              <a:rPr lang="en-US" sz="2400">
+                <a:solidFill>
+                  <a:srgbClr val="FFC000"/>
+                </a:solidFill>
                 <a:latin typeface="Consolas"/>
               </a:rPr>
               <a:t>search()</a:t>
             </a:r>
             <a:r>
-              <a:rPr lang="en-US">
-                <a:ea typeface="+mn-lt"/>
-                <a:cs typeface="+mn-lt"/>
-              </a:rPr>
-              <a:t> method uses an expression to search for a match, and returns the position of the match.</a:t>
-            </a:r>
-            <a:endParaRPr lang="en-US"/>
+              <a:rPr lang="en-US" sz="2400">
+                <a:solidFill>
+                  <a:srgbClr val="FFC000"/>
+                </a:solidFill>
+                <a:ea typeface="+mn-lt"/>
+                <a:cs typeface="+mn-lt"/>
+              </a:rPr>
+              <a:t> </a:t>
+            </a:r>
+            <a:r>
+              <a:rPr lang="en-US" sz="2400">
+                <a:ea typeface="+mn-lt"/>
+                <a:cs typeface="+mn-lt"/>
+              </a:rPr>
+              <a:t>method uses an expression to search for a match, and returns the position of the match.</a:t>
+            </a:r>
+            <a:endParaRPr lang="en-US" sz="2400"/>
           </a:p>
           <a:p>
             <a:pPr marL="285750" indent="-285750">
               <a:buFont typeface="Arial"/>
               <a:buChar char="•"/>
             </a:pPr>
-            <a:endParaRPr lang="en-US">
+            <a:endParaRPr lang="en-US" sz="2400">
               <a:ea typeface="+mn-lt"/>
               <a:cs typeface="+mn-lt"/>
             </a:endParaRPr>
@@ -29442,30 +35334,98 @@
               <a:buChar char="•"/>
             </a:pPr>
             <a:r>
-              <a:rPr lang="en-US">
+              <a:rPr lang="en-US" sz="2400">
                 <a:ea typeface="+mn-lt"/>
                 <a:cs typeface="+mn-lt"/>
               </a:rPr>
               <a:t>The </a:t>
             </a:r>
             <a:r>
-              <a:rPr lang="en-US">
+              <a:rPr lang="en-US" sz="2400">
+                <a:solidFill>
+                  <a:srgbClr val="FFC000"/>
+                </a:solidFill>
                 <a:latin typeface="Consolas"/>
               </a:rPr>
               <a:t>replace()</a:t>
             </a:r>
             <a:r>
-              <a:rPr lang="en-US">
-                <a:ea typeface="+mn-lt"/>
-                <a:cs typeface="+mn-lt"/>
-              </a:rPr>
-              <a:t> method returns a modified string where the pattern is replaced.</a:t>
-            </a:r>
-            <a:endParaRPr lang="en-US"/>
+              <a:rPr lang="en-US" sz="2400">
+                <a:solidFill>
+                  <a:srgbClr val="FFC000"/>
+                </a:solidFill>
+                <a:ea typeface="+mn-lt"/>
+                <a:cs typeface="+mn-lt"/>
+              </a:rPr>
+              <a:t> </a:t>
+            </a:r>
+            <a:r>
+              <a:rPr lang="en-US" sz="2400">
+                <a:ea typeface="+mn-lt"/>
+                <a:cs typeface="+mn-lt"/>
+              </a:rPr>
+              <a:t>method returns a modified string where the pattern is replaced.</a:t>
+            </a:r>
+            <a:endParaRPr lang="en-US" sz="2400"/>
           </a:p>
           <a:p>
             <a:pPr algn="l"/>
             <a:endParaRPr lang="en-US"/>
+          </a:p>
+        </p:txBody>
+      </p:sp>
+      <p:sp>
+        <p:nvSpPr>
+          <p:cNvPr id="5" name="TextBox 4">
+            <a:extLst>
+              <a:ext uri="{FF2B5EF4-FFF2-40B4-BE49-F238E27FC236}">
+                <a16:creationId xmlns:a16="http://schemas.microsoft.com/office/drawing/2014/main" id="{F6FFF64C-24DC-4453-A338-61AF1DC326F1}"/>
+              </a:ext>
+            </a:extLst>
+          </p:cNvPr>
+          <p:cNvSpPr txBox="1"/>
+          <p:nvPr/>
+        </p:nvSpPr>
+        <p:spPr>
+          <a:xfrm>
+            <a:off x="263839" y="5224368"/>
+            <a:ext cx="8724748" cy="1200329"/>
+          </a:xfrm>
+          <a:prstGeom prst="rect">
+            <a:avLst/>
+          </a:prstGeom>
+          <a:noFill/>
+        </p:spPr>
+        <p:txBody>
+          <a:bodyPr rot="0" spcFirstLastPara="0" vertOverflow="overflow" horzOverflow="overflow" vert="horz" wrap="square" lIns="91440" tIns="45720" rIns="91440" bIns="45720" numCol="1" spcCol="0" rtlCol="0" fromWordArt="0" anchor="t" anchorCtr="0" forceAA="0" compatLnSpc="1">
+            <a:prstTxWarp prst="textNoShape">
+              <a:avLst/>
+            </a:prstTxWarp>
+            <a:spAutoFit/>
+          </a:bodyPr>
+          <a:lstStyle/>
+          <a:p>
+            <a:r>
+              <a:rPr lang="en-US" sz="2400"/>
+              <a:t>Try this example and search for text in a string:</a:t>
+            </a:r>
+          </a:p>
+          <a:p>
+            <a:r>
+              <a:rPr lang="en-US" sz="2400" u="sng">
+                <a:solidFill>
+                  <a:srgbClr val="FFC000"/>
+                </a:solidFill>
+                <a:ea typeface="+mn-lt"/>
+                <a:cs typeface="+mn-lt"/>
+              </a:rPr>
+              <a:t>https://www.w3schools.com/js/tryit.asp?filename=tryjs_string_search</a:t>
+            </a:r>
+            <a:endParaRPr lang="en-US" sz="2400" u="sng">
+              <a:solidFill>
+                <a:srgbClr val="FFC000"/>
+              </a:solidFill>
+            </a:endParaRPr>
           </a:p>
         </p:txBody>
       </p:sp>

--- a/Javascript.pptx
+++ b/Javascript.pptx
@@ -183,8 +183,9 @@
   <p1510:revLst>
     <p1510:client id="{18AF83C2-9E6E-447F-B576-A8E0AE46A6A3}" v="2221" dt="2019-11-12T21:48:51.928"/>
     <p1510:client id="{36D0BE91-E8E9-7A67-4D45-35D6594435A8}" v="854" dt="2019-11-12T12:53:00.308"/>
-    <p1510:client id="{6944476C-7B7C-EF75-D8A5-310DDF97C56A}" v="68" dt="2019-11-13T01:04:53.639"/>
-    <p1510:client id="{6B28909D-D3C5-49FC-8DC1-89624CF9528B}" v="155" dt="2019-11-13T01:05:52.685"/>
+    <p1510:client id="{6944476C-7B7C-EF75-D8A5-310DDF97C56A}" v="309" dt="2019-11-13T11:25:43.693"/>
+    <p1510:client id="{6B28909D-D3C5-49FC-8DC1-89624CF9528B}" v="254" dt="2019-11-13T01:37:15.021"/>
+    <p1510:client id="{78A77EFE-105A-3EED-3094-9157AAE7999D}" v="66" dt="2019-11-13T12:39:25.913"/>
     <p1510:client id="{BDC9E7D7-BE52-EBB8-B1DF-4380543D8069}" v="259" dt="2019-11-12T11:51:32.029"/>
     <p1510:client id="{C28D8D99-F6B3-6415-4723-3C5E5FD8FE6B}" v="38" dt="2019-11-12T11:13:13.623"/>
     <p1510:client id="{F001F4E1-C76E-CE74-0BB3-40D3D900C76A}" v="2124" dt="2019-11-12T16:59:39.824"/>
@@ -394,7 +395,7 @@
             <a:fld id="{B61BEF0D-F0BB-DE4B-95CE-6DB70DBA9567}" type="datetimeFigureOut">
               <a:rPr lang="en-US" dirty="0"/>
               <a:pPr/>
-              <a:t>11/12/2019</a:t>
+              <a:t>11/13/2019</a:t>
             </a:fld>
             <a:endParaRPr lang="en-US"/>
           </a:p>
@@ -682,7 +683,7 @@
             <a:fld id="{B61BEF0D-F0BB-DE4B-95CE-6DB70DBA9567}" type="datetimeFigureOut">
               <a:rPr lang="en-US" dirty="0"/>
               <a:pPr/>
-              <a:t>11/12/2019</a:t>
+              <a:t>11/13/2019</a:t>
             </a:fld>
             <a:endParaRPr lang="en-US"/>
           </a:p>
@@ -936,7 +937,7 @@
             <a:fld id="{B61BEF0D-F0BB-DE4B-95CE-6DB70DBA9567}" type="datetimeFigureOut">
               <a:rPr lang="en-US" dirty="0"/>
               <a:pPr/>
-              <a:t>11/12/2019</a:t>
+              <a:t>11/13/2019</a:t>
             </a:fld>
             <a:endParaRPr lang="en-US"/>
           </a:p>
@@ -1475,7 +1476,7 @@
             <a:fld id="{B61BEF0D-F0BB-DE4B-95CE-6DB70DBA9567}" type="datetimeFigureOut">
               <a:rPr lang="en-US" dirty="0"/>
               <a:pPr/>
-              <a:t>11/12/2019</a:t>
+              <a:t>11/13/2019</a:t>
             </a:fld>
             <a:endParaRPr lang="en-US"/>
           </a:p>
@@ -1724,7 +1725,7 @@
             <a:fld id="{B61BEF0D-F0BB-DE4B-95CE-6DB70DBA9567}" type="datetimeFigureOut">
               <a:rPr lang="en-US" dirty="0"/>
               <a:pPr/>
-              <a:t>11/12/2019</a:t>
+              <a:t>11/13/2019</a:t>
             </a:fld>
             <a:endParaRPr lang="en-US"/>
           </a:p>
@@ -2268,7 +2269,7 @@
             <a:fld id="{B61BEF0D-F0BB-DE4B-95CE-6DB70DBA9567}" type="datetimeFigureOut">
               <a:rPr lang="en-US" dirty="0"/>
               <a:pPr/>
-              <a:t>11/12/2019</a:t>
+              <a:t>11/13/2019</a:t>
             </a:fld>
             <a:endParaRPr lang="en-US"/>
           </a:p>
@@ -2579,7 +2580,7 @@
             <a:fld id="{B61BEF0D-F0BB-DE4B-95CE-6DB70DBA9567}" type="datetimeFigureOut">
               <a:rPr lang="en-US" dirty="0"/>
               <a:pPr/>
-              <a:t>11/12/2019</a:t>
+              <a:t>11/13/2019</a:t>
             </a:fld>
             <a:endParaRPr lang="en-US"/>
           </a:p>
@@ -2754,7 +2755,7 @@
             <a:fld id="{B61BEF0D-F0BB-DE4B-95CE-6DB70DBA9567}" type="datetimeFigureOut">
               <a:rPr lang="en-US" dirty="0"/>
               <a:pPr/>
-              <a:t>11/12/2019</a:t>
+              <a:t>11/13/2019</a:t>
             </a:fld>
             <a:endParaRPr lang="en-US"/>
           </a:p>
@@ -2934,7 +2935,7 @@
             <a:fld id="{B61BEF0D-F0BB-DE4B-95CE-6DB70DBA9567}" type="datetimeFigureOut">
               <a:rPr lang="en-US" dirty="0"/>
               <a:pPr/>
-              <a:t>11/12/2019</a:t>
+              <a:t>11/13/2019</a:t>
             </a:fld>
             <a:endParaRPr lang="en-US"/>
           </a:p>
@@ -3104,7 +3105,7 @@
             <a:fld id="{B61BEF0D-F0BB-DE4B-95CE-6DB70DBA9567}" type="datetimeFigureOut">
               <a:rPr lang="en-US" dirty="0"/>
               <a:pPr/>
-              <a:t>11/12/2019</a:t>
+              <a:t>11/13/2019</a:t>
             </a:fld>
             <a:endParaRPr lang="en-US"/>
           </a:p>
@@ -3353,7 +3354,7 @@
             <a:fld id="{B61BEF0D-F0BB-DE4B-95CE-6DB70DBA9567}" type="datetimeFigureOut">
               <a:rPr lang="en-US" dirty="0"/>
               <a:pPr/>
-              <a:t>11/12/2019</a:t>
+              <a:t>11/13/2019</a:t>
             </a:fld>
             <a:endParaRPr lang="en-US"/>
           </a:p>
@@ -3644,7 +3645,7 @@
             <a:fld id="{B61BEF0D-F0BB-DE4B-95CE-6DB70DBA9567}" type="datetimeFigureOut">
               <a:rPr lang="en-US" dirty="0"/>
               <a:pPr/>
-              <a:t>11/12/2019</a:t>
+              <a:t>11/13/2019</a:t>
             </a:fld>
             <a:endParaRPr lang="en-US"/>
           </a:p>
@@ -4073,7 +4074,7 @@
             <a:fld id="{B61BEF0D-F0BB-DE4B-95CE-6DB70DBA9567}" type="datetimeFigureOut">
               <a:rPr lang="en-US" dirty="0"/>
               <a:pPr/>
-              <a:t>11/12/2019</a:t>
+              <a:t>11/13/2019</a:t>
             </a:fld>
             <a:endParaRPr lang="en-US"/>
           </a:p>
@@ -4198,7 +4199,7 @@
             <a:fld id="{B61BEF0D-F0BB-DE4B-95CE-6DB70DBA9567}" type="datetimeFigureOut">
               <a:rPr lang="en-US" dirty="0"/>
               <a:pPr/>
-              <a:t>11/12/2019</a:t>
+              <a:t>11/13/2019</a:t>
             </a:fld>
             <a:endParaRPr lang="en-US"/>
           </a:p>
@@ -4295,7 +4296,7 @@
             <a:fld id="{B61BEF0D-F0BB-DE4B-95CE-6DB70DBA9567}" type="datetimeFigureOut">
               <a:rPr lang="en-US" dirty="0"/>
               <a:pPr/>
-              <a:t>11/12/2019</a:t>
+              <a:t>11/13/2019</a:t>
             </a:fld>
             <a:endParaRPr lang="en-US"/>
           </a:p>
@@ -4578,7 +4579,7 @@
             <a:fld id="{B61BEF0D-F0BB-DE4B-95CE-6DB70DBA9567}" type="datetimeFigureOut">
               <a:rPr lang="en-US" dirty="0"/>
               <a:pPr/>
-              <a:t>11/12/2019</a:t>
+              <a:t>11/13/2019</a:t>
             </a:fld>
             <a:endParaRPr lang="en-US"/>
           </a:p>
@@ -4866,7 +4867,7 @@
             <a:fld id="{B61BEF0D-F0BB-DE4B-95CE-6DB70DBA9567}" type="datetimeFigureOut">
               <a:rPr lang="en-US" dirty="0"/>
               <a:pPr/>
-              <a:t>11/12/2019</a:t>
+              <a:t>11/13/2019</a:t>
             </a:fld>
             <a:endParaRPr lang="en-US"/>
           </a:p>
@@ -5125,7 +5126,7 @@
             <a:fld id="{B61BEF0D-F0BB-DE4B-95CE-6DB70DBA9567}" type="datetimeFigureOut">
               <a:rPr lang="en-US" dirty="0"/>
               <a:pPr/>
-              <a:t>11/12/2019</a:t>
+              <a:t>11/13/2019</a:t>
             </a:fld>
             <a:endParaRPr lang="en-US"/>
           </a:p>
@@ -6009,7 +6010,6 @@
               <a:rPr lang="en-US"/>
               <a:t>Robert Vansolkema</a:t>
             </a:r>
-            <a:endParaRPr lang="en-US" dirty="0"/>
           </a:p>
         </p:txBody>
       </p:sp>
@@ -6809,8 +6809,8 @@
         </p:blipFill>
         <p:spPr>
           <a:xfrm>
-            <a:off x="125780" y="1165773"/>
-            <a:ext cx="9022212" cy="1681434"/>
+            <a:off x="914" y="800781"/>
+            <a:ext cx="9147077" cy="1700644"/>
           </a:xfrm>
           <a:prstGeom prst="rect">
             <a:avLst/>
@@ -6899,7 +6899,7 @@
               <a:buChar char="•"/>
             </a:pPr>
             <a:r>
-              <a:rPr lang="en-US" sz="2800">
+              <a:rPr lang="en-US" sz="2800" dirty="0">
                 <a:ea typeface="+mn-lt"/>
                 <a:cs typeface="+mn-lt"/>
               </a:rPr>
@@ -6908,14 +6908,20 @@
           </a:p>
           <a:p>
             <a:r>
-              <a:rPr lang="en-US" sz="2800"/>
+              <a:rPr lang="en-US" sz="2800" dirty="0"/>
               <a:t>   </a:t>
             </a:r>
             <a:r>
-              <a:rPr lang="en-US" sz="2800">
+              <a:rPr lang="en-US" sz="2800" dirty="0">
+                <a:latin typeface="Century Gothic"/>
+              </a:rPr>
+              <a:t>c</a:t>
+            </a:r>
+            <a:r>
+              <a:rPr lang="en-US" sz="2800" dirty="0">
                 <a:latin typeface="Consolas"/>
               </a:rPr>
-              <a:t>Console.log("Hello, JS!")</a:t>
+              <a:t>onsole.log("Hello, JS!")</a:t>
             </a:r>
           </a:p>
         </p:txBody>
@@ -8147,7 +8153,7 @@
         <p:spPr>
           <a:xfrm>
             <a:off x="962426" y="5150223"/>
-            <a:ext cx="7161519" cy="954107"/>
+            <a:ext cx="7161519" cy="1384995"/>
           </a:xfrm>
           <a:prstGeom prst="rect">
             <a:avLst/>
@@ -8165,8 +8171,8 @@
           <a:p>
             <a:pPr algn="ctr"/>
             <a:r>
-              <a:rPr lang="en-US" sz="2800"/>
-              <a:t>When the button is clicked, a click event triggers and the JavaScript runs.</a:t>
+              <a:rPr lang="en-US" sz="2800" dirty="0"/>
+              <a:t>When the button is clicked, a click event triggers and the JavaScript assigned to the onclick attribute runs.</a:t>
             </a:r>
           </a:p>
         </p:txBody>
@@ -10928,8 +10934,8 @@
           <a:lstStyle/>
           <a:p>
             <a:pPr>
-              <a:buFont typeface="Wingdings" charset="2"/>
-              <a:buChar char="v"/>
+              <a:buFont typeface="Arial" panose="020B0604020202020204" pitchFamily="34" charset="0"/>
+              <a:buChar char="•"/>
             </a:pPr>
             <a:r>
               <a:rPr lang="en-US" sz="2800" cap="none"/>
@@ -10953,9 +10959,9 @@
             </a:endParaRPr>
           </a:p>
           <a:p>
-            <a:pPr marL="685800">
-              <a:buFont typeface="Wingdings" charset="2"/>
-              <a:buChar char="v"/>
+            <a:pPr marL="857250" indent="-457200">
+              <a:buFont typeface="Arial" panose="020B0604020202020204" pitchFamily="34" charset="0"/>
+              <a:buChar char="•"/>
             </a:pPr>
             <a:r>
               <a:rPr lang="en-US" sz="2800" cap="none"/>
@@ -10979,19 +10985,19 @@
             </a:endParaRPr>
           </a:p>
           <a:p>
-            <a:pPr lvl="1">
-              <a:buFont typeface="Wingdings" charset="2"/>
-              <a:buChar char="v"/>
+            <a:pPr lvl="2">
+              <a:buFont typeface="Arial" panose="020B0604020202020204" pitchFamily="34" charset="0"/>
+              <a:buChar char="•"/>
             </a:pPr>
             <a:r>
-              <a:rPr lang="en-US" sz="3200" cap="none">
+              <a:rPr lang="en-US" sz="3000" cap="none">
                 <a:solidFill>
                   <a:srgbClr val="FFC000"/>
                 </a:solidFill>
               </a:rPr>
               <a:t> 10 ** 5 = 100,000</a:t>
             </a:r>
-            <a:endParaRPr lang="en-US" sz="3200" cap="none">
+            <a:endParaRPr lang="en-US" sz="3000" cap="none">
               <a:solidFill>
                 <a:srgbClr val="FFC000"/>
               </a:solidFill>
@@ -11012,9 +11018,9 @@
             </a:endParaRPr>
           </a:p>
           <a:p>
-            <a:pPr marL="685800">
-              <a:buFont typeface="Wingdings" charset="2"/>
-              <a:buChar char="v"/>
+            <a:pPr marL="857250" indent="-457200">
+              <a:buFont typeface="Arial" panose="020B0604020202020204" pitchFamily="34" charset="0"/>
+              <a:buChar char="•"/>
             </a:pPr>
             <a:r>
               <a:rPr lang="en-US" sz="2800" cap="none"/>
@@ -11038,12 +11044,12 @@
             </a:endParaRPr>
           </a:p>
           <a:p>
-            <a:pPr lvl="1">
-              <a:buFont typeface="Wingdings" charset="2"/>
-              <a:buChar char="v"/>
+            <a:pPr lvl="2">
+              <a:buFont typeface="Arial" panose="020B0604020202020204" pitchFamily="34" charset="0"/>
+              <a:buChar char="•"/>
             </a:pPr>
             <a:r>
-              <a:rPr lang="en-US" sz="3200" cap="none">
+              <a:rPr lang="en-US" sz="3000" cap="none">
                 <a:solidFill>
                   <a:srgbClr val="FFC000"/>
                 </a:solidFill>
@@ -11051,11 +11057,11 @@
               <a:t>5 === '5'</a:t>
             </a:r>
             <a:r>
-              <a:rPr lang="en-US" sz="3200" cap="none"/>
+              <a:rPr lang="en-US" sz="3000" cap="none"/>
               <a:t>  returns false, whereas </a:t>
             </a:r>
             <a:r>
-              <a:rPr lang="en-US" sz="3200" cap="none">
+              <a:rPr lang="en-US" sz="3000" cap="none">
                 <a:solidFill>
                   <a:srgbClr val="FFC000"/>
                 </a:solidFill>
@@ -11063,10 +11069,10 @@
               <a:t>5 == '5' </a:t>
             </a:r>
             <a:r>
-              <a:rPr lang="en-US" sz="3200" cap="none"/>
+              <a:rPr lang="en-US" sz="3000" cap="none"/>
               <a:t>would return true.</a:t>
             </a:r>
-            <a:endParaRPr lang="en-US" sz="3200" cap="none">
+            <a:endParaRPr lang="en-US" sz="3000" cap="none">
               <a:effectLst>
                 <a:glow rad="38100">
                   <a:prstClr val="black">
@@ -11085,8 +11091,8 @@
           </a:p>
           <a:p>
             <a:pPr lvl="1">
-              <a:buFont typeface="Wingdings,Sans-Serif" charset="2"/>
-              <a:buChar char="v"/>
+              <a:buFont typeface="Arial" panose="020B0604020202020204" pitchFamily="34" charset="0"/>
+              <a:buChar char="•"/>
             </a:pPr>
             <a:r>
               <a:rPr lang="en-US" sz="2800" cap="none"/>
@@ -11296,7 +11302,7 @@
                                         <p:tgtEl>
                                           <p:spTgt spid="3">
                                             <p:txEl>
-                                              <p:pRg st="1" end="1"/>
+                                              <p:pRg st="2" end="2"/>
                                             </p:txEl>
                                           </p:spTgt>
                                         </p:tgtEl>
@@ -11311,49 +11317,6 @@
                                     <p:animEffect transition="in" filter="fade">
                                       <p:cBhvr>
                                         <p:cTn id="7" dur="500"/>
-                                        <p:tgtEl>
-                                          <p:spTgt spid="3">
-                                            <p:txEl>
-                                              <p:pRg st="1" end="1"/>
-                                            </p:txEl>
-                                          </p:spTgt>
-                                        </p:tgtEl>
-                                      </p:cBhvr>
-                                    </p:animEffect>
-                                  </p:childTnLst>
-                                </p:cTn>
-                              </p:par>
-                              <p:par>
-                                <p:cTn id="8" presetID="10" presetClass="entr" presetSubtype="0" fill="hold" nodeType="withEffect">
-                                  <p:stCondLst>
-                                    <p:cond delay="0"/>
-                                  </p:stCondLst>
-                                  <p:childTnLst>
-                                    <p:set>
-                                      <p:cBhvr>
-                                        <p:cTn id="9" dur="1" fill="hold">
-                                          <p:stCondLst>
-                                            <p:cond delay="0"/>
-                                          </p:stCondLst>
-                                        </p:cTn>
-                                        <p:tgtEl>
-                                          <p:spTgt spid="3">
-                                            <p:txEl>
-                                              <p:pRg st="2" end="2"/>
-                                            </p:txEl>
-                                          </p:spTgt>
-                                        </p:tgtEl>
-                                        <p:attrNameLst>
-                                          <p:attrName>style.visibility</p:attrName>
-                                        </p:attrNameLst>
-                                      </p:cBhvr>
-                                      <p:to>
-                                        <p:strVal val="visible"/>
-                                      </p:to>
-                                    </p:set>
-                                    <p:animEffect transition="in" filter="fade">
-                                      <p:cBhvr>
-                                        <p:cTn id="10" dur="500"/>
                                         <p:tgtEl>
                                           <p:spTgt spid="3">
                                             <p:txEl>
@@ -11373,26 +11336,26 @@
                     </p:cTn>
                   </p:par>
                   <p:par>
-                    <p:cTn id="11" fill="hold">
+                    <p:cTn id="8" fill="hold">
                       <p:stCondLst>
                         <p:cond delay="indefinite"/>
                       </p:stCondLst>
                       <p:childTnLst>
                         <p:par>
-                          <p:cTn id="12" fill="hold">
+                          <p:cTn id="9" fill="hold">
                             <p:stCondLst>
                               <p:cond delay="0"/>
                             </p:stCondLst>
                             <p:childTnLst>
                               <p:par>
-                                <p:cTn id="13" presetID="10" presetClass="entr" presetSubtype="0" fill="hold" nodeType="clickEffect">
+                                <p:cTn id="10" presetID="10" presetClass="entr" presetSubtype="0" fill="hold" nodeType="clickEffect">
                                   <p:stCondLst>
                                     <p:cond delay="0"/>
                                   </p:stCondLst>
                                   <p:childTnLst>
                                     <p:set>
                                       <p:cBhvr>
-                                        <p:cTn id="14" dur="1" fill="hold">
+                                        <p:cTn id="11" dur="1" fill="hold">
                                           <p:stCondLst>
                                             <p:cond delay="0"/>
                                           </p:stCondLst>
@@ -11414,7 +11377,7 @@
                                     </p:set>
                                     <p:animEffect transition="in" filter="fade">
                                       <p:cBhvr>
-                                        <p:cTn id="15" dur="500"/>
+                                        <p:cTn id="12" dur="500"/>
                                         <p:tgtEl>
                                           <p:spTgt spid="3">
                                             <p:txEl>
@@ -11427,15 +11390,33 @@
                                   </p:childTnLst>
                                 </p:cTn>
                               </p:par>
+                            </p:childTnLst>
+                          </p:cTn>
+                        </p:par>
+                      </p:childTnLst>
+                    </p:cTn>
+                  </p:par>
+                  <p:par>
+                    <p:cTn id="13" fill="hold">
+                      <p:stCondLst>
+                        <p:cond delay="indefinite"/>
+                      </p:stCondLst>
+                      <p:childTnLst>
+                        <p:par>
+                          <p:cTn id="14" fill="hold">
+                            <p:stCondLst>
+                              <p:cond delay="0"/>
+                            </p:stCondLst>
+                            <p:childTnLst>
                               <p:par>
-                                <p:cTn id="16" presetID="10" presetClass="entr" presetSubtype="0" fill="hold" nodeType="withEffect">
+                                <p:cTn id="15" presetID="10" presetClass="entr" presetSubtype="0" fill="hold" nodeType="clickEffect">
                                   <p:stCondLst>
                                     <p:cond delay="0"/>
                                   </p:stCondLst>
                                   <p:childTnLst>
                                     <p:set>
                                       <p:cBhvr>
-                                        <p:cTn id="17" dur="1" fill="hold">
+                                        <p:cTn id="16" dur="1" fill="hold">
                                           <p:stCondLst>
                                             <p:cond delay="0"/>
                                           </p:stCondLst>
@@ -11457,7 +11438,7 @@
                                     </p:set>
                                     <p:animEffect transition="in" filter="fade">
                                       <p:cBhvr>
-                                        <p:cTn id="18" dur="500"/>
+                                        <p:cTn id="17" dur="500"/>
                                         <p:tgtEl>
                                           <p:spTgt spid="3">
                                             <p:txEl>
@@ -11477,26 +11458,26 @@
                     </p:cTn>
                   </p:par>
                   <p:par>
-                    <p:cTn id="19" fill="hold">
+                    <p:cTn id="18" fill="hold">
                       <p:stCondLst>
                         <p:cond delay="indefinite"/>
                       </p:stCondLst>
                       <p:childTnLst>
                         <p:par>
-                          <p:cTn id="20" fill="hold">
+                          <p:cTn id="19" fill="hold">
                             <p:stCondLst>
                               <p:cond delay="0"/>
                             </p:stCondLst>
                             <p:childTnLst>
                               <p:par>
-                                <p:cTn id="21" presetID="10" presetClass="entr" presetSubtype="0" fill="hold" nodeType="clickEffect">
+                                <p:cTn id="20" presetID="10" presetClass="entr" presetSubtype="0" fill="hold" nodeType="clickEffect">
                                   <p:stCondLst>
                                     <p:cond delay="0"/>
                                   </p:stCondLst>
                                   <p:childTnLst>
                                     <p:set>
                                       <p:cBhvr>
-                                        <p:cTn id="22" dur="1" fill="hold">
+                                        <p:cTn id="21" dur="1" fill="hold">
                                           <p:stCondLst>
                                             <p:cond delay="0"/>
                                           </p:stCondLst>
@@ -11518,7 +11499,7 @@
                                     </p:set>
                                     <p:animEffect transition="in" filter="fade">
                                       <p:cBhvr>
-                                        <p:cTn id="23" dur="500"/>
+                                        <p:cTn id="22" dur="500"/>
                                         <p:tgtEl>
                                           <p:spTgt spid="3">
                                             <p:txEl>
@@ -11608,8 +11589,8 @@
           <a:lstStyle/>
           <a:p>
             <a:pPr>
-              <a:buFont typeface="Wingdings" charset="2"/>
-              <a:buChar char="v"/>
+              <a:buFont typeface="Arial" panose="020B0604020202020204" pitchFamily="34" charset="0"/>
+              <a:buChar char="•"/>
             </a:pPr>
             <a:r>
               <a:rPr lang="en-US" sz="2400" cap="none"/>
@@ -11642,8 +11623,8 @@
           </a:p>
           <a:p>
             <a:pPr lvl="1">
-              <a:buFont typeface="Wingdings" charset="2"/>
-              <a:buChar char="v"/>
+              <a:buFont typeface="Arial" panose="020B0604020202020204" pitchFamily="34" charset="0"/>
+              <a:buChar char="•"/>
             </a:pPr>
             <a:r>
               <a:rPr lang="en-US" sz="2800" cap="none">
@@ -11691,8 +11672,8 @@
           </a:p>
           <a:p>
             <a:pPr>
-              <a:buFont typeface="Wingdings" charset="2"/>
-              <a:buChar char="v"/>
+              <a:buFont typeface="Arial" panose="020B0604020202020204" pitchFamily="34" charset="0"/>
+              <a:buChar char="•"/>
             </a:pPr>
             <a:r>
               <a:rPr lang="en-US" sz="2400" cap="none"/>
@@ -11721,8 +11702,8 @@
           </a:p>
           <a:p>
             <a:pPr lvl="1">
-              <a:buFont typeface="Wingdings" charset="2"/>
-              <a:buChar char="v"/>
+              <a:buFont typeface="Arial" panose="020B0604020202020204" pitchFamily="34" charset="0"/>
+              <a:buChar char="•"/>
             </a:pPr>
             <a:r>
               <a:rPr lang="en-US" sz="2800" cap="none"/>
@@ -11747,8 +11728,8 @@
           </a:p>
           <a:p>
             <a:pPr lvl="1">
-              <a:buFont typeface="Wingdings" charset="2"/>
-              <a:buChar char="v"/>
+              <a:buFont typeface="Arial" panose="020B0604020202020204" pitchFamily="34" charset="0"/>
+              <a:buChar char="•"/>
             </a:pPr>
             <a:r>
               <a:rPr lang="en-US" sz="2400" cap="none">
@@ -11804,14 +11785,15 @@
           </a:p>
           <a:p>
             <a:pPr lvl="1">
-              <a:buFont typeface="Wingdings" charset="2"/>
-              <a:buChar char="v"/>
+              <a:buFont typeface="Arial" panose="020B0604020202020204" pitchFamily="34" charset="0"/>
+              <a:buChar char="•"/>
             </a:pPr>
             <a:endParaRPr lang="en-US" sz="1400"/>
           </a:p>
           <a:p>
-            <a:pPr marL="57150" indent="0">
-              <a:buNone/>
+            <a:pPr marL="342900">
+              <a:buFont typeface="Arial" panose="020B0604020202020204" pitchFamily="34" charset="0"/>
+              <a:buChar char="•"/>
             </a:pPr>
             <a:endParaRPr lang="en-US" sz="1600"/>
           </a:p>
@@ -12002,7 +11984,7 @@
                                         <p:tgtEl>
                                           <p:spTgt spid="6">
                                             <p:txEl>
-                                              <p:pRg st="1" end="1"/>
+                                              <p:pRg st="2" end="2"/>
                                             </p:txEl>
                                           </p:spTgt>
                                         </p:tgtEl>
@@ -12020,7 +12002,7 @@
                                         <p:tgtEl>
                                           <p:spTgt spid="6">
                                             <p:txEl>
-                                              <p:pRg st="1" end="1"/>
+                                              <p:pRg st="2" end="2"/>
                                             </p:txEl>
                                           </p:spTgt>
                                         </p:tgtEl>
@@ -12063,7 +12045,7 @@
                                         <p:tgtEl>
                                           <p:spTgt spid="6">
                                             <p:txEl>
-                                              <p:pRg st="2" end="2"/>
+                                              <p:pRg st="3" end="3"/>
                                             </p:txEl>
                                           </p:spTgt>
                                         </p:tgtEl>
@@ -12081,7 +12063,7 @@
                                         <p:tgtEl>
                                           <p:spTgt spid="6">
                                             <p:txEl>
-                                              <p:pRg st="2" end="2"/>
+                                              <p:pRg st="3" end="3"/>
                                             </p:txEl>
                                           </p:spTgt>
                                         </p:tgtEl>
@@ -12124,7 +12106,7 @@
                                         <p:tgtEl>
                                           <p:spTgt spid="6">
                                             <p:txEl>
-                                              <p:pRg st="3" end="3"/>
+                                              <p:pRg st="4" end="4"/>
                                             </p:txEl>
                                           </p:spTgt>
                                         </p:tgtEl>
@@ -12139,49 +12121,6 @@
                                     <p:animEffect transition="in" filter="fade">
                                       <p:cBhvr>
                                         <p:cTn id="17" dur="500"/>
-                                        <p:tgtEl>
-                                          <p:spTgt spid="6">
-                                            <p:txEl>
-                                              <p:pRg st="3" end="3"/>
-                                            </p:txEl>
-                                          </p:spTgt>
-                                        </p:tgtEl>
-                                      </p:cBhvr>
-                                    </p:animEffect>
-                                  </p:childTnLst>
-                                </p:cTn>
-                              </p:par>
-                              <p:par>
-                                <p:cTn id="18" presetID="10" presetClass="entr" presetSubtype="0" fill="hold" nodeType="withEffect">
-                                  <p:stCondLst>
-                                    <p:cond delay="0"/>
-                                  </p:stCondLst>
-                                  <p:childTnLst>
-                                    <p:set>
-                                      <p:cBhvr>
-                                        <p:cTn id="19" dur="1" fill="hold">
-                                          <p:stCondLst>
-                                            <p:cond delay="0"/>
-                                          </p:stCondLst>
-                                        </p:cTn>
-                                        <p:tgtEl>
-                                          <p:spTgt spid="6">
-                                            <p:txEl>
-                                              <p:pRg st="4" end="4"/>
-                                            </p:txEl>
-                                          </p:spTgt>
-                                        </p:tgtEl>
-                                        <p:attrNameLst>
-                                          <p:attrName>style.visibility</p:attrName>
-                                        </p:attrNameLst>
-                                      </p:cBhvr>
-                                      <p:to>
-                                        <p:strVal val="visible"/>
-                                      </p:to>
-                                    </p:set>
-                                    <p:animEffect transition="in" filter="fade">
-                                      <p:cBhvr>
-                                        <p:cTn id="20" dur="500"/>
                                         <p:tgtEl>
                                           <p:spTgt spid="6">
                                             <p:txEl>
@@ -14634,7 +14573,7 @@
         </p:nvSpPr>
         <p:spPr>
           <a:xfrm>
-            <a:off x="255621" y="725035"/>
+            <a:off x="202097" y="540369"/>
             <a:ext cx="8739806" cy="5401078"/>
           </a:xfrm>
         </p:spPr>
@@ -15559,8 +15498,8 @@
         </p:nvSpPr>
         <p:spPr>
           <a:xfrm>
-            <a:off x="364848" y="5745669"/>
-            <a:ext cx="7864239" cy="738664"/>
+            <a:off x="365304" y="5800691"/>
+            <a:ext cx="8126009" cy="677108"/>
           </a:xfrm>
           <a:prstGeom prst="rect">
             <a:avLst/>
@@ -15576,12 +15515,14 @@
           </a:bodyPr>
           <a:lstStyle/>
           <a:p>
-            <a:pPr algn="ctr"/>
-            <a:r>
-              <a:rPr lang="en-US" sz="2400"/>
-              <a:t>Try the example:</a:t>
-            </a:r>
-            <a:endParaRPr lang="en-US"/>
+            <a:pPr marL="342900" indent="-342900">
+              <a:buFont typeface="Arial" panose="020B0604020202020204" pitchFamily="34" charset="0"/>
+              <a:buChar char="•"/>
+            </a:pPr>
+            <a:r>
+              <a:rPr lang="en-US" sz="2000"/>
+              <a:t>Try the example, make a simple object method and call it.</a:t>
+            </a:r>
           </a:p>
           <a:p>
             <a:pPr algn="ctr"/>
@@ -17110,10 +17051,12 @@
                   </a:outerShdw>
                 </a:effectLst>
               </a:rPr>
-              <a:t>Events are </a:t>
-            </a:r>
-            <a:r>
-              <a:rPr lang="en-US" sz="2800" cap="none" err="1">
+              <a:t>Events are JavaScript reacting to certain happenings in html</a:t>
+            </a:r>
+          </a:p>
+          <a:p>
+            <a:r>
+              <a:rPr lang="en-US" sz="3000" cap="none">
                 <a:effectLst>
                   <a:glow rad="38100">
                     <a:prstClr val="black">
@@ -17129,8 +17072,114 @@
                   </a:outerShdw>
                 </a:effectLst>
               </a:rPr>
-              <a:t>javascript</a:t>
-            </a:r>
+              <a:t>Example events:</a:t>
+            </a:r>
+          </a:p>
+          <a:p>
+            <a:pPr lvl="1"/>
+            <a:r>
+              <a:rPr lang="en-US" sz="3000" cap="none">
+                <a:effectLst>
+                  <a:glow rad="38100">
+                    <a:prstClr val="black">
+                      <a:lumMod val="50000"/>
+                      <a:lumOff val="50000"/>
+                      <a:alpha val="20000"/>
+                    </a:prstClr>
+                  </a:glow>
+                  <a:outerShdw blurRad="44450" dist="12700" dir="13860000" algn="tl" rotWithShape="0">
+                    <a:srgbClr val="000000">
+                      <a:alpha val="20000"/>
+                    </a:srgbClr>
+                  </a:outerShdw>
+                </a:effectLst>
+              </a:rPr>
+              <a:t>Onclick – for buttons</a:t>
+            </a:r>
+          </a:p>
+          <a:p>
+            <a:pPr lvl="1"/>
+            <a:r>
+              <a:rPr lang="en-US" sz="3000" cap="none" err="1">
+                <a:effectLst>
+                  <a:glow rad="38100">
+                    <a:prstClr val="black">
+                      <a:lumMod val="50000"/>
+                      <a:lumOff val="50000"/>
+                      <a:alpha val="20000"/>
+                    </a:prstClr>
+                  </a:glow>
+                  <a:outerShdw blurRad="44450" dist="12700" dir="13860000" algn="tl" rotWithShape="0">
+                    <a:srgbClr val="000000">
+                      <a:alpha val="20000"/>
+                    </a:srgbClr>
+                  </a:outerShdw>
+                </a:effectLst>
+              </a:rPr>
+              <a:t>Onchange</a:t>
+            </a:r>
+            <a:r>
+              <a:rPr lang="en-US" sz="3000" cap="none">
+                <a:effectLst>
+                  <a:glow rad="38100">
+                    <a:prstClr val="black">
+                      <a:lumMod val="50000"/>
+                      <a:lumOff val="50000"/>
+                      <a:alpha val="20000"/>
+                    </a:prstClr>
+                  </a:glow>
+                  <a:outerShdw blurRad="44450" dist="12700" dir="13860000" algn="tl" rotWithShape="0">
+                    <a:srgbClr val="000000">
+                      <a:alpha val="20000"/>
+                    </a:srgbClr>
+                  </a:outerShdw>
+                </a:effectLst>
+              </a:rPr>
+              <a:t> – for forms</a:t>
+            </a:r>
+          </a:p>
+          <a:p>
+            <a:pPr lvl="1"/>
+            <a:r>
+              <a:rPr lang="en-US" sz="3000" cap="none" err="1">
+                <a:effectLst>
+                  <a:glow rad="38100">
+                    <a:prstClr val="black">
+                      <a:lumMod val="50000"/>
+                      <a:lumOff val="50000"/>
+                      <a:alpha val="20000"/>
+                    </a:prstClr>
+                  </a:glow>
+                  <a:outerShdw blurRad="44450" dist="12700" dir="13860000" algn="tl" rotWithShape="0">
+                    <a:srgbClr val="000000">
+                      <a:alpha val="20000"/>
+                    </a:srgbClr>
+                  </a:outerShdw>
+                </a:effectLst>
+              </a:rPr>
+              <a:t>Onmouseover</a:t>
+            </a:r>
+            <a:r>
+              <a:rPr lang="en-US" sz="3000" cap="none">
+                <a:effectLst>
+                  <a:glow rad="38100">
+                    <a:prstClr val="black">
+                      <a:lumMod val="50000"/>
+                      <a:lumOff val="50000"/>
+                      <a:alpha val="20000"/>
+                    </a:prstClr>
+                  </a:glow>
+                  <a:outerShdw blurRad="44450" dist="12700" dir="13860000" algn="tl" rotWithShape="0">
+                    <a:srgbClr val="000000">
+                      <a:alpha val="20000"/>
+                    </a:srgbClr>
+                  </a:outerShdw>
+                </a:effectLst>
+              </a:rPr>
+              <a:t>- to change part of html while the cursor is over an object</a:t>
+            </a:r>
+          </a:p>
+          <a:p>
             <a:r>
               <a:rPr lang="en-US" sz="2800" cap="none">
                 <a:effectLst>
@@ -17148,191 +17197,7 @@
                   </a:outerShdw>
                 </a:effectLst>
               </a:rPr>
-              <a:t> reacting to certain happenings in html</a:t>
-            </a:r>
-          </a:p>
-          <a:p>
-            <a:r>
-              <a:rPr lang="en-US" sz="3000" cap="none">
-                <a:effectLst>
-                  <a:glow rad="38100">
-                    <a:prstClr val="black">
-                      <a:lumMod val="50000"/>
-                      <a:lumOff val="50000"/>
-                      <a:alpha val="20000"/>
-                    </a:prstClr>
-                  </a:glow>
-                  <a:outerShdw blurRad="44450" dist="12700" dir="13860000" algn="tl" rotWithShape="0">
-                    <a:srgbClr val="000000">
-                      <a:alpha val="20000"/>
-                    </a:srgbClr>
-                  </a:outerShdw>
-                </a:effectLst>
-              </a:rPr>
-              <a:t>Example events:</a:t>
-            </a:r>
-          </a:p>
-          <a:p>
-            <a:pPr lvl="1"/>
-            <a:r>
-              <a:rPr lang="en-US" sz="3000" cap="none">
-                <a:effectLst>
-                  <a:glow rad="38100">
-                    <a:prstClr val="black">
-                      <a:lumMod val="50000"/>
-                      <a:lumOff val="50000"/>
-                      <a:alpha val="20000"/>
-                    </a:prstClr>
-                  </a:glow>
-                  <a:outerShdw blurRad="44450" dist="12700" dir="13860000" algn="tl" rotWithShape="0">
-                    <a:srgbClr val="000000">
-                      <a:alpha val="20000"/>
-                    </a:srgbClr>
-                  </a:outerShdw>
-                </a:effectLst>
-              </a:rPr>
-              <a:t>Onclick – for buttons</a:t>
-            </a:r>
-          </a:p>
-          <a:p>
-            <a:pPr lvl="1"/>
-            <a:r>
-              <a:rPr lang="en-US" sz="3000" cap="none" err="1">
-                <a:effectLst>
-                  <a:glow rad="38100">
-                    <a:prstClr val="black">
-                      <a:lumMod val="50000"/>
-                      <a:lumOff val="50000"/>
-                      <a:alpha val="20000"/>
-                    </a:prstClr>
-                  </a:glow>
-                  <a:outerShdw blurRad="44450" dist="12700" dir="13860000" algn="tl" rotWithShape="0">
-                    <a:srgbClr val="000000">
-                      <a:alpha val="20000"/>
-                    </a:srgbClr>
-                  </a:outerShdw>
-                </a:effectLst>
-              </a:rPr>
-              <a:t>Onchange</a:t>
-            </a:r>
-            <a:r>
-              <a:rPr lang="en-US" sz="3000" cap="none">
-                <a:effectLst>
-                  <a:glow rad="38100">
-                    <a:prstClr val="black">
-                      <a:lumMod val="50000"/>
-                      <a:lumOff val="50000"/>
-                      <a:alpha val="20000"/>
-                    </a:prstClr>
-                  </a:glow>
-                  <a:outerShdw blurRad="44450" dist="12700" dir="13860000" algn="tl" rotWithShape="0">
-                    <a:srgbClr val="000000">
-                      <a:alpha val="20000"/>
-                    </a:srgbClr>
-                  </a:outerShdw>
-                </a:effectLst>
-              </a:rPr>
-              <a:t> – for forms</a:t>
-            </a:r>
-          </a:p>
-          <a:p>
-            <a:pPr lvl="1"/>
-            <a:r>
-              <a:rPr lang="en-US" sz="3000" cap="none" err="1">
-                <a:effectLst>
-                  <a:glow rad="38100">
-                    <a:prstClr val="black">
-                      <a:lumMod val="50000"/>
-                      <a:lumOff val="50000"/>
-                      <a:alpha val="20000"/>
-                    </a:prstClr>
-                  </a:glow>
-                  <a:outerShdw blurRad="44450" dist="12700" dir="13860000" algn="tl" rotWithShape="0">
-                    <a:srgbClr val="000000">
-                      <a:alpha val="20000"/>
-                    </a:srgbClr>
-                  </a:outerShdw>
-                </a:effectLst>
-              </a:rPr>
-              <a:t>Onmouseover</a:t>
-            </a:r>
-            <a:r>
-              <a:rPr lang="en-US" sz="3000" cap="none">
-                <a:effectLst>
-                  <a:glow rad="38100">
-                    <a:prstClr val="black">
-                      <a:lumMod val="50000"/>
-                      <a:lumOff val="50000"/>
-                      <a:alpha val="20000"/>
-                    </a:prstClr>
-                  </a:glow>
-                  <a:outerShdw blurRad="44450" dist="12700" dir="13860000" algn="tl" rotWithShape="0">
-                    <a:srgbClr val="000000">
-                      <a:alpha val="20000"/>
-                    </a:srgbClr>
-                  </a:outerShdw>
-                </a:effectLst>
-              </a:rPr>
-              <a:t>- to change part of html while the cursor is over an object</a:t>
-            </a:r>
-          </a:p>
-          <a:p>
-            <a:r>
-              <a:rPr lang="en-US" sz="2800" cap="none">
-                <a:effectLst>
-                  <a:glow rad="38100">
-                    <a:prstClr val="black">
-                      <a:lumMod val="50000"/>
-                      <a:lumOff val="50000"/>
-                      <a:alpha val="20000"/>
-                    </a:prstClr>
-                  </a:glow>
-                  <a:outerShdw blurRad="44450" dist="12700" dir="13860000" algn="tl" rotWithShape="0">
-                    <a:srgbClr val="000000">
-                      <a:alpha val="20000"/>
-                    </a:srgbClr>
-                  </a:outerShdw>
-                </a:effectLst>
-              </a:rPr>
-              <a:t>These events are used alongside </a:t>
-            </a:r>
-            <a:r>
-              <a:rPr lang="en-US" sz="2800" cap="none" err="1">
-                <a:effectLst>
-                  <a:glow rad="38100">
-                    <a:prstClr val="black">
-                      <a:lumMod val="50000"/>
-                      <a:lumOff val="50000"/>
-                      <a:alpha val="20000"/>
-                    </a:prstClr>
-                  </a:glow>
-                  <a:outerShdw blurRad="44450" dist="12700" dir="13860000" algn="tl" rotWithShape="0">
-                    <a:srgbClr val="000000">
-                      <a:alpha val="20000"/>
-                    </a:srgbClr>
-                  </a:outerShdw>
-                </a:effectLst>
-              </a:rPr>
-              <a:t>javascript</a:t>
-            </a:r>
-            <a:r>
-              <a:rPr lang="en-US" sz="2800" cap="none">
-                <a:effectLst>
-                  <a:glow rad="38100">
-                    <a:prstClr val="black">
-                      <a:lumMod val="50000"/>
-                      <a:lumOff val="50000"/>
-                      <a:alpha val="20000"/>
-                    </a:prstClr>
-                  </a:glow>
-                  <a:outerShdw blurRad="44450" dist="12700" dir="13860000" algn="tl" rotWithShape="0">
-                    <a:srgbClr val="000000">
-                      <a:alpha val="20000"/>
-                    </a:srgbClr>
-                  </a:outerShdw>
-                </a:effectLst>
-              </a:rPr>
-              <a:t> code to change elements of the html document.</a:t>
+              <a:t>These events are used with JavaScript code to change elements of the html document.</a:t>
             </a:r>
           </a:p>
           <a:p>
@@ -17905,8 +17770,8 @@
         </p:nvSpPr>
         <p:spPr>
           <a:xfrm>
-            <a:off x="904170" y="-59343"/>
-            <a:ext cx="7055380" cy="871457"/>
+            <a:off x="904170" y="-59342"/>
+            <a:ext cx="7055380" cy="1104372"/>
           </a:xfrm>
         </p:spPr>
         <p:txBody>
@@ -17917,10 +17782,10 @@
           <a:p>
             <a:pPr algn="ctr"/>
             <a:r>
-              <a:rPr lang="en-US" sz="3200"/>
+              <a:rPr lang="en-US" sz="3600"/>
               <a:t>Scope</a:t>
             </a:r>
-            <a:endParaRPr lang="en-US" sz="3200">
+            <a:endParaRPr lang="en-US" sz="3600">
               <a:effectLst>
                 <a:glow rad="38100">
                   <a:prstClr val="black">
@@ -25539,12 +25404,20 @@
               <a:t>Try the </a:t>
             </a:r>
             <a:r>
+              <a:rPr lang="en-US" sz="2400" err="1">
+                <a:latin typeface="Consolas"/>
+                <a:ea typeface="+mn-lt"/>
+                <a:cs typeface="+mn-lt"/>
+              </a:rPr>
+              <a:t>forEach</a:t>
+            </a:r>
+            <a:r>
               <a:rPr lang="en-US" sz="2400">
                 <a:latin typeface="Consolas"/>
                 <a:ea typeface="+mn-lt"/>
                 <a:cs typeface="+mn-lt"/>
               </a:rPr>
-              <a:t>forEach()</a:t>
+              <a:t>()</a:t>
             </a:r>
             <a:r>
               <a:rPr lang="en-US" sz="2400">
@@ -25555,6 +25428,7 @@
             </a:r>
           </a:p>
           <a:p>
+            <a:pPr algn="ctr"/>
             <a:r>
               <a:rPr lang="en-US" sz="2400">
                 <a:ea typeface="+mn-lt"/>
@@ -26623,7 +26497,7 @@
         </p:nvSpPr>
         <p:spPr>
           <a:xfrm>
-            <a:off x="373895" y="967640"/>
+            <a:off x="527576" y="1140531"/>
             <a:ext cx="7790328" cy="830997"/>
           </a:xfrm>
           <a:prstGeom prst="rect">
@@ -26657,7 +26531,7 @@
                 <a:ea typeface="+mn-lt"/>
                 <a:cs typeface="+mn-lt"/>
               </a:rPr>
-              <a:t> returns a random number between 0 (inclusive),  and 1 (exclusive):</a:t>
+              <a:t> returns a random number between 0 (inclusive),  and 1 (exclusive)</a:t>
             </a:r>
             <a:endParaRPr lang="en-US">
               <a:ea typeface="+mn-lt"/>
@@ -26740,7 +26614,7 @@
         </p:nvSpPr>
         <p:spPr>
           <a:xfrm>
-            <a:off x="475168" y="3479908"/>
+            <a:off x="138991" y="3364647"/>
             <a:ext cx="8563013" cy="830997"/>
           </a:xfrm>
           <a:prstGeom prst="rect">
@@ -26757,17 +26631,13 @@
           </a:bodyPr>
           <a:lstStyle/>
           <a:p>
-            <a:pPr marL="342900" indent="-342900">
-              <a:buFont typeface="Arial"/>
-              <a:buChar char="•"/>
-            </a:pPr>
             <a:r>
               <a:rPr lang="en-US" sz="2400">
                 <a:latin typeface="Consolas"/>
                 <a:ea typeface="+mn-lt"/>
                 <a:cs typeface="+mn-lt"/>
               </a:rPr>
-              <a:t>Math.floor(Math.random() * 10);     </a:t>
+              <a:t>    Math.floor(Math.random() * 10);     </a:t>
             </a:r>
             <a:endParaRPr lang="en-US">
               <a:latin typeface="Consolas"/>
@@ -27118,7 +26988,7 @@
         <p:spPr>
           <a:xfrm>
             <a:off x="498985" y="2808406"/>
-            <a:ext cx="7944059" cy="2954655"/>
+            <a:ext cx="7944059" cy="3385542"/>
           </a:xfrm>
           <a:prstGeom prst="rect">
             <a:avLst/>
@@ -27139,18 +27009,18 @@
               <a:buChar char="•"/>
             </a:pPr>
             <a:r>
-              <a:rPr lang="en-US" sz="2800" b="1">
+              <a:rPr lang="en-US" sz="2800" b="1" dirty="0">
                 <a:ea typeface="+mn-lt"/>
                 <a:cs typeface="+mn-lt"/>
               </a:rPr>
               <a:t>Client-Side Security</a:t>
             </a:r>
             <a:r>
-              <a:rPr lang="en-US" sz="2800">
-                <a:ea typeface="+mn-lt"/>
-                <a:cs typeface="+mn-lt"/>
-              </a:rPr>
-              <a:t>. </a:t>
+              <a:rPr lang="en-US" sz="2800" dirty="0">
+                <a:ea typeface="+mn-lt"/>
+                <a:cs typeface="+mn-lt"/>
+              </a:rPr>
+              <a:t>. </a:t>
             </a:r>
             <a:endParaRPr lang="en-US">
               <a:ea typeface="+mn-lt"/>
@@ -27163,13 +27033,13 @@
               <a:buChar char="•"/>
             </a:pPr>
             <a:r>
-              <a:rPr lang="en-US" sz="2800">
-                <a:ea typeface="+mn-lt"/>
-                <a:cs typeface="+mn-lt"/>
-              </a:rPr>
-              <a:t>Can be used for malicious purposes</a:t>
-            </a:r>
-            <a:endParaRPr lang="en-US">
+              <a:rPr lang="en-US" sz="2800" dirty="0">
+                <a:ea typeface="+mn-lt"/>
+                <a:cs typeface="+mn-lt"/>
+              </a:rPr>
+              <a:t>Malicious JavaScript can be embedded in web pages</a:t>
+            </a:r>
+            <a:endParaRPr lang="en-US" dirty="0">
               <a:ea typeface="+mn-lt"/>
               <a:cs typeface="+mn-lt"/>
             </a:endParaRPr>
@@ -27184,7 +27054,7 @@
               <a:buChar char="•"/>
             </a:pPr>
             <a:r>
-              <a:rPr lang="en-US" sz="2800">
+              <a:rPr lang="en-US" sz="2800" dirty="0">
                 <a:ea typeface="+mn-lt"/>
                 <a:cs typeface="+mn-lt"/>
               </a:rPr>
@@ -27204,7 +27074,7 @@
               <a:buChar char="•"/>
             </a:pPr>
             <a:r>
-              <a:rPr lang="en-US" sz="2800"/>
+              <a:rPr lang="en-US" sz="2800" dirty="0"/>
               <a:t>Mitigated by browser sandboxing</a:t>
             </a:r>
           </a:p>
@@ -27566,7 +27436,7 @@
                 <a:ea typeface="+mn-lt"/>
                 <a:cs typeface="+mn-lt"/>
               </a:rPr>
-              <a:t>Boolean()</a:t>
+              <a:t>Boolean(expr)</a:t>
             </a:r>
             <a:r>
               <a:rPr lang="en-US" sz="2400">
@@ -27596,7 +27466,7 @@
         </p:nvSpPr>
         <p:spPr>
           <a:xfrm>
-            <a:off x="495135" y="1872722"/>
+            <a:off x="495135" y="1719041"/>
             <a:ext cx="8762664" cy="2000548"/>
           </a:xfrm>
           <a:prstGeom prst="rect">
@@ -27733,7 +27603,7 @@
         </p:nvSpPr>
         <p:spPr>
           <a:xfrm>
-            <a:off x="490476" y="4084184"/>
+            <a:off x="490476" y="3920898"/>
             <a:ext cx="8563013" cy="2000548"/>
           </a:xfrm>
           <a:prstGeom prst="rect">
@@ -27789,7 +27659,7 @@
               <a:rPr lang="en-US" sz="2000">
                 <a:latin typeface="Consolas"/>
               </a:rPr>
-              <a:t>0         // zero</a:t>
+              <a:t>0          // zero</a:t>
             </a:r>
           </a:p>
           <a:p>
@@ -27798,7 +27668,7 @@
               <a:rPr lang="en-US" sz="2000">
                 <a:latin typeface="Consolas"/>
               </a:rPr>
-              <a:t>""        // empty quotes</a:t>
+              <a:t>""         // empty quotes</a:t>
             </a:r>
           </a:p>
           <a:p>
@@ -27807,7 +27677,7 @@
               <a:rPr lang="en-US" sz="2000">
                 <a:latin typeface="Consolas"/>
               </a:rPr>
-              <a:t>Undefined // unitialized variabled</a:t>
+              <a:t>undefined  // uninitialized variable</a:t>
             </a:r>
           </a:p>
           <a:p>
@@ -27816,7 +27686,7 @@
               <a:rPr lang="en-US" sz="2000">
                 <a:latin typeface="Consolas"/>
               </a:rPr>
-              <a:t>null</a:t>
+              <a:t>null       // keyword meaning 'no value'</a:t>
             </a:r>
           </a:p>
           <a:p>
@@ -27825,7 +27695,7 @@
               <a:rPr lang="en-US" sz="2000">
                 <a:latin typeface="Consolas"/>
               </a:rPr>
-              <a:t>NaN</a:t>
+              <a:t>NaN        // Not a Number</a:t>
             </a:r>
           </a:p>
         </p:txBody>
@@ -28114,8 +27984,8 @@
         </p:nvSpPr>
         <p:spPr>
           <a:xfrm>
-            <a:off x="603493" y="907744"/>
-            <a:ext cx="7790328" cy="461665"/>
+            <a:off x="574678" y="763668"/>
+            <a:ext cx="7790328" cy="830997"/>
           </a:xfrm>
           <a:prstGeom prst="rect">
             <a:avLst/>
@@ -28140,7 +28010,7 @@
                 <a:ea typeface="+mn-lt"/>
                 <a:cs typeface="+mn-lt"/>
               </a:rPr>
-              <a:t>&gt;, &gt;=, &lt;, and &lt;= behave as expected</a:t>
+              <a:t>The standard comparison operators (==, !=, &gt;, &gt;=, &lt;, &lt;=) behave as expected</a:t>
             </a:r>
           </a:p>
         </p:txBody>
@@ -28400,7 +28270,7 @@
         </p:nvSpPr>
         <p:spPr>
           <a:xfrm>
-            <a:off x="603493" y="1606521"/>
+            <a:off x="641913" y="1712176"/>
             <a:ext cx="7790328" cy="461665"/>
           </a:xfrm>
           <a:prstGeom prst="rect">
@@ -28423,7 +28293,7 @@
             </a:pPr>
             <a:r>
               <a:rPr lang="en-US" sz="2400"/>
-              <a:t>However:</a:t>
+              <a:t>However, there are a couple of new operators:</a:t>
             </a:r>
           </a:p>
         </p:txBody>
@@ -29887,7 +29757,7 @@
         </p:nvSpPr>
         <p:spPr>
           <a:xfrm>
-            <a:off x="493685" y="3473256"/>
+            <a:off x="532105" y="3626937"/>
             <a:ext cx="8059855" cy="1200329"/>
           </a:xfrm>
           <a:prstGeom prst="rect">
@@ -30112,8 +29982,9 @@
           </a:bodyPr>
           <a:lstStyle/>
           <a:p>
-            <a:r>
-              <a:rPr lang="en-US" sz="2400">
+            <a:pPr algn="ctr"/>
+            <a:r>
+              <a:rPr lang="en-US" sz="2400" b="1">
                 <a:ea typeface="+mn-lt"/>
                 <a:cs typeface="+mn-lt"/>
               </a:rPr>
@@ -30121,6 +29992,7 @@
             </a:r>
           </a:p>
           <a:p>
+            <a:pPr algn="ctr"/>
             <a:r>
               <a:rPr lang="en-US" sz="2400">
                 <a:ea typeface="+mn-lt"/>
@@ -30189,7 +30061,7 @@
         </p:nvSpPr>
         <p:spPr>
           <a:xfrm>
-            <a:off x="443773" y="2125615"/>
+            <a:off x="405353" y="1943119"/>
             <a:ext cx="8499086" cy="2677656"/>
           </a:xfrm>
           <a:prstGeom prst="rect">
@@ -30212,7 +30084,39 @@
                 <a:ea typeface="+mn-lt"/>
                 <a:cs typeface="+mn-lt"/>
               </a:rPr>
-              <a:t>var person = {fname:"John", lname:"Doe", age:25};</a:t>
+              <a:t>var person = {</a:t>
+            </a:r>
+            <a:r>
+              <a:rPr lang="en-US" sz="2400" err="1">
+                <a:latin typeface="Consolas"/>
+                <a:ea typeface="+mn-lt"/>
+                <a:cs typeface="+mn-lt"/>
+              </a:rPr>
+              <a:t>fname</a:t>
+            </a:r>
+            <a:r>
+              <a:rPr lang="en-US" sz="2400">
+                <a:latin typeface="Consolas"/>
+                <a:ea typeface="+mn-lt"/>
+                <a:cs typeface="+mn-lt"/>
+              </a:rPr>
+              <a:t>:"John", </a:t>
+            </a:r>
+            <a:r>
+              <a:rPr lang="en-US" sz="2400" err="1">
+                <a:latin typeface="Consolas"/>
+                <a:ea typeface="+mn-lt"/>
+                <a:cs typeface="+mn-lt"/>
+              </a:rPr>
+              <a:t>lname</a:t>
+            </a:r>
+            <a:r>
+              <a:rPr lang="en-US" sz="2400">
+                <a:latin typeface="Consolas"/>
+                <a:ea typeface="+mn-lt"/>
+                <a:cs typeface="+mn-lt"/>
+              </a:rPr>
+              <a:t>:"Doe", age:25};</a:t>
             </a:r>
             <a:br>
               <a:rPr lang="en-US" sz="2400">
@@ -30417,8 +30321,9 @@
           </a:bodyPr>
           <a:lstStyle/>
           <a:p>
-            <a:r>
-              <a:rPr lang="en-US" sz="2400">
+            <a:pPr algn="ctr"/>
+            <a:r>
+              <a:rPr lang="en-US" sz="2400" b="1">
                 <a:ea typeface="+mn-lt"/>
                 <a:cs typeface="+mn-lt"/>
               </a:rPr>
@@ -30426,6 +30331,7 @@
             </a:r>
           </a:p>
           <a:p>
+            <a:pPr algn="ctr"/>
             <a:r>
               <a:rPr lang="en-US" sz="2400">
                 <a:ea typeface="+mn-lt"/>
@@ -30475,7 +30381,15 @@
             </a:pPr>
             <a:r>
               <a:rPr lang="en-US" sz="2400"/>
-              <a:t>Iterating over the values of an iterable object </a:t>
+              <a:t>Iterating over the values of an </a:t>
+            </a:r>
+            <a:r>
+              <a:rPr lang="en-US" sz="2400" err="1"/>
+              <a:t>iterable</a:t>
+            </a:r>
+            <a:r>
+              <a:rPr lang="en-US" sz="2400"/>
+              <a:t> object </a:t>
             </a:r>
           </a:p>
         </p:txBody>
@@ -30561,7 +30475,35 @@
                 <a:ea typeface="+mn-lt"/>
                 <a:cs typeface="+mn-lt"/>
               </a:rPr>
-              <a:t>  document.write(x + "&lt;br &gt;");</a:t>
+              <a:t>  </a:t>
+            </a:r>
+            <a:r>
+              <a:rPr lang="en-US" sz="2400" err="1">
+                <a:ea typeface="+mn-lt"/>
+                <a:cs typeface="+mn-lt"/>
+              </a:rPr>
+              <a:t>document.write</a:t>
+            </a:r>
+            <a:r>
+              <a:rPr lang="en-US" sz="2400">
+                <a:ea typeface="+mn-lt"/>
+                <a:cs typeface="+mn-lt"/>
+              </a:rPr>
+              <a:t>(x + "&lt;</a:t>
+            </a:r>
+            <a:r>
+              <a:rPr lang="en-US" sz="2400" err="1">
+                <a:ea typeface="+mn-lt"/>
+                <a:cs typeface="+mn-lt"/>
+              </a:rPr>
+              <a:t>br</a:t>
+            </a:r>
+            <a:r>
+              <a:rPr lang="en-US" sz="2400">
+                <a:ea typeface="+mn-lt"/>
+                <a:cs typeface="+mn-lt"/>
+              </a:rPr>
+              <a:t> &gt;");</a:t>
             </a:r>
             <a:br>
               <a:rPr lang="en-US" sz="2400">
@@ -35175,7 +35117,7 @@
         </p:nvSpPr>
         <p:spPr>
           <a:xfrm>
-            <a:off x="534906" y="1302930"/>
+            <a:off x="491811" y="1227335"/>
             <a:ext cx="8001903" cy="3693319"/>
           </a:xfrm>
           <a:prstGeom prst="rect">
@@ -35405,12 +35347,14 @@
           </a:bodyPr>
           <a:lstStyle/>
           <a:p>
+            <a:pPr algn="ctr"/>
             <a:r>
               <a:rPr lang="en-US" sz="2400"/>
               <a:t>Try this example and search for text in a string:</a:t>
             </a:r>
           </a:p>
           <a:p>
+            <a:pPr algn="ctr"/>
             <a:r>
               <a:rPr lang="en-US" sz="2400" u="sng">
                 <a:solidFill>
@@ -35439,6 +35383,262 @@
   <p:clrMapOvr>
     <a:masterClrMapping/>
   </p:clrMapOvr>
+  <p:timing>
+    <p:tnLst>
+      <p:par>
+        <p:cTn id="1" dur="indefinite" restart="never" nodeType="tmRoot">
+          <p:childTnLst>
+            <p:seq concurrent="1" nextAc="seek">
+              <p:cTn id="2" dur="indefinite" nodeType="mainSeq">
+                <p:childTnLst>
+                  <p:par>
+                    <p:cTn id="3" fill="hold">
+                      <p:stCondLst>
+                        <p:cond delay="indefinite"/>
+                      </p:stCondLst>
+                      <p:childTnLst>
+                        <p:par>
+                          <p:cTn id="4" fill="hold">
+                            <p:stCondLst>
+                              <p:cond delay="0"/>
+                            </p:stCondLst>
+                            <p:childTnLst>
+                              <p:par>
+                                <p:cTn id="5" presetID="10" presetClass="entr" presetSubtype="0" fill="hold" nodeType="clickEffect">
+                                  <p:stCondLst>
+                                    <p:cond delay="0"/>
+                                  </p:stCondLst>
+                                  <p:childTnLst>
+                                    <p:set>
+                                      <p:cBhvr>
+                                        <p:cTn id="6" dur="1" fill="hold">
+                                          <p:stCondLst>
+                                            <p:cond delay="0"/>
+                                          </p:stCondLst>
+                                        </p:cTn>
+                                        <p:tgtEl>
+                                          <p:spTgt spid="4">
+                                            <p:txEl>
+                                              <p:pRg st="2" end="2"/>
+                                            </p:txEl>
+                                          </p:spTgt>
+                                        </p:tgtEl>
+                                        <p:attrNameLst>
+                                          <p:attrName>style.visibility</p:attrName>
+                                        </p:attrNameLst>
+                                      </p:cBhvr>
+                                      <p:to>
+                                        <p:strVal val="visible"/>
+                                      </p:to>
+                                    </p:set>
+                                    <p:animEffect transition="in" filter="fade">
+                                      <p:cBhvr>
+                                        <p:cTn id="7" dur="500"/>
+                                        <p:tgtEl>
+                                          <p:spTgt spid="4">
+                                            <p:txEl>
+                                              <p:pRg st="2" end="2"/>
+                                            </p:txEl>
+                                          </p:spTgt>
+                                        </p:tgtEl>
+                                      </p:cBhvr>
+                                    </p:animEffect>
+                                  </p:childTnLst>
+                                </p:cTn>
+                              </p:par>
+                            </p:childTnLst>
+                          </p:cTn>
+                        </p:par>
+                      </p:childTnLst>
+                    </p:cTn>
+                  </p:par>
+                  <p:par>
+                    <p:cTn id="8" fill="hold">
+                      <p:stCondLst>
+                        <p:cond delay="indefinite"/>
+                      </p:stCondLst>
+                      <p:childTnLst>
+                        <p:par>
+                          <p:cTn id="9" fill="hold">
+                            <p:stCondLst>
+                              <p:cond delay="0"/>
+                            </p:stCondLst>
+                            <p:childTnLst>
+                              <p:par>
+                                <p:cTn id="10" presetID="10" presetClass="entr" presetSubtype="0" fill="hold" nodeType="clickEffect">
+                                  <p:stCondLst>
+                                    <p:cond delay="0"/>
+                                  </p:stCondLst>
+                                  <p:childTnLst>
+                                    <p:set>
+                                      <p:cBhvr>
+                                        <p:cTn id="11" dur="1" fill="hold">
+                                          <p:stCondLst>
+                                            <p:cond delay="0"/>
+                                          </p:stCondLst>
+                                        </p:cTn>
+                                        <p:tgtEl>
+                                          <p:spTgt spid="4">
+                                            <p:txEl>
+                                              <p:pRg st="4" end="4"/>
+                                            </p:txEl>
+                                          </p:spTgt>
+                                        </p:tgtEl>
+                                        <p:attrNameLst>
+                                          <p:attrName>style.visibility</p:attrName>
+                                        </p:attrNameLst>
+                                      </p:cBhvr>
+                                      <p:to>
+                                        <p:strVal val="visible"/>
+                                      </p:to>
+                                    </p:set>
+                                    <p:animEffect transition="in" filter="fade">
+                                      <p:cBhvr>
+                                        <p:cTn id="12" dur="500"/>
+                                        <p:tgtEl>
+                                          <p:spTgt spid="4">
+                                            <p:txEl>
+                                              <p:pRg st="4" end="4"/>
+                                            </p:txEl>
+                                          </p:spTgt>
+                                        </p:tgtEl>
+                                      </p:cBhvr>
+                                    </p:animEffect>
+                                  </p:childTnLst>
+                                </p:cTn>
+                              </p:par>
+                            </p:childTnLst>
+                          </p:cTn>
+                        </p:par>
+                      </p:childTnLst>
+                    </p:cTn>
+                  </p:par>
+                  <p:par>
+                    <p:cTn id="13" fill="hold">
+                      <p:stCondLst>
+                        <p:cond delay="indefinite"/>
+                      </p:stCondLst>
+                      <p:childTnLst>
+                        <p:par>
+                          <p:cTn id="14" fill="hold">
+                            <p:stCondLst>
+                              <p:cond delay="0"/>
+                            </p:stCondLst>
+                            <p:childTnLst>
+                              <p:par>
+                                <p:cTn id="15" presetID="10" presetClass="entr" presetSubtype="0" fill="hold" nodeType="clickEffect">
+                                  <p:stCondLst>
+                                    <p:cond delay="0"/>
+                                  </p:stCondLst>
+                                  <p:childTnLst>
+                                    <p:set>
+                                      <p:cBhvr>
+                                        <p:cTn id="16" dur="1" fill="hold">
+                                          <p:stCondLst>
+                                            <p:cond delay="0"/>
+                                          </p:stCondLst>
+                                        </p:cTn>
+                                        <p:tgtEl>
+                                          <p:spTgt spid="5">
+                                            <p:txEl>
+                                              <p:pRg st="0" end="0"/>
+                                            </p:txEl>
+                                          </p:spTgt>
+                                        </p:tgtEl>
+                                        <p:attrNameLst>
+                                          <p:attrName>style.visibility</p:attrName>
+                                        </p:attrNameLst>
+                                      </p:cBhvr>
+                                      <p:to>
+                                        <p:strVal val="visible"/>
+                                      </p:to>
+                                    </p:set>
+                                    <p:animEffect transition="in" filter="fade">
+                                      <p:cBhvr>
+                                        <p:cTn id="17" dur="500"/>
+                                        <p:tgtEl>
+                                          <p:spTgt spid="5">
+                                            <p:txEl>
+                                              <p:pRg st="0" end="0"/>
+                                            </p:txEl>
+                                          </p:spTgt>
+                                        </p:tgtEl>
+                                      </p:cBhvr>
+                                    </p:animEffect>
+                                  </p:childTnLst>
+                                </p:cTn>
+                              </p:par>
+                              <p:par>
+                                <p:cTn id="18" presetID="10" presetClass="entr" presetSubtype="0" fill="hold" nodeType="withEffect">
+                                  <p:stCondLst>
+                                    <p:cond delay="0"/>
+                                  </p:stCondLst>
+                                  <p:childTnLst>
+                                    <p:set>
+                                      <p:cBhvr>
+                                        <p:cTn id="19" dur="1" fill="hold">
+                                          <p:stCondLst>
+                                            <p:cond delay="0"/>
+                                          </p:stCondLst>
+                                        </p:cTn>
+                                        <p:tgtEl>
+                                          <p:spTgt spid="5">
+                                            <p:txEl>
+                                              <p:pRg st="1" end="1"/>
+                                            </p:txEl>
+                                          </p:spTgt>
+                                        </p:tgtEl>
+                                        <p:attrNameLst>
+                                          <p:attrName>style.visibility</p:attrName>
+                                        </p:attrNameLst>
+                                      </p:cBhvr>
+                                      <p:to>
+                                        <p:strVal val="visible"/>
+                                      </p:to>
+                                    </p:set>
+                                    <p:animEffect transition="in" filter="fade">
+                                      <p:cBhvr>
+                                        <p:cTn id="20" dur="500"/>
+                                        <p:tgtEl>
+                                          <p:spTgt spid="5">
+                                            <p:txEl>
+                                              <p:pRg st="1" end="1"/>
+                                            </p:txEl>
+                                          </p:spTgt>
+                                        </p:tgtEl>
+                                      </p:cBhvr>
+                                    </p:animEffect>
+                                  </p:childTnLst>
+                                </p:cTn>
+                              </p:par>
+                            </p:childTnLst>
+                          </p:cTn>
+                        </p:par>
+                      </p:childTnLst>
+                    </p:cTn>
+                  </p:par>
+                </p:childTnLst>
+              </p:cTn>
+              <p:prevCondLst>
+                <p:cond evt="onPrev" delay="0">
+                  <p:tgtEl>
+                    <p:sldTgt/>
+                  </p:tgtEl>
+                </p:cond>
+              </p:prevCondLst>
+              <p:nextCondLst>
+                <p:cond evt="onNext" delay="0">
+                  <p:tgtEl>
+                    <p:sldTgt/>
+                  </p:tgtEl>
+                </p:cond>
+              </p:nextCondLst>
+            </p:seq>
+          </p:childTnLst>
+        </p:cTn>
+      </p:par>
+    </p:tnLst>
+  </p:timing>
 </p:sld>
 </file>
 

--- a/Javascript.pptx
+++ b/Javascript.pptx
@@ -185,7 +185,7 @@
     <p1510:client id="{36D0BE91-E8E9-7A67-4D45-35D6594435A8}" v="854" dt="2019-11-12T12:53:00.308"/>
     <p1510:client id="{6944476C-7B7C-EF75-D8A5-310DDF97C56A}" v="309" dt="2019-11-13T11:25:43.693"/>
     <p1510:client id="{6B28909D-D3C5-49FC-8DC1-89624CF9528B}" v="254" dt="2019-11-13T01:37:15.021"/>
-    <p1510:client id="{78A77EFE-105A-3EED-3094-9157AAE7999D}" v="66" dt="2019-11-13T12:39:25.913"/>
+    <p1510:client id="{78A77EFE-105A-3EED-3094-9157AAE7999D}" v="96" dt="2019-11-13T12:49:07.200"/>
     <p1510:client id="{BDC9E7D7-BE52-EBB8-B1DF-4380543D8069}" v="259" dt="2019-11-12T11:51:32.029"/>
     <p1510:client id="{C28D8D99-F6B3-6415-4723-3C5E5FD8FE6B}" v="38" dt="2019-11-12T11:13:13.623"/>
     <p1510:client id="{F001F4E1-C76E-CE74-0BB3-40D3D900C76A}" v="2124" dt="2019-11-12T16:59:39.824"/>
@@ -22933,7 +22933,7 @@
         <p:spPr>
           <a:xfrm>
             <a:off x="615963" y="1227497"/>
-            <a:ext cx="8358946" cy="1138773"/>
+            <a:ext cx="8358946" cy="769441"/>
           </a:xfrm>
           <a:prstGeom prst="rect">
             <a:avLst/>
@@ -22950,18 +22950,17 @@
           <a:lstStyle/>
           <a:p>
             <a:r>
-              <a:rPr lang="en-US" sz="2400"/>
-              <a:t>Open </a:t>
-            </a:r>
-            <a:r>
-              <a:rPr lang="en-US" sz="2400" b="1"/>
+              <a:rPr lang="en-US" sz="2400" dirty="0"/>
+              <a:t>Leave </a:t>
+            </a:r>
+            <a:r>
+              <a:rPr lang="en-US" sz="2400" b="1" dirty="0"/>
               <a:t>the_basics.html</a:t>
             </a:r>
             <a:r>
-              <a:rPr lang="en-US" sz="2400"/>
-              <a:t> in Chrome and open the Console (F12).</a:t>
-            </a:r>
-            <a:endParaRPr lang="en-US"/>
+              <a:rPr lang="en-US" sz="2400" dirty="0"/>
+              <a:t> open in Chrome</a:t>
+            </a:r>
           </a:p>
           <a:p>
             <a:endParaRPr lang="en-US" sz="2000"/>
@@ -22982,7 +22981,7 @@
         </p:nvSpPr>
         <p:spPr>
           <a:xfrm>
-            <a:off x="613476" y="2365194"/>
+            <a:off x="613476" y="2042465"/>
             <a:ext cx="7790328" cy="1107996"/>
           </a:xfrm>
           <a:prstGeom prst="rect">
@@ -23061,13 +23060,13 @@
           <a:p>
             <a:pPr algn="ctr"/>
             <a:r>
-              <a:rPr lang="en-US" sz="2800" b="1">
-                <a:ea typeface="+mn-lt"/>
-                <a:cs typeface="+mn-lt"/>
-              </a:rPr>
-              <a:t>Fill in the code in the comments in the_basics.js now. Expected output:</a:t>
-            </a:r>
-            <a:endParaRPr lang="en-US"/>
+              <a:rPr lang="en-US" sz="2800" b="1" dirty="0">
+                <a:ea typeface="+mn-lt"/>
+                <a:cs typeface="+mn-lt"/>
+              </a:rPr>
+              <a:t>Fill in the exercises in the comments in the_basics.js now. Expected output:</a:t>
+            </a:r>
+            <a:endParaRPr lang="en-US" dirty="0"/>
           </a:p>
           <a:p>
             <a:pPr algn="l"/>
